--- a/ppt/TableauPrepBuilderIntroV1_2.pptx
+++ b/ppt/TableauPrepBuilderIntroV1_2.pptx
@@ -5,10 +5,10 @@
     <p:sldMasterId id="2147483660" r:id="rId4"/>
   </p:sldMasterIdLst>
   <p:notesMasterIdLst>
-    <p:notesMasterId r:id="rId107"/>
+    <p:notesMasterId r:id="rId108"/>
   </p:notesMasterIdLst>
   <p:handoutMasterIdLst>
-    <p:handoutMasterId r:id="rId108"/>
+    <p:handoutMasterId r:id="rId109"/>
   </p:handoutMasterIdLst>
   <p:sldIdLst>
     <p:sldId id="323" r:id="rId5"/>
@@ -20,99 +20,100 @@
     <p:sldId id="329" r:id="rId11"/>
     <p:sldId id="330" r:id="rId12"/>
     <p:sldId id="331" r:id="rId13"/>
-    <p:sldId id="416" r:id="rId14"/>
-    <p:sldId id="417" r:id="rId15"/>
-    <p:sldId id="418" r:id="rId16"/>
-    <p:sldId id="419" r:id="rId17"/>
-    <p:sldId id="420" r:id="rId18"/>
-    <p:sldId id="421" r:id="rId19"/>
-    <p:sldId id="495" r:id="rId20"/>
-    <p:sldId id="512" r:id="rId21"/>
-    <p:sldId id="497" r:id="rId22"/>
-    <p:sldId id="498" r:id="rId23"/>
-    <p:sldId id="499" r:id="rId24"/>
-    <p:sldId id="500" r:id="rId25"/>
-    <p:sldId id="501" r:id="rId26"/>
-    <p:sldId id="502" r:id="rId27"/>
-    <p:sldId id="503" r:id="rId28"/>
-    <p:sldId id="504" r:id="rId29"/>
-    <p:sldId id="505" r:id="rId30"/>
-    <p:sldId id="506" r:id="rId31"/>
-    <p:sldId id="507" r:id="rId32"/>
-    <p:sldId id="447" r:id="rId33"/>
-    <p:sldId id="492" r:id="rId34"/>
-    <p:sldId id="422" r:id="rId35"/>
-    <p:sldId id="426" r:id="rId36"/>
-    <p:sldId id="423" r:id="rId37"/>
-    <p:sldId id="424" r:id="rId38"/>
-    <p:sldId id="425" r:id="rId39"/>
-    <p:sldId id="427" r:id="rId40"/>
-    <p:sldId id="428" r:id="rId41"/>
-    <p:sldId id="429" r:id="rId42"/>
-    <p:sldId id="430" r:id="rId43"/>
-    <p:sldId id="431" r:id="rId44"/>
-    <p:sldId id="493" r:id="rId45"/>
-    <p:sldId id="432" r:id="rId46"/>
-    <p:sldId id="452" r:id="rId47"/>
-    <p:sldId id="433" r:id="rId48"/>
-    <p:sldId id="446" r:id="rId49"/>
-    <p:sldId id="448" r:id="rId50"/>
-    <p:sldId id="449" r:id="rId51"/>
-    <p:sldId id="496" r:id="rId52"/>
-    <p:sldId id="450" r:id="rId53"/>
-    <p:sldId id="451" r:id="rId54"/>
-    <p:sldId id="494" r:id="rId55"/>
-    <p:sldId id="453" r:id="rId56"/>
-    <p:sldId id="454" r:id="rId57"/>
-    <p:sldId id="508" r:id="rId58"/>
-    <p:sldId id="455" r:id="rId59"/>
-    <p:sldId id="456" r:id="rId60"/>
-    <p:sldId id="457" r:id="rId61"/>
-    <p:sldId id="458" r:id="rId62"/>
-    <p:sldId id="459" r:id="rId63"/>
-    <p:sldId id="460" r:id="rId64"/>
-    <p:sldId id="461" r:id="rId65"/>
-    <p:sldId id="462" r:id="rId66"/>
-    <p:sldId id="509" r:id="rId67"/>
-    <p:sldId id="463" r:id="rId68"/>
-    <p:sldId id="464" r:id="rId69"/>
-    <p:sldId id="465" r:id="rId70"/>
-    <p:sldId id="510" r:id="rId71"/>
-    <p:sldId id="466" r:id="rId72"/>
-    <p:sldId id="467" r:id="rId73"/>
-    <p:sldId id="468" r:id="rId74"/>
-    <p:sldId id="513" r:id="rId75"/>
-    <p:sldId id="511" r:id="rId76"/>
-    <p:sldId id="469" r:id="rId77"/>
-    <p:sldId id="514" r:id="rId78"/>
-    <p:sldId id="470" r:id="rId79"/>
-    <p:sldId id="515" r:id="rId80"/>
-    <p:sldId id="472" r:id="rId81"/>
-    <p:sldId id="473" r:id="rId82"/>
-    <p:sldId id="474" r:id="rId83"/>
-    <p:sldId id="475" r:id="rId84"/>
-    <p:sldId id="516" r:id="rId85"/>
-    <p:sldId id="476" r:id="rId86"/>
-    <p:sldId id="477" r:id="rId87"/>
-    <p:sldId id="478" r:id="rId88"/>
-    <p:sldId id="479" r:id="rId89"/>
-    <p:sldId id="480" r:id="rId90"/>
-    <p:sldId id="481" r:id="rId91"/>
-    <p:sldId id="517" r:id="rId92"/>
-    <p:sldId id="482" r:id="rId93"/>
-    <p:sldId id="483" r:id="rId94"/>
-    <p:sldId id="484" r:id="rId95"/>
-    <p:sldId id="518" r:id="rId96"/>
-    <p:sldId id="486" r:id="rId97"/>
-    <p:sldId id="487" r:id="rId98"/>
-    <p:sldId id="488" r:id="rId99"/>
-    <p:sldId id="489" r:id="rId100"/>
-    <p:sldId id="519" r:id="rId101"/>
-    <p:sldId id="490" r:id="rId102"/>
-    <p:sldId id="382" r:id="rId103"/>
-    <p:sldId id="384" r:id="rId104"/>
-    <p:sldId id="385" r:id="rId105"/>
-    <p:sldId id="340" r:id="rId106"/>
+    <p:sldId id="520" r:id="rId14"/>
+    <p:sldId id="416" r:id="rId15"/>
+    <p:sldId id="417" r:id="rId16"/>
+    <p:sldId id="418" r:id="rId17"/>
+    <p:sldId id="419" r:id="rId18"/>
+    <p:sldId id="420" r:id="rId19"/>
+    <p:sldId id="421" r:id="rId20"/>
+    <p:sldId id="495" r:id="rId21"/>
+    <p:sldId id="512" r:id="rId22"/>
+    <p:sldId id="497" r:id="rId23"/>
+    <p:sldId id="498" r:id="rId24"/>
+    <p:sldId id="499" r:id="rId25"/>
+    <p:sldId id="500" r:id="rId26"/>
+    <p:sldId id="501" r:id="rId27"/>
+    <p:sldId id="502" r:id="rId28"/>
+    <p:sldId id="503" r:id="rId29"/>
+    <p:sldId id="504" r:id="rId30"/>
+    <p:sldId id="505" r:id="rId31"/>
+    <p:sldId id="506" r:id="rId32"/>
+    <p:sldId id="507" r:id="rId33"/>
+    <p:sldId id="447" r:id="rId34"/>
+    <p:sldId id="492" r:id="rId35"/>
+    <p:sldId id="422" r:id="rId36"/>
+    <p:sldId id="426" r:id="rId37"/>
+    <p:sldId id="423" r:id="rId38"/>
+    <p:sldId id="424" r:id="rId39"/>
+    <p:sldId id="425" r:id="rId40"/>
+    <p:sldId id="427" r:id="rId41"/>
+    <p:sldId id="428" r:id="rId42"/>
+    <p:sldId id="429" r:id="rId43"/>
+    <p:sldId id="430" r:id="rId44"/>
+    <p:sldId id="431" r:id="rId45"/>
+    <p:sldId id="493" r:id="rId46"/>
+    <p:sldId id="432" r:id="rId47"/>
+    <p:sldId id="452" r:id="rId48"/>
+    <p:sldId id="433" r:id="rId49"/>
+    <p:sldId id="446" r:id="rId50"/>
+    <p:sldId id="448" r:id="rId51"/>
+    <p:sldId id="449" r:id="rId52"/>
+    <p:sldId id="496" r:id="rId53"/>
+    <p:sldId id="450" r:id="rId54"/>
+    <p:sldId id="451" r:id="rId55"/>
+    <p:sldId id="494" r:id="rId56"/>
+    <p:sldId id="453" r:id="rId57"/>
+    <p:sldId id="454" r:id="rId58"/>
+    <p:sldId id="508" r:id="rId59"/>
+    <p:sldId id="455" r:id="rId60"/>
+    <p:sldId id="456" r:id="rId61"/>
+    <p:sldId id="457" r:id="rId62"/>
+    <p:sldId id="458" r:id="rId63"/>
+    <p:sldId id="459" r:id="rId64"/>
+    <p:sldId id="460" r:id="rId65"/>
+    <p:sldId id="461" r:id="rId66"/>
+    <p:sldId id="462" r:id="rId67"/>
+    <p:sldId id="509" r:id="rId68"/>
+    <p:sldId id="463" r:id="rId69"/>
+    <p:sldId id="464" r:id="rId70"/>
+    <p:sldId id="465" r:id="rId71"/>
+    <p:sldId id="510" r:id="rId72"/>
+    <p:sldId id="466" r:id="rId73"/>
+    <p:sldId id="467" r:id="rId74"/>
+    <p:sldId id="468" r:id="rId75"/>
+    <p:sldId id="513" r:id="rId76"/>
+    <p:sldId id="511" r:id="rId77"/>
+    <p:sldId id="469" r:id="rId78"/>
+    <p:sldId id="514" r:id="rId79"/>
+    <p:sldId id="470" r:id="rId80"/>
+    <p:sldId id="515" r:id="rId81"/>
+    <p:sldId id="472" r:id="rId82"/>
+    <p:sldId id="473" r:id="rId83"/>
+    <p:sldId id="474" r:id="rId84"/>
+    <p:sldId id="475" r:id="rId85"/>
+    <p:sldId id="516" r:id="rId86"/>
+    <p:sldId id="476" r:id="rId87"/>
+    <p:sldId id="477" r:id="rId88"/>
+    <p:sldId id="478" r:id="rId89"/>
+    <p:sldId id="479" r:id="rId90"/>
+    <p:sldId id="480" r:id="rId91"/>
+    <p:sldId id="481" r:id="rId92"/>
+    <p:sldId id="517" r:id="rId93"/>
+    <p:sldId id="482" r:id="rId94"/>
+    <p:sldId id="483" r:id="rId95"/>
+    <p:sldId id="484" r:id="rId96"/>
+    <p:sldId id="518" r:id="rId97"/>
+    <p:sldId id="486" r:id="rId98"/>
+    <p:sldId id="487" r:id="rId99"/>
+    <p:sldId id="488" r:id="rId100"/>
+    <p:sldId id="489" r:id="rId101"/>
+    <p:sldId id="519" r:id="rId102"/>
+    <p:sldId id="490" r:id="rId103"/>
+    <p:sldId id="382" r:id="rId104"/>
+    <p:sldId id="384" r:id="rId105"/>
+    <p:sldId id="385" r:id="rId106"/>
+    <p:sldId id="340" r:id="rId107"/>
   </p:sldIdLst>
   <p:sldSz cx="12192000" cy="6858000"/>
   <p:notesSz cx="9309100" cy="7053263"/>
@@ -255,6 +256,7 @@
             <p14:sldId id="329"/>
             <p14:sldId id="330"/>
             <p14:sldId id="331"/>
+            <p14:sldId id="520"/>
           </p14:sldIdLst>
         </p14:section>
         <p14:section name="Module 1: ETL &amp; Demo Data" id="{2DA96C91-37FF-0A4F-82F0-9341DCD5D040}">
@@ -549,7 +551,7 @@
               <a:pPr>
                 <a:defRPr/>
               </a:pPr>
-              <a:t>1/29/2020</a:t>
+              <a:t>1/30/2020</a:t>
             </a:fld>
             <a:endParaRPr lang="en-US"/>
           </a:p>
@@ -768,7 +770,7 @@
               <a:pPr>
                 <a:defRPr/>
               </a:pPr>
-              <a:t>1/29/2020</a:t>
+              <a:t>1/30/2020</a:t>
             </a:fld>
             <a:endParaRPr lang="en-US"/>
           </a:p>
@@ -1255,7 +1257,7 @@
               <a:pPr>
                 <a:defRPr/>
               </a:pPr>
-              <a:t>43</a:t>
+              <a:t>44</a:t>
             </a:fld>
             <a:endParaRPr lang="en-US"/>
           </a:p>
@@ -1345,7 +1347,7 @@
               <a:pPr>
                 <a:defRPr/>
               </a:pPr>
-              <a:t>44</a:t>
+              <a:t>45</a:t>
             </a:fld>
             <a:endParaRPr lang="en-US"/>
           </a:p>
@@ -1435,7 +1437,7 @@
               <a:pPr>
                 <a:defRPr/>
               </a:pPr>
-              <a:t>45</a:t>
+              <a:t>46</a:t>
             </a:fld>
             <a:endParaRPr lang="en-US"/>
           </a:p>
@@ -1525,7 +1527,7 @@
               <a:pPr>
                 <a:defRPr/>
               </a:pPr>
-              <a:t>46</a:t>
+              <a:t>47</a:t>
             </a:fld>
             <a:endParaRPr lang="en-US"/>
           </a:p>
@@ -1615,7 +1617,7 @@
               <a:pPr>
                 <a:defRPr/>
               </a:pPr>
-              <a:t>47</a:t>
+              <a:t>48</a:t>
             </a:fld>
             <a:endParaRPr lang="en-US"/>
           </a:p>
@@ -1705,7 +1707,7 @@
               <a:pPr>
                 <a:defRPr/>
               </a:pPr>
-              <a:t>49</a:t>
+              <a:t>50</a:t>
             </a:fld>
             <a:endParaRPr lang="en-US"/>
           </a:p>
@@ -1795,7 +1797,7 @@
               <a:pPr>
                 <a:defRPr/>
               </a:pPr>
-              <a:t>50</a:t>
+              <a:t>51</a:t>
             </a:fld>
             <a:endParaRPr lang="en-US"/>
           </a:p>
@@ -1885,7 +1887,7 @@
               <a:pPr>
                 <a:defRPr/>
               </a:pPr>
-              <a:t>52</a:t>
+              <a:t>53</a:t>
             </a:fld>
             <a:endParaRPr lang="en-US"/>
           </a:p>
@@ -1975,7 +1977,7 @@
               <a:pPr>
                 <a:defRPr/>
               </a:pPr>
-              <a:t>53</a:t>
+              <a:t>54</a:t>
             </a:fld>
             <a:endParaRPr lang="en-US"/>
           </a:p>
@@ -2065,7 +2067,7 @@
               <a:pPr>
                 <a:defRPr/>
               </a:pPr>
-              <a:t>55</a:t>
+              <a:t>56</a:t>
             </a:fld>
             <a:endParaRPr lang="en-US"/>
           </a:p>
@@ -2337,7 +2339,7 @@
               <a:pPr>
                 <a:defRPr/>
               </a:pPr>
-              <a:t>56</a:t>
+              <a:t>57</a:t>
             </a:fld>
             <a:endParaRPr lang="en-US"/>
           </a:p>
@@ -2427,7 +2429,7 @@
               <a:pPr>
                 <a:defRPr/>
               </a:pPr>
-              <a:t>57</a:t>
+              <a:t>58</a:t>
             </a:fld>
             <a:endParaRPr lang="en-US"/>
           </a:p>
@@ -2517,7 +2519,7 @@
               <a:pPr>
                 <a:defRPr/>
               </a:pPr>
-              <a:t>58</a:t>
+              <a:t>59</a:t>
             </a:fld>
             <a:endParaRPr lang="en-US"/>
           </a:p>
@@ -2607,7 +2609,7 @@
               <a:pPr>
                 <a:defRPr/>
               </a:pPr>
-              <a:t>59</a:t>
+              <a:t>60</a:t>
             </a:fld>
             <a:endParaRPr lang="en-US"/>
           </a:p>
@@ -2697,7 +2699,7 @@
               <a:pPr>
                 <a:defRPr/>
               </a:pPr>
-              <a:t>60</a:t>
+              <a:t>61</a:t>
             </a:fld>
             <a:endParaRPr lang="en-US"/>
           </a:p>
@@ -2787,7 +2789,7 @@
               <a:pPr>
                 <a:defRPr/>
               </a:pPr>
-              <a:t>61</a:t>
+              <a:t>62</a:t>
             </a:fld>
             <a:endParaRPr lang="en-US"/>
           </a:p>
@@ -2877,7 +2879,7 @@
               <a:pPr>
                 <a:defRPr/>
               </a:pPr>
-              <a:t>62</a:t>
+              <a:t>63</a:t>
             </a:fld>
             <a:endParaRPr lang="en-US"/>
           </a:p>
@@ -2967,7 +2969,7 @@
               <a:pPr>
                 <a:defRPr/>
               </a:pPr>
-              <a:t>63</a:t>
+              <a:t>64</a:t>
             </a:fld>
             <a:endParaRPr lang="en-US"/>
           </a:p>
@@ -3057,7 +3059,7 @@
               <a:pPr>
                 <a:defRPr/>
               </a:pPr>
-              <a:t>64</a:t>
+              <a:t>65</a:t>
             </a:fld>
             <a:endParaRPr lang="en-US"/>
           </a:p>
@@ -3147,7 +3149,7 @@
               <a:pPr>
                 <a:defRPr/>
               </a:pPr>
-              <a:t>65</a:t>
+              <a:t>66</a:t>
             </a:fld>
             <a:endParaRPr lang="en-US"/>
           </a:p>
@@ -3438,7 +3440,7 @@
               <a:pPr>
                 <a:defRPr/>
               </a:pPr>
-              <a:t>66</a:t>
+              <a:t>67</a:t>
             </a:fld>
             <a:endParaRPr lang="en-US"/>
           </a:p>
@@ -3528,7 +3530,7 @@
               <a:pPr>
                 <a:defRPr/>
               </a:pPr>
-              <a:t>68</a:t>
+              <a:t>69</a:t>
             </a:fld>
             <a:endParaRPr lang="en-US"/>
           </a:p>
@@ -3618,7 +3620,7 @@
               <a:pPr>
                 <a:defRPr/>
               </a:pPr>
-              <a:t>69</a:t>
+              <a:t>70</a:t>
             </a:fld>
             <a:endParaRPr lang="en-US"/>
           </a:p>
@@ -3708,7 +3710,7 @@
               <a:pPr>
                 <a:defRPr/>
               </a:pPr>
-              <a:t>70</a:t>
+              <a:t>71</a:t>
             </a:fld>
             <a:endParaRPr lang="en-US"/>
           </a:p>
@@ -3798,7 +3800,7 @@
               <a:pPr>
                 <a:defRPr/>
               </a:pPr>
-              <a:t>73</a:t>
+              <a:t>74</a:t>
             </a:fld>
             <a:endParaRPr lang="en-US"/>
           </a:p>
@@ -3888,7 +3890,7 @@
               <a:pPr>
                 <a:defRPr/>
               </a:pPr>
-              <a:t>74</a:t>
+              <a:t>75</a:t>
             </a:fld>
             <a:endParaRPr lang="en-US"/>
           </a:p>
@@ -3978,7 +3980,7 @@
               <a:pPr>
                 <a:defRPr/>
               </a:pPr>
-              <a:t>75</a:t>
+              <a:t>76</a:t>
             </a:fld>
             <a:endParaRPr lang="en-US"/>
           </a:p>
@@ -4068,7 +4070,7 @@
               <a:pPr>
                 <a:defRPr/>
               </a:pPr>
-              <a:t>77</a:t>
+              <a:t>78</a:t>
             </a:fld>
             <a:endParaRPr lang="en-US"/>
           </a:p>
@@ -4158,7 +4160,7 @@
               <a:pPr>
                 <a:defRPr/>
               </a:pPr>
-              <a:t>78</a:t>
+              <a:t>79</a:t>
             </a:fld>
             <a:endParaRPr lang="en-US"/>
           </a:p>
@@ -4248,7 +4250,7 @@
               <a:pPr>
                 <a:defRPr/>
               </a:pPr>
-              <a:t>79</a:t>
+              <a:t>80</a:t>
             </a:fld>
             <a:endParaRPr lang="en-US"/>
           </a:p>
@@ -4338,7 +4340,7 @@
               <a:pPr>
                 <a:defRPr/>
               </a:pPr>
-              <a:t>15</a:t>
+              <a:t>16</a:t>
             </a:fld>
             <a:endParaRPr lang="en-US"/>
           </a:p>
@@ -4428,7 +4430,7 @@
               <a:pPr>
                 <a:defRPr/>
               </a:pPr>
-              <a:t>80</a:t>
+              <a:t>81</a:t>
             </a:fld>
             <a:endParaRPr lang="en-US"/>
           </a:p>
@@ -4518,7 +4520,7 @@
               <a:pPr>
                 <a:defRPr/>
               </a:pPr>
-              <a:t>82</a:t>
+              <a:t>83</a:t>
             </a:fld>
             <a:endParaRPr lang="en-US"/>
           </a:p>
@@ -4608,7 +4610,7 @@
               <a:pPr>
                 <a:defRPr/>
               </a:pPr>
-              <a:t>83</a:t>
+              <a:t>84</a:t>
             </a:fld>
             <a:endParaRPr lang="en-US"/>
           </a:p>
@@ -4698,7 +4700,7 @@
               <a:pPr>
                 <a:defRPr/>
               </a:pPr>
-              <a:t>84</a:t>
+              <a:t>85</a:t>
             </a:fld>
             <a:endParaRPr lang="en-US"/>
           </a:p>
@@ -4788,7 +4790,7 @@
               <a:pPr>
                 <a:defRPr/>
               </a:pPr>
-              <a:t>85</a:t>
+              <a:t>86</a:t>
             </a:fld>
             <a:endParaRPr lang="en-US"/>
           </a:p>
@@ -4878,7 +4880,7 @@
               <a:pPr>
                 <a:defRPr/>
               </a:pPr>
-              <a:t>86</a:t>
+              <a:t>87</a:t>
             </a:fld>
             <a:endParaRPr lang="en-US"/>
           </a:p>
@@ -4968,7 +4970,7 @@
               <a:pPr>
                 <a:defRPr/>
               </a:pPr>
-              <a:t>87</a:t>
+              <a:t>88</a:t>
             </a:fld>
             <a:endParaRPr lang="en-US"/>
           </a:p>
@@ -5058,7 +5060,7 @@
               <a:pPr>
                 <a:defRPr/>
               </a:pPr>
-              <a:t>89</a:t>
+              <a:t>90</a:t>
             </a:fld>
             <a:endParaRPr lang="en-US"/>
           </a:p>
@@ -5148,7 +5150,7 @@
               <a:pPr>
                 <a:defRPr/>
               </a:pPr>
-              <a:t>90</a:t>
+              <a:t>91</a:t>
             </a:fld>
             <a:endParaRPr lang="en-US"/>
           </a:p>
@@ -5238,7 +5240,7 @@
               <a:pPr>
                 <a:defRPr/>
               </a:pPr>
-              <a:t>91</a:t>
+              <a:t>92</a:t>
             </a:fld>
             <a:endParaRPr lang="en-US"/>
           </a:p>
@@ -5328,7 +5330,7 @@
               <a:pPr>
                 <a:defRPr/>
               </a:pPr>
-              <a:t>27</a:t>
+              <a:t>28</a:t>
             </a:fld>
             <a:endParaRPr lang="en-US"/>
           </a:p>
@@ -5418,7 +5420,7 @@
               <a:pPr>
                 <a:defRPr/>
               </a:pPr>
-              <a:t>93</a:t>
+              <a:t>94</a:t>
             </a:fld>
             <a:endParaRPr lang="en-US"/>
           </a:p>
@@ -5508,7 +5510,7 @@
               <a:pPr>
                 <a:defRPr/>
               </a:pPr>
-              <a:t>94</a:t>
+              <a:t>95</a:t>
             </a:fld>
             <a:endParaRPr lang="en-US"/>
           </a:p>
@@ -5598,7 +5600,7 @@
               <a:pPr>
                 <a:defRPr/>
               </a:pPr>
-              <a:t>95</a:t>
+              <a:t>96</a:t>
             </a:fld>
             <a:endParaRPr lang="en-US"/>
           </a:p>
@@ -5688,7 +5690,7 @@
               <a:pPr>
                 <a:defRPr/>
               </a:pPr>
-              <a:t>96</a:t>
+              <a:t>97</a:t>
             </a:fld>
             <a:endParaRPr lang="en-US"/>
           </a:p>
@@ -5778,7 +5780,7 @@
               <a:pPr>
                 <a:defRPr/>
               </a:pPr>
-              <a:t>98</a:t>
+              <a:t>99</a:t>
             </a:fld>
             <a:endParaRPr lang="en-US"/>
           </a:p>
@@ -5868,7 +5870,7 @@
               <a:pPr>
                 <a:defRPr/>
               </a:pPr>
-              <a:t>99</a:t>
+              <a:t>100</a:t>
             </a:fld>
             <a:endParaRPr lang="en-US"/>
           </a:p>
@@ -5958,7 +5960,7 @@
               <a:pPr>
                 <a:defRPr/>
               </a:pPr>
-              <a:t>100</a:t>
+              <a:t>101</a:t>
             </a:fld>
             <a:endParaRPr lang="en-US"/>
           </a:p>
@@ -6048,7 +6050,7 @@
               <a:pPr>
                 <a:defRPr/>
               </a:pPr>
-              <a:t>101</a:t>
+              <a:t>102</a:t>
             </a:fld>
             <a:endParaRPr lang="en-US"/>
           </a:p>
@@ -6138,7 +6140,7 @@
               <a:pPr>
                 <a:defRPr/>
               </a:pPr>
-              <a:t>102</a:t>
+              <a:t>103</a:t>
             </a:fld>
             <a:endParaRPr lang="en-US"/>
           </a:p>
@@ -6228,7 +6230,7 @@
               <a:pPr>
                 <a:defRPr/>
               </a:pPr>
-              <a:t>29</a:t>
+              <a:t>30</a:t>
             </a:fld>
             <a:endParaRPr lang="en-US"/>
           </a:p>
@@ -6318,7 +6320,7 @@
               <a:pPr>
                 <a:defRPr/>
               </a:pPr>
-              <a:t>31</a:t>
+              <a:t>32</a:t>
             </a:fld>
             <a:endParaRPr lang="en-US"/>
           </a:p>
@@ -6408,7 +6410,7 @@
               <a:pPr>
                 <a:defRPr/>
               </a:pPr>
-              <a:t>38</a:t>
+              <a:t>39</a:t>
             </a:fld>
             <a:endParaRPr lang="en-US"/>
           </a:p>
@@ -6498,7 +6500,7 @@
               <a:pPr>
                 <a:defRPr/>
               </a:pPr>
-              <a:t>42</a:t>
+              <a:t>43</a:t>
             </a:fld>
             <a:endParaRPr lang="en-US"/>
           </a:p>
@@ -8982,7 +8984,23 @@
             </a:br>
             <a:r>
               <a:rPr lang="en-US" altLang="en-US" sz="1600" dirty="0"/>
-              <a:t>Call: ____ Access Code: ____ #</a:t>
+              <a:t>Call: </a:t>
+            </a:r>
+            <a:r>
+              <a:rPr lang="en-US" altLang="en-US" sz="1600" dirty="0" smtClean="0"/>
+              <a:t>571-317-3129 </a:t>
+            </a:r>
+            <a:r>
+              <a:rPr lang="en-US" altLang="en-US" sz="1600" dirty="0"/>
+              <a:t>Access Code: </a:t>
+            </a:r>
+            <a:r>
+              <a:rPr lang="en-US" altLang="en-US" sz="1600" dirty="0" smtClean="0"/>
+              <a:t>947 253 813 </a:t>
+            </a:r>
+            <a:r>
+              <a:rPr lang="en-US" altLang="en-US" sz="1600" dirty="0"/>
+              <a:t>#</a:t>
             </a:r>
             <a:br>
               <a:rPr lang="en-US" altLang="en-US" sz="1600" dirty="0"/>
@@ -9153,6 +9171,13 @@
   <p:clrMapOvr>
     <a:masterClrMapping/>
   </p:clrMapOvr>
+  <p:timing>
+    <p:tnLst>
+      <p:par>
+        <p:cTn id="1" dur="indefinite" restart="never" nodeType="tmRoot"/>
+      </p:par>
+    </p:tnLst>
+  </p:timing>
 </p:sld>
 </file>
 
@@ -9175,13 +9200,7 @@
       </p:grpSpPr>
       <p:sp>
         <p:nvSpPr>
-          <p:cNvPr id="2" name="Title 1">
-            <a:extLst>
-              <a:ext uri="{FF2B5EF4-FFF2-40B4-BE49-F238E27FC236}">
-                <a16:creationId xmlns:a16="http://schemas.microsoft.com/office/drawing/2014/main" id="{2B2593B2-3B52-CB45-B091-CA3700E3B2A1}"/>
-              </a:ext>
-            </a:extLst>
-          </p:cNvPr>
+          <p:cNvPr id="4" name="Title 3"/>
           <p:cNvSpPr>
             <a:spLocks noGrp="1"/>
           </p:cNvSpPr>
@@ -9195,16 +9214,154 @@
           <a:lstStyle/>
           <a:p>
             <a:r>
-              <a:rPr lang="en-US" dirty="0"/>
-              <a:t>Module 1: ETL &amp; Demo Data</a:t>
-            </a:r>
+              <a:rPr lang="en-US" dirty="0" smtClean="0"/>
+              <a:t>Initial Setup</a:t>
+            </a:r>
+            <a:endParaRPr lang="en-US" dirty="0"/>
           </a:p>
         </p:txBody>
       </p:sp>
+      <p:sp>
+        <p:nvSpPr>
+          <p:cNvPr id="5" name="Text Placeholder 4"/>
+          <p:cNvSpPr>
+            <a:spLocks noGrp="1"/>
+          </p:cNvSpPr>
+          <p:nvPr>
+            <p:ph type="body" sz="quarter" idx="10"/>
+          </p:nvPr>
+        </p:nvSpPr>
+        <p:spPr>
+          <a:xfrm>
+            <a:off x="762000" y="1752600"/>
+            <a:ext cx="4267200" cy="3733800"/>
+          </a:xfrm>
+        </p:spPr>
+        <p:txBody>
+          <a:bodyPr/>
+          <a:lstStyle/>
+          <a:p>
+            <a:r>
+              <a:rPr lang="en-US" dirty="0" smtClean="0"/>
+              <a:t>Enter info for trial edition of Tableau Prep Builder</a:t>
+            </a:r>
+            <a:endParaRPr lang="en-US" dirty="0"/>
+          </a:p>
+        </p:txBody>
+      </p:sp>
+      <p:grpSp>
+        <p:nvGrpSpPr>
+          <p:cNvPr id="8" name="Group 7"/>
+          <p:cNvGrpSpPr/>
+          <p:nvPr/>
+        </p:nvGrpSpPr>
+        <p:grpSpPr>
+          <a:xfrm>
+            <a:off x="5410200" y="377792"/>
+            <a:ext cx="2892419" cy="4041808"/>
+            <a:chOff x="4495800" y="304800"/>
+            <a:chExt cx="4363059" cy="6096851"/>
+          </a:xfrm>
+        </p:grpSpPr>
+        <p:pic>
+          <p:nvPicPr>
+            <p:cNvPr id="6" name="Picture 5"/>
+            <p:cNvPicPr>
+              <a:picLocks noChangeAspect="1"/>
+            </p:cNvPicPr>
+            <p:nvPr/>
+          </p:nvPicPr>
+          <p:blipFill>
+            <a:blip r:embed="rId2"/>
+            <a:stretch>
+              <a:fillRect/>
+            </a:stretch>
+          </p:blipFill>
+          <p:spPr>
+            <a:xfrm>
+              <a:off x="4495800" y="304800"/>
+              <a:ext cx="4363059" cy="6096851"/>
+            </a:xfrm>
+            <a:prstGeom prst="rect">
+              <a:avLst/>
+            </a:prstGeom>
+          </p:spPr>
+        </p:pic>
+        <p:sp>
+          <p:nvSpPr>
+            <p:cNvPr id="7" name="Rectangle 6"/>
+            <p:cNvSpPr/>
+            <p:nvPr/>
+          </p:nvSpPr>
+          <p:spPr>
+            <a:xfrm>
+              <a:off x="4724400" y="990600"/>
+              <a:ext cx="3124200" cy="533400"/>
+            </a:xfrm>
+            <a:prstGeom prst="rect">
+              <a:avLst/>
+            </a:prstGeom>
+            <a:noFill/>
+            <a:ln>
+              <a:solidFill>
+                <a:srgbClr val="FF0000"/>
+              </a:solidFill>
+            </a:ln>
+          </p:spPr>
+          <p:style>
+            <a:lnRef idx="2">
+              <a:schemeClr val="accent1">
+                <a:shade val="50000"/>
+              </a:schemeClr>
+            </a:lnRef>
+            <a:fillRef idx="1">
+              <a:schemeClr val="accent1"/>
+            </a:fillRef>
+            <a:effectRef idx="0">
+              <a:schemeClr val="accent1"/>
+            </a:effectRef>
+            <a:fontRef idx="minor">
+              <a:schemeClr val="lt1"/>
+            </a:fontRef>
+          </p:style>
+          <p:txBody>
+            <a:bodyPr rtlCol="0" anchor="ctr"/>
+            <a:lstStyle/>
+            <a:p>
+              <a:pPr algn="ctr"/>
+              <a:endParaRPr lang="en-US"/>
+            </a:p>
+          </p:txBody>
+        </p:sp>
+      </p:grpSp>
+      <p:pic>
+        <p:nvPicPr>
+          <p:cNvPr id="9" name="Picture 8"/>
+          <p:cNvPicPr>
+            <a:picLocks noChangeAspect="1"/>
+          </p:cNvPicPr>
+          <p:nvPr/>
+        </p:nvPicPr>
+        <p:blipFill>
+          <a:blip r:embed="rId3"/>
+          <a:stretch>
+            <a:fillRect/>
+          </a:stretch>
+        </p:blipFill>
+        <p:spPr>
+          <a:xfrm>
+            <a:off x="8458199" y="377794"/>
+            <a:ext cx="2974153" cy="4053328"/>
+          </a:xfrm>
+          <a:prstGeom prst="rect">
+            <a:avLst/>
+          </a:prstGeom>
+        </p:spPr>
+      </p:pic>
     </p:spTree>
     <p:extLst>
       <p:ext uri="{BB962C8B-B14F-4D97-AF65-F5344CB8AC3E}">
-        <p14:creationId xmlns:p14="http://schemas.microsoft.com/office/powerpoint/2010/main" val="931031284"/>
+        <p14:creationId xmlns:p14="http://schemas.microsoft.com/office/powerpoint/2010/main" val="306440061"/>
       </p:ext>
     </p:extLst>
   </p:cSld>
@@ -9250,7 +9407,7 @@
           <a:p>
             <a:r>
               <a:rPr lang="en-US" dirty="0"/>
-              <a:t>Publishing Workflows to Server (Discussed)</a:t>
+              <a:t>Tableau Prep Conductor</a:t>
             </a:r>
           </a:p>
           <a:p>
@@ -9268,12 +9425,26 @@
             <p:ph type="body" sz="quarter" idx="10"/>
           </p:nvPr>
         </p:nvSpPr>
-        <p:spPr/>
+        <p:spPr>
+          <a:xfrm>
+            <a:off x="762000" y="1752600"/>
+            <a:ext cx="4343400" cy="3733800"/>
+          </a:xfrm>
+        </p:spPr>
         <p:txBody>
           <a:bodyPr/>
           <a:lstStyle/>
           <a:p>
-            <a:endParaRPr lang="en-US"/>
+            <a:r>
+              <a:rPr lang="en-US" dirty="0"/>
+              <a:t>Part of the Data Management Add-on</a:t>
+            </a:r>
+          </a:p>
+          <a:p>
+            <a:r>
+              <a:rPr lang="en-US" dirty="0"/>
+              <a:t>Schedule &amp; Monitor Flows on the server</a:t>
+            </a:r>
           </a:p>
         </p:txBody>
       </p:sp>
@@ -9300,10 +9471,40 @@
           </a:p>
         </p:txBody>
       </p:sp>
+      <p:pic>
+        <p:nvPicPr>
+          <p:cNvPr id="3" name="Picture 2">
+            <a:extLst>
+              <a:ext uri="{FF2B5EF4-FFF2-40B4-BE49-F238E27FC236}">
+                <a16:creationId xmlns:a16="http://schemas.microsoft.com/office/drawing/2014/main" id="{F3A79E44-1126-4484-88CD-9CB3EE29ECE5}"/>
+              </a:ext>
+            </a:extLst>
+          </p:cNvPr>
+          <p:cNvPicPr>
+            <a:picLocks noChangeAspect="1"/>
+          </p:cNvPicPr>
+          <p:nvPr/>
+        </p:nvPicPr>
+        <p:blipFill>
+          <a:blip r:embed="rId3"/>
+          <a:stretch>
+            <a:fillRect/>
+          </a:stretch>
+        </p:blipFill>
+        <p:spPr>
+          <a:xfrm>
+            <a:off x="5352404" y="1371600"/>
+            <a:ext cx="6077596" cy="3789119"/>
+          </a:xfrm>
+          <a:prstGeom prst="rect">
+            <a:avLst/>
+          </a:prstGeom>
+        </p:spPr>
+      </p:pic>
     </p:spTree>
     <p:extLst>
       <p:ext uri="{BB962C8B-B14F-4D97-AF65-F5344CB8AC3E}">
-        <p14:creationId xmlns:p14="http://schemas.microsoft.com/office/powerpoint/2010/main" val="2246816309"/>
+        <p14:creationId xmlns:p14="http://schemas.microsoft.com/office/powerpoint/2010/main" val="3097242473"/>
       </p:ext>
     </p:extLst>
   </p:cSld>
@@ -9342,13 +9543,18 @@
         </p:nvSpPr>
         <p:spPr/>
         <p:txBody>
-          <a:bodyPr/>
+          <a:bodyPr>
+            <a:normAutofit/>
+          </a:bodyPr>
           <a:lstStyle/>
           <a:p>
             <a:r>
               <a:rPr lang="en-US" dirty="0"/>
-              <a:t>Scheduling Workflows on the Server (Discussed)</a:t>
-            </a:r>
+              <a:t>Publishing Workflows to Server (Discussed)</a:t>
+            </a:r>
+          </a:p>
+          <a:p>
+            <a:endParaRPr lang="en-US" dirty="0"/>
           </a:p>
         </p:txBody>
       </p:sp>
@@ -9389,6 +9595,100 @@
             <a:fld id="{4FAB73BC-B049-4115-A692-8D63A059BFB8}" type="slidenum">
               <a:rPr lang="en-US" smtClean="0"/>
               <a:t>101</a:t>
+            </a:fld>
+            <a:endParaRPr lang="en-US" dirty="0"/>
+          </a:p>
+        </p:txBody>
+      </p:sp>
+    </p:spTree>
+    <p:extLst>
+      <p:ext uri="{BB962C8B-B14F-4D97-AF65-F5344CB8AC3E}">
+        <p14:creationId xmlns:p14="http://schemas.microsoft.com/office/powerpoint/2010/main" val="2246816309"/>
+      </p:ext>
+    </p:extLst>
+  </p:cSld>
+  <p:clrMapOvr>
+    <a:masterClrMapping/>
+  </p:clrMapOvr>
+</p:sld>
+</file>
+
+<file path=ppt/slides/slide102.xml><?xml version="1.0" encoding="utf-8"?>
+<p:sld xmlns:a="http://schemas.openxmlformats.org/drawingml/2006/main" xmlns:r="http://schemas.openxmlformats.org/officeDocument/2006/relationships" xmlns:p="http://schemas.openxmlformats.org/presentationml/2006/main">
+  <p:cSld>
+    <p:spTree>
+      <p:nvGrpSpPr>
+        <p:cNvPr id="1" name=""/>
+        <p:cNvGrpSpPr/>
+        <p:nvPr/>
+      </p:nvGrpSpPr>
+      <p:grpSpPr>
+        <a:xfrm>
+          <a:off x="0" y="0"/>
+          <a:ext cx="0" cy="0"/>
+          <a:chOff x="0" y="0"/>
+          <a:chExt cx="0" cy="0"/>
+        </a:xfrm>
+      </p:grpSpPr>
+      <p:sp>
+        <p:nvSpPr>
+          <p:cNvPr id="2" name="Title 1"/>
+          <p:cNvSpPr>
+            <a:spLocks noGrp="1"/>
+          </p:cNvSpPr>
+          <p:nvPr>
+            <p:ph type="title"/>
+          </p:nvPr>
+        </p:nvSpPr>
+        <p:spPr/>
+        <p:txBody>
+          <a:bodyPr/>
+          <a:lstStyle/>
+          <a:p>
+            <a:r>
+              <a:rPr lang="en-US" dirty="0"/>
+              <a:t>Scheduling Workflows on the Server (Discussed)</a:t>
+            </a:r>
+          </a:p>
+        </p:txBody>
+      </p:sp>
+      <p:sp>
+        <p:nvSpPr>
+          <p:cNvPr id="5" name="Text Placeholder 4"/>
+          <p:cNvSpPr>
+            <a:spLocks noGrp="1"/>
+          </p:cNvSpPr>
+          <p:nvPr>
+            <p:ph type="body" sz="quarter" idx="10"/>
+          </p:nvPr>
+        </p:nvSpPr>
+        <p:spPr/>
+        <p:txBody>
+          <a:bodyPr/>
+          <a:lstStyle/>
+          <a:p>
+            <a:endParaRPr lang="en-US"/>
+          </a:p>
+        </p:txBody>
+      </p:sp>
+      <p:sp>
+        <p:nvSpPr>
+          <p:cNvPr id="4" name="Slide Number Placeholder 3"/>
+          <p:cNvSpPr>
+            <a:spLocks noGrp="1"/>
+          </p:cNvSpPr>
+          <p:nvPr>
+            <p:ph type="sldNum" sz="quarter" idx="4294967295"/>
+          </p:nvPr>
+        </p:nvSpPr>
+        <p:spPr/>
+        <p:txBody>
+          <a:bodyPr/>
+          <a:lstStyle/>
+          <a:p>
+            <a:fld id="{4FAB73BC-B049-4115-A692-8D63A059BFB8}" type="slidenum">
+              <a:rPr lang="en-US" smtClean="0"/>
+              <a:t>102</a:t>
             </a:fld>
             <a:endParaRPr lang="en-US" dirty="0"/>
           </a:p>
@@ -9407,7 +9707,7 @@
 </p:sld>
 </file>
 
-<file path=ppt/slides/slide102.xml><?xml version="1.0" encoding="utf-8"?>
+<file path=ppt/slides/slide103.xml><?xml version="1.0" encoding="utf-8"?>
 <p:sld xmlns:a="http://schemas.openxmlformats.org/drawingml/2006/main" xmlns:r="http://schemas.openxmlformats.org/officeDocument/2006/relationships" xmlns:p="http://schemas.openxmlformats.org/presentationml/2006/main">
   <p:cSld>
     <p:spTree>
@@ -9522,7 +9822,7 @@
           <p:cNvPr id="2" name="Title 1">
             <a:extLst>
               <a:ext uri="{FF2B5EF4-FFF2-40B4-BE49-F238E27FC236}">
-                <a16:creationId xmlns:a16="http://schemas.microsoft.com/office/drawing/2014/main" id="{32C5EA30-8993-874B-8B34-462F8D4BEF4D}"/>
+                <a16:creationId xmlns:a16="http://schemas.microsoft.com/office/drawing/2014/main" id="{2B2593B2-3B52-CB45-B091-CA3700E3B2A1}"/>
               </a:ext>
             </a:extLst>
           </p:cNvPr>
@@ -9540,47 +9840,7 @@
           <a:p>
             <a:r>
               <a:rPr lang="en-US" dirty="0"/>
-              <a:t>What is ETL?</a:t>
-            </a:r>
-          </a:p>
-        </p:txBody>
-      </p:sp>
-      <p:sp>
-        <p:nvSpPr>
-          <p:cNvPr id="3" name="Text Placeholder 2">
-            <a:extLst>
-              <a:ext uri="{FF2B5EF4-FFF2-40B4-BE49-F238E27FC236}">
-                <a16:creationId xmlns:a16="http://schemas.microsoft.com/office/drawing/2014/main" id="{DF8EF0C6-E868-B44E-A8CC-C0F92B763F23}"/>
-              </a:ext>
-            </a:extLst>
-          </p:cNvPr>
-          <p:cNvSpPr>
-            <a:spLocks noGrp="1"/>
-          </p:cNvSpPr>
-          <p:nvPr>
-            <p:ph type="body" sz="quarter" idx="10"/>
-          </p:nvPr>
-        </p:nvSpPr>
-        <p:spPr/>
-        <p:txBody>
-          <a:bodyPr/>
-          <a:lstStyle/>
-          <a:p>
-            <a:r>
-              <a:rPr lang="en-US" dirty="0"/>
-              <a:t>Extract: Get the data from its current location</a:t>
-            </a:r>
-          </a:p>
-          <a:p>
-            <a:r>
-              <a:rPr lang="en-US" dirty="0"/>
-              <a:t>Transform: Modify the data to suit your analytical needs</a:t>
-            </a:r>
-          </a:p>
-          <a:p>
-            <a:r>
-              <a:rPr lang="en-US" dirty="0"/>
-              <a:t>Load: Transfer the data to the repository your analytical tool will use</a:t>
+              <a:t>Module 1: ETL &amp; Demo Data</a:t>
             </a:r>
           </a:p>
         </p:txBody>
@@ -9588,7 +9848,7 @@
     </p:spTree>
     <p:extLst>
       <p:ext uri="{BB962C8B-B14F-4D97-AF65-F5344CB8AC3E}">
-        <p14:creationId xmlns:p14="http://schemas.microsoft.com/office/powerpoint/2010/main" val="2657623878"/>
+        <p14:creationId xmlns:p14="http://schemas.microsoft.com/office/powerpoint/2010/main" val="931031284"/>
       </p:ext>
     </p:extLst>
   </p:cSld>
@@ -9620,7 +9880,7 @@
           <p:cNvPr id="2" name="Title 1">
             <a:extLst>
               <a:ext uri="{FF2B5EF4-FFF2-40B4-BE49-F238E27FC236}">
-                <a16:creationId xmlns:a16="http://schemas.microsoft.com/office/drawing/2014/main" id="{8C5EC9C9-5B2F-BD4C-B178-ECF70FF2DC75}"/>
+                <a16:creationId xmlns:a16="http://schemas.microsoft.com/office/drawing/2014/main" id="{32C5EA30-8993-874B-8B34-462F8D4BEF4D}"/>
               </a:ext>
             </a:extLst>
           </p:cNvPr>
@@ -9638,7 +9898,7 @@
           <a:p>
             <a:r>
               <a:rPr lang="en-US" dirty="0"/>
-              <a:t>Extract</a:t>
+              <a:t>What is ETL?</a:t>
             </a:r>
           </a:p>
         </p:txBody>
@@ -9648,7 +9908,7 @@
           <p:cNvPr id="3" name="Text Placeholder 2">
             <a:extLst>
               <a:ext uri="{FF2B5EF4-FFF2-40B4-BE49-F238E27FC236}">
-                <a16:creationId xmlns:a16="http://schemas.microsoft.com/office/drawing/2014/main" id="{9584EB7B-6396-A648-A5AF-4509B0BAF6F9}"/>
+                <a16:creationId xmlns:a16="http://schemas.microsoft.com/office/drawing/2014/main" id="{DF8EF0C6-E868-B44E-A8CC-C0F92B763F23}"/>
               </a:ext>
             </a:extLst>
           </p:cNvPr>
@@ -9666,20 +9926,19 @@
           <a:p>
             <a:r>
               <a:rPr lang="en-US" dirty="0"/>
-              <a:t>Connect to data at its source</a:t>
-            </a:r>
-          </a:p>
-          <a:p>
-            <a:pPr lvl="1"/>
+              <a:t>Extract: Get the data from its current location</a:t>
+            </a:r>
+          </a:p>
+          <a:p>
             <a:r>
               <a:rPr lang="en-US" dirty="0"/>
-              <a:t>RDBMS systems, files, web services, etc.</a:t>
+              <a:t>Transform: Modify the data to suit your analytical needs</a:t>
             </a:r>
           </a:p>
           <a:p>
             <a:r>
               <a:rPr lang="en-US" dirty="0"/>
-              <a:t>Combine data from multiple sources</a:t>
+              <a:t>Load: Transfer the data to the repository your analytical tool will use</a:t>
             </a:r>
           </a:p>
         </p:txBody>
@@ -9687,7 +9946,7 @@
     </p:spTree>
     <p:extLst>
       <p:ext uri="{BB962C8B-B14F-4D97-AF65-F5344CB8AC3E}">
-        <p14:creationId xmlns:p14="http://schemas.microsoft.com/office/powerpoint/2010/main" val="1415337276"/>
+        <p14:creationId xmlns:p14="http://schemas.microsoft.com/office/powerpoint/2010/main" val="2657623878"/>
       </p:ext>
     </p:extLst>
   </p:cSld>
@@ -9719,7 +9978,7 @@
           <p:cNvPr id="2" name="Title 1">
             <a:extLst>
               <a:ext uri="{FF2B5EF4-FFF2-40B4-BE49-F238E27FC236}">
-                <a16:creationId xmlns:a16="http://schemas.microsoft.com/office/drawing/2014/main" id="{07DCD22A-61E4-514E-8746-B1822EBDD5CD}"/>
+                <a16:creationId xmlns:a16="http://schemas.microsoft.com/office/drawing/2014/main" id="{8C5EC9C9-5B2F-BD4C-B178-ECF70FF2DC75}"/>
               </a:ext>
             </a:extLst>
           </p:cNvPr>
@@ -9737,7 +9996,7 @@
           <a:p>
             <a:r>
               <a:rPr lang="en-US" dirty="0"/>
-              <a:t>Transform</a:t>
+              <a:t>Extract</a:t>
             </a:r>
           </a:p>
         </p:txBody>
@@ -9747,7 +10006,7 @@
           <p:cNvPr id="3" name="Text Placeholder 2">
             <a:extLst>
               <a:ext uri="{FF2B5EF4-FFF2-40B4-BE49-F238E27FC236}">
-                <a16:creationId xmlns:a16="http://schemas.microsoft.com/office/drawing/2014/main" id="{B4F97957-850F-1F40-9AFA-853ED80CFF05}"/>
+                <a16:creationId xmlns:a16="http://schemas.microsoft.com/office/drawing/2014/main" id="{9584EB7B-6396-A648-A5AF-4509B0BAF6F9}"/>
               </a:ext>
             </a:extLst>
           </p:cNvPr>
@@ -9765,48 +10024,28 @@
           <a:p>
             <a:r>
               <a:rPr lang="en-US" dirty="0"/>
-              <a:t>“Clean” data = remove or repair erroneous entries</a:t>
-            </a:r>
-          </a:p>
-          <a:p>
+              <a:t>Connect to data at its source</a:t>
+            </a:r>
+          </a:p>
+          <a:p>
+            <a:pPr lvl="1"/>
             <a:r>
               <a:rPr lang="en-US" dirty="0"/>
-              <a:t>“Shape” data = get data in a form that’s compatible with your analytic needs</a:t>
-            </a:r>
-          </a:p>
-          <a:p>
-            <a:pPr lvl="1"/>
+              <a:t>RDBMS systems, files, web services, etc.</a:t>
+            </a:r>
+          </a:p>
+          <a:p>
             <a:r>
               <a:rPr lang="en-US" dirty="0"/>
-              <a:t>Join &amp; </a:t>
-            </a:r>
-            <a:r>
-              <a:rPr lang="en-US" dirty="0" err="1"/>
-              <a:t>denormalize</a:t>
-            </a:r>
-            <a:endParaRPr lang="en-US" dirty="0"/>
-          </a:p>
-          <a:p>
-            <a:pPr lvl="1"/>
-            <a:r>
-              <a:rPr lang="en-US" dirty="0"/>
-              <a:t>Replace codes</a:t>
-            </a:r>
-          </a:p>
-          <a:p>
-            <a:pPr lvl="1"/>
-            <a:r>
-              <a:rPr lang="en-US" dirty="0" err="1"/>
-              <a:t>Unpivot</a:t>
-            </a:r>
-            <a:endParaRPr lang="en-US" dirty="0"/>
+              <a:t>Combine data from multiple sources</a:t>
+            </a:r>
           </a:p>
         </p:txBody>
       </p:sp>
     </p:spTree>
     <p:extLst>
       <p:ext uri="{BB962C8B-B14F-4D97-AF65-F5344CB8AC3E}">
-        <p14:creationId xmlns:p14="http://schemas.microsoft.com/office/powerpoint/2010/main" val="2961916942"/>
+        <p14:creationId xmlns:p14="http://schemas.microsoft.com/office/powerpoint/2010/main" val="1415337276"/>
       </p:ext>
     </p:extLst>
   </p:cSld>
@@ -9835,7 +10074,13 @@
       </p:grpSpPr>
       <p:sp>
         <p:nvSpPr>
-          <p:cNvPr id="2" name="Title 1"/>
+          <p:cNvPr id="2" name="Title 1">
+            <a:extLst>
+              <a:ext uri="{FF2B5EF4-FFF2-40B4-BE49-F238E27FC236}">
+                <a16:creationId xmlns:a16="http://schemas.microsoft.com/office/drawing/2014/main" id="{07DCD22A-61E4-514E-8746-B1822EBDD5CD}"/>
+              </a:ext>
+            </a:extLst>
+          </p:cNvPr>
           <p:cNvSpPr>
             <a:spLocks noGrp="1"/>
           </p:cNvSpPr>
@@ -9850,14 +10095,20 @@
           <a:p>
             <a:r>
               <a:rPr lang="en-US" dirty="0"/>
-              <a:t>Load</a:t>
+              <a:t>Transform</a:t>
             </a:r>
           </a:p>
         </p:txBody>
       </p:sp>
       <p:sp>
         <p:nvSpPr>
-          <p:cNvPr id="3" name="Text Placeholder 2"/>
+          <p:cNvPr id="3" name="Text Placeholder 2">
+            <a:extLst>
+              <a:ext uri="{FF2B5EF4-FFF2-40B4-BE49-F238E27FC236}">
+                <a16:creationId xmlns:a16="http://schemas.microsoft.com/office/drawing/2014/main" id="{B4F97957-850F-1F40-9AFA-853ED80CFF05}"/>
+              </a:ext>
+            </a:extLst>
+          </p:cNvPr>
           <p:cNvSpPr>
             <a:spLocks noGrp="1"/>
           </p:cNvSpPr>
@@ -9872,11 +10123,40 @@
           <a:p>
             <a:r>
               <a:rPr lang="en-US" dirty="0"/>
-              <a:t>Push cleaned &amp; shaped data into destination</a:t>
+              <a:t>“Clean” data = remove or repair erroneous entries</a:t>
+            </a:r>
+          </a:p>
+          <a:p>
+            <a:r>
+              <a:rPr lang="en-US" dirty="0"/>
+              <a:t>“Shape” data = get data in a form that’s compatible with your analytic needs</a:t>
             </a:r>
           </a:p>
           <a:p>
             <a:pPr lvl="1"/>
+            <a:r>
+              <a:rPr lang="en-US" dirty="0"/>
+              <a:t>Join &amp; </a:t>
+            </a:r>
+            <a:r>
+              <a:rPr lang="en-US" dirty="0" err="1"/>
+              <a:t>denormalize</a:t>
+            </a:r>
+            <a:endParaRPr lang="en-US" dirty="0"/>
+          </a:p>
+          <a:p>
+            <a:pPr lvl="1"/>
+            <a:r>
+              <a:rPr lang="en-US" dirty="0"/>
+              <a:t>Replace codes</a:t>
+            </a:r>
+          </a:p>
+          <a:p>
+            <a:pPr lvl="1"/>
+            <a:r>
+              <a:rPr lang="en-US" dirty="0" err="1"/>
+              <a:t>Unpivot</a:t>
+            </a:r>
             <a:endParaRPr lang="en-US" dirty="0"/>
           </a:p>
         </p:txBody>
@@ -9884,7 +10164,7 @@
     </p:spTree>
     <p:extLst>
       <p:ext uri="{BB962C8B-B14F-4D97-AF65-F5344CB8AC3E}">
-        <p14:creationId xmlns:p14="http://schemas.microsoft.com/office/powerpoint/2010/main" val="4138222370"/>
+        <p14:creationId xmlns:p14="http://schemas.microsoft.com/office/powerpoint/2010/main" val="2961916942"/>
       </p:ext>
     </p:extLst>
   </p:cSld>
@@ -9928,6 +10208,84 @@
           <a:p>
             <a:r>
               <a:rPr lang="en-US" dirty="0"/>
+              <a:t>Load</a:t>
+            </a:r>
+          </a:p>
+        </p:txBody>
+      </p:sp>
+      <p:sp>
+        <p:nvSpPr>
+          <p:cNvPr id="3" name="Text Placeholder 2"/>
+          <p:cNvSpPr>
+            <a:spLocks noGrp="1"/>
+          </p:cNvSpPr>
+          <p:nvPr>
+            <p:ph type="body" sz="quarter" idx="10"/>
+          </p:nvPr>
+        </p:nvSpPr>
+        <p:spPr/>
+        <p:txBody>
+          <a:bodyPr/>
+          <a:lstStyle/>
+          <a:p>
+            <a:r>
+              <a:rPr lang="en-US" dirty="0"/>
+              <a:t>Push cleaned &amp; shaped data into destination</a:t>
+            </a:r>
+          </a:p>
+          <a:p>
+            <a:pPr lvl="1"/>
+            <a:endParaRPr lang="en-US" dirty="0"/>
+          </a:p>
+        </p:txBody>
+      </p:sp>
+    </p:spTree>
+    <p:extLst>
+      <p:ext uri="{BB962C8B-B14F-4D97-AF65-F5344CB8AC3E}">
+        <p14:creationId xmlns:p14="http://schemas.microsoft.com/office/powerpoint/2010/main" val="4138222370"/>
+      </p:ext>
+    </p:extLst>
+  </p:cSld>
+  <p:clrMapOvr>
+    <a:masterClrMapping/>
+  </p:clrMapOvr>
+</p:sld>
+</file>
+
+<file path=ppt/slides/slide16.xml><?xml version="1.0" encoding="utf-8"?>
+<p:sld xmlns:a="http://schemas.openxmlformats.org/drawingml/2006/main" xmlns:r="http://schemas.openxmlformats.org/officeDocument/2006/relationships" xmlns:p="http://schemas.openxmlformats.org/presentationml/2006/main">
+  <p:cSld>
+    <p:spTree>
+      <p:nvGrpSpPr>
+        <p:cNvPr id="1" name=""/>
+        <p:cNvGrpSpPr/>
+        <p:nvPr/>
+      </p:nvGrpSpPr>
+      <p:grpSpPr>
+        <a:xfrm>
+          <a:off x="0" y="0"/>
+          <a:ext cx="0" cy="0"/>
+          <a:chOff x="0" y="0"/>
+          <a:chExt cx="0" cy="0"/>
+        </a:xfrm>
+      </p:grpSpPr>
+      <p:sp>
+        <p:nvSpPr>
+          <p:cNvPr id="2" name="Title 1"/>
+          <p:cNvSpPr>
+            <a:spLocks noGrp="1"/>
+          </p:cNvSpPr>
+          <p:nvPr>
+            <p:ph type="title"/>
+          </p:nvPr>
+        </p:nvSpPr>
+        <p:spPr/>
+        <p:txBody>
+          <a:bodyPr/>
+          <a:lstStyle/>
+          <a:p>
+            <a:r>
+              <a:rPr lang="en-US" dirty="0"/>
               <a:t>About the Demo Data</a:t>
             </a:r>
           </a:p>
@@ -10013,7 +10371,7 @@
 </p:sld>
 </file>
 
-<file path=ppt/slides/slide16.xml><?xml version="1.0" encoding="utf-8"?>
+<file path=ppt/slides/slide17.xml><?xml version="1.0" encoding="utf-8"?>
 <p:sld xmlns:a="http://schemas.openxmlformats.org/drawingml/2006/main" xmlns:r="http://schemas.openxmlformats.org/officeDocument/2006/relationships" xmlns:p="http://schemas.openxmlformats.org/presentationml/2006/main">
   <p:cSld>
     <p:spTree>
@@ -12304,7 +12662,7 @@
 </p:sld>
 </file>
 
-<file path=ppt/slides/slide17.xml><?xml version="1.0" encoding="utf-8"?>
+<file path=ppt/slides/slide18.xml><?xml version="1.0" encoding="utf-8"?>
 <p:sld xmlns:a="http://schemas.openxmlformats.org/drawingml/2006/main" xmlns:r="http://schemas.openxmlformats.org/officeDocument/2006/relationships" xmlns:p="http://schemas.openxmlformats.org/presentationml/2006/main">
   <p:cSld>
     <p:spTree>
@@ -12438,7 +12796,7 @@
 </p:sld>
 </file>
 
-<file path=ppt/slides/slide18.xml><?xml version="1.0" encoding="utf-8"?>
+<file path=ppt/slides/slide19.xml><?xml version="1.0" encoding="utf-8"?>
 <p:sld xmlns:a="http://schemas.openxmlformats.org/drawingml/2006/main" xmlns:r="http://schemas.openxmlformats.org/officeDocument/2006/relationships" xmlns:p="http://schemas.openxmlformats.org/presentationml/2006/main">
   <p:cSld>
     <p:spTree>
@@ -12551,7 +12909,66 @@
 </p:sld>
 </file>
 
-<file path=ppt/slides/slide19.xml><?xml version="1.0" encoding="utf-8"?>
+<file path=ppt/slides/slide2.xml><?xml version="1.0" encoding="utf-8"?>
+<p:sld xmlns:a="http://schemas.openxmlformats.org/drawingml/2006/main" xmlns:r="http://schemas.openxmlformats.org/officeDocument/2006/relationships" xmlns:p="http://schemas.openxmlformats.org/presentationml/2006/main">
+  <p:cSld>
+    <p:spTree>
+      <p:nvGrpSpPr>
+        <p:cNvPr id="1" name=""/>
+        <p:cNvGrpSpPr/>
+        <p:nvPr/>
+      </p:nvGrpSpPr>
+      <p:grpSpPr>
+        <a:xfrm>
+          <a:off x="0" y="0"/>
+          <a:ext cx="0" cy="0"/>
+          <a:chOff x="0" y="0"/>
+          <a:chExt cx="0" cy="0"/>
+        </a:xfrm>
+      </p:grpSpPr>
+      <p:sp>
+        <p:nvSpPr>
+          <p:cNvPr id="3" name="Text Placeholder 2"/>
+          <p:cNvSpPr>
+            <a:spLocks noGrp="1"/>
+          </p:cNvSpPr>
+          <p:nvPr>
+            <p:ph type="body" sz="quarter" idx="11"/>
+          </p:nvPr>
+        </p:nvSpPr>
+        <p:spPr/>
+        <p:txBody>
+          <a:bodyPr/>
+          <a:lstStyle/>
+          <a:p>
+            <a:r>
+              <a:rPr lang="en-US" dirty="0"/>
+              <a:t>Introduction to Tableau Prep</a:t>
+            </a:r>
+          </a:p>
+        </p:txBody>
+      </p:sp>
+    </p:spTree>
+    <p:extLst>
+      <p:ext uri="{BB962C8B-B14F-4D97-AF65-F5344CB8AC3E}">
+        <p14:creationId xmlns:p14="http://schemas.microsoft.com/office/powerpoint/2010/main" val="3917667801"/>
+      </p:ext>
+    </p:extLst>
+  </p:cSld>
+  <p:clrMapOvr>
+    <a:masterClrMapping/>
+  </p:clrMapOvr>
+  <p:timing>
+    <p:tnLst>
+      <p:par>
+        <p:cTn id="1" dur="indefinite" restart="never" nodeType="tmRoot"/>
+      </p:par>
+    </p:tnLst>
+  </p:timing>
+</p:sld>
+</file>
+
+<file path=ppt/slides/slide20.xml><?xml version="1.0" encoding="utf-8"?>
 <p:sld xmlns:a="http://schemas.openxmlformats.org/drawingml/2006/main" xmlns:r="http://schemas.openxmlformats.org/officeDocument/2006/relationships" xmlns:p="http://schemas.openxmlformats.org/presentationml/2006/main">
   <p:cSld>
     <p:spTree>
@@ -12664,7 +13081,7 @@
 </p:sld>
 </file>
 
-<file path=ppt/slides/slide2.xml><?xml version="1.0" encoding="utf-8"?>
+<file path=ppt/slides/slide21.xml><?xml version="1.0" encoding="utf-8"?>
 <p:sld xmlns:a="http://schemas.openxmlformats.org/drawingml/2006/main" xmlns:r="http://schemas.openxmlformats.org/officeDocument/2006/relationships" xmlns:p="http://schemas.openxmlformats.org/presentationml/2006/main">
   <p:cSld>
     <p:spTree>
@@ -12683,58 +13100,6 @@
       </p:grpSpPr>
       <p:sp>
         <p:nvSpPr>
-          <p:cNvPr id="3" name="Text Placeholder 2"/>
-          <p:cNvSpPr>
-            <a:spLocks noGrp="1"/>
-          </p:cNvSpPr>
-          <p:nvPr>
-            <p:ph type="body" sz="quarter" idx="11"/>
-          </p:nvPr>
-        </p:nvSpPr>
-        <p:spPr/>
-        <p:txBody>
-          <a:bodyPr/>
-          <a:lstStyle/>
-          <a:p>
-            <a:r>
-              <a:rPr lang="en-US" dirty="0"/>
-              <a:t>Introduction to Tableau Prep</a:t>
-            </a:r>
-          </a:p>
-        </p:txBody>
-      </p:sp>
-    </p:spTree>
-    <p:extLst>
-      <p:ext uri="{BB962C8B-B14F-4D97-AF65-F5344CB8AC3E}">
-        <p14:creationId xmlns:p14="http://schemas.microsoft.com/office/powerpoint/2010/main" val="3917667801"/>
-      </p:ext>
-    </p:extLst>
-  </p:cSld>
-  <p:clrMapOvr>
-    <a:masterClrMapping/>
-  </p:clrMapOvr>
-</p:sld>
-</file>
-
-<file path=ppt/slides/slide20.xml><?xml version="1.0" encoding="utf-8"?>
-<p:sld xmlns:a="http://schemas.openxmlformats.org/drawingml/2006/main" xmlns:r="http://schemas.openxmlformats.org/officeDocument/2006/relationships" xmlns:p="http://schemas.openxmlformats.org/presentationml/2006/main">
-  <p:cSld>
-    <p:spTree>
-      <p:nvGrpSpPr>
-        <p:cNvPr id="1" name=""/>
-        <p:cNvGrpSpPr/>
-        <p:nvPr/>
-      </p:nvGrpSpPr>
-      <p:grpSpPr>
-        <a:xfrm>
-          <a:off x="0" y="0"/>
-          <a:ext cx="0" cy="0"/>
-          <a:chOff x="0" y="0"/>
-          <a:chExt cx="0" cy="0"/>
-        </a:xfrm>
-      </p:grpSpPr>
-      <p:sp>
-        <p:nvSpPr>
           <p:cNvPr id="2" name="Title 1">
             <a:extLst>
               <a:ext uri="{FF2B5EF4-FFF2-40B4-BE49-F238E27FC236}">
@@ -12754,7 +13119,7 @@
           <a:bodyPr/>
           <a:lstStyle/>
           <a:p>
-            <a:endParaRPr lang="en-US"/>
+            <a:endParaRPr lang="en-US" dirty="0"/>
           </a:p>
         </p:txBody>
       </p:sp>
@@ -13206,7 +13571,7 @@
 </p:sld>
 </file>
 
-<file path=ppt/slides/slide21.xml><?xml version="1.0" encoding="utf-8"?>
+<file path=ppt/slides/slide22.xml><?xml version="1.0" encoding="utf-8"?>
 <p:sld xmlns:a="http://schemas.openxmlformats.org/drawingml/2006/main" xmlns:r="http://schemas.openxmlformats.org/officeDocument/2006/relationships" xmlns:p="http://schemas.openxmlformats.org/presentationml/2006/main">
   <p:cSld>
     <p:spTree>
@@ -14049,7 +14414,7 @@
 </p:sld>
 </file>
 
-<file path=ppt/slides/slide22.xml><?xml version="1.0" encoding="utf-8"?>
+<file path=ppt/slides/slide23.xml><?xml version="1.0" encoding="utf-8"?>
 <p:sld xmlns:a="http://schemas.openxmlformats.org/drawingml/2006/main" xmlns:r="http://schemas.openxmlformats.org/officeDocument/2006/relationships" xmlns:p="http://schemas.openxmlformats.org/presentationml/2006/main">
   <p:cSld>
     <p:spTree>
@@ -14162,7 +14527,7 @@
 </p:sld>
 </file>
 
-<file path=ppt/slides/slide23.xml><?xml version="1.0" encoding="utf-8"?>
+<file path=ppt/slides/slide24.xml><?xml version="1.0" encoding="utf-8"?>
 <p:sld xmlns:a="http://schemas.openxmlformats.org/drawingml/2006/main" xmlns:r="http://schemas.openxmlformats.org/officeDocument/2006/relationships" xmlns:p="http://schemas.openxmlformats.org/presentationml/2006/main">
   <p:cSld>
     <p:spTree>
@@ -14275,7 +14640,7 @@
 </p:sld>
 </file>
 
-<file path=ppt/slides/slide24.xml><?xml version="1.0" encoding="utf-8"?>
+<file path=ppt/slides/slide25.xml><?xml version="1.0" encoding="utf-8"?>
 <p:sld xmlns:a="http://schemas.openxmlformats.org/drawingml/2006/main" xmlns:r="http://schemas.openxmlformats.org/officeDocument/2006/relationships" xmlns:p="http://schemas.openxmlformats.org/presentationml/2006/main">
   <p:cSld>
     <p:spTree>
@@ -14388,7 +14753,7 @@
 </p:sld>
 </file>
 
-<file path=ppt/slides/slide25.xml><?xml version="1.0" encoding="utf-8"?>
+<file path=ppt/slides/slide26.xml><?xml version="1.0" encoding="utf-8"?>
 <p:sld xmlns:a="http://schemas.openxmlformats.org/drawingml/2006/main" xmlns:r="http://schemas.openxmlformats.org/officeDocument/2006/relationships" xmlns:p="http://schemas.openxmlformats.org/presentationml/2006/main">
   <p:cSld>
     <p:spTree>
@@ -14501,7 +14866,7 @@
 </p:sld>
 </file>
 
-<file path=ppt/slides/slide26.xml><?xml version="1.0" encoding="utf-8"?>
+<file path=ppt/slides/slide27.xml><?xml version="1.0" encoding="utf-8"?>
 <p:sld xmlns:a="http://schemas.openxmlformats.org/drawingml/2006/main" xmlns:r="http://schemas.openxmlformats.org/officeDocument/2006/relationships" xmlns:p="http://schemas.openxmlformats.org/presentationml/2006/main">
   <p:cSld>
     <p:spTree>
@@ -14614,7 +14979,7 @@
 </p:sld>
 </file>
 
-<file path=ppt/slides/slide27.xml><?xml version="1.0" encoding="utf-8"?>
+<file path=ppt/slides/slide28.xml><?xml version="1.0" encoding="utf-8"?>
 <p:sld xmlns:a="http://schemas.openxmlformats.org/drawingml/2006/main" xmlns:r="http://schemas.openxmlformats.org/officeDocument/2006/relationships" xmlns:p="http://schemas.openxmlformats.org/presentationml/2006/main">
   <p:cSld>
     <p:spTree>
@@ -14766,7 +15131,7 @@
 </p:sld>
 </file>
 
-<file path=ppt/slides/slide28.xml><?xml version="1.0" encoding="utf-8"?>
+<file path=ppt/slides/slide29.xml><?xml version="1.0" encoding="utf-8"?>
 <p:sld xmlns:a="http://schemas.openxmlformats.org/drawingml/2006/main" xmlns:r="http://schemas.openxmlformats.org/officeDocument/2006/relationships" xmlns:p="http://schemas.openxmlformats.org/presentationml/2006/main">
   <p:cSld>
     <p:spTree>
@@ -14880,64 +15245,6 @@
 </p:sld>
 </file>
 
-<file path=ppt/slides/slide29.xml><?xml version="1.0" encoding="utf-8"?>
-<p:sld xmlns:a="http://schemas.openxmlformats.org/drawingml/2006/main" xmlns:r="http://schemas.openxmlformats.org/officeDocument/2006/relationships" xmlns:p="http://schemas.openxmlformats.org/presentationml/2006/main">
-  <p:cSld>
-    <p:spTree>
-      <p:nvGrpSpPr>
-        <p:cNvPr id="1" name=""/>
-        <p:cNvGrpSpPr/>
-        <p:nvPr/>
-      </p:nvGrpSpPr>
-      <p:grpSpPr>
-        <a:xfrm>
-          <a:off x="0" y="0"/>
-          <a:ext cx="0" cy="0"/>
-          <a:chOff x="0" y="0"/>
-          <a:chExt cx="0" cy="0"/>
-        </a:xfrm>
-      </p:grpSpPr>
-      <p:sp>
-        <p:nvSpPr>
-          <p:cNvPr id="2" name="Title 1">
-            <a:extLst>
-              <a:ext uri="{FF2B5EF4-FFF2-40B4-BE49-F238E27FC236}">
-                <a16:creationId xmlns:a16="http://schemas.microsoft.com/office/drawing/2014/main" id="{3BACBCDC-7F7D-AF42-875C-5B645068A491}"/>
-              </a:ext>
-            </a:extLst>
-          </p:cNvPr>
-          <p:cNvSpPr>
-            <a:spLocks noGrp="1"/>
-          </p:cNvSpPr>
-          <p:nvPr>
-            <p:ph type="title"/>
-          </p:nvPr>
-        </p:nvSpPr>
-        <p:spPr/>
-        <p:txBody>
-          <a:bodyPr/>
-          <a:lstStyle/>
-          <a:p>
-            <a:r>
-              <a:rPr lang="en-US" dirty="0"/>
-              <a:t>Part I: Extract</a:t>
-            </a:r>
-          </a:p>
-        </p:txBody>
-      </p:sp>
-    </p:spTree>
-    <p:extLst>
-      <p:ext uri="{BB962C8B-B14F-4D97-AF65-F5344CB8AC3E}">
-        <p14:creationId xmlns:p14="http://schemas.microsoft.com/office/powerpoint/2010/main" val="2994392188"/>
-      </p:ext>
-    </p:extLst>
-  </p:cSld>
-  <p:clrMapOvr>
-    <a:masterClrMapping/>
-  </p:clrMapOvr>
-</p:sld>
-</file>
-
 <file path=ppt/slides/slide3.xml><?xml version="1.0" encoding="utf-8"?>
 <p:sld xmlns:a="http://schemas.openxmlformats.org/drawingml/2006/main" xmlns:r="http://schemas.openxmlformats.org/officeDocument/2006/relationships" xmlns:p="http://schemas.openxmlformats.org/presentationml/2006/main">
   <p:cSld>
@@ -15017,8 +15324,12 @@
           </a:p>
           <a:p>
             <a:r>
+              <a:rPr lang="en-US" dirty="0" smtClean="0"/>
+              <a:t>Tableau/BI </a:t>
+            </a:r>
+            <a:r>
               <a:rPr lang="en-US" dirty="0"/>
-              <a:t>Tableau experience</a:t>
+              <a:t>experience</a:t>
             </a:r>
           </a:p>
           <a:p>
@@ -15070,6 +15381,64 @@
           <p:cNvPr id="2" name="Title 1">
             <a:extLst>
               <a:ext uri="{FF2B5EF4-FFF2-40B4-BE49-F238E27FC236}">
+                <a16:creationId xmlns:a16="http://schemas.microsoft.com/office/drawing/2014/main" id="{3BACBCDC-7F7D-AF42-875C-5B645068A491}"/>
+              </a:ext>
+            </a:extLst>
+          </p:cNvPr>
+          <p:cNvSpPr>
+            <a:spLocks noGrp="1"/>
+          </p:cNvSpPr>
+          <p:nvPr>
+            <p:ph type="title"/>
+          </p:nvPr>
+        </p:nvSpPr>
+        <p:spPr/>
+        <p:txBody>
+          <a:bodyPr/>
+          <a:lstStyle/>
+          <a:p>
+            <a:r>
+              <a:rPr lang="en-US" dirty="0"/>
+              <a:t>Part I: Extract</a:t>
+            </a:r>
+          </a:p>
+        </p:txBody>
+      </p:sp>
+    </p:spTree>
+    <p:extLst>
+      <p:ext uri="{BB962C8B-B14F-4D97-AF65-F5344CB8AC3E}">
+        <p14:creationId xmlns:p14="http://schemas.microsoft.com/office/powerpoint/2010/main" val="2994392188"/>
+      </p:ext>
+    </p:extLst>
+  </p:cSld>
+  <p:clrMapOvr>
+    <a:masterClrMapping/>
+  </p:clrMapOvr>
+</p:sld>
+</file>
+
+<file path=ppt/slides/slide31.xml><?xml version="1.0" encoding="utf-8"?>
+<p:sld xmlns:a="http://schemas.openxmlformats.org/drawingml/2006/main" xmlns:r="http://schemas.openxmlformats.org/officeDocument/2006/relationships" xmlns:p="http://schemas.openxmlformats.org/presentationml/2006/main">
+  <p:cSld>
+    <p:spTree>
+      <p:nvGrpSpPr>
+        <p:cNvPr id="1" name=""/>
+        <p:cNvGrpSpPr/>
+        <p:nvPr/>
+      </p:nvGrpSpPr>
+      <p:grpSpPr>
+        <a:xfrm>
+          <a:off x="0" y="0"/>
+          <a:ext cx="0" cy="0"/>
+          <a:chOff x="0" y="0"/>
+          <a:chExt cx="0" cy="0"/>
+        </a:xfrm>
+      </p:grpSpPr>
+      <p:sp>
+        <p:nvSpPr>
+          <p:cNvPr id="2" name="Title 1">
+            <a:extLst>
+              <a:ext uri="{FF2B5EF4-FFF2-40B4-BE49-F238E27FC236}">
                 <a16:creationId xmlns:a16="http://schemas.microsoft.com/office/drawing/2014/main" id="{992CB1AB-C077-6F4D-9364-4D6903E3E3E6}"/>
               </a:ext>
             </a:extLst>
@@ -15106,7 +15475,7 @@
 </p:sld>
 </file>
 
-<file path=ppt/slides/slide31.xml><?xml version="1.0" encoding="utf-8"?>
+<file path=ppt/slides/slide32.xml><?xml version="1.0" encoding="utf-8"?>
 <p:sld xmlns:a="http://schemas.openxmlformats.org/drawingml/2006/main" xmlns:r="http://schemas.openxmlformats.org/officeDocument/2006/relationships" xmlns:p="http://schemas.openxmlformats.org/presentationml/2006/main">
   <p:cSld>
     <p:spTree>
@@ -15215,7 +15584,7 @@
 </p:sld>
 </file>
 
-<file path=ppt/slides/slide32.xml><?xml version="1.0" encoding="utf-8"?>
+<file path=ppt/slides/slide33.xml><?xml version="1.0" encoding="utf-8"?>
 <p:sld xmlns:a="http://schemas.openxmlformats.org/drawingml/2006/main" xmlns:r="http://schemas.openxmlformats.org/officeDocument/2006/relationships" xmlns:p="http://schemas.openxmlformats.org/presentationml/2006/main">
   <p:cSld>
     <p:spTree>
@@ -15328,7 +15697,7 @@
 </p:sld>
 </file>
 
-<file path=ppt/slides/slide33.xml><?xml version="1.0" encoding="utf-8"?>
+<file path=ppt/slides/slide34.xml><?xml version="1.0" encoding="utf-8"?>
 <p:sld xmlns:a="http://schemas.openxmlformats.org/drawingml/2006/main" xmlns:r="http://schemas.openxmlformats.org/officeDocument/2006/relationships" xmlns:p="http://schemas.openxmlformats.org/presentationml/2006/main">
   <p:cSld>
     <p:spTree>
@@ -15510,7 +15879,7 @@
 </p:sld>
 </file>
 
-<file path=ppt/slides/slide34.xml><?xml version="1.0" encoding="utf-8"?>
+<file path=ppt/slides/slide35.xml><?xml version="1.0" encoding="utf-8"?>
 <p:sld xmlns:a="http://schemas.openxmlformats.org/drawingml/2006/main" xmlns:r="http://schemas.openxmlformats.org/officeDocument/2006/relationships" xmlns:p="http://schemas.openxmlformats.org/presentationml/2006/main">
   <p:cSld>
     <p:spTree>
@@ -15746,7 +16115,7 @@
 </p:sld>
 </file>
 
-<file path=ppt/slides/slide35.xml><?xml version="1.0" encoding="utf-8"?>
+<file path=ppt/slides/slide36.xml><?xml version="1.0" encoding="utf-8"?>
 <p:sld xmlns:a="http://schemas.openxmlformats.org/drawingml/2006/main" xmlns:r="http://schemas.openxmlformats.org/officeDocument/2006/relationships" xmlns:p="http://schemas.openxmlformats.org/presentationml/2006/main">
   <p:cSld>
     <p:spTree>
@@ -15869,7 +16238,7 @@
 </p:sld>
 </file>
 
-<file path=ppt/slides/slide36.xml><?xml version="1.0" encoding="utf-8"?>
+<file path=ppt/slides/slide37.xml><?xml version="1.0" encoding="utf-8"?>
 <p:sld xmlns:a="http://schemas.openxmlformats.org/drawingml/2006/main" xmlns:r="http://schemas.openxmlformats.org/officeDocument/2006/relationships" xmlns:p="http://schemas.openxmlformats.org/presentationml/2006/main">
   <p:cSld>
     <p:spTree>
@@ -16000,7 +16369,7 @@
 </p:sld>
 </file>
 
-<file path=ppt/slides/slide37.xml><?xml version="1.0" encoding="utf-8"?>
+<file path=ppt/slides/slide38.xml><?xml version="1.0" encoding="utf-8"?>
 <p:sld xmlns:a="http://schemas.openxmlformats.org/drawingml/2006/main" xmlns:r="http://schemas.openxmlformats.org/officeDocument/2006/relationships" xmlns:p="http://schemas.openxmlformats.org/presentationml/2006/main">
   <p:cSld>
     <p:spTree>
@@ -16110,7 +16479,7 @@
 </p:sld>
 </file>
 
-<file path=ppt/slides/slide38.xml><?xml version="1.0" encoding="utf-8"?>
+<file path=ppt/slides/slide39.xml><?xml version="1.0" encoding="utf-8"?>
 <p:sld xmlns:a="http://schemas.openxmlformats.org/drawingml/2006/main" xmlns:r="http://schemas.openxmlformats.org/officeDocument/2006/relationships" xmlns:p="http://schemas.openxmlformats.org/presentationml/2006/main">
   <p:cSld>
     <p:spTree>
@@ -16317,230 +16686,6 @@
     <p:extLst>
       <p:ext uri="{BB962C8B-B14F-4D97-AF65-F5344CB8AC3E}">
         <p14:creationId xmlns:p14="http://schemas.microsoft.com/office/powerpoint/2010/main" val="1885312738"/>
-      </p:ext>
-    </p:extLst>
-  </p:cSld>
-  <p:clrMapOvr>
-    <a:masterClrMapping/>
-  </p:clrMapOvr>
-</p:sld>
-</file>
-
-<file path=ppt/slides/slide39.xml><?xml version="1.0" encoding="utf-8"?>
-<p:sld xmlns:a="http://schemas.openxmlformats.org/drawingml/2006/main" xmlns:r="http://schemas.openxmlformats.org/officeDocument/2006/relationships" xmlns:p="http://schemas.openxmlformats.org/presentationml/2006/main">
-  <p:cSld>
-    <p:spTree>
-      <p:nvGrpSpPr>
-        <p:cNvPr id="1" name=""/>
-        <p:cNvGrpSpPr/>
-        <p:nvPr/>
-      </p:nvGrpSpPr>
-      <p:grpSpPr>
-        <a:xfrm>
-          <a:off x="0" y="0"/>
-          <a:ext cx="0" cy="0"/>
-          <a:chOff x="0" y="0"/>
-          <a:chExt cx="0" cy="0"/>
-        </a:xfrm>
-      </p:grpSpPr>
-      <p:sp>
-        <p:nvSpPr>
-          <p:cNvPr id="2" name="Title 1"/>
-          <p:cNvSpPr>
-            <a:spLocks noGrp="1"/>
-          </p:cNvSpPr>
-          <p:nvPr>
-            <p:ph type="title"/>
-          </p:nvPr>
-        </p:nvSpPr>
-        <p:spPr/>
-        <p:txBody>
-          <a:bodyPr/>
-          <a:lstStyle/>
-          <a:p>
-            <a:r>
-              <a:rPr lang="en-US" dirty="0"/>
-              <a:t>Connecting to PDF Files</a:t>
-            </a:r>
-          </a:p>
-        </p:txBody>
-      </p:sp>
-      <p:sp>
-        <p:nvSpPr>
-          <p:cNvPr id="3" name="Text Placeholder 2"/>
-          <p:cNvSpPr>
-            <a:spLocks noGrp="1"/>
-          </p:cNvSpPr>
-          <p:nvPr>
-            <p:ph type="body" sz="quarter" idx="10"/>
-          </p:nvPr>
-        </p:nvSpPr>
-        <p:spPr/>
-        <p:txBody>
-          <a:bodyPr/>
-          <a:lstStyle/>
-          <a:p>
-            <a:r>
-              <a:rPr lang="en-US" dirty="0"/>
-              <a:t>Prep finds tables &amp; text in PDFs</a:t>
-            </a:r>
-          </a:p>
-          <a:p>
-            <a:r>
-              <a:rPr lang="en-US" dirty="0"/>
-              <a:t>Almost </a:t>
-            </a:r>
-            <a:r>
-              <a:rPr lang="en-US" i="1" dirty="0"/>
-              <a:t>always</a:t>
-            </a:r>
-            <a:r>
-              <a:rPr lang="en-US" dirty="0"/>
-              <a:t> requires cleanup</a:t>
-            </a:r>
-          </a:p>
-        </p:txBody>
-      </p:sp>
-      <p:pic>
-        <p:nvPicPr>
-          <p:cNvPr id="4" name="Picture 3">
-            <a:extLst>
-              <a:ext uri="{FF2B5EF4-FFF2-40B4-BE49-F238E27FC236}">
-                <a16:creationId xmlns:a16="http://schemas.microsoft.com/office/drawing/2014/main" id="{D36FAD45-658D-40D5-B938-FFE560C2E02B}"/>
-              </a:ext>
-            </a:extLst>
-          </p:cNvPr>
-          <p:cNvPicPr>
-            <a:picLocks noChangeAspect="1"/>
-          </p:cNvPicPr>
-          <p:nvPr/>
-        </p:nvPicPr>
-        <p:blipFill>
-          <a:blip r:embed="rId2"/>
-          <a:stretch>
-            <a:fillRect/>
-          </a:stretch>
-        </p:blipFill>
-        <p:spPr>
-          <a:xfrm>
-            <a:off x="7127165" y="353839"/>
-            <a:ext cx="2229161" cy="2486372"/>
-          </a:xfrm>
-          <a:prstGeom prst="rect">
-            <a:avLst/>
-          </a:prstGeom>
-        </p:spPr>
-      </p:pic>
-      <p:pic>
-        <p:nvPicPr>
-          <p:cNvPr id="5" name="Picture 4">
-            <a:extLst>
-              <a:ext uri="{FF2B5EF4-FFF2-40B4-BE49-F238E27FC236}">
-                <a16:creationId xmlns:a16="http://schemas.microsoft.com/office/drawing/2014/main" id="{E11B56AF-CD5B-40D5-8DFE-7E9B59178616}"/>
-              </a:ext>
-            </a:extLst>
-          </p:cNvPr>
-          <p:cNvPicPr>
-            <a:picLocks noChangeAspect="1"/>
-          </p:cNvPicPr>
-          <p:nvPr/>
-        </p:nvPicPr>
-        <p:blipFill>
-          <a:blip r:embed="rId3"/>
-          <a:stretch>
-            <a:fillRect/>
-          </a:stretch>
-        </p:blipFill>
-        <p:spPr>
-          <a:xfrm>
-            <a:off x="9543574" y="1418944"/>
-            <a:ext cx="1952898" cy="4020111"/>
-          </a:xfrm>
-          <a:prstGeom prst="rect">
-            <a:avLst/>
-          </a:prstGeom>
-        </p:spPr>
-      </p:pic>
-      <p:sp>
-        <p:nvSpPr>
-          <p:cNvPr id="6" name="Arrow: Right 5">
-            <a:extLst>
-              <a:ext uri="{FF2B5EF4-FFF2-40B4-BE49-F238E27FC236}">
-                <a16:creationId xmlns:a16="http://schemas.microsoft.com/office/drawing/2014/main" id="{C8B10095-76F2-44F1-936F-E4C295E8AD61}"/>
-              </a:ext>
-            </a:extLst>
-          </p:cNvPr>
-          <p:cNvSpPr/>
-          <p:nvPr/>
-        </p:nvSpPr>
-        <p:spPr>
-          <a:xfrm rot="973251">
-            <a:off x="8975326" y="2096624"/>
-            <a:ext cx="762000" cy="533400"/>
-          </a:xfrm>
-          <a:prstGeom prst="rightArrow">
-            <a:avLst/>
-          </a:prstGeom>
-        </p:spPr>
-        <p:style>
-          <a:lnRef idx="2">
-            <a:schemeClr val="accent1">
-              <a:shade val="50000"/>
-            </a:schemeClr>
-          </a:lnRef>
-          <a:fillRef idx="1">
-            <a:schemeClr val="accent1"/>
-          </a:fillRef>
-          <a:effectRef idx="0">
-            <a:schemeClr val="accent1"/>
-          </a:effectRef>
-          <a:fontRef idx="minor">
-            <a:schemeClr val="lt1"/>
-          </a:fontRef>
-        </p:style>
-        <p:txBody>
-          <a:bodyPr rtlCol="0" anchor="ctr"/>
-          <a:lstStyle/>
-          <a:p>
-            <a:pPr algn="ctr"/>
-            <a:endParaRPr lang="en-US"/>
-          </a:p>
-        </p:txBody>
-      </p:sp>
-      <p:pic>
-        <p:nvPicPr>
-          <p:cNvPr id="7" name="Picture 6">
-            <a:extLst>
-              <a:ext uri="{FF2B5EF4-FFF2-40B4-BE49-F238E27FC236}">
-                <a16:creationId xmlns:a16="http://schemas.microsoft.com/office/drawing/2014/main" id="{1DD32C31-F2AF-4639-AEC1-5850B19FC04E}"/>
-              </a:ext>
-            </a:extLst>
-          </p:cNvPr>
-          <p:cNvPicPr>
-            <a:picLocks noChangeAspect="1"/>
-          </p:cNvPicPr>
-          <p:nvPr/>
-        </p:nvPicPr>
-        <p:blipFill>
-          <a:blip r:embed="rId4"/>
-          <a:stretch>
-            <a:fillRect/>
-          </a:stretch>
-        </p:blipFill>
-        <p:spPr>
-          <a:xfrm>
-            <a:off x="4495800" y="3200400"/>
-            <a:ext cx="3469565" cy="2722274"/>
-          </a:xfrm>
-          <a:prstGeom prst="rect">
-            <a:avLst/>
-          </a:prstGeom>
-        </p:spPr>
-      </p:pic>
-    </p:spTree>
-    <p:extLst>
-      <p:ext uri="{BB962C8B-B14F-4D97-AF65-F5344CB8AC3E}">
-        <p14:creationId xmlns:p14="http://schemas.microsoft.com/office/powerpoint/2010/main" val="88523654"/>
       </p:ext>
     </p:extLst>
   </p:cSld>
@@ -17130,6 +17275,230 @@
           <a:p>
             <a:r>
               <a:rPr lang="en-US" dirty="0"/>
+              <a:t>Connecting to PDF Files</a:t>
+            </a:r>
+          </a:p>
+        </p:txBody>
+      </p:sp>
+      <p:sp>
+        <p:nvSpPr>
+          <p:cNvPr id="3" name="Text Placeholder 2"/>
+          <p:cNvSpPr>
+            <a:spLocks noGrp="1"/>
+          </p:cNvSpPr>
+          <p:nvPr>
+            <p:ph type="body" sz="quarter" idx="10"/>
+          </p:nvPr>
+        </p:nvSpPr>
+        <p:spPr/>
+        <p:txBody>
+          <a:bodyPr/>
+          <a:lstStyle/>
+          <a:p>
+            <a:r>
+              <a:rPr lang="en-US" dirty="0"/>
+              <a:t>Prep finds tables &amp; text in PDFs</a:t>
+            </a:r>
+          </a:p>
+          <a:p>
+            <a:r>
+              <a:rPr lang="en-US" dirty="0"/>
+              <a:t>Almost </a:t>
+            </a:r>
+            <a:r>
+              <a:rPr lang="en-US" i="1" dirty="0"/>
+              <a:t>always</a:t>
+            </a:r>
+            <a:r>
+              <a:rPr lang="en-US" dirty="0"/>
+              <a:t> requires cleanup</a:t>
+            </a:r>
+          </a:p>
+        </p:txBody>
+      </p:sp>
+      <p:pic>
+        <p:nvPicPr>
+          <p:cNvPr id="4" name="Picture 3">
+            <a:extLst>
+              <a:ext uri="{FF2B5EF4-FFF2-40B4-BE49-F238E27FC236}">
+                <a16:creationId xmlns:a16="http://schemas.microsoft.com/office/drawing/2014/main" id="{D36FAD45-658D-40D5-B938-FFE560C2E02B}"/>
+              </a:ext>
+            </a:extLst>
+          </p:cNvPr>
+          <p:cNvPicPr>
+            <a:picLocks noChangeAspect="1"/>
+          </p:cNvPicPr>
+          <p:nvPr/>
+        </p:nvPicPr>
+        <p:blipFill>
+          <a:blip r:embed="rId2"/>
+          <a:stretch>
+            <a:fillRect/>
+          </a:stretch>
+        </p:blipFill>
+        <p:spPr>
+          <a:xfrm>
+            <a:off x="7127165" y="353839"/>
+            <a:ext cx="2229161" cy="2486372"/>
+          </a:xfrm>
+          <a:prstGeom prst="rect">
+            <a:avLst/>
+          </a:prstGeom>
+        </p:spPr>
+      </p:pic>
+      <p:pic>
+        <p:nvPicPr>
+          <p:cNvPr id="5" name="Picture 4">
+            <a:extLst>
+              <a:ext uri="{FF2B5EF4-FFF2-40B4-BE49-F238E27FC236}">
+                <a16:creationId xmlns:a16="http://schemas.microsoft.com/office/drawing/2014/main" id="{E11B56AF-CD5B-40D5-8DFE-7E9B59178616}"/>
+              </a:ext>
+            </a:extLst>
+          </p:cNvPr>
+          <p:cNvPicPr>
+            <a:picLocks noChangeAspect="1"/>
+          </p:cNvPicPr>
+          <p:nvPr/>
+        </p:nvPicPr>
+        <p:blipFill>
+          <a:blip r:embed="rId3"/>
+          <a:stretch>
+            <a:fillRect/>
+          </a:stretch>
+        </p:blipFill>
+        <p:spPr>
+          <a:xfrm>
+            <a:off x="9543574" y="1418944"/>
+            <a:ext cx="1952898" cy="4020111"/>
+          </a:xfrm>
+          <a:prstGeom prst="rect">
+            <a:avLst/>
+          </a:prstGeom>
+        </p:spPr>
+      </p:pic>
+      <p:sp>
+        <p:nvSpPr>
+          <p:cNvPr id="6" name="Arrow: Right 5">
+            <a:extLst>
+              <a:ext uri="{FF2B5EF4-FFF2-40B4-BE49-F238E27FC236}">
+                <a16:creationId xmlns:a16="http://schemas.microsoft.com/office/drawing/2014/main" id="{C8B10095-76F2-44F1-936F-E4C295E8AD61}"/>
+              </a:ext>
+            </a:extLst>
+          </p:cNvPr>
+          <p:cNvSpPr/>
+          <p:nvPr/>
+        </p:nvSpPr>
+        <p:spPr>
+          <a:xfrm rot="973251">
+            <a:off x="8975326" y="2096624"/>
+            <a:ext cx="762000" cy="533400"/>
+          </a:xfrm>
+          <a:prstGeom prst="rightArrow">
+            <a:avLst/>
+          </a:prstGeom>
+        </p:spPr>
+        <p:style>
+          <a:lnRef idx="2">
+            <a:schemeClr val="accent1">
+              <a:shade val="50000"/>
+            </a:schemeClr>
+          </a:lnRef>
+          <a:fillRef idx="1">
+            <a:schemeClr val="accent1"/>
+          </a:fillRef>
+          <a:effectRef idx="0">
+            <a:schemeClr val="accent1"/>
+          </a:effectRef>
+          <a:fontRef idx="minor">
+            <a:schemeClr val="lt1"/>
+          </a:fontRef>
+        </p:style>
+        <p:txBody>
+          <a:bodyPr rtlCol="0" anchor="ctr"/>
+          <a:lstStyle/>
+          <a:p>
+            <a:pPr algn="ctr"/>
+            <a:endParaRPr lang="en-US"/>
+          </a:p>
+        </p:txBody>
+      </p:sp>
+      <p:pic>
+        <p:nvPicPr>
+          <p:cNvPr id="7" name="Picture 6">
+            <a:extLst>
+              <a:ext uri="{FF2B5EF4-FFF2-40B4-BE49-F238E27FC236}">
+                <a16:creationId xmlns:a16="http://schemas.microsoft.com/office/drawing/2014/main" id="{1DD32C31-F2AF-4639-AEC1-5850B19FC04E}"/>
+              </a:ext>
+            </a:extLst>
+          </p:cNvPr>
+          <p:cNvPicPr>
+            <a:picLocks noChangeAspect="1"/>
+          </p:cNvPicPr>
+          <p:nvPr/>
+        </p:nvPicPr>
+        <p:blipFill>
+          <a:blip r:embed="rId4"/>
+          <a:stretch>
+            <a:fillRect/>
+          </a:stretch>
+        </p:blipFill>
+        <p:spPr>
+          <a:xfrm>
+            <a:off x="4495800" y="3200400"/>
+            <a:ext cx="3469565" cy="2722274"/>
+          </a:xfrm>
+          <a:prstGeom prst="rect">
+            <a:avLst/>
+          </a:prstGeom>
+        </p:spPr>
+      </p:pic>
+    </p:spTree>
+    <p:extLst>
+      <p:ext uri="{BB962C8B-B14F-4D97-AF65-F5344CB8AC3E}">
+        <p14:creationId xmlns:p14="http://schemas.microsoft.com/office/powerpoint/2010/main" val="88523654"/>
+      </p:ext>
+    </p:extLst>
+  </p:cSld>
+  <p:clrMapOvr>
+    <a:masterClrMapping/>
+  </p:clrMapOvr>
+</p:sld>
+</file>
+
+<file path=ppt/slides/slide41.xml><?xml version="1.0" encoding="utf-8"?>
+<p:sld xmlns:a="http://schemas.openxmlformats.org/drawingml/2006/main" xmlns:r="http://schemas.openxmlformats.org/officeDocument/2006/relationships" xmlns:p="http://schemas.openxmlformats.org/presentationml/2006/main">
+  <p:cSld>
+    <p:spTree>
+      <p:nvGrpSpPr>
+        <p:cNvPr id="1" name=""/>
+        <p:cNvGrpSpPr/>
+        <p:nvPr/>
+      </p:nvGrpSpPr>
+      <p:grpSpPr>
+        <a:xfrm>
+          <a:off x="0" y="0"/>
+          <a:ext cx="0" cy="0"/>
+          <a:chOff x="0" y="0"/>
+          <a:chExt cx="0" cy="0"/>
+        </a:xfrm>
+      </p:grpSpPr>
+      <p:sp>
+        <p:nvSpPr>
+          <p:cNvPr id="2" name="Title 1"/>
+          <p:cNvSpPr>
+            <a:spLocks noGrp="1"/>
+          </p:cNvSpPr>
+          <p:nvPr>
+            <p:ph type="title"/>
+          </p:nvPr>
+        </p:nvSpPr>
+        <p:spPr/>
+        <p:txBody>
+          <a:bodyPr/>
+          <a:lstStyle/>
+          <a:p>
+            <a:r>
+              <a:rPr lang="en-US" dirty="0"/>
               <a:t>Connecting</a:t>
             </a:r>
             <a:r>
@@ -17247,199 +17616,6 @@
 </p:sld>
 </file>
 
-<file path=ppt/slides/slide41.xml><?xml version="1.0" encoding="utf-8"?>
-<p:sld xmlns:a="http://schemas.openxmlformats.org/drawingml/2006/main" xmlns:r="http://schemas.openxmlformats.org/officeDocument/2006/relationships" xmlns:p="http://schemas.openxmlformats.org/presentationml/2006/main">
-  <p:cSld>
-    <p:spTree>
-      <p:nvGrpSpPr>
-        <p:cNvPr id="1" name=""/>
-        <p:cNvGrpSpPr/>
-        <p:nvPr/>
-      </p:nvGrpSpPr>
-      <p:grpSpPr>
-        <a:xfrm>
-          <a:off x="0" y="0"/>
-          <a:ext cx="0" cy="0"/>
-          <a:chOff x="0" y="0"/>
-          <a:chExt cx="0" cy="0"/>
-        </a:xfrm>
-      </p:grpSpPr>
-      <p:sp>
-        <p:nvSpPr>
-          <p:cNvPr id="2" name="Subtitle 1">
-            <a:extLst>
-              <a:ext uri="{FF2B5EF4-FFF2-40B4-BE49-F238E27FC236}">
-                <a16:creationId xmlns:a16="http://schemas.microsoft.com/office/drawing/2014/main" id="{AAD2439F-1DBE-744B-A703-1383FC8F2CCC}"/>
-              </a:ext>
-            </a:extLst>
-          </p:cNvPr>
-          <p:cNvSpPr>
-            <a:spLocks noGrp="1"/>
-          </p:cNvSpPr>
-          <p:nvPr>
-            <p:ph type="subTitle" idx="1"/>
-          </p:nvPr>
-        </p:nvSpPr>
-        <p:spPr/>
-        <p:txBody>
-          <a:bodyPr/>
-          <a:lstStyle/>
-          <a:p>
-            <a:pPr marL="342900" indent="-342900">
-              <a:buFont typeface="Arial" panose="020B0604020202020204" pitchFamily="34" charset="0"/>
-              <a:buChar char="•"/>
-            </a:pPr>
-            <a:r>
-              <a:rPr lang="en-US" dirty="0"/>
-              <a:t>Experiment with connecting to data</a:t>
-            </a:r>
-          </a:p>
-          <a:p>
-            <a:pPr marL="342900" indent="-342900">
-              <a:buFont typeface="Arial" panose="020B0604020202020204" pitchFamily="34" charset="0"/>
-              <a:buChar char="•"/>
-            </a:pPr>
-            <a:r>
-              <a:rPr lang="en-US" dirty="0"/>
-              <a:t>Data files in: C:\XTBP10Classfiles\Data</a:t>
-            </a:r>
-          </a:p>
-          <a:p>
-            <a:pPr marL="1012825" lvl="1" indent="-342900">
-              <a:buFont typeface="Arial" panose="020B0604020202020204" pitchFamily="34" charset="0"/>
-              <a:buChar char="•"/>
-            </a:pPr>
-            <a:r>
-              <a:rPr lang="en-US" sz="1800" dirty="0"/>
-              <a:t>SQL Server: pp. 14-18</a:t>
-            </a:r>
-          </a:p>
-          <a:p>
-            <a:pPr marL="1012825" lvl="1" indent="-342900">
-              <a:buFont typeface="Arial" panose="020B0604020202020204" pitchFamily="34" charset="0"/>
-              <a:buChar char="•"/>
-            </a:pPr>
-            <a:r>
-              <a:rPr lang="en-US" sz="1800" dirty="0"/>
-              <a:t>Tableau Data Extracts: p. 19</a:t>
-            </a:r>
-          </a:p>
-          <a:p>
-            <a:pPr marL="1012825" lvl="1" indent="-342900">
-              <a:buFont typeface="Arial" panose="020B0604020202020204" pitchFamily="34" charset="0"/>
-              <a:buChar char="•"/>
-            </a:pPr>
-            <a:r>
-              <a:rPr lang="en-US" sz="1800" i="1" dirty="0">
-                <a:solidFill>
-                  <a:srgbClr val="FF0000"/>
-                </a:solidFill>
-              </a:rPr>
-              <a:t>Skip Access, pp. 20-21</a:t>
-            </a:r>
-          </a:p>
-          <a:p>
-            <a:pPr marL="1012825" lvl="1" indent="-342900">
-              <a:buFont typeface="Arial" panose="020B0604020202020204" pitchFamily="34" charset="0"/>
-              <a:buChar char="•"/>
-            </a:pPr>
-            <a:r>
-              <a:rPr lang="en-US" sz="1800" dirty="0"/>
-              <a:t>Excel: pp. 22-23</a:t>
-            </a:r>
-          </a:p>
-          <a:p>
-            <a:pPr marL="1012825" lvl="1" indent="-342900">
-              <a:buFont typeface="Arial" panose="020B0604020202020204" pitchFamily="34" charset="0"/>
-              <a:buChar char="•"/>
-            </a:pPr>
-            <a:r>
-              <a:rPr lang="en-US" sz="1800" dirty="0"/>
-              <a:t>PDF Files: p. 24</a:t>
-            </a:r>
-          </a:p>
-          <a:p>
-            <a:pPr marL="1012825" lvl="1" indent="-342900">
-              <a:buFont typeface="Arial" panose="020B0604020202020204" pitchFamily="34" charset="0"/>
-              <a:buChar char="•"/>
-            </a:pPr>
-            <a:r>
-              <a:rPr lang="en-US" sz="1800" dirty="0"/>
-              <a:t>Text files: pp. 24-25</a:t>
-            </a:r>
-            <a:endParaRPr lang="en-US" dirty="0"/>
-          </a:p>
-        </p:txBody>
-      </p:sp>
-      <p:sp>
-        <p:nvSpPr>
-          <p:cNvPr id="3" name="Text Placeholder 2">
-            <a:extLst>
-              <a:ext uri="{FF2B5EF4-FFF2-40B4-BE49-F238E27FC236}">
-                <a16:creationId xmlns:a16="http://schemas.microsoft.com/office/drawing/2014/main" id="{B34D6F55-4A1C-8C4F-9AF3-A38CD56C25CA}"/>
-              </a:ext>
-            </a:extLst>
-          </p:cNvPr>
-          <p:cNvSpPr>
-            <a:spLocks noGrp="1"/>
-          </p:cNvSpPr>
-          <p:nvPr>
-            <p:ph type="body" sz="quarter" idx="11"/>
-          </p:nvPr>
-        </p:nvSpPr>
-        <p:spPr/>
-        <p:txBody>
-          <a:bodyPr/>
-          <a:lstStyle/>
-          <a:p>
-            <a:r>
-              <a:rPr lang="en-US" dirty="0"/>
-              <a:t>20 minutes</a:t>
-            </a:r>
-          </a:p>
-        </p:txBody>
-      </p:sp>
-      <p:sp>
-        <p:nvSpPr>
-          <p:cNvPr id="4" name="Title 3">
-            <a:extLst>
-              <a:ext uri="{FF2B5EF4-FFF2-40B4-BE49-F238E27FC236}">
-                <a16:creationId xmlns:a16="http://schemas.microsoft.com/office/drawing/2014/main" id="{BACB2514-CF03-6F4B-98A8-05F8396F2D7E}"/>
-              </a:ext>
-            </a:extLst>
-          </p:cNvPr>
-          <p:cNvSpPr>
-            <a:spLocks noGrp="1"/>
-          </p:cNvSpPr>
-          <p:nvPr>
-            <p:ph type="title"/>
-          </p:nvPr>
-        </p:nvSpPr>
-        <p:spPr/>
-        <p:txBody>
-          <a:bodyPr/>
-          <a:lstStyle/>
-          <a:p>
-            <a:r>
-              <a:rPr lang="en-US" dirty="0"/>
-              <a:t>Lab 2: Connecting to Data</a:t>
-            </a:r>
-          </a:p>
-        </p:txBody>
-      </p:sp>
-    </p:spTree>
-    <p:extLst>
-      <p:ext uri="{BB962C8B-B14F-4D97-AF65-F5344CB8AC3E}">
-        <p14:creationId xmlns:p14="http://schemas.microsoft.com/office/powerpoint/2010/main" val="2282883991"/>
-      </p:ext>
-    </p:extLst>
-  </p:cSld>
-  <p:clrMapOvr>
-    <a:masterClrMapping/>
-  </p:clrMapOvr>
-</p:sld>
-</file>
-
 <file path=ppt/slides/slide42.xml><?xml version="1.0" encoding="utf-8"?>
 <p:sld xmlns:a="http://schemas.openxmlformats.org/drawingml/2006/main" xmlns:r="http://schemas.openxmlformats.org/officeDocument/2006/relationships" xmlns:p="http://schemas.openxmlformats.org/presentationml/2006/main">
   <p:cSld>
@@ -17459,6 +17635,199 @@
       </p:grpSpPr>
       <p:sp>
         <p:nvSpPr>
+          <p:cNvPr id="2" name="Subtitle 1">
+            <a:extLst>
+              <a:ext uri="{FF2B5EF4-FFF2-40B4-BE49-F238E27FC236}">
+                <a16:creationId xmlns:a16="http://schemas.microsoft.com/office/drawing/2014/main" id="{AAD2439F-1DBE-744B-A703-1383FC8F2CCC}"/>
+              </a:ext>
+            </a:extLst>
+          </p:cNvPr>
+          <p:cNvSpPr>
+            <a:spLocks noGrp="1"/>
+          </p:cNvSpPr>
+          <p:nvPr>
+            <p:ph type="subTitle" idx="1"/>
+          </p:nvPr>
+        </p:nvSpPr>
+        <p:spPr/>
+        <p:txBody>
+          <a:bodyPr/>
+          <a:lstStyle/>
+          <a:p>
+            <a:pPr marL="342900" indent="-342900">
+              <a:buFont typeface="Arial" panose="020B0604020202020204" pitchFamily="34" charset="0"/>
+              <a:buChar char="•"/>
+            </a:pPr>
+            <a:r>
+              <a:rPr lang="en-US" dirty="0"/>
+              <a:t>Experiment with connecting to data</a:t>
+            </a:r>
+          </a:p>
+          <a:p>
+            <a:pPr marL="342900" indent="-342900">
+              <a:buFont typeface="Arial" panose="020B0604020202020204" pitchFamily="34" charset="0"/>
+              <a:buChar char="•"/>
+            </a:pPr>
+            <a:r>
+              <a:rPr lang="en-US" dirty="0"/>
+              <a:t>Data files in: C:\XTBP10Classfiles\Data</a:t>
+            </a:r>
+          </a:p>
+          <a:p>
+            <a:pPr marL="1012825" lvl="1" indent="-342900">
+              <a:buFont typeface="Arial" panose="020B0604020202020204" pitchFamily="34" charset="0"/>
+              <a:buChar char="•"/>
+            </a:pPr>
+            <a:r>
+              <a:rPr lang="en-US" sz="1800" dirty="0"/>
+              <a:t>SQL Server: pp. 14-18</a:t>
+            </a:r>
+          </a:p>
+          <a:p>
+            <a:pPr marL="1012825" lvl="1" indent="-342900">
+              <a:buFont typeface="Arial" panose="020B0604020202020204" pitchFamily="34" charset="0"/>
+              <a:buChar char="•"/>
+            </a:pPr>
+            <a:r>
+              <a:rPr lang="en-US" sz="1800" dirty="0"/>
+              <a:t>Tableau Data Extracts: p. 19</a:t>
+            </a:r>
+          </a:p>
+          <a:p>
+            <a:pPr marL="1012825" lvl="1" indent="-342900">
+              <a:buFont typeface="Arial" panose="020B0604020202020204" pitchFamily="34" charset="0"/>
+              <a:buChar char="•"/>
+            </a:pPr>
+            <a:r>
+              <a:rPr lang="en-US" sz="1800" i="1" dirty="0">
+                <a:solidFill>
+                  <a:srgbClr val="FF0000"/>
+                </a:solidFill>
+              </a:rPr>
+              <a:t>Skip Access, pp. 20-21</a:t>
+            </a:r>
+          </a:p>
+          <a:p>
+            <a:pPr marL="1012825" lvl="1" indent="-342900">
+              <a:buFont typeface="Arial" panose="020B0604020202020204" pitchFamily="34" charset="0"/>
+              <a:buChar char="•"/>
+            </a:pPr>
+            <a:r>
+              <a:rPr lang="en-US" sz="1800" dirty="0"/>
+              <a:t>Excel: pp. 22-23</a:t>
+            </a:r>
+          </a:p>
+          <a:p>
+            <a:pPr marL="1012825" lvl="1" indent="-342900">
+              <a:buFont typeface="Arial" panose="020B0604020202020204" pitchFamily="34" charset="0"/>
+              <a:buChar char="•"/>
+            </a:pPr>
+            <a:r>
+              <a:rPr lang="en-US" sz="1800" dirty="0"/>
+              <a:t>PDF Files: p. 24</a:t>
+            </a:r>
+          </a:p>
+          <a:p>
+            <a:pPr marL="1012825" lvl="1" indent="-342900">
+              <a:buFont typeface="Arial" panose="020B0604020202020204" pitchFamily="34" charset="0"/>
+              <a:buChar char="•"/>
+            </a:pPr>
+            <a:r>
+              <a:rPr lang="en-US" sz="1800" dirty="0"/>
+              <a:t>Text files: pp. 24-25</a:t>
+            </a:r>
+            <a:endParaRPr lang="en-US" dirty="0"/>
+          </a:p>
+        </p:txBody>
+      </p:sp>
+      <p:sp>
+        <p:nvSpPr>
+          <p:cNvPr id="3" name="Text Placeholder 2">
+            <a:extLst>
+              <a:ext uri="{FF2B5EF4-FFF2-40B4-BE49-F238E27FC236}">
+                <a16:creationId xmlns:a16="http://schemas.microsoft.com/office/drawing/2014/main" id="{B34D6F55-4A1C-8C4F-9AF3-A38CD56C25CA}"/>
+              </a:ext>
+            </a:extLst>
+          </p:cNvPr>
+          <p:cNvSpPr>
+            <a:spLocks noGrp="1"/>
+          </p:cNvSpPr>
+          <p:nvPr>
+            <p:ph type="body" sz="quarter" idx="11"/>
+          </p:nvPr>
+        </p:nvSpPr>
+        <p:spPr/>
+        <p:txBody>
+          <a:bodyPr/>
+          <a:lstStyle/>
+          <a:p>
+            <a:r>
+              <a:rPr lang="en-US" dirty="0"/>
+              <a:t>20 minutes</a:t>
+            </a:r>
+          </a:p>
+        </p:txBody>
+      </p:sp>
+      <p:sp>
+        <p:nvSpPr>
+          <p:cNvPr id="4" name="Title 3">
+            <a:extLst>
+              <a:ext uri="{FF2B5EF4-FFF2-40B4-BE49-F238E27FC236}">
+                <a16:creationId xmlns:a16="http://schemas.microsoft.com/office/drawing/2014/main" id="{BACB2514-CF03-6F4B-98A8-05F8396F2D7E}"/>
+              </a:ext>
+            </a:extLst>
+          </p:cNvPr>
+          <p:cNvSpPr>
+            <a:spLocks noGrp="1"/>
+          </p:cNvSpPr>
+          <p:nvPr>
+            <p:ph type="title"/>
+          </p:nvPr>
+        </p:nvSpPr>
+        <p:spPr/>
+        <p:txBody>
+          <a:bodyPr/>
+          <a:lstStyle/>
+          <a:p>
+            <a:r>
+              <a:rPr lang="en-US" dirty="0"/>
+              <a:t>Lab 2: Connecting to Data</a:t>
+            </a:r>
+          </a:p>
+        </p:txBody>
+      </p:sp>
+    </p:spTree>
+    <p:extLst>
+      <p:ext uri="{BB962C8B-B14F-4D97-AF65-F5344CB8AC3E}">
+        <p14:creationId xmlns:p14="http://schemas.microsoft.com/office/powerpoint/2010/main" val="2282883991"/>
+      </p:ext>
+    </p:extLst>
+  </p:cSld>
+  <p:clrMapOvr>
+    <a:masterClrMapping/>
+  </p:clrMapOvr>
+</p:sld>
+</file>
+
+<file path=ppt/slides/slide43.xml><?xml version="1.0" encoding="utf-8"?>
+<p:sld xmlns:a="http://schemas.openxmlformats.org/drawingml/2006/main" xmlns:r="http://schemas.openxmlformats.org/officeDocument/2006/relationships" xmlns:p="http://schemas.openxmlformats.org/presentationml/2006/main">
+  <p:cSld>
+    <p:spTree>
+      <p:nvGrpSpPr>
+        <p:cNvPr id="1" name=""/>
+        <p:cNvGrpSpPr/>
+        <p:nvPr/>
+      </p:nvGrpSpPr>
+      <p:grpSpPr>
+        <a:xfrm>
+          <a:off x="0" y="0"/>
+          <a:ext cx="0" cy="0"/>
+          <a:chOff x="0" y="0"/>
+          <a:chExt cx="0" cy="0"/>
+        </a:xfrm>
+      </p:grpSpPr>
+      <p:sp>
+        <p:nvSpPr>
           <p:cNvPr id="2" name="Title 1"/>
           <p:cNvSpPr>
             <a:spLocks noGrp="1"/>
@@ -17492,7 +17861,7 @@
 </p:sld>
 </file>
 
-<file path=ppt/slides/slide43.xml><?xml version="1.0" encoding="utf-8"?>
+<file path=ppt/slides/slide44.xml><?xml version="1.0" encoding="utf-8"?>
 <p:sld xmlns:a="http://schemas.openxmlformats.org/drawingml/2006/main" xmlns:r="http://schemas.openxmlformats.org/officeDocument/2006/relationships" xmlns:p="http://schemas.openxmlformats.org/presentationml/2006/main">
   <p:cSld>
     <p:spTree>
@@ -20680,7 +21049,7 @@
 </p:sld>
 </file>
 
-<file path=ppt/slides/slide44.xml><?xml version="1.0" encoding="utf-8"?>
+<file path=ppt/slides/slide45.xml><?xml version="1.0" encoding="utf-8"?>
 <p:sld xmlns:a="http://schemas.openxmlformats.org/drawingml/2006/main" xmlns:r="http://schemas.openxmlformats.org/officeDocument/2006/relationships" xmlns:p="http://schemas.openxmlformats.org/presentationml/2006/main">
   <p:cSld>
     <p:spTree>
@@ -20814,7 +21183,7 @@
 </p:sld>
 </file>
 
-<file path=ppt/slides/slide45.xml><?xml version="1.0" encoding="utf-8"?>
+<file path=ppt/slides/slide46.xml><?xml version="1.0" encoding="utf-8"?>
 <p:sld xmlns:a="http://schemas.openxmlformats.org/drawingml/2006/main" xmlns:r="http://schemas.openxmlformats.org/officeDocument/2006/relationships" xmlns:p="http://schemas.openxmlformats.org/presentationml/2006/main">
   <p:cSld>
     <p:spTree>
@@ -20977,7 +21346,7 @@
 </p:sld>
 </file>
 
-<file path=ppt/slides/slide46.xml><?xml version="1.0" encoding="utf-8"?>
+<file path=ppt/slides/slide47.xml><?xml version="1.0" encoding="utf-8"?>
 <p:sld xmlns:a="http://schemas.openxmlformats.org/drawingml/2006/main" xmlns:r="http://schemas.openxmlformats.org/officeDocument/2006/relationships" xmlns:p="http://schemas.openxmlformats.org/presentationml/2006/main">
   <p:cSld>
     <p:spTree>
@@ -21206,7 +21575,7 @@
 </p:sld>
 </file>
 
-<file path=ppt/slides/slide47.xml><?xml version="1.0" encoding="utf-8"?>
+<file path=ppt/slides/slide48.xml><?xml version="1.0" encoding="utf-8"?>
 <p:sld xmlns:a="http://schemas.openxmlformats.org/drawingml/2006/main" xmlns:r="http://schemas.openxmlformats.org/officeDocument/2006/relationships" xmlns:p="http://schemas.openxmlformats.org/presentationml/2006/main">
   <p:cSld>
     <p:spTree>
@@ -21370,7 +21739,7 @@
 </p:sld>
 </file>
 
-<file path=ppt/slides/slide48.xml><?xml version="1.0" encoding="utf-8"?>
+<file path=ppt/slides/slide49.xml><?xml version="1.0" encoding="utf-8"?>
 <p:sld xmlns:a="http://schemas.openxmlformats.org/drawingml/2006/main" xmlns:r="http://schemas.openxmlformats.org/officeDocument/2006/relationships" xmlns:p="http://schemas.openxmlformats.org/presentationml/2006/main">
   <p:cSld>
     <p:spTree>
@@ -21579,171 +21948,6 @@
 </p:sld>
 </file>
 
-<file path=ppt/slides/slide49.xml><?xml version="1.0" encoding="utf-8"?>
-<p:sld xmlns:a="http://schemas.openxmlformats.org/drawingml/2006/main" xmlns:r="http://schemas.openxmlformats.org/officeDocument/2006/relationships" xmlns:p="http://schemas.openxmlformats.org/presentationml/2006/main">
-  <p:cSld>
-    <p:spTree>
-      <p:nvGrpSpPr>
-        <p:cNvPr id="1" name=""/>
-        <p:cNvGrpSpPr/>
-        <p:nvPr/>
-      </p:nvGrpSpPr>
-      <p:grpSpPr>
-        <a:xfrm>
-          <a:off x="0" y="0"/>
-          <a:ext cx="0" cy="0"/>
-          <a:chOff x="0" y="0"/>
-          <a:chExt cx="0" cy="0"/>
-        </a:xfrm>
-      </p:grpSpPr>
-      <p:sp>
-        <p:nvSpPr>
-          <p:cNvPr id="4" name="Title 3">
-            <a:extLst>
-              <a:ext uri="{FF2B5EF4-FFF2-40B4-BE49-F238E27FC236}">
-                <a16:creationId xmlns:a16="http://schemas.microsoft.com/office/drawing/2014/main" id="{9D22851B-CAA5-5841-A154-53FC902626D7}"/>
-              </a:ext>
-            </a:extLst>
-          </p:cNvPr>
-          <p:cNvSpPr>
-            <a:spLocks noGrp="1"/>
-          </p:cNvSpPr>
-          <p:nvPr>
-            <p:ph type="title"/>
-          </p:nvPr>
-        </p:nvSpPr>
-        <p:spPr/>
-        <p:txBody>
-          <a:bodyPr/>
-          <a:lstStyle/>
-          <a:p>
-            <a:r>
-              <a:rPr lang="en-US" dirty="0"/>
-              <a:t>Wildcard</a:t>
-            </a:r>
-            <a:r>
-              <a:rPr lang="en-US" baseline="0" dirty="0"/>
-              <a:t> Union Joins</a:t>
-            </a:r>
-            <a:endParaRPr lang="en-US" dirty="0"/>
-          </a:p>
-        </p:txBody>
-      </p:sp>
-      <p:sp>
-        <p:nvSpPr>
-          <p:cNvPr id="7" name="Text Placeholder 6">
-            <a:extLst>
-              <a:ext uri="{FF2B5EF4-FFF2-40B4-BE49-F238E27FC236}">
-                <a16:creationId xmlns:a16="http://schemas.microsoft.com/office/drawing/2014/main" id="{0789B2D4-A903-4A9F-A3FC-AF1E58BD40A7}"/>
-              </a:ext>
-            </a:extLst>
-          </p:cNvPr>
-          <p:cNvSpPr>
-            <a:spLocks noGrp="1"/>
-          </p:cNvSpPr>
-          <p:nvPr>
-            <p:ph type="body" sz="quarter" idx="10"/>
-          </p:nvPr>
-        </p:nvSpPr>
-        <p:spPr>
-          <a:xfrm>
-            <a:off x="762000" y="1752600"/>
-            <a:ext cx="7010400" cy="3733800"/>
-          </a:xfrm>
-        </p:spPr>
-        <p:txBody>
-          <a:bodyPr/>
-          <a:lstStyle/>
-          <a:p>
-            <a:r>
-              <a:rPr lang="en-US" dirty="0"/>
-              <a:t>Folder containing multiple files with same (or similar) schema</a:t>
-            </a:r>
-          </a:p>
-          <a:p>
-            <a:r>
-              <a:rPr lang="en-US" dirty="0"/>
-              <a:t>Select based on a pattern</a:t>
-            </a:r>
-          </a:p>
-          <a:p>
-            <a:endParaRPr lang="en-US" dirty="0"/>
-          </a:p>
-        </p:txBody>
-      </p:sp>
-      <p:pic>
-        <p:nvPicPr>
-          <p:cNvPr id="6" name="Picture 5">
-            <a:extLst>
-              <a:ext uri="{FF2B5EF4-FFF2-40B4-BE49-F238E27FC236}">
-                <a16:creationId xmlns:a16="http://schemas.microsoft.com/office/drawing/2014/main" id="{F5277A75-9C28-4083-B6CD-235C869E9010}"/>
-              </a:ext>
-            </a:extLst>
-          </p:cNvPr>
-          <p:cNvPicPr>
-            <a:picLocks noChangeAspect="1"/>
-          </p:cNvPicPr>
-          <p:nvPr/>
-        </p:nvPicPr>
-        <p:blipFill>
-          <a:blip r:embed="rId3"/>
-          <a:stretch>
-            <a:fillRect/>
-          </a:stretch>
-        </p:blipFill>
-        <p:spPr>
-          <a:xfrm>
-            <a:off x="7543800" y="306081"/>
-            <a:ext cx="3533415" cy="3124540"/>
-          </a:xfrm>
-          <a:prstGeom prst="rect">
-            <a:avLst/>
-          </a:prstGeom>
-        </p:spPr>
-      </p:pic>
-      <p:pic>
-        <p:nvPicPr>
-          <p:cNvPr id="8" name="Picture 7">
-            <a:extLst>
-              <a:ext uri="{FF2B5EF4-FFF2-40B4-BE49-F238E27FC236}">
-                <a16:creationId xmlns:a16="http://schemas.microsoft.com/office/drawing/2014/main" id="{49B805A1-7AB7-4F40-8BFA-FF99079205C4}"/>
-              </a:ext>
-            </a:extLst>
-          </p:cNvPr>
-          <p:cNvPicPr>
-            <a:picLocks noChangeAspect="1"/>
-          </p:cNvPicPr>
-          <p:nvPr/>
-        </p:nvPicPr>
-        <p:blipFill>
-          <a:blip r:embed="rId4"/>
-          <a:stretch>
-            <a:fillRect/>
-          </a:stretch>
-        </p:blipFill>
-        <p:spPr>
-          <a:xfrm>
-            <a:off x="8493573" y="1750978"/>
-            <a:ext cx="2959125" cy="3733801"/>
-          </a:xfrm>
-          <a:prstGeom prst="rect">
-            <a:avLst/>
-          </a:prstGeom>
-        </p:spPr>
-      </p:pic>
-    </p:spTree>
-    <p:extLst>
-      <p:ext uri="{BB962C8B-B14F-4D97-AF65-F5344CB8AC3E}">
-        <p14:creationId xmlns:p14="http://schemas.microsoft.com/office/powerpoint/2010/main" val="1700663258"/>
-      </p:ext>
-    </p:extLst>
-  </p:cSld>
-  <p:clrMapOvr>
-    <a:masterClrMapping/>
-  </p:clrMapOvr>
-</p:sld>
-</file>
-
 <file path=ppt/slides/slide5.xml><?xml version="1.0" encoding="utf-8"?>
 <p:sld xmlns:a="http://schemas.openxmlformats.org/drawingml/2006/main" xmlns:r="http://schemas.openxmlformats.org/officeDocument/2006/relationships" xmlns:p="http://schemas.openxmlformats.org/presentationml/2006/main">
   <p:cSld>
@@ -21777,10 +21981,9 @@
           <a:lstStyle/>
           <a:p>
             <a:r>
-              <a:rPr lang="en-US"/>
+              <a:rPr lang="en-US" dirty="0"/>
               <a:t>The Courseware</a:t>
             </a:r>
-            <a:endParaRPr lang="en-US" dirty="0"/>
           </a:p>
         </p:txBody>
       </p:sp>
@@ -21816,24 +22019,22 @@
           </a:p>
           <a:p>
             <a:r>
+              <a:rPr lang="en-US" dirty="0" smtClean="0"/>
+              <a:t>Supplemental </a:t>
+            </a:r>
+            <a:r>
               <a:rPr lang="en-US" dirty="0"/>
-              <a:t>GitHub site for code files: </a:t>
-            </a:r>
-            <a:br>
-              <a:rPr lang="en-US" dirty="0"/>
-            </a:br>
-            <a:endParaRPr lang="en-US" dirty="0"/>
-          </a:p>
-          <a:p>
-            <a:r>
-              <a:rPr lang="en-US" dirty="0"/>
-              <a:t>Supplemental notes: </a:t>
+              <a:t>notes: </a:t>
             </a:r>
             <a:r>
               <a:rPr lang="en-US" dirty="0">
                 <a:hlinkClick r:id="rId2"/>
               </a:rPr>
               <a:t>http://bit.ly/ONLCXTBP10</a:t>
+            </a:r>
+            <a:r>
+              <a:rPr lang="en-US" dirty="0"/>
+              <a:t/>
             </a:r>
             <a:br>
               <a:rPr lang="en-US" dirty="0"/>
@@ -21943,7 +22144,7 @@
           <p:cNvPr id="4" name="Title 3">
             <a:extLst>
               <a:ext uri="{FF2B5EF4-FFF2-40B4-BE49-F238E27FC236}">
-                <a16:creationId xmlns:a16="http://schemas.microsoft.com/office/drawing/2014/main" id="{F48C7965-0EC8-CF4E-94D4-3E5D48D199A8}"/>
+                <a16:creationId xmlns:a16="http://schemas.microsoft.com/office/drawing/2014/main" id="{9D22851B-CAA5-5841-A154-53FC902626D7}"/>
               </a:ext>
             </a:extLst>
           </p:cNvPr>
@@ -21961,11 +22162,11 @@
           <a:p>
             <a:r>
               <a:rPr lang="en-US" dirty="0"/>
-              <a:t>Which Is</a:t>
+              <a:t>Wildcard</a:t>
             </a:r>
             <a:r>
               <a:rPr lang="en-US" baseline="0" dirty="0"/>
-              <a:t> Better?</a:t>
+              <a:t> Union Joins</a:t>
             </a:r>
             <a:endParaRPr lang="en-US" dirty="0"/>
           </a:p>
@@ -21973,10 +22174,10 @@
       </p:sp>
       <p:sp>
         <p:nvSpPr>
-          <p:cNvPr id="5" name="Text Placeholder 4">
+          <p:cNvPr id="7" name="Text Placeholder 6">
             <a:extLst>
               <a:ext uri="{FF2B5EF4-FFF2-40B4-BE49-F238E27FC236}">
-                <a16:creationId xmlns:a16="http://schemas.microsoft.com/office/drawing/2014/main" id="{755D2355-832A-48BC-8501-4AA723839B16}"/>
+                <a16:creationId xmlns:a16="http://schemas.microsoft.com/office/drawing/2014/main" id="{0789B2D4-A903-4A9F-A3FC-AF1E58BD40A7}"/>
               </a:ext>
             </a:extLst>
           </p:cNvPr>
@@ -21987,55 +22188,96 @@
             <p:ph type="body" sz="quarter" idx="10"/>
           </p:nvPr>
         </p:nvSpPr>
-        <p:spPr/>
+        <p:spPr>
+          <a:xfrm>
+            <a:off x="762000" y="1752600"/>
+            <a:ext cx="7010400" cy="3733800"/>
+          </a:xfrm>
+        </p:spPr>
         <p:txBody>
           <a:bodyPr/>
           <a:lstStyle/>
           <a:p>
             <a:r>
-              <a:rPr lang="en-US" dirty="0">
-                <a:sym typeface="Wingdings" panose="05000000000000000000" pitchFamily="2" charset="2"/>
-              </a:rPr>
-              <a:t>One-off or ongoing?</a:t>
-            </a:r>
+              <a:rPr lang="en-US" dirty="0"/>
+              <a:t>Folder containing multiple files with same (or similar) schema</a:t>
+            </a:r>
+          </a:p>
+          <a:p>
+            <a:r>
+              <a:rPr lang="en-US" dirty="0"/>
+              <a:t>Select based on a pattern</a:t>
+            </a:r>
+          </a:p>
+          <a:p>
             <a:endParaRPr lang="en-US" dirty="0"/>
           </a:p>
-          <a:p>
-            <a:r>
-              <a:rPr lang="en-US" dirty="0"/>
-              <a:t>Automated systems </a:t>
-            </a:r>
-            <a:r>
-              <a:rPr lang="en-US" dirty="0">
-                <a:sym typeface="Wingdings" panose="05000000000000000000" pitchFamily="2" charset="2"/>
-              </a:rPr>
-              <a:t> Identical files = Wildcard</a:t>
-            </a:r>
-          </a:p>
-          <a:p>
-            <a:r>
-              <a:rPr lang="en-US" dirty="0">
-                <a:sym typeface="Wingdings" panose="05000000000000000000" pitchFamily="2" charset="2"/>
-              </a:rPr>
-              <a:t>Ad hoc/manual data entry, disparate sources = judgement call</a:t>
-            </a:r>
-          </a:p>
-          <a:p>
-            <a:pPr lvl="1"/>
-            <a:r>
-              <a:rPr lang="en-US" dirty="0">
-                <a:sym typeface="Wingdings" panose="05000000000000000000" pitchFamily="2" charset="2"/>
-              </a:rPr>
-              <a:t>Wildcard may require so much tuning that it’s more work than manual</a:t>
-            </a:r>
-            <a:endParaRPr lang="en-US" dirty="0"/>
-          </a:p>
         </p:txBody>
       </p:sp>
+      <p:pic>
+        <p:nvPicPr>
+          <p:cNvPr id="6" name="Picture 5">
+            <a:extLst>
+              <a:ext uri="{FF2B5EF4-FFF2-40B4-BE49-F238E27FC236}">
+                <a16:creationId xmlns:a16="http://schemas.microsoft.com/office/drawing/2014/main" id="{F5277A75-9C28-4083-B6CD-235C869E9010}"/>
+              </a:ext>
+            </a:extLst>
+          </p:cNvPr>
+          <p:cNvPicPr>
+            <a:picLocks noChangeAspect="1"/>
+          </p:cNvPicPr>
+          <p:nvPr/>
+        </p:nvPicPr>
+        <p:blipFill>
+          <a:blip r:embed="rId3"/>
+          <a:stretch>
+            <a:fillRect/>
+          </a:stretch>
+        </p:blipFill>
+        <p:spPr>
+          <a:xfrm>
+            <a:off x="7543800" y="306081"/>
+            <a:ext cx="3533415" cy="3124540"/>
+          </a:xfrm>
+          <a:prstGeom prst="rect">
+            <a:avLst/>
+          </a:prstGeom>
+        </p:spPr>
+      </p:pic>
+      <p:pic>
+        <p:nvPicPr>
+          <p:cNvPr id="8" name="Picture 7">
+            <a:extLst>
+              <a:ext uri="{FF2B5EF4-FFF2-40B4-BE49-F238E27FC236}">
+                <a16:creationId xmlns:a16="http://schemas.microsoft.com/office/drawing/2014/main" id="{49B805A1-7AB7-4F40-8BFA-FF99079205C4}"/>
+              </a:ext>
+            </a:extLst>
+          </p:cNvPr>
+          <p:cNvPicPr>
+            <a:picLocks noChangeAspect="1"/>
+          </p:cNvPicPr>
+          <p:nvPr/>
+        </p:nvPicPr>
+        <p:blipFill>
+          <a:blip r:embed="rId4"/>
+          <a:stretch>
+            <a:fillRect/>
+          </a:stretch>
+        </p:blipFill>
+        <p:spPr>
+          <a:xfrm>
+            <a:off x="8493573" y="1750978"/>
+            <a:ext cx="2959125" cy="3733801"/>
+          </a:xfrm>
+          <a:prstGeom prst="rect">
+            <a:avLst/>
+          </a:prstGeom>
+        </p:spPr>
+      </p:pic>
     </p:spTree>
     <p:extLst>
       <p:ext uri="{BB962C8B-B14F-4D97-AF65-F5344CB8AC3E}">
-        <p14:creationId xmlns:p14="http://schemas.microsoft.com/office/powerpoint/2010/main" val="307961116"/>
+        <p14:creationId xmlns:p14="http://schemas.microsoft.com/office/powerpoint/2010/main" val="1700663258"/>
       </p:ext>
     </p:extLst>
   </p:cSld>
@@ -22064,10 +22306,10 @@
       </p:grpSpPr>
       <p:sp>
         <p:nvSpPr>
-          <p:cNvPr id="2" name="Subtitle 1">
+          <p:cNvPr id="4" name="Title 3">
             <a:extLst>
               <a:ext uri="{FF2B5EF4-FFF2-40B4-BE49-F238E27FC236}">
-                <a16:creationId xmlns:a16="http://schemas.microsoft.com/office/drawing/2014/main" id="{DA3B231E-6805-BE41-BD6F-D9C9EAED8B76}"/>
+                <a16:creationId xmlns:a16="http://schemas.microsoft.com/office/drawing/2014/main" id="{F48C7965-0EC8-CF4E-94D4-3E5D48D199A8}"/>
               </a:ext>
             </a:extLst>
           </p:cNvPr>
@@ -22075,7 +22317,7 @@
             <a:spLocks noGrp="1"/>
           </p:cNvSpPr>
           <p:nvPr>
-            <p:ph type="subTitle" idx="1"/>
+            <p:ph type="title"/>
           </p:nvPr>
         </p:nvSpPr>
         <p:spPr/>
@@ -22085,29 +22327,22 @@
           <a:p>
             <a:r>
               <a:rPr lang="en-US" dirty="0"/>
-              <a:t>Exercise 4.1: UNION Join, pp. 27-32</a:t>
-            </a:r>
-          </a:p>
-          <a:p>
-            <a:r>
-              <a:rPr lang="en-US" dirty="0"/>
-              <a:t>Exercise 4.2: Wildcard UNION, pp. 41-44</a:t>
-            </a:r>
-          </a:p>
-          <a:p>
-            <a:r>
-              <a:rPr lang="en-US" dirty="0"/>
-              <a:t>Exercise 4.3: Refine a Wildcard UNION, pp. 47-48</a:t>
-            </a:r>
+              <a:t>Which Is</a:t>
+            </a:r>
+            <a:r>
+              <a:rPr lang="en-US" baseline="0" dirty="0"/>
+              <a:t> Better?</a:t>
+            </a:r>
+            <a:endParaRPr lang="en-US" dirty="0"/>
           </a:p>
         </p:txBody>
       </p:sp>
       <p:sp>
         <p:nvSpPr>
-          <p:cNvPr id="3" name="Text Placeholder 2">
+          <p:cNvPr id="5" name="Text Placeholder 4">
             <a:extLst>
               <a:ext uri="{FF2B5EF4-FFF2-40B4-BE49-F238E27FC236}">
-                <a16:creationId xmlns:a16="http://schemas.microsoft.com/office/drawing/2014/main" id="{490D3781-8EE3-BE42-B0BB-32D1562D9008}"/>
+                <a16:creationId xmlns:a16="http://schemas.microsoft.com/office/drawing/2014/main" id="{755D2355-832A-48BC-8501-4AA723839B16}"/>
               </a:ext>
             </a:extLst>
           </p:cNvPr>
@@ -22115,7 +22350,7 @@
             <a:spLocks noGrp="1"/>
           </p:cNvSpPr>
           <p:nvPr>
-            <p:ph type="body" sz="quarter" idx="11"/>
+            <p:ph type="body" sz="quarter" idx="10"/>
           </p:nvPr>
         </p:nvSpPr>
         <p:spPr/>
@@ -22124,44 +22359,49 @@
           <a:lstStyle/>
           <a:p>
             <a:r>
+              <a:rPr lang="en-US" dirty="0">
+                <a:sym typeface="Wingdings" panose="05000000000000000000" pitchFamily="2" charset="2"/>
+              </a:rPr>
+              <a:t>One-off or ongoing?</a:t>
+            </a:r>
+            <a:endParaRPr lang="en-US" dirty="0"/>
+          </a:p>
+          <a:p>
+            <a:r>
               <a:rPr lang="en-US" dirty="0"/>
-              <a:t>30 Minutes</a:t>
-            </a:r>
-          </a:p>
-        </p:txBody>
-      </p:sp>
-      <p:sp>
-        <p:nvSpPr>
-          <p:cNvPr id="4" name="Title 3">
-            <a:extLst>
-              <a:ext uri="{FF2B5EF4-FFF2-40B4-BE49-F238E27FC236}">
-                <a16:creationId xmlns:a16="http://schemas.microsoft.com/office/drawing/2014/main" id="{09F33829-237D-F84E-9895-54A257840138}"/>
-              </a:ext>
-            </a:extLst>
-          </p:cNvPr>
-          <p:cNvSpPr>
-            <a:spLocks noGrp="1"/>
-          </p:cNvSpPr>
-          <p:nvPr>
-            <p:ph type="title"/>
-          </p:nvPr>
-        </p:nvSpPr>
-        <p:spPr/>
-        <p:txBody>
-          <a:bodyPr/>
-          <a:lstStyle/>
-          <a:p>
-            <a:r>
-              <a:rPr lang="en-US" dirty="0"/>
-              <a:t>Lab 3: UNION Joins</a:t>
-            </a:r>
+              <a:t>Automated systems </a:t>
+            </a:r>
+            <a:r>
+              <a:rPr lang="en-US" dirty="0">
+                <a:sym typeface="Wingdings" panose="05000000000000000000" pitchFamily="2" charset="2"/>
+              </a:rPr>
+              <a:t> Identical files = Wildcard</a:t>
+            </a:r>
+          </a:p>
+          <a:p>
+            <a:r>
+              <a:rPr lang="en-US" dirty="0">
+                <a:sym typeface="Wingdings" panose="05000000000000000000" pitchFamily="2" charset="2"/>
+              </a:rPr>
+              <a:t>Ad hoc/manual data entry, disparate sources = judgement call</a:t>
+            </a:r>
+          </a:p>
+          <a:p>
+            <a:pPr lvl="1"/>
+            <a:r>
+              <a:rPr lang="en-US" dirty="0">
+                <a:sym typeface="Wingdings" panose="05000000000000000000" pitchFamily="2" charset="2"/>
+              </a:rPr>
+              <a:t>Wildcard may require so much tuning that it’s more work than manual</a:t>
+            </a:r>
+            <a:endParaRPr lang="en-US" dirty="0"/>
           </a:p>
         </p:txBody>
       </p:sp>
     </p:spTree>
     <p:extLst>
       <p:ext uri="{BB962C8B-B14F-4D97-AF65-F5344CB8AC3E}">
-        <p14:creationId xmlns:p14="http://schemas.microsoft.com/office/powerpoint/2010/main" val="2529152538"/>
+        <p14:creationId xmlns:p14="http://schemas.microsoft.com/office/powerpoint/2010/main" val="307961116"/>
       </p:ext>
     </p:extLst>
   </p:cSld>
@@ -22190,6 +22430,132 @@
       </p:grpSpPr>
       <p:sp>
         <p:nvSpPr>
+          <p:cNvPr id="2" name="Subtitle 1">
+            <a:extLst>
+              <a:ext uri="{FF2B5EF4-FFF2-40B4-BE49-F238E27FC236}">
+                <a16:creationId xmlns:a16="http://schemas.microsoft.com/office/drawing/2014/main" id="{DA3B231E-6805-BE41-BD6F-D9C9EAED8B76}"/>
+              </a:ext>
+            </a:extLst>
+          </p:cNvPr>
+          <p:cNvSpPr>
+            <a:spLocks noGrp="1"/>
+          </p:cNvSpPr>
+          <p:nvPr>
+            <p:ph type="subTitle" idx="1"/>
+          </p:nvPr>
+        </p:nvSpPr>
+        <p:spPr/>
+        <p:txBody>
+          <a:bodyPr/>
+          <a:lstStyle/>
+          <a:p>
+            <a:r>
+              <a:rPr lang="en-US" dirty="0"/>
+              <a:t>Exercise 4.1: UNION Join, pp. 27-32</a:t>
+            </a:r>
+          </a:p>
+          <a:p>
+            <a:r>
+              <a:rPr lang="en-US" dirty="0"/>
+              <a:t>Exercise 4.2: Wildcard UNION, pp. 41-44</a:t>
+            </a:r>
+          </a:p>
+          <a:p>
+            <a:r>
+              <a:rPr lang="en-US" dirty="0"/>
+              <a:t>Exercise 4.3: Refine a Wildcard UNION, pp. 47-48</a:t>
+            </a:r>
+          </a:p>
+        </p:txBody>
+      </p:sp>
+      <p:sp>
+        <p:nvSpPr>
+          <p:cNvPr id="3" name="Text Placeholder 2">
+            <a:extLst>
+              <a:ext uri="{FF2B5EF4-FFF2-40B4-BE49-F238E27FC236}">
+                <a16:creationId xmlns:a16="http://schemas.microsoft.com/office/drawing/2014/main" id="{490D3781-8EE3-BE42-B0BB-32D1562D9008}"/>
+              </a:ext>
+            </a:extLst>
+          </p:cNvPr>
+          <p:cNvSpPr>
+            <a:spLocks noGrp="1"/>
+          </p:cNvSpPr>
+          <p:nvPr>
+            <p:ph type="body" sz="quarter" idx="11"/>
+          </p:nvPr>
+        </p:nvSpPr>
+        <p:spPr/>
+        <p:txBody>
+          <a:bodyPr/>
+          <a:lstStyle/>
+          <a:p>
+            <a:r>
+              <a:rPr lang="en-US" dirty="0"/>
+              <a:t>30 Minutes</a:t>
+            </a:r>
+          </a:p>
+        </p:txBody>
+      </p:sp>
+      <p:sp>
+        <p:nvSpPr>
+          <p:cNvPr id="4" name="Title 3">
+            <a:extLst>
+              <a:ext uri="{FF2B5EF4-FFF2-40B4-BE49-F238E27FC236}">
+                <a16:creationId xmlns:a16="http://schemas.microsoft.com/office/drawing/2014/main" id="{09F33829-237D-F84E-9895-54A257840138}"/>
+              </a:ext>
+            </a:extLst>
+          </p:cNvPr>
+          <p:cNvSpPr>
+            <a:spLocks noGrp="1"/>
+          </p:cNvSpPr>
+          <p:nvPr>
+            <p:ph type="title"/>
+          </p:nvPr>
+        </p:nvSpPr>
+        <p:spPr/>
+        <p:txBody>
+          <a:bodyPr/>
+          <a:lstStyle/>
+          <a:p>
+            <a:r>
+              <a:rPr lang="en-US" dirty="0"/>
+              <a:t>Lab 3: UNION Joins</a:t>
+            </a:r>
+          </a:p>
+        </p:txBody>
+      </p:sp>
+    </p:spTree>
+    <p:extLst>
+      <p:ext uri="{BB962C8B-B14F-4D97-AF65-F5344CB8AC3E}">
+        <p14:creationId xmlns:p14="http://schemas.microsoft.com/office/powerpoint/2010/main" val="2529152538"/>
+      </p:ext>
+    </p:extLst>
+  </p:cSld>
+  <p:clrMapOvr>
+    <a:masterClrMapping/>
+  </p:clrMapOvr>
+</p:sld>
+</file>
+
+<file path=ppt/slides/slide53.xml><?xml version="1.0" encoding="utf-8"?>
+<p:sld xmlns:a="http://schemas.openxmlformats.org/drawingml/2006/main" xmlns:r="http://schemas.openxmlformats.org/officeDocument/2006/relationships" xmlns:p="http://schemas.openxmlformats.org/presentationml/2006/main">
+  <p:cSld>
+    <p:spTree>
+      <p:nvGrpSpPr>
+        <p:cNvPr id="1" name=""/>
+        <p:cNvGrpSpPr/>
+        <p:nvPr/>
+      </p:nvGrpSpPr>
+      <p:grpSpPr>
+        <a:xfrm>
+          <a:off x="0" y="0"/>
+          <a:ext cx="0" cy="0"/>
+          <a:chOff x="0" y="0"/>
+          <a:chExt cx="0" cy="0"/>
+        </a:xfrm>
+      </p:grpSpPr>
+      <p:sp>
+        <p:nvSpPr>
           <p:cNvPr id="4" name="Title 3">
             <a:extLst>
               <a:ext uri="{FF2B5EF4-FFF2-40B4-BE49-F238E27FC236}">
@@ -22229,7 +22595,7 @@
 </p:sld>
 </file>
 
-<file path=ppt/slides/slide53.xml><?xml version="1.0" encoding="utf-8"?>
+<file path=ppt/slides/slide54.xml><?xml version="1.0" encoding="utf-8"?>
 <p:sld xmlns:a="http://schemas.openxmlformats.org/drawingml/2006/main" xmlns:r="http://schemas.openxmlformats.org/officeDocument/2006/relationships" xmlns:p="http://schemas.openxmlformats.org/presentationml/2006/main">
   <p:cSld>
     <p:spTree>
@@ -23717,7 +24083,7 @@
 </p:sld>
 </file>
 
-<file path=ppt/slides/slide54.xml><?xml version="1.0" encoding="utf-8"?>
+<file path=ppt/slides/slide55.xml><?xml version="1.0" encoding="utf-8"?>
 <p:sld xmlns:a="http://schemas.openxmlformats.org/drawingml/2006/main" xmlns:r="http://schemas.openxmlformats.org/officeDocument/2006/relationships" xmlns:p="http://schemas.openxmlformats.org/presentationml/2006/main">
   <p:cSld>
     <p:spTree>
@@ -26143,7 +26509,7 @@
 </p:sld>
 </file>
 
-<file path=ppt/slides/slide55.xml><?xml version="1.0" encoding="utf-8"?>
+<file path=ppt/slides/slide56.xml><?xml version="1.0" encoding="utf-8"?>
 <p:sld xmlns:a="http://schemas.openxmlformats.org/drawingml/2006/main" xmlns:r="http://schemas.openxmlformats.org/officeDocument/2006/relationships" xmlns:p="http://schemas.openxmlformats.org/presentationml/2006/main">
   <p:cSld>
     <p:spTree>
@@ -29828,7 +30194,7 @@
 </p:sld>
 </file>
 
-<file path=ppt/slides/slide56.xml><?xml version="1.0" encoding="utf-8"?>
+<file path=ppt/slides/slide57.xml><?xml version="1.0" encoding="utf-8"?>
 <p:sld xmlns:a="http://schemas.openxmlformats.org/drawingml/2006/main" xmlns:r="http://schemas.openxmlformats.org/officeDocument/2006/relationships" xmlns:p="http://schemas.openxmlformats.org/presentationml/2006/main">
   <p:cSld>
     <p:spTree>
@@ -30075,7 +30441,7 @@
 </p:sld>
 </file>
 
-<file path=ppt/slides/slide57.xml><?xml version="1.0" encoding="utf-8"?>
+<file path=ppt/slides/slide58.xml><?xml version="1.0" encoding="utf-8"?>
 <p:sld xmlns:a="http://schemas.openxmlformats.org/drawingml/2006/main" xmlns:r="http://schemas.openxmlformats.org/officeDocument/2006/relationships" xmlns:p="http://schemas.openxmlformats.org/presentationml/2006/main">
   <p:cSld>
     <p:spTree>
@@ -30245,7 +30611,7 @@
 </p:sld>
 </file>
 
-<file path=ppt/slides/slide58.xml><?xml version="1.0" encoding="utf-8"?>
+<file path=ppt/slides/slide59.xml><?xml version="1.0" encoding="utf-8"?>
 <p:sld xmlns:a="http://schemas.openxmlformats.org/drawingml/2006/main" xmlns:r="http://schemas.openxmlformats.org/officeDocument/2006/relationships" xmlns:p="http://schemas.openxmlformats.org/presentationml/2006/main">
   <p:cSld>
     <p:spTree>
@@ -30415,7 +30781,157 @@
 </p:sld>
 </file>
 
-<file path=ppt/slides/slide59.xml><?xml version="1.0" encoding="utf-8"?>
+<file path=ppt/slides/slide6.xml><?xml version="1.0" encoding="utf-8"?>
+<p:sld xmlns:a="http://schemas.openxmlformats.org/drawingml/2006/main" xmlns:r="http://schemas.openxmlformats.org/officeDocument/2006/relationships" xmlns:p="http://schemas.openxmlformats.org/presentationml/2006/main">
+  <p:cSld>
+    <p:spTree>
+      <p:nvGrpSpPr>
+        <p:cNvPr id="1" name=""/>
+        <p:cNvGrpSpPr/>
+        <p:nvPr/>
+      </p:nvGrpSpPr>
+      <p:grpSpPr>
+        <a:xfrm>
+          <a:off x="0" y="0"/>
+          <a:ext cx="0" cy="0"/>
+          <a:chOff x="0" y="0"/>
+          <a:chExt cx="0" cy="0"/>
+        </a:xfrm>
+      </p:grpSpPr>
+      <p:sp>
+        <p:nvSpPr>
+          <p:cNvPr id="2" name="Title 1"/>
+          <p:cNvSpPr>
+            <a:spLocks noGrp="1"/>
+          </p:cNvSpPr>
+          <p:nvPr>
+            <p:ph type="title"/>
+          </p:nvPr>
+        </p:nvSpPr>
+        <p:spPr/>
+        <p:txBody>
+          <a:bodyPr/>
+          <a:lstStyle/>
+          <a:p>
+            <a:r>
+              <a:rPr lang="en-US"/>
+              <a:t>Classroom Setup</a:t>
+            </a:r>
+            <a:endParaRPr lang="en-US" dirty="0"/>
+          </a:p>
+        </p:txBody>
+      </p:sp>
+      <p:sp>
+        <p:nvSpPr>
+          <p:cNvPr id="4" name="Text Placeholder 3"/>
+          <p:cNvSpPr>
+            <a:spLocks noGrp="1"/>
+          </p:cNvSpPr>
+          <p:nvPr>
+            <p:ph type="body" sz="quarter" idx="10"/>
+          </p:nvPr>
+        </p:nvSpPr>
+        <p:spPr>
+          <a:xfrm>
+            <a:off x="762000" y="1752600"/>
+            <a:ext cx="10668000" cy="3733800"/>
+          </a:xfrm>
+        </p:spPr>
+        <p:txBody>
+          <a:bodyPr/>
+          <a:lstStyle/>
+          <a:p>
+            <a:r>
+              <a:rPr lang="en-US" dirty="0"/>
+              <a:t>Windows </a:t>
+            </a:r>
+            <a:r>
+              <a:rPr lang="en-US" dirty="0" smtClean="0"/>
+              <a:t>10</a:t>
+            </a:r>
+          </a:p>
+          <a:p>
+            <a:r>
+              <a:rPr lang="en-US" dirty="0" smtClean="0"/>
+              <a:t>Prep Builder and Tableau Desktop trial editions</a:t>
+            </a:r>
+            <a:endParaRPr lang="en-US" dirty="0"/>
+          </a:p>
+          <a:p>
+            <a:r>
+              <a:rPr lang="en-US" dirty="0"/>
+              <a:t>Course </a:t>
+            </a:r>
+            <a:r>
+              <a:rPr lang="en-US" dirty="0" smtClean="0"/>
+              <a:t>Files at C:\XTBP10ClassFiles</a:t>
+            </a:r>
+          </a:p>
+          <a:p>
+            <a:r>
+              <a:rPr lang="en-US" dirty="0" smtClean="0"/>
+              <a:t>SQL Server</a:t>
+            </a:r>
+            <a:endParaRPr lang="en-US" dirty="0"/>
+          </a:p>
+          <a:p>
+            <a:r>
+              <a:rPr lang="en-US" dirty="0"/>
+              <a:t>Username: </a:t>
+            </a:r>
+            <a:r>
+              <a:rPr lang="en-US" i="1" dirty="0"/>
+              <a:t>Student</a:t>
+            </a:r>
+            <a:r>
+              <a:rPr lang="en-US" dirty="0"/>
+              <a:t>, Password: </a:t>
+            </a:r>
+            <a:r>
+              <a:rPr lang="en-US" i="1" dirty="0"/>
+              <a:t>Pa55w.rd</a:t>
+            </a:r>
+          </a:p>
+        </p:txBody>
+      </p:sp>
+      <p:sp>
+        <p:nvSpPr>
+          <p:cNvPr id="3" name="Slide Number Placeholder 2"/>
+          <p:cNvSpPr>
+            <a:spLocks noGrp="1"/>
+          </p:cNvSpPr>
+          <p:nvPr>
+            <p:ph type="sldNum" sz="quarter" idx="4294967295"/>
+          </p:nvPr>
+        </p:nvSpPr>
+        <p:spPr/>
+        <p:txBody>
+          <a:bodyPr/>
+          <a:lstStyle/>
+          <a:p>
+            <a:fld id="{D814DA60-3BEE-4BCE-BEDB-E433FD970963}" type="slidenum">
+              <a:rPr lang="en-US" smtClean="0"/>
+              <a:pPr/>
+              <a:t>6</a:t>
+            </a:fld>
+            <a:endParaRPr lang="en-US" dirty="0"/>
+          </a:p>
+        </p:txBody>
+      </p:sp>
+    </p:spTree>
+    <p:extLst>
+      <p:ext uri="{BB962C8B-B14F-4D97-AF65-F5344CB8AC3E}">
+        <p14:creationId xmlns:p14="http://schemas.microsoft.com/office/powerpoint/2010/main" val="2470414402"/>
+      </p:ext>
+    </p:extLst>
+  </p:cSld>
+  <p:clrMapOvr>
+    <a:masterClrMapping/>
+  </p:clrMapOvr>
+</p:sld>
+</file>
+
+<file path=ppt/slides/slide60.xml><?xml version="1.0" encoding="utf-8"?>
 <p:sld xmlns:a="http://schemas.openxmlformats.org/drawingml/2006/main" xmlns:r="http://schemas.openxmlformats.org/officeDocument/2006/relationships" xmlns:p="http://schemas.openxmlformats.org/presentationml/2006/main">
   <p:cSld>
     <p:spTree>
@@ -30582,135 +31098,7 @@
 </p:sld>
 </file>
 
-<file path=ppt/slides/slide6.xml><?xml version="1.0" encoding="utf-8"?>
-<p:sld xmlns:a="http://schemas.openxmlformats.org/drawingml/2006/main" xmlns:r="http://schemas.openxmlformats.org/officeDocument/2006/relationships" xmlns:p="http://schemas.openxmlformats.org/presentationml/2006/main">
-  <p:cSld>
-    <p:spTree>
-      <p:nvGrpSpPr>
-        <p:cNvPr id="1" name=""/>
-        <p:cNvGrpSpPr/>
-        <p:nvPr/>
-      </p:nvGrpSpPr>
-      <p:grpSpPr>
-        <a:xfrm>
-          <a:off x="0" y="0"/>
-          <a:ext cx="0" cy="0"/>
-          <a:chOff x="0" y="0"/>
-          <a:chExt cx="0" cy="0"/>
-        </a:xfrm>
-      </p:grpSpPr>
-      <p:sp>
-        <p:nvSpPr>
-          <p:cNvPr id="2" name="Title 1"/>
-          <p:cNvSpPr>
-            <a:spLocks noGrp="1"/>
-          </p:cNvSpPr>
-          <p:nvPr>
-            <p:ph type="title"/>
-          </p:nvPr>
-        </p:nvSpPr>
-        <p:spPr/>
-        <p:txBody>
-          <a:bodyPr/>
-          <a:lstStyle/>
-          <a:p>
-            <a:r>
-              <a:rPr lang="en-US"/>
-              <a:t>Classroom Setup</a:t>
-            </a:r>
-            <a:endParaRPr lang="en-US" dirty="0"/>
-          </a:p>
-        </p:txBody>
-      </p:sp>
-      <p:sp>
-        <p:nvSpPr>
-          <p:cNvPr id="4" name="Text Placeholder 3"/>
-          <p:cNvSpPr>
-            <a:spLocks noGrp="1"/>
-          </p:cNvSpPr>
-          <p:nvPr>
-            <p:ph type="body" sz="quarter" idx="10"/>
-          </p:nvPr>
-        </p:nvSpPr>
-        <p:spPr>
-          <a:xfrm>
-            <a:off x="762000" y="1752600"/>
-            <a:ext cx="10668000" cy="3733800"/>
-          </a:xfrm>
-        </p:spPr>
-        <p:txBody>
-          <a:bodyPr/>
-          <a:lstStyle/>
-          <a:p>
-            <a:r>
-              <a:rPr lang="en-US" dirty="0"/>
-              <a:t>Windows 10</a:t>
-            </a:r>
-          </a:p>
-          <a:p>
-            <a:r>
-              <a:rPr lang="en-US" dirty="0"/>
-              <a:t>Course Files</a:t>
-            </a:r>
-          </a:p>
-          <a:p>
-            <a:r>
-              <a:rPr lang="en-US" dirty="0"/>
-              <a:t>Username: </a:t>
-            </a:r>
-            <a:r>
-              <a:rPr lang="en-US" i="1" dirty="0"/>
-              <a:t>Student</a:t>
-            </a:r>
-            <a:r>
-              <a:rPr lang="en-US" dirty="0"/>
-              <a:t>, Password: </a:t>
-            </a:r>
-            <a:r>
-              <a:rPr lang="en-US" i="1" dirty="0"/>
-              <a:t>Pa55w.rd</a:t>
-            </a:r>
-          </a:p>
-        </p:txBody>
-      </p:sp>
-      <p:sp>
-        <p:nvSpPr>
-          <p:cNvPr id="3" name="Slide Number Placeholder 2"/>
-          <p:cNvSpPr>
-            <a:spLocks noGrp="1"/>
-          </p:cNvSpPr>
-          <p:nvPr>
-            <p:ph type="sldNum" sz="quarter" idx="4294967295"/>
-          </p:nvPr>
-        </p:nvSpPr>
-        <p:spPr/>
-        <p:txBody>
-          <a:bodyPr/>
-          <a:lstStyle/>
-          <a:p>
-            <a:fld id="{D814DA60-3BEE-4BCE-BEDB-E433FD970963}" type="slidenum">
-              <a:rPr lang="en-US" smtClean="0"/>
-              <a:pPr/>
-              <a:t>6</a:t>
-            </a:fld>
-            <a:endParaRPr lang="en-US" dirty="0"/>
-          </a:p>
-        </p:txBody>
-      </p:sp>
-    </p:spTree>
-    <p:extLst>
-      <p:ext uri="{BB962C8B-B14F-4D97-AF65-F5344CB8AC3E}">
-        <p14:creationId xmlns:p14="http://schemas.microsoft.com/office/powerpoint/2010/main" val="2470414402"/>
-      </p:ext>
-    </p:extLst>
-  </p:cSld>
-  <p:clrMapOvr>
-    <a:masterClrMapping/>
-  </p:clrMapOvr>
-</p:sld>
-</file>
-
-<file path=ppt/slides/slide60.xml><?xml version="1.0" encoding="utf-8"?>
+<file path=ppt/slides/slide61.xml><?xml version="1.0" encoding="utf-8"?>
 <p:sld xmlns:a="http://schemas.openxmlformats.org/drawingml/2006/main" xmlns:r="http://schemas.openxmlformats.org/officeDocument/2006/relationships" xmlns:p="http://schemas.openxmlformats.org/presentationml/2006/main">
   <p:cSld>
     <p:spTree>
@@ -30884,7 +31272,7 @@
 </p:sld>
 </file>
 
-<file path=ppt/slides/slide61.xml><?xml version="1.0" encoding="utf-8"?>
+<file path=ppt/slides/slide62.xml><?xml version="1.0" encoding="utf-8"?>
 <p:sld xmlns:a="http://schemas.openxmlformats.org/drawingml/2006/main" xmlns:r="http://schemas.openxmlformats.org/officeDocument/2006/relationships" xmlns:p="http://schemas.openxmlformats.org/presentationml/2006/main">
   <p:cSld>
     <p:spTree>
@@ -31048,7 +31436,7 @@
 </p:sld>
 </file>
 
-<file path=ppt/slides/slide62.xml><?xml version="1.0" encoding="utf-8"?>
+<file path=ppt/slides/slide63.xml><?xml version="1.0" encoding="utf-8"?>
 <p:sld xmlns:a="http://schemas.openxmlformats.org/drawingml/2006/main" xmlns:r="http://schemas.openxmlformats.org/officeDocument/2006/relationships" xmlns:p="http://schemas.openxmlformats.org/presentationml/2006/main">
   <p:cSld>
     <p:spTree>
@@ -31245,7 +31633,7 @@
 </p:sld>
 </file>
 
-<file path=ppt/slides/slide63.xml><?xml version="1.0" encoding="utf-8"?>
+<file path=ppt/slides/slide64.xml><?xml version="1.0" encoding="utf-8"?>
 <p:sld xmlns:a="http://schemas.openxmlformats.org/drawingml/2006/main" xmlns:r="http://schemas.openxmlformats.org/officeDocument/2006/relationships" xmlns:p="http://schemas.openxmlformats.org/presentationml/2006/main">
   <p:cSld>
     <p:spTree>
@@ -31610,7 +31998,7 @@
 </p:sld>
 </file>
 
-<file path=ppt/slides/slide64.xml><?xml version="1.0" encoding="utf-8"?>
+<file path=ppt/slides/slide65.xml><?xml version="1.0" encoding="utf-8"?>
 <p:sld xmlns:a="http://schemas.openxmlformats.org/drawingml/2006/main" xmlns:r="http://schemas.openxmlformats.org/officeDocument/2006/relationships" xmlns:p="http://schemas.openxmlformats.org/presentationml/2006/main">
   <p:cSld>
     <p:spTree>
@@ -31857,7 +32245,7 @@
 </p:sld>
 </file>
 
-<file path=ppt/slides/slide65.xml><?xml version="1.0" encoding="utf-8"?>
+<file path=ppt/slides/slide66.xml><?xml version="1.0" encoding="utf-8"?>
 <p:sld xmlns:a="http://schemas.openxmlformats.org/drawingml/2006/main" xmlns:r="http://schemas.openxmlformats.org/officeDocument/2006/relationships" xmlns:p="http://schemas.openxmlformats.org/presentationml/2006/main">
   <p:cSld>
     <p:spTree>
@@ -32102,7 +32490,7 @@
 </p:sld>
 </file>
 
-<file path=ppt/slides/slide66.xml><?xml version="1.0" encoding="utf-8"?>
+<file path=ppt/slides/slide67.xml><?xml version="1.0" encoding="utf-8"?>
 <p:sld xmlns:a="http://schemas.openxmlformats.org/drawingml/2006/main" xmlns:r="http://schemas.openxmlformats.org/officeDocument/2006/relationships" xmlns:p="http://schemas.openxmlformats.org/presentationml/2006/main">
   <p:cSld>
     <p:spTree>
@@ -32259,141 +32647,6 @@
 </p:sld>
 </file>
 
-<file path=ppt/slides/slide67.xml><?xml version="1.0" encoding="utf-8"?>
-<p:sld xmlns:a="http://schemas.openxmlformats.org/drawingml/2006/main" xmlns:r="http://schemas.openxmlformats.org/officeDocument/2006/relationships" xmlns:p="http://schemas.openxmlformats.org/presentationml/2006/main">
-  <p:cSld>
-    <p:spTree>
-      <p:nvGrpSpPr>
-        <p:cNvPr id="1" name=""/>
-        <p:cNvGrpSpPr/>
-        <p:nvPr/>
-      </p:nvGrpSpPr>
-      <p:grpSpPr>
-        <a:xfrm>
-          <a:off x="0" y="0"/>
-          <a:ext cx="0" cy="0"/>
-          <a:chOff x="0" y="0"/>
-          <a:chExt cx="0" cy="0"/>
-        </a:xfrm>
-      </p:grpSpPr>
-      <p:sp>
-        <p:nvSpPr>
-          <p:cNvPr id="2" name="Subtitle 1">
-            <a:extLst>
-              <a:ext uri="{FF2B5EF4-FFF2-40B4-BE49-F238E27FC236}">
-                <a16:creationId xmlns:a16="http://schemas.microsoft.com/office/drawing/2014/main" id="{828A7028-F2AD-42E1-A8A2-92B8AC321143}"/>
-              </a:ext>
-            </a:extLst>
-          </p:cNvPr>
-          <p:cNvSpPr>
-            <a:spLocks noGrp="1"/>
-          </p:cNvSpPr>
-          <p:nvPr>
-            <p:ph type="subTitle" idx="1"/>
-          </p:nvPr>
-        </p:nvSpPr>
-        <p:spPr/>
-        <p:txBody>
-          <a:bodyPr/>
-          <a:lstStyle/>
-          <a:p>
-            <a:pPr marL="342900" indent="-342900">
-              <a:buFont typeface="Arial" panose="020B0604020202020204" pitchFamily="34" charset="0"/>
-              <a:buChar char="•"/>
-            </a:pPr>
-            <a:r>
-              <a:rPr lang="en-US" dirty="0"/>
-              <a:t>Exercise 5.1: pp. 58-66</a:t>
-            </a:r>
-          </a:p>
-          <a:p>
-            <a:pPr marL="342900" indent="-342900">
-              <a:buFont typeface="Arial" panose="020B0604020202020204" pitchFamily="34" charset="0"/>
-              <a:buChar char="•"/>
-            </a:pPr>
-            <a:r>
-              <a:rPr lang="en-US" dirty="0"/>
-              <a:t>“Missing Data”, “Finding Missing Records”, “Bringing it all together”:</a:t>
-            </a:r>
-            <a:br>
-              <a:rPr lang="en-US" dirty="0"/>
-            </a:br>
-            <a:r>
-              <a:rPr lang="en-US" dirty="0"/>
-              <a:t> pp. 67-74</a:t>
-            </a:r>
-          </a:p>
-        </p:txBody>
-      </p:sp>
-      <p:sp>
-        <p:nvSpPr>
-          <p:cNvPr id="3" name="Text Placeholder 2">
-            <a:extLst>
-              <a:ext uri="{FF2B5EF4-FFF2-40B4-BE49-F238E27FC236}">
-                <a16:creationId xmlns:a16="http://schemas.microsoft.com/office/drawing/2014/main" id="{71265BD5-0532-4512-A178-C29C2D03FD16}"/>
-              </a:ext>
-            </a:extLst>
-          </p:cNvPr>
-          <p:cNvSpPr>
-            <a:spLocks noGrp="1"/>
-          </p:cNvSpPr>
-          <p:nvPr>
-            <p:ph type="body" sz="quarter" idx="11"/>
-          </p:nvPr>
-        </p:nvSpPr>
-        <p:spPr/>
-        <p:txBody>
-          <a:bodyPr/>
-          <a:lstStyle/>
-          <a:p>
-            <a:r>
-              <a:rPr lang="en-US" dirty="0"/>
-              <a:t>30 Minutes</a:t>
-            </a:r>
-          </a:p>
-        </p:txBody>
-      </p:sp>
-      <p:sp>
-        <p:nvSpPr>
-          <p:cNvPr id="4" name="Title 3">
-            <a:extLst>
-              <a:ext uri="{FF2B5EF4-FFF2-40B4-BE49-F238E27FC236}">
-                <a16:creationId xmlns:a16="http://schemas.microsoft.com/office/drawing/2014/main" id="{C120D6B4-67D7-42B8-B676-E028F6F72A51}"/>
-              </a:ext>
-            </a:extLst>
-          </p:cNvPr>
-          <p:cNvSpPr>
-            <a:spLocks noGrp="1"/>
-          </p:cNvSpPr>
-          <p:nvPr>
-            <p:ph type="title"/>
-          </p:nvPr>
-        </p:nvSpPr>
-        <p:spPr/>
-        <p:txBody>
-          <a:bodyPr/>
-          <a:lstStyle/>
-          <a:p>
-            <a:r>
-              <a:rPr lang="en-US" dirty="0"/>
-              <a:t>Lab 4: Joins</a:t>
-            </a:r>
-          </a:p>
-        </p:txBody>
-      </p:sp>
-    </p:spTree>
-    <p:extLst>
-      <p:ext uri="{BB962C8B-B14F-4D97-AF65-F5344CB8AC3E}">
-        <p14:creationId xmlns:p14="http://schemas.microsoft.com/office/powerpoint/2010/main" val="108929934"/>
-      </p:ext>
-    </p:extLst>
-  </p:cSld>
-  <p:clrMapOvr>
-    <a:masterClrMapping/>
-  </p:clrMapOvr>
-</p:sld>
-</file>
-
 <file path=ppt/slides/slide68.xml><?xml version="1.0" encoding="utf-8"?>
 <p:sld xmlns:a="http://schemas.openxmlformats.org/drawingml/2006/main" xmlns:r="http://schemas.openxmlformats.org/officeDocument/2006/relationships" xmlns:p="http://schemas.openxmlformats.org/presentationml/2006/main">
   <p:cSld>
@@ -32413,10 +32666,10 @@
       </p:grpSpPr>
       <p:sp>
         <p:nvSpPr>
-          <p:cNvPr id="4" name="Title 3">
+          <p:cNvPr id="2" name="Subtitle 1">
             <a:extLst>
               <a:ext uri="{FF2B5EF4-FFF2-40B4-BE49-F238E27FC236}">
-                <a16:creationId xmlns:a16="http://schemas.microsoft.com/office/drawing/2014/main" id="{1E6D96E9-B635-0245-9098-C1FAA390A091}"/>
+                <a16:creationId xmlns:a16="http://schemas.microsoft.com/office/drawing/2014/main" id="{828A7028-F2AD-42E1-A8A2-92B8AC321143}"/>
               </a:ext>
             </a:extLst>
           </p:cNvPr>
@@ -32424,7 +32677,7 @@
             <a:spLocks noGrp="1"/>
           </p:cNvSpPr>
           <p:nvPr>
-            <p:ph type="title"/>
+            <p:ph type="subTitle" idx="1"/>
           </p:nvPr>
         </p:nvSpPr>
         <p:spPr/>
@@ -32432,9 +32685,86 @@
           <a:bodyPr/>
           <a:lstStyle/>
           <a:p>
+            <a:pPr marL="342900" indent="-342900">
+              <a:buFont typeface="Arial" panose="020B0604020202020204" pitchFamily="34" charset="0"/>
+              <a:buChar char="•"/>
+            </a:pPr>
             <a:r>
               <a:rPr lang="en-US" dirty="0"/>
-              <a:t>Part II: Transform</a:t>
+              <a:t>Exercise 5.1: pp. 58-66</a:t>
+            </a:r>
+          </a:p>
+          <a:p>
+            <a:pPr marL="342900" indent="-342900">
+              <a:buFont typeface="Arial" panose="020B0604020202020204" pitchFamily="34" charset="0"/>
+              <a:buChar char="•"/>
+            </a:pPr>
+            <a:r>
+              <a:rPr lang="en-US" dirty="0"/>
+              <a:t>“Missing Data”, “Finding Missing Records”, “Bringing it all together”:</a:t>
+            </a:r>
+            <a:br>
+              <a:rPr lang="en-US" dirty="0"/>
+            </a:br>
+            <a:r>
+              <a:rPr lang="en-US" dirty="0"/>
+              <a:t> pp. 67-74</a:t>
+            </a:r>
+          </a:p>
+        </p:txBody>
+      </p:sp>
+      <p:sp>
+        <p:nvSpPr>
+          <p:cNvPr id="3" name="Text Placeholder 2">
+            <a:extLst>
+              <a:ext uri="{FF2B5EF4-FFF2-40B4-BE49-F238E27FC236}">
+                <a16:creationId xmlns:a16="http://schemas.microsoft.com/office/drawing/2014/main" id="{71265BD5-0532-4512-A178-C29C2D03FD16}"/>
+              </a:ext>
+            </a:extLst>
+          </p:cNvPr>
+          <p:cNvSpPr>
+            <a:spLocks noGrp="1"/>
+          </p:cNvSpPr>
+          <p:nvPr>
+            <p:ph type="body" sz="quarter" idx="11"/>
+          </p:nvPr>
+        </p:nvSpPr>
+        <p:spPr/>
+        <p:txBody>
+          <a:bodyPr/>
+          <a:lstStyle/>
+          <a:p>
+            <a:r>
+              <a:rPr lang="en-US" dirty="0"/>
+              <a:t>30 Minutes</a:t>
+            </a:r>
+          </a:p>
+        </p:txBody>
+      </p:sp>
+      <p:sp>
+        <p:nvSpPr>
+          <p:cNvPr id="4" name="Title 3">
+            <a:extLst>
+              <a:ext uri="{FF2B5EF4-FFF2-40B4-BE49-F238E27FC236}">
+                <a16:creationId xmlns:a16="http://schemas.microsoft.com/office/drawing/2014/main" id="{C120D6B4-67D7-42B8-B676-E028F6F72A51}"/>
+              </a:ext>
+            </a:extLst>
+          </p:cNvPr>
+          <p:cNvSpPr>
+            <a:spLocks noGrp="1"/>
+          </p:cNvSpPr>
+          <p:nvPr>
+            <p:ph type="title"/>
+          </p:nvPr>
+        </p:nvSpPr>
+        <p:spPr/>
+        <p:txBody>
+          <a:bodyPr/>
+          <a:lstStyle/>
+          <a:p>
+            <a:r>
+              <a:rPr lang="en-US" dirty="0"/>
+              <a:t>Lab 4: Joins</a:t>
             </a:r>
           </a:p>
         </p:txBody>
@@ -32442,7 +32772,7 @@
     </p:spTree>
     <p:extLst>
       <p:ext uri="{BB962C8B-B14F-4D97-AF65-F5344CB8AC3E}">
-        <p14:creationId xmlns:p14="http://schemas.microsoft.com/office/powerpoint/2010/main" val="1657269070"/>
+        <p14:creationId xmlns:p14="http://schemas.microsoft.com/office/powerpoint/2010/main" val="108929934"/>
       </p:ext>
     </p:extLst>
   </p:cSld>
@@ -32471,10 +32801,10 @@
       </p:grpSpPr>
       <p:sp>
         <p:nvSpPr>
-          <p:cNvPr id="2" name="Title 1">
+          <p:cNvPr id="4" name="Title 3">
             <a:extLst>
               <a:ext uri="{FF2B5EF4-FFF2-40B4-BE49-F238E27FC236}">
-                <a16:creationId xmlns:a16="http://schemas.microsoft.com/office/drawing/2014/main" id="{2DCC4BB7-7A9D-DE44-81A7-84A15E54D20B}"/>
+                <a16:creationId xmlns:a16="http://schemas.microsoft.com/office/drawing/2014/main" id="{1E6D96E9-B635-0245-9098-C1FAA390A091}"/>
               </a:ext>
             </a:extLst>
           </p:cNvPr>
@@ -32492,20 +32822,15 @@
           <a:p>
             <a:r>
               <a:rPr lang="en-US" dirty="0"/>
-              <a:t>Module 5: Auditing &amp; Cleaning</a:t>
-            </a:r>
-            <a:r>
-              <a:rPr lang="en-US" baseline="0" dirty="0"/>
-              <a:t> Your Data</a:t>
-            </a:r>
-            <a:endParaRPr lang="en-US" dirty="0"/>
+              <a:t>Part II: Transform</a:t>
+            </a:r>
           </a:p>
         </p:txBody>
       </p:sp>
     </p:spTree>
     <p:extLst>
       <p:ext uri="{BB962C8B-B14F-4D97-AF65-F5344CB8AC3E}">
-        <p14:creationId xmlns:p14="http://schemas.microsoft.com/office/powerpoint/2010/main" val="228763628"/>
+        <p14:creationId xmlns:p14="http://schemas.microsoft.com/office/powerpoint/2010/main" val="1657269070"/>
       </p:ext>
     </p:extLst>
   </p:cSld>
@@ -32548,10 +32873,9 @@
           <a:lstStyle/>
           <a:p>
             <a:r>
-              <a:rPr lang="en-US"/>
+              <a:rPr lang="en-US" dirty="0"/>
               <a:t>Course Outline</a:t>
             </a:r>
-            <a:endParaRPr lang="en-US" dirty="0"/>
           </a:p>
         </p:txBody>
       </p:sp>
@@ -32572,10 +32896,629 @@
           </a:xfrm>
         </p:spPr>
         <p:txBody>
-          <a:bodyPr/>
+          <a:bodyPr numCol="3"/>
           <a:lstStyle/>
           <a:p>
-            <a:endParaRPr lang="en-US" dirty="0"/>
+            <a:pPr marL="0" indent="0">
+              <a:buNone/>
+            </a:pPr>
+            <a:r>
+              <a:rPr lang="en-US" sz="700" b="1" dirty="0"/>
+              <a:t>Module 1: ETL &amp; Demo Data</a:t>
+            </a:r>
+          </a:p>
+          <a:p>
+            <a:pPr marL="0" indent="0">
+              <a:buNone/>
+            </a:pPr>
+            <a:r>
+              <a:rPr lang="en-US" sz="700" dirty="0"/>
+              <a:t>What is </a:t>
+            </a:r>
+            <a:r>
+              <a:rPr lang="en-US" sz="700" dirty="0" smtClean="0"/>
+              <a:t>ETL</a:t>
+            </a:r>
+            <a:endParaRPr lang="en-US" sz="700" dirty="0"/>
+          </a:p>
+          <a:p>
+            <a:pPr marL="0" indent="0">
+              <a:buNone/>
+            </a:pPr>
+            <a:r>
+              <a:rPr lang="en-US" sz="700" dirty="0"/>
+              <a:t>About the Demo Data</a:t>
+            </a:r>
+          </a:p>
+          <a:p>
+            <a:pPr marL="0" indent="0">
+              <a:buNone/>
+            </a:pPr>
+            <a:r>
+              <a:rPr lang="en-US" sz="700" dirty="0"/>
+              <a:t>A Brief Tour of Tableau Prep Builder</a:t>
+            </a:r>
+          </a:p>
+          <a:p>
+            <a:pPr marL="0" indent="0">
+              <a:buNone/>
+            </a:pPr>
+            <a:r>
+              <a:rPr lang="en-US" sz="700" dirty="0"/>
+              <a:t>Running a flow from the command line</a:t>
+            </a:r>
+          </a:p>
+          <a:p>
+            <a:pPr marL="0" indent="0">
+              <a:buNone/>
+            </a:pPr>
+            <a:r>
+              <a:rPr lang="en-US" sz="700" dirty="0"/>
+              <a:t> </a:t>
+            </a:r>
+          </a:p>
+          <a:p>
+            <a:pPr marL="0" indent="0">
+              <a:buNone/>
+            </a:pPr>
+            <a:r>
+              <a:rPr lang="en-US" sz="700" b="1" dirty="0"/>
+              <a:t>Part I: Extract</a:t>
+            </a:r>
+          </a:p>
+          <a:p>
+            <a:pPr marL="0" indent="0">
+              <a:buNone/>
+            </a:pPr>
+            <a:r>
+              <a:rPr lang="en-US" sz="700" b="1" dirty="0"/>
+              <a:t>Module 2: Connecting to Data</a:t>
+            </a:r>
+          </a:p>
+          <a:p>
+            <a:pPr marL="0" indent="0">
+              <a:buNone/>
+            </a:pPr>
+            <a:r>
+              <a:rPr lang="en-US" sz="700" dirty="0"/>
+              <a:t>Connecting to Data</a:t>
+            </a:r>
+          </a:p>
+          <a:p>
+            <a:pPr marL="0" indent="0">
+              <a:buNone/>
+            </a:pPr>
+            <a:r>
+              <a:rPr lang="en-US" sz="700" dirty="0"/>
+              <a:t>Connect to SQL Server</a:t>
+            </a:r>
+          </a:p>
+          <a:p>
+            <a:pPr marL="0" indent="0">
+              <a:buNone/>
+            </a:pPr>
+            <a:r>
+              <a:rPr lang="en-US" sz="700" dirty="0"/>
+              <a:t>Working with Tableau Data Extracts</a:t>
+            </a:r>
+          </a:p>
+          <a:p>
+            <a:pPr marL="0" indent="0">
+              <a:buNone/>
+            </a:pPr>
+            <a:r>
+              <a:rPr lang="en-US" sz="700" dirty="0"/>
+              <a:t>Working with File-Based Data Sources</a:t>
+            </a:r>
+          </a:p>
+          <a:p>
+            <a:pPr marL="0" indent="0">
+              <a:buNone/>
+            </a:pPr>
+            <a:r>
+              <a:rPr lang="en-US" sz="700" dirty="0"/>
+              <a:t>Connecting to Microsoft Access</a:t>
+            </a:r>
+          </a:p>
+          <a:p>
+            <a:pPr marL="0" indent="0">
+              <a:buNone/>
+            </a:pPr>
+            <a:r>
+              <a:rPr lang="en-US" sz="700" dirty="0"/>
+              <a:t>Connecting to Microsoft Excel</a:t>
+            </a:r>
+          </a:p>
+          <a:p>
+            <a:pPr marL="0" indent="0">
+              <a:buNone/>
+            </a:pPr>
+            <a:r>
+              <a:rPr lang="en-US" sz="700" dirty="0"/>
+              <a:t>Connecting to PDF Files</a:t>
+            </a:r>
+          </a:p>
+          <a:p>
+            <a:pPr marL="0" indent="0">
+              <a:buNone/>
+            </a:pPr>
+            <a:r>
+              <a:rPr lang="en-US" sz="700" dirty="0"/>
+              <a:t>Connecting to Text Files</a:t>
+            </a:r>
+          </a:p>
+          <a:p>
+            <a:pPr marL="0" indent="0">
+              <a:buNone/>
+            </a:pPr>
+            <a:r>
+              <a:rPr lang="en-US" sz="700" dirty="0"/>
+              <a:t>Lab 2: Connecting to Data</a:t>
+            </a:r>
+          </a:p>
+          <a:p>
+            <a:pPr marL="0" indent="0">
+              <a:buNone/>
+            </a:pPr>
+            <a:r>
+              <a:rPr lang="en-US" sz="700" dirty="0"/>
+              <a:t> </a:t>
+            </a:r>
+          </a:p>
+          <a:p>
+            <a:pPr marL="0" indent="0">
+              <a:buNone/>
+            </a:pPr>
+            <a:r>
+              <a:rPr lang="en-US" sz="700" b="1" dirty="0"/>
+              <a:t>Module 3: UNION Joins</a:t>
+            </a:r>
+          </a:p>
+          <a:p>
+            <a:pPr marL="0" indent="0">
+              <a:buNone/>
+            </a:pPr>
+            <a:r>
+              <a:rPr lang="en-US" sz="700" dirty="0"/>
+              <a:t>UNION Joins</a:t>
+            </a:r>
+          </a:p>
+          <a:p>
+            <a:pPr marL="0" indent="0">
+              <a:buNone/>
+            </a:pPr>
+            <a:r>
+              <a:rPr lang="en-US" sz="700" dirty="0"/>
+              <a:t>Aligning Fields</a:t>
+            </a:r>
+          </a:p>
+          <a:p>
+            <a:pPr marL="0" indent="0">
+              <a:buNone/>
+            </a:pPr>
+            <a:r>
+              <a:rPr lang="en-US" sz="700" dirty="0"/>
+              <a:t>Wildcard Union Joins</a:t>
+            </a:r>
+          </a:p>
+          <a:p>
+            <a:pPr marL="0" indent="0">
+              <a:buNone/>
+            </a:pPr>
+            <a:r>
+              <a:rPr lang="en-US" sz="700" dirty="0"/>
+              <a:t>Lab 3: UNION Joins</a:t>
+            </a:r>
+          </a:p>
+          <a:p>
+            <a:pPr marL="0" indent="0">
+              <a:buNone/>
+            </a:pPr>
+            <a:r>
+              <a:rPr lang="en-US" sz="700" dirty="0"/>
+              <a:t> </a:t>
+            </a:r>
+            <a:r>
+              <a:rPr lang="en-US" sz="700" b="1" dirty="0" smtClean="0"/>
+              <a:t>Module </a:t>
+            </a:r>
+            <a:r>
+              <a:rPr lang="en-US" sz="700" b="1" dirty="0"/>
+              <a:t>4: Joins</a:t>
+            </a:r>
+          </a:p>
+          <a:p>
+            <a:pPr marL="0" indent="0">
+              <a:buNone/>
+            </a:pPr>
+            <a:r>
+              <a:rPr lang="en-US" sz="700" dirty="0"/>
+              <a:t>What is a Table?</a:t>
+            </a:r>
+          </a:p>
+          <a:p>
+            <a:pPr marL="0" indent="0">
+              <a:buNone/>
+            </a:pPr>
+            <a:r>
+              <a:rPr lang="en-US" sz="700" dirty="0"/>
+              <a:t>Keys</a:t>
+            </a:r>
+          </a:p>
+          <a:p>
+            <a:pPr marL="0" indent="0">
+              <a:buNone/>
+            </a:pPr>
+            <a:r>
+              <a:rPr lang="en-US" sz="700" dirty="0"/>
+              <a:t>Equijoins</a:t>
+            </a:r>
+          </a:p>
+          <a:p>
+            <a:pPr marL="0" indent="0">
+              <a:buNone/>
+            </a:pPr>
+            <a:r>
+              <a:rPr lang="en-US" sz="700" dirty="0"/>
+              <a:t>Inner Joins</a:t>
+            </a:r>
+          </a:p>
+          <a:p>
+            <a:pPr marL="0" indent="0">
+              <a:buNone/>
+            </a:pPr>
+            <a:r>
+              <a:rPr lang="en-US" sz="700" dirty="0"/>
+              <a:t>Left Joins</a:t>
+            </a:r>
+          </a:p>
+          <a:p>
+            <a:pPr marL="0" indent="0">
+              <a:buNone/>
+            </a:pPr>
+            <a:r>
+              <a:rPr lang="en-US" sz="700" dirty="0"/>
+              <a:t>Right Joins</a:t>
+            </a:r>
+          </a:p>
+          <a:p>
+            <a:pPr marL="0" indent="0">
+              <a:buNone/>
+            </a:pPr>
+            <a:r>
+              <a:rPr lang="en-US" sz="700" dirty="0"/>
+              <a:t>Outer Joins</a:t>
+            </a:r>
+          </a:p>
+          <a:p>
+            <a:pPr marL="0" indent="0">
+              <a:buNone/>
+            </a:pPr>
+            <a:r>
+              <a:rPr lang="en-US" sz="700" dirty="0"/>
+              <a:t>The Shape of Your Data</a:t>
+            </a:r>
+          </a:p>
+          <a:p>
+            <a:pPr marL="0" indent="0">
+              <a:buNone/>
+            </a:pPr>
+            <a:r>
+              <a:rPr lang="en-US" sz="700" dirty="0"/>
+              <a:t>Finding Missing Records</a:t>
+            </a:r>
+          </a:p>
+          <a:p>
+            <a:pPr marL="0" indent="0">
+              <a:buNone/>
+            </a:pPr>
+            <a:r>
+              <a:rPr lang="en-US" sz="700" dirty="0"/>
+              <a:t>Lab 4: Joins</a:t>
+            </a:r>
+          </a:p>
+          <a:p>
+            <a:pPr marL="0" indent="0">
+              <a:buNone/>
+            </a:pPr>
+            <a:r>
+              <a:rPr lang="en-US" sz="700" dirty="0"/>
+              <a:t> </a:t>
+            </a:r>
+          </a:p>
+          <a:p>
+            <a:pPr marL="0" indent="0">
+              <a:buNone/>
+            </a:pPr>
+            <a:r>
+              <a:rPr lang="en-US" sz="700" b="1" dirty="0"/>
+              <a:t>Part II: Transform</a:t>
+            </a:r>
+          </a:p>
+          <a:p>
+            <a:pPr marL="0" indent="0">
+              <a:buNone/>
+            </a:pPr>
+            <a:r>
+              <a:rPr lang="en-US" sz="700" b="1" dirty="0"/>
+              <a:t>Module 5: Auditing &amp; Cleaning Your Data</a:t>
+            </a:r>
+          </a:p>
+          <a:p>
+            <a:pPr marL="0" indent="0">
+              <a:buNone/>
+            </a:pPr>
+            <a:r>
+              <a:rPr lang="en-US" sz="700" dirty="0"/>
+              <a:t>Auditing Your Data</a:t>
+            </a:r>
+          </a:p>
+          <a:p>
+            <a:pPr marL="0" indent="0">
+              <a:buNone/>
+            </a:pPr>
+            <a:r>
+              <a:rPr lang="en-US" sz="700" dirty="0"/>
+              <a:t>Merge and Clean</a:t>
+            </a:r>
+          </a:p>
+          <a:p>
+            <a:pPr marL="0" indent="0">
+              <a:buNone/>
+            </a:pPr>
+            <a:r>
+              <a:rPr lang="en-US" sz="700" dirty="0"/>
+              <a:t>Calculated Fields</a:t>
+            </a:r>
+          </a:p>
+          <a:p>
+            <a:pPr marL="0" indent="0">
+              <a:buNone/>
+            </a:pPr>
+            <a:r>
+              <a:rPr lang="en-US" sz="700" dirty="0"/>
+              <a:t>Splitting Fields</a:t>
+            </a:r>
+          </a:p>
+          <a:p>
+            <a:pPr marL="0" indent="0">
+              <a:buNone/>
+            </a:pPr>
+            <a:r>
+              <a:rPr lang="en-US" sz="700" dirty="0"/>
+              <a:t>Handling NULL Values</a:t>
+            </a:r>
+          </a:p>
+          <a:p>
+            <a:pPr marL="0" indent="0">
+              <a:buNone/>
+            </a:pPr>
+            <a:r>
+              <a:rPr lang="en-US" sz="700" dirty="0"/>
+              <a:t>Filtering Records</a:t>
+            </a:r>
+          </a:p>
+          <a:p>
+            <a:pPr marL="0" indent="0">
+              <a:buNone/>
+            </a:pPr>
+            <a:r>
+              <a:rPr lang="en-US" sz="700" dirty="0"/>
+              <a:t>Lab 5: Auditing and Filtering</a:t>
+            </a:r>
+          </a:p>
+          <a:p>
+            <a:pPr marL="0" indent="0">
+              <a:buNone/>
+            </a:pPr>
+            <a:r>
+              <a:rPr lang="en-US" sz="700" dirty="0"/>
+              <a:t> </a:t>
+            </a:r>
+          </a:p>
+          <a:p>
+            <a:pPr marL="0" indent="0">
+              <a:buNone/>
+            </a:pPr>
+            <a:endParaRPr lang="en-US" sz="700" b="1" dirty="0" smtClean="0"/>
+          </a:p>
+          <a:p>
+            <a:pPr marL="0" indent="0">
+              <a:buNone/>
+            </a:pPr>
+            <a:r>
+              <a:rPr lang="en-US" sz="700" b="1" dirty="0" smtClean="0"/>
+              <a:t>Module </a:t>
+            </a:r>
+            <a:r>
+              <a:rPr lang="en-US" sz="700" b="1" dirty="0"/>
+              <a:t>6: Group and Replace</a:t>
+            </a:r>
+          </a:p>
+          <a:p>
+            <a:pPr marL="0" indent="0">
+              <a:buNone/>
+            </a:pPr>
+            <a:r>
+              <a:rPr lang="en-US" sz="700" dirty="0"/>
+              <a:t>Group and Replace</a:t>
+            </a:r>
+          </a:p>
+          <a:p>
+            <a:pPr marL="0" indent="0">
+              <a:buNone/>
+            </a:pPr>
+            <a:r>
+              <a:rPr lang="en-US" sz="700" dirty="0"/>
+              <a:t>Grouping by Pronunciation</a:t>
+            </a:r>
+          </a:p>
+          <a:p>
+            <a:pPr marL="0" indent="0">
+              <a:buNone/>
+            </a:pPr>
+            <a:r>
+              <a:rPr lang="en-US" sz="700" dirty="0"/>
+              <a:t>Grouping by Common Characters</a:t>
+            </a:r>
+          </a:p>
+          <a:p>
+            <a:pPr marL="0" indent="0">
+              <a:buNone/>
+            </a:pPr>
+            <a:r>
+              <a:rPr lang="en-US" sz="700" dirty="0"/>
+              <a:t>Grouping by Spelling</a:t>
+            </a:r>
+          </a:p>
+          <a:p>
+            <a:pPr marL="0" indent="0">
+              <a:buNone/>
+            </a:pPr>
+            <a:r>
+              <a:rPr lang="en-US" sz="700" dirty="0"/>
+              <a:t>Lab 6: Group and Replace</a:t>
+            </a:r>
+          </a:p>
+          <a:p>
+            <a:pPr marL="0" indent="0">
+              <a:buNone/>
+            </a:pPr>
+            <a:r>
+              <a:rPr lang="en-US" sz="700" b="1" dirty="0"/>
+              <a:t> </a:t>
+            </a:r>
+          </a:p>
+          <a:p>
+            <a:pPr marL="0" indent="0">
+              <a:buNone/>
+            </a:pPr>
+            <a:r>
+              <a:rPr lang="en-US" sz="700" b="1" dirty="0"/>
+              <a:t>Module 7: Aggregating and Pivoting Data</a:t>
+            </a:r>
+          </a:p>
+          <a:p>
+            <a:pPr marL="0" indent="0">
+              <a:buNone/>
+            </a:pPr>
+            <a:r>
+              <a:rPr lang="en-US" sz="700" dirty="0"/>
+              <a:t>Aggregating Data</a:t>
+            </a:r>
+          </a:p>
+          <a:p>
+            <a:pPr marL="0" indent="0">
+              <a:buNone/>
+            </a:pPr>
+            <a:r>
+              <a:rPr lang="en-US" sz="700" dirty="0"/>
+              <a:t>Pivoting/</a:t>
+            </a:r>
+            <a:r>
+              <a:rPr lang="en-US" sz="700" dirty="0" err="1"/>
+              <a:t>Unpivoting</a:t>
+            </a:r>
+            <a:r>
+              <a:rPr lang="en-US" sz="700" dirty="0"/>
+              <a:t> Data</a:t>
+            </a:r>
+          </a:p>
+          <a:p>
+            <a:pPr marL="0" indent="0">
+              <a:buNone/>
+            </a:pPr>
+            <a:r>
+              <a:rPr lang="en-US" sz="700" dirty="0"/>
+              <a:t>Lab 7: Aggregating &amp; Pivoting</a:t>
+            </a:r>
+          </a:p>
+          <a:p>
+            <a:pPr marL="0" indent="0">
+              <a:buNone/>
+            </a:pPr>
+            <a:r>
+              <a:rPr lang="en-US" sz="700" b="1" dirty="0"/>
+              <a:t>Part III: Load</a:t>
+            </a:r>
+          </a:p>
+          <a:p>
+            <a:pPr marL="0" indent="0">
+              <a:buNone/>
+            </a:pPr>
+            <a:r>
+              <a:rPr lang="en-US" sz="700" b="1" dirty="0"/>
+              <a:t>Module 8: Output</a:t>
+            </a:r>
+          </a:p>
+          <a:p>
+            <a:pPr marL="0" indent="0">
+              <a:buNone/>
+            </a:pPr>
+            <a:r>
+              <a:rPr lang="en-US" sz="700" dirty="0"/>
+              <a:t>Outputting to files</a:t>
+            </a:r>
+          </a:p>
+          <a:p>
+            <a:pPr marL="0" indent="0">
+              <a:buNone/>
+            </a:pPr>
+            <a:r>
+              <a:rPr lang="en-US" sz="700" dirty="0"/>
+              <a:t>Lab 8: Output</a:t>
+            </a:r>
+          </a:p>
+          <a:p>
+            <a:pPr marL="0" indent="0">
+              <a:buNone/>
+            </a:pPr>
+            <a:r>
+              <a:rPr lang="en-US" sz="700" b="1" dirty="0"/>
+              <a:t>Module 9: Prep Builder Conductor and Publishing Workflows to Tableau Server</a:t>
+            </a:r>
+          </a:p>
+          <a:p>
+            <a:pPr marL="0" indent="0">
+              <a:buNone/>
+            </a:pPr>
+            <a:r>
+              <a:rPr lang="en-US" sz="700" dirty="0"/>
+              <a:t>Tableau Prep Conductor</a:t>
+            </a:r>
+          </a:p>
+          <a:p>
+            <a:pPr marL="0" indent="0">
+              <a:buNone/>
+            </a:pPr>
+            <a:r>
+              <a:rPr lang="en-US" sz="700" dirty="0"/>
+              <a:t>Publishing Workflows to Server (Discussed)</a:t>
+            </a:r>
+          </a:p>
+          <a:p>
+            <a:pPr marL="0" indent="0">
+              <a:buNone/>
+            </a:pPr>
+            <a:r>
+              <a:rPr lang="en-US" sz="700" dirty="0"/>
+              <a:t>Scheduling Workflows on the Server (Discussed)</a:t>
+            </a:r>
+          </a:p>
+          <a:p>
+            <a:pPr marL="0" indent="0">
+              <a:buNone/>
+            </a:pPr>
+            <a:r>
+              <a:rPr lang="en-US" sz="700" dirty="0"/>
+              <a:t> </a:t>
+            </a:r>
+          </a:p>
+          <a:p>
+            <a:pPr marL="0" indent="0">
+              <a:buNone/>
+            </a:pPr>
+            <a:endParaRPr lang="en-US" sz="700" dirty="0"/>
           </a:p>
         </p:txBody>
       </p:sp>
@@ -32617,6 +33560,69 @@
 </file>
 
 <file path=ppt/slides/slide70.xml><?xml version="1.0" encoding="utf-8"?>
+<p:sld xmlns:a="http://schemas.openxmlformats.org/drawingml/2006/main" xmlns:r="http://schemas.openxmlformats.org/officeDocument/2006/relationships" xmlns:p="http://schemas.openxmlformats.org/presentationml/2006/main">
+  <p:cSld>
+    <p:spTree>
+      <p:nvGrpSpPr>
+        <p:cNvPr id="1" name=""/>
+        <p:cNvGrpSpPr/>
+        <p:nvPr/>
+      </p:nvGrpSpPr>
+      <p:grpSpPr>
+        <a:xfrm>
+          <a:off x="0" y="0"/>
+          <a:ext cx="0" cy="0"/>
+          <a:chOff x="0" y="0"/>
+          <a:chExt cx="0" cy="0"/>
+        </a:xfrm>
+      </p:grpSpPr>
+      <p:sp>
+        <p:nvSpPr>
+          <p:cNvPr id="2" name="Title 1">
+            <a:extLst>
+              <a:ext uri="{FF2B5EF4-FFF2-40B4-BE49-F238E27FC236}">
+                <a16:creationId xmlns:a16="http://schemas.microsoft.com/office/drawing/2014/main" id="{2DCC4BB7-7A9D-DE44-81A7-84A15E54D20B}"/>
+              </a:ext>
+            </a:extLst>
+          </p:cNvPr>
+          <p:cNvSpPr>
+            <a:spLocks noGrp="1"/>
+          </p:cNvSpPr>
+          <p:nvPr>
+            <p:ph type="title"/>
+          </p:nvPr>
+        </p:nvSpPr>
+        <p:spPr/>
+        <p:txBody>
+          <a:bodyPr/>
+          <a:lstStyle/>
+          <a:p>
+            <a:r>
+              <a:rPr lang="en-US" dirty="0"/>
+              <a:t>Module 5: Auditing &amp; Cleaning</a:t>
+            </a:r>
+            <a:r>
+              <a:rPr lang="en-US" baseline="0" dirty="0"/>
+              <a:t> Your Data</a:t>
+            </a:r>
+            <a:endParaRPr lang="en-US" dirty="0"/>
+          </a:p>
+        </p:txBody>
+      </p:sp>
+    </p:spTree>
+    <p:extLst>
+      <p:ext uri="{BB962C8B-B14F-4D97-AF65-F5344CB8AC3E}">
+        <p14:creationId xmlns:p14="http://schemas.microsoft.com/office/powerpoint/2010/main" val="228763628"/>
+      </p:ext>
+    </p:extLst>
+  </p:cSld>
+  <p:clrMapOvr>
+    <a:masterClrMapping/>
+  </p:clrMapOvr>
+</p:sld>
+</file>
+
+<file path=ppt/slides/slide71.xml><?xml version="1.0" encoding="utf-8"?>
 <p:sld xmlns:a="http://schemas.openxmlformats.org/drawingml/2006/main" xmlns:r="http://schemas.openxmlformats.org/officeDocument/2006/relationships" xmlns:p="http://schemas.openxmlformats.org/presentationml/2006/main">
   <p:cSld>
     <p:spTree>
@@ -32738,7 +33744,7 @@
 </p:sld>
 </file>
 
-<file path=ppt/slides/slide71.xml><?xml version="1.0" encoding="utf-8"?>
+<file path=ppt/slides/slide72.xml><?xml version="1.0" encoding="utf-8"?>
 <p:sld xmlns:a="http://schemas.openxmlformats.org/drawingml/2006/main" xmlns:r="http://schemas.openxmlformats.org/officeDocument/2006/relationships" xmlns:p="http://schemas.openxmlformats.org/presentationml/2006/main">
   <p:cSld>
     <p:spTree>
@@ -32854,7 +33860,7 @@
 </p:sld>
 </file>
 
-<file path=ppt/slides/slide72.xml><?xml version="1.0" encoding="utf-8"?>
+<file path=ppt/slides/slide73.xml><?xml version="1.0" encoding="utf-8"?>
 <p:sld xmlns:a="http://schemas.openxmlformats.org/drawingml/2006/main" xmlns:r="http://schemas.openxmlformats.org/officeDocument/2006/relationships" xmlns:p="http://schemas.openxmlformats.org/presentationml/2006/main">
   <p:cSld>
     <p:spTree>
@@ -33014,7 +34020,7 @@
 </p:sld>
 </file>
 
-<file path=ppt/slides/slide73.xml><?xml version="1.0" encoding="utf-8"?>
+<file path=ppt/slides/slide74.xml><?xml version="1.0" encoding="utf-8"?>
 <p:sld xmlns:a="http://schemas.openxmlformats.org/drawingml/2006/main" xmlns:r="http://schemas.openxmlformats.org/officeDocument/2006/relationships" xmlns:p="http://schemas.openxmlformats.org/presentationml/2006/main">
   <p:cSld>
     <p:spTree>
@@ -33097,7 +34103,7 @@
 </p:sld>
 </file>
 
-<file path=ppt/slides/slide74.xml><?xml version="1.0" encoding="utf-8"?>
+<file path=ppt/slides/slide75.xml><?xml version="1.0" encoding="utf-8"?>
 <p:sld xmlns:a="http://schemas.openxmlformats.org/drawingml/2006/main" xmlns:r="http://schemas.openxmlformats.org/officeDocument/2006/relationships" xmlns:p="http://schemas.openxmlformats.org/presentationml/2006/main">
   <p:cSld>
     <p:spTree>
@@ -33324,7 +34330,7 @@
 </p:sld>
 </file>
 
-<file path=ppt/slides/slide75.xml><?xml version="1.0" encoding="utf-8"?>
+<file path=ppt/slides/slide76.xml><?xml version="1.0" encoding="utf-8"?>
 <p:sld xmlns:a="http://schemas.openxmlformats.org/drawingml/2006/main" xmlns:r="http://schemas.openxmlformats.org/officeDocument/2006/relationships" xmlns:p="http://schemas.openxmlformats.org/presentationml/2006/main">
   <p:cSld>
     <p:spTree>
@@ -33714,7 +34720,7 @@
 </p:sld>
 </file>
 
-<file path=ppt/slides/slide76.xml><?xml version="1.0" encoding="utf-8"?>
+<file path=ppt/slides/slide77.xml><?xml version="1.0" encoding="utf-8"?>
 <p:sld xmlns:a="http://schemas.openxmlformats.org/drawingml/2006/main" xmlns:r="http://schemas.openxmlformats.org/officeDocument/2006/relationships" xmlns:p="http://schemas.openxmlformats.org/presentationml/2006/main">
   <p:cSld>
     <p:spTree>
@@ -33901,7 +34907,7 @@
 </p:sld>
 </file>
 
-<file path=ppt/slides/slide77.xml><?xml version="1.0" encoding="utf-8"?>
+<file path=ppt/slides/slide78.xml><?xml version="1.0" encoding="utf-8"?>
 <p:sld xmlns:a="http://schemas.openxmlformats.org/drawingml/2006/main" xmlns:r="http://schemas.openxmlformats.org/officeDocument/2006/relationships" xmlns:p="http://schemas.openxmlformats.org/presentationml/2006/main">
   <p:cSld>
     <p:spTree>
@@ -34073,7 +35079,7 @@
 </p:sld>
 </file>
 
-<file path=ppt/slides/slide78.xml><?xml version="1.0" encoding="utf-8"?>
+<file path=ppt/slides/slide79.xml><?xml version="1.0" encoding="utf-8"?>
 <p:sld xmlns:a="http://schemas.openxmlformats.org/drawingml/2006/main" xmlns:r="http://schemas.openxmlformats.org/officeDocument/2006/relationships" xmlns:p="http://schemas.openxmlformats.org/presentationml/2006/main">
   <p:cSld>
     <p:spTree>
@@ -34195,7 +35201,152 @@
 </p:sld>
 </file>
 
-<file path=ppt/slides/slide79.xml><?xml version="1.0" encoding="utf-8"?>
+<file path=ppt/slides/slide8.xml><?xml version="1.0" encoding="utf-8"?>
+<p:sld xmlns:a="http://schemas.openxmlformats.org/drawingml/2006/main" xmlns:r="http://schemas.openxmlformats.org/officeDocument/2006/relationships" xmlns:p="http://schemas.openxmlformats.org/presentationml/2006/main">
+  <p:cSld>
+    <p:spTree>
+      <p:nvGrpSpPr>
+        <p:cNvPr id="1" name=""/>
+        <p:cNvGrpSpPr/>
+        <p:nvPr/>
+      </p:nvGrpSpPr>
+      <p:grpSpPr>
+        <a:xfrm>
+          <a:off x="0" y="0"/>
+          <a:ext cx="0" cy="0"/>
+          <a:chOff x="0" y="0"/>
+          <a:chExt cx="0" cy="0"/>
+        </a:xfrm>
+      </p:grpSpPr>
+      <p:sp>
+        <p:nvSpPr>
+          <p:cNvPr id="2" name="Title 1"/>
+          <p:cNvSpPr>
+            <a:spLocks noGrp="1"/>
+          </p:cNvSpPr>
+          <p:nvPr>
+            <p:ph type="title"/>
+          </p:nvPr>
+        </p:nvSpPr>
+        <p:spPr/>
+        <p:txBody>
+          <a:bodyPr/>
+          <a:lstStyle/>
+          <a:p>
+            <a:r>
+              <a:rPr lang="en-US" dirty="0"/>
+              <a:t>Related Classes</a:t>
+            </a:r>
+          </a:p>
+        </p:txBody>
+      </p:sp>
+      <p:sp>
+        <p:nvSpPr>
+          <p:cNvPr id="6" name="Text Placeholder 5"/>
+          <p:cNvSpPr>
+            <a:spLocks noGrp="1"/>
+          </p:cNvSpPr>
+          <p:nvPr>
+            <p:ph type="body" sz="quarter" idx="10"/>
+          </p:nvPr>
+        </p:nvSpPr>
+        <p:spPr/>
+        <p:txBody>
+          <a:bodyPr/>
+          <a:lstStyle/>
+          <a:p>
+            <a:r>
+              <a:rPr lang="en-US" dirty="0" smtClean="0"/>
+              <a:t>Tableau </a:t>
+            </a:r>
+            <a:r>
+              <a:rPr lang="en-US" dirty="0"/>
+              <a:t>Desktop Level 1: </a:t>
+            </a:r>
+            <a:r>
+              <a:rPr lang="en-US" dirty="0" smtClean="0"/>
+              <a:t>Introduction</a:t>
+            </a:r>
+          </a:p>
+          <a:p>
+            <a:r>
+              <a:rPr lang="en-US" dirty="0" smtClean="0"/>
+              <a:t>Tableau </a:t>
+            </a:r>
+            <a:r>
+              <a:rPr lang="en-US" dirty="0"/>
+              <a:t>Desktop Level 2: </a:t>
+            </a:r>
+            <a:r>
+              <a:rPr lang="en-US" dirty="0" smtClean="0"/>
+              <a:t>Intermediate</a:t>
+            </a:r>
+          </a:p>
+          <a:p>
+            <a:r>
+              <a:rPr lang="en-US" dirty="0" smtClean="0"/>
+              <a:t>Tableau </a:t>
+            </a:r>
+            <a:r>
+              <a:rPr lang="en-US" dirty="0"/>
+              <a:t>Desktop Level 3: </a:t>
+            </a:r>
+            <a:r>
+              <a:rPr lang="en-US" dirty="0" smtClean="0"/>
+              <a:t>Advanced</a:t>
+            </a:r>
+          </a:p>
+          <a:p>
+            <a:r>
+              <a:rPr lang="en-US" dirty="0" smtClean="0"/>
+              <a:t>Tableau </a:t>
+            </a:r>
+            <a:r>
+              <a:rPr lang="en-US" dirty="0"/>
+              <a:t>Data Visualizations</a:t>
+            </a:r>
+            <a:endParaRPr lang="en-US" dirty="0"/>
+          </a:p>
+        </p:txBody>
+      </p:sp>
+      <p:sp>
+        <p:nvSpPr>
+          <p:cNvPr id="3" name="Slide Number Placeholder 2"/>
+          <p:cNvSpPr>
+            <a:spLocks noGrp="1"/>
+          </p:cNvSpPr>
+          <p:nvPr>
+            <p:ph type="sldNum" sz="quarter" idx="4294967295"/>
+          </p:nvPr>
+        </p:nvSpPr>
+        <p:spPr/>
+        <p:txBody>
+          <a:bodyPr/>
+          <a:lstStyle/>
+          <a:p>
+            <a:fld id="{D814DA60-3BEE-4BCE-BEDB-E433FD970963}" type="slidenum">
+              <a:rPr lang="en-US" smtClean="0"/>
+              <a:pPr/>
+              <a:t>8</a:t>
+            </a:fld>
+            <a:endParaRPr lang="en-US" dirty="0"/>
+          </a:p>
+        </p:txBody>
+      </p:sp>
+    </p:spTree>
+    <p:extLst>
+      <p:ext uri="{BB962C8B-B14F-4D97-AF65-F5344CB8AC3E}">
+        <p14:creationId xmlns:p14="http://schemas.microsoft.com/office/powerpoint/2010/main" val="3063254713"/>
+      </p:ext>
+    </p:extLst>
+  </p:cSld>
+  <p:clrMapOvr>
+    <a:masterClrMapping/>
+  </p:clrMapOvr>
+</p:sld>
+</file>
+
+<file path=ppt/slides/slide80.xml><?xml version="1.0" encoding="utf-8"?>
 <p:sld xmlns:a="http://schemas.openxmlformats.org/drawingml/2006/main" xmlns:r="http://schemas.openxmlformats.org/officeDocument/2006/relationships" xmlns:p="http://schemas.openxmlformats.org/presentationml/2006/main">
   <p:cSld>
     <p:spTree>
@@ -34352,156 +35503,7 @@
 </p:sld>
 </file>
 
-<file path=ppt/slides/slide8.xml><?xml version="1.0" encoding="utf-8"?>
-<p:sld xmlns:a="http://schemas.openxmlformats.org/drawingml/2006/main" xmlns:r="http://schemas.openxmlformats.org/officeDocument/2006/relationships" xmlns:p="http://schemas.openxmlformats.org/presentationml/2006/main">
-  <p:cSld>
-    <p:spTree>
-      <p:nvGrpSpPr>
-        <p:cNvPr id="1" name=""/>
-        <p:cNvGrpSpPr/>
-        <p:nvPr/>
-      </p:nvGrpSpPr>
-      <p:grpSpPr>
-        <a:xfrm>
-          <a:off x="0" y="0"/>
-          <a:ext cx="0" cy="0"/>
-          <a:chOff x="0" y="0"/>
-          <a:chExt cx="0" cy="0"/>
-        </a:xfrm>
-      </p:grpSpPr>
-      <p:sp>
-        <p:nvSpPr>
-          <p:cNvPr id="2" name="Title 1"/>
-          <p:cNvSpPr>
-            <a:spLocks noGrp="1"/>
-          </p:cNvSpPr>
-          <p:nvPr>
-            <p:ph type="title"/>
-          </p:nvPr>
-        </p:nvSpPr>
-        <p:spPr/>
-        <p:txBody>
-          <a:bodyPr/>
-          <a:lstStyle/>
-          <a:p>
-            <a:r>
-              <a:rPr lang="en-US" dirty="0"/>
-              <a:t>Related Classes</a:t>
-            </a:r>
-          </a:p>
-        </p:txBody>
-      </p:sp>
-      <p:sp>
-        <p:nvSpPr>
-          <p:cNvPr id="6" name="Text Placeholder 5"/>
-          <p:cNvSpPr>
-            <a:spLocks noGrp="1"/>
-          </p:cNvSpPr>
-          <p:nvPr>
-            <p:ph type="body" sz="quarter" idx="10"/>
-          </p:nvPr>
-        </p:nvSpPr>
-        <p:spPr/>
-        <p:txBody>
-          <a:bodyPr/>
-          <a:lstStyle/>
-          <a:p>
-            <a:endParaRPr lang="en-US"/>
-          </a:p>
-        </p:txBody>
-      </p:sp>
-      <p:sp>
-        <p:nvSpPr>
-          <p:cNvPr id="3" name="Slide Number Placeholder 2"/>
-          <p:cNvSpPr>
-            <a:spLocks noGrp="1"/>
-          </p:cNvSpPr>
-          <p:nvPr>
-            <p:ph type="sldNum" sz="quarter" idx="4294967295"/>
-          </p:nvPr>
-        </p:nvSpPr>
-        <p:spPr/>
-        <p:txBody>
-          <a:bodyPr/>
-          <a:lstStyle/>
-          <a:p>
-            <a:fld id="{D814DA60-3BEE-4BCE-BEDB-E433FD970963}" type="slidenum">
-              <a:rPr lang="en-US" smtClean="0"/>
-              <a:pPr/>
-              <a:t>8</a:t>
-            </a:fld>
-            <a:endParaRPr lang="en-US" dirty="0"/>
-          </a:p>
-        </p:txBody>
-      </p:sp>
-      <p:pic>
-        <p:nvPicPr>
-          <p:cNvPr id="5" name="Picture 11" descr="onlc_logo_small.jpg"/>
-          <p:cNvPicPr>
-            <a:picLocks noChangeAspect="1"/>
-          </p:cNvPicPr>
-          <p:nvPr/>
-        </p:nvPicPr>
-        <p:blipFill>
-          <a:blip r:embed="rId2">
-            <a:extLst>
-              <a:ext uri="{28A0092B-C50C-407E-A947-70E740481C1C}">
-                <a14:useLocalDpi xmlns:a14="http://schemas.microsoft.com/office/drawing/2010/main" val="0"/>
-              </a:ext>
-            </a:extLst>
-          </a:blip>
-          <a:srcRect/>
-          <a:stretch>
-            <a:fillRect/>
-          </a:stretch>
-        </p:blipFill>
-        <p:spPr bwMode="auto">
-          <a:xfrm>
-            <a:off x="9118892" y="4999038"/>
-            <a:ext cx="2875156" cy="1173162"/>
-          </a:xfrm>
-          <a:prstGeom prst="rect">
-            <a:avLst/>
-          </a:prstGeom>
-          <a:noFill/>
-          <a:ln>
-            <a:noFill/>
-          </a:ln>
-          <a:extLst>
-            <a:ext uri="{909E8E84-426E-40DD-AFC4-6F175D3DCCD1}">
-              <a14:hiddenFill xmlns:a14="http://schemas.microsoft.com/office/drawing/2010/main">
-                <a:solidFill>
-                  <a:srgbClr val="FFFFFF"/>
-                </a:solidFill>
-              </a14:hiddenFill>
-            </a:ext>
-            <a:ext uri="{91240B29-F687-4F45-9708-019B960494DF}">
-              <a14:hiddenLine xmlns:a14="http://schemas.microsoft.com/office/drawing/2010/main" w="9525">
-                <a:solidFill>
-                  <a:srgbClr val="000000"/>
-                </a:solidFill>
-                <a:miter lim="800000"/>
-                <a:headEnd/>
-                <a:tailEnd/>
-              </a14:hiddenLine>
-            </a:ext>
-          </a:extLst>
-        </p:spPr>
-      </p:pic>
-    </p:spTree>
-    <p:extLst>
-      <p:ext uri="{BB962C8B-B14F-4D97-AF65-F5344CB8AC3E}">
-        <p14:creationId xmlns:p14="http://schemas.microsoft.com/office/powerpoint/2010/main" val="3063254713"/>
-      </p:ext>
-    </p:extLst>
-  </p:cSld>
-  <p:clrMapOvr>
-    <a:masterClrMapping/>
-  </p:clrMapOvr>
-</p:sld>
-</file>
-
-<file path=ppt/slides/slide80.xml><?xml version="1.0" encoding="utf-8"?>
+<file path=ppt/slides/slide81.xml><?xml version="1.0" encoding="utf-8"?>
 <p:sld xmlns:a="http://schemas.openxmlformats.org/drawingml/2006/main" xmlns:r="http://schemas.openxmlformats.org/officeDocument/2006/relationships" xmlns:p="http://schemas.openxmlformats.org/presentationml/2006/main">
   <p:cSld>
     <p:spTree>
@@ -34671,154 +35673,6 @@
 </p:sld>
 </file>
 
-<file path=ppt/slides/slide81.xml><?xml version="1.0" encoding="utf-8"?>
-<p:sld xmlns:a="http://schemas.openxmlformats.org/drawingml/2006/main" xmlns:r="http://schemas.openxmlformats.org/officeDocument/2006/relationships" xmlns:p="http://schemas.openxmlformats.org/presentationml/2006/main">
-  <p:cSld>
-    <p:spTree>
-      <p:nvGrpSpPr>
-        <p:cNvPr id="1" name=""/>
-        <p:cNvGrpSpPr/>
-        <p:nvPr/>
-      </p:nvGrpSpPr>
-      <p:grpSpPr>
-        <a:xfrm>
-          <a:off x="0" y="0"/>
-          <a:ext cx="0" cy="0"/>
-          <a:chOff x="0" y="0"/>
-          <a:chExt cx="0" cy="0"/>
-        </a:xfrm>
-      </p:grpSpPr>
-      <p:sp>
-        <p:nvSpPr>
-          <p:cNvPr id="2" name="Subtitle 1">
-            <a:extLst>
-              <a:ext uri="{FF2B5EF4-FFF2-40B4-BE49-F238E27FC236}">
-                <a16:creationId xmlns:a16="http://schemas.microsoft.com/office/drawing/2014/main" id="{A439E777-8114-4C67-9651-AB51CE460424}"/>
-              </a:ext>
-            </a:extLst>
-          </p:cNvPr>
-          <p:cNvSpPr>
-            <a:spLocks noGrp="1"/>
-          </p:cNvSpPr>
-          <p:nvPr>
-            <p:ph type="subTitle" idx="1"/>
-          </p:nvPr>
-        </p:nvSpPr>
-        <p:spPr/>
-        <p:txBody>
-          <a:bodyPr/>
-          <a:lstStyle/>
-          <a:p>
-            <a:pPr marL="342900" indent="-342900">
-              <a:buFont typeface="Arial" panose="020B0604020202020204" pitchFamily="34" charset="0"/>
-              <a:buChar char="•"/>
-            </a:pPr>
-            <a:r>
-              <a:rPr lang="en-US" dirty="0"/>
-              <a:t>Exercise 6.1: pp. 79-89</a:t>
-            </a:r>
-          </a:p>
-          <a:p>
-            <a:pPr marL="342900" indent="-342900">
-              <a:buFont typeface="Arial" panose="020B0604020202020204" pitchFamily="34" charset="0"/>
-              <a:buChar char="•"/>
-            </a:pPr>
-            <a:r>
-              <a:rPr lang="en-US" dirty="0"/>
-              <a:t>Exercise 7.1: pp. 91-94</a:t>
-            </a:r>
-          </a:p>
-          <a:p>
-            <a:pPr marL="342900" indent="-342900">
-              <a:buFont typeface="Arial" panose="020B0604020202020204" pitchFamily="34" charset="0"/>
-              <a:buChar char="•"/>
-            </a:pPr>
-            <a:r>
-              <a:rPr lang="en-US" dirty="0"/>
-              <a:t>Exercise 7.2: pp. 94-104</a:t>
-            </a:r>
-          </a:p>
-          <a:p>
-            <a:pPr marL="342900" indent="-342900">
-              <a:buFont typeface="Arial" panose="020B0604020202020204" pitchFamily="34" charset="0"/>
-              <a:buChar char="•"/>
-            </a:pPr>
-            <a:r>
-              <a:rPr lang="en-US" dirty="0"/>
-              <a:t>Exercise 7.3: pp. 105, 110-118</a:t>
-            </a:r>
-          </a:p>
-        </p:txBody>
-      </p:sp>
-      <p:sp>
-        <p:nvSpPr>
-          <p:cNvPr id="3" name="Text Placeholder 2">
-            <a:extLst>
-              <a:ext uri="{FF2B5EF4-FFF2-40B4-BE49-F238E27FC236}">
-                <a16:creationId xmlns:a16="http://schemas.microsoft.com/office/drawing/2014/main" id="{0E71895F-EE2C-48F3-9B62-E0FB864298C9}"/>
-              </a:ext>
-            </a:extLst>
-          </p:cNvPr>
-          <p:cNvSpPr>
-            <a:spLocks noGrp="1"/>
-          </p:cNvSpPr>
-          <p:nvPr>
-            <p:ph type="body" sz="quarter" idx="11"/>
-          </p:nvPr>
-        </p:nvSpPr>
-        <p:spPr/>
-        <p:txBody>
-          <a:bodyPr/>
-          <a:lstStyle/>
-          <a:p>
-            <a:r>
-              <a:rPr lang="en-US" dirty="0"/>
-              <a:t>45 Minutes</a:t>
-            </a:r>
-          </a:p>
-        </p:txBody>
-      </p:sp>
-      <p:sp>
-        <p:nvSpPr>
-          <p:cNvPr id="4" name="Title 3">
-            <a:extLst>
-              <a:ext uri="{FF2B5EF4-FFF2-40B4-BE49-F238E27FC236}">
-                <a16:creationId xmlns:a16="http://schemas.microsoft.com/office/drawing/2014/main" id="{C07AA40D-746C-46A7-A1DA-66CDD43B4BEA}"/>
-              </a:ext>
-            </a:extLst>
-          </p:cNvPr>
-          <p:cNvSpPr>
-            <a:spLocks noGrp="1"/>
-          </p:cNvSpPr>
-          <p:nvPr>
-            <p:ph type="title"/>
-          </p:nvPr>
-        </p:nvSpPr>
-        <p:spPr/>
-        <p:txBody>
-          <a:bodyPr/>
-          <a:lstStyle/>
-          <a:p>
-            <a:r>
-              <a:rPr lang="en-US" dirty="0"/>
-              <a:t>Lab 5: Auditing and Filtering</a:t>
-            </a:r>
-          </a:p>
-        </p:txBody>
-      </p:sp>
-    </p:spTree>
-    <p:extLst>
-      <p:ext uri="{BB962C8B-B14F-4D97-AF65-F5344CB8AC3E}">
-        <p14:creationId xmlns:p14="http://schemas.microsoft.com/office/powerpoint/2010/main" val="2508201423"/>
-      </p:ext>
-    </p:extLst>
-  </p:cSld>
-  <p:clrMapOvr>
-    <a:masterClrMapping/>
-  </p:clrMapOvr>
-</p:sld>
-</file>
-
 <file path=ppt/slides/slide82.xml><?xml version="1.0" encoding="utf-8"?>
 <p:sld xmlns:a="http://schemas.openxmlformats.org/drawingml/2006/main" xmlns:r="http://schemas.openxmlformats.org/officeDocument/2006/relationships" xmlns:p="http://schemas.openxmlformats.org/presentationml/2006/main">
   <p:cSld>
@@ -34838,10 +35692,10 @@
       </p:grpSpPr>
       <p:sp>
         <p:nvSpPr>
-          <p:cNvPr id="2" name="Title 1">
+          <p:cNvPr id="2" name="Subtitle 1">
             <a:extLst>
               <a:ext uri="{FF2B5EF4-FFF2-40B4-BE49-F238E27FC236}">
-                <a16:creationId xmlns:a16="http://schemas.microsoft.com/office/drawing/2014/main" id="{C3A4853A-6621-BF48-99C0-CF9E50FA3A1F}"/>
+                <a16:creationId xmlns:a16="http://schemas.microsoft.com/office/drawing/2014/main" id="{A439E777-8114-4C67-9651-AB51CE460424}"/>
               </a:ext>
             </a:extLst>
           </p:cNvPr>
@@ -34849,7 +35703,7 @@
             <a:spLocks noGrp="1"/>
           </p:cNvSpPr>
           <p:nvPr>
-            <p:ph type="title"/>
+            <p:ph type="subTitle" idx="1"/>
           </p:nvPr>
         </p:nvSpPr>
         <p:spPr/>
@@ -34857,9 +35711,99 @@
           <a:bodyPr/>
           <a:lstStyle/>
           <a:p>
+            <a:pPr marL="342900" indent="-342900">
+              <a:buFont typeface="Arial" panose="020B0604020202020204" pitchFamily="34" charset="0"/>
+              <a:buChar char="•"/>
+            </a:pPr>
             <a:r>
               <a:rPr lang="en-US" dirty="0"/>
-              <a:t>Module 6: Group and Replace</a:t>
+              <a:t>Exercise 6.1: pp. 79-89</a:t>
+            </a:r>
+          </a:p>
+          <a:p>
+            <a:pPr marL="342900" indent="-342900">
+              <a:buFont typeface="Arial" panose="020B0604020202020204" pitchFamily="34" charset="0"/>
+              <a:buChar char="•"/>
+            </a:pPr>
+            <a:r>
+              <a:rPr lang="en-US" dirty="0"/>
+              <a:t>Exercise 7.1: pp. 91-94</a:t>
+            </a:r>
+          </a:p>
+          <a:p>
+            <a:pPr marL="342900" indent="-342900">
+              <a:buFont typeface="Arial" panose="020B0604020202020204" pitchFamily="34" charset="0"/>
+              <a:buChar char="•"/>
+            </a:pPr>
+            <a:r>
+              <a:rPr lang="en-US" dirty="0"/>
+              <a:t>Exercise 7.2: pp. 94-104</a:t>
+            </a:r>
+          </a:p>
+          <a:p>
+            <a:pPr marL="342900" indent="-342900">
+              <a:buFont typeface="Arial" panose="020B0604020202020204" pitchFamily="34" charset="0"/>
+              <a:buChar char="•"/>
+            </a:pPr>
+            <a:r>
+              <a:rPr lang="en-US" dirty="0"/>
+              <a:t>Exercise 7.3: pp. 105, 110-118</a:t>
+            </a:r>
+          </a:p>
+        </p:txBody>
+      </p:sp>
+      <p:sp>
+        <p:nvSpPr>
+          <p:cNvPr id="3" name="Text Placeholder 2">
+            <a:extLst>
+              <a:ext uri="{FF2B5EF4-FFF2-40B4-BE49-F238E27FC236}">
+                <a16:creationId xmlns:a16="http://schemas.microsoft.com/office/drawing/2014/main" id="{0E71895F-EE2C-48F3-9B62-E0FB864298C9}"/>
+              </a:ext>
+            </a:extLst>
+          </p:cNvPr>
+          <p:cNvSpPr>
+            <a:spLocks noGrp="1"/>
+          </p:cNvSpPr>
+          <p:nvPr>
+            <p:ph type="body" sz="quarter" idx="11"/>
+          </p:nvPr>
+        </p:nvSpPr>
+        <p:spPr/>
+        <p:txBody>
+          <a:bodyPr/>
+          <a:lstStyle/>
+          <a:p>
+            <a:r>
+              <a:rPr lang="en-US" dirty="0"/>
+              <a:t>45 Minutes</a:t>
+            </a:r>
+          </a:p>
+        </p:txBody>
+      </p:sp>
+      <p:sp>
+        <p:nvSpPr>
+          <p:cNvPr id="4" name="Title 3">
+            <a:extLst>
+              <a:ext uri="{FF2B5EF4-FFF2-40B4-BE49-F238E27FC236}">
+                <a16:creationId xmlns:a16="http://schemas.microsoft.com/office/drawing/2014/main" id="{C07AA40D-746C-46A7-A1DA-66CDD43B4BEA}"/>
+              </a:ext>
+            </a:extLst>
+          </p:cNvPr>
+          <p:cNvSpPr>
+            <a:spLocks noGrp="1"/>
+          </p:cNvSpPr>
+          <p:nvPr>
+            <p:ph type="title"/>
+          </p:nvPr>
+        </p:nvSpPr>
+        <p:spPr/>
+        <p:txBody>
+          <a:bodyPr/>
+          <a:lstStyle/>
+          <a:p>
+            <a:r>
+              <a:rPr lang="en-US" dirty="0"/>
+              <a:t>Lab 5: Auditing and Filtering</a:t>
             </a:r>
           </a:p>
         </p:txBody>
@@ -34867,7 +35811,7 @@
     </p:spTree>
     <p:extLst>
       <p:ext uri="{BB962C8B-B14F-4D97-AF65-F5344CB8AC3E}">
-        <p14:creationId xmlns:p14="http://schemas.microsoft.com/office/powerpoint/2010/main" val="3911395177"/>
+        <p14:creationId xmlns:p14="http://schemas.microsoft.com/office/powerpoint/2010/main" val="2508201423"/>
       </p:ext>
     </p:extLst>
   </p:cSld>
@@ -34899,6 +35843,64 @@
           <p:cNvPr id="2" name="Title 1">
             <a:extLst>
               <a:ext uri="{FF2B5EF4-FFF2-40B4-BE49-F238E27FC236}">
+                <a16:creationId xmlns:a16="http://schemas.microsoft.com/office/drawing/2014/main" id="{C3A4853A-6621-BF48-99C0-CF9E50FA3A1F}"/>
+              </a:ext>
+            </a:extLst>
+          </p:cNvPr>
+          <p:cNvSpPr>
+            <a:spLocks noGrp="1"/>
+          </p:cNvSpPr>
+          <p:nvPr>
+            <p:ph type="title"/>
+          </p:nvPr>
+        </p:nvSpPr>
+        <p:spPr/>
+        <p:txBody>
+          <a:bodyPr/>
+          <a:lstStyle/>
+          <a:p>
+            <a:r>
+              <a:rPr lang="en-US" dirty="0"/>
+              <a:t>Module 6: Group and Replace</a:t>
+            </a:r>
+          </a:p>
+        </p:txBody>
+      </p:sp>
+    </p:spTree>
+    <p:extLst>
+      <p:ext uri="{BB962C8B-B14F-4D97-AF65-F5344CB8AC3E}">
+        <p14:creationId xmlns:p14="http://schemas.microsoft.com/office/powerpoint/2010/main" val="3911395177"/>
+      </p:ext>
+    </p:extLst>
+  </p:cSld>
+  <p:clrMapOvr>
+    <a:masterClrMapping/>
+  </p:clrMapOvr>
+</p:sld>
+</file>
+
+<file path=ppt/slides/slide84.xml><?xml version="1.0" encoding="utf-8"?>
+<p:sld xmlns:a="http://schemas.openxmlformats.org/drawingml/2006/main" xmlns:r="http://schemas.openxmlformats.org/officeDocument/2006/relationships" xmlns:p="http://schemas.openxmlformats.org/presentationml/2006/main">
+  <p:cSld>
+    <p:spTree>
+      <p:nvGrpSpPr>
+        <p:cNvPr id="1" name=""/>
+        <p:cNvGrpSpPr/>
+        <p:nvPr/>
+      </p:nvGrpSpPr>
+      <p:grpSpPr>
+        <a:xfrm>
+          <a:off x="0" y="0"/>
+          <a:ext cx="0" cy="0"/>
+          <a:chOff x="0" y="0"/>
+          <a:chExt cx="0" cy="0"/>
+        </a:xfrm>
+      </p:grpSpPr>
+      <p:sp>
+        <p:nvSpPr>
+          <p:cNvPr id="2" name="Title 1">
+            <a:extLst>
+              <a:ext uri="{FF2B5EF4-FFF2-40B4-BE49-F238E27FC236}">
                 <a16:creationId xmlns:a16="http://schemas.microsoft.com/office/drawing/2014/main" id="{3480EC15-00FE-FC41-ADF7-549E87A4B4F2}"/>
               </a:ext>
             </a:extLst>
@@ -34960,7 +35962,7 @@
 </p:sld>
 </file>
 
-<file path=ppt/slides/slide84.xml><?xml version="1.0" encoding="utf-8"?>
+<file path=ppt/slides/slide85.xml><?xml version="1.0" encoding="utf-8"?>
 <p:sld xmlns:a="http://schemas.openxmlformats.org/drawingml/2006/main" xmlns:r="http://schemas.openxmlformats.org/officeDocument/2006/relationships" xmlns:p="http://schemas.openxmlformats.org/presentationml/2006/main">
   <p:cSld>
     <p:spTree>
@@ -35192,7 +36194,7 @@
 </p:sld>
 </file>
 
-<file path=ppt/slides/slide85.xml><?xml version="1.0" encoding="utf-8"?>
+<file path=ppt/slides/slide86.xml><?xml version="1.0" encoding="utf-8"?>
 <p:sld xmlns:a="http://schemas.openxmlformats.org/drawingml/2006/main" xmlns:r="http://schemas.openxmlformats.org/officeDocument/2006/relationships" xmlns:p="http://schemas.openxmlformats.org/presentationml/2006/main">
   <p:cSld>
     <p:spTree>
@@ -35325,7 +36327,7 @@
 </p:sld>
 </file>
 
-<file path=ppt/slides/slide86.xml><?xml version="1.0" encoding="utf-8"?>
+<file path=ppt/slides/slide87.xml><?xml version="1.0" encoding="utf-8"?>
 <p:sld xmlns:a="http://schemas.openxmlformats.org/drawingml/2006/main" xmlns:r="http://schemas.openxmlformats.org/officeDocument/2006/relationships" xmlns:p="http://schemas.openxmlformats.org/presentationml/2006/main">
   <p:cSld>
     <p:spTree>
@@ -35463,7 +36465,7 @@
 </p:sld>
 </file>
 
-<file path=ppt/slides/slide87.xml><?xml version="1.0" encoding="utf-8"?>
+<file path=ppt/slides/slide88.xml><?xml version="1.0" encoding="utf-8"?>
 <p:sld xmlns:a="http://schemas.openxmlformats.org/drawingml/2006/main" xmlns:r="http://schemas.openxmlformats.org/officeDocument/2006/relationships" xmlns:p="http://schemas.openxmlformats.org/presentationml/2006/main">
   <p:cSld>
     <p:spTree>
@@ -35584,124 +36586,6 @@
 </p:sld>
 </file>
 
-<file path=ppt/slides/slide88.xml><?xml version="1.0" encoding="utf-8"?>
-<p:sld xmlns:a="http://schemas.openxmlformats.org/drawingml/2006/main" xmlns:r="http://schemas.openxmlformats.org/officeDocument/2006/relationships" xmlns:p="http://schemas.openxmlformats.org/presentationml/2006/main">
-  <p:cSld>
-    <p:spTree>
-      <p:nvGrpSpPr>
-        <p:cNvPr id="1" name=""/>
-        <p:cNvGrpSpPr/>
-        <p:nvPr/>
-      </p:nvGrpSpPr>
-      <p:grpSpPr>
-        <a:xfrm>
-          <a:off x="0" y="0"/>
-          <a:ext cx="0" cy="0"/>
-          <a:chOff x="0" y="0"/>
-          <a:chExt cx="0" cy="0"/>
-        </a:xfrm>
-      </p:grpSpPr>
-      <p:sp>
-        <p:nvSpPr>
-          <p:cNvPr id="2" name="Subtitle 1">
-            <a:extLst>
-              <a:ext uri="{FF2B5EF4-FFF2-40B4-BE49-F238E27FC236}">
-                <a16:creationId xmlns:a16="http://schemas.microsoft.com/office/drawing/2014/main" id="{07EF8D3E-4F42-45AE-873D-02C29E857AB0}"/>
-              </a:ext>
-            </a:extLst>
-          </p:cNvPr>
-          <p:cNvSpPr>
-            <a:spLocks noGrp="1"/>
-          </p:cNvSpPr>
-          <p:nvPr>
-            <p:ph type="subTitle" idx="1"/>
-          </p:nvPr>
-        </p:nvSpPr>
-        <p:spPr/>
-        <p:txBody>
-          <a:bodyPr/>
-          <a:lstStyle/>
-          <a:p>
-            <a:pPr marL="342900" indent="-342900">
-              <a:buFont typeface="Arial" panose="020B0604020202020204" pitchFamily="34" charset="0"/>
-              <a:buChar char="•"/>
-            </a:pPr>
-            <a:r>
-              <a:rPr lang="en-US" dirty="0"/>
-              <a:t>Follow instructions on pp. 123-129</a:t>
-            </a:r>
-          </a:p>
-        </p:txBody>
-      </p:sp>
-      <p:sp>
-        <p:nvSpPr>
-          <p:cNvPr id="3" name="Text Placeholder 2">
-            <a:extLst>
-              <a:ext uri="{FF2B5EF4-FFF2-40B4-BE49-F238E27FC236}">
-                <a16:creationId xmlns:a16="http://schemas.microsoft.com/office/drawing/2014/main" id="{14B99462-05B1-4D66-BC2A-B42EA59706CB}"/>
-              </a:ext>
-            </a:extLst>
-          </p:cNvPr>
-          <p:cNvSpPr>
-            <a:spLocks noGrp="1"/>
-          </p:cNvSpPr>
-          <p:nvPr>
-            <p:ph type="body" sz="quarter" idx="11"/>
-          </p:nvPr>
-        </p:nvSpPr>
-        <p:spPr/>
-        <p:txBody>
-          <a:bodyPr/>
-          <a:lstStyle/>
-          <a:p>
-            <a:r>
-              <a:rPr lang="en-US" dirty="0"/>
-              <a:t>15 minutes</a:t>
-            </a:r>
-          </a:p>
-        </p:txBody>
-      </p:sp>
-      <p:sp>
-        <p:nvSpPr>
-          <p:cNvPr id="4" name="Title 3">
-            <a:extLst>
-              <a:ext uri="{FF2B5EF4-FFF2-40B4-BE49-F238E27FC236}">
-                <a16:creationId xmlns:a16="http://schemas.microsoft.com/office/drawing/2014/main" id="{04D7B03E-9D97-45B8-8106-32D722231C4F}"/>
-              </a:ext>
-            </a:extLst>
-          </p:cNvPr>
-          <p:cNvSpPr>
-            <a:spLocks noGrp="1"/>
-          </p:cNvSpPr>
-          <p:nvPr>
-            <p:ph type="title"/>
-          </p:nvPr>
-        </p:nvSpPr>
-        <p:spPr/>
-        <p:txBody>
-          <a:bodyPr/>
-          <a:lstStyle/>
-          <a:p>
-            <a:r>
-              <a:rPr lang="en-US" dirty="0"/>
-              <a:t>Lab 6: Group and Replace</a:t>
-            </a:r>
-          </a:p>
-        </p:txBody>
-      </p:sp>
-    </p:spTree>
-    <p:extLst>
-      <p:ext uri="{BB962C8B-B14F-4D97-AF65-F5344CB8AC3E}">
-        <p14:creationId xmlns:p14="http://schemas.microsoft.com/office/powerpoint/2010/main" val="2505969754"/>
-      </p:ext>
-    </p:extLst>
-  </p:cSld>
-  <p:clrMapOvr>
-    <a:masterClrMapping/>
-  </p:clrMapOvr>
-</p:sld>
-</file>
-
 <file path=ppt/slides/slide89.xml><?xml version="1.0" encoding="utf-8"?>
 <p:sld xmlns:a="http://schemas.openxmlformats.org/drawingml/2006/main" xmlns:r="http://schemas.openxmlformats.org/officeDocument/2006/relationships" xmlns:p="http://schemas.openxmlformats.org/presentationml/2006/main">
   <p:cSld>
@@ -35721,10 +36605,10 @@
       </p:grpSpPr>
       <p:sp>
         <p:nvSpPr>
-          <p:cNvPr id="2" name="Title 1">
+          <p:cNvPr id="2" name="Subtitle 1">
             <a:extLst>
               <a:ext uri="{FF2B5EF4-FFF2-40B4-BE49-F238E27FC236}">
-                <a16:creationId xmlns:a16="http://schemas.microsoft.com/office/drawing/2014/main" id="{098CEEC1-7F87-F34D-B9A4-7EA9EFA2F688}"/>
+                <a16:creationId xmlns:a16="http://schemas.microsoft.com/office/drawing/2014/main" id="{07EF8D3E-4F42-45AE-873D-02C29E857AB0}"/>
               </a:ext>
             </a:extLst>
           </p:cNvPr>
@@ -35732,7 +36616,7 @@
             <a:spLocks noGrp="1"/>
           </p:cNvSpPr>
           <p:nvPr>
-            <p:ph type="title"/>
+            <p:ph type="subTitle" idx="1"/>
           </p:nvPr>
         </p:nvSpPr>
         <p:spPr/>
@@ -35740,9 +36624,69 @@
           <a:bodyPr/>
           <a:lstStyle/>
           <a:p>
+            <a:pPr marL="342900" indent="-342900">
+              <a:buFont typeface="Arial" panose="020B0604020202020204" pitchFamily="34" charset="0"/>
+              <a:buChar char="•"/>
+            </a:pPr>
             <a:r>
               <a:rPr lang="en-US" dirty="0"/>
-              <a:t>Module 7: Aggregating and Pivoting Data</a:t>
+              <a:t>Follow instructions on pp. 123-129</a:t>
+            </a:r>
+          </a:p>
+        </p:txBody>
+      </p:sp>
+      <p:sp>
+        <p:nvSpPr>
+          <p:cNvPr id="3" name="Text Placeholder 2">
+            <a:extLst>
+              <a:ext uri="{FF2B5EF4-FFF2-40B4-BE49-F238E27FC236}">
+                <a16:creationId xmlns:a16="http://schemas.microsoft.com/office/drawing/2014/main" id="{14B99462-05B1-4D66-BC2A-B42EA59706CB}"/>
+              </a:ext>
+            </a:extLst>
+          </p:cNvPr>
+          <p:cNvSpPr>
+            <a:spLocks noGrp="1"/>
+          </p:cNvSpPr>
+          <p:nvPr>
+            <p:ph type="body" sz="quarter" idx="11"/>
+          </p:nvPr>
+        </p:nvSpPr>
+        <p:spPr/>
+        <p:txBody>
+          <a:bodyPr/>
+          <a:lstStyle/>
+          <a:p>
+            <a:r>
+              <a:rPr lang="en-US" dirty="0"/>
+              <a:t>15 minutes</a:t>
+            </a:r>
+          </a:p>
+        </p:txBody>
+      </p:sp>
+      <p:sp>
+        <p:nvSpPr>
+          <p:cNvPr id="4" name="Title 3">
+            <a:extLst>
+              <a:ext uri="{FF2B5EF4-FFF2-40B4-BE49-F238E27FC236}">
+                <a16:creationId xmlns:a16="http://schemas.microsoft.com/office/drawing/2014/main" id="{04D7B03E-9D97-45B8-8106-32D722231C4F}"/>
+              </a:ext>
+            </a:extLst>
+          </p:cNvPr>
+          <p:cNvSpPr>
+            <a:spLocks noGrp="1"/>
+          </p:cNvSpPr>
+          <p:nvPr>
+            <p:ph type="title"/>
+          </p:nvPr>
+        </p:nvSpPr>
+        <p:spPr/>
+        <p:txBody>
+          <a:bodyPr/>
+          <a:lstStyle/>
+          <a:p>
+            <a:r>
+              <a:rPr lang="en-US" dirty="0"/>
+              <a:t>Lab 6: Group and Replace</a:t>
             </a:r>
           </a:p>
         </p:txBody>
@@ -35750,7 +36694,7 @@
     </p:spTree>
     <p:extLst>
       <p:ext uri="{BB962C8B-B14F-4D97-AF65-F5344CB8AC3E}">
-        <p14:creationId xmlns:p14="http://schemas.microsoft.com/office/powerpoint/2010/main" val="2030434778"/>
+        <p14:creationId xmlns:p14="http://schemas.microsoft.com/office/powerpoint/2010/main" val="2505969754"/>
       </p:ext>
     </p:extLst>
   </p:cSld>
@@ -35851,6 +36795,64 @@
 </file>
 
 <file path=ppt/slides/slide90.xml><?xml version="1.0" encoding="utf-8"?>
+<p:sld xmlns:a="http://schemas.openxmlformats.org/drawingml/2006/main" xmlns:r="http://schemas.openxmlformats.org/officeDocument/2006/relationships" xmlns:p="http://schemas.openxmlformats.org/presentationml/2006/main">
+  <p:cSld>
+    <p:spTree>
+      <p:nvGrpSpPr>
+        <p:cNvPr id="1" name=""/>
+        <p:cNvGrpSpPr/>
+        <p:nvPr/>
+      </p:nvGrpSpPr>
+      <p:grpSpPr>
+        <a:xfrm>
+          <a:off x="0" y="0"/>
+          <a:ext cx="0" cy="0"/>
+          <a:chOff x="0" y="0"/>
+          <a:chExt cx="0" cy="0"/>
+        </a:xfrm>
+      </p:grpSpPr>
+      <p:sp>
+        <p:nvSpPr>
+          <p:cNvPr id="2" name="Title 1">
+            <a:extLst>
+              <a:ext uri="{FF2B5EF4-FFF2-40B4-BE49-F238E27FC236}">
+                <a16:creationId xmlns:a16="http://schemas.microsoft.com/office/drawing/2014/main" id="{098CEEC1-7F87-F34D-B9A4-7EA9EFA2F688}"/>
+              </a:ext>
+            </a:extLst>
+          </p:cNvPr>
+          <p:cNvSpPr>
+            <a:spLocks noGrp="1"/>
+          </p:cNvSpPr>
+          <p:nvPr>
+            <p:ph type="title"/>
+          </p:nvPr>
+        </p:nvSpPr>
+        <p:spPr/>
+        <p:txBody>
+          <a:bodyPr/>
+          <a:lstStyle/>
+          <a:p>
+            <a:r>
+              <a:rPr lang="en-US" dirty="0"/>
+              <a:t>Module 7: Aggregating and Pivoting Data</a:t>
+            </a:r>
+          </a:p>
+        </p:txBody>
+      </p:sp>
+    </p:spTree>
+    <p:extLst>
+      <p:ext uri="{BB962C8B-B14F-4D97-AF65-F5344CB8AC3E}">
+        <p14:creationId xmlns:p14="http://schemas.microsoft.com/office/powerpoint/2010/main" val="2030434778"/>
+      </p:ext>
+    </p:extLst>
+  </p:cSld>
+  <p:clrMapOvr>
+    <a:masterClrMapping/>
+  </p:clrMapOvr>
+</p:sld>
+</file>
+
+<file path=ppt/slides/slide91.xml><?xml version="1.0" encoding="utf-8"?>
 <p:sld xmlns:a="http://schemas.openxmlformats.org/drawingml/2006/main" xmlns:r="http://schemas.openxmlformats.org/officeDocument/2006/relationships" xmlns:p="http://schemas.openxmlformats.org/presentationml/2006/main">
   <p:cSld>
     <p:spTree>
@@ -36037,7 +37039,7 @@
 </p:sld>
 </file>
 
-<file path=ppt/slides/slide91.xml><?xml version="1.0" encoding="utf-8"?>
+<file path=ppt/slides/slide92.xml><?xml version="1.0" encoding="utf-8"?>
 <p:sld xmlns:a="http://schemas.openxmlformats.org/drawingml/2006/main" xmlns:r="http://schemas.openxmlformats.org/officeDocument/2006/relationships" xmlns:p="http://schemas.openxmlformats.org/presentationml/2006/main">
   <p:cSld>
     <p:spTree>
@@ -36176,171 +37178,6 @@
 </p:sld>
 </file>
 
-<file path=ppt/slides/slide92.xml><?xml version="1.0" encoding="utf-8"?>
-<p:sld xmlns:a="http://schemas.openxmlformats.org/drawingml/2006/main" xmlns:r="http://schemas.openxmlformats.org/officeDocument/2006/relationships" xmlns:p="http://schemas.openxmlformats.org/presentationml/2006/main">
-  <p:cSld>
-    <p:spTree>
-      <p:nvGrpSpPr>
-        <p:cNvPr id="1" name=""/>
-        <p:cNvGrpSpPr/>
-        <p:nvPr/>
-      </p:nvGrpSpPr>
-      <p:grpSpPr>
-        <a:xfrm>
-          <a:off x="0" y="0"/>
-          <a:ext cx="0" cy="0"/>
-          <a:chOff x="0" y="0"/>
-          <a:chExt cx="0" cy="0"/>
-        </a:xfrm>
-      </p:grpSpPr>
-      <p:sp>
-        <p:nvSpPr>
-          <p:cNvPr id="2" name="Subtitle 1">
-            <a:extLst>
-              <a:ext uri="{FF2B5EF4-FFF2-40B4-BE49-F238E27FC236}">
-                <a16:creationId xmlns:a16="http://schemas.microsoft.com/office/drawing/2014/main" id="{B154D3BA-1574-4D7F-89E8-EA93F4E34E16}"/>
-              </a:ext>
-            </a:extLst>
-          </p:cNvPr>
-          <p:cNvSpPr>
-            <a:spLocks noGrp="1"/>
-          </p:cNvSpPr>
-          <p:nvPr>
-            <p:ph type="subTitle" idx="1"/>
-          </p:nvPr>
-        </p:nvSpPr>
-        <p:spPr/>
-        <p:txBody>
-          <a:bodyPr/>
-          <a:lstStyle/>
-          <a:p>
-            <a:r>
-              <a:rPr lang="en-US" i="1" dirty="0"/>
-              <a:t>Note: The “texas.csv” file used in this lab is located at </a:t>
-            </a:r>
-            <a:r>
-              <a:rPr lang="fr-FR" i="1" dirty="0"/>
-              <a:t>C:\XTBP10ClassFiles\Labfiles\Chapter 9, and the </a:t>
-            </a:r>
-            <a:r>
-              <a:rPr lang="fr-FR" i="1" dirty="0" err="1"/>
-              <a:t>fbi</a:t>
-            </a:r>
-            <a:r>
-              <a:rPr lang="fr-FR" i="1" dirty="0"/>
-              <a:t> crime rates file </a:t>
-            </a:r>
-            <a:r>
-              <a:rPr lang="fr-FR" i="1" dirty="0" err="1"/>
-              <a:t>is</a:t>
-            </a:r>
-            <a:r>
-              <a:rPr lang="fr-FR" i="1" dirty="0"/>
-              <a:t> at C:\XTBP10ClassFiles\Labfiles\Chapter 10</a:t>
-            </a:r>
-            <a:endParaRPr lang="fr-FR" dirty="0"/>
-          </a:p>
-          <a:p>
-            <a:pPr marL="342900" indent="-342900">
-              <a:buFont typeface="Arial" panose="020B0604020202020204" pitchFamily="34" charset="0"/>
-              <a:buChar char="•"/>
-            </a:pPr>
-            <a:r>
-              <a:rPr lang="en-US" i="1" dirty="0"/>
-              <a:t> “Aggregating Data”, pp. 132-134</a:t>
-            </a:r>
-          </a:p>
-          <a:p>
-            <a:pPr marL="342900" indent="-342900">
-              <a:buFont typeface="Arial" panose="020B0604020202020204" pitchFamily="34" charset="0"/>
-              <a:buChar char="•"/>
-            </a:pPr>
-            <a:r>
-              <a:rPr lang="en-US" i="1" dirty="0"/>
-              <a:t>“Pivot”, pp. 138-145</a:t>
-            </a:r>
-          </a:p>
-          <a:p>
-            <a:pPr marL="342900" indent="-342900">
-              <a:buFont typeface="Arial" panose="020B0604020202020204" pitchFamily="34" charset="0"/>
-              <a:buChar char="•"/>
-            </a:pPr>
-            <a:r>
-              <a:rPr lang="en-US" i="1" dirty="0"/>
-              <a:t>“Unpivot”, pp. 146-148</a:t>
-            </a:r>
-          </a:p>
-        </p:txBody>
-      </p:sp>
-      <p:sp>
-        <p:nvSpPr>
-          <p:cNvPr id="3" name="Text Placeholder 2">
-            <a:extLst>
-              <a:ext uri="{FF2B5EF4-FFF2-40B4-BE49-F238E27FC236}">
-                <a16:creationId xmlns:a16="http://schemas.microsoft.com/office/drawing/2014/main" id="{A0A4A69E-6174-4CBE-B91B-353370A7EF8A}"/>
-              </a:ext>
-            </a:extLst>
-          </p:cNvPr>
-          <p:cNvSpPr>
-            <a:spLocks noGrp="1"/>
-          </p:cNvSpPr>
-          <p:nvPr>
-            <p:ph type="body" sz="quarter" idx="11"/>
-          </p:nvPr>
-        </p:nvSpPr>
-        <p:spPr/>
-        <p:txBody>
-          <a:bodyPr/>
-          <a:lstStyle/>
-          <a:p>
-            <a:r>
-              <a:rPr lang="en-US" dirty="0"/>
-              <a:t>30 Minutes</a:t>
-            </a:r>
-          </a:p>
-        </p:txBody>
-      </p:sp>
-      <p:sp>
-        <p:nvSpPr>
-          <p:cNvPr id="4" name="Title 3">
-            <a:extLst>
-              <a:ext uri="{FF2B5EF4-FFF2-40B4-BE49-F238E27FC236}">
-                <a16:creationId xmlns:a16="http://schemas.microsoft.com/office/drawing/2014/main" id="{C3F75FA3-87D5-4D28-AA04-0E1006D44634}"/>
-              </a:ext>
-            </a:extLst>
-          </p:cNvPr>
-          <p:cNvSpPr>
-            <a:spLocks noGrp="1"/>
-          </p:cNvSpPr>
-          <p:nvPr>
-            <p:ph type="title"/>
-          </p:nvPr>
-        </p:nvSpPr>
-        <p:spPr/>
-        <p:txBody>
-          <a:bodyPr/>
-          <a:lstStyle/>
-          <a:p>
-            <a:r>
-              <a:rPr lang="en-US" dirty="0"/>
-              <a:t>Lab 7: Aggregating &amp; Pivoting</a:t>
-            </a:r>
-          </a:p>
-        </p:txBody>
-      </p:sp>
-    </p:spTree>
-    <p:extLst>
-      <p:ext uri="{BB962C8B-B14F-4D97-AF65-F5344CB8AC3E}">
-        <p14:creationId xmlns:p14="http://schemas.microsoft.com/office/powerpoint/2010/main" val="2589665393"/>
-      </p:ext>
-    </p:extLst>
-  </p:cSld>
-  <p:clrMapOvr>
-    <a:masterClrMapping/>
-  </p:clrMapOvr>
-</p:sld>
-</file>
-
 <file path=ppt/slides/slide93.xml><?xml version="1.0" encoding="utf-8"?>
 <p:sld xmlns:a="http://schemas.openxmlformats.org/drawingml/2006/main" xmlns:r="http://schemas.openxmlformats.org/officeDocument/2006/relationships" xmlns:p="http://schemas.openxmlformats.org/presentationml/2006/main">
   <p:cSld>
@@ -36360,10 +37197,10 @@
       </p:grpSpPr>
       <p:sp>
         <p:nvSpPr>
-          <p:cNvPr id="2" name="Title 1">
+          <p:cNvPr id="2" name="Subtitle 1">
             <a:extLst>
               <a:ext uri="{FF2B5EF4-FFF2-40B4-BE49-F238E27FC236}">
-                <a16:creationId xmlns:a16="http://schemas.microsoft.com/office/drawing/2014/main" id="{BD3CC3C1-820E-1F4C-9494-4CA16BC01F49}"/>
+                <a16:creationId xmlns:a16="http://schemas.microsoft.com/office/drawing/2014/main" id="{B154D3BA-1574-4D7F-89E8-EA93F4E34E16}"/>
               </a:ext>
             </a:extLst>
           </p:cNvPr>
@@ -36371,7 +37208,7 @@
             <a:spLocks noGrp="1"/>
           </p:cNvSpPr>
           <p:nvPr>
-            <p:ph type="title"/>
+            <p:ph type="subTitle" idx="1"/>
           </p:nvPr>
         </p:nvSpPr>
         <p:spPr/>
@@ -36380,8 +37217,115 @@
           <a:lstStyle/>
           <a:p>
             <a:r>
+              <a:rPr lang="en-US" i="1" dirty="0"/>
+              <a:t>Note: The “texas.csv” file used in this lab is located at </a:t>
+            </a:r>
+            <a:r>
+              <a:rPr lang="fr-FR" i="1" dirty="0"/>
+              <a:t>C:\XTBP10ClassFiles\Labfiles\Chapter 9, and the </a:t>
+            </a:r>
+            <a:r>
+              <a:rPr lang="fr-FR" i="1" dirty="0" err="1"/>
+              <a:t>fbi</a:t>
+            </a:r>
+            <a:r>
+              <a:rPr lang="fr-FR" i="1" dirty="0"/>
+              <a:t> crime rates file </a:t>
+            </a:r>
+            <a:r>
+              <a:rPr lang="fr-FR" i="1" dirty="0" err="1"/>
+              <a:t>is</a:t>
+            </a:r>
+            <a:r>
+              <a:rPr lang="fr-FR" i="1" dirty="0"/>
+              <a:t> at C:\XTBP10ClassFiles\Labfiles\Chapter 10</a:t>
+            </a:r>
+            <a:endParaRPr lang="fr-FR" dirty="0"/>
+          </a:p>
+          <a:p>
+            <a:pPr marL="342900" indent="-342900">
+              <a:buFont typeface="Arial" panose="020B0604020202020204" pitchFamily="34" charset="0"/>
+              <a:buChar char="•"/>
+            </a:pPr>
+            <a:r>
+              <a:rPr lang="en-US" i="1" dirty="0"/>
+              <a:t> “Aggregating Data”, pp. 132-134</a:t>
+            </a:r>
+          </a:p>
+          <a:p>
+            <a:pPr marL="342900" indent="-342900">
+              <a:buFont typeface="Arial" panose="020B0604020202020204" pitchFamily="34" charset="0"/>
+              <a:buChar char="•"/>
+            </a:pPr>
+            <a:r>
+              <a:rPr lang="en-US" i="1" dirty="0"/>
+              <a:t>“Pivot”, pp. 138-145</a:t>
+            </a:r>
+          </a:p>
+          <a:p>
+            <a:pPr marL="342900" indent="-342900">
+              <a:buFont typeface="Arial" panose="020B0604020202020204" pitchFamily="34" charset="0"/>
+              <a:buChar char="•"/>
+            </a:pPr>
+            <a:r>
+              <a:rPr lang="en-US" i="1" dirty="0"/>
+              <a:t>“Unpivot”, pp. 146-148</a:t>
+            </a:r>
+          </a:p>
+        </p:txBody>
+      </p:sp>
+      <p:sp>
+        <p:nvSpPr>
+          <p:cNvPr id="3" name="Text Placeholder 2">
+            <a:extLst>
+              <a:ext uri="{FF2B5EF4-FFF2-40B4-BE49-F238E27FC236}">
+                <a16:creationId xmlns:a16="http://schemas.microsoft.com/office/drawing/2014/main" id="{A0A4A69E-6174-4CBE-B91B-353370A7EF8A}"/>
+              </a:ext>
+            </a:extLst>
+          </p:cNvPr>
+          <p:cNvSpPr>
+            <a:spLocks noGrp="1"/>
+          </p:cNvSpPr>
+          <p:nvPr>
+            <p:ph type="body" sz="quarter" idx="11"/>
+          </p:nvPr>
+        </p:nvSpPr>
+        <p:spPr/>
+        <p:txBody>
+          <a:bodyPr/>
+          <a:lstStyle/>
+          <a:p>
+            <a:r>
               <a:rPr lang="en-US" dirty="0"/>
-              <a:t>Part III: Load</a:t>
+              <a:t>30 Minutes</a:t>
+            </a:r>
+          </a:p>
+        </p:txBody>
+      </p:sp>
+      <p:sp>
+        <p:nvSpPr>
+          <p:cNvPr id="4" name="Title 3">
+            <a:extLst>
+              <a:ext uri="{FF2B5EF4-FFF2-40B4-BE49-F238E27FC236}">
+                <a16:creationId xmlns:a16="http://schemas.microsoft.com/office/drawing/2014/main" id="{C3F75FA3-87D5-4D28-AA04-0E1006D44634}"/>
+              </a:ext>
+            </a:extLst>
+          </p:cNvPr>
+          <p:cNvSpPr>
+            <a:spLocks noGrp="1"/>
+          </p:cNvSpPr>
+          <p:nvPr>
+            <p:ph type="title"/>
+          </p:nvPr>
+        </p:nvSpPr>
+        <p:spPr/>
+        <p:txBody>
+          <a:bodyPr/>
+          <a:lstStyle/>
+          <a:p>
+            <a:r>
+              <a:rPr lang="en-US" dirty="0"/>
+              <a:t>Lab 7: Aggregating &amp; Pivoting</a:t>
             </a:r>
           </a:p>
         </p:txBody>
@@ -36389,7 +37333,7 @@
     </p:spTree>
     <p:extLst>
       <p:ext uri="{BB962C8B-B14F-4D97-AF65-F5344CB8AC3E}">
-        <p14:creationId xmlns:p14="http://schemas.microsoft.com/office/powerpoint/2010/main" val="2503839061"/>
+        <p14:creationId xmlns:p14="http://schemas.microsoft.com/office/powerpoint/2010/main" val="2589665393"/>
       </p:ext>
     </p:extLst>
   </p:cSld>
@@ -36421,6 +37365,64 @@
           <p:cNvPr id="2" name="Title 1">
             <a:extLst>
               <a:ext uri="{FF2B5EF4-FFF2-40B4-BE49-F238E27FC236}">
+                <a16:creationId xmlns:a16="http://schemas.microsoft.com/office/drawing/2014/main" id="{BD3CC3C1-820E-1F4C-9494-4CA16BC01F49}"/>
+              </a:ext>
+            </a:extLst>
+          </p:cNvPr>
+          <p:cNvSpPr>
+            <a:spLocks noGrp="1"/>
+          </p:cNvSpPr>
+          <p:nvPr>
+            <p:ph type="title"/>
+          </p:nvPr>
+        </p:nvSpPr>
+        <p:spPr/>
+        <p:txBody>
+          <a:bodyPr/>
+          <a:lstStyle/>
+          <a:p>
+            <a:r>
+              <a:rPr lang="en-US" dirty="0"/>
+              <a:t>Part III: Load</a:t>
+            </a:r>
+          </a:p>
+        </p:txBody>
+      </p:sp>
+    </p:spTree>
+    <p:extLst>
+      <p:ext uri="{BB962C8B-B14F-4D97-AF65-F5344CB8AC3E}">
+        <p14:creationId xmlns:p14="http://schemas.microsoft.com/office/powerpoint/2010/main" val="2503839061"/>
+      </p:ext>
+    </p:extLst>
+  </p:cSld>
+  <p:clrMapOvr>
+    <a:masterClrMapping/>
+  </p:clrMapOvr>
+</p:sld>
+</file>
+
+<file path=ppt/slides/slide95.xml><?xml version="1.0" encoding="utf-8"?>
+<p:sld xmlns:a="http://schemas.openxmlformats.org/drawingml/2006/main" xmlns:r="http://schemas.openxmlformats.org/officeDocument/2006/relationships" xmlns:p="http://schemas.openxmlformats.org/presentationml/2006/main">
+  <p:cSld>
+    <p:spTree>
+      <p:nvGrpSpPr>
+        <p:cNvPr id="1" name=""/>
+        <p:cNvGrpSpPr/>
+        <p:nvPr/>
+      </p:nvGrpSpPr>
+      <p:grpSpPr>
+        <a:xfrm>
+          <a:off x="0" y="0"/>
+          <a:ext cx="0" cy="0"/>
+          <a:chOff x="0" y="0"/>
+          <a:chExt cx="0" cy="0"/>
+        </a:xfrm>
+      </p:grpSpPr>
+      <p:sp>
+        <p:nvSpPr>
+          <p:cNvPr id="2" name="Title 1">
+            <a:extLst>
+              <a:ext uri="{FF2B5EF4-FFF2-40B4-BE49-F238E27FC236}">
                 <a16:creationId xmlns:a16="http://schemas.microsoft.com/office/drawing/2014/main" id="{C7183894-EC31-F440-9353-89759F05B3EB}"/>
               </a:ext>
             </a:extLst>
@@ -36457,7 +37459,7 @@
 </p:sld>
 </file>
 
-<file path=ppt/slides/slide95.xml><?xml version="1.0" encoding="utf-8"?>
+<file path=ppt/slides/slide96.xml><?xml version="1.0" encoding="utf-8"?>
 <p:sld xmlns:a="http://schemas.openxmlformats.org/drawingml/2006/main" xmlns:r="http://schemas.openxmlformats.org/officeDocument/2006/relationships" xmlns:p="http://schemas.openxmlformats.org/presentationml/2006/main">
   <p:cSld>
     <p:spTree>
@@ -36611,7 +37613,7 @@
 </p:sld>
 </file>
 
-<file path=ppt/slides/slide96.xml><?xml version="1.0" encoding="utf-8"?>
+<file path=ppt/slides/slide97.xml><?xml version="1.0" encoding="utf-8"?>
 <p:sld xmlns:a="http://schemas.openxmlformats.org/drawingml/2006/main" xmlns:r="http://schemas.openxmlformats.org/officeDocument/2006/relationships" xmlns:p="http://schemas.openxmlformats.org/presentationml/2006/main">
   <p:cSld>
     <p:spTree>
@@ -36732,124 +37734,6 @@
 </p:sld>
 </file>
 
-<file path=ppt/slides/slide97.xml><?xml version="1.0" encoding="utf-8"?>
-<p:sld xmlns:a="http://schemas.openxmlformats.org/drawingml/2006/main" xmlns:r="http://schemas.openxmlformats.org/officeDocument/2006/relationships" xmlns:p="http://schemas.openxmlformats.org/presentationml/2006/main">
-  <p:cSld>
-    <p:spTree>
-      <p:nvGrpSpPr>
-        <p:cNvPr id="1" name=""/>
-        <p:cNvGrpSpPr/>
-        <p:nvPr/>
-      </p:nvGrpSpPr>
-      <p:grpSpPr>
-        <a:xfrm>
-          <a:off x="0" y="0"/>
-          <a:ext cx="0" cy="0"/>
-          <a:chOff x="0" y="0"/>
-          <a:chExt cx="0" cy="0"/>
-        </a:xfrm>
-      </p:grpSpPr>
-      <p:sp>
-        <p:nvSpPr>
-          <p:cNvPr id="2" name="Subtitle 1">
-            <a:extLst>
-              <a:ext uri="{FF2B5EF4-FFF2-40B4-BE49-F238E27FC236}">
-                <a16:creationId xmlns:a16="http://schemas.microsoft.com/office/drawing/2014/main" id="{754018C2-5B5D-4B02-B84F-65ECE4C3752D}"/>
-              </a:ext>
-            </a:extLst>
-          </p:cNvPr>
-          <p:cNvSpPr>
-            <a:spLocks noGrp="1"/>
-          </p:cNvSpPr>
-          <p:nvPr>
-            <p:ph type="subTitle" idx="1"/>
-          </p:nvPr>
-        </p:nvSpPr>
-        <p:spPr/>
-        <p:txBody>
-          <a:bodyPr/>
-          <a:lstStyle/>
-          <a:p>
-            <a:pPr marL="342900" indent="-342900">
-              <a:buFont typeface="Arial" panose="020B0604020202020204" pitchFamily="34" charset="0"/>
-              <a:buChar char="•"/>
-            </a:pPr>
-            <a:r>
-              <a:rPr lang="en-US" dirty="0"/>
-              <a:t>Exercise 11.1, pp. 151-155</a:t>
-            </a:r>
-          </a:p>
-        </p:txBody>
-      </p:sp>
-      <p:sp>
-        <p:nvSpPr>
-          <p:cNvPr id="3" name="Text Placeholder 2">
-            <a:extLst>
-              <a:ext uri="{FF2B5EF4-FFF2-40B4-BE49-F238E27FC236}">
-                <a16:creationId xmlns:a16="http://schemas.microsoft.com/office/drawing/2014/main" id="{6A0AC584-05CF-440B-9623-884DC38DD2CC}"/>
-              </a:ext>
-            </a:extLst>
-          </p:cNvPr>
-          <p:cNvSpPr>
-            <a:spLocks noGrp="1"/>
-          </p:cNvSpPr>
-          <p:nvPr>
-            <p:ph type="body" sz="quarter" idx="11"/>
-          </p:nvPr>
-        </p:nvSpPr>
-        <p:spPr/>
-        <p:txBody>
-          <a:bodyPr/>
-          <a:lstStyle/>
-          <a:p>
-            <a:r>
-              <a:rPr lang="en-US" dirty="0"/>
-              <a:t>15 Minutes</a:t>
-            </a:r>
-          </a:p>
-        </p:txBody>
-      </p:sp>
-      <p:sp>
-        <p:nvSpPr>
-          <p:cNvPr id="4" name="Title 3">
-            <a:extLst>
-              <a:ext uri="{FF2B5EF4-FFF2-40B4-BE49-F238E27FC236}">
-                <a16:creationId xmlns:a16="http://schemas.microsoft.com/office/drawing/2014/main" id="{76D3235D-8164-477B-9C25-3BFCBDBA4892}"/>
-              </a:ext>
-            </a:extLst>
-          </p:cNvPr>
-          <p:cNvSpPr>
-            <a:spLocks noGrp="1"/>
-          </p:cNvSpPr>
-          <p:nvPr>
-            <p:ph type="title"/>
-          </p:nvPr>
-        </p:nvSpPr>
-        <p:spPr/>
-        <p:txBody>
-          <a:bodyPr/>
-          <a:lstStyle/>
-          <a:p>
-            <a:r>
-              <a:rPr lang="en-US" dirty="0"/>
-              <a:t>Lab 8: Output</a:t>
-            </a:r>
-          </a:p>
-        </p:txBody>
-      </p:sp>
-    </p:spTree>
-    <p:extLst>
-      <p:ext uri="{BB962C8B-B14F-4D97-AF65-F5344CB8AC3E}">
-        <p14:creationId xmlns:p14="http://schemas.microsoft.com/office/powerpoint/2010/main" val="1972065437"/>
-      </p:ext>
-    </p:extLst>
-  </p:cSld>
-  <p:clrMapOvr>
-    <a:masterClrMapping/>
-  </p:clrMapOvr>
-</p:sld>
-</file>
-
 <file path=ppt/slides/slide98.xml><?xml version="1.0" encoding="utf-8"?>
 <p:sld xmlns:a="http://schemas.openxmlformats.org/drawingml/2006/main" xmlns:r="http://schemas.openxmlformats.org/officeDocument/2006/relationships" xmlns:p="http://schemas.openxmlformats.org/presentationml/2006/main">
   <p:cSld>
@@ -36869,10 +37753,10 @@
       </p:grpSpPr>
       <p:sp>
         <p:nvSpPr>
-          <p:cNvPr id="2" name="Title 1">
+          <p:cNvPr id="2" name="Subtitle 1">
             <a:extLst>
               <a:ext uri="{FF2B5EF4-FFF2-40B4-BE49-F238E27FC236}">
-                <a16:creationId xmlns:a16="http://schemas.microsoft.com/office/drawing/2014/main" id="{BC13A45F-B701-6042-A1FC-E51DBE17F7A5}"/>
+                <a16:creationId xmlns:a16="http://schemas.microsoft.com/office/drawing/2014/main" id="{754018C2-5B5D-4B02-B84F-65ECE4C3752D}"/>
               </a:ext>
             </a:extLst>
           </p:cNvPr>
@@ -36880,7 +37764,7 @@
             <a:spLocks noGrp="1"/>
           </p:cNvSpPr>
           <p:nvPr>
-            <p:ph type="title"/>
+            <p:ph type="subTitle" idx="1"/>
           </p:nvPr>
         </p:nvSpPr>
         <p:spPr/>
@@ -36888,22 +37772,77 @@
           <a:bodyPr/>
           <a:lstStyle/>
           <a:p>
+            <a:pPr marL="342900" indent="-342900">
+              <a:buFont typeface="Arial" panose="020B0604020202020204" pitchFamily="34" charset="0"/>
+              <a:buChar char="•"/>
+            </a:pPr>
             <a:r>
               <a:rPr lang="en-US" dirty="0"/>
-              <a:t>Module 9: Prep Builder Conductor and Publishing Workflows</a:t>
-            </a:r>
-            <a:r>
-              <a:rPr lang="en-US" baseline="0" dirty="0"/>
-              <a:t> to Tableau Server</a:t>
-            </a:r>
-            <a:endParaRPr lang="en-US" dirty="0"/>
+              <a:t>Exercise 11.1, pp. 151-155</a:t>
+            </a:r>
+          </a:p>
+        </p:txBody>
+      </p:sp>
+      <p:sp>
+        <p:nvSpPr>
+          <p:cNvPr id="3" name="Text Placeholder 2">
+            <a:extLst>
+              <a:ext uri="{FF2B5EF4-FFF2-40B4-BE49-F238E27FC236}">
+                <a16:creationId xmlns:a16="http://schemas.microsoft.com/office/drawing/2014/main" id="{6A0AC584-05CF-440B-9623-884DC38DD2CC}"/>
+              </a:ext>
+            </a:extLst>
+          </p:cNvPr>
+          <p:cNvSpPr>
+            <a:spLocks noGrp="1"/>
+          </p:cNvSpPr>
+          <p:nvPr>
+            <p:ph type="body" sz="quarter" idx="11"/>
+          </p:nvPr>
+        </p:nvSpPr>
+        <p:spPr/>
+        <p:txBody>
+          <a:bodyPr/>
+          <a:lstStyle/>
+          <a:p>
+            <a:r>
+              <a:rPr lang="en-US" dirty="0"/>
+              <a:t>15 Minutes</a:t>
+            </a:r>
+          </a:p>
+        </p:txBody>
+      </p:sp>
+      <p:sp>
+        <p:nvSpPr>
+          <p:cNvPr id="4" name="Title 3">
+            <a:extLst>
+              <a:ext uri="{FF2B5EF4-FFF2-40B4-BE49-F238E27FC236}">
+                <a16:creationId xmlns:a16="http://schemas.microsoft.com/office/drawing/2014/main" id="{76D3235D-8164-477B-9C25-3BFCBDBA4892}"/>
+              </a:ext>
+            </a:extLst>
+          </p:cNvPr>
+          <p:cNvSpPr>
+            <a:spLocks noGrp="1"/>
+          </p:cNvSpPr>
+          <p:nvPr>
+            <p:ph type="title"/>
+          </p:nvPr>
+        </p:nvSpPr>
+        <p:spPr/>
+        <p:txBody>
+          <a:bodyPr/>
+          <a:lstStyle/>
+          <a:p>
+            <a:r>
+              <a:rPr lang="en-US" dirty="0"/>
+              <a:t>Lab 8: Output</a:t>
+            </a:r>
           </a:p>
         </p:txBody>
       </p:sp>
     </p:spTree>
     <p:extLst>
       <p:ext uri="{BB962C8B-B14F-4D97-AF65-F5344CB8AC3E}">
-        <p14:creationId xmlns:p14="http://schemas.microsoft.com/office/powerpoint/2010/main" val="4173510137"/>
+        <p14:creationId xmlns:p14="http://schemas.microsoft.com/office/powerpoint/2010/main" val="1972065437"/>
       </p:ext>
     </p:extLst>
   </p:cSld>
@@ -36932,72 +37871,18 @@
       </p:grpSpPr>
       <p:sp>
         <p:nvSpPr>
-          <p:cNvPr id="2" name="Title 1"/>
+          <p:cNvPr id="2" name="Title 1">
+            <a:extLst>
+              <a:ext uri="{FF2B5EF4-FFF2-40B4-BE49-F238E27FC236}">
+                <a16:creationId xmlns:a16="http://schemas.microsoft.com/office/drawing/2014/main" id="{BC13A45F-B701-6042-A1FC-E51DBE17F7A5}"/>
+              </a:ext>
+            </a:extLst>
+          </p:cNvPr>
           <p:cNvSpPr>
             <a:spLocks noGrp="1"/>
           </p:cNvSpPr>
           <p:nvPr>
             <p:ph type="title"/>
-          </p:nvPr>
-        </p:nvSpPr>
-        <p:spPr/>
-        <p:txBody>
-          <a:bodyPr>
-            <a:normAutofit/>
-          </a:bodyPr>
-          <a:lstStyle/>
-          <a:p>
-            <a:r>
-              <a:rPr lang="en-US" dirty="0"/>
-              <a:t>Tableau Prep Conductor</a:t>
-            </a:r>
-          </a:p>
-          <a:p>
-            <a:endParaRPr lang="en-US" dirty="0"/>
-          </a:p>
-        </p:txBody>
-      </p:sp>
-      <p:sp>
-        <p:nvSpPr>
-          <p:cNvPr id="5" name="Text Placeholder 4"/>
-          <p:cNvSpPr>
-            <a:spLocks noGrp="1"/>
-          </p:cNvSpPr>
-          <p:nvPr>
-            <p:ph type="body" sz="quarter" idx="10"/>
-          </p:nvPr>
-        </p:nvSpPr>
-        <p:spPr>
-          <a:xfrm>
-            <a:off x="762000" y="1752600"/>
-            <a:ext cx="4343400" cy="3733800"/>
-          </a:xfrm>
-        </p:spPr>
-        <p:txBody>
-          <a:bodyPr/>
-          <a:lstStyle/>
-          <a:p>
-            <a:r>
-              <a:rPr lang="en-US" dirty="0"/>
-              <a:t>Part of the Data Management Add-on</a:t>
-            </a:r>
-          </a:p>
-          <a:p>
-            <a:r>
-              <a:rPr lang="en-US" dirty="0"/>
-              <a:t>Schedule &amp; Monitor Flows on the server</a:t>
-            </a:r>
-          </a:p>
-        </p:txBody>
-      </p:sp>
-      <p:sp>
-        <p:nvSpPr>
-          <p:cNvPr id="4" name="Slide Number Placeholder 3"/>
-          <p:cNvSpPr>
-            <a:spLocks noGrp="1"/>
-          </p:cNvSpPr>
-          <p:nvPr>
-            <p:ph type="sldNum" sz="quarter" idx="4294967295"/>
           </p:nvPr>
         </p:nvSpPr>
         <p:spPr/>
@@ -37005,48 +37890,22 @@
           <a:bodyPr/>
           <a:lstStyle/>
           <a:p>
-            <a:fld id="{4FAB73BC-B049-4115-A692-8D63A059BFB8}" type="slidenum">
-              <a:rPr lang="en-US" smtClean="0"/>
-              <a:t>99</a:t>
-            </a:fld>
+            <a:r>
+              <a:rPr lang="en-US" dirty="0"/>
+              <a:t>Module 9: Prep Builder Conductor and Publishing Workflows</a:t>
+            </a:r>
+            <a:r>
+              <a:rPr lang="en-US" baseline="0" dirty="0"/>
+              <a:t> to Tableau Server</a:t>
+            </a:r>
             <a:endParaRPr lang="en-US" dirty="0"/>
           </a:p>
         </p:txBody>
       </p:sp>
-      <p:pic>
-        <p:nvPicPr>
-          <p:cNvPr id="3" name="Picture 2">
-            <a:extLst>
-              <a:ext uri="{FF2B5EF4-FFF2-40B4-BE49-F238E27FC236}">
-                <a16:creationId xmlns:a16="http://schemas.microsoft.com/office/drawing/2014/main" id="{F3A79E44-1126-4484-88CD-9CB3EE29ECE5}"/>
-              </a:ext>
-            </a:extLst>
-          </p:cNvPr>
-          <p:cNvPicPr>
-            <a:picLocks noChangeAspect="1"/>
-          </p:cNvPicPr>
-          <p:nvPr/>
-        </p:nvPicPr>
-        <p:blipFill>
-          <a:blip r:embed="rId3"/>
-          <a:stretch>
-            <a:fillRect/>
-          </a:stretch>
-        </p:blipFill>
-        <p:spPr>
-          <a:xfrm>
-            <a:off x="5352404" y="1371600"/>
-            <a:ext cx="6077596" cy="3789119"/>
-          </a:xfrm>
-          <a:prstGeom prst="rect">
-            <a:avLst/>
-          </a:prstGeom>
-        </p:spPr>
-      </p:pic>
     </p:spTree>
     <p:extLst>
       <p:ext uri="{BB962C8B-B14F-4D97-AF65-F5344CB8AC3E}">
-        <p14:creationId xmlns:p14="http://schemas.microsoft.com/office/powerpoint/2010/main" val="3097242473"/>
+        <p14:creationId xmlns:p14="http://schemas.microsoft.com/office/powerpoint/2010/main" val="4173510137"/>
       </p:ext>
     </p:extLst>
   </p:cSld>

--- a/ppt/TableauPrepBuilderIntroV1_2.pptx
+++ b/ppt/TableauPrepBuilderIntroV1_2.pptx
@@ -5,10 +5,10 @@
     <p:sldMasterId id="2147483660" r:id="rId4"/>
   </p:sldMasterIdLst>
   <p:notesMasterIdLst>
-    <p:notesMasterId r:id="rId108"/>
+    <p:notesMasterId r:id="rId109"/>
   </p:notesMasterIdLst>
   <p:handoutMasterIdLst>
-    <p:handoutMasterId r:id="rId109"/>
+    <p:handoutMasterId r:id="rId110"/>
   </p:handoutMasterIdLst>
   <p:sldIdLst>
     <p:sldId id="323" r:id="rId5"/>
@@ -40,80 +40,81 @@
     <p:sldId id="505" r:id="rId31"/>
     <p:sldId id="506" r:id="rId32"/>
     <p:sldId id="507" r:id="rId33"/>
-    <p:sldId id="447" r:id="rId34"/>
-    <p:sldId id="492" r:id="rId35"/>
-    <p:sldId id="422" r:id="rId36"/>
-    <p:sldId id="426" r:id="rId37"/>
-    <p:sldId id="423" r:id="rId38"/>
-    <p:sldId id="424" r:id="rId39"/>
-    <p:sldId id="425" r:id="rId40"/>
-    <p:sldId id="427" r:id="rId41"/>
-    <p:sldId id="428" r:id="rId42"/>
-    <p:sldId id="429" r:id="rId43"/>
-    <p:sldId id="430" r:id="rId44"/>
-    <p:sldId id="431" r:id="rId45"/>
-    <p:sldId id="493" r:id="rId46"/>
-    <p:sldId id="432" r:id="rId47"/>
-    <p:sldId id="452" r:id="rId48"/>
-    <p:sldId id="433" r:id="rId49"/>
-    <p:sldId id="446" r:id="rId50"/>
-    <p:sldId id="448" r:id="rId51"/>
-    <p:sldId id="449" r:id="rId52"/>
-    <p:sldId id="496" r:id="rId53"/>
-    <p:sldId id="450" r:id="rId54"/>
-    <p:sldId id="451" r:id="rId55"/>
-    <p:sldId id="494" r:id="rId56"/>
-    <p:sldId id="453" r:id="rId57"/>
-    <p:sldId id="454" r:id="rId58"/>
-    <p:sldId id="508" r:id="rId59"/>
-    <p:sldId id="455" r:id="rId60"/>
-    <p:sldId id="456" r:id="rId61"/>
-    <p:sldId id="457" r:id="rId62"/>
-    <p:sldId id="458" r:id="rId63"/>
-    <p:sldId id="459" r:id="rId64"/>
-    <p:sldId id="460" r:id="rId65"/>
-    <p:sldId id="461" r:id="rId66"/>
-    <p:sldId id="462" r:id="rId67"/>
-    <p:sldId id="509" r:id="rId68"/>
-    <p:sldId id="463" r:id="rId69"/>
-    <p:sldId id="464" r:id="rId70"/>
-    <p:sldId id="465" r:id="rId71"/>
-    <p:sldId id="510" r:id="rId72"/>
-    <p:sldId id="466" r:id="rId73"/>
-    <p:sldId id="467" r:id="rId74"/>
-    <p:sldId id="468" r:id="rId75"/>
-    <p:sldId id="513" r:id="rId76"/>
-    <p:sldId id="511" r:id="rId77"/>
-    <p:sldId id="469" r:id="rId78"/>
-    <p:sldId id="514" r:id="rId79"/>
-    <p:sldId id="470" r:id="rId80"/>
-    <p:sldId id="515" r:id="rId81"/>
-    <p:sldId id="472" r:id="rId82"/>
-    <p:sldId id="473" r:id="rId83"/>
-    <p:sldId id="474" r:id="rId84"/>
-    <p:sldId id="475" r:id="rId85"/>
-    <p:sldId id="516" r:id="rId86"/>
-    <p:sldId id="476" r:id="rId87"/>
-    <p:sldId id="477" r:id="rId88"/>
-    <p:sldId id="478" r:id="rId89"/>
-    <p:sldId id="479" r:id="rId90"/>
-    <p:sldId id="480" r:id="rId91"/>
-    <p:sldId id="481" r:id="rId92"/>
-    <p:sldId id="517" r:id="rId93"/>
-    <p:sldId id="482" r:id="rId94"/>
-    <p:sldId id="483" r:id="rId95"/>
-    <p:sldId id="484" r:id="rId96"/>
-    <p:sldId id="518" r:id="rId97"/>
-    <p:sldId id="486" r:id="rId98"/>
-    <p:sldId id="487" r:id="rId99"/>
-    <p:sldId id="488" r:id="rId100"/>
-    <p:sldId id="489" r:id="rId101"/>
-    <p:sldId id="519" r:id="rId102"/>
-    <p:sldId id="490" r:id="rId103"/>
-    <p:sldId id="382" r:id="rId104"/>
-    <p:sldId id="384" r:id="rId105"/>
-    <p:sldId id="385" r:id="rId106"/>
-    <p:sldId id="340" r:id="rId107"/>
+    <p:sldId id="521" r:id="rId34"/>
+    <p:sldId id="447" r:id="rId35"/>
+    <p:sldId id="492" r:id="rId36"/>
+    <p:sldId id="422" r:id="rId37"/>
+    <p:sldId id="426" r:id="rId38"/>
+    <p:sldId id="423" r:id="rId39"/>
+    <p:sldId id="424" r:id="rId40"/>
+    <p:sldId id="425" r:id="rId41"/>
+    <p:sldId id="427" r:id="rId42"/>
+    <p:sldId id="428" r:id="rId43"/>
+    <p:sldId id="429" r:id="rId44"/>
+    <p:sldId id="430" r:id="rId45"/>
+    <p:sldId id="431" r:id="rId46"/>
+    <p:sldId id="493" r:id="rId47"/>
+    <p:sldId id="432" r:id="rId48"/>
+    <p:sldId id="452" r:id="rId49"/>
+    <p:sldId id="433" r:id="rId50"/>
+    <p:sldId id="446" r:id="rId51"/>
+    <p:sldId id="448" r:id="rId52"/>
+    <p:sldId id="449" r:id="rId53"/>
+    <p:sldId id="496" r:id="rId54"/>
+    <p:sldId id="450" r:id="rId55"/>
+    <p:sldId id="451" r:id="rId56"/>
+    <p:sldId id="494" r:id="rId57"/>
+    <p:sldId id="453" r:id="rId58"/>
+    <p:sldId id="454" r:id="rId59"/>
+    <p:sldId id="508" r:id="rId60"/>
+    <p:sldId id="455" r:id="rId61"/>
+    <p:sldId id="456" r:id="rId62"/>
+    <p:sldId id="457" r:id="rId63"/>
+    <p:sldId id="458" r:id="rId64"/>
+    <p:sldId id="459" r:id="rId65"/>
+    <p:sldId id="460" r:id="rId66"/>
+    <p:sldId id="461" r:id="rId67"/>
+    <p:sldId id="462" r:id="rId68"/>
+    <p:sldId id="509" r:id="rId69"/>
+    <p:sldId id="463" r:id="rId70"/>
+    <p:sldId id="464" r:id="rId71"/>
+    <p:sldId id="465" r:id="rId72"/>
+    <p:sldId id="510" r:id="rId73"/>
+    <p:sldId id="466" r:id="rId74"/>
+    <p:sldId id="467" r:id="rId75"/>
+    <p:sldId id="468" r:id="rId76"/>
+    <p:sldId id="513" r:id="rId77"/>
+    <p:sldId id="511" r:id="rId78"/>
+    <p:sldId id="469" r:id="rId79"/>
+    <p:sldId id="514" r:id="rId80"/>
+    <p:sldId id="470" r:id="rId81"/>
+    <p:sldId id="515" r:id="rId82"/>
+    <p:sldId id="472" r:id="rId83"/>
+    <p:sldId id="473" r:id="rId84"/>
+    <p:sldId id="474" r:id="rId85"/>
+    <p:sldId id="475" r:id="rId86"/>
+    <p:sldId id="516" r:id="rId87"/>
+    <p:sldId id="476" r:id="rId88"/>
+    <p:sldId id="477" r:id="rId89"/>
+    <p:sldId id="478" r:id="rId90"/>
+    <p:sldId id="479" r:id="rId91"/>
+    <p:sldId id="480" r:id="rId92"/>
+    <p:sldId id="481" r:id="rId93"/>
+    <p:sldId id="517" r:id="rId94"/>
+    <p:sldId id="482" r:id="rId95"/>
+    <p:sldId id="483" r:id="rId96"/>
+    <p:sldId id="484" r:id="rId97"/>
+    <p:sldId id="518" r:id="rId98"/>
+    <p:sldId id="486" r:id="rId99"/>
+    <p:sldId id="487" r:id="rId100"/>
+    <p:sldId id="488" r:id="rId101"/>
+    <p:sldId id="489" r:id="rId102"/>
+    <p:sldId id="519" r:id="rId103"/>
+    <p:sldId id="490" r:id="rId104"/>
+    <p:sldId id="382" r:id="rId105"/>
+    <p:sldId id="384" r:id="rId106"/>
+    <p:sldId id="385" r:id="rId107"/>
+    <p:sldId id="340" r:id="rId108"/>
   </p:sldIdLst>
   <p:sldSz cx="12192000" cy="6858000"/>
   <p:notesSz cx="9309100" cy="7053263"/>
@@ -284,6 +285,7 @@
         </p14:section>
         <p14:section name="Module 2: Connecting to Data" id="{19225261-5257-6949-A057-E085F2EAB919}">
           <p14:sldIdLst>
+            <p14:sldId id="521"/>
             <p14:sldId id="447"/>
             <p14:sldId id="492"/>
             <p14:sldId id="422"/>
@@ -1266,7 +1268,7 @@
     </p:spTree>
     <p:extLst>
       <p:ext uri="{BB962C8B-B14F-4D97-AF65-F5344CB8AC3E}">
-        <p14:creationId xmlns:p14="http://schemas.microsoft.com/office/powerpoint/2010/main" val="2846299693"/>
+        <p14:creationId xmlns:p14="http://schemas.microsoft.com/office/powerpoint/2010/main" val="1957465470"/>
       </p:ext>
     </p:extLst>
   </p:cSld>
@@ -1356,7 +1358,7 @@
     </p:spTree>
     <p:extLst>
       <p:ext uri="{BB962C8B-B14F-4D97-AF65-F5344CB8AC3E}">
-        <p14:creationId xmlns:p14="http://schemas.microsoft.com/office/powerpoint/2010/main" val="1698028341"/>
+        <p14:creationId xmlns:p14="http://schemas.microsoft.com/office/powerpoint/2010/main" val="2846299693"/>
       </p:ext>
     </p:extLst>
   </p:cSld>
@@ -1446,7 +1448,7 @@
     </p:spTree>
     <p:extLst>
       <p:ext uri="{BB962C8B-B14F-4D97-AF65-F5344CB8AC3E}">
-        <p14:creationId xmlns:p14="http://schemas.microsoft.com/office/powerpoint/2010/main" val="726943513"/>
+        <p14:creationId xmlns:p14="http://schemas.microsoft.com/office/powerpoint/2010/main" val="1698028341"/>
       </p:ext>
     </p:extLst>
   </p:cSld>
@@ -1536,7 +1538,7 @@
     </p:spTree>
     <p:extLst>
       <p:ext uri="{BB962C8B-B14F-4D97-AF65-F5344CB8AC3E}">
-        <p14:creationId xmlns:p14="http://schemas.microsoft.com/office/powerpoint/2010/main" val="2362789083"/>
+        <p14:creationId xmlns:p14="http://schemas.microsoft.com/office/powerpoint/2010/main" val="726943513"/>
       </p:ext>
     </p:extLst>
   </p:cSld>
@@ -1626,7 +1628,7 @@
     </p:spTree>
     <p:extLst>
       <p:ext uri="{BB962C8B-B14F-4D97-AF65-F5344CB8AC3E}">
-        <p14:creationId xmlns:p14="http://schemas.microsoft.com/office/powerpoint/2010/main" val="874778443"/>
+        <p14:creationId xmlns:p14="http://schemas.microsoft.com/office/powerpoint/2010/main" val="2362789083"/>
       </p:ext>
     </p:extLst>
   </p:cSld>
@@ -1707,7 +1709,7 @@
               <a:pPr>
                 <a:defRPr/>
               </a:pPr>
-              <a:t>50</a:t>
+              <a:t>49</a:t>
             </a:fld>
             <a:endParaRPr lang="en-US"/>
           </a:p>
@@ -1716,7 +1718,7 @@
     </p:spTree>
     <p:extLst>
       <p:ext uri="{BB962C8B-B14F-4D97-AF65-F5344CB8AC3E}">
-        <p14:creationId xmlns:p14="http://schemas.microsoft.com/office/powerpoint/2010/main" val="2891959380"/>
+        <p14:creationId xmlns:p14="http://schemas.microsoft.com/office/powerpoint/2010/main" val="874778443"/>
       </p:ext>
     </p:extLst>
   </p:cSld>
@@ -1806,7 +1808,7 @@
     </p:spTree>
     <p:extLst>
       <p:ext uri="{BB962C8B-B14F-4D97-AF65-F5344CB8AC3E}">
-        <p14:creationId xmlns:p14="http://schemas.microsoft.com/office/powerpoint/2010/main" val="3998191242"/>
+        <p14:creationId xmlns:p14="http://schemas.microsoft.com/office/powerpoint/2010/main" val="2891959380"/>
       </p:ext>
     </p:extLst>
   </p:cSld>
@@ -1887,7 +1889,7 @@
               <a:pPr>
                 <a:defRPr/>
               </a:pPr>
-              <a:t>53</a:t>
+              <a:t>52</a:t>
             </a:fld>
             <a:endParaRPr lang="en-US"/>
           </a:p>
@@ -1896,7 +1898,7 @@
     </p:spTree>
     <p:extLst>
       <p:ext uri="{BB962C8B-B14F-4D97-AF65-F5344CB8AC3E}">
-        <p14:creationId xmlns:p14="http://schemas.microsoft.com/office/powerpoint/2010/main" val="3078134036"/>
+        <p14:creationId xmlns:p14="http://schemas.microsoft.com/office/powerpoint/2010/main" val="3998191242"/>
       </p:ext>
     </p:extLst>
   </p:cSld>
@@ -1986,7 +1988,7 @@
     </p:spTree>
     <p:extLst>
       <p:ext uri="{BB962C8B-B14F-4D97-AF65-F5344CB8AC3E}">
-        <p14:creationId xmlns:p14="http://schemas.microsoft.com/office/powerpoint/2010/main" val="298201703"/>
+        <p14:creationId xmlns:p14="http://schemas.microsoft.com/office/powerpoint/2010/main" val="3078134036"/>
       </p:ext>
     </p:extLst>
   </p:cSld>
@@ -2067,7 +2069,7 @@
               <a:pPr>
                 <a:defRPr/>
               </a:pPr>
-              <a:t>56</a:t>
+              <a:t>55</a:t>
             </a:fld>
             <a:endParaRPr lang="en-US"/>
           </a:p>
@@ -2076,7 +2078,7 @@
     </p:spTree>
     <p:extLst>
       <p:ext uri="{BB962C8B-B14F-4D97-AF65-F5344CB8AC3E}">
-        <p14:creationId xmlns:p14="http://schemas.microsoft.com/office/powerpoint/2010/main" val="3874808043"/>
+        <p14:creationId xmlns:p14="http://schemas.microsoft.com/office/powerpoint/2010/main" val="298201703"/>
       </p:ext>
     </p:extLst>
   </p:cSld>
@@ -2348,7 +2350,7 @@
     </p:spTree>
     <p:extLst>
       <p:ext uri="{BB962C8B-B14F-4D97-AF65-F5344CB8AC3E}">
-        <p14:creationId xmlns:p14="http://schemas.microsoft.com/office/powerpoint/2010/main" val="528205708"/>
+        <p14:creationId xmlns:p14="http://schemas.microsoft.com/office/powerpoint/2010/main" val="3874808043"/>
       </p:ext>
     </p:extLst>
   </p:cSld>
@@ -2438,7 +2440,7 @@
     </p:spTree>
     <p:extLst>
       <p:ext uri="{BB962C8B-B14F-4D97-AF65-F5344CB8AC3E}">
-        <p14:creationId xmlns:p14="http://schemas.microsoft.com/office/powerpoint/2010/main" val="1584125309"/>
+        <p14:creationId xmlns:p14="http://schemas.microsoft.com/office/powerpoint/2010/main" val="528205708"/>
       </p:ext>
     </p:extLst>
   </p:cSld>
@@ -2528,7 +2530,7 @@
     </p:spTree>
     <p:extLst>
       <p:ext uri="{BB962C8B-B14F-4D97-AF65-F5344CB8AC3E}">
-        <p14:creationId xmlns:p14="http://schemas.microsoft.com/office/powerpoint/2010/main" val="1763888369"/>
+        <p14:creationId xmlns:p14="http://schemas.microsoft.com/office/powerpoint/2010/main" val="1584125309"/>
       </p:ext>
     </p:extLst>
   </p:cSld>
@@ -2618,7 +2620,7 @@
     </p:spTree>
     <p:extLst>
       <p:ext uri="{BB962C8B-B14F-4D97-AF65-F5344CB8AC3E}">
-        <p14:creationId xmlns:p14="http://schemas.microsoft.com/office/powerpoint/2010/main" val="1163186464"/>
+        <p14:creationId xmlns:p14="http://schemas.microsoft.com/office/powerpoint/2010/main" val="1763888369"/>
       </p:ext>
     </p:extLst>
   </p:cSld>
@@ -2708,7 +2710,7 @@
     </p:spTree>
     <p:extLst>
       <p:ext uri="{BB962C8B-B14F-4D97-AF65-F5344CB8AC3E}">
-        <p14:creationId xmlns:p14="http://schemas.microsoft.com/office/powerpoint/2010/main" val="1339603961"/>
+        <p14:creationId xmlns:p14="http://schemas.microsoft.com/office/powerpoint/2010/main" val="1163186464"/>
       </p:ext>
     </p:extLst>
   </p:cSld>
@@ -2798,7 +2800,7 @@
     </p:spTree>
     <p:extLst>
       <p:ext uri="{BB962C8B-B14F-4D97-AF65-F5344CB8AC3E}">
-        <p14:creationId xmlns:p14="http://schemas.microsoft.com/office/powerpoint/2010/main" val="1223403192"/>
+        <p14:creationId xmlns:p14="http://schemas.microsoft.com/office/powerpoint/2010/main" val="1339603961"/>
       </p:ext>
     </p:extLst>
   </p:cSld>
@@ -2888,7 +2890,7 @@
     </p:spTree>
     <p:extLst>
       <p:ext uri="{BB962C8B-B14F-4D97-AF65-F5344CB8AC3E}">
-        <p14:creationId xmlns:p14="http://schemas.microsoft.com/office/powerpoint/2010/main" val="2481980710"/>
+        <p14:creationId xmlns:p14="http://schemas.microsoft.com/office/powerpoint/2010/main" val="1223403192"/>
       </p:ext>
     </p:extLst>
   </p:cSld>
@@ -2978,7 +2980,7 @@
     </p:spTree>
     <p:extLst>
       <p:ext uri="{BB962C8B-B14F-4D97-AF65-F5344CB8AC3E}">
-        <p14:creationId xmlns:p14="http://schemas.microsoft.com/office/powerpoint/2010/main" val="850525088"/>
+        <p14:creationId xmlns:p14="http://schemas.microsoft.com/office/powerpoint/2010/main" val="2481980710"/>
       </p:ext>
     </p:extLst>
   </p:cSld>
@@ -3068,7 +3070,7 @@
     </p:spTree>
     <p:extLst>
       <p:ext uri="{BB962C8B-B14F-4D97-AF65-F5344CB8AC3E}">
-        <p14:creationId xmlns:p14="http://schemas.microsoft.com/office/powerpoint/2010/main" val="3370475632"/>
+        <p14:creationId xmlns:p14="http://schemas.microsoft.com/office/powerpoint/2010/main" val="850525088"/>
       </p:ext>
     </p:extLst>
   </p:cSld>
@@ -3122,7 +3124,7 @@
           <a:bodyPr/>
           <a:lstStyle/>
           <a:p>
-            <a:endParaRPr lang="en-US" dirty="0"/>
+            <a:endParaRPr lang="en-US"/>
           </a:p>
         </p:txBody>
       </p:sp>
@@ -3158,7 +3160,7 @@
     </p:spTree>
     <p:extLst>
       <p:ext uri="{BB962C8B-B14F-4D97-AF65-F5344CB8AC3E}">
-        <p14:creationId xmlns:p14="http://schemas.microsoft.com/office/powerpoint/2010/main" val="2027347697"/>
+        <p14:creationId xmlns:p14="http://schemas.microsoft.com/office/powerpoint/2010/main" val="3370475632"/>
       </p:ext>
     </p:extLst>
   </p:cSld>
@@ -3413,7 +3415,7 @@
           <a:bodyPr/>
           <a:lstStyle/>
           <a:p>
-            <a:endParaRPr lang="en-US"/>
+            <a:endParaRPr lang="en-US" dirty="0"/>
           </a:p>
         </p:txBody>
       </p:sp>
@@ -3449,7 +3451,7 @@
     </p:spTree>
     <p:extLst>
       <p:ext uri="{BB962C8B-B14F-4D97-AF65-F5344CB8AC3E}">
-        <p14:creationId xmlns:p14="http://schemas.microsoft.com/office/powerpoint/2010/main" val="3289162822"/>
+        <p14:creationId xmlns:p14="http://schemas.microsoft.com/office/powerpoint/2010/main" val="2027347697"/>
       </p:ext>
     </p:extLst>
   </p:cSld>
@@ -3530,7 +3532,7 @@
               <a:pPr>
                 <a:defRPr/>
               </a:pPr>
-              <a:t>69</a:t>
+              <a:t>68</a:t>
             </a:fld>
             <a:endParaRPr lang="en-US"/>
           </a:p>
@@ -3539,7 +3541,7 @@
     </p:spTree>
     <p:extLst>
       <p:ext uri="{BB962C8B-B14F-4D97-AF65-F5344CB8AC3E}">
-        <p14:creationId xmlns:p14="http://schemas.microsoft.com/office/powerpoint/2010/main" val="1707111951"/>
+        <p14:creationId xmlns:p14="http://schemas.microsoft.com/office/powerpoint/2010/main" val="3289162822"/>
       </p:ext>
     </p:extLst>
   </p:cSld>
@@ -3629,7 +3631,7 @@
     </p:spTree>
     <p:extLst>
       <p:ext uri="{BB962C8B-B14F-4D97-AF65-F5344CB8AC3E}">
-        <p14:creationId xmlns:p14="http://schemas.microsoft.com/office/powerpoint/2010/main" val="2320931639"/>
+        <p14:creationId xmlns:p14="http://schemas.microsoft.com/office/powerpoint/2010/main" val="1707111951"/>
       </p:ext>
     </p:extLst>
   </p:cSld>
@@ -3719,7 +3721,7 @@
     </p:spTree>
     <p:extLst>
       <p:ext uri="{BB962C8B-B14F-4D97-AF65-F5344CB8AC3E}">
-        <p14:creationId xmlns:p14="http://schemas.microsoft.com/office/powerpoint/2010/main" val="743050426"/>
+        <p14:creationId xmlns:p14="http://schemas.microsoft.com/office/powerpoint/2010/main" val="2320931639"/>
       </p:ext>
     </p:extLst>
   </p:cSld>
@@ -3800,7 +3802,7 @@
               <a:pPr>
                 <a:defRPr/>
               </a:pPr>
-              <a:t>74</a:t>
+              <a:t>72</a:t>
             </a:fld>
             <a:endParaRPr lang="en-US"/>
           </a:p>
@@ -3809,7 +3811,7 @@
     </p:spTree>
     <p:extLst>
       <p:ext uri="{BB962C8B-B14F-4D97-AF65-F5344CB8AC3E}">
-        <p14:creationId xmlns:p14="http://schemas.microsoft.com/office/powerpoint/2010/main" val="1198822033"/>
+        <p14:creationId xmlns:p14="http://schemas.microsoft.com/office/powerpoint/2010/main" val="743050426"/>
       </p:ext>
     </p:extLst>
   </p:cSld>
@@ -3899,7 +3901,7 @@
     </p:spTree>
     <p:extLst>
       <p:ext uri="{BB962C8B-B14F-4D97-AF65-F5344CB8AC3E}">
-        <p14:creationId xmlns:p14="http://schemas.microsoft.com/office/powerpoint/2010/main" val="308102577"/>
+        <p14:creationId xmlns:p14="http://schemas.microsoft.com/office/powerpoint/2010/main" val="1198822033"/>
       </p:ext>
     </p:extLst>
   </p:cSld>
@@ -3953,7 +3955,7 @@
           <a:bodyPr/>
           <a:lstStyle/>
           <a:p>
-            <a:endParaRPr lang="en-US" dirty="0"/>
+            <a:endParaRPr lang="en-US"/>
           </a:p>
         </p:txBody>
       </p:sp>
@@ -3989,7 +3991,7 @@
     </p:spTree>
     <p:extLst>
       <p:ext uri="{BB962C8B-B14F-4D97-AF65-F5344CB8AC3E}">
-        <p14:creationId xmlns:p14="http://schemas.microsoft.com/office/powerpoint/2010/main" val="3787952476"/>
+        <p14:creationId xmlns:p14="http://schemas.microsoft.com/office/powerpoint/2010/main" val="308102577"/>
       </p:ext>
     </p:extLst>
   </p:cSld>
@@ -4043,7 +4045,7 @@
           <a:bodyPr/>
           <a:lstStyle/>
           <a:p>
-            <a:endParaRPr lang="en-US"/>
+            <a:endParaRPr lang="en-US" dirty="0"/>
           </a:p>
         </p:txBody>
       </p:sp>
@@ -4070,7 +4072,7 @@
               <a:pPr>
                 <a:defRPr/>
               </a:pPr>
-              <a:t>78</a:t>
+              <a:t>77</a:t>
             </a:fld>
             <a:endParaRPr lang="en-US"/>
           </a:p>
@@ -4079,7 +4081,7 @@
     </p:spTree>
     <p:extLst>
       <p:ext uri="{BB962C8B-B14F-4D97-AF65-F5344CB8AC3E}">
-        <p14:creationId xmlns:p14="http://schemas.microsoft.com/office/powerpoint/2010/main" val="1670999290"/>
+        <p14:creationId xmlns:p14="http://schemas.microsoft.com/office/powerpoint/2010/main" val="3787952476"/>
       </p:ext>
     </p:extLst>
   </p:cSld>
@@ -4169,7 +4171,7 @@
     </p:spTree>
     <p:extLst>
       <p:ext uri="{BB962C8B-B14F-4D97-AF65-F5344CB8AC3E}">
-        <p14:creationId xmlns:p14="http://schemas.microsoft.com/office/powerpoint/2010/main" val="3590296749"/>
+        <p14:creationId xmlns:p14="http://schemas.microsoft.com/office/powerpoint/2010/main" val="1670999290"/>
       </p:ext>
     </p:extLst>
   </p:cSld>
@@ -4259,7 +4261,7 @@
     </p:spTree>
     <p:extLst>
       <p:ext uri="{BB962C8B-B14F-4D97-AF65-F5344CB8AC3E}">
-        <p14:creationId xmlns:p14="http://schemas.microsoft.com/office/powerpoint/2010/main" val="712519063"/>
+        <p14:creationId xmlns:p14="http://schemas.microsoft.com/office/powerpoint/2010/main" val="3590296749"/>
       </p:ext>
     </p:extLst>
   </p:cSld>
@@ -4439,7 +4441,7 @@
     </p:spTree>
     <p:extLst>
       <p:ext uri="{BB962C8B-B14F-4D97-AF65-F5344CB8AC3E}">
-        <p14:creationId xmlns:p14="http://schemas.microsoft.com/office/powerpoint/2010/main" val="2190682706"/>
+        <p14:creationId xmlns:p14="http://schemas.microsoft.com/office/powerpoint/2010/main" val="712519063"/>
       </p:ext>
     </p:extLst>
   </p:cSld>
@@ -4520,7 +4522,7 @@
               <a:pPr>
                 <a:defRPr/>
               </a:pPr>
-              <a:t>83</a:t>
+              <a:t>82</a:t>
             </a:fld>
             <a:endParaRPr lang="en-US"/>
           </a:p>
@@ -4529,7 +4531,7 @@
     </p:spTree>
     <p:extLst>
       <p:ext uri="{BB962C8B-B14F-4D97-AF65-F5344CB8AC3E}">
-        <p14:creationId xmlns:p14="http://schemas.microsoft.com/office/powerpoint/2010/main" val="1765388918"/>
+        <p14:creationId xmlns:p14="http://schemas.microsoft.com/office/powerpoint/2010/main" val="2190682706"/>
       </p:ext>
     </p:extLst>
   </p:cSld>
@@ -4619,7 +4621,7 @@
     </p:spTree>
     <p:extLst>
       <p:ext uri="{BB962C8B-B14F-4D97-AF65-F5344CB8AC3E}">
-        <p14:creationId xmlns:p14="http://schemas.microsoft.com/office/powerpoint/2010/main" val="3681254223"/>
+        <p14:creationId xmlns:p14="http://schemas.microsoft.com/office/powerpoint/2010/main" val="1765388918"/>
       </p:ext>
     </p:extLst>
   </p:cSld>
@@ -4709,7 +4711,7 @@
     </p:spTree>
     <p:extLst>
       <p:ext uri="{BB962C8B-B14F-4D97-AF65-F5344CB8AC3E}">
-        <p14:creationId xmlns:p14="http://schemas.microsoft.com/office/powerpoint/2010/main" val="1303845855"/>
+        <p14:creationId xmlns:p14="http://schemas.microsoft.com/office/powerpoint/2010/main" val="3681254223"/>
       </p:ext>
     </p:extLst>
   </p:cSld>
@@ -4799,7 +4801,7 @@
     </p:spTree>
     <p:extLst>
       <p:ext uri="{BB962C8B-B14F-4D97-AF65-F5344CB8AC3E}">
-        <p14:creationId xmlns:p14="http://schemas.microsoft.com/office/powerpoint/2010/main" val="1264308137"/>
+        <p14:creationId xmlns:p14="http://schemas.microsoft.com/office/powerpoint/2010/main" val="1303845855"/>
       </p:ext>
     </p:extLst>
   </p:cSld>
@@ -4889,7 +4891,7 @@
     </p:spTree>
     <p:extLst>
       <p:ext uri="{BB962C8B-B14F-4D97-AF65-F5344CB8AC3E}">
-        <p14:creationId xmlns:p14="http://schemas.microsoft.com/office/powerpoint/2010/main" val="3339491410"/>
+        <p14:creationId xmlns:p14="http://schemas.microsoft.com/office/powerpoint/2010/main" val="1264308137"/>
       </p:ext>
     </p:extLst>
   </p:cSld>
@@ -4979,7 +4981,7 @@
     </p:spTree>
     <p:extLst>
       <p:ext uri="{BB962C8B-B14F-4D97-AF65-F5344CB8AC3E}">
-        <p14:creationId xmlns:p14="http://schemas.microsoft.com/office/powerpoint/2010/main" val="2158574328"/>
+        <p14:creationId xmlns:p14="http://schemas.microsoft.com/office/powerpoint/2010/main" val="3339491410"/>
       </p:ext>
     </p:extLst>
   </p:cSld>
@@ -5060,7 +5062,7 @@
               <a:pPr>
                 <a:defRPr/>
               </a:pPr>
-              <a:t>90</a:t>
+              <a:t>89</a:t>
             </a:fld>
             <a:endParaRPr lang="en-US"/>
           </a:p>
@@ -5069,7 +5071,7 @@
     </p:spTree>
     <p:extLst>
       <p:ext uri="{BB962C8B-B14F-4D97-AF65-F5344CB8AC3E}">
-        <p14:creationId xmlns:p14="http://schemas.microsoft.com/office/powerpoint/2010/main" val="2988952496"/>
+        <p14:creationId xmlns:p14="http://schemas.microsoft.com/office/powerpoint/2010/main" val="2158574328"/>
       </p:ext>
     </p:extLst>
   </p:cSld>
@@ -5159,7 +5161,7 @@
     </p:spTree>
     <p:extLst>
       <p:ext uri="{BB962C8B-B14F-4D97-AF65-F5344CB8AC3E}">
-        <p14:creationId xmlns:p14="http://schemas.microsoft.com/office/powerpoint/2010/main" val="3864465609"/>
+        <p14:creationId xmlns:p14="http://schemas.microsoft.com/office/powerpoint/2010/main" val="2988952496"/>
       </p:ext>
     </p:extLst>
   </p:cSld>
@@ -5249,7 +5251,7 @@
     </p:spTree>
     <p:extLst>
       <p:ext uri="{BB962C8B-B14F-4D97-AF65-F5344CB8AC3E}">
-        <p14:creationId xmlns:p14="http://schemas.microsoft.com/office/powerpoint/2010/main" val="953775842"/>
+        <p14:creationId xmlns:p14="http://schemas.microsoft.com/office/powerpoint/2010/main" val="3864465609"/>
       </p:ext>
     </p:extLst>
   </p:cSld>
@@ -5420,7 +5422,7 @@
               <a:pPr>
                 <a:defRPr/>
               </a:pPr>
-              <a:t>94</a:t>
+              <a:t>93</a:t>
             </a:fld>
             <a:endParaRPr lang="en-US"/>
           </a:p>
@@ -5429,7 +5431,7 @@
     </p:spTree>
     <p:extLst>
       <p:ext uri="{BB962C8B-B14F-4D97-AF65-F5344CB8AC3E}">
-        <p14:creationId xmlns:p14="http://schemas.microsoft.com/office/powerpoint/2010/main" val="1364635203"/>
+        <p14:creationId xmlns:p14="http://schemas.microsoft.com/office/powerpoint/2010/main" val="953775842"/>
       </p:ext>
     </p:extLst>
   </p:cSld>
@@ -5519,7 +5521,7 @@
     </p:spTree>
     <p:extLst>
       <p:ext uri="{BB962C8B-B14F-4D97-AF65-F5344CB8AC3E}">
-        <p14:creationId xmlns:p14="http://schemas.microsoft.com/office/powerpoint/2010/main" val="613960579"/>
+        <p14:creationId xmlns:p14="http://schemas.microsoft.com/office/powerpoint/2010/main" val="1364635203"/>
       </p:ext>
     </p:extLst>
   </p:cSld>
@@ -5609,7 +5611,7 @@
     </p:spTree>
     <p:extLst>
       <p:ext uri="{BB962C8B-B14F-4D97-AF65-F5344CB8AC3E}">
-        <p14:creationId xmlns:p14="http://schemas.microsoft.com/office/powerpoint/2010/main" val="1035260990"/>
+        <p14:creationId xmlns:p14="http://schemas.microsoft.com/office/powerpoint/2010/main" val="613960579"/>
       </p:ext>
     </p:extLst>
   </p:cSld>
@@ -5699,7 +5701,7 @@
     </p:spTree>
     <p:extLst>
       <p:ext uri="{BB962C8B-B14F-4D97-AF65-F5344CB8AC3E}">
-        <p14:creationId xmlns:p14="http://schemas.microsoft.com/office/powerpoint/2010/main" val="1150337588"/>
+        <p14:creationId xmlns:p14="http://schemas.microsoft.com/office/powerpoint/2010/main" val="1035260990"/>
       </p:ext>
     </p:extLst>
   </p:cSld>
@@ -5780,7 +5782,7 @@
               <a:pPr>
                 <a:defRPr/>
               </a:pPr>
-              <a:t>99</a:t>
+              <a:t>98</a:t>
             </a:fld>
             <a:endParaRPr lang="en-US"/>
           </a:p>
@@ -5789,7 +5791,7 @@
     </p:spTree>
     <p:extLst>
       <p:ext uri="{BB962C8B-B14F-4D97-AF65-F5344CB8AC3E}">
-        <p14:creationId xmlns:p14="http://schemas.microsoft.com/office/powerpoint/2010/main" val="1092060189"/>
+        <p14:creationId xmlns:p14="http://schemas.microsoft.com/office/powerpoint/2010/main" val="1150337588"/>
       </p:ext>
     </p:extLst>
   </p:cSld>
@@ -5879,7 +5881,7 @@
     </p:spTree>
     <p:extLst>
       <p:ext uri="{BB962C8B-B14F-4D97-AF65-F5344CB8AC3E}">
-        <p14:creationId xmlns:p14="http://schemas.microsoft.com/office/powerpoint/2010/main" val="3916772145"/>
+        <p14:creationId xmlns:p14="http://schemas.microsoft.com/office/powerpoint/2010/main" val="1092060189"/>
       </p:ext>
     </p:extLst>
   </p:cSld>
@@ -5969,7 +5971,7 @@
     </p:spTree>
     <p:extLst>
       <p:ext uri="{BB962C8B-B14F-4D97-AF65-F5344CB8AC3E}">
-        <p14:creationId xmlns:p14="http://schemas.microsoft.com/office/powerpoint/2010/main" val="3016050643"/>
+        <p14:creationId xmlns:p14="http://schemas.microsoft.com/office/powerpoint/2010/main" val="3916772145"/>
       </p:ext>
     </p:extLst>
   </p:cSld>
@@ -6059,7 +6061,7 @@
     </p:spTree>
     <p:extLst>
       <p:ext uri="{BB962C8B-B14F-4D97-AF65-F5344CB8AC3E}">
-        <p14:creationId xmlns:p14="http://schemas.microsoft.com/office/powerpoint/2010/main" val="1940669753"/>
+        <p14:creationId xmlns:p14="http://schemas.microsoft.com/office/powerpoint/2010/main" val="3016050643"/>
       </p:ext>
     </p:extLst>
   </p:cSld>
@@ -6141,6 +6143,96 @@
                 <a:defRPr/>
               </a:pPr>
               <a:t>103</a:t>
+            </a:fld>
+            <a:endParaRPr lang="en-US"/>
+          </a:p>
+        </p:txBody>
+      </p:sp>
+    </p:spTree>
+    <p:extLst>
+      <p:ext uri="{BB962C8B-B14F-4D97-AF65-F5344CB8AC3E}">
+        <p14:creationId xmlns:p14="http://schemas.microsoft.com/office/powerpoint/2010/main" val="1940669753"/>
+      </p:ext>
+    </p:extLst>
+  </p:cSld>
+  <p:clrMapOvr>
+    <a:masterClrMapping/>
+  </p:clrMapOvr>
+</p:notes>
+</file>
+
+<file path=ppt/notesSlides/notesSlide59.xml><?xml version="1.0" encoding="utf-8"?>
+<p:notes xmlns:a="http://schemas.openxmlformats.org/drawingml/2006/main" xmlns:r="http://schemas.openxmlformats.org/officeDocument/2006/relationships" xmlns:p="http://schemas.openxmlformats.org/presentationml/2006/main">
+  <p:cSld>
+    <p:spTree>
+      <p:nvGrpSpPr>
+        <p:cNvPr id="1" name=""/>
+        <p:cNvGrpSpPr/>
+        <p:nvPr/>
+      </p:nvGrpSpPr>
+      <p:grpSpPr>
+        <a:xfrm>
+          <a:off x="0" y="0"/>
+          <a:ext cx="0" cy="0"/>
+          <a:chOff x="0" y="0"/>
+          <a:chExt cx="0" cy="0"/>
+        </a:xfrm>
+      </p:grpSpPr>
+      <p:sp>
+        <p:nvSpPr>
+          <p:cNvPr id="2" name="Slide Image Placeholder 1"/>
+          <p:cNvSpPr>
+            <a:spLocks noGrp="1" noRot="1" noChangeAspect="1"/>
+          </p:cNvSpPr>
+          <p:nvPr>
+            <p:ph type="sldImg"/>
+          </p:nvPr>
+        </p:nvSpPr>
+        <p:spPr/>
+      </p:sp>
+      <p:sp>
+        <p:nvSpPr>
+          <p:cNvPr id="3" name="Notes Placeholder 2"/>
+          <p:cNvSpPr>
+            <a:spLocks noGrp="1"/>
+          </p:cNvSpPr>
+          <p:nvPr>
+            <p:ph type="body" idx="1"/>
+          </p:nvPr>
+        </p:nvSpPr>
+        <p:spPr/>
+        <p:txBody>
+          <a:bodyPr/>
+          <a:lstStyle/>
+          <a:p>
+            <a:endParaRPr lang="en-US"/>
+          </a:p>
+        </p:txBody>
+      </p:sp>
+      <p:sp>
+        <p:nvSpPr>
+          <p:cNvPr id="4" name="Slide Number Placeholder 3"/>
+          <p:cNvSpPr>
+            <a:spLocks noGrp="1"/>
+          </p:cNvSpPr>
+          <p:nvPr>
+            <p:ph type="sldNum" sz="quarter" idx="5"/>
+          </p:nvPr>
+        </p:nvSpPr>
+        <p:spPr/>
+        <p:txBody>
+          <a:bodyPr/>
+          <a:lstStyle/>
+          <a:p>
+            <a:pPr>
+              <a:defRPr/>
+            </a:pPr>
+            <a:fld id="{673C55C6-0635-4FFD-BEAC-5E6F89DDB24B}" type="slidenum">
+              <a:rPr lang="en-US" smtClean="0"/>
+              <a:pPr>
+                <a:defRPr/>
+              </a:pPr>
+              <a:t>104</a:t>
             </a:fld>
             <a:endParaRPr lang="en-US"/>
           </a:p>
@@ -6239,7 +6331,7 @@
     </p:spTree>
     <p:extLst>
       <p:ext uri="{BB962C8B-B14F-4D97-AF65-F5344CB8AC3E}">
-        <p14:creationId xmlns:p14="http://schemas.microsoft.com/office/powerpoint/2010/main" val="3269223212"/>
+        <p14:creationId xmlns:p14="http://schemas.microsoft.com/office/powerpoint/2010/main" val="2501269882"/>
       </p:ext>
     </p:extLst>
   </p:cSld>
@@ -6320,7 +6412,7 @@
               <a:pPr>
                 <a:defRPr/>
               </a:pPr>
-              <a:t>32</a:t>
+              <a:t>31</a:t>
             </a:fld>
             <a:endParaRPr lang="en-US"/>
           </a:p>
@@ -6329,7 +6421,7 @@
     </p:spTree>
     <p:extLst>
       <p:ext uri="{BB962C8B-B14F-4D97-AF65-F5344CB8AC3E}">
-        <p14:creationId xmlns:p14="http://schemas.microsoft.com/office/powerpoint/2010/main" val="959943468"/>
+        <p14:creationId xmlns:p14="http://schemas.microsoft.com/office/powerpoint/2010/main" val="3269223212"/>
       </p:ext>
     </p:extLst>
   </p:cSld>
@@ -6383,7 +6475,7 @@
           <a:bodyPr/>
           <a:lstStyle/>
           <a:p>
-            <a:endParaRPr lang="en-US" dirty="0"/>
+            <a:endParaRPr lang="en-US"/>
           </a:p>
         </p:txBody>
       </p:sp>
@@ -6410,7 +6502,7 @@
               <a:pPr>
                 <a:defRPr/>
               </a:pPr>
-              <a:t>39</a:t>
+              <a:t>33</a:t>
             </a:fld>
             <a:endParaRPr lang="en-US"/>
           </a:p>
@@ -6419,7 +6511,7 @@
     </p:spTree>
     <p:extLst>
       <p:ext uri="{BB962C8B-B14F-4D97-AF65-F5344CB8AC3E}">
-        <p14:creationId xmlns:p14="http://schemas.microsoft.com/office/powerpoint/2010/main" val="3906594316"/>
+        <p14:creationId xmlns:p14="http://schemas.microsoft.com/office/powerpoint/2010/main" val="959943468"/>
       </p:ext>
     </p:extLst>
   </p:cSld>
@@ -6473,7 +6565,7 @@
           <a:bodyPr/>
           <a:lstStyle/>
           <a:p>
-            <a:endParaRPr lang="en-US"/>
+            <a:endParaRPr lang="en-US" dirty="0"/>
           </a:p>
         </p:txBody>
       </p:sp>
@@ -6500,7 +6592,7 @@
               <a:pPr>
                 <a:defRPr/>
               </a:pPr>
-              <a:t>43</a:t>
+              <a:t>40</a:t>
             </a:fld>
             <a:endParaRPr lang="en-US"/>
           </a:p>
@@ -6509,7 +6601,7 @@
     </p:spTree>
     <p:extLst>
       <p:ext uri="{BB962C8B-B14F-4D97-AF65-F5344CB8AC3E}">
-        <p14:creationId xmlns:p14="http://schemas.microsoft.com/office/powerpoint/2010/main" val="1957465470"/>
+        <p14:creationId xmlns:p14="http://schemas.microsoft.com/office/powerpoint/2010/main" val="3906594316"/>
       </p:ext>
     </p:extLst>
   </p:cSld>
@@ -9368,6 +9460,13 @@
   <p:clrMapOvr>
     <a:masterClrMapping/>
   </p:clrMapOvr>
+  <p:timing>
+    <p:tnLst>
+      <p:par>
+        <p:cTn id="1" dur="indefinite" restart="never" nodeType="tmRoot"/>
+      </p:par>
+    </p:tnLst>
+  </p:timing>
 </p:sld>
 </file>
 
@@ -9390,6 +9489,69 @@
       </p:grpSpPr>
       <p:sp>
         <p:nvSpPr>
+          <p:cNvPr id="2" name="Title 1">
+            <a:extLst>
+              <a:ext uri="{FF2B5EF4-FFF2-40B4-BE49-F238E27FC236}">
+                <a16:creationId xmlns:a16="http://schemas.microsoft.com/office/drawing/2014/main" id="{BC13A45F-B701-6042-A1FC-E51DBE17F7A5}"/>
+              </a:ext>
+            </a:extLst>
+          </p:cNvPr>
+          <p:cNvSpPr>
+            <a:spLocks noGrp="1"/>
+          </p:cNvSpPr>
+          <p:nvPr>
+            <p:ph type="title"/>
+          </p:nvPr>
+        </p:nvSpPr>
+        <p:spPr/>
+        <p:txBody>
+          <a:bodyPr/>
+          <a:lstStyle/>
+          <a:p>
+            <a:r>
+              <a:rPr lang="en-US" dirty="0"/>
+              <a:t>Module 9: Prep Builder Conductor and Publishing Workflows</a:t>
+            </a:r>
+            <a:r>
+              <a:rPr lang="en-US" baseline="0" dirty="0"/>
+              <a:t> to Tableau Server</a:t>
+            </a:r>
+            <a:endParaRPr lang="en-US" dirty="0"/>
+          </a:p>
+        </p:txBody>
+      </p:sp>
+    </p:spTree>
+    <p:extLst>
+      <p:ext uri="{BB962C8B-B14F-4D97-AF65-F5344CB8AC3E}">
+        <p14:creationId xmlns:p14="http://schemas.microsoft.com/office/powerpoint/2010/main" val="4173510137"/>
+      </p:ext>
+    </p:extLst>
+  </p:cSld>
+  <p:clrMapOvr>
+    <a:masterClrMapping/>
+  </p:clrMapOvr>
+</p:sld>
+</file>
+
+<file path=ppt/slides/slide101.xml><?xml version="1.0" encoding="utf-8"?>
+<p:sld xmlns:a="http://schemas.openxmlformats.org/drawingml/2006/main" xmlns:r="http://schemas.openxmlformats.org/officeDocument/2006/relationships" xmlns:p="http://schemas.openxmlformats.org/presentationml/2006/main">
+  <p:cSld>
+    <p:spTree>
+      <p:nvGrpSpPr>
+        <p:cNvPr id="1" name=""/>
+        <p:cNvGrpSpPr/>
+        <p:nvPr/>
+      </p:nvGrpSpPr>
+      <p:grpSpPr>
+        <a:xfrm>
+          <a:off x="0" y="0"/>
+          <a:ext cx="0" cy="0"/>
+          <a:chOff x="0" y="0"/>
+          <a:chExt cx="0" cy="0"/>
+        </a:xfrm>
+      </p:grpSpPr>
+      <p:sp>
+        <p:nvSpPr>
           <p:cNvPr id="2" name="Title 1"/>
           <p:cNvSpPr>
             <a:spLocks noGrp="1"/>
@@ -9465,7 +9627,7 @@
           <a:p>
             <a:fld id="{4FAB73BC-B049-4115-A692-8D63A059BFB8}" type="slidenum">
               <a:rPr lang="en-US" smtClean="0"/>
-              <a:t>100</a:t>
+              <a:t>101</a:t>
             </a:fld>
             <a:endParaRPr lang="en-US" dirty="0"/>
           </a:p>
@@ -9514,105 +9676,6 @@
 </p:sld>
 </file>
 
-<file path=ppt/slides/slide101.xml><?xml version="1.0" encoding="utf-8"?>
-<p:sld xmlns:a="http://schemas.openxmlformats.org/drawingml/2006/main" xmlns:r="http://schemas.openxmlformats.org/officeDocument/2006/relationships" xmlns:p="http://schemas.openxmlformats.org/presentationml/2006/main">
-  <p:cSld>
-    <p:spTree>
-      <p:nvGrpSpPr>
-        <p:cNvPr id="1" name=""/>
-        <p:cNvGrpSpPr/>
-        <p:nvPr/>
-      </p:nvGrpSpPr>
-      <p:grpSpPr>
-        <a:xfrm>
-          <a:off x="0" y="0"/>
-          <a:ext cx="0" cy="0"/>
-          <a:chOff x="0" y="0"/>
-          <a:chExt cx="0" cy="0"/>
-        </a:xfrm>
-      </p:grpSpPr>
-      <p:sp>
-        <p:nvSpPr>
-          <p:cNvPr id="2" name="Title 1"/>
-          <p:cNvSpPr>
-            <a:spLocks noGrp="1"/>
-          </p:cNvSpPr>
-          <p:nvPr>
-            <p:ph type="title"/>
-          </p:nvPr>
-        </p:nvSpPr>
-        <p:spPr/>
-        <p:txBody>
-          <a:bodyPr>
-            <a:normAutofit/>
-          </a:bodyPr>
-          <a:lstStyle/>
-          <a:p>
-            <a:r>
-              <a:rPr lang="en-US" dirty="0"/>
-              <a:t>Publishing Workflows to Server (Discussed)</a:t>
-            </a:r>
-          </a:p>
-          <a:p>
-            <a:endParaRPr lang="en-US" dirty="0"/>
-          </a:p>
-        </p:txBody>
-      </p:sp>
-      <p:sp>
-        <p:nvSpPr>
-          <p:cNvPr id="5" name="Text Placeholder 4"/>
-          <p:cNvSpPr>
-            <a:spLocks noGrp="1"/>
-          </p:cNvSpPr>
-          <p:nvPr>
-            <p:ph type="body" sz="quarter" idx="10"/>
-          </p:nvPr>
-        </p:nvSpPr>
-        <p:spPr/>
-        <p:txBody>
-          <a:bodyPr/>
-          <a:lstStyle/>
-          <a:p>
-            <a:endParaRPr lang="en-US"/>
-          </a:p>
-        </p:txBody>
-      </p:sp>
-      <p:sp>
-        <p:nvSpPr>
-          <p:cNvPr id="4" name="Slide Number Placeholder 3"/>
-          <p:cNvSpPr>
-            <a:spLocks noGrp="1"/>
-          </p:cNvSpPr>
-          <p:nvPr>
-            <p:ph type="sldNum" sz="quarter" idx="4294967295"/>
-          </p:nvPr>
-        </p:nvSpPr>
-        <p:spPr/>
-        <p:txBody>
-          <a:bodyPr/>
-          <a:lstStyle/>
-          <a:p>
-            <a:fld id="{4FAB73BC-B049-4115-A692-8D63A059BFB8}" type="slidenum">
-              <a:rPr lang="en-US" smtClean="0"/>
-              <a:t>101</a:t>
-            </a:fld>
-            <a:endParaRPr lang="en-US" dirty="0"/>
-          </a:p>
-        </p:txBody>
-      </p:sp>
-    </p:spTree>
-    <p:extLst>
-      <p:ext uri="{BB962C8B-B14F-4D97-AF65-F5344CB8AC3E}">
-        <p14:creationId xmlns:p14="http://schemas.microsoft.com/office/powerpoint/2010/main" val="2246816309"/>
-      </p:ext>
-    </p:extLst>
-  </p:cSld>
-  <p:clrMapOvr>
-    <a:masterClrMapping/>
-  </p:clrMapOvr>
-</p:sld>
-</file>
-
 <file path=ppt/slides/slide102.xml><?xml version="1.0" encoding="utf-8"?>
 <p:sld xmlns:a="http://schemas.openxmlformats.org/drawingml/2006/main" xmlns:r="http://schemas.openxmlformats.org/officeDocument/2006/relationships" xmlns:p="http://schemas.openxmlformats.org/presentationml/2006/main">
   <p:cSld>
@@ -9642,13 +9705,18 @@
         </p:nvSpPr>
         <p:spPr/>
         <p:txBody>
-          <a:bodyPr/>
+          <a:bodyPr>
+            <a:normAutofit/>
+          </a:bodyPr>
           <a:lstStyle/>
           <a:p>
             <a:r>
               <a:rPr lang="en-US" dirty="0"/>
-              <a:t>Scheduling Workflows on the Server (Discussed)</a:t>
-            </a:r>
+              <a:t>Publishing Workflows to Server (Discussed)</a:t>
+            </a:r>
+          </a:p>
+          <a:p>
+            <a:endParaRPr lang="en-US" dirty="0"/>
           </a:p>
         </p:txBody>
       </p:sp>
@@ -9689,6 +9757,100 @@
             <a:fld id="{4FAB73BC-B049-4115-A692-8D63A059BFB8}" type="slidenum">
               <a:rPr lang="en-US" smtClean="0"/>
               <a:t>102</a:t>
+            </a:fld>
+            <a:endParaRPr lang="en-US" dirty="0"/>
+          </a:p>
+        </p:txBody>
+      </p:sp>
+    </p:spTree>
+    <p:extLst>
+      <p:ext uri="{BB962C8B-B14F-4D97-AF65-F5344CB8AC3E}">
+        <p14:creationId xmlns:p14="http://schemas.microsoft.com/office/powerpoint/2010/main" val="2246816309"/>
+      </p:ext>
+    </p:extLst>
+  </p:cSld>
+  <p:clrMapOvr>
+    <a:masterClrMapping/>
+  </p:clrMapOvr>
+</p:sld>
+</file>
+
+<file path=ppt/slides/slide103.xml><?xml version="1.0" encoding="utf-8"?>
+<p:sld xmlns:a="http://schemas.openxmlformats.org/drawingml/2006/main" xmlns:r="http://schemas.openxmlformats.org/officeDocument/2006/relationships" xmlns:p="http://schemas.openxmlformats.org/presentationml/2006/main">
+  <p:cSld>
+    <p:spTree>
+      <p:nvGrpSpPr>
+        <p:cNvPr id="1" name=""/>
+        <p:cNvGrpSpPr/>
+        <p:nvPr/>
+      </p:nvGrpSpPr>
+      <p:grpSpPr>
+        <a:xfrm>
+          <a:off x="0" y="0"/>
+          <a:ext cx="0" cy="0"/>
+          <a:chOff x="0" y="0"/>
+          <a:chExt cx="0" cy="0"/>
+        </a:xfrm>
+      </p:grpSpPr>
+      <p:sp>
+        <p:nvSpPr>
+          <p:cNvPr id="2" name="Title 1"/>
+          <p:cNvSpPr>
+            <a:spLocks noGrp="1"/>
+          </p:cNvSpPr>
+          <p:nvPr>
+            <p:ph type="title"/>
+          </p:nvPr>
+        </p:nvSpPr>
+        <p:spPr/>
+        <p:txBody>
+          <a:bodyPr/>
+          <a:lstStyle/>
+          <a:p>
+            <a:r>
+              <a:rPr lang="en-US" dirty="0"/>
+              <a:t>Scheduling Workflows on the Server (Discussed)</a:t>
+            </a:r>
+          </a:p>
+        </p:txBody>
+      </p:sp>
+      <p:sp>
+        <p:nvSpPr>
+          <p:cNvPr id="5" name="Text Placeholder 4"/>
+          <p:cNvSpPr>
+            <a:spLocks noGrp="1"/>
+          </p:cNvSpPr>
+          <p:nvPr>
+            <p:ph type="body" sz="quarter" idx="10"/>
+          </p:nvPr>
+        </p:nvSpPr>
+        <p:spPr/>
+        <p:txBody>
+          <a:bodyPr/>
+          <a:lstStyle/>
+          <a:p>
+            <a:endParaRPr lang="en-US"/>
+          </a:p>
+        </p:txBody>
+      </p:sp>
+      <p:sp>
+        <p:nvSpPr>
+          <p:cNvPr id="4" name="Slide Number Placeholder 3"/>
+          <p:cNvSpPr>
+            <a:spLocks noGrp="1"/>
+          </p:cNvSpPr>
+          <p:nvPr>
+            <p:ph type="sldNum" sz="quarter" idx="4294967295"/>
+          </p:nvPr>
+        </p:nvSpPr>
+        <p:spPr/>
+        <p:txBody>
+          <a:bodyPr/>
+          <a:lstStyle/>
+          <a:p>
+            <a:fld id="{4FAB73BC-B049-4115-A692-8D63A059BFB8}" type="slidenum">
+              <a:rPr lang="en-US" smtClean="0"/>
+              <a:t>103</a:t>
             </a:fld>
             <a:endParaRPr lang="en-US" dirty="0"/>
           </a:p>
@@ -9707,7 +9869,7 @@
 </p:sld>
 </file>
 
-<file path=ppt/slides/slide103.xml><?xml version="1.0" encoding="utf-8"?>
+<file path=ppt/slides/slide104.xml><?xml version="1.0" encoding="utf-8"?>
 <p:sld xmlns:a="http://schemas.openxmlformats.org/drawingml/2006/main" xmlns:r="http://schemas.openxmlformats.org/officeDocument/2006/relationships" xmlns:p="http://schemas.openxmlformats.org/presentationml/2006/main">
   <p:cSld>
     <p:spTree>
@@ -9855,6 +10017,13 @@
   <p:clrMapOvr>
     <a:masterClrMapping/>
   </p:clrMapOvr>
+  <p:timing>
+    <p:tnLst>
+      <p:par>
+        <p:cTn id="1" dur="indefinite" restart="never" nodeType="tmRoot"/>
+      </p:par>
+    </p:tnLst>
+  </p:timing>
 </p:sld>
 </file>
 
@@ -9953,6 +10122,13 @@
   <p:clrMapOvr>
     <a:masterClrMapping/>
   </p:clrMapOvr>
+  <p:timing>
+    <p:tnLst>
+      <p:par>
+        <p:cTn id="1" dur="indefinite" restart="never" nodeType="tmRoot"/>
+      </p:par>
+    </p:tnLst>
+  </p:timing>
 </p:sld>
 </file>
 
@@ -10052,6 +10228,13 @@
   <p:clrMapOvr>
     <a:masterClrMapping/>
   </p:clrMapOvr>
+  <p:timing>
+    <p:tnLst>
+      <p:par>
+        <p:cTn id="1" dur="indefinite" restart="never" nodeType="tmRoot"/>
+      </p:par>
+    </p:tnLst>
+  </p:timing>
 </p:sld>
 </file>
 
@@ -10171,6 +10354,13 @@
   <p:clrMapOvr>
     <a:masterClrMapping/>
   </p:clrMapOvr>
+  <p:timing>
+    <p:tnLst>
+      <p:par>
+        <p:cTn id="1" dur="indefinite" restart="never" nodeType="tmRoot"/>
+      </p:par>
+    </p:tnLst>
+  </p:timing>
 </p:sld>
 </file>
 
@@ -10249,6 +10439,13 @@
   <p:clrMapOvr>
     <a:masterClrMapping/>
   </p:clrMapOvr>
+  <p:timing>
+    <p:tnLst>
+      <p:par>
+        <p:cTn id="1" dur="indefinite" restart="never" nodeType="tmRoot"/>
+      </p:par>
+    </p:tnLst>
+  </p:timing>
 </p:sld>
 </file>
 
@@ -10368,6 +10565,13 @@
   <p:clrMapOvr>
     <a:masterClrMapping/>
   </p:clrMapOvr>
+  <p:timing>
+    <p:tnLst>
+      <p:par>
+        <p:cTn id="1" dur="indefinite" restart="never" nodeType="tmRoot"/>
+      </p:par>
+    </p:tnLst>
+  </p:timing>
 </p:sld>
 </file>
 
@@ -12659,6 +12863,13 @@
   <p:clrMapOvr>
     <a:masterClrMapping/>
   </p:clrMapOvr>
+  <p:timing>
+    <p:tnLst>
+      <p:par>
+        <p:cTn id="1" dur="indefinite" restart="never" nodeType="tmRoot"/>
+      </p:par>
+    </p:tnLst>
+  </p:timing>
 </p:sld>
 </file>
 
@@ -12793,6 +13004,13 @@
   <p:clrMapOvr>
     <a:masterClrMapping/>
   </p:clrMapOvr>
+  <p:timing>
+    <p:tnLst>
+      <p:par>
+        <p:cTn id="1" dur="indefinite" restart="never" nodeType="tmRoot"/>
+      </p:par>
+    </p:tnLst>
+  </p:timing>
 </p:sld>
 </file>
 
@@ -12906,6 +13124,13 @@
   <p:clrMapOvr>
     <a:masterClrMapping/>
   </p:clrMapOvr>
+  <p:timing>
+    <p:tnLst>
+      <p:par>
+        <p:cTn id="1" dur="indefinite" restart="never" nodeType="tmRoot"/>
+      </p:par>
+    </p:tnLst>
+  </p:timing>
 </p:sld>
 </file>
 
@@ -13078,6 +13303,13 @@
   <p:clrMapOvr>
     <a:masterClrMapping/>
   </p:clrMapOvr>
+  <p:timing>
+    <p:tnLst>
+      <p:par>
+        <p:cTn id="1" dur="indefinite" restart="never" nodeType="tmRoot"/>
+      </p:par>
+    </p:tnLst>
+  </p:timing>
 </p:sld>
 </file>
 
@@ -14524,6 +14756,13 @@
   <p:clrMapOvr>
     <a:masterClrMapping/>
   </p:clrMapOvr>
+  <p:timing>
+    <p:tnLst>
+      <p:par>
+        <p:cTn id="1" dur="indefinite" restart="never" nodeType="tmRoot"/>
+      </p:par>
+    </p:tnLst>
+  </p:timing>
 </p:sld>
 </file>
 
@@ -14637,6 +14876,13 @@
   <p:clrMapOvr>
     <a:masterClrMapping/>
   </p:clrMapOvr>
+  <p:timing>
+    <p:tnLst>
+      <p:par>
+        <p:cTn id="1" dur="indefinite" restart="never" nodeType="tmRoot"/>
+      </p:par>
+    </p:tnLst>
+  </p:timing>
 </p:sld>
 </file>
 
@@ -14750,6 +14996,13 @@
   <p:clrMapOvr>
     <a:masterClrMapping/>
   </p:clrMapOvr>
+  <p:timing>
+    <p:tnLst>
+      <p:par>
+        <p:cTn id="1" dur="indefinite" restart="never" nodeType="tmRoot"/>
+      </p:par>
+    </p:tnLst>
+  </p:timing>
 </p:sld>
 </file>
 
@@ -14863,6 +15116,13 @@
   <p:clrMapOvr>
     <a:masterClrMapping/>
   </p:clrMapOvr>
+  <p:timing>
+    <p:tnLst>
+      <p:par>
+        <p:cTn id="1" dur="indefinite" restart="never" nodeType="tmRoot"/>
+      </p:par>
+    </p:tnLst>
+  </p:timing>
 </p:sld>
 </file>
 
@@ -14976,6 +15236,13 @@
   <p:clrMapOvr>
     <a:masterClrMapping/>
   </p:clrMapOvr>
+  <p:timing>
+    <p:tnLst>
+      <p:par>
+        <p:cTn id="1" dur="indefinite" restart="never" nodeType="tmRoot"/>
+      </p:par>
+    </p:tnLst>
+  </p:timing>
 </p:sld>
 </file>
 
@@ -15128,6 +15395,13 @@
   <p:clrMapOvr>
     <a:masterClrMapping/>
   </p:clrMapOvr>
+  <p:timing>
+    <p:tnLst>
+      <p:par>
+        <p:cTn id="1" dur="indefinite" restart="never" nodeType="tmRoot"/>
+      </p:par>
+    </p:tnLst>
+  </p:timing>
 </p:sld>
 </file>
 
@@ -15242,6 +15516,13 @@
   <p:clrMapOvr>
     <a:masterClrMapping/>
   </p:clrMapOvr>
+  <p:timing>
+    <p:tnLst>
+      <p:par>
+        <p:cTn id="1" dur="indefinite" restart="never" nodeType="tmRoot"/>
+      </p:par>
+    </p:tnLst>
+  </p:timing>
 </p:sld>
 </file>
 
@@ -15356,6 +15637,13 @@
   <p:clrMapOvr>
     <a:masterClrMapping/>
   </p:clrMapOvr>
+  <p:timing>
+    <p:tnLst>
+      <p:par>
+        <p:cTn id="1" dur="indefinite" restart="never" nodeType="tmRoot"/>
+      </p:par>
+    </p:tnLst>
+  </p:timing>
 </p:sld>
 </file>
 
@@ -15404,16 +15692,541 @@
           </a:p>
         </p:txBody>
       </p:sp>
+      <p:sp>
+        <p:nvSpPr>
+          <p:cNvPr id="3" name="Rectangle 5"/>
+          <p:cNvSpPr>
+            <a:spLocks noChangeArrowheads="1"/>
+          </p:cNvSpPr>
+          <p:nvPr/>
+        </p:nvSpPr>
+        <p:spPr bwMode="auto">
+          <a:xfrm>
+            <a:off x="0" y="0"/>
+            <a:ext cx="12192000" cy="6858000"/>
+          </a:xfrm>
+          <a:prstGeom prst="rect">
+            <a:avLst/>
+          </a:prstGeom>
+          <a:solidFill>
+            <a:srgbClr val="FFFFFF">
+              <a:alpha val="50195"/>
+            </a:srgbClr>
+          </a:solidFill>
+          <a:ln>
+            <a:noFill/>
+          </a:ln>
+          <a:effectLst>
+            <a:outerShdw dist="53882" dir="2700000" algn="ctr" rotWithShape="0">
+              <a:srgbClr val="919191">
+                <a:alpha val="50000"/>
+              </a:srgbClr>
+            </a:outerShdw>
+          </a:effectLst>
+          <a:extLst>
+            <a:ext uri="{91240B29-F687-4F45-9708-019B960494DF}">
+              <a14:hiddenLine xmlns:a14="http://schemas.microsoft.com/office/drawing/2010/main" w="9525" algn="ctr">
+                <a:solidFill>
+                  <a:srgbClr val="000000"/>
+                </a:solidFill>
+                <a:miter lim="800000"/>
+                <a:headEnd/>
+                <a:tailEnd/>
+              </a14:hiddenLine>
+            </a:ext>
+          </a:extLst>
+        </p:spPr>
+        <p:txBody>
+          <a:bodyPr wrap="none" anchor="ctr"/>
+          <a:lstStyle>
+            <a:lvl1pPr>
+              <a:defRPr b="1">
+                <a:solidFill>
+                  <a:schemeClr val="tx1"/>
+                </a:solidFill>
+                <a:latin typeface="Verdana" panose="020B0604030504040204" pitchFamily="34" charset="0"/>
+              </a:defRPr>
+            </a:lvl1pPr>
+            <a:lvl2pPr marL="742950" indent="-285750">
+              <a:defRPr b="1">
+                <a:solidFill>
+                  <a:schemeClr val="tx1"/>
+                </a:solidFill>
+                <a:latin typeface="Verdana" panose="020B0604030504040204" pitchFamily="34" charset="0"/>
+              </a:defRPr>
+            </a:lvl2pPr>
+            <a:lvl3pPr marL="1143000" indent="-228600">
+              <a:defRPr b="1">
+                <a:solidFill>
+                  <a:schemeClr val="tx1"/>
+                </a:solidFill>
+                <a:latin typeface="Verdana" panose="020B0604030504040204" pitchFamily="34" charset="0"/>
+              </a:defRPr>
+            </a:lvl3pPr>
+            <a:lvl4pPr marL="1600200" indent="-228600">
+              <a:defRPr b="1">
+                <a:solidFill>
+                  <a:schemeClr val="tx1"/>
+                </a:solidFill>
+                <a:latin typeface="Verdana" panose="020B0604030504040204" pitchFamily="34" charset="0"/>
+              </a:defRPr>
+            </a:lvl4pPr>
+            <a:lvl5pPr marL="2057400" indent="-228600">
+              <a:defRPr b="1">
+                <a:solidFill>
+                  <a:schemeClr val="tx1"/>
+                </a:solidFill>
+                <a:latin typeface="Verdana" panose="020B0604030504040204" pitchFamily="34" charset="0"/>
+              </a:defRPr>
+            </a:lvl5pPr>
+            <a:lvl6pPr marL="2514600" indent="-228600" eaLnBrk="0" fontAlgn="base" hangingPunct="0">
+              <a:spcBef>
+                <a:spcPct val="0"/>
+              </a:spcBef>
+              <a:spcAft>
+                <a:spcPct val="0"/>
+              </a:spcAft>
+              <a:defRPr b="1">
+                <a:solidFill>
+                  <a:schemeClr val="tx1"/>
+                </a:solidFill>
+                <a:latin typeface="Verdana" panose="020B0604030504040204" pitchFamily="34" charset="0"/>
+              </a:defRPr>
+            </a:lvl6pPr>
+            <a:lvl7pPr marL="2971800" indent="-228600" eaLnBrk="0" fontAlgn="base" hangingPunct="0">
+              <a:spcBef>
+                <a:spcPct val="0"/>
+              </a:spcBef>
+              <a:spcAft>
+                <a:spcPct val="0"/>
+              </a:spcAft>
+              <a:defRPr b="1">
+                <a:solidFill>
+                  <a:schemeClr val="tx1"/>
+                </a:solidFill>
+                <a:latin typeface="Verdana" panose="020B0604030504040204" pitchFamily="34" charset="0"/>
+              </a:defRPr>
+            </a:lvl7pPr>
+            <a:lvl8pPr marL="3429000" indent="-228600" eaLnBrk="0" fontAlgn="base" hangingPunct="0">
+              <a:spcBef>
+                <a:spcPct val="0"/>
+              </a:spcBef>
+              <a:spcAft>
+                <a:spcPct val="0"/>
+              </a:spcAft>
+              <a:defRPr b="1">
+                <a:solidFill>
+                  <a:schemeClr val="tx1"/>
+                </a:solidFill>
+                <a:latin typeface="Verdana" panose="020B0604030504040204" pitchFamily="34" charset="0"/>
+              </a:defRPr>
+            </a:lvl8pPr>
+            <a:lvl9pPr marL="3886200" indent="-228600" eaLnBrk="0" fontAlgn="base" hangingPunct="0">
+              <a:spcBef>
+                <a:spcPct val="0"/>
+              </a:spcBef>
+              <a:spcAft>
+                <a:spcPct val="0"/>
+              </a:spcAft>
+              <a:defRPr b="1">
+                <a:solidFill>
+                  <a:schemeClr val="tx1"/>
+                </a:solidFill>
+                <a:latin typeface="Verdana" panose="020B0604030504040204" pitchFamily="34" charset="0"/>
+              </a:defRPr>
+            </a:lvl9pPr>
+          </a:lstStyle>
+          <a:p>
+            <a:pPr algn="ctr"/>
+            <a:endParaRPr lang="en-US" altLang="en-US"/>
+          </a:p>
+        </p:txBody>
+      </p:sp>
+      <p:sp>
+        <p:nvSpPr>
+          <p:cNvPr id="4" name="WordArt 4"/>
+          <p:cNvSpPr>
+            <a:spLocks noChangeArrowheads="1" noChangeShapeType="1" noTextEdit="1"/>
+          </p:cNvSpPr>
+          <p:nvPr/>
+        </p:nvSpPr>
+        <p:spPr bwMode="auto">
+          <a:xfrm>
+            <a:off x="1454150" y="977900"/>
+            <a:ext cx="2170113" cy="2439988"/>
+          </a:xfrm>
+          <a:prstGeom prst="rect">
+            <a:avLst/>
+          </a:prstGeom>
+        </p:spPr>
+        <p:txBody>
+          <a:bodyPr wrap="none" fromWordArt="1">
+            <a:prstTxWarp prst="textSlantUp">
+              <a:avLst>
+                <a:gd name="adj" fmla="val 9014"/>
+              </a:avLst>
+            </a:prstTxWarp>
+          </a:bodyPr>
+          <a:lstStyle/>
+          <a:p>
+            <a:pPr algn="ctr"/>
+            <a:r>
+              <a:rPr lang="en-US" sz="3600" kern="10" dirty="0">
+                <a:ln w="9525">
+                  <a:solidFill>
+                    <a:srgbClr val="CC99FF"/>
+                  </a:solidFill>
+                  <a:round/>
+                  <a:headEnd/>
+                  <a:tailEnd/>
+                </a:ln>
+                <a:gradFill rotWithShape="1">
+                  <a:gsLst>
+                    <a:gs pos="0">
+                      <a:srgbClr val="6600CC"/>
+                    </a:gs>
+                    <a:gs pos="100000">
+                      <a:srgbClr val="CC00CC"/>
+                    </a:gs>
+                  </a:gsLst>
+                  <a:lin ang="5400000" scaled="1"/>
+                </a:gradFill>
+                <a:effectLst>
+                  <a:outerShdw dist="53882" dir="2700000" algn="ctr" rotWithShape="0">
+                    <a:srgbClr val="9999FF">
+                      <a:alpha val="79999"/>
+                    </a:srgbClr>
+                  </a:outerShdw>
+                </a:effectLst>
+                <a:latin typeface="Impact" panose="020B0806030902050204" pitchFamily="34" charset="0"/>
+              </a:rPr>
+              <a:t>A.M. Break:</a:t>
+            </a:r>
+          </a:p>
+          <a:p>
+            <a:pPr algn="ctr"/>
+            <a:r>
+              <a:rPr lang="en-US" sz="3600" kern="10" dirty="0" smtClean="0">
+                <a:ln w="9525">
+                  <a:solidFill>
+                    <a:srgbClr val="CC99FF"/>
+                  </a:solidFill>
+                  <a:round/>
+                  <a:headEnd/>
+                  <a:tailEnd/>
+                </a:ln>
+                <a:gradFill rotWithShape="1">
+                  <a:gsLst>
+                    <a:gs pos="0">
+                      <a:srgbClr val="6600CC"/>
+                    </a:gs>
+                    <a:gs pos="100000">
+                      <a:srgbClr val="CC00CC"/>
+                    </a:gs>
+                  </a:gsLst>
+                  <a:lin ang="5400000" scaled="1"/>
+                </a:gradFill>
+                <a:effectLst>
+                  <a:outerShdw dist="53882" dir="2700000" algn="ctr" rotWithShape="0">
+                    <a:srgbClr val="9999FF">
+                      <a:alpha val="79999"/>
+                    </a:srgbClr>
+                  </a:outerShdw>
+                </a:effectLst>
+                <a:latin typeface="Impact" panose="020B0806030902050204" pitchFamily="34" charset="0"/>
+              </a:rPr>
+              <a:t>11:25-11:40 </a:t>
+            </a:r>
+            <a:r>
+              <a:rPr lang="en-US" sz="3600" kern="10" dirty="0">
+                <a:ln w="9525">
+                  <a:solidFill>
+                    <a:srgbClr val="CC99FF"/>
+                  </a:solidFill>
+                  <a:round/>
+                  <a:headEnd/>
+                  <a:tailEnd/>
+                </a:ln>
+                <a:gradFill rotWithShape="1">
+                  <a:gsLst>
+                    <a:gs pos="0">
+                      <a:srgbClr val="6600CC"/>
+                    </a:gs>
+                    <a:gs pos="100000">
+                      <a:srgbClr val="CC00CC"/>
+                    </a:gs>
+                  </a:gsLst>
+                  <a:lin ang="5400000" scaled="1"/>
+                </a:gradFill>
+                <a:effectLst>
+                  <a:outerShdw dist="53882" dir="2700000" algn="ctr" rotWithShape="0">
+                    <a:srgbClr val="9999FF">
+                      <a:alpha val="79999"/>
+                    </a:srgbClr>
+                  </a:outerShdw>
+                </a:effectLst>
+                <a:latin typeface="Impact" panose="020B0806030902050204" pitchFamily="34" charset="0"/>
+              </a:rPr>
+              <a:t>EST</a:t>
+            </a:r>
+          </a:p>
+        </p:txBody>
+      </p:sp>
+      <p:sp>
+        <p:nvSpPr>
+          <p:cNvPr id="5" name="Rectangle 6"/>
+          <p:cNvSpPr>
+            <a:spLocks noChangeArrowheads="1"/>
+          </p:cNvSpPr>
+          <p:nvPr/>
+        </p:nvSpPr>
+        <p:spPr bwMode="auto">
+          <a:xfrm>
+            <a:off x="492125" y="5038725"/>
+            <a:ext cx="4094163" cy="1589088"/>
+          </a:xfrm>
+          <a:prstGeom prst="rect">
+            <a:avLst/>
+          </a:prstGeom>
+          <a:solidFill>
+            <a:srgbClr val="FFFFFF"/>
+          </a:solidFill>
+          <a:ln w="9525" algn="ctr">
+            <a:solidFill>
+              <a:schemeClr val="bg2"/>
+            </a:solidFill>
+            <a:miter lim="800000"/>
+            <a:headEnd/>
+            <a:tailEnd/>
+          </a:ln>
+          <a:effectLst>
+            <a:outerShdw dist="53882" dir="2700000" algn="ctr" rotWithShape="0">
+              <a:srgbClr val="919191">
+                <a:alpha val="50000"/>
+              </a:srgbClr>
+            </a:outerShdw>
+          </a:effectLst>
+        </p:spPr>
+        <p:txBody>
+          <a:bodyPr anchor="ctr"/>
+          <a:lstStyle>
+            <a:lvl1pPr>
+              <a:defRPr b="1">
+                <a:solidFill>
+                  <a:schemeClr val="tx1"/>
+                </a:solidFill>
+                <a:latin typeface="Verdana" panose="020B0604030504040204" pitchFamily="34" charset="0"/>
+              </a:defRPr>
+            </a:lvl1pPr>
+            <a:lvl2pPr marL="742950" indent="-285750">
+              <a:defRPr b="1">
+                <a:solidFill>
+                  <a:schemeClr val="tx1"/>
+                </a:solidFill>
+                <a:latin typeface="Verdana" panose="020B0604030504040204" pitchFamily="34" charset="0"/>
+              </a:defRPr>
+            </a:lvl2pPr>
+            <a:lvl3pPr marL="1143000" indent="-228600">
+              <a:defRPr b="1">
+                <a:solidFill>
+                  <a:schemeClr val="tx1"/>
+                </a:solidFill>
+                <a:latin typeface="Verdana" panose="020B0604030504040204" pitchFamily="34" charset="0"/>
+              </a:defRPr>
+            </a:lvl3pPr>
+            <a:lvl4pPr marL="1600200" indent="-228600">
+              <a:defRPr b="1">
+                <a:solidFill>
+                  <a:schemeClr val="tx1"/>
+                </a:solidFill>
+                <a:latin typeface="Verdana" panose="020B0604030504040204" pitchFamily="34" charset="0"/>
+              </a:defRPr>
+            </a:lvl4pPr>
+            <a:lvl5pPr marL="2057400" indent="-228600">
+              <a:defRPr b="1">
+                <a:solidFill>
+                  <a:schemeClr val="tx1"/>
+                </a:solidFill>
+                <a:latin typeface="Verdana" panose="020B0604030504040204" pitchFamily="34" charset="0"/>
+              </a:defRPr>
+            </a:lvl5pPr>
+            <a:lvl6pPr marL="2514600" indent="-228600" eaLnBrk="0" fontAlgn="base" hangingPunct="0">
+              <a:spcBef>
+                <a:spcPct val="0"/>
+              </a:spcBef>
+              <a:spcAft>
+                <a:spcPct val="0"/>
+              </a:spcAft>
+              <a:defRPr b="1">
+                <a:solidFill>
+                  <a:schemeClr val="tx1"/>
+                </a:solidFill>
+                <a:latin typeface="Verdana" panose="020B0604030504040204" pitchFamily="34" charset="0"/>
+              </a:defRPr>
+            </a:lvl6pPr>
+            <a:lvl7pPr marL="2971800" indent="-228600" eaLnBrk="0" fontAlgn="base" hangingPunct="0">
+              <a:spcBef>
+                <a:spcPct val="0"/>
+              </a:spcBef>
+              <a:spcAft>
+                <a:spcPct val="0"/>
+              </a:spcAft>
+              <a:defRPr b="1">
+                <a:solidFill>
+                  <a:schemeClr val="tx1"/>
+                </a:solidFill>
+                <a:latin typeface="Verdana" panose="020B0604030504040204" pitchFamily="34" charset="0"/>
+              </a:defRPr>
+            </a:lvl7pPr>
+            <a:lvl8pPr marL="3429000" indent="-228600" eaLnBrk="0" fontAlgn="base" hangingPunct="0">
+              <a:spcBef>
+                <a:spcPct val="0"/>
+              </a:spcBef>
+              <a:spcAft>
+                <a:spcPct val="0"/>
+              </a:spcAft>
+              <a:defRPr b="1">
+                <a:solidFill>
+                  <a:schemeClr val="tx1"/>
+                </a:solidFill>
+                <a:latin typeface="Verdana" panose="020B0604030504040204" pitchFamily="34" charset="0"/>
+              </a:defRPr>
+            </a:lvl8pPr>
+            <a:lvl9pPr marL="3886200" indent="-228600" eaLnBrk="0" fontAlgn="base" hangingPunct="0">
+              <a:spcBef>
+                <a:spcPct val="0"/>
+              </a:spcBef>
+              <a:spcAft>
+                <a:spcPct val="0"/>
+              </a:spcAft>
+              <a:defRPr b="1">
+                <a:solidFill>
+                  <a:schemeClr val="tx1"/>
+                </a:solidFill>
+                <a:latin typeface="Verdana" panose="020B0604030504040204" pitchFamily="34" charset="0"/>
+              </a:defRPr>
+            </a:lvl9pPr>
+          </a:lstStyle>
+          <a:p>
+            <a:pPr algn="ctr"/>
+            <a:r>
+              <a:rPr lang="en-US" altLang="en-US">
+                <a:solidFill>
+                  <a:srgbClr val="000000"/>
+                </a:solidFill>
+              </a:rPr>
+              <a:t>Questions? Comments?</a:t>
+            </a:r>
+          </a:p>
+          <a:p>
+            <a:pPr algn="ctr"/>
+            <a:r>
+              <a:rPr lang="en-US" altLang="en-US">
+                <a:solidFill>
+                  <a:srgbClr val="000000"/>
+                </a:solidFill>
+              </a:rPr>
+              <a:t>Dan’s e-mail: </a:t>
+            </a:r>
+            <a:r>
+              <a:rPr lang="en-US" altLang="en-US">
+                <a:solidFill>
+                  <a:srgbClr val="000000"/>
+                </a:solidFill>
+                <a:hlinkClick r:id="rId3"/>
+              </a:rPr>
+              <a:t>danc@onlc.com</a:t>
+            </a:r>
+            <a:endParaRPr lang="en-US" altLang="en-US">
+              <a:solidFill>
+                <a:srgbClr val="000000"/>
+              </a:solidFill>
+            </a:endParaRPr>
+          </a:p>
+          <a:p>
+            <a:pPr algn="ctr"/>
+            <a:r>
+              <a:rPr lang="en-US" altLang="en-US">
+                <a:solidFill>
+                  <a:srgbClr val="000000"/>
+                </a:solidFill>
+              </a:rPr>
+              <a:t>Dan’s cell #: (413) 455-0856</a:t>
+            </a:r>
+          </a:p>
+        </p:txBody>
+      </p:sp>
+      <p:pic>
+        <p:nvPicPr>
+          <p:cNvPr id="6" name="Picture 7" descr="MCj04315630000[1]"/>
+          <p:cNvPicPr>
+            <a:picLocks noChangeAspect="1" noChangeArrowheads="1"/>
+          </p:cNvPicPr>
+          <p:nvPr/>
+        </p:nvPicPr>
+        <p:blipFill>
+          <a:blip r:embed="rId4">
+            <a:extLst>
+              <a:ext uri="{28A0092B-C50C-407E-A947-70E740481C1C}">
+                <a14:useLocalDpi xmlns:a14="http://schemas.microsoft.com/office/drawing/2010/main" val="0"/>
+              </a:ext>
+            </a:extLst>
+          </a:blip>
+          <a:srcRect/>
+          <a:stretch>
+            <a:fillRect/>
+          </a:stretch>
+        </p:blipFill>
+        <p:spPr bwMode="auto">
+          <a:xfrm>
+            <a:off x="9178925" y="1787525"/>
+            <a:ext cx="2697163" cy="2714625"/>
+          </a:xfrm>
+          <a:prstGeom prst="rect">
+            <a:avLst/>
+          </a:prstGeom>
+          <a:noFill/>
+          <a:ln>
+            <a:noFill/>
+          </a:ln>
+          <a:extLst>
+            <a:ext uri="{909E8E84-426E-40DD-AFC4-6F175D3DCCD1}">
+              <a14:hiddenFill xmlns:a14="http://schemas.microsoft.com/office/drawing/2010/main">
+                <a:solidFill>
+                  <a:srgbClr val="FFFFFF"/>
+                </a:solidFill>
+              </a14:hiddenFill>
+            </a:ext>
+            <a:ext uri="{91240B29-F687-4F45-9708-019B960494DF}">
+              <a14:hiddenLine xmlns:a14="http://schemas.microsoft.com/office/drawing/2010/main" w="9525">
+                <a:solidFill>
+                  <a:srgbClr val="000000"/>
+                </a:solidFill>
+                <a:miter lim="800000"/>
+                <a:headEnd/>
+                <a:tailEnd/>
+              </a14:hiddenLine>
+            </a:ext>
+          </a:extLst>
+        </p:spPr>
+      </p:pic>
     </p:spTree>
     <p:extLst>
       <p:ext uri="{BB962C8B-B14F-4D97-AF65-F5344CB8AC3E}">
-        <p14:creationId xmlns:p14="http://schemas.microsoft.com/office/powerpoint/2010/main" val="2994392188"/>
+        <p14:creationId xmlns:p14="http://schemas.microsoft.com/office/powerpoint/2010/main" val="1106937691"/>
       </p:ext>
     </p:extLst>
   </p:cSld>
   <p:clrMapOvr>
     <a:masterClrMapping/>
   </p:clrMapOvr>
+  <p:timing>
+    <p:tnLst>
+      <p:par>
+        <p:cTn id="1" dur="indefinite" restart="never" nodeType="tmRoot"/>
+      </p:par>
+    </p:tnLst>
+  </p:timing>
 </p:sld>
 </file>
 
@@ -15439,6 +16252,71 @@
           <p:cNvPr id="2" name="Title 1">
             <a:extLst>
               <a:ext uri="{FF2B5EF4-FFF2-40B4-BE49-F238E27FC236}">
+                <a16:creationId xmlns:a16="http://schemas.microsoft.com/office/drawing/2014/main" id="{3BACBCDC-7F7D-AF42-875C-5B645068A491}"/>
+              </a:ext>
+            </a:extLst>
+          </p:cNvPr>
+          <p:cNvSpPr>
+            <a:spLocks noGrp="1"/>
+          </p:cNvSpPr>
+          <p:nvPr>
+            <p:ph type="title"/>
+          </p:nvPr>
+        </p:nvSpPr>
+        <p:spPr/>
+        <p:txBody>
+          <a:bodyPr/>
+          <a:lstStyle/>
+          <a:p>
+            <a:r>
+              <a:rPr lang="en-US" dirty="0"/>
+              <a:t>Part I: Extract</a:t>
+            </a:r>
+          </a:p>
+        </p:txBody>
+      </p:sp>
+    </p:spTree>
+    <p:extLst>
+      <p:ext uri="{BB962C8B-B14F-4D97-AF65-F5344CB8AC3E}">
+        <p14:creationId xmlns:p14="http://schemas.microsoft.com/office/powerpoint/2010/main" val="2994392188"/>
+      </p:ext>
+    </p:extLst>
+  </p:cSld>
+  <p:clrMapOvr>
+    <a:masterClrMapping/>
+  </p:clrMapOvr>
+  <p:timing>
+    <p:tnLst>
+      <p:par>
+        <p:cTn id="1" dur="indefinite" restart="never" nodeType="tmRoot"/>
+      </p:par>
+    </p:tnLst>
+  </p:timing>
+</p:sld>
+</file>
+
+<file path=ppt/slides/slide32.xml><?xml version="1.0" encoding="utf-8"?>
+<p:sld xmlns:a="http://schemas.openxmlformats.org/drawingml/2006/main" xmlns:r="http://schemas.openxmlformats.org/officeDocument/2006/relationships" xmlns:p="http://schemas.openxmlformats.org/presentationml/2006/main">
+  <p:cSld>
+    <p:spTree>
+      <p:nvGrpSpPr>
+        <p:cNvPr id="1" name=""/>
+        <p:cNvGrpSpPr/>
+        <p:nvPr/>
+      </p:nvGrpSpPr>
+      <p:grpSpPr>
+        <a:xfrm>
+          <a:off x="0" y="0"/>
+          <a:ext cx="0" cy="0"/>
+          <a:chOff x="0" y="0"/>
+          <a:chExt cx="0" cy="0"/>
+        </a:xfrm>
+      </p:grpSpPr>
+      <p:sp>
+        <p:nvSpPr>
+          <p:cNvPr id="2" name="Title 1">
+            <a:extLst>
+              <a:ext uri="{FF2B5EF4-FFF2-40B4-BE49-F238E27FC236}">
                 <a16:creationId xmlns:a16="http://schemas.microsoft.com/office/drawing/2014/main" id="{992CB1AB-C077-6F4D-9364-4D6903E3E3E6}"/>
               </a:ext>
             </a:extLst>
@@ -15472,10 +16350,17 @@
   <p:clrMapOvr>
     <a:masterClrMapping/>
   </p:clrMapOvr>
+  <p:timing>
+    <p:tnLst>
+      <p:par>
+        <p:cTn id="1" dur="indefinite" restart="never" nodeType="tmRoot"/>
+      </p:par>
+    </p:tnLst>
+  </p:timing>
 </p:sld>
 </file>
 
-<file path=ppt/slides/slide32.xml><?xml version="1.0" encoding="utf-8"?>
+<file path=ppt/slides/slide33.xml><?xml version="1.0" encoding="utf-8"?>
 <p:sld xmlns:a="http://schemas.openxmlformats.org/drawingml/2006/main" xmlns:r="http://schemas.openxmlformats.org/officeDocument/2006/relationships" xmlns:p="http://schemas.openxmlformats.org/presentationml/2006/main">
   <p:cSld>
     <p:spTree>
@@ -15581,10 +16466,17 @@
   <p:clrMapOvr>
     <a:masterClrMapping/>
   </p:clrMapOvr>
+  <p:timing>
+    <p:tnLst>
+      <p:par>
+        <p:cTn id="1" dur="indefinite" restart="never" nodeType="tmRoot"/>
+      </p:par>
+    </p:tnLst>
+  </p:timing>
 </p:sld>
 </file>
 
-<file path=ppt/slides/slide33.xml><?xml version="1.0" encoding="utf-8"?>
+<file path=ppt/slides/slide34.xml><?xml version="1.0" encoding="utf-8"?>
 <p:sld xmlns:a="http://schemas.openxmlformats.org/drawingml/2006/main" xmlns:r="http://schemas.openxmlformats.org/officeDocument/2006/relationships" xmlns:p="http://schemas.openxmlformats.org/presentationml/2006/main">
   <p:cSld>
     <p:spTree>
@@ -15694,10 +16586,17 @@
   <p:clrMapOvr>
     <a:masterClrMapping/>
   </p:clrMapOvr>
+  <p:timing>
+    <p:tnLst>
+      <p:par>
+        <p:cTn id="1" dur="indefinite" restart="never" nodeType="tmRoot"/>
+      </p:par>
+    </p:tnLst>
+  </p:timing>
 </p:sld>
 </file>
 
-<file path=ppt/slides/slide34.xml><?xml version="1.0" encoding="utf-8"?>
+<file path=ppt/slides/slide35.xml><?xml version="1.0" encoding="utf-8"?>
 <p:sld xmlns:a="http://schemas.openxmlformats.org/drawingml/2006/main" xmlns:r="http://schemas.openxmlformats.org/officeDocument/2006/relationships" xmlns:p="http://schemas.openxmlformats.org/presentationml/2006/main">
   <p:cSld>
     <p:spTree>
@@ -15876,10 +16775,17 @@
   <p:clrMapOvr>
     <a:masterClrMapping/>
   </p:clrMapOvr>
+  <p:timing>
+    <p:tnLst>
+      <p:par>
+        <p:cTn id="1" dur="indefinite" restart="never" nodeType="tmRoot"/>
+      </p:par>
+    </p:tnLst>
+  </p:timing>
 </p:sld>
 </file>
 
-<file path=ppt/slides/slide35.xml><?xml version="1.0" encoding="utf-8"?>
+<file path=ppt/slides/slide36.xml><?xml version="1.0" encoding="utf-8"?>
 <p:sld xmlns:a="http://schemas.openxmlformats.org/drawingml/2006/main" xmlns:r="http://schemas.openxmlformats.org/officeDocument/2006/relationships" xmlns:p="http://schemas.openxmlformats.org/presentationml/2006/main">
   <p:cSld>
     <p:spTree>
@@ -16112,10 +17018,17 @@
   <p:clrMapOvr>
     <a:masterClrMapping/>
   </p:clrMapOvr>
+  <p:timing>
+    <p:tnLst>
+      <p:par>
+        <p:cTn id="1" dur="indefinite" restart="never" nodeType="tmRoot"/>
+      </p:par>
+    </p:tnLst>
+  </p:timing>
 </p:sld>
 </file>
 
-<file path=ppt/slides/slide36.xml><?xml version="1.0" encoding="utf-8"?>
+<file path=ppt/slides/slide37.xml><?xml version="1.0" encoding="utf-8"?>
 <p:sld xmlns:a="http://schemas.openxmlformats.org/drawingml/2006/main" xmlns:r="http://schemas.openxmlformats.org/officeDocument/2006/relationships" xmlns:p="http://schemas.openxmlformats.org/presentationml/2006/main">
   <p:cSld>
     <p:spTree>
@@ -16235,10 +17148,17 @@
   <p:clrMapOvr>
     <a:masterClrMapping/>
   </p:clrMapOvr>
+  <p:timing>
+    <p:tnLst>
+      <p:par>
+        <p:cTn id="1" dur="indefinite" restart="never" nodeType="tmRoot"/>
+      </p:par>
+    </p:tnLst>
+  </p:timing>
 </p:sld>
 </file>
 
-<file path=ppt/slides/slide37.xml><?xml version="1.0" encoding="utf-8"?>
+<file path=ppt/slides/slide38.xml><?xml version="1.0" encoding="utf-8"?>
 <p:sld xmlns:a="http://schemas.openxmlformats.org/drawingml/2006/main" xmlns:r="http://schemas.openxmlformats.org/officeDocument/2006/relationships" xmlns:p="http://schemas.openxmlformats.org/presentationml/2006/main">
   <p:cSld>
     <p:spTree>
@@ -16366,10 +17286,17 @@
   <p:clrMapOvr>
     <a:masterClrMapping/>
   </p:clrMapOvr>
+  <p:timing>
+    <p:tnLst>
+      <p:par>
+        <p:cTn id="1" dur="indefinite" restart="never" nodeType="tmRoot"/>
+      </p:par>
+    </p:tnLst>
+  </p:timing>
 </p:sld>
 </file>
 
-<file path=ppt/slides/slide38.xml><?xml version="1.0" encoding="utf-8"?>
+<file path=ppt/slides/slide39.xml><?xml version="1.0" encoding="utf-8"?>
 <p:sld xmlns:a="http://schemas.openxmlformats.org/drawingml/2006/main" xmlns:r="http://schemas.openxmlformats.org/officeDocument/2006/relationships" xmlns:p="http://schemas.openxmlformats.org/presentationml/2006/main">
   <p:cSld>
     <p:spTree>
@@ -16476,222 +17403,13 @@
   <p:clrMapOvr>
     <a:masterClrMapping/>
   </p:clrMapOvr>
-</p:sld>
-</file>
-
-<file path=ppt/slides/slide39.xml><?xml version="1.0" encoding="utf-8"?>
-<p:sld xmlns:a="http://schemas.openxmlformats.org/drawingml/2006/main" xmlns:r="http://schemas.openxmlformats.org/officeDocument/2006/relationships" xmlns:p="http://schemas.openxmlformats.org/presentationml/2006/main">
-  <p:cSld>
-    <p:spTree>
-      <p:nvGrpSpPr>
-        <p:cNvPr id="1" name=""/>
-        <p:cNvGrpSpPr/>
-        <p:nvPr/>
-      </p:nvGrpSpPr>
-      <p:grpSpPr>
-        <a:xfrm>
-          <a:off x="0" y="0"/>
-          <a:ext cx="0" cy="0"/>
-          <a:chOff x="0" y="0"/>
-          <a:chExt cx="0" cy="0"/>
-        </a:xfrm>
-      </p:grpSpPr>
-      <p:sp>
-        <p:nvSpPr>
-          <p:cNvPr id="2" name="Title 1"/>
-          <p:cNvSpPr>
-            <a:spLocks noGrp="1"/>
-          </p:cNvSpPr>
-          <p:nvPr>
-            <p:ph type="title"/>
-          </p:nvPr>
-        </p:nvSpPr>
-        <p:spPr/>
-        <p:txBody>
-          <a:bodyPr/>
-          <a:lstStyle/>
-          <a:p>
-            <a:r>
-              <a:rPr lang="en-US" dirty="0"/>
-              <a:t>Connecting to Microsoft Excel</a:t>
-            </a:r>
-          </a:p>
-        </p:txBody>
-      </p:sp>
-      <p:sp>
-        <p:nvSpPr>
-          <p:cNvPr id="3" name="Text Placeholder 2"/>
-          <p:cNvSpPr>
-            <a:spLocks noGrp="1"/>
-          </p:cNvSpPr>
-          <p:nvPr>
-            <p:ph type="body" sz="quarter" idx="10"/>
-          </p:nvPr>
-        </p:nvSpPr>
-        <p:spPr>
-          <a:xfrm>
-            <a:off x="762000" y="1752600"/>
-            <a:ext cx="8582340" cy="3733800"/>
-          </a:xfrm>
-        </p:spPr>
-        <p:txBody>
-          <a:bodyPr/>
-          <a:lstStyle/>
-          <a:p>
-            <a:r>
-              <a:rPr lang="en-US" i="1" dirty="0"/>
-              <a:t>Like</a:t>
-            </a:r>
-            <a:r>
-              <a:rPr lang="en-US" dirty="0"/>
-              <a:t> a database… but </a:t>
-            </a:r>
-            <a:r>
-              <a:rPr lang="en-US" i="1" dirty="0"/>
-              <a:t>not</a:t>
-            </a:r>
-            <a:r>
-              <a:rPr lang="en-US" dirty="0"/>
-              <a:t> a </a:t>
-            </a:r>
-            <a:br>
-              <a:rPr lang="en-US" dirty="0"/>
-            </a:br>
-            <a:r>
-              <a:rPr lang="en-US" dirty="0"/>
-              <a:t>database</a:t>
-            </a:r>
-          </a:p>
-          <a:p>
-            <a:r>
-              <a:rPr lang="en-US" dirty="0"/>
-              <a:t>Worksheets &amp; named ranges show as tables</a:t>
-            </a:r>
-          </a:p>
-          <a:p>
-            <a:r>
-              <a:rPr lang="en-US" dirty="0"/>
-              <a:t>Generally requires cleanup, e.g. fixing data types, removing columns, etc.</a:t>
-            </a:r>
-          </a:p>
-        </p:txBody>
-      </p:sp>
-      <p:pic>
-        <p:nvPicPr>
-          <p:cNvPr id="4" name="Picture 3">
-            <a:extLst>
-              <a:ext uri="{FF2B5EF4-FFF2-40B4-BE49-F238E27FC236}">
-                <a16:creationId xmlns:a16="http://schemas.microsoft.com/office/drawing/2014/main" id="{54045BC8-F56B-41E7-A8C5-79FE56DE14AC}"/>
-              </a:ext>
-            </a:extLst>
-          </p:cNvPr>
-          <p:cNvPicPr>
-            <a:picLocks noChangeAspect="1"/>
-          </p:cNvPicPr>
-          <p:nvPr/>
-        </p:nvPicPr>
-        <p:blipFill>
-          <a:blip r:embed="rId3"/>
-          <a:stretch>
-            <a:fillRect/>
-          </a:stretch>
-        </p:blipFill>
-        <p:spPr>
-          <a:xfrm>
-            <a:off x="7086600" y="349076"/>
-            <a:ext cx="2257740" cy="2495898"/>
-          </a:xfrm>
-          <a:prstGeom prst="rect">
-            <a:avLst/>
-          </a:prstGeom>
-        </p:spPr>
-      </p:pic>
-      <p:pic>
-        <p:nvPicPr>
-          <p:cNvPr id="5" name="Picture 4">
-            <a:extLst>
-              <a:ext uri="{FF2B5EF4-FFF2-40B4-BE49-F238E27FC236}">
-                <a16:creationId xmlns:a16="http://schemas.microsoft.com/office/drawing/2014/main" id="{890B4192-A318-425B-8691-1EB84C599BC4}"/>
-              </a:ext>
-            </a:extLst>
-          </p:cNvPr>
-          <p:cNvPicPr>
-            <a:picLocks noChangeAspect="1"/>
-          </p:cNvPicPr>
-          <p:nvPr/>
-        </p:nvPicPr>
-        <p:blipFill>
-          <a:blip r:embed="rId4"/>
-          <a:stretch>
-            <a:fillRect/>
-          </a:stretch>
-        </p:blipFill>
-        <p:spPr>
-          <a:xfrm>
-            <a:off x="9539178" y="457200"/>
-            <a:ext cx="1914792" cy="5039428"/>
-          </a:xfrm>
-          <a:prstGeom prst="rect">
-            <a:avLst/>
-          </a:prstGeom>
-        </p:spPr>
-      </p:pic>
-      <p:sp>
-        <p:nvSpPr>
-          <p:cNvPr id="6" name="Arrow: Right 5">
-            <a:extLst>
-              <a:ext uri="{FF2B5EF4-FFF2-40B4-BE49-F238E27FC236}">
-                <a16:creationId xmlns:a16="http://schemas.microsoft.com/office/drawing/2014/main" id="{B6570221-CF9A-4EB9-8533-0A5FACEDECEF}"/>
-              </a:ext>
-            </a:extLst>
-          </p:cNvPr>
-          <p:cNvSpPr/>
-          <p:nvPr/>
-        </p:nvSpPr>
-        <p:spPr>
-          <a:xfrm rot="973251">
-            <a:off x="8975326" y="2096624"/>
-            <a:ext cx="762000" cy="533400"/>
-          </a:xfrm>
-          <a:prstGeom prst="rightArrow">
-            <a:avLst/>
-          </a:prstGeom>
-        </p:spPr>
-        <p:style>
-          <a:lnRef idx="2">
-            <a:schemeClr val="accent1">
-              <a:shade val="50000"/>
-            </a:schemeClr>
-          </a:lnRef>
-          <a:fillRef idx="1">
-            <a:schemeClr val="accent1"/>
-          </a:fillRef>
-          <a:effectRef idx="0">
-            <a:schemeClr val="accent1"/>
-          </a:effectRef>
-          <a:fontRef idx="minor">
-            <a:schemeClr val="lt1"/>
-          </a:fontRef>
-        </p:style>
-        <p:txBody>
-          <a:bodyPr rtlCol="0" anchor="ctr"/>
-          <a:lstStyle/>
-          <a:p>
-            <a:pPr algn="ctr"/>
-            <a:endParaRPr lang="en-US"/>
-          </a:p>
-        </p:txBody>
-      </p:sp>
-    </p:spTree>
-    <p:extLst>
-      <p:ext uri="{BB962C8B-B14F-4D97-AF65-F5344CB8AC3E}">
-        <p14:creationId xmlns:p14="http://schemas.microsoft.com/office/powerpoint/2010/main" val="1885312738"/>
-      </p:ext>
-    </p:extLst>
-  </p:cSld>
-  <p:clrMapOvr>
-    <a:masterClrMapping/>
-  </p:clrMapOvr>
+  <p:timing>
+    <p:tnLst>
+      <p:par>
+        <p:cTn id="1" dur="indefinite" restart="never" nodeType="tmRoot"/>
+      </p:par>
+    </p:tnLst>
+  </p:timing>
 </p:sld>
 </file>
 
@@ -17238,10 +17956,240 @@
   <p:clrMapOvr>
     <a:masterClrMapping/>
   </p:clrMapOvr>
+  <p:timing>
+    <p:tnLst>
+      <p:par>
+        <p:cTn id="1" dur="indefinite" restart="never" nodeType="tmRoot"/>
+      </p:par>
+    </p:tnLst>
+  </p:timing>
 </p:sld>
 </file>
 
 <file path=ppt/slides/slide40.xml><?xml version="1.0" encoding="utf-8"?>
+<p:sld xmlns:a="http://schemas.openxmlformats.org/drawingml/2006/main" xmlns:r="http://schemas.openxmlformats.org/officeDocument/2006/relationships" xmlns:p="http://schemas.openxmlformats.org/presentationml/2006/main">
+  <p:cSld>
+    <p:spTree>
+      <p:nvGrpSpPr>
+        <p:cNvPr id="1" name=""/>
+        <p:cNvGrpSpPr/>
+        <p:nvPr/>
+      </p:nvGrpSpPr>
+      <p:grpSpPr>
+        <a:xfrm>
+          <a:off x="0" y="0"/>
+          <a:ext cx="0" cy="0"/>
+          <a:chOff x="0" y="0"/>
+          <a:chExt cx="0" cy="0"/>
+        </a:xfrm>
+      </p:grpSpPr>
+      <p:sp>
+        <p:nvSpPr>
+          <p:cNvPr id="2" name="Title 1"/>
+          <p:cNvSpPr>
+            <a:spLocks noGrp="1"/>
+          </p:cNvSpPr>
+          <p:nvPr>
+            <p:ph type="title"/>
+          </p:nvPr>
+        </p:nvSpPr>
+        <p:spPr/>
+        <p:txBody>
+          <a:bodyPr/>
+          <a:lstStyle/>
+          <a:p>
+            <a:r>
+              <a:rPr lang="en-US" dirty="0"/>
+              <a:t>Connecting to Microsoft Excel</a:t>
+            </a:r>
+          </a:p>
+        </p:txBody>
+      </p:sp>
+      <p:sp>
+        <p:nvSpPr>
+          <p:cNvPr id="3" name="Text Placeholder 2"/>
+          <p:cNvSpPr>
+            <a:spLocks noGrp="1"/>
+          </p:cNvSpPr>
+          <p:nvPr>
+            <p:ph type="body" sz="quarter" idx="10"/>
+          </p:nvPr>
+        </p:nvSpPr>
+        <p:spPr>
+          <a:xfrm>
+            <a:off x="762000" y="1752600"/>
+            <a:ext cx="8582340" cy="3733800"/>
+          </a:xfrm>
+        </p:spPr>
+        <p:txBody>
+          <a:bodyPr/>
+          <a:lstStyle/>
+          <a:p>
+            <a:r>
+              <a:rPr lang="en-US" i="1" dirty="0"/>
+              <a:t>Like</a:t>
+            </a:r>
+            <a:r>
+              <a:rPr lang="en-US" dirty="0"/>
+              <a:t> a database… but </a:t>
+            </a:r>
+            <a:r>
+              <a:rPr lang="en-US" i="1" dirty="0"/>
+              <a:t>not</a:t>
+            </a:r>
+            <a:r>
+              <a:rPr lang="en-US" dirty="0"/>
+              <a:t> a </a:t>
+            </a:r>
+            <a:br>
+              <a:rPr lang="en-US" dirty="0"/>
+            </a:br>
+            <a:r>
+              <a:rPr lang="en-US" dirty="0"/>
+              <a:t>database</a:t>
+            </a:r>
+          </a:p>
+          <a:p>
+            <a:r>
+              <a:rPr lang="en-US" dirty="0"/>
+              <a:t>Worksheets &amp; named ranges show as tables</a:t>
+            </a:r>
+          </a:p>
+          <a:p>
+            <a:r>
+              <a:rPr lang="en-US" dirty="0"/>
+              <a:t>Generally requires cleanup, e.g. fixing data types, removing columns, etc.</a:t>
+            </a:r>
+          </a:p>
+        </p:txBody>
+      </p:sp>
+      <p:pic>
+        <p:nvPicPr>
+          <p:cNvPr id="4" name="Picture 3">
+            <a:extLst>
+              <a:ext uri="{FF2B5EF4-FFF2-40B4-BE49-F238E27FC236}">
+                <a16:creationId xmlns:a16="http://schemas.microsoft.com/office/drawing/2014/main" id="{54045BC8-F56B-41E7-A8C5-79FE56DE14AC}"/>
+              </a:ext>
+            </a:extLst>
+          </p:cNvPr>
+          <p:cNvPicPr>
+            <a:picLocks noChangeAspect="1"/>
+          </p:cNvPicPr>
+          <p:nvPr/>
+        </p:nvPicPr>
+        <p:blipFill>
+          <a:blip r:embed="rId3"/>
+          <a:stretch>
+            <a:fillRect/>
+          </a:stretch>
+        </p:blipFill>
+        <p:spPr>
+          <a:xfrm>
+            <a:off x="7086600" y="349076"/>
+            <a:ext cx="2257740" cy="2495898"/>
+          </a:xfrm>
+          <a:prstGeom prst="rect">
+            <a:avLst/>
+          </a:prstGeom>
+        </p:spPr>
+      </p:pic>
+      <p:pic>
+        <p:nvPicPr>
+          <p:cNvPr id="5" name="Picture 4">
+            <a:extLst>
+              <a:ext uri="{FF2B5EF4-FFF2-40B4-BE49-F238E27FC236}">
+                <a16:creationId xmlns:a16="http://schemas.microsoft.com/office/drawing/2014/main" id="{890B4192-A318-425B-8691-1EB84C599BC4}"/>
+              </a:ext>
+            </a:extLst>
+          </p:cNvPr>
+          <p:cNvPicPr>
+            <a:picLocks noChangeAspect="1"/>
+          </p:cNvPicPr>
+          <p:nvPr/>
+        </p:nvPicPr>
+        <p:blipFill>
+          <a:blip r:embed="rId4"/>
+          <a:stretch>
+            <a:fillRect/>
+          </a:stretch>
+        </p:blipFill>
+        <p:spPr>
+          <a:xfrm>
+            <a:off x="9539178" y="457200"/>
+            <a:ext cx="1914792" cy="5039428"/>
+          </a:xfrm>
+          <a:prstGeom prst="rect">
+            <a:avLst/>
+          </a:prstGeom>
+        </p:spPr>
+      </p:pic>
+      <p:sp>
+        <p:nvSpPr>
+          <p:cNvPr id="6" name="Arrow: Right 5">
+            <a:extLst>
+              <a:ext uri="{FF2B5EF4-FFF2-40B4-BE49-F238E27FC236}">
+                <a16:creationId xmlns:a16="http://schemas.microsoft.com/office/drawing/2014/main" id="{B6570221-CF9A-4EB9-8533-0A5FACEDECEF}"/>
+              </a:ext>
+            </a:extLst>
+          </p:cNvPr>
+          <p:cNvSpPr/>
+          <p:nvPr/>
+        </p:nvSpPr>
+        <p:spPr>
+          <a:xfrm rot="973251">
+            <a:off x="8975326" y="2096624"/>
+            <a:ext cx="762000" cy="533400"/>
+          </a:xfrm>
+          <a:prstGeom prst="rightArrow">
+            <a:avLst/>
+          </a:prstGeom>
+        </p:spPr>
+        <p:style>
+          <a:lnRef idx="2">
+            <a:schemeClr val="accent1">
+              <a:shade val="50000"/>
+            </a:schemeClr>
+          </a:lnRef>
+          <a:fillRef idx="1">
+            <a:schemeClr val="accent1"/>
+          </a:fillRef>
+          <a:effectRef idx="0">
+            <a:schemeClr val="accent1"/>
+          </a:effectRef>
+          <a:fontRef idx="minor">
+            <a:schemeClr val="lt1"/>
+          </a:fontRef>
+        </p:style>
+        <p:txBody>
+          <a:bodyPr rtlCol="0" anchor="ctr"/>
+          <a:lstStyle/>
+          <a:p>
+            <a:pPr algn="ctr"/>
+            <a:endParaRPr lang="en-US"/>
+          </a:p>
+        </p:txBody>
+      </p:sp>
+    </p:spTree>
+    <p:extLst>
+      <p:ext uri="{BB962C8B-B14F-4D97-AF65-F5344CB8AC3E}">
+        <p14:creationId xmlns:p14="http://schemas.microsoft.com/office/powerpoint/2010/main" val="1885312738"/>
+      </p:ext>
+    </p:extLst>
+  </p:cSld>
+  <p:clrMapOvr>
+    <a:masterClrMapping/>
+  </p:clrMapOvr>
+  <p:timing>
+    <p:tnLst>
+      <p:par>
+        <p:cTn id="1" dur="indefinite" restart="never" nodeType="tmRoot"/>
+      </p:par>
+    </p:tnLst>
+  </p:timing>
+</p:sld>
+</file>
+
+<file path=ppt/slides/slide41.xml><?xml version="1.0" encoding="utf-8"?>
 <p:sld xmlns:a="http://schemas.openxmlformats.org/drawingml/2006/main" xmlns:r="http://schemas.openxmlformats.org/officeDocument/2006/relationships" xmlns:p="http://schemas.openxmlformats.org/presentationml/2006/main">
   <p:cSld>
     <p:spTree>
@@ -17462,10 +18410,17 @@
   <p:clrMapOvr>
     <a:masterClrMapping/>
   </p:clrMapOvr>
+  <p:timing>
+    <p:tnLst>
+      <p:par>
+        <p:cTn id="1" dur="indefinite" restart="never" nodeType="tmRoot"/>
+      </p:par>
+    </p:tnLst>
+  </p:timing>
 </p:sld>
 </file>
 
-<file path=ppt/slides/slide41.xml><?xml version="1.0" encoding="utf-8"?>
+<file path=ppt/slides/slide42.xml><?xml version="1.0" encoding="utf-8"?>
 <p:sld xmlns:a="http://schemas.openxmlformats.org/drawingml/2006/main" xmlns:r="http://schemas.openxmlformats.org/officeDocument/2006/relationships" xmlns:p="http://schemas.openxmlformats.org/presentationml/2006/main">
   <p:cSld>
     <p:spTree>
@@ -17613,199 +18568,13 @@
   <p:clrMapOvr>
     <a:masterClrMapping/>
   </p:clrMapOvr>
-</p:sld>
-</file>
-
-<file path=ppt/slides/slide42.xml><?xml version="1.0" encoding="utf-8"?>
-<p:sld xmlns:a="http://schemas.openxmlformats.org/drawingml/2006/main" xmlns:r="http://schemas.openxmlformats.org/officeDocument/2006/relationships" xmlns:p="http://schemas.openxmlformats.org/presentationml/2006/main">
-  <p:cSld>
-    <p:spTree>
-      <p:nvGrpSpPr>
-        <p:cNvPr id="1" name=""/>
-        <p:cNvGrpSpPr/>
-        <p:nvPr/>
-      </p:nvGrpSpPr>
-      <p:grpSpPr>
-        <a:xfrm>
-          <a:off x="0" y="0"/>
-          <a:ext cx="0" cy="0"/>
-          <a:chOff x="0" y="0"/>
-          <a:chExt cx="0" cy="0"/>
-        </a:xfrm>
-      </p:grpSpPr>
-      <p:sp>
-        <p:nvSpPr>
-          <p:cNvPr id="2" name="Subtitle 1">
-            <a:extLst>
-              <a:ext uri="{FF2B5EF4-FFF2-40B4-BE49-F238E27FC236}">
-                <a16:creationId xmlns:a16="http://schemas.microsoft.com/office/drawing/2014/main" id="{AAD2439F-1DBE-744B-A703-1383FC8F2CCC}"/>
-              </a:ext>
-            </a:extLst>
-          </p:cNvPr>
-          <p:cNvSpPr>
-            <a:spLocks noGrp="1"/>
-          </p:cNvSpPr>
-          <p:nvPr>
-            <p:ph type="subTitle" idx="1"/>
-          </p:nvPr>
-        </p:nvSpPr>
-        <p:spPr/>
-        <p:txBody>
-          <a:bodyPr/>
-          <a:lstStyle/>
-          <a:p>
-            <a:pPr marL="342900" indent="-342900">
-              <a:buFont typeface="Arial" panose="020B0604020202020204" pitchFamily="34" charset="0"/>
-              <a:buChar char="•"/>
-            </a:pPr>
-            <a:r>
-              <a:rPr lang="en-US" dirty="0"/>
-              <a:t>Experiment with connecting to data</a:t>
-            </a:r>
-          </a:p>
-          <a:p>
-            <a:pPr marL="342900" indent="-342900">
-              <a:buFont typeface="Arial" panose="020B0604020202020204" pitchFamily="34" charset="0"/>
-              <a:buChar char="•"/>
-            </a:pPr>
-            <a:r>
-              <a:rPr lang="en-US" dirty="0"/>
-              <a:t>Data files in: C:\XTBP10Classfiles\Data</a:t>
-            </a:r>
-          </a:p>
-          <a:p>
-            <a:pPr marL="1012825" lvl="1" indent="-342900">
-              <a:buFont typeface="Arial" panose="020B0604020202020204" pitchFamily="34" charset="0"/>
-              <a:buChar char="•"/>
-            </a:pPr>
-            <a:r>
-              <a:rPr lang="en-US" sz="1800" dirty="0"/>
-              <a:t>SQL Server: pp. 14-18</a:t>
-            </a:r>
-          </a:p>
-          <a:p>
-            <a:pPr marL="1012825" lvl="1" indent="-342900">
-              <a:buFont typeface="Arial" panose="020B0604020202020204" pitchFamily="34" charset="0"/>
-              <a:buChar char="•"/>
-            </a:pPr>
-            <a:r>
-              <a:rPr lang="en-US" sz="1800" dirty="0"/>
-              <a:t>Tableau Data Extracts: p. 19</a:t>
-            </a:r>
-          </a:p>
-          <a:p>
-            <a:pPr marL="1012825" lvl="1" indent="-342900">
-              <a:buFont typeface="Arial" panose="020B0604020202020204" pitchFamily="34" charset="0"/>
-              <a:buChar char="•"/>
-            </a:pPr>
-            <a:r>
-              <a:rPr lang="en-US" sz="1800" i="1" dirty="0">
-                <a:solidFill>
-                  <a:srgbClr val="FF0000"/>
-                </a:solidFill>
-              </a:rPr>
-              <a:t>Skip Access, pp. 20-21</a:t>
-            </a:r>
-          </a:p>
-          <a:p>
-            <a:pPr marL="1012825" lvl="1" indent="-342900">
-              <a:buFont typeface="Arial" panose="020B0604020202020204" pitchFamily="34" charset="0"/>
-              <a:buChar char="•"/>
-            </a:pPr>
-            <a:r>
-              <a:rPr lang="en-US" sz="1800" dirty="0"/>
-              <a:t>Excel: pp. 22-23</a:t>
-            </a:r>
-          </a:p>
-          <a:p>
-            <a:pPr marL="1012825" lvl="1" indent="-342900">
-              <a:buFont typeface="Arial" panose="020B0604020202020204" pitchFamily="34" charset="0"/>
-              <a:buChar char="•"/>
-            </a:pPr>
-            <a:r>
-              <a:rPr lang="en-US" sz="1800" dirty="0"/>
-              <a:t>PDF Files: p. 24</a:t>
-            </a:r>
-          </a:p>
-          <a:p>
-            <a:pPr marL="1012825" lvl="1" indent="-342900">
-              <a:buFont typeface="Arial" panose="020B0604020202020204" pitchFamily="34" charset="0"/>
-              <a:buChar char="•"/>
-            </a:pPr>
-            <a:r>
-              <a:rPr lang="en-US" sz="1800" dirty="0"/>
-              <a:t>Text files: pp. 24-25</a:t>
-            </a:r>
-            <a:endParaRPr lang="en-US" dirty="0"/>
-          </a:p>
-        </p:txBody>
-      </p:sp>
-      <p:sp>
-        <p:nvSpPr>
-          <p:cNvPr id="3" name="Text Placeholder 2">
-            <a:extLst>
-              <a:ext uri="{FF2B5EF4-FFF2-40B4-BE49-F238E27FC236}">
-                <a16:creationId xmlns:a16="http://schemas.microsoft.com/office/drawing/2014/main" id="{B34D6F55-4A1C-8C4F-9AF3-A38CD56C25CA}"/>
-              </a:ext>
-            </a:extLst>
-          </p:cNvPr>
-          <p:cNvSpPr>
-            <a:spLocks noGrp="1"/>
-          </p:cNvSpPr>
-          <p:nvPr>
-            <p:ph type="body" sz="quarter" idx="11"/>
-          </p:nvPr>
-        </p:nvSpPr>
-        <p:spPr/>
-        <p:txBody>
-          <a:bodyPr/>
-          <a:lstStyle/>
-          <a:p>
-            <a:r>
-              <a:rPr lang="en-US" dirty="0"/>
-              <a:t>20 minutes</a:t>
-            </a:r>
-          </a:p>
-        </p:txBody>
-      </p:sp>
-      <p:sp>
-        <p:nvSpPr>
-          <p:cNvPr id="4" name="Title 3">
-            <a:extLst>
-              <a:ext uri="{FF2B5EF4-FFF2-40B4-BE49-F238E27FC236}">
-                <a16:creationId xmlns:a16="http://schemas.microsoft.com/office/drawing/2014/main" id="{BACB2514-CF03-6F4B-98A8-05F8396F2D7E}"/>
-              </a:ext>
-            </a:extLst>
-          </p:cNvPr>
-          <p:cNvSpPr>
-            <a:spLocks noGrp="1"/>
-          </p:cNvSpPr>
-          <p:nvPr>
-            <p:ph type="title"/>
-          </p:nvPr>
-        </p:nvSpPr>
-        <p:spPr/>
-        <p:txBody>
-          <a:bodyPr/>
-          <a:lstStyle/>
-          <a:p>
-            <a:r>
-              <a:rPr lang="en-US" dirty="0"/>
-              <a:t>Lab 2: Connecting to Data</a:t>
-            </a:r>
-          </a:p>
-        </p:txBody>
-      </p:sp>
-    </p:spTree>
-    <p:extLst>
-      <p:ext uri="{BB962C8B-B14F-4D97-AF65-F5344CB8AC3E}">
-        <p14:creationId xmlns:p14="http://schemas.microsoft.com/office/powerpoint/2010/main" val="2282883991"/>
-      </p:ext>
-    </p:extLst>
-  </p:cSld>
-  <p:clrMapOvr>
-    <a:masterClrMapping/>
-  </p:clrMapOvr>
+  <p:timing>
+    <p:tnLst>
+      <p:par>
+        <p:cTn id="1" dur="indefinite" restart="never" nodeType="tmRoot"/>
+      </p:par>
+    </p:tnLst>
+  </p:timing>
 </p:sld>
 </file>
 
@@ -17828,6 +18597,873 @@
       </p:grpSpPr>
       <p:sp>
         <p:nvSpPr>
+          <p:cNvPr id="2" name="Subtitle 1">
+            <a:extLst>
+              <a:ext uri="{FF2B5EF4-FFF2-40B4-BE49-F238E27FC236}">
+                <a16:creationId xmlns:a16="http://schemas.microsoft.com/office/drawing/2014/main" id="{AAD2439F-1DBE-744B-A703-1383FC8F2CCC}"/>
+              </a:ext>
+            </a:extLst>
+          </p:cNvPr>
+          <p:cNvSpPr>
+            <a:spLocks noGrp="1"/>
+          </p:cNvSpPr>
+          <p:nvPr>
+            <p:ph type="subTitle" idx="1"/>
+          </p:nvPr>
+        </p:nvSpPr>
+        <p:spPr/>
+        <p:txBody>
+          <a:bodyPr/>
+          <a:lstStyle/>
+          <a:p>
+            <a:pPr marL="342900" indent="-342900">
+              <a:buFont typeface="Arial" panose="020B0604020202020204" pitchFamily="34" charset="0"/>
+              <a:buChar char="•"/>
+            </a:pPr>
+            <a:r>
+              <a:rPr lang="en-US" dirty="0"/>
+              <a:t>Experiment with connecting to data</a:t>
+            </a:r>
+          </a:p>
+          <a:p>
+            <a:pPr marL="342900" indent="-342900">
+              <a:buFont typeface="Arial" panose="020B0604020202020204" pitchFamily="34" charset="0"/>
+              <a:buChar char="•"/>
+            </a:pPr>
+            <a:r>
+              <a:rPr lang="en-US" dirty="0"/>
+              <a:t>Data files in: C:\XTBP10Classfiles\Data</a:t>
+            </a:r>
+          </a:p>
+          <a:p>
+            <a:pPr marL="1012825" lvl="1" indent="-342900">
+              <a:buFont typeface="Arial" panose="020B0604020202020204" pitchFamily="34" charset="0"/>
+              <a:buChar char="•"/>
+            </a:pPr>
+            <a:r>
+              <a:rPr lang="en-US" sz="1800" dirty="0"/>
+              <a:t>SQL Server: pp. </a:t>
+            </a:r>
+            <a:r>
+              <a:rPr lang="en-US" sz="1800" dirty="0" smtClean="0"/>
+              <a:t>14-18 (Use a period (.), i.e., the local machine, for the server name)</a:t>
+            </a:r>
+            <a:endParaRPr lang="en-US" sz="1800" dirty="0"/>
+          </a:p>
+          <a:p>
+            <a:pPr marL="1012825" lvl="1" indent="-342900">
+              <a:buFont typeface="Arial" panose="020B0604020202020204" pitchFamily="34" charset="0"/>
+              <a:buChar char="•"/>
+            </a:pPr>
+            <a:r>
+              <a:rPr lang="en-US" sz="1800" dirty="0"/>
+              <a:t>Tableau Data Extracts: p. 19</a:t>
+            </a:r>
+          </a:p>
+          <a:p>
+            <a:pPr marL="1012825" lvl="1" indent="-342900">
+              <a:buFont typeface="Arial" panose="020B0604020202020204" pitchFamily="34" charset="0"/>
+              <a:buChar char="•"/>
+            </a:pPr>
+            <a:r>
+              <a:rPr lang="en-US" sz="1800" i="1" dirty="0">
+                <a:solidFill>
+                  <a:srgbClr val="FF0000"/>
+                </a:solidFill>
+              </a:rPr>
+              <a:t>Skip Access, pp. 20-21</a:t>
+            </a:r>
+          </a:p>
+          <a:p>
+            <a:pPr marL="1012825" lvl="1" indent="-342900">
+              <a:buFont typeface="Arial" panose="020B0604020202020204" pitchFamily="34" charset="0"/>
+              <a:buChar char="•"/>
+            </a:pPr>
+            <a:r>
+              <a:rPr lang="en-US" sz="1800" dirty="0"/>
+              <a:t>Excel: pp. 22-23</a:t>
+            </a:r>
+          </a:p>
+          <a:p>
+            <a:pPr marL="1012825" lvl="1" indent="-342900">
+              <a:buFont typeface="Arial" panose="020B0604020202020204" pitchFamily="34" charset="0"/>
+              <a:buChar char="•"/>
+            </a:pPr>
+            <a:r>
+              <a:rPr lang="en-US" sz="1800" dirty="0"/>
+              <a:t>PDF Files: p. 24</a:t>
+            </a:r>
+          </a:p>
+          <a:p>
+            <a:pPr marL="1012825" lvl="1" indent="-342900">
+              <a:buFont typeface="Arial" panose="020B0604020202020204" pitchFamily="34" charset="0"/>
+              <a:buChar char="•"/>
+            </a:pPr>
+            <a:r>
+              <a:rPr lang="en-US" sz="1800" dirty="0"/>
+              <a:t>Text files: pp. 24-25</a:t>
+            </a:r>
+            <a:endParaRPr lang="en-US" dirty="0"/>
+          </a:p>
+        </p:txBody>
+      </p:sp>
+      <p:sp>
+        <p:nvSpPr>
+          <p:cNvPr id="3" name="Text Placeholder 2">
+            <a:extLst>
+              <a:ext uri="{FF2B5EF4-FFF2-40B4-BE49-F238E27FC236}">
+                <a16:creationId xmlns:a16="http://schemas.microsoft.com/office/drawing/2014/main" id="{B34D6F55-4A1C-8C4F-9AF3-A38CD56C25CA}"/>
+              </a:ext>
+            </a:extLst>
+          </p:cNvPr>
+          <p:cNvSpPr>
+            <a:spLocks noGrp="1"/>
+          </p:cNvSpPr>
+          <p:nvPr>
+            <p:ph type="body" sz="quarter" idx="11"/>
+          </p:nvPr>
+        </p:nvSpPr>
+        <p:spPr/>
+        <p:txBody>
+          <a:bodyPr/>
+          <a:lstStyle/>
+          <a:p>
+            <a:r>
+              <a:rPr lang="en-US" dirty="0"/>
+              <a:t>20 minutes</a:t>
+            </a:r>
+          </a:p>
+        </p:txBody>
+      </p:sp>
+      <p:sp>
+        <p:nvSpPr>
+          <p:cNvPr id="4" name="Title 3">
+            <a:extLst>
+              <a:ext uri="{FF2B5EF4-FFF2-40B4-BE49-F238E27FC236}">
+                <a16:creationId xmlns:a16="http://schemas.microsoft.com/office/drawing/2014/main" id="{BACB2514-CF03-6F4B-98A8-05F8396F2D7E}"/>
+              </a:ext>
+            </a:extLst>
+          </p:cNvPr>
+          <p:cNvSpPr>
+            <a:spLocks noGrp="1"/>
+          </p:cNvSpPr>
+          <p:nvPr>
+            <p:ph type="title"/>
+          </p:nvPr>
+        </p:nvSpPr>
+        <p:spPr/>
+        <p:txBody>
+          <a:bodyPr/>
+          <a:lstStyle/>
+          <a:p>
+            <a:r>
+              <a:rPr lang="en-US" dirty="0"/>
+              <a:t>Lab 2: Connecting to Data</a:t>
+            </a:r>
+          </a:p>
+        </p:txBody>
+      </p:sp>
+      <p:sp>
+        <p:nvSpPr>
+          <p:cNvPr id="5" name="Rectangle 5"/>
+          <p:cNvSpPr>
+            <a:spLocks noChangeArrowheads="1"/>
+          </p:cNvSpPr>
+          <p:nvPr/>
+        </p:nvSpPr>
+        <p:spPr bwMode="auto">
+          <a:xfrm>
+            <a:off x="0" y="0"/>
+            <a:ext cx="12192000" cy="6858000"/>
+          </a:xfrm>
+          <a:prstGeom prst="rect">
+            <a:avLst/>
+          </a:prstGeom>
+          <a:solidFill>
+            <a:srgbClr val="FFFFFF">
+              <a:alpha val="50195"/>
+            </a:srgbClr>
+          </a:solidFill>
+          <a:ln>
+            <a:noFill/>
+          </a:ln>
+          <a:effectLst>
+            <a:outerShdw dist="53882" dir="2700000" algn="ctr" rotWithShape="0">
+              <a:srgbClr val="919191">
+                <a:alpha val="50000"/>
+              </a:srgbClr>
+            </a:outerShdw>
+          </a:effectLst>
+          <a:extLst>
+            <a:ext uri="{91240B29-F687-4F45-9708-019B960494DF}">
+              <a14:hiddenLine xmlns:a14="http://schemas.microsoft.com/office/drawing/2010/main" w="9525" algn="ctr">
+                <a:solidFill>
+                  <a:srgbClr val="000000"/>
+                </a:solidFill>
+                <a:miter lim="800000"/>
+                <a:headEnd/>
+                <a:tailEnd/>
+              </a14:hiddenLine>
+            </a:ext>
+          </a:extLst>
+        </p:spPr>
+        <p:txBody>
+          <a:bodyPr wrap="none" anchor="ctr"/>
+          <a:lstStyle>
+            <a:lvl1pPr>
+              <a:defRPr b="1">
+                <a:solidFill>
+                  <a:schemeClr val="tx1"/>
+                </a:solidFill>
+                <a:latin typeface="Verdana" panose="020B0604030504040204" pitchFamily="34" charset="0"/>
+              </a:defRPr>
+            </a:lvl1pPr>
+            <a:lvl2pPr marL="742950" indent="-285750">
+              <a:defRPr b="1">
+                <a:solidFill>
+                  <a:schemeClr val="tx1"/>
+                </a:solidFill>
+                <a:latin typeface="Verdana" panose="020B0604030504040204" pitchFamily="34" charset="0"/>
+              </a:defRPr>
+            </a:lvl2pPr>
+            <a:lvl3pPr marL="1143000" indent="-228600">
+              <a:defRPr b="1">
+                <a:solidFill>
+                  <a:schemeClr val="tx1"/>
+                </a:solidFill>
+                <a:latin typeface="Verdana" panose="020B0604030504040204" pitchFamily="34" charset="0"/>
+              </a:defRPr>
+            </a:lvl3pPr>
+            <a:lvl4pPr marL="1600200" indent="-228600">
+              <a:defRPr b="1">
+                <a:solidFill>
+                  <a:schemeClr val="tx1"/>
+                </a:solidFill>
+                <a:latin typeface="Verdana" panose="020B0604030504040204" pitchFamily="34" charset="0"/>
+              </a:defRPr>
+            </a:lvl4pPr>
+            <a:lvl5pPr marL="2057400" indent="-228600">
+              <a:defRPr b="1">
+                <a:solidFill>
+                  <a:schemeClr val="tx1"/>
+                </a:solidFill>
+                <a:latin typeface="Verdana" panose="020B0604030504040204" pitchFamily="34" charset="0"/>
+              </a:defRPr>
+            </a:lvl5pPr>
+            <a:lvl6pPr marL="2514600" indent="-228600" eaLnBrk="0" fontAlgn="base" hangingPunct="0">
+              <a:spcBef>
+                <a:spcPct val="0"/>
+              </a:spcBef>
+              <a:spcAft>
+                <a:spcPct val="0"/>
+              </a:spcAft>
+              <a:defRPr b="1">
+                <a:solidFill>
+                  <a:schemeClr val="tx1"/>
+                </a:solidFill>
+                <a:latin typeface="Verdana" panose="020B0604030504040204" pitchFamily="34" charset="0"/>
+              </a:defRPr>
+            </a:lvl6pPr>
+            <a:lvl7pPr marL="2971800" indent="-228600" eaLnBrk="0" fontAlgn="base" hangingPunct="0">
+              <a:spcBef>
+                <a:spcPct val="0"/>
+              </a:spcBef>
+              <a:spcAft>
+                <a:spcPct val="0"/>
+              </a:spcAft>
+              <a:defRPr b="1">
+                <a:solidFill>
+                  <a:schemeClr val="tx1"/>
+                </a:solidFill>
+                <a:latin typeface="Verdana" panose="020B0604030504040204" pitchFamily="34" charset="0"/>
+              </a:defRPr>
+            </a:lvl7pPr>
+            <a:lvl8pPr marL="3429000" indent="-228600" eaLnBrk="0" fontAlgn="base" hangingPunct="0">
+              <a:spcBef>
+                <a:spcPct val="0"/>
+              </a:spcBef>
+              <a:spcAft>
+                <a:spcPct val="0"/>
+              </a:spcAft>
+              <a:defRPr b="1">
+                <a:solidFill>
+                  <a:schemeClr val="tx1"/>
+                </a:solidFill>
+                <a:latin typeface="Verdana" panose="020B0604030504040204" pitchFamily="34" charset="0"/>
+              </a:defRPr>
+            </a:lvl8pPr>
+            <a:lvl9pPr marL="3886200" indent="-228600" eaLnBrk="0" fontAlgn="base" hangingPunct="0">
+              <a:spcBef>
+                <a:spcPct val="0"/>
+              </a:spcBef>
+              <a:spcAft>
+                <a:spcPct val="0"/>
+              </a:spcAft>
+              <a:defRPr b="1">
+                <a:solidFill>
+                  <a:schemeClr val="tx1"/>
+                </a:solidFill>
+                <a:latin typeface="Verdana" panose="020B0604030504040204" pitchFamily="34" charset="0"/>
+              </a:defRPr>
+            </a:lvl9pPr>
+          </a:lstStyle>
+          <a:p>
+            <a:pPr algn="ctr"/>
+            <a:endParaRPr lang="en-US" altLang="en-US"/>
+          </a:p>
+        </p:txBody>
+      </p:sp>
+      <p:sp>
+        <p:nvSpPr>
+          <p:cNvPr id="6" name="Rectangle 6"/>
+          <p:cNvSpPr>
+            <a:spLocks noChangeArrowheads="1"/>
+          </p:cNvSpPr>
+          <p:nvPr/>
+        </p:nvSpPr>
+        <p:spPr bwMode="auto">
+          <a:xfrm>
+            <a:off x="4495800" y="5047287"/>
+            <a:ext cx="4094163" cy="1589088"/>
+          </a:xfrm>
+          <a:prstGeom prst="rect">
+            <a:avLst/>
+          </a:prstGeom>
+          <a:solidFill>
+            <a:srgbClr val="FFFFFF"/>
+          </a:solidFill>
+          <a:ln w="9525" algn="ctr">
+            <a:solidFill>
+              <a:schemeClr val="bg2"/>
+            </a:solidFill>
+            <a:miter lim="800000"/>
+            <a:headEnd/>
+            <a:tailEnd/>
+          </a:ln>
+          <a:effectLst>
+            <a:outerShdw dist="53882" dir="2700000" algn="ctr" rotWithShape="0">
+              <a:srgbClr val="919191">
+                <a:alpha val="50000"/>
+              </a:srgbClr>
+            </a:outerShdw>
+          </a:effectLst>
+        </p:spPr>
+        <p:txBody>
+          <a:bodyPr anchor="ctr"/>
+          <a:lstStyle>
+            <a:lvl1pPr>
+              <a:defRPr b="1">
+                <a:solidFill>
+                  <a:schemeClr val="tx1"/>
+                </a:solidFill>
+                <a:latin typeface="Verdana" panose="020B0604030504040204" pitchFamily="34" charset="0"/>
+              </a:defRPr>
+            </a:lvl1pPr>
+            <a:lvl2pPr marL="742950" indent="-285750">
+              <a:defRPr b="1">
+                <a:solidFill>
+                  <a:schemeClr val="tx1"/>
+                </a:solidFill>
+                <a:latin typeface="Verdana" panose="020B0604030504040204" pitchFamily="34" charset="0"/>
+              </a:defRPr>
+            </a:lvl2pPr>
+            <a:lvl3pPr marL="1143000" indent="-228600">
+              <a:defRPr b="1">
+                <a:solidFill>
+                  <a:schemeClr val="tx1"/>
+                </a:solidFill>
+                <a:latin typeface="Verdana" panose="020B0604030504040204" pitchFamily="34" charset="0"/>
+              </a:defRPr>
+            </a:lvl3pPr>
+            <a:lvl4pPr marL="1600200" indent="-228600">
+              <a:defRPr b="1">
+                <a:solidFill>
+                  <a:schemeClr val="tx1"/>
+                </a:solidFill>
+                <a:latin typeface="Verdana" panose="020B0604030504040204" pitchFamily="34" charset="0"/>
+              </a:defRPr>
+            </a:lvl4pPr>
+            <a:lvl5pPr marL="2057400" indent="-228600">
+              <a:defRPr b="1">
+                <a:solidFill>
+                  <a:schemeClr val="tx1"/>
+                </a:solidFill>
+                <a:latin typeface="Verdana" panose="020B0604030504040204" pitchFamily="34" charset="0"/>
+              </a:defRPr>
+            </a:lvl5pPr>
+            <a:lvl6pPr marL="2514600" indent="-228600" eaLnBrk="0" fontAlgn="base" hangingPunct="0">
+              <a:spcBef>
+                <a:spcPct val="0"/>
+              </a:spcBef>
+              <a:spcAft>
+                <a:spcPct val="0"/>
+              </a:spcAft>
+              <a:defRPr b="1">
+                <a:solidFill>
+                  <a:schemeClr val="tx1"/>
+                </a:solidFill>
+                <a:latin typeface="Verdana" panose="020B0604030504040204" pitchFamily="34" charset="0"/>
+              </a:defRPr>
+            </a:lvl6pPr>
+            <a:lvl7pPr marL="2971800" indent="-228600" eaLnBrk="0" fontAlgn="base" hangingPunct="0">
+              <a:spcBef>
+                <a:spcPct val="0"/>
+              </a:spcBef>
+              <a:spcAft>
+                <a:spcPct val="0"/>
+              </a:spcAft>
+              <a:defRPr b="1">
+                <a:solidFill>
+                  <a:schemeClr val="tx1"/>
+                </a:solidFill>
+                <a:latin typeface="Verdana" panose="020B0604030504040204" pitchFamily="34" charset="0"/>
+              </a:defRPr>
+            </a:lvl7pPr>
+            <a:lvl8pPr marL="3429000" indent="-228600" eaLnBrk="0" fontAlgn="base" hangingPunct="0">
+              <a:spcBef>
+                <a:spcPct val="0"/>
+              </a:spcBef>
+              <a:spcAft>
+                <a:spcPct val="0"/>
+              </a:spcAft>
+              <a:defRPr b="1">
+                <a:solidFill>
+                  <a:schemeClr val="tx1"/>
+                </a:solidFill>
+                <a:latin typeface="Verdana" panose="020B0604030504040204" pitchFamily="34" charset="0"/>
+              </a:defRPr>
+            </a:lvl8pPr>
+            <a:lvl9pPr marL="3886200" indent="-228600" eaLnBrk="0" fontAlgn="base" hangingPunct="0">
+              <a:spcBef>
+                <a:spcPct val="0"/>
+              </a:spcBef>
+              <a:spcAft>
+                <a:spcPct val="0"/>
+              </a:spcAft>
+              <a:defRPr b="1">
+                <a:solidFill>
+                  <a:schemeClr val="tx1"/>
+                </a:solidFill>
+                <a:latin typeface="Verdana" panose="020B0604030504040204" pitchFamily="34" charset="0"/>
+              </a:defRPr>
+            </a:lvl9pPr>
+          </a:lstStyle>
+          <a:p>
+            <a:pPr algn="ctr"/>
+            <a:r>
+              <a:rPr lang="en-US" altLang="en-US">
+                <a:solidFill>
+                  <a:srgbClr val="000000"/>
+                </a:solidFill>
+              </a:rPr>
+              <a:t>Questions? Comments?</a:t>
+            </a:r>
+          </a:p>
+          <a:p>
+            <a:pPr algn="ctr"/>
+            <a:r>
+              <a:rPr lang="en-US" altLang="en-US">
+                <a:solidFill>
+                  <a:srgbClr val="000000"/>
+                </a:solidFill>
+              </a:rPr>
+              <a:t>Dan’s e-mail: </a:t>
+            </a:r>
+            <a:r>
+              <a:rPr lang="en-US" altLang="en-US">
+                <a:solidFill>
+                  <a:srgbClr val="000000"/>
+                </a:solidFill>
+                <a:hlinkClick r:id="rId2"/>
+              </a:rPr>
+              <a:t>danc@onlc.com</a:t>
+            </a:r>
+            <a:endParaRPr lang="en-US" altLang="en-US">
+              <a:solidFill>
+                <a:srgbClr val="000000"/>
+              </a:solidFill>
+            </a:endParaRPr>
+          </a:p>
+          <a:p>
+            <a:pPr algn="ctr"/>
+            <a:r>
+              <a:rPr lang="en-US" altLang="en-US">
+                <a:solidFill>
+                  <a:srgbClr val="000000"/>
+                </a:solidFill>
+              </a:rPr>
+              <a:t>Dan’s cell #: (413) 455-0856</a:t>
+            </a:r>
+          </a:p>
+        </p:txBody>
+      </p:sp>
+      <p:sp>
+        <p:nvSpPr>
+          <p:cNvPr id="7" name="WordArt 3"/>
+          <p:cNvSpPr>
+            <a:spLocks noChangeArrowheads="1" noChangeShapeType="1" noTextEdit="1"/>
+          </p:cNvSpPr>
+          <p:nvPr/>
+        </p:nvSpPr>
+        <p:spPr bwMode="auto">
+          <a:xfrm>
+            <a:off x="7107236" y="355143"/>
+            <a:ext cx="4618037" cy="1866563"/>
+          </a:xfrm>
+          <a:prstGeom prst="rect">
+            <a:avLst/>
+          </a:prstGeom>
+        </p:spPr>
+        <p:txBody>
+          <a:bodyPr wrap="none" fromWordArt="1">
+            <a:prstTxWarp prst="textSlantUp">
+              <a:avLst>
+                <a:gd name="adj" fmla="val 9014"/>
+              </a:avLst>
+            </a:prstTxWarp>
+          </a:bodyPr>
+          <a:lstStyle/>
+          <a:p>
+            <a:pPr algn="ctr"/>
+            <a:r>
+              <a:rPr lang="en-US" sz="3600" kern="10" dirty="0">
+                <a:ln w="9525">
+                  <a:solidFill>
+                    <a:srgbClr val="CC99FF"/>
+                  </a:solidFill>
+                  <a:round/>
+                  <a:headEnd/>
+                  <a:tailEnd/>
+                </a:ln>
+                <a:gradFill rotWithShape="1">
+                  <a:gsLst>
+                    <a:gs pos="0">
+                      <a:srgbClr val="6600CC"/>
+                    </a:gs>
+                    <a:gs pos="100000">
+                      <a:srgbClr val="CC00CC"/>
+                    </a:gs>
+                  </a:gsLst>
+                  <a:lin ang="5400000" scaled="1"/>
+                </a:gradFill>
+                <a:effectLst>
+                  <a:outerShdw dist="53882" dir="2700000" algn="ctr" rotWithShape="0">
+                    <a:srgbClr val="9999FF">
+                      <a:alpha val="79999"/>
+                    </a:srgbClr>
+                  </a:outerShdw>
+                </a:effectLst>
+                <a:latin typeface="Impact" panose="020B0806030902050204" pitchFamily="34" charset="0"/>
+              </a:rPr>
+              <a:t>Lab: </a:t>
+            </a:r>
+            <a:r>
+              <a:rPr lang="en-US" sz="3600" kern="10" dirty="0" smtClean="0">
+                <a:ln w="9525">
+                  <a:solidFill>
+                    <a:srgbClr val="CC99FF"/>
+                  </a:solidFill>
+                  <a:round/>
+                  <a:headEnd/>
+                  <a:tailEnd/>
+                </a:ln>
+                <a:gradFill rotWithShape="1">
+                  <a:gsLst>
+                    <a:gs pos="0">
+                      <a:srgbClr val="6600CC"/>
+                    </a:gs>
+                    <a:gs pos="100000">
+                      <a:srgbClr val="CC00CC"/>
+                    </a:gs>
+                  </a:gsLst>
+                  <a:lin ang="5400000" scaled="1"/>
+                </a:gradFill>
+                <a:effectLst>
+                  <a:outerShdw dist="53882" dir="2700000" algn="ctr" rotWithShape="0">
+                    <a:srgbClr val="9999FF">
+                      <a:alpha val="79999"/>
+                    </a:srgbClr>
+                  </a:outerShdw>
+                </a:effectLst>
+                <a:latin typeface="Impact" panose="020B0806030902050204" pitchFamily="34" charset="0"/>
+              </a:rPr>
+              <a:t>12:45-13:05</a:t>
+            </a:r>
+            <a:endParaRPr lang="en-US" sz="3600" kern="10" dirty="0">
+              <a:ln w="9525">
+                <a:solidFill>
+                  <a:srgbClr val="CC99FF"/>
+                </a:solidFill>
+                <a:round/>
+                <a:headEnd/>
+                <a:tailEnd/>
+              </a:ln>
+              <a:gradFill rotWithShape="1">
+                <a:gsLst>
+                  <a:gs pos="0">
+                    <a:srgbClr val="6600CC"/>
+                  </a:gs>
+                  <a:gs pos="100000">
+                    <a:srgbClr val="CC00CC"/>
+                  </a:gs>
+                </a:gsLst>
+                <a:lin ang="5400000" scaled="1"/>
+              </a:gradFill>
+              <a:effectLst>
+                <a:outerShdw dist="53882" dir="2700000" algn="ctr" rotWithShape="0">
+                  <a:srgbClr val="9999FF">
+                    <a:alpha val="79999"/>
+                  </a:srgbClr>
+                </a:outerShdw>
+              </a:effectLst>
+              <a:latin typeface="Impact" panose="020B0806030902050204" pitchFamily="34" charset="0"/>
+            </a:endParaRPr>
+          </a:p>
+          <a:p>
+            <a:pPr algn="ctr"/>
+            <a:r>
+              <a:rPr lang="en-US" sz="3600" kern="10" dirty="0">
+                <a:ln w="9525">
+                  <a:solidFill>
+                    <a:srgbClr val="CC99FF"/>
+                  </a:solidFill>
+                  <a:round/>
+                  <a:headEnd/>
+                  <a:tailEnd/>
+                </a:ln>
+                <a:gradFill rotWithShape="1">
+                  <a:gsLst>
+                    <a:gs pos="0">
+                      <a:srgbClr val="6600CC"/>
+                    </a:gs>
+                    <a:gs pos="100000">
+                      <a:srgbClr val="CC00CC"/>
+                    </a:gs>
+                  </a:gsLst>
+                  <a:lin ang="5400000" scaled="1"/>
+                </a:gradFill>
+                <a:effectLst>
+                  <a:outerShdw dist="53882" dir="2700000" algn="ctr" rotWithShape="0">
+                    <a:srgbClr val="9999FF">
+                      <a:alpha val="79999"/>
+                    </a:srgbClr>
+                  </a:outerShdw>
+                </a:effectLst>
+                <a:latin typeface="Impact" panose="020B0806030902050204" pitchFamily="34" charset="0"/>
+              </a:rPr>
+              <a:t>Lunch: </a:t>
+            </a:r>
+            <a:r>
+              <a:rPr lang="en-US" sz="3600" kern="10" dirty="0" smtClean="0">
+                <a:ln w="9525">
+                  <a:solidFill>
+                    <a:srgbClr val="CC99FF"/>
+                  </a:solidFill>
+                  <a:round/>
+                  <a:headEnd/>
+                  <a:tailEnd/>
+                </a:ln>
+                <a:gradFill rotWithShape="1">
+                  <a:gsLst>
+                    <a:gs pos="0">
+                      <a:srgbClr val="6600CC"/>
+                    </a:gs>
+                    <a:gs pos="100000">
+                      <a:srgbClr val="CC00CC"/>
+                    </a:gs>
+                  </a:gsLst>
+                  <a:lin ang="5400000" scaled="1"/>
+                </a:gradFill>
+                <a:effectLst>
+                  <a:outerShdw dist="53882" dir="2700000" algn="ctr" rotWithShape="0">
+                    <a:srgbClr val="9999FF">
+                      <a:alpha val="79999"/>
+                    </a:srgbClr>
+                  </a:outerShdw>
+                </a:effectLst>
+                <a:latin typeface="Impact" panose="020B0806030902050204" pitchFamily="34" charset="0"/>
+              </a:rPr>
+              <a:t>13:05-14:05</a:t>
+            </a:r>
+            <a:endParaRPr lang="en-US" sz="3600" kern="10" dirty="0">
+              <a:ln w="9525">
+                <a:solidFill>
+                  <a:srgbClr val="CC99FF"/>
+                </a:solidFill>
+                <a:round/>
+                <a:headEnd/>
+                <a:tailEnd/>
+              </a:ln>
+              <a:gradFill rotWithShape="1">
+                <a:gsLst>
+                  <a:gs pos="0">
+                    <a:srgbClr val="6600CC"/>
+                  </a:gs>
+                  <a:gs pos="100000">
+                    <a:srgbClr val="CC00CC"/>
+                  </a:gs>
+                </a:gsLst>
+                <a:lin ang="5400000" scaled="1"/>
+              </a:gradFill>
+              <a:effectLst>
+                <a:outerShdw dist="53882" dir="2700000" algn="ctr" rotWithShape="0">
+                  <a:srgbClr val="9999FF">
+                    <a:alpha val="79999"/>
+                  </a:srgbClr>
+                </a:outerShdw>
+              </a:effectLst>
+              <a:latin typeface="Impact" panose="020B0806030902050204" pitchFamily="34" charset="0"/>
+            </a:endParaRPr>
+          </a:p>
+        </p:txBody>
+      </p:sp>
+      <p:pic>
+        <p:nvPicPr>
+          <p:cNvPr id="8" name="Picture 6" descr="j0305257"/>
+          <p:cNvPicPr>
+            <a:picLocks noChangeAspect="1" noChangeArrowheads="1"/>
+          </p:cNvPicPr>
+          <p:nvPr/>
+        </p:nvPicPr>
+        <p:blipFill>
+          <a:blip r:embed="rId3">
+            <a:extLst>
+              <a:ext uri="{28A0092B-C50C-407E-A947-70E740481C1C}">
+                <a14:useLocalDpi xmlns:a14="http://schemas.microsoft.com/office/drawing/2010/main" val="0"/>
+              </a:ext>
+            </a:extLst>
+          </a:blip>
+          <a:srcRect/>
+          <a:stretch>
+            <a:fillRect/>
+          </a:stretch>
+        </p:blipFill>
+        <p:spPr bwMode="auto">
+          <a:xfrm>
+            <a:off x="10478287" y="2626238"/>
+            <a:ext cx="1065623" cy="1712576"/>
+          </a:xfrm>
+          <a:prstGeom prst="rect">
+            <a:avLst/>
+          </a:prstGeom>
+          <a:noFill/>
+          <a:ln>
+            <a:noFill/>
+          </a:ln>
+          <a:extLst>
+            <a:ext uri="{909E8E84-426E-40DD-AFC4-6F175D3DCCD1}">
+              <a14:hiddenFill xmlns:a14="http://schemas.microsoft.com/office/drawing/2010/main">
+                <a:solidFill>
+                  <a:srgbClr val="FFFFFF"/>
+                </a:solidFill>
+              </a14:hiddenFill>
+            </a:ext>
+            <a:ext uri="{91240B29-F687-4F45-9708-019B960494DF}">
+              <a14:hiddenLine xmlns:a14="http://schemas.microsoft.com/office/drawing/2010/main" w="9525">
+                <a:solidFill>
+                  <a:srgbClr val="000000"/>
+                </a:solidFill>
+                <a:miter lim="800000"/>
+                <a:headEnd/>
+                <a:tailEnd/>
+              </a14:hiddenLine>
+            </a:ext>
+          </a:extLst>
+        </p:spPr>
+      </p:pic>
+      <p:pic>
+        <p:nvPicPr>
+          <p:cNvPr id="9" name="Picture 7" descr="MCj02320440000[1]"/>
+          <p:cNvPicPr>
+            <a:picLocks noChangeAspect="1" noChangeArrowheads="1"/>
+          </p:cNvPicPr>
+          <p:nvPr/>
+        </p:nvPicPr>
+        <p:blipFill>
+          <a:blip r:embed="rId4">
+            <a:extLst>
+              <a:ext uri="{28A0092B-C50C-407E-A947-70E740481C1C}">
+                <a14:useLocalDpi xmlns:a14="http://schemas.microsoft.com/office/drawing/2010/main" val="0"/>
+              </a:ext>
+            </a:extLst>
+          </a:blip>
+          <a:srcRect/>
+          <a:stretch>
+            <a:fillRect/>
+          </a:stretch>
+        </p:blipFill>
+        <p:spPr bwMode="auto">
+          <a:xfrm>
+            <a:off x="10296925" y="4777589"/>
+            <a:ext cx="1428349" cy="1418424"/>
+          </a:xfrm>
+          <a:prstGeom prst="rect">
+            <a:avLst/>
+          </a:prstGeom>
+          <a:noFill/>
+          <a:ln>
+            <a:noFill/>
+          </a:ln>
+          <a:extLst>
+            <a:ext uri="{909E8E84-426E-40DD-AFC4-6F175D3DCCD1}">
+              <a14:hiddenFill xmlns:a14="http://schemas.microsoft.com/office/drawing/2010/main">
+                <a:solidFill>
+                  <a:srgbClr val="FFFFFF"/>
+                </a:solidFill>
+              </a14:hiddenFill>
+            </a:ext>
+            <a:ext uri="{91240B29-F687-4F45-9708-019B960494DF}">
+              <a14:hiddenLine xmlns:a14="http://schemas.microsoft.com/office/drawing/2010/main" w="9525">
+                <a:solidFill>
+                  <a:srgbClr val="000000"/>
+                </a:solidFill>
+                <a:miter lim="800000"/>
+                <a:headEnd/>
+                <a:tailEnd/>
+              </a14:hiddenLine>
+            </a:ext>
+          </a:extLst>
+        </p:spPr>
+      </p:pic>
+    </p:spTree>
+    <p:extLst>
+      <p:ext uri="{BB962C8B-B14F-4D97-AF65-F5344CB8AC3E}">
+        <p14:creationId xmlns:p14="http://schemas.microsoft.com/office/powerpoint/2010/main" val="2282883991"/>
+      </p:ext>
+    </p:extLst>
+  </p:cSld>
+  <p:clrMapOvr>
+    <a:masterClrMapping/>
+  </p:clrMapOvr>
+  <p:timing>
+    <p:tnLst>
+      <p:par>
+        <p:cTn id="1" dur="indefinite" restart="never" nodeType="tmRoot"/>
+      </p:par>
+    </p:tnLst>
+  </p:timing>
+</p:sld>
+</file>
+
+<file path=ppt/slides/slide44.xml><?xml version="1.0" encoding="utf-8"?>
+<p:sld xmlns:a="http://schemas.openxmlformats.org/drawingml/2006/main" xmlns:r="http://schemas.openxmlformats.org/officeDocument/2006/relationships" xmlns:p="http://schemas.openxmlformats.org/presentationml/2006/main">
+  <p:cSld>
+    <p:spTree>
+      <p:nvGrpSpPr>
+        <p:cNvPr id="1" name=""/>
+        <p:cNvGrpSpPr/>
+        <p:nvPr/>
+      </p:nvGrpSpPr>
+      <p:grpSpPr>
+        <a:xfrm>
+          <a:off x="0" y="0"/>
+          <a:ext cx="0" cy="0"/>
+          <a:chOff x="0" y="0"/>
+          <a:chExt cx="0" cy="0"/>
+        </a:xfrm>
+      </p:grpSpPr>
+      <p:sp>
+        <p:nvSpPr>
           <p:cNvPr id="2" name="Title 1"/>
           <p:cNvSpPr>
             <a:spLocks noGrp="1"/>
@@ -17858,10 +19494,17 @@
   <p:clrMapOvr>
     <a:masterClrMapping/>
   </p:clrMapOvr>
+  <p:timing>
+    <p:tnLst>
+      <p:par>
+        <p:cTn id="1" dur="indefinite" restart="never" nodeType="tmRoot"/>
+      </p:par>
+    </p:tnLst>
+  </p:timing>
 </p:sld>
 </file>
 
-<file path=ppt/slides/slide44.xml><?xml version="1.0" encoding="utf-8"?>
+<file path=ppt/slides/slide45.xml><?xml version="1.0" encoding="utf-8"?>
 <p:sld xmlns:a="http://schemas.openxmlformats.org/drawingml/2006/main" xmlns:r="http://schemas.openxmlformats.org/officeDocument/2006/relationships" xmlns:p="http://schemas.openxmlformats.org/presentationml/2006/main">
   <p:cSld>
     <p:spTree>
@@ -21046,10 +22689,17 @@
   <p:clrMapOvr>
     <a:masterClrMapping/>
   </p:clrMapOvr>
+  <p:timing>
+    <p:tnLst>
+      <p:par>
+        <p:cTn id="1" dur="indefinite" restart="never" nodeType="tmRoot"/>
+      </p:par>
+    </p:tnLst>
+  </p:timing>
 </p:sld>
 </file>
 
-<file path=ppt/slides/slide45.xml><?xml version="1.0" encoding="utf-8"?>
+<file path=ppt/slides/slide46.xml><?xml version="1.0" encoding="utf-8"?>
 <p:sld xmlns:a="http://schemas.openxmlformats.org/drawingml/2006/main" xmlns:r="http://schemas.openxmlformats.org/officeDocument/2006/relationships" xmlns:p="http://schemas.openxmlformats.org/presentationml/2006/main">
   <p:cSld>
     <p:spTree>
@@ -21183,7 +22833,7 @@
 </p:sld>
 </file>
 
-<file path=ppt/slides/slide46.xml><?xml version="1.0" encoding="utf-8"?>
+<file path=ppt/slides/slide47.xml><?xml version="1.0" encoding="utf-8"?>
 <p:sld xmlns:a="http://schemas.openxmlformats.org/drawingml/2006/main" xmlns:r="http://schemas.openxmlformats.org/officeDocument/2006/relationships" xmlns:p="http://schemas.openxmlformats.org/presentationml/2006/main">
   <p:cSld>
     <p:spTree>
@@ -21346,7 +22996,7 @@
 </p:sld>
 </file>
 
-<file path=ppt/slides/slide47.xml><?xml version="1.0" encoding="utf-8"?>
+<file path=ppt/slides/slide48.xml><?xml version="1.0" encoding="utf-8"?>
 <p:sld xmlns:a="http://schemas.openxmlformats.org/drawingml/2006/main" xmlns:r="http://schemas.openxmlformats.org/officeDocument/2006/relationships" xmlns:p="http://schemas.openxmlformats.org/presentationml/2006/main">
   <p:cSld>
     <p:spTree>
@@ -21575,7 +23225,7 @@
 </p:sld>
 </file>
 
-<file path=ppt/slides/slide48.xml><?xml version="1.0" encoding="utf-8"?>
+<file path=ppt/slides/slide49.xml><?xml version="1.0" encoding="utf-8"?>
 <p:sld xmlns:a="http://schemas.openxmlformats.org/drawingml/2006/main" xmlns:r="http://schemas.openxmlformats.org/officeDocument/2006/relationships" xmlns:p="http://schemas.openxmlformats.org/presentationml/2006/main">
   <p:cSld>
     <p:spTree>
@@ -21739,7 +23389,188 @@
 </p:sld>
 </file>
 
-<file path=ppt/slides/slide49.xml><?xml version="1.0" encoding="utf-8"?>
+<file path=ppt/slides/slide5.xml><?xml version="1.0" encoding="utf-8"?>
+<p:sld xmlns:a="http://schemas.openxmlformats.org/drawingml/2006/main" xmlns:r="http://schemas.openxmlformats.org/officeDocument/2006/relationships" xmlns:p="http://schemas.openxmlformats.org/presentationml/2006/main">
+  <p:cSld>
+    <p:spTree>
+      <p:nvGrpSpPr>
+        <p:cNvPr id="1" name=""/>
+        <p:cNvGrpSpPr/>
+        <p:nvPr/>
+      </p:nvGrpSpPr>
+      <p:grpSpPr>
+        <a:xfrm>
+          <a:off x="0" y="0"/>
+          <a:ext cx="0" cy="0"/>
+          <a:chOff x="0" y="0"/>
+          <a:chExt cx="0" cy="0"/>
+        </a:xfrm>
+      </p:grpSpPr>
+      <p:sp>
+        <p:nvSpPr>
+          <p:cNvPr id="2" name="Title 1"/>
+          <p:cNvSpPr>
+            <a:spLocks noGrp="1"/>
+          </p:cNvSpPr>
+          <p:nvPr>
+            <p:ph type="title"/>
+          </p:nvPr>
+        </p:nvSpPr>
+        <p:spPr/>
+        <p:txBody>
+          <a:bodyPr/>
+          <a:lstStyle/>
+          <a:p>
+            <a:r>
+              <a:rPr lang="en-US" dirty="0"/>
+              <a:t>The Courseware</a:t>
+            </a:r>
+          </a:p>
+        </p:txBody>
+      </p:sp>
+      <p:sp>
+        <p:nvSpPr>
+          <p:cNvPr id="4" name="Text Placeholder 3"/>
+          <p:cNvSpPr>
+            <a:spLocks noGrp="1"/>
+          </p:cNvSpPr>
+          <p:nvPr>
+            <p:ph type="body" sz="quarter" idx="10"/>
+          </p:nvPr>
+        </p:nvSpPr>
+        <p:spPr>
+          <a:xfrm>
+            <a:off x="762000" y="1752600"/>
+            <a:ext cx="8305800" cy="3733800"/>
+          </a:xfrm>
+        </p:spPr>
+        <p:txBody>
+          <a:bodyPr/>
+          <a:lstStyle/>
+          <a:p>
+            <a:r>
+              <a:rPr lang="en-US" dirty="0"/>
+              <a:t>The Book: </a:t>
+            </a:r>
+            <a:r>
+              <a:rPr lang="en-US" i="1" dirty="0"/>
+              <a:t>Prepare Your Data for Tableau</a:t>
+            </a:r>
+            <a:endParaRPr lang="en-US" dirty="0"/>
+          </a:p>
+          <a:p>
+            <a:r>
+              <a:rPr lang="en-US" dirty="0" smtClean="0"/>
+              <a:t>Supplemental </a:t>
+            </a:r>
+            <a:r>
+              <a:rPr lang="en-US" dirty="0"/>
+              <a:t>notes: </a:t>
+            </a:r>
+            <a:r>
+              <a:rPr lang="en-US" dirty="0">
+                <a:hlinkClick r:id="rId2"/>
+              </a:rPr>
+              <a:t>http://bit.ly/ONLCXTBP10</a:t>
+            </a:r>
+            <a:r>
+              <a:rPr lang="en-US" dirty="0"/>
+              <a:t/>
+            </a:r>
+            <a:br>
+              <a:rPr lang="en-US" dirty="0"/>
+            </a:br>
+            <a:endParaRPr lang="en-US" dirty="0"/>
+          </a:p>
+        </p:txBody>
+      </p:sp>
+      <p:sp>
+        <p:nvSpPr>
+          <p:cNvPr id="3" name="Slide Number Placeholder 2"/>
+          <p:cNvSpPr>
+            <a:spLocks noGrp="1"/>
+          </p:cNvSpPr>
+          <p:nvPr>
+            <p:ph type="sldNum" sz="quarter" idx="4294967295"/>
+          </p:nvPr>
+        </p:nvSpPr>
+        <p:spPr/>
+        <p:txBody>
+          <a:bodyPr/>
+          <a:lstStyle/>
+          <a:p>
+            <a:endParaRPr lang="en-US" dirty="0"/>
+          </a:p>
+        </p:txBody>
+      </p:sp>
+      <p:pic>
+        <p:nvPicPr>
+          <p:cNvPr id="1026" name="Picture 2" descr="Image result for Prepare Your Data for Tableau">
+            <a:extLst>
+              <a:ext uri="{FF2B5EF4-FFF2-40B4-BE49-F238E27FC236}">
+                <a16:creationId xmlns:a16="http://schemas.microsoft.com/office/drawing/2014/main" id="{02BA3BCE-11C1-CD47-B4A7-A903891A5022}"/>
+              </a:ext>
+            </a:extLst>
+          </p:cNvPr>
+          <p:cNvPicPr>
+            <a:picLocks noChangeAspect="1" noChangeArrowheads="1"/>
+          </p:cNvPicPr>
+          <p:nvPr/>
+        </p:nvPicPr>
+        <p:blipFill>
+          <a:blip r:embed="rId3">
+            <a:extLst>
+              <a:ext uri="{28A0092B-C50C-407E-A947-70E740481C1C}">
+                <a14:useLocalDpi xmlns:a14="http://schemas.microsoft.com/office/drawing/2010/main" val="0"/>
+              </a:ext>
+            </a:extLst>
+          </a:blip>
+          <a:srcRect/>
+          <a:stretch>
+            <a:fillRect/>
+          </a:stretch>
+        </p:blipFill>
+        <p:spPr bwMode="auto">
+          <a:xfrm>
+            <a:off x="9067800" y="152400"/>
+            <a:ext cx="2895600" cy="4381251"/>
+          </a:xfrm>
+          <a:prstGeom prst="rect">
+            <a:avLst/>
+          </a:prstGeom>
+          <a:noFill/>
+          <a:extLst>
+            <a:ext uri="{909E8E84-426E-40DD-AFC4-6F175D3DCCD1}">
+              <a14:hiddenFill xmlns:a14="http://schemas.microsoft.com/office/drawing/2010/main">
+                <a:solidFill>
+                  <a:srgbClr val="FFFFFF"/>
+                </a:solidFill>
+              </a14:hiddenFill>
+            </a:ext>
+          </a:extLst>
+        </p:spPr>
+      </p:pic>
+    </p:spTree>
+    <p:extLst>
+      <p:ext uri="{BB962C8B-B14F-4D97-AF65-F5344CB8AC3E}">
+        <p14:creationId xmlns:p14="http://schemas.microsoft.com/office/powerpoint/2010/main" val="248019932"/>
+      </p:ext>
+    </p:extLst>
+  </p:cSld>
+  <p:clrMapOvr>
+    <a:masterClrMapping/>
+  </p:clrMapOvr>
+  <p:timing>
+    <p:tnLst>
+      <p:par>
+        <p:cTn id="1" dur="indefinite" restart="never" nodeType="tmRoot"/>
+      </p:par>
+    </p:tnLst>
+  </p:timing>
+</p:sld>
+</file>
+
+<file path=ppt/slides/slide50.xml><?xml version="1.0" encoding="utf-8"?>
 <p:sld xmlns:a="http://schemas.openxmlformats.org/drawingml/2006/main" xmlns:r="http://schemas.openxmlformats.org/officeDocument/2006/relationships" xmlns:p="http://schemas.openxmlformats.org/presentationml/2006/main">
   <p:cSld>
     <p:spTree>
@@ -21948,181 +23779,7 @@
 </p:sld>
 </file>
 
-<file path=ppt/slides/slide5.xml><?xml version="1.0" encoding="utf-8"?>
-<p:sld xmlns:a="http://schemas.openxmlformats.org/drawingml/2006/main" xmlns:r="http://schemas.openxmlformats.org/officeDocument/2006/relationships" xmlns:p="http://schemas.openxmlformats.org/presentationml/2006/main">
-  <p:cSld>
-    <p:spTree>
-      <p:nvGrpSpPr>
-        <p:cNvPr id="1" name=""/>
-        <p:cNvGrpSpPr/>
-        <p:nvPr/>
-      </p:nvGrpSpPr>
-      <p:grpSpPr>
-        <a:xfrm>
-          <a:off x="0" y="0"/>
-          <a:ext cx="0" cy="0"/>
-          <a:chOff x="0" y="0"/>
-          <a:chExt cx="0" cy="0"/>
-        </a:xfrm>
-      </p:grpSpPr>
-      <p:sp>
-        <p:nvSpPr>
-          <p:cNvPr id="2" name="Title 1"/>
-          <p:cNvSpPr>
-            <a:spLocks noGrp="1"/>
-          </p:cNvSpPr>
-          <p:nvPr>
-            <p:ph type="title"/>
-          </p:nvPr>
-        </p:nvSpPr>
-        <p:spPr/>
-        <p:txBody>
-          <a:bodyPr/>
-          <a:lstStyle/>
-          <a:p>
-            <a:r>
-              <a:rPr lang="en-US" dirty="0"/>
-              <a:t>The Courseware</a:t>
-            </a:r>
-          </a:p>
-        </p:txBody>
-      </p:sp>
-      <p:sp>
-        <p:nvSpPr>
-          <p:cNvPr id="4" name="Text Placeholder 3"/>
-          <p:cNvSpPr>
-            <a:spLocks noGrp="1"/>
-          </p:cNvSpPr>
-          <p:nvPr>
-            <p:ph type="body" sz="quarter" idx="10"/>
-          </p:nvPr>
-        </p:nvSpPr>
-        <p:spPr>
-          <a:xfrm>
-            <a:off x="762000" y="1752600"/>
-            <a:ext cx="8305800" cy="3733800"/>
-          </a:xfrm>
-        </p:spPr>
-        <p:txBody>
-          <a:bodyPr/>
-          <a:lstStyle/>
-          <a:p>
-            <a:r>
-              <a:rPr lang="en-US" dirty="0"/>
-              <a:t>The Book: </a:t>
-            </a:r>
-            <a:r>
-              <a:rPr lang="en-US" i="1" dirty="0"/>
-              <a:t>Prepare Your Data for Tableau</a:t>
-            </a:r>
-            <a:endParaRPr lang="en-US" dirty="0"/>
-          </a:p>
-          <a:p>
-            <a:r>
-              <a:rPr lang="en-US" dirty="0" smtClean="0"/>
-              <a:t>Supplemental </a:t>
-            </a:r>
-            <a:r>
-              <a:rPr lang="en-US" dirty="0"/>
-              <a:t>notes: </a:t>
-            </a:r>
-            <a:r>
-              <a:rPr lang="en-US" dirty="0">
-                <a:hlinkClick r:id="rId2"/>
-              </a:rPr>
-              <a:t>http://bit.ly/ONLCXTBP10</a:t>
-            </a:r>
-            <a:r>
-              <a:rPr lang="en-US" dirty="0"/>
-              <a:t/>
-            </a:r>
-            <a:br>
-              <a:rPr lang="en-US" dirty="0"/>
-            </a:br>
-            <a:endParaRPr lang="en-US" dirty="0"/>
-          </a:p>
-        </p:txBody>
-      </p:sp>
-      <p:sp>
-        <p:nvSpPr>
-          <p:cNvPr id="3" name="Slide Number Placeholder 2"/>
-          <p:cNvSpPr>
-            <a:spLocks noGrp="1"/>
-          </p:cNvSpPr>
-          <p:nvPr>
-            <p:ph type="sldNum" sz="quarter" idx="4294967295"/>
-          </p:nvPr>
-        </p:nvSpPr>
-        <p:spPr/>
-        <p:txBody>
-          <a:bodyPr/>
-          <a:lstStyle/>
-          <a:p>
-            <a:endParaRPr lang="en-US" dirty="0"/>
-          </a:p>
-        </p:txBody>
-      </p:sp>
-      <p:pic>
-        <p:nvPicPr>
-          <p:cNvPr id="1026" name="Picture 2" descr="Image result for Prepare Your Data for Tableau">
-            <a:extLst>
-              <a:ext uri="{FF2B5EF4-FFF2-40B4-BE49-F238E27FC236}">
-                <a16:creationId xmlns:a16="http://schemas.microsoft.com/office/drawing/2014/main" id="{02BA3BCE-11C1-CD47-B4A7-A903891A5022}"/>
-              </a:ext>
-            </a:extLst>
-          </p:cNvPr>
-          <p:cNvPicPr>
-            <a:picLocks noChangeAspect="1" noChangeArrowheads="1"/>
-          </p:cNvPicPr>
-          <p:nvPr/>
-        </p:nvPicPr>
-        <p:blipFill>
-          <a:blip r:embed="rId3">
-            <a:extLst>
-              <a:ext uri="{28A0092B-C50C-407E-A947-70E740481C1C}">
-                <a14:useLocalDpi xmlns:a14="http://schemas.microsoft.com/office/drawing/2010/main" val="0"/>
-              </a:ext>
-            </a:extLst>
-          </a:blip>
-          <a:srcRect/>
-          <a:stretch>
-            <a:fillRect/>
-          </a:stretch>
-        </p:blipFill>
-        <p:spPr bwMode="auto">
-          <a:xfrm>
-            <a:off x="9067800" y="152400"/>
-            <a:ext cx="2895600" cy="4381251"/>
-          </a:xfrm>
-          <a:prstGeom prst="rect">
-            <a:avLst/>
-          </a:prstGeom>
-          <a:noFill/>
-          <a:extLst>
-            <a:ext uri="{909E8E84-426E-40DD-AFC4-6F175D3DCCD1}">
-              <a14:hiddenFill xmlns:a14="http://schemas.microsoft.com/office/drawing/2010/main">
-                <a:solidFill>
-                  <a:srgbClr val="FFFFFF"/>
-                </a:solidFill>
-              </a14:hiddenFill>
-            </a:ext>
-          </a:extLst>
-        </p:spPr>
-      </p:pic>
-    </p:spTree>
-    <p:extLst>
-      <p:ext uri="{BB962C8B-B14F-4D97-AF65-F5344CB8AC3E}">
-        <p14:creationId xmlns:p14="http://schemas.microsoft.com/office/powerpoint/2010/main" val="248019932"/>
-      </p:ext>
-    </p:extLst>
-  </p:cSld>
-  <p:clrMapOvr>
-    <a:masterClrMapping/>
-  </p:clrMapOvr>
-</p:sld>
-</file>
-
-<file path=ppt/slides/slide50.xml><?xml version="1.0" encoding="utf-8"?>
+<file path=ppt/slides/slide51.xml><?xml version="1.0" encoding="utf-8"?>
 <p:sld xmlns:a="http://schemas.openxmlformats.org/drawingml/2006/main" xmlns:r="http://schemas.openxmlformats.org/officeDocument/2006/relationships" xmlns:p="http://schemas.openxmlformats.org/presentationml/2006/main">
   <p:cSld>
     <p:spTree>
@@ -22287,130 +23944,6 @@
 </p:sld>
 </file>
 
-<file path=ppt/slides/slide51.xml><?xml version="1.0" encoding="utf-8"?>
-<p:sld xmlns:a="http://schemas.openxmlformats.org/drawingml/2006/main" xmlns:r="http://schemas.openxmlformats.org/officeDocument/2006/relationships" xmlns:p="http://schemas.openxmlformats.org/presentationml/2006/main">
-  <p:cSld>
-    <p:spTree>
-      <p:nvGrpSpPr>
-        <p:cNvPr id="1" name=""/>
-        <p:cNvGrpSpPr/>
-        <p:nvPr/>
-      </p:nvGrpSpPr>
-      <p:grpSpPr>
-        <a:xfrm>
-          <a:off x="0" y="0"/>
-          <a:ext cx="0" cy="0"/>
-          <a:chOff x="0" y="0"/>
-          <a:chExt cx="0" cy="0"/>
-        </a:xfrm>
-      </p:grpSpPr>
-      <p:sp>
-        <p:nvSpPr>
-          <p:cNvPr id="4" name="Title 3">
-            <a:extLst>
-              <a:ext uri="{FF2B5EF4-FFF2-40B4-BE49-F238E27FC236}">
-                <a16:creationId xmlns:a16="http://schemas.microsoft.com/office/drawing/2014/main" id="{F48C7965-0EC8-CF4E-94D4-3E5D48D199A8}"/>
-              </a:ext>
-            </a:extLst>
-          </p:cNvPr>
-          <p:cNvSpPr>
-            <a:spLocks noGrp="1"/>
-          </p:cNvSpPr>
-          <p:nvPr>
-            <p:ph type="title"/>
-          </p:nvPr>
-        </p:nvSpPr>
-        <p:spPr/>
-        <p:txBody>
-          <a:bodyPr/>
-          <a:lstStyle/>
-          <a:p>
-            <a:r>
-              <a:rPr lang="en-US" dirty="0"/>
-              <a:t>Which Is</a:t>
-            </a:r>
-            <a:r>
-              <a:rPr lang="en-US" baseline="0" dirty="0"/>
-              <a:t> Better?</a:t>
-            </a:r>
-            <a:endParaRPr lang="en-US" dirty="0"/>
-          </a:p>
-        </p:txBody>
-      </p:sp>
-      <p:sp>
-        <p:nvSpPr>
-          <p:cNvPr id="5" name="Text Placeholder 4">
-            <a:extLst>
-              <a:ext uri="{FF2B5EF4-FFF2-40B4-BE49-F238E27FC236}">
-                <a16:creationId xmlns:a16="http://schemas.microsoft.com/office/drawing/2014/main" id="{755D2355-832A-48BC-8501-4AA723839B16}"/>
-              </a:ext>
-            </a:extLst>
-          </p:cNvPr>
-          <p:cNvSpPr>
-            <a:spLocks noGrp="1"/>
-          </p:cNvSpPr>
-          <p:nvPr>
-            <p:ph type="body" sz="quarter" idx="10"/>
-          </p:nvPr>
-        </p:nvSpPr>
-        <p:spPr/>
-        <p:txBody>
-          <a:bodyPr/>
-          <a:lstStyle/>
-          <a:p>
-            <a:r>
-              <a:rPr lang="en-US" dirty="0">
-                <a:sym typeface="Wingdings" panose="05000000000000000000" pitchFamily="2" charset="2"/>
-              </a:rPr>
-              <a:t>One-off or ongoing?</a:t>
-            </a:r>
-            <a:endParaRPr lang="en-US" dirty="0"/>
-          </a:p>
-          <a:p>
-            <a:r>
-              <a:rPr lang="en-US" dirty="0"/>
-              <a:t>Automated systems </a:t>
-            </a:r>
-            <a:r>
-              <a:rPr lang="en-US" dirty="0">
-                <a:sym typeface="Wingdings" panose="05000000000000000000" pitchFamily="2" charset="2"/>
-              </a:rPr>
-              <a:t> Identical files = Wildcard</a:t>
-            </a:r>
-          </a:p>
-          <a:p>
-            <a:r>
-              <a:rPr lang="en-US" dirty="0">
-                <a:sym typeface="Wingdings" panose="05000000000000000000" pitchFamily="2" charset="2"/>
-              </a:rPr>
-              <a:t>Ad hoc/manual data entry, disparate sources = judgement call</a:t>
-            </a:r>
-          </a:p>
-          <a:p>
-            <a:pPr lvl="1"/>
-            <a:r>
-              <a:rPr lang="en-US" dirty="0">
-                <a:sym typeface="Wingdings" panose="05000000000000000000" pitchFamily="2" charset="2"/>
-              </a:rPr>
-              <a:t>Wildcard may require so much tuning that it’s more work than manual</a:t>
-            </a:r>
-            <a:endParaRPr lang="en-US" dirty="0"/>
-          </a:p>
-        </p:txBody>
-      </p:sp>
-    </p:spTree>
-    <p:extLst>
-      <p:ext uri="{BB962C8B-B14F-4D97-AF65-F5344CB8AC3E}">
-        <p14:creationId xmlns:p14="http://schemas.microsoft.com/office/powerpoint/2010/main" val="307961116"/>
-      </p:ext>
-    </p:extLst>
-  </p:cSld>
-  <p:clrMapOvr>
-    <a:masterClrMapping/>
-  </p:clrMapOvr>
-</p:sld>
-</file>
-
 <file path=ppt/slides/slide52.xml><?xml version="1.0" encoding="utf-8"?>
 <p:sld xmlns:a="http://schemas.openxmlformats.org/drawingml/2006/main" xmlns:r="http://schemas.openxmlformats.org/officeDocument/2006/relationships" xmlns:p="http://schemas.openxmlformats.org/presentationml/2006/main">
   <p:cSld>
@@ -22430,10 +23963,10 @@
       </p:grpSpPr>
       <p:sp>
         <p:nvSpPr>
-          <p:cNvPr id="2" name="Subtitle 1">
+          <p:cNvPr id="4" name="Title 3">
             <a:extLst>
               <a:ext uri="{FF2B5EF4-FFF2-40B4-BE49-F238E27FC236}">
-                <a16:creationId xmlns:a16="http://schemas.microsoft.com/office/drawing/2014/main" id="{DA3B231E-6805-BE41-BD6F-D9C9EAED8B76}"/>
+                <a16:creationId xmlns:a16="http://schemas.microsoft.com/office/drawing/2014/main" id="{F48C7965-0EC8-CF4E-94D4-3E5D48D199A8}"/>
               </a:ext>
             </a:extLst>
           </p:cNvPr>
@@ -22441,7 +23974,7 @@
             <a:spLocks noGrp="1"/>
           </p:cNvSpPr>
           <p:nvPr>
-            <p:ph type="subTitle" idx="1"/>
+            <p:ph type="title"/>
           </p:nvPr>
         </p:nvSpPr>
         <p:spPr/>
@@ -22451,29 +23984,22 @@
           <a:p>
             <a:r>
               <a:rPr lang="en-US" dirty="0"/>
-              <a:t>Exercise 4.1: UNION Join, pp. 27-32</a:t>
-            </a:r>
-          </a:p>
-          <a:p>
-            <a:r>
-              <a:rPr lang="en-US" dirty="0"/>
-              <a:t>Exercise 4.2: Wildcard UNION, pp. 41-44</a:t>
-            </a:r>
-          </a:p>
-          <a:p>
-            <a:r>
-              <a:rPr lang="en-US" dirty="0"/>
-              <a:t>Exercise 4.3: Refine a Wildcard UNION, pp. 47-48</a:t>
-            </a:r>
+              <a:t>Which Is</a:t>
+            </a:r>
+            <a:r>
+              <a:rPr lang="en-US" baseline="0" dirty="0"/>
+              <a:t> Better?</a:t>
+            </a:r>
+            <a:endParaRPr lang="en-US" dirty="0"/>
           </a:p>
         </p:txBody>
       </p:sp>
       <p:sp>
         <p:nvSpPr>
-          <p:cNvPr id="3" name="Text Placeholder 2">
+          <p:cNvPr id="5" name="Text Placeholder 4">
             <a:extLst>
               <a:ext uri="{FF2B5EF4-FFF2-40B4-BE49-F238E27FC236}">
-                <a16:creationId xmlns:a16="http://schemas.microsoft.com/office/drawing/2014/main" id="{490D3781-8EE3-BE42-B0BB-32D1562D9008}"/>
+                <a16:creationId xmlns:a16="http://schemas.microsoft.com/office/drawing/2014/main" id="{755D2355-832A-48BC-8501-4AA723839B16}"/>
               </a:ext>
             </a:extLst>
           </p:cNvPr>
@@ -22481,7 +24007,7 @@
             <a:spLocks noGrp="1"/>
           </p:cNvSpPr>
           <p:nvPr>
-            <p:ph type="body" sz="quarter" idx="11"/>
+            <p:ph type="body" sz="quarter" idx="10"/>
           </p:nvPr>
         </p:nvSpPr>
         <p:spPr/>
@@ -22490,44 +24016,49 @@
           <a:lstStyle/>
           <a:p>
             <a:r>
+              <a:rPr lang="en-US" dirty="0">
+                <a:sym typeface="Wingdings" panose="05000000000000000000" pitchFamily="2" charset="2"/>
+              </a:rPr>
+              <a:t>One-off or ongoing?</a:t>
+            </a:r>
+            <a:endParaRPr lang="en-US" dirty="0"/>
+          </a:p>
+          <a:p>
+            <a:r>
               <a:rPr lang="en-US" dirty="0"/>
-              <a:t>30 Minutes</a:t>
-            </a:r>
-          </a:p>
-        </p:txBody>
-      </p:sp>
-      <p:sp>
-        <p:nvSpPr>
-          <p:cNvPr id="4" name="Title 3">
-            <a:extLst>
-              <a:ext uri="{FF2B5EF4-FFF2-40B4-BE49-F238E27FC236}">
-                <a16:creationId xmlns:a16="http://schemas.microsoft.com/office/drawing/2014/main" id="{09F33829-237D-F84E-9895-54A257840138}"/>
-              </a:ext>
-            </a:extLst>
-          </p:cNvPr>
-          <p:cNvSpPr>
-            <a:spLocks noGrp="1"/>
-          </p:cNvSpPr>
-          <p:nvPr>
-            <p:ph type="title"/>
-          </p:nvPr>
-        </p:nvSpPr>
-        <p:spPr/>
-        <p:txBody>
-          <a:bodyPr/>
-          <a:lstStyle/>
-          <a:p>
-            <a:r>
-              <a:rPr lang="en-US" dirty="0"/>
-              <a:t>Lab 3: UNION Joins</a:t>
-            </a:r>
+              <a:t>Automated systems </a:t>
+            </a:r>
+            <a:r>
+              <a:rPr lang="en-US" dirty="0">
+                <a:sym typeface="Wingdings" panose="05000000000000000000" pitchFamily="2" charset="2"/>
+              </a:rPr>
+              <a:t> Identical files = Wildcard</a:t>
+            </a:r>
+          </a:p>
+          <a:p>
+            <a:r>
+              <a:rPr lang="en-US" dirty="0">
+                <a:sym typeface="Wingdings" panose="05000000000000000000" pitchFamily="2" charset="2"/>
+              </a:rPr>
+              <a:t>Ad hoc/manual data entry, disparate sources = judgement call</a:t>
+            </a:r>
+          </a:p>
+          <a:p>
+            <a:pPr lvl="1"/>
+            <a:r>
+              <a:rPr lang="en-US" dirty="0">
+                <a:sym typeface="Wingdings" panose="05000000000000000000" pitchFamily="2" charset="2"/>
+              </a:rPr>
+              <a:t>Wildcard may require so much tuning that it’s more work than manual</a:t>
+            </a:r>
+            <a:endParaRPr lang="en-US" dirty="0"/>
           </a:p>
         </p:txBody>
       </p:sp>
     </p:spTree>
     <p:extLst>
       <p:ext uri="{BB962C8B-B14F-4D97-AF65-F5344CB8AC3E}">
-        <p14:creationId xmlns:p14="http://schemas.microsoft.com/office/powerpoint/2010/main" val="2529152538"/>
+        <p14:creationId xmlns:p14="http://schemas.microsoft.com/office/powerpoint/2010/main" val="307961116"/>
       </p:ext>
     </p:extLst>
   </p:cSld>
@@ -22556,6 +24087,132 @@
       </p:grpSpPr>
       <p:sp>
         <p:nvSpPr>
+          <p:cNvPr id="2" name="Subtitle 1">
+            <a:extLst>
+              <a:ext uri="{FF2B5EF4-FFF2-40B4-BE49-F238E27FC236}">
+                <a16:creationId xmlns:a16="http://schemas.microsoft.com/office/drawing/2014/main" id="{DA3B231E-6805-BE41-BD6F-D9C9EAED8B76}"/>
+              </a:ext>
+            </a:extLst>
+          </p:cNvPr>
+          <p:cNvSpPr>
+            <a:spLocks noGrp="1"/>
+          </p:cNvSpPr>
+          <p:nvPr>
+            <p:ph type="subTitle" idx="1"/>
+          </p:nvPr>
+        </p:nvSpPr>
+        <p:spPr/>
+        <p:txBody>
+          <a:bodyPr/>
+          <a:lstStyle/>
+          <a:p>
+            <a:r>
+              <a:rPr lang="en-US" dirty="0"/>
+              <a:t>Exercise 4.1: UNION Join, pp. 27-32</a:t>
+            </a:r>
+          </a:p>
+          <a:p>
+            <a:r>
+              <a:rPr lang="en-US" dirty="0"/>
+              <a:t>Exercise 4.2: Wildcard UNION, pp. 41-44</a:t>
+            </a:r>
+          </a:p>
+          <a:p>
+            <a:r>
+              <a:rPr lang="en-US" dirty="0"/>
+              <a:t>Exercise 4.3: Refine a Wildcard UNION, pp. 47-48</a:t>
+            </a:r>
+          </a:p>
+        </p:txBody>
+      </p:sp>
+      <p:sp>
+        <p:nvSpPr>
+          <p:cNvPr id="3" name="Text Placeholder 2">
+            <a:extLst>
+              <a:ext uri="{FF2B5EF4-FFF2-40B4-BE49-F238E27FC236}">
+                <a16:creationId xmlns:a16="http://schemas.microsoft.com/office/drawing/2014/main" id="{490D3781-8EE3-BE42-B0BB-32D1562D9008}"/>
+              </a:ext>
+            </a:extLst>
+          </p:cNvPr>
+          <p:cNvSpPr>
+            <a:spLocks noGrp="1"/>
+          </p:cNvSpPr>
+          <p:nvPr>
+            <p:ph type="body" sz="quarter" idx="11"/>
+          </p:nvPr>
+        </p:nvSpPr>
+        <p:spPr/>
+        <p:txBody>
+          <a:bodyPr/>
+          <a:lstStyle/>
+          <a:p>
+            <a:r>
+              <a:rPr lang="en-US" dirty="0"/>
+              <a:t>30 Minutes</a:t>
+            </a:r>
+          </a:p>
+        </p:txBody>
+      </p:sp>
+      <p:sp>
+        <p:nvSpPr>
+          <p:cNvPr id="4" name="Title 3">
+            <a:extLst>
+              <a:ext uri="{FF2B5EF4-FFF2-40B4-BE49-F238E27FC236}">
+                <a16:creationId xmlns:a16="http://schemas.microsoft.com/office/drawing/2014/main" id="{09F33829-237D-F84E-9895-54A257840138}"/>
+              </a:ext>
+            </a:extLst>
+          </p:cNvPr>
+          <p:cNvSpPr>
+            <a:spLocks noGrp="1"/>
+          </p:cNvSpPr>
+          <p:nvPr>
+            <p:ph type="title"/>
+          </p:nvPr>
+        </p:nvSpPr>
+        <p:spPr/>
+        <p:txBody>
+          <a:bodyPr/>
+          <a:lstStyle/>
+          <a:p>
+            <a:r>
+              <a:rPr lang="en-US" dirty="0"/>
+              <a:t>Lab 3: UNION Joins</a:t>
+            </a:r>
+          </a:p>
+        </p:txBody>
+      </p:sp>
+    </p:spTree>
+    <p:extLst>
+      <p:ext uri="{BB962C8B-B14F-4D97-AF65-F5344CB8AC3E}">
+        <p14:creationId xmlns:p14="http://schemas.microsoft.com/office/powerpoint/2010/main" val="2529152538"/>
+      </p:ext>
+    </p:extLst>
+  </p:cSld>
+  <p:clrMapOvr>
+    <a:masterClrMapping/>
+  </p:clrMapOvr>
+</p:sld>
+</file>
+
+<file path=ppt/slides/slide54.xml><?xml version="1.0" encoding="utf-8"?>
+<p:sld xmlns:a="http://schemas.openxmlformats.org/drawingml/2006/main" xmlns:r="http://schemas.openxmlformats.org/officeDocument/2006/relationships" xmlns:p="http://schemas.openxmlformats.org/presentationml/2006/main">
+  <p:cSld>
+    <p:spTree>
+      <p:nvGrpSpPr>
+        <p:cNvPr id="1" name=""/>
+        <p:cNvGrpSpPr/>
+        <p:nvPr/>
+      </p:nvGrpSpPr>
+      <p:grpSpPr>
+        <a:xfrm>
+          <a:off x="0" y="0"/>
+          <a:ext cx="0" cy="0"/>
+          <a:chOff x="0" y="0"/>
+          <a:chExt cx="0" cy="0"/>
+        </a:xfrm>
+      </p:grpSpPr>
+      <p:sp>
+        <p:nvSpPr>
           <p:cNvPr id="4" name="Title 3">
             <a:extLst>
               <a:ext uri="{FF2B5EF4-FFF2-40B4-BE49-F238E27FC236}">
@@ -22595,7 +24252,7 @@
 </p:sld>
 </file>
 
-<file path=ppt/slides/slide54.xml><?xml version="1.0" encoding="utf-8"?>
+<file path=ppt/slides/slide55.xml><?xml version="1.0" encoding="utf-8"?>
 <p:sld xmlns:a="http://schemas.openxmlformats.org/drawingml/2006/main" xmlns:r="http://schemas.openxmlformats.org/officeDocument/2006/relationships" xmlns:p="http://schemas.openxmlformats.org/presentationml/2006/main">
   <p:cSld>
     <p:spTree>
@@ -24083,7 +25740,7 @@
 </p:sld>
 </file>
 
-<file path=ppt/slides/slide55.xml><?xml version="1.0" encoding="utf-8"?>
+<file path=ppt/slides/slide56.xml><?xml version="1.0" encoding="utf-8"?>
 <p:sld xmlns:a="http://schemas.openxmlformats.org/drawingml/2006/main" xmlns:r="http://schemas.openxmlformats.org/officeDocument/2006/relationships" xmlns:p="http://schemas.openxmlformats.org/presentationml/2006/main">
   <p:cSld>
     <p:spTree>
@@ -26509,7 +28166,7 @@
 </p:sld>
 </file>
 
-<file path=ppt/slides/slide56.xml><?xml version="1.0" encoding="utf-8"?>
+<file path=ppt/slides/slide57.xml><?xml version="1.0" encoding="utf-8"?>
 <p:sld xmlns:a="http://schemas.openxmlformats.org/drawingml/2006/main" xmlns:r="http://schemas.openxmlformats.org/officeDocument/2006/relationships" xmlns:p="http://schemas.openxmlformats.org/presentationml/2006/main">
   <p:cSld>
     <p:spTree>
@@ -30194,7 +31851,7 @@
 </p:sld>
 </file>
 
-<file path=ppt/slides/slide57.xml><?xml version="1.0" encoding="utf-8"?>
+<file path=ppt/slides/slide58.xml><?xml version="1.0" encoding="utf-8"?>
 <p:sld xmlns:a="http://schemas.openxmlformats.org/drawingml/2006/main" xmlns:r="http://schemas.openxmlformats.org/officeDocument/2006/relationships" xmlns:p="http://schemas.openxmlformats.org/presentationml/2006/main">
   <p:cSld>
     <p:spTree>
@@ -30441,7 +32098,7 @@
 </p:sld>
 </file>
 
-<file path=ppt/slides/slide58.xml><?xml version="1.0" encoding="utf-8"?>
+<file path=ppt/slides/slide59.xml><?xml version="1.0" encoding="utf-8"?>
 <p:sld xmlns:a="http://schemas.openxmlformats.org/drawingml/2006/main" xmlns:r="http://schemas.openxmlformats.org/officeDocument/2006/relationships" xmlns:p="http://schemas.openxmlformats.org/presentationml/2006/main">
   <p:cSld>
     <p:spTree>
@@ -30611,7 +32268,164 @@
 </p:sld>
 </file>
 
-<file path=ppt/slides/slide59.xml><?xml version="1.0" encoding="utf-8"?>
+<file path=ppt/slides/slide6.xml><?xml version="1.0" encoding="utf-8"?>
+<p:sld xmlns:a="http://schemas.openxmlformats.org/drawingml/2006/main" xmlns:r="http://schemas.openxmlformats.org/officeDocument/2006/relationships" xmlns:p="http://schemas.openxmlformats.org/presentationml/2006/main">
+  <p:cSld>
+    <p:spTree>
+      <p:nvGrpSpPr>
+        <p:cNvPr id="1" name=""/>
+        <p:cNvGrpSpPr/>
+        <p:nvPr/>
+      </p:nvGrpSpPr>
+      <p:grpSpPr>
+        <a:xfrm>
+          <a:off x="0" y="0"/>
+          <a:ext cx="0" cy="0"/>
+          <a:chOff x="0" y="0"/>
+          <a:chExt cx="0" cy="0"/>
+        </a:xfrm>
+      </p:grpSpPr>
+      <p:sp>
+        <p:nvSpPr>
+          <p:cNvPr id="2" name="Title 1"/>
+          <p:cNvSpPr>
+            <a:spLocks noGrp="1"/>
+          </p:cNvSpPr>
+          <p:nvPr>
+            <p:ph type="title"/>
+          </p:nvPr>
+        </p:nvSpPr>
+        <p:spPr/>
+        <p:txBody>
+          <a:bodyPr/>
+          <a:lstStyle/>
+          <a:p>
+            <a:r>
+              <a:rPr lang="en-US"/>
+              <a:t>Classroom Setup</a:t>
+            </a:r>
+            <a:endParaRPr lang="en-US" dirty="0"/>
+          </a:p>
+        </p:txBody>
+      </p:sp>
+      <p:sp>
+        <p:nvSpPr>
+          <p:cNvPr id="4" name="Text Placeholder 3"/>
+          <p:cNvSpPr>
+            <a:spLocks noGrp="1"/>
+          </p:cNvSpPr>
+          <p:nvPr>
+            <p:ph type="body" sz="quarter" idx="10"/>
+          </p:nvPr>
+        </p:nvSpPr>
+        <p:spPr>
+          <a:xfrm>
+            <a:off x="762000" y="1752600"/>
+            <a:ext cx="10668000" cy="3733800"/>
+          </a:xfrm>
+        </p:spPr>
+        <p:txBody>
+          <a:bodyPr/>
+          <a:lstStyle/>
+          <a:p>
+            <a:r>
+              <a:rPr lang="en-US" dirty="0"/>
+              <a:t>Windows </a:t>
+            </a:r>
+            <a:r>
+              <a:rPr lang="en-US" dirty="0" smtClean="0"/>
+              <a:t>10</a:t>
+            </a:r>
+          </a:p>
+          <a:p>
+            <a:r>
+              <a:rPr lang="en-US" dirty="0" smtClean="0"/>
+              <a:t>Prep Builder and Tableau Desktop trial editions</a:t>
+            </a:r>
+            <a:endParaRPr lang="en-US" dirty="0"/>
+          </a:p>
+          <a:p>
+            <a:r>
+              <a:rPr lang="en-US" dirty="0"/>
+              <a:t>Course </a:t>
+            </a:r>
+            <a:r>
+              <a:rPr lang="en-US" dirty="0" smtClean="0"/>
+              <a:t>Files at C:\XTBP10ClassFiles</a:t>
+            </a:r>
+          </a:p>
+          <a:p>
+            <a:r>
+              <a:rPr lang="en-US" dirty="0" smtClean="0"/>
+              <a:t>SQL Server</a:t>
+            </a:r>
+            <a:endParaRPr lang="en-US" dirty="0"/>
+          </a:p>
+          <a:p>
+            <a:r>
+              <a:rPr lang="en-US" dirty="0"/>
+              <a:t>Username: </a:t>
+            </a:r>
+            <a:r>
+              <a:rPr lang="en-US" i="1" dirty="0"/>
+              <a:t>Student</a:t>
+            </a:r>
+            <a:r>
+              <a:rPr lang="en-US" dirty="0"/>
+              <a:t>, Password: </a:t>
+            </a:r>
+            <a:r>
+              <a:rPr lang="en-US" i="1" dirty="0"/>
+              <a:t>Pa55w.rd</a:t>
+            </a:r>
+          </a:p>
+        </p:txBody>
+      </p:sp>
+      <p:sp>
+        <p:nvSpPr>
+          <p:cNvPr id="3" name="Slide Number Placeholder 2"/>
+          <p:cNvSpPr>
+            <a:spLocks noGrp="1"/>
+          </p:cNvSpPr>
+          <p:nvPr>
+            <p:ph type="sldNum" sz="quarter" idx="4294967295"/>
+          </p:nvPr>
+        </p:nvSpPr>
+        <p:spPr/>
+        <p:txBody>
+          <a:bodyPr/>
+          <a:lstStyle/>
+          <a:p>
+            <a:fld id="{D814DA60-3BEE-4BCE-BEDB-E433FD970963}" type="slidenum">
+              <a:rPr lang="en-US" smtClean="0"/>
+              <a:pPr/>
+              <a:t>6</a:t>
+            </a:fld>
+            <a:endParaRPr lang="en-US" dirty="0"/>
+          </a:p>
+        </p:txBody>
+      </p:sp>
+    </p:spTree>
+    <p:extLst>
+      <p:ext uri="{BB962C8B-B14F-4D97-AF65-F5344CB8AC3E}">
+        <p14:creationId xmlns:p14="http://schemas.microsoft.com/office/powerpoint/2010/main" val="2470414402"/>
+      </p:ext>
+    </p:extLst>
+  </p:cSld>
+  <p:clrMapOvr>
+    <a:masterClrMapping/>
+  </p:clrMapOvr>
+  <p:timing>
+    <p:tnLst>
+      <p:par>
+        <p:cTn id="1" dur="indefinite" restart="never" nodeType="tmRoot"/>
+      </p:par>
+    </p:tnLst>
+  </p:timing>
+</p:sld>
+</file>
+
+<file path=ppt/slides/slide60.xml><?xml version="1.0" encoding="utf-8"?>
 <p:sld xmlns:a="http://schemas.openxmlformats.org/drawingml/2006/main" xmlns:r="http://schemas.openxmlformats.org/officeDocument/2006/relationships" xmlns:p="http://schemas.openxmlformats.org/presentationml/2006/main">
   <p:cSld>
     <p:spTree>
@@ -30781,157 +32595,7 @@
 </p:sld>
 </file>
 
-<file path=ppt/slides/slide6.xml><?xml version="1.0" encoding="utf-8"?>
-<p:sld xmlns:a="http://schemas.openxmlformats.org/drawingml/2006/main" xmlns:r="http://schemas.openxmlformats.org/officeDocument/2006/relationships" xmlns:p="http://schemas.openxmlformats.org/presentationml/2006/main">
-  <p:cSld>
-    <p:spTree>
-      <p:nvGrpSpPr>
-        <p:cNvPr id="1" name=""/>
-        <p:cNvGrpSpPr/>
-        <p:nvPr/>
-      </p:nvGrpSpPr>
-      <p:grpSpPr>
-        <a:xfrm>
-          <a:off x="0" y="0"/>
-          <a:ext cx="0" cy="0"/>
-          <a:chOff x="0" y="0"/>
-          <a:chExt cx="0" cy="0"/>
-        </a:xfrm>
-      </p:grpSpPr>
-      <p:sp>
-        <p:nvSpPr>
-          <p:cNvPr id="2" name="Title 1"/>
-          <p:cNvSpPr>
-            <a:spLocks noGrp="1"/>
-          </p:cNvSpPr>
-          <p:nvPr>
-            <p:ph type="title"/>
-          </p:nvPr>
-        </p:nvSpPr>
-        <p:spPr/>
-        <p:txBody>
-          <a:bodyPr/>
-          <a:lstStyle/>
-          <a:p>
-            <a:r>
-              <a:rPr lang="en-US"/>
-              <a:t>Classroom Setup</a:t>
-            </a:r>
-            <a:endParaRPr lang="en-US" dirty="0"/>
-          </a:p>
-        </p:txBody>
-      </p:sp>
-      <p:sp>
-        <p:nvSpPr>
-          <p:cNvPr id="4" name="Text Placeholder 3"/>
-          <p:cNvSpPr>
-            <a:spLocks noGrp="1"/>
-          </p:cNvSpPr>
-          <p:nvPr>
-            <p:ph type="body" sz="quarter" idx="10"/>
-          </p:nvPr>
-        </p:nvSpPr>
-        <p:spPr>
-          <a:xfrm>
-            <a:off x="762000" y="1752600"/>
-            <a:ext cx="10668000" cy="3733800"/>
-          </a:xfrm>
-        </p:spPr>
-        <p:txBody>
-          <a:bodyPr/>
-          <a:lstStyle/>
-          <a:p>
-            <a:r>
-              <a:rPr lang="en-US" dirty="0"/>
-              <a:t>Windows </a:t>
-            </a:r>
-            <a:r>
-              <a:rPr lang="en-US" dirty="0" smtClean="0"/>
-              <a:t>10</a:t>
-            </a:r>
-          </a:p>
-          <a:p>
-            <a:r>
-              <a:rPr lang="en-US" dirty="0" smtClean="0"/>
-              <a:t>Prep Builder and Tableau Desktop trial editions</a:t>
-            </a:r>
-            <a:endParaRPr lang="en-US" dirty="0"/>
-          </a:p>
-          <a:p>
-            <a:r>
-              <a:rPr lang="en-US" dirty="0"/>
-              <a:t>Course </a:t>
-            </a:r>
-            <a:r>
-              <a:rPr lang="en-US" dirty="0" smtClean="0"/>
-              <a:t>Files at C:\XTBP10ClassFiles</a:t>
-            </a:r>
-          </a:p>
-          <a:p>
-            <a:r>
-              <a:rPr lang="en-US" dirty="0" smtClean="0"/>
-              <a:t>SQL Server</a:t>
-            </a:r>
-            <a:endParaRPr lang="en-US" dirty="0"/>
-          </a:p>
-          <a:p>
-            <a:r>
-              <a:rPr lang="en-US" dirty="0"/>
-              <a:t>Username: </a:t>
-            </a:r>
-            <a:r>
-              <a:rPr lang="en-US" i="1" dirty="0"/>
-              <a:t>Student</a:t>
-            </a:r>
-            <a:r>
-              <a:rPr lang="en-US" dirty="0"/>
-              <a:t>, Password: </a:t>
-            </a:r>
-            <a:r>
-              <a:rPr lang="en-US" i="1" dirty="0"/>
-              <a:t>Pa55w.rd</a:t>
-            </a:r>
-          </a:p>
-        </p:txBody>
-      </p:sp>
-      <p:sp>
-        <p:nvSpPr>
-          <p:cNvPr id="3" name="Slide Number Placeholder 2"/>
-          <p:cNvSpPr>
-            <a:spLocks noGrp="1"/>
-          </p:cNvSpPr>
-          <p:nvPr>
-            <p:ph type="sldNum" sz="quarter" idx="4294967295"/>
-          </p:nvPr>
-        </p:nvSpPr>
-        <p:spPr/>
-        <p:txBody>
-          <a:bodyPr/>
-          <a:lstStyle/>
-          <a:p>
-            <a:fld id="{D814DA60-3BEE-4BCE-BEDB-E433FD970963}" type="slidenum">
-              <a:rPr lang="en-US" smtClean="0"/>
-              <a:pPr/>
-              <a:t>6</a:t>
-            </a:fld>
-            <a:endParaRPr lang="en-US" dirty="0"/>
-          </a:p>
-        </p:txBody>
-      </p:sp>
-    </p:spTree>
-    <p:extLst>
-      <p:ext uri="{BB962C8B-B14F-4D97-AF65-F5344CB8AC3E}">
-        <p14:creationId xmlns:p14="http://schemas.microsoft.com/office/powerpoint/2010/main" val="2470414402"/>
-      </p:ext>
-    </p:extLst>
-  </p:cSld>
-  <p:clrMapOvr>
-    <a:masterClrMapping/>
-  </p:clrMapOvr>
-</p:sld>
-</file>
-
-<file path=ppt/slides/slide60.xml><?xml version="1.0" encoding="utf-8"?>
+<file path=ppt/slides/slide61.xml><?xml version="1.0" encoding="utf-8"?>
 <p:sld xmlns:a="http://schemas.openxmlformats.org/drawingml/2006/main" xmlns:r="http://schemas.openxmlformats.org/officeDocument/2006/relationships" xmlns:p="http://schemas.openxmlformats.org/presentationml/2006/main">
   <p:cSld>
     <p:spTree>
@@ -31098,7 +32762,7 @@
 </p:sld>
 </file>
 
-<file path=ppt/slides/slide61.xml><?xml version="1.0" encoding="utf-8"?>
+<file path=ppt/slides/slide62.xml><?xml version="1.0" encoding="utf-8"?>
 <p:sld xmlns:a="http://schemas.openxmlformats.org/drawingml/2006/main" xmlns:r="http://schemas.openxmlformats.org/officeDocument/2006/relationships" xmlns:p="http://schemas.openxmlformats.org/presentationml/2006/main">
   <p:cSld>
     <p:spTree>
@@ -31272,7 +32936,7 @@
 </p:sld>
 </file>
 
-<file path=ppt/slides/slide62.xml><?xml version="1.0" encoding="utf-8"?>
+<file path=ppt/slides/slide63.xml><?xml version="1.0" encoding="utf-8"?>
 <p:sld xmlns:a="http://schemas.openxmlformats.org/drawingml/2006/main" xmlns:r="http://schemas.openxmlformats.org/officeDocument/2006/relationships" xmlns:p="http://schemas.openxmlformats.org/presentationml/2006/main">
   <p:cSld>
     <p:spTree>
@@ -31436,7 +33100,7 @@
 </p:sld>
 </file>
 
-<file path=ppt/slides/slide63.xml><?xml version="1.0" encoding="utf-8"?>
+<file path=ppt/slides/slide64.xml><?xml version="1.0" encoding="utf-8"?>
 <p:sld xmlns:a="http://schemas.openxmlformats.org/drawingml/2006/main" xmlns:r="http://schemas.openxmlformats.org/officeDocument/2006/relationships" xmlns:p="http://schemas.openxmlformats.org/presentationml/2006/main">
   <p:cSld>
     <p:spTree>
@@ -31633,7 +33297,7 @@
 </p:sld>
 </file>
 
-<file path=ppt/slides/slide64.xml><?xml version="1.0" encoding="utf-8"?>
+<file path=ppt/slides/slide65.xml><?xml version="1.0" encoding="utf-8"?>
 <p:sld xmlns:a="http://schemas.openxmlformats.org/drawingml/2006/main" xmlns:r="http://schemas.openxmlformats.org/officeDocument/2006/relationships" xmlns:p="http://schemas.openxmlformats.org/presentationml/2006/main">
   <p:cSld>
     <p:spTree>
@@ -31998,7 +33662,7 @@
 </p:sld>
 </file>
 
-<file path=ppt/slides/slide65.xml><?xml version="1.0" encoding="utf-8"?>
+<file path=ppt/slides/slide66.xml><?xml version="1.0" encoding="utf-8"?>
 <p:sld xmlns:a="http://schemas.openxmlformats.org/drawingml/2006/main" xmlns:r="http://schemas.openxmlformats.org/officeDocument/2006/relationships" xmlns:p="http://schemas.openxmlformats.org/presentationml/2006/main">
   <p:cSld>
     <p:spTree>
@@ -32245,7 +33909,7 @@
 </p:sld>
 </file>
 
-<file path=ppt/slides/slide66.xml><?xml version="1.0" encoding="utf-8"?>
+<file path=ppt/slides/slide67.xml><?xml version="1.0" encoding="utf-8"?>
 <p:sld xmlns:a="http://schemas.openxmlformats.org/drawingml/2006/main" xmlns:r="http://schemas.openxmlformats.org/officeDocument/2006/relationships" xmlns:p="http://schemas.openxmlformats.org/presentationml/2006/main">
   <p:cSld>
     <p:spTree>
@@ -32490,7 +34154,7 @@
 </p:sld>
 </file>
 
-<file path=ppt/slides/slide67.xml><?xml version="1.0" encoding="utf-8"?>
+<file path=ppt/slides/slide68.xml><?xml version="1.0" encoding="utf-8"?>
 <p:sld xmlns:a="http://schemas.openxmlformats.org/drawingml/2006/main" xmlns:r="http://schemas.openxmlformats.org/officeDocument/2006/relationships" xmlns:p="http://schemas.openxmlformats.org/presentationml/2006/main">
   <p:cSld>
     <p:spTree>
@@ -32647,141 +34311,6 @@
 </p:sld>
 </file>
 
-<file path=ppt/slides/slide68.xml><?xml version="1.0" encoding="utf-8"?>
-<p:sld xmlns:a="http://schemas.openxmlformats.org/drawingml/2006/main" xmlns:r="http://schemas.openxmlformats.org/officeDocument/2006/relationships" xmlns:p="http://schemas.openxmlformats.org/presentationml/2006/main">
-  <p:cSld>
-    <p:spTree>
-      <p:nvGrpSpPr>
-        <p:cNvPr id="1" name=""/>
-        <p:cNvGrpSpPr/>
-        <p:nvPr/>
-      </p:nvGrpSpPr>
-      <p:grpSpPr>
-        <a:xfrm>
-          <a:off x="0" y="0"/>
-          <a:ext cx="0" cy="0"/>
-          <a:chOff x="0" y="0"/>
-          <a:chExt cx="0" cy="0"/>
-        </a:xfrm>
-      </p:grpSpPr>
-      <p:sp>
-        <p:nvSpPr>
-          <p:cNvPr id="2" name="Subtitle 1">
-            <a:extLst>
-              <a:ext uri="{FF2B5EF4-FFF2-40B4-BE49-F238E27FC236}">
-                <a16:creationId xmlns:a16="http://schemas.microsoft.com/office/drawing/2014/main" id="{828A7028-F2AD-42E1-A8A2-92B8AC321143}"/>
-              </a:ext>
-            </a:extLst>
-          </p:cNvPr>
-          <p:cNvSpPr>
-            <a:spLocks noGrp="1"/>
-          </p:cNvSpPr>
-          <p:nvPr>
-            <p:ph type="subTitle" idx="1"/>
-          </p:nvPr>
-        </p:nvSpPr>
-        <p:spPr/>
-        <p:txBody>
-          <a:bodyPr/>
-          <a:lstStyle/>
-          <a:p>
-            <a:pPr marL="342900" indent="-342900">
-              <a:buFont typeface="Arial" panose="020B0604020202020204" pitchFamily="34" charset="0"/>
-              <a:buChar char="•"/>
-            </a:pPr>
-            <a:r>
-              <a:rPr lang="en-US" dirty="0"/>
-              <a:t>Exercise 5.1: pp. 58-66</a:t>
-            </a:r>
-          </a:p>
-          <a:p>
-            <a:pPr marL="342900" indent="-342900">
-              <a:buFont typeface="Arial" panose="020B0604020202020204" pitchFamily="34" charset="0"/>
-              <a:buChar char="•"/>
-            </a:pPr>
-            <a:r>
-              <a:rPr lang="en-US" dirty="0"/>
-              <a:t>“Missing Data”, “Finding Missing Records”, “Bringing it all together”:</a:t>
-            </a:r>
-            <a:br>
-              <a:rPr lang="en-US" dirty="0"/>
-            </a:br>
-            <a:r>
-              <a:rPr lang="en-US" dirty="0"/>
-              <a:t> pp. 67-74</a:t>
-            </a:r>
-          </a:p>
-        </p:txBody>
-      </p:sp>
-      <p:sp>
-        <p:nvSpPr>
-          <p:cNvPr id="3" name="Text Placeholder 2">
-            <a:extLst>
-              <a:ext uri="{FF2B5EF4-FFF2-40B4-BE49-F238E27FC236}">
-                <a16:creationId xmlns:a16="http://schemas.microsoft.com/office/drawing/2014/main" id="{71265BD5-0532-4512-A178-C29C2D03FD16}"/>
-              </a:ext>
-            </a:extLst>
-          </p:cNvPr>
-          <p:cNvSpPr>
-            <a:spLocks noGrp="1"/>
-          </p:cNvSpPr>
-          <p:nvPr>
-            <p:ph type="body" sz="quarter" idx="11"/>
-          </p:nvPr>
-        </p:nvSpPr>
-        <p:spPr/>
-        <p:txBody>
-          <a:bodyPr/>
-          <a:lstStyle/>
-          <a:p>
-            <a:r>
-              <a:rPr lang="en-US" dirty="0"/>
-              <a:t>30 Minutes</a:t>
-            </a:r>
-          </a:p>
-        </p:txBody>
-      </p:sp>
-      <p:sp>
-        <p:nvSpPr>
-          <p:cNvPr id="4" name="Title 3">
-            <a:extLst>
-              <a:ext uri="{FF2B5EF4-FFF2-40B4-BE49-F238E27FC236}">
-                <a16:creationId xmlns:a16="http://schemas.microsoft.com/office/drawing/2014/main" id="{C120D6B4-67D7-42B8-B676-E028F6F72A51}"/>
-              </a:ext>
-            </a:extLst>
-          </p:cNvPr>
-          <p:cNvSpPr>
-            <a:spLocks noGrp="1"/>
-          </p:cNvSpPr>
-          <p:nvPr>
-            <p:ph type="title"/>
-          </p:nvPr>
-        </p:nvSpPr>
-        <p:spPr/>
-        <p:txBody>
-          <a:bodyPr/>
-          <a:lstStyle/>
-          <a:p>
-            <a:r>
-              <a:rPr lang="en-US" dirty="0"/>
-              <a:t>Lab 4: Joins</a:t>
-            </a:r>
-          </a:p>
-        </p:txBody>
-      </p:sp>
-    </p:spTree>
-    <p:extLst>
-      <p:ext uri="{BB962C8B-B14F-4D97-AF65-F5344CB8AC3E}">
-        <p14:creationId xmlns:p14="http://schemas.microsoft.com/office/powerpoint/2010/main" val="108929934"/>
-      </p:ext>
-    </p:extLst>
-  </p:cSld>
-  <p:clrMapOvr>
-    <a:masterClrMapping/>
-  </p:clrMapOvr>
-</p:sld>
-</file>
-
 <file path=ppt/slides/slide69.xml><?xml version="1.0" encoding="utf-8"?>
 <p:sld xmlns:a="http://schemas.openxmlformats.org/drawingml/2006/main" xmlns:r="http://schemas.openxmlformats.org/officeDocument/2006/relationships" xmlns:p="http://schemas.openxmlformats.org/presentationml/2006/main">
   <p:cSld>
@@ -32801,10 +34330,10 @@
       </p:grpSpPr>
       <p:sp>
         <p:nvSpPr>
-          <p:cNvPr id="4" name="Title 3">
+          <p:cNvPr id="2" name="Subtitle 1">
             <a:extLst>
               <a:ext uri="{FF2B5EF4-FFF2-40B4-BE49-F238E27FC236}">
-                <a16:creationId xmlns:a16="http://schemas.microsoft.com/office/drawing/2014/main" id="{1E6D96E9-B635-0245-9098-C1FAA390A091}"/>
+                <a16:creationId xmlns:a16="http://schemas.microsoft.com/office/drawing/2014/main" id="{828A7028-F2AD-42E1-A8A2-92B8AC321143}"/>
               </a:ext>
             </a:extLst>
           </p:cNvPr>
@@ -32812,7 +34341,7 @@
             <a:spLocks noGrp="1"/>
           </p:cNvSpPr>
           <p:nvPr>
-            <p:ph type="title"/>
+            <p:ph type="subTitle" idx="1"/>
           </p:nvPr>
         </p:nvSpPr>
         <p:spPr/>
@@ -32820,9 +34349,86 @@
           <a:bodyPr/>
           <a:lstStyle/>
           <a:p>
+            <a:pPr marL="342900" indent="-342900">
+              <a:buFont typeface="Arial" panose="020B0604020202020204" pitchFamily="34" charset="0"/>
+              <a:buChar char="•"/>
+            </a:pPr>
             <a:r>
               <a:rPr lang="en-US" dirty="0"/>
-              <a:t>Part II: Transform</a:t>
+              <a:t>Exercise 5.1: pp. 58-66</a:t>
+            </a:r>
+          </a:p>
+          <a:p>
+            <a:pPr marL="342900" indent="-342900">
+              <a:buFont typeface="Arial" panose="020B0604020202020204" pitchFamily="34" charset="0"/>
+              <a:buChar char="•"/>
+            </a:pPr>
+            <a:r>
+              <a:rPr lang="en-US" dirty="0"/>
+              <a:t>“Missing Data”, “Finding Missing Records”, “Bringing it all together”:</a:t>
+            </a:r>
+            <a:br>
+              <a:rPr lang="en-US" dirty="0"/>
+            </a:br>
+            <a:r>
+              <a:rPr lang="en-US" dirty="0"/>
+              <a:t> pp. 67-74</a:t>
+            </a:r>
+          </a:p>
+        </p:txBody>
+      </p:sp>
+      <p:sp>
+        <p:nvSpPr>
+          <p:cNvPr id="3" name="Text Placeholder 2">
+            <a:extLst>
+              <a:ext uri="{FF2B5EF4-FFF2-40B4-BE49-F238E27FC236}">
+                <a16:creationId xmlns:a16="http://schemas.microsoft.com/office/drawing/2014/main" id="{71265BD5-0532-4512-A178-C29C2D03FD16}"/>
+              </a:ext>
+            </a:extLst>
+          </p:cNvPr>
+          <p:cNvSpPr>
+            <a:spLocks noGrp="1"/>
+          </p:cNvSpPr>
+          <p:nvPr>
+            <p:ph type="body" sz="quarter" idx="11"/>
+          </p:nvPr>
+        </p:nvSpPr>
+        <p:spPr/>
+        <p:txBody>
+          <a:bodyPr/>
+          <a:lstStyle/>
+          <a:p>
+            <a:r>
+              <a:rPr lang="en-US" dirty="0"/>
+              <a:t>30 Minutes</a:t>
+            </a:r>
+          </a:p>
+        </p:txBody>
+      </p:sp>
+      <p:sp>
+        <p:nvSpPr>
+          <p:cNvPr id="4" name="Title 3">
+            <a:extLst>
+              <a:ext uri="{FF2B5EF4-FFF2-40B4-BE49-F238E27FC236}">
+                <a16:creationId xmlns:a16="http://schemas.microsoft.com/office/drawing/2014/main" id="{C120D6B4-67D7-42B8-B676-E028F6F72A51}"/>
+              </a:ext>
+            </a:extLst>
+          </p:cNvPr>
+          <p:cNvSpPr>
+            <a:spLocks noGrp="1"/>
+          </p:cNvSpPr>
+          <p:nvPr>
+            <p:ph type="title"/>
+          </p:nvPr>
+        </p:nvSpPr>
+        <p:spPr/>
+        <p:txBody>
+          <a:bodyPr/>
+          <a:lstStyle/>
+          <a:p>
+            <a:r>
+              <a:rPr lang="en-US" dirty="0"/>
+              <a:t>Lab 4: Joins</a:t>
             </a:r>
           </a:p>
         </p:txBody>
@@ -32830,7 +34436,7 @@
     </p:spTree>
     <p:extLst>
       <p:ext uri="{BB962C8B-B14F-4D97-AF65-F5344CB8AC3E}">
-        <p14:creationId xmlns:p14="http://schemas.microsoft.com/office/powerpoint/2010/main" val="1657269070"/>
+        <p14:creationId xmlns:p14="http://schemas.microsoft.com/office/powerpoint/2010/main" val="108929934"/>
       </p:ext>
     </p:extLst>
   </p:cSld>
@@ -33556,6 +35162,13 @@
   <p:clrMapOvr>
     <a:masterClrMapping/>
   </p:clrMapOvr>
+  <p:timing>
+    <p:tnLst>
+      <p:par>
+        <p:cTn id="1" dur="indefinite" restart="never" nodeType="tmRoot"/>
+      </p:par>
+    </p:tnLst>
+  </p:timing>
 </p:sld>
 </file>
 
@@ -33578,6 +35191,64 @@
       </p:grpSpPr>
       <p:sp>
         <p:nvSpPr>
+          <p:cNvPr id="4" name="Title 3">
+            <a:extLst>
+              <a:ext uri="{FF2B5EF4-FFF2-40B4-BE49-F238E27FC236}">
+                <a16:creationId xmlns:a16="http://schemas.microsoft.com/office/drawing/2014/main" id="{1E6D96E9-B635-0245-9098-C1FAA390A091}"/>
+              </a:ext>
+            </a:extLst>
+          </p:cNvPr>
+          <p:cNvSpPr>
+            <a:spLocks noGrp="1"/>
+          </p:cNvSpPr>
+          <p:nvPr>
+            <p:ph type="title"/>
+          </p:nvPr>
+        </p:nvSpPr>
+        <p:spPr/>
+        <p:txBody>
+          <a:bodyPr/>
+          <a:lstStyle/>
+          <a:p>
+            <a:r>
+              <a:rPr lang="en-US" dirty="0"/>
+              <a:t>Part II: Transform</a:t>
+            </a:r>
+          </a:p>
+        </p:txBody>
+      </p:sp>
+    </p:spTree>
+    <p:extLst>
+      <p:ext uri="{BB962C8B-B14F-4D97-AF65-F5344CB8AC3E}">
+        <p14:creationId xmlns:p14="http://schemas.microsoft.com/office/powerpoint/2010/main" val="1657269070"/>
+      </p:ext>
+    </p:extLst>
+  </p:cSld>
+  <p:clrMapOvr>
+    <a:masterClrMapping/>
+  </p:clrMapOvr>
+</p:sld>
+</file>
+
+<file path=ppt/slides/slide71.xml><?xml version="1.0" encoding="utf-8"?>
+<p:sld xmlns:a="http://schemas.openxmlformats.org/drawingml/2006/main" xmlns:r="http://schemas.openxmlformats.org/officeDocument/2006/relationships" xmlns:p="http://schemas.openxmlformats.org/presentationml/2006/main">
+  <p:cSld>
+    <p:spTree>
+      <p:nvGrpSpPr>
+        <p:cNvPr id="1" name=""/>
+        <p:cNvGrpSpPr/>
+        <p:nvPr/>
+      </p:nvGrpSpPr>
+      <p:grpSpPr>
+        <a:xfrm>
+          <a:off x="0" y="0"/>
+          <a:ext cx="0" cy="0"/>
+          <a:chOff x="0" y="0"/>
+          <a:chExt cx="0" cy="0"/>
+        </a:xfrm>
+      </p:grpSpPr>
+      <p:sp>
+        <p:nvSpPr>
           <p:cNvPr id="2" name="Title 1">
             <a:extLst>
               <a:ext uri="{FF2B5EF4-FFF2-40B4-BE49-F238E27FC236}">
@@ -33622,7 +35293,7 @@
 </p:sld>
 </file>
 
-<file path=ppt/slides/slide71.xml><?xml version="1.0" encoding="utf-8"?>
+<file path=ppt/slides/slide72.xml><?xml version="1.0" encoding="utf-8"?>
 <p:sld xmlns:a="http://schemas.openxmlformats.org/drawingml/2006/main" xmlns:r="http://schemas.openxmlformats.org/officeDocument/2006/relationships" xmlns:p="http://schemas.openxmlformats.org/presentationml/2006/main">
   <p:cSld>
     <p:spTree>
@@ -33744,7 +35415,7 @@
 </p:sld>
 </file>
 
-<file path=ppt/slides/slide72.xml><?xml version="1.0" encoding="utf-8"?>
+<file path=ppt/slides/slide73.xml><?xml version="1.0" encoding="utf-8"?>
 <p:sld xmlns:a="http://schemas.openxmlformats.org/drawingml/2006/main" xmlns:r="http://schemas.openxmlformats.org/officeDocument/2006/relationships" xmlns:p="http://schemas.openxmlformats.org/presentationml/2006/main">
   <p:cSld>
     <p:spTree>
@@ -33860,7 +35531,7 @@
 </p:sld>
 </file>
 
-<file path=ppt/slides/slide73.xml><?xml version="1.0" encoding="utf-8"?>
+<file path=ppt/slides/slide74.xml><?xml version="1.0" encoding="utf-8"?>
 <p:sld xmlns:a="http://schemas.openxmlformats.org/drawingml/2006/main" xmlns:r="http://schemas.openxmlformats.org/officeDocument/2006/relationships" xmlns:p="http://schemas.openxmlformats.org/presentationml/2006/main">
   <p:cSld>
     <p:spTree>
@@ -34020,7 +35691,7 @@
 </p:sld>
 </file>
 
-<file path=ppt/slides/slide74.xml><?xml version="1.0" encoding="utf-8"?>
+<file path=ppt/slides/slide75.xml><?xml version="1.0" encoding="utf-8"?>
 <p:sld xmlns:a="http://schemas.openxmlformats.org/drawingml/2006/main" xmlns:r="http://schemas.openxmlformats.org/officeDocument/2006/relationships" xmlns:p="http://schemas.openxmlformats.org/presentationml/2006/main">
   <p:cSld>
     <p:spTree>
@@ -34103,7 +35774,7 @@
 </p:sld>
 </file>
 
-<file path=ppt/slides/slide75.xml><?xml version="1.0" encoding="utf-8"?>
+<file path=ppt/slides/slide76.xml><?xml version="1.0" encoding="utf-8"?>
 <p:sld xmlns:a="http://schemas.openxmlformats.org/drawingml/2006/main" xmlns:r="http://schemas.openxmlformats.org/officeDocument/2006/relationships" xmlns:p="http://schemas.openxmlformats.org/presentationml/2006/main">
   <p:cSld>
     <p:spTree>
@@ -34330,7 +36001,7 @@
 </p:sld>
 </file>
 
-<file path=ppt/slides/slide76.xml><?xml version="1.0" encoding="utf-8"?>
+<file path=ppt/slides/slide77.xml><?xml version="1.0" encoding="utf-8"?>
 <p:sld xmlns:a="http://schemas.openxmlformats.org/drawingml/2006/main" xmlns:r="http://schemas.openxmlformats.org/officeDocument/2006/relationships" xmlns:p="http://schemas.openxmlformats.org/presentationml/2006/main">
   <p:cSld>
     <p:spTree>
@@ -34720,7 +36391,7 @@
 </p:sld>
 </file>
 
-<file path=ppt/slides/slide77.xml><?xml version="1.0" encoding="utf-8"?>
+<file path=ppt/slides/slide78.xml><?xml version="1.0" encoding="utf-8"?>
 <p:sld xmlns:a="http://schemas.openxmlformats.org/drawingml/2006/main" xmlns:r="http://schemas.openxmlformats.org/officeDocument/2006/relationships" xmlns:p="http://schemas.openxmlformats.org/presentationml/2006/main">
   <p:cSld>
     <p:spTree>
@@ -34907,7 +36578,7 @@
 </p:sld>
 </file>
 
-<file path=ppt/slides/slide78.xml><?xml version="1.0" encoding="utf-8"?>
+<file path=ppt/slides/slide79.xml><?xml version="1.0" encoding="utf-8"?>
 <p:sld xmlns:a="http://schemas.openxmlformats.org/drawingml/2006/main" xmlns:r="http://schemas.openxmlformats.org/officeDocument/2006/relationships" xmlns:p="http://schemas.openxmlformats.org/presentationml/2006/main">
   <p:cSld>
     <p:spTree>
@@ -35079,7 +36750,159 @@
 </p:sld>
 </file>
 
-<file path=ppt/slides/slide79.xml><?xml version="1.0" encoding="utf-8"?>
+<file path=ppt/slides/slide8.xml><?xml version="1.0" encoding="utf-8"?>
+<p:sld xmlns:a="http://schemas.openxmlformats.org/drawingml/2006/main" xmlns:r="http://schemas.openxmlformats.org/officeDocument/2006/relationships" xmlns:p="http://schemas.openxmlformats.org/presentationml/2006/main">
+  <p:cSld>
+    <p:spTree>
+      <p:nvGrpSpPr>
+        <p:cNvPr id="1" name=""/>
+        <p:cNvGrpSpPr/>
+        <p:nvPr/>
+      </p:nvGrpSpPr>
+      <p:grpSpPr>
+        <a:xfrm>
+          <a:off x="0" y="0"/>
+          <a:ext cx="0" cy="0"/>
+          <a:chOff x="0" y="0"/>
+          <a:chExt cx="0" cy="0"/>
+        </a:xfrm>
+      </p:grpSpPr>
+      <p:sp>
+        <p:nvSpPr>
+          <p:cNvPr id="2" name="Title 1"/>
+          <p:cNvSpPr>
+            <a:spLocks noGrp="1"/>
+          </p:cNvSpPr>
+          <p:nvPr>
+            <p:ph type="title"/>
+          </p:nvPr>
+        </p:nvSpPr>
+        <p:spPr/>
+        <p:txBody>
+          <a:bodyPr/>
+          <a:lstStyle/>
+          <a:p>
+            <a:r>
+              <a:rPr lang="en-US" dirty="0"/>
+              <a:t>Related Classes</a:t>
+            </a:r>
+          </a:p>
+        </p:txBody>
+      </p:sp>
+      <p:sp>
+        <p:nvSpPr>
+          <p:cNvPr id="6" name="Text Placeholder 5"/>
+          <p:cNvSpPr>
+            <a:spLocks noGrp="1"/>
+          </p:cNvSpPr>
+          <p:nvPr>
+            <p:ph type="body" sz="quarter" idx="10"/>
+          </p:nvPr>
+        </p:nvSpPr>
+        <p:spPr/>
+        <p:txBody>
+          <a:bodyPr/>
+          <a:lstStyle/>
+          <a:p>
+            <a:r>
+              <a:rPr lang="en-US" dirty="0" smtClean="0"/>
+              <a:t>Tableau </a:t>
+            </a:r>
+            <a:r>
+              <a:rPr lang="en-US" dirty="0"/>
+              <a:t>Desktop Level 1: </a:t>
+            </a:r>
+            <a:r>
+              <a:rPr lang="en-US" dirty="0" smtClean="0"/>
+              <a:t>Introduction</a:t>
+            </a:r>
+          </a:p>
+          <a:p>
+            <a:r>
+              <a:rPr lang="en-US" dirty="0" smtClean="0"/>
+              <a:t>Tableau </a:t>
+            </a:r>
+            <a:r>
+              <a:rPr lang="en-US" dirty="0"/>
+              <a:t>Desktop Level 2: </a:t>
+            </a:r>
+            <a:r>
+              <a:rPr lang="en-US" dirty="0" smtClean="0"/>
+              <a:t>Intermediate</a:t>
+            </a:r>
+          </a:p>
+          <a:p>
+            <a:r>
+              <a:rPr lang="en-US" dirty="0" smtClean="0"/>
+              <a:t>Tableau </a:t>
+            </a:r>
+            <a:r>
+              <a:rPr lang="en-US" dirty="0"/>
+              <a:t>Desktop Level 3: </a:t>
+            </a:r>
+            <a:r>
+              <a:rPr lang="en-US" dirty="0" smtClean="0"/>
+              <a:t>Advanced</a:t>
+            </a:r>
+          </a:p>
+          <a:p>
+            <a:r>
+              <a:rPr lang="en-US" dirty="0" smtClean="0"/>
+              <a:t>Tableau </a:t>
+            </a:r>
+            <a:r>
+              <a:rPr lang="en-US" dirty="0"/>
+              <a:t>Data Visualizations</a:t>
+            </a:r>
+            <a:endParaRPr lang="en-US" dirty="0"/>
+          </a:p>
+        </p:txBody>
+      </p:sp>
+      <p:sp>
+        <p:nvSpPr>
+          <p:cNvPr id="3" name="Slide Number Placeholder 2"/>
+          <p:cNvSpPr>
+            <a:spLocks noGrp="1"/>
+          </p:cNvSpPr>
+          <p:nvPr>
+            <p:ph type="sldNum" sz="quarter" idx="4294967295"/>
+          </p:nvPr>
+        </p:nvSpPr>
+        <p:spPr/>
+        <p:txBody>
+          <a:bodyPr/>
+          <a:lstStyle/>
+          <a:p>
+            <a:fld id="{D814DA60-3BEE-4BCE-BEDB-E433FD970963}" type="slidenum">
+              <a:rPr lang="en-US" smtClean="0"/>
+              <a:pPr/>
+              <a:t>8</a:t>
+            </a:fld>
+            <a:endParaRPr lang="en-US" dirty="0"/>
+          </a:p>
+        </p:txBody>
+      </p:sp>
+    </p:spTree>
+    <p:extLst>
+      <p:ext uri="{BB962C8B-B14F-4D97-AF65-F5344CB8AC3E}">
+        <p14:creationId xmlns:p14="http://schemas.microsoft.com/office/powerpoint/2010/main" val="3063254713"/>
+      </p:ext>
+    </p:extLst>
+  </p:cSld>
+  <p:clrMapOvr>
+    <a:masterClrMapping/>
+  </p:clrMapOvr>
+  <p:timing>
+    <p:tnLst>
+      <p:par>
+        <p:cTn id="1" dur="indefinite" restart="never" nodeType="tmRoot"/>
+      </p:par>
+    </p:tnLst>
+  </p:timing>
+</p:sld>
+</file>
+
+<file path=ppt/slides/slide80.xml><?xml version="1.0" encoding="utf-8"?>
 <p:sld xmlns:a="http://schemas.openxmlformats.org/drawingml/2006/main" xmlns:r="http://schemas.openxmlformats.org/officeDocument/2006/relationships" xmlns:p="http://schemas.openxmlformats.org/presentationml/2006/main">
   <p:cSld>
     <p:spTree>
@@ -35201,152 +37024,7 @@
 </p:sld>
 </file>
 
-<file path=ppt/slides/slide8.xml><?xml version="1.0" encoding="utf-8"?>
-<p:sld xmlns:a="http://schemas.openxmlformats.org/drawingml/2006/main" xmlns:r="http://schemas.openxmlformats.org/officeDocument/2006/relationships" xmlns:p="http://schemas.openxmlformats.org/presentationml/2006/main">
-  <p:cSld>
-    <p:spTree>
-      <p:nvGrpSpPr>
-        <p:cNvPr id="1" name=""/>
-        <p:cNvGrpSpPr/>
-        <p:nvPr/>
-      </p:nvGrpSpPr>
-      <p:grpSpPr>
-        <a:xfrm>
-          <a:off x="0" y="0"/>
-          <a:ext cx="0" cy="0"/>
-          <a:chOff x="0" y="0"/>
-          <a:chExt cx="0" cy="0"/>
-        </a:xfrm>
-      </p:grpSpPr>
-      <p:sp>
-        <p:nvSpPr>
-          <p:cNvPr id="2" name="Title 1"/>
-          <p:cNvSpPr>
-            <a:spLocks noGrp="1"/>
-          </p:cNvSpPr>
-          <p:nvPr>
-            <p:ph type="title"/>
-          </p:nvPr>
-        </p:nvSpPr>
-        <p:spPr/>
-        <p:txBody>
-          <a:bodyPr/>
-          <a:lstStyle/>
-          <a:p>
-            <a:r>
-              <a:rPr lang="en-US" dirty="0"/>
-              <a:t>Related Classes</a:t>
-            </a:r>
-          </a:p>
-        </p:txBody>
-      </p:sp>
-      <p:sp>
-        <p:nvSpPr>
-          <p:cNvPr id="6" name="Text Placeholder 5"/>
-          <p:cNvSpPr>
-            <a:spLocks noGrp="1"/>
-          </p:cNvSpPr>
-          <p:nvPr>
-            <p:ph type="body" sz="quarter" idx="10"/>
-          </p:nvPr>
-        </p:nvSpPr>
-        <p:spPr/>
-        <p:txBody>
-          <a:bodyPr/>
-          <a:lstStyle/>
-          <a:p>
-            <a:r>
-              <a:rPr lang="en-US" dirty="0" smtClean="0"/>
-              <a:t>Tableau </a:t>
-            </a:r>
-            <a:r>
-              <a:rPr lang="en-US" dirty="0"/>
-              <a:t>Desktop Level 1: </a:t>
-            </a:r>
-            <a:r>
-              <a:rPr lang="en-US" dirty="0" smtClean="0"/>
-              <a:t>Introduction</a:t>
-            </a:r>
-          </a:p>
-          <a:p>
-            <a:r>
-              <a:rPr lang="en-US" dirty="0" smtClean="0"/>
-              <a:t>Tableau </a:t>
-            </a:r>
-            <a:r>
-              <a:rPr lang="en-US" dirty="0"/>
-              <a:t>Desktop Level 2: </a:t>
-            </a:r>
-            <a:r>
-              <a:rPr lang="en-US" dirty="0" smtClean="0"/>
-              <a:t>Intermediate</a:t>
-            </a:r>
-          </a:p>
-          <a:p>
-            <a:r>
-              <a:rPr lang="en-US" dirty="0" smtClean="0"/>
-              <a:t>Tableau </a:t>
-            </a:r>
-            <a:r>
-              <a:rPr lang="en-US" dirty="0"/>
-              <a:t>Desktop Level 3: </a:t>
-            </a:r>
-            <a:r>
-              <a:rPr lang="en-US" dirty="0" smtClean="0"/>
-              <a:t>Advanced</a:t>
-            </a:r>
-          </a:p>
-          <a:p>
-            <a:r>
-              <a:rPr lang="en-US" dirty="0" smtClean="0"/>
-              <a:t>Tableau </a:t>
-            </a:r>
-            <a:r>
-              <a:rPr lang="en-US" dirty="0"/>
-              <a:t>Data Visualizations</a:t>
-            </a:r>
-            <a:endParaRPr lang="en-US" dirty="0"/>
-          </a:p>
-        </p:txBody>
-      </p:sp>
-      <p:sp>
-        <p:nvSpPr>
-          <p:cNvPr id="3" name="Slide Number Placeholder 2"/>
-          <p:cNvSpPr>
-            <a:spLocks noGrp="1"/>
-          </p:cNvSpPr>
-          <p:nvPr>
-            <p:ph type="sldNum" sz="quarter" idx="4294967295"/>
-          </p:nvPr>
-        </p:nvSpPr>
-        <p:spPr/>
-        <p:txBody>
-          <a:bodyPr/>
-          <a:lstStyle/>
-          <a:p>
-            <a:fld id="{D814DA60-3BEE-4BCE-BEDB-E433FD970963}" type="slidenum">
-              <a:rPr lang="en-US" smtClean="0"/>
-              <a:pPr/>
-              <a:t>8</a:t>
-            </a:fld>
-            <a:endParaRPr lang="en-US" dirty="0"/>
-          </a:p>
-        </p:txBody>
-      </p:sp>
-    </p:spTree>
-    <p:extLst>
-      <p:ext uri="{BB962C8B-B14F-4D97-AF65-F5344CB8AC3E}">
-        <p14:creationId xmlns:p14="http://schemas.microsoft.com/office/powerpoint/2010/main" val="3063254713"/>
-      </p:ext>
-    </p:extLst>
-  </p:cSld>
-  <p:clrMapOvr>
-    <a:masterClrMapping/>
-  </p:clrMapOvr>
-</p:sld>
-</file>
-
-<file path=ppt/slides/slide80.xml><?xml version="1.0" encoding="utf-8"?>
+<file path=ppt/slides/slide81.xml><?xml version="1.0" encoding="utf-8"?>
 <p:sld xmlns:a="http://schemas.openxmlformats.org/drawingml/2006/main" xmlns:r="http://schemas.openxmlformats.org/officeDocument/2006/relationships" xmlns:p="http://schemas.openxmlformats.org/presentationml/2006/main">
   <p:cSld>
     <p:spTree>
@@ -35503,7 +37181,7 @@
 </p:sld>
 </file>
 
-<file path=ppt/slides/slide81.xml><?xml version="1.0" encoding="utf-8"?>
+<file path=ppt/slides/slide82.xml><?xml version="1.0" encoding="utf-8"?>
 <p:sld xmlns:a="http://schemas.openxmlformats.org/drawingml/2006/main" xmlns:r="http://schemas.openxmlformats.org/officeDocument/2006/relationships" xmlns:p="http://schemas.openxmlformats.org/presentationml/2006/main">
   <p:cSld>
     <p:spTree>
@@ -35673,154 +37351,6 @@
 </p:sld>
 </file>
 
-<file path=ppt/slides/slide82.xml><?xml version="1.0" encoding="utf-8"?>
-<p:sld xmlns:a="http://schemas.openxmlformats.org/drawingml/2006/main" xmlns:r="http://schemas.openxmlformats.org/officeDocument/2006/relationships" xmlns:p="http://schemas.openxmlformats.org/presentationml/2006/main">
-  <p:cSld>
-    <p:spTree>
-      <p:nvGrpSpPr>
-        <p:cNvPr id="1" name=""/>
-        <p:cNvGrpSpPr/>
-        <p:nvPr/>
-      </p:nvGrpSpPr>
-      <p:grpSpPr>
-        <a:xfrm>
-          <a:off x="0" y="0"/>
-          <a:ext cx="0" cy="0"/>
-          <a:chOff x="0" y="0"/>
-          <a:chExt cx="0" cy="0"/>
-        </a:xfrm>
-      </p:grpSpPr>
-      <p:sp>
-        <p:nvSpPr>
-          <p:cNvPr id="2" name="Subtitle 1">
-            <a:extLst>
-              <a:ext uri="{FF2B5EF4-FFF2-40B4-BE49-F238E27FC236}">
-                <a16:creationId xmlns:a16="http://schemas.microsoft.com/office/drawing/2014/main" id="{A439E777-8114-4C67-9651-AB51CE460424}"/>
-              </a:ext>
-            </a:extLst>
-          </p:cNvPr>
-          <p:cNvSpPr>
-            <a:spLocks noGrp="1"/>
-          </p:cNvSpPr>
-          <p:nvPr>
-            <p:ph type="subTitle" idx="1"/>
-          </p:nvPr>
-        </p:nvSpPr>
-        <p:spPr/>
-        <p:txBody>
-          <a:bodyPr/>
-          <a:lstStyle/>
-          <a:p>
-            <a:pPr marL="342900" indent="-342900">
-              <a:buFont typeface="Arial" panose="020B0604020202020204" pitchFamily="34" charset="0"/>
-              <a:buChar char="•"/>
-            </a:pPr>
-            <a:r>
-              <a:rPr lang="en-US" dirty="0"/>
-              <a:t>Exercise 6.1: pp. 79-89</a:t>
-            </a:r>
-          </a:p>
-          <a:p>
-            <a:pPr marL="342900" indent="-342900">
-              <a:buFont typeface="Arial" panose="020B0604020202020204" pitchFamily="34" charset="0"/>
-              <a:buChar char="•"/>
-            </a:pPr>
-            <a:r>
-              <a:rPr lang="en-US" dirty="0"/>
-              <a:t>Exercise 7.1: pp. 91-94</a:t>
-            </a:r>
-          </a:p>
-          <a:p>
-            <a:pPr marL="342900" indent="-342900">
-              <a:buFont typeface="Arial" panose="020B0604020202020204" pitchFamily="34" charset="0"/>
-              <a:buChar char="•"/>
-            </a:pPr>
-            <a:r>
-              <a:rPr lang="en-US" dirty="0"/>
-              <a:t>Exercise 7.2: pp. 94-104</a:t>
-            </a:r>
-          </a:p>
-          <a:p>
-            <a:pPr marL="342900" indent="-342900">
-              <a:buFont typeface="Arial" panose="020B0604020202020204" pitchFamily="34" charset="0"/>
-              <a:buChar char="•"/>
-            </a:pPr>
-            <a:r>
-              <a:rPr lang="en-US" dirty="0"/>
-              <a:t>Exercise 7.3: pp. 105, 110-118</a:t>
-            </a:r>
-          </a:p>
-        </p:txBody>
-      </p:sp>
-      <p:sp>
-        <p:nvSpPr>
-          <p:cNvPr id="3" name="Text Placeholder 2">
-            <a:extLst>
-              <a:ext uri="{FF2B5EF4-FFF2-40B4-BE49-F238E27FC236}">
-                <a16:creationId xmlns:a16="http://schemas.microsoft.com/office/drawing/2014/main" id="{0E71895F-EE2C-48F3-9B62-E0FB864298C9}"/>
-              </a:ext>
-            </a:extLst>
-          </p:cNvPr>
-          <p:cNvSpPr>
-            <a:spLocks noGrp="1"/>
-          </p:cNvSpPr>
-          <p:nvPr>
-            <p:ph type="body" sz="quarter" idx="11"/>
-          </p:nvPr>
-        </p:nvSpPr>
-        <p:spPr/>
-        <p:txBody>
-          <a:bodyPr/>
-          <a:lstStyle/>
-          <a:p>
-            <a:r>
-              <a:rPr lang="en-US" dirty="0"/>
-              <a:t>45 Minutes</a:t>
-            </a:r>
-          </a:p>
-        </p:txBody>
-      </p:sp>
-      <p:sp>
-        <p:nvSpPr>
-          <p:cNvPr id="4" name="Title 3">
-            <a:extLst>
-              <a:ext uri="{FF2B5EF4-FFF2-40B4-BE49-F238E27FC236}">
-                <a16:creationId xmlns:a16="http://schemas.microsoft.com/office/drawing/2014/main" id="{C07AA40D-746C-46A7-A1DA-66CDD43B4BEA}"/>
-              </a:ext>
-            </a:extLst>
-          </p:cNvPr>
-          <p:cNvSpPr>
-            <a:spLocks noGrp="1"/>
-          </p:cNvSpPr>
-          <p:nvPr>
-            <p:ph type="title"/>
-          </p:nvPr>
-        </p:nvSpPr>
-        <p:spPr/>
-        <p:txBody>
-          <a:bodyPr/>
-          <a:lstStyle/>
-          <a:p>
-            <a:r>
-              <a:rPr lang="en-US" dirty="0"/>
-              <a:t>Lab 5: Auditing and Filtering</a:t>
-            </a:r>
-          </a:p>
-        </p:txBody>
-      </p:sp>
-    </p:spTree>
-    <p:extLst>
-      <p:ext uri="{BB962C8B-B14F-4D97-AF65-F5344CB8AC3E}">
-        <p14:creationId xmlns:p14="http://schemas.microsoft.com/office/powerpoint/2010/main" val="2508201423"/>
-      </p:ext>
-    </p:extLst>
-  </p:cSld>
-  <p:clrMapOvr>
-    <a:masterClrMapping/>
-  </p:clrMapOvr>
-</p:sld>
-</file>
-
 <file path=ppt/slides/slide83.xml><?xml version="1.0" encoding="utf-8"?>
 <p:sld xmlns:a="http://schemas.openxmlformats.org/drawingml/2006/main" xmlns:r="http://schemas.openxmlformats.org/officeDocument/2006/relationships" xmlns:p="http://schemas.openxmlformats.org/presentationml/2006/main">
   <p:cSld>
@@ -35840,10 +37370,10 @@
       </p:grpSpPr>
       <p:sp>
         <p:nvSpPr>
-          <p:cNvPr id="2" name="Title 1">
+          <p:cNvPr id="2" name="Subtitle 1">
             <a:extLst>
               <a:ext uri="{FF2B5EF4-FFF2-40B4-BE49-F238E27FC236}">
-                <a16:creationId xmlns:a16="http://schemas.microsoft.com/office/drawing/2014/main" id="{C3A4853A-6621-BF48-99C0-CF9E50FA3A1F}"/>
+                <a16:creationId xmlns:a16="http://schemas.microsoft.com/office/drawing/2014/main" id="{A439E777-8114-4C67-9651-AB51CE460424}"/>
               </a:ext>
             </a:extLst>
           </p:cNvPr>
@@ -35851,7 +37381,7 @@
             <a:spLocks noGrp="1"/>
           </p:cNvSpPr>
           <p:nvPr>
-            <p:ph type="title"/>
+            <p:ph type="subTitle" idx="1"/>
           </p:nvPr>
         </p:nvSpPr>
         <p:spPr/>
@@ -35859,9 +37389,99 @@
           <a:bodyPr/>
           <a:lstStyle/>
           <a:p>
+            <a:pPr marL="342900" indent="-342900">
+              <a:buFont typeface="Arial" panose="020B0604020202020204" pitchFamily="34" charset="0"/>
+              <a:buChar char="•"/>
+            </a:pPr>
             <a:r>
               <a:rPr lang="en-US" dirty="0"/>
-              <a:t>Module 6: Group and Replace</a:t>
+              <a:t>Exercise 6.1: pp. 79-89</a:t>
+            </a:r>
+          </a:p>
+          <a:p>
+            <a:pPr marL="342900" indent="-342900">
+              <a:buFont typeface="Arial" panose="020B0604020202020204" pitchFamily="34" charset="0"/>
+              <a:buChar char="•"/>
+            </a:pPr>
+            <a:r>
+              <a:rPr lang="en-US" dirty="0"/>
+              <a:t>Exercise 7.1: pp. 91-94</a:t>
+            </a:r>
+          </a:p>
+          <a:p>
+            <a:pPr marL="342900" indent="-342900">
+              <a:buFont typeface="Arial" panose="020B0604020202020204" pitchFamily="34" charset="0"/>
+              <a:buChar char="•"/>
+            </a:pPr>
+            <a:r>
+              <a:rPr lang="en-US" dirty="0"/>
+              <a:t>Exercise 7.2: pp. 94-104</a:t>
+            </a:r>
+          </a:p>
+          <a:p>
+            <a:pPr marL="342900" indent="-342900">
+              <a:buFont typeface="Arial" panose="020B0604020202020204" pitchFamily="34" charset="0"/>
+              <a:buChar char="•"/>
+            </a:pPr>
+            <a:r>
+              <a:rPr lang="en-US" dirty="0"/>
+              <a:t>Exercise 7.3: pp. 105, 110-118</a:t>
+            </a:r>
+          </a:p>
+        </p:txBody>
+      </p:sp>
+      <p:sp>
+        <p:nvSpPr>
+          <p:cNvPr id="3" name="Text Placeholder 2">
+            <a:extLst>
+              <a:ext uri="{FF2B5EF4-FFF2-40B4-BE49-F238E27FC236}">
+                <a16:creationId xmlns:a16="http://schemas.microsoft.com/office/drawing/2014/main" id="{0E71895F-EE2C-48F3-9B62-E0FB864298C9}"/>
+              </a:ext>
+            </a:extLst>
+          </p:cNvPr>
+          <p:cNvSpPr>
+            <a:spLocks noGrp="1"/>
+          </p:cNvSpPr>
+          <p:nvPr>
+            <p:ph type="body" sz="quarter" idx="11"/>
+          </p:nvPr>
+        </p:nvSpPr>
+        <p:spPr/>
+        <p:txBody>
+          <a:bodyPr/>
+          <a:lstStyle/>
+          <a:p>
+            <a:r>
+              <a:rPr lang="en-US" dirty="0"/>
+              <a:t>45 Minutes</a:t>
+            </a:r>
+          </a:p>
+        </p:txBody>
+      </p:sp>
+      <p:sp>
+        <p:nvSpPr>
+          <p:cNvPr id="4" name="Title 3">
+            <a:extLst>
+              <a:ext uri="{FF2B5EF4-FFF2-40B4-BE49-F238E27FC236}">
+                <a16:creationId xmlns:a16="http://schemas.microsoft.com/office/drawing/2014/main" id="{C07AA40D-746C-46A7-A1DA-66CDD43B4BEA}"/>
+              </a:ext>
+            </a:extLst>
+          </p:cNvPr>
+          <p:cNvSpPr>
+            <a:spLocks noGrp="1"/>
+          </p:cNvSpPr>
+          <p:nvPr>
+            <p:ph type="title"/>
+          </p:nvPr>
+        </p:nvSpPr>
+        <p:spPr/>
+        <p:txBody>
+          <a:bodyPr/>
+          <a:lstStyle/>
+          <a:p>
+            <a:r>
+              <a:rPr lang="en-US" dirty="0"/>
+              <a:t>Lab 5: Auditing and Filtering</a:t>
             </a:r>
           </a:p>
         </p:txBody>
@@ -35869,7 +37489,7 @@
     </p:spTree>
     <p:extLst>
       <p:ext uri="{BB962C8B-B14F-4D97-AF65-F5344CB8AC3E}">
-        <p14:creationId xmlns:p14="http://schemas.microsoft.com/office/powerpoint/2010/main" val="3911395177"/>
+        <p14:creationId xmlns:p14="http://schemas.microsoft.com/office/powerpoint/2010/main" val="2508201423"/>
       </p:ext>
     </p:extLst>
   </p:cSld>
@@ -35901,6 +37521,64 @@
           <p:cNvPr id="2" name="Title 1">
             <a:extLst>
               <a:ext uri="{FF2B5EF4-FFF2-40B4-BE49-F238E27FC236}">
+                <a16:creationId xmlns:a16="http://schemas.microsoft.com/office/drawing/2014/main" id="{C3A4853A-6621-BF48-99C0-CF9E50FA3A1F}"/>
+              </a:ext>
+            </a:extLst>
+          </p:cNvPr>
+          <p:cNvSpPr>
+            <a:spLocks noGrp="1"/>
+          </p:cNvSpPr>
+          <p:nvPr>
+            <p:ph type="title"/>
+          </p:nvPr>
+        </p:nvSpPr>
+        <p:spPr/>
+        <p:txBody>
+          <a:bodyPr/>
+          <a:lstStyle/>
+          <a:p>
+            <a:r>
+              <a:rPr lang="en-US" dirty="0"/>
+              <a:t>Module 6: Group and Replace</a:t>
+            </a:r>
+          </a:p>
+        </p:txBody>
+      </p:sp>
+    </p:spTree>
+    <p:extLst>
+      <p:ext uri="{BB962C8B-B14F-4D97-AF65-F5344CB8AC3E}">
+        <p14:creationId xmlns:p14="http://schemas.microsoft.com/office/powerpoint/2010/main" val="3911395177"/>
+      </p:ext>
+    </p:extLst>
+  </p:cSld>
+  <p:clrMapOvr>
+    <a:masterClrMapping/>
+  </p:clrMapOvr>
+</p:sld>
+</file>
+
+<file path=ppt/slides/slide85.xml><?xml version="1.0" encoding="utf-8"?>
+<p:sld xmlns:a="http://schemas.openxmlformats.org/drawingml/2006/main" xmlns:r="http://schemas.openxmlformats.org/officeDocument/2006/relationships" xmlns:p="http://schemas.openxmlformats.org/presentationml/2006/main">
+  <p:cSld>
+    <p:spTree>
+      <p:nvGrpSpPr>
+        <p:cNvPr id="1" name=""/>
+        <p:cNvGrpSpPr/>
+        <p:nvPr/>
+      </p:nvGrpSpPr>
+      <p:grpSpPr>
+        <a:xfrm>
+          <a:off x="0" y="0"/>
+          <a:ext cx="0" cy="0"/>
+          <a:chOff x="0" y="0"/>
+          <a:chExt cx="0" cy="0"/>
+        </a:xfrm>
+      </p:grpSpPr>
+      <p:sp>
+        <p:nvSpPr>
+          <p:cNvPr id="2" name="Title 1">
+            <a:extLst>
+              <a:ext uri="{FF2B5EF4-FFF2-40B4-BE49-F238E27FC236}">
                 <a16:creationId xmlns:a16="http://schemas.microsoft.com/office/drawing/2014/main" id="{3480EC15-00FE-FC41-ADF7-549E87A4B4F2}"/>
               </a:ext>
             </a:extLst>
@@ -35962,7 +37640,7 @@
 </p:sld>
 </file>
 
-<file path=ppt/slides/slide85.xml><?xml version="1.0" encoding="utf-8"?>
+<file path=ppt/slides/slide86.xml><?xml version="1.0" encoding="utf-8"?>
 <p:sld xmlns:a="http://schemas.openxmlformats.org/drawingml/2006/main" xmlns:r="http://schemas.openxmlformats.org/officeDocument/2006/relationships" xmlns:p="http://schemas.openxmlformats.org/presentationml/2006/main">
   <p:cSld>
     <p:spTree>
@@ -36194,7 +37872,7 @@
 </p:sld>
 </file>
 
-<file path=ppt/slides/slide86.xml><?xml version="1.0" encoding="utf-8"?>
+<file path=ppt/slides/slide87.xml><?xml version="1.0" encoding="utf-8"?>
 <p:sld xmlns:a="http://schemas.openxmlformats.org/drawingml/2006/main" xmlns:r="http://schemas.openxmlformats.org/officeDocument/2006/relationships" xmlns:p="http://schemas.openxmlformats.org/presentationml/2006/main">
   <p:cSld>
     <p:spTree>
@@ -36327,7 +38005,7 @@
 </p:sld>
 </file>
 
-<file path=ppt/slides/slide87.xml><?xml version="1.0" encoding="utf-8"?>
+<file path=ppt/slides/slide88.xml><?xml version="1.0" encoding="utf-8"?>
 <p:sld xmlns:a="http://schemas.openxmlformats.org/drawingml/2006/main" xmlns:r="http://schemas.openxmlformats.org/officeDocument/2006/relationships" xmlns:p="http://schemas.openxmlformats.org/presentationml/2006/main">
   <p:cSld>
     <p:spTree>
@@ -36465,7 +38143,7 @@
 </p:sld>
 </file>
 
-<file path=ppt/slides/slide88.xml><?xml version="1.0" encoding="utf-8"?>
+<file path=ppt/slides/slide89.xml><?xml version="1.0" encoding="utf-8"?>
 <p:sld xmlns:a="http://schemas.openxmlformats.org/drawingml/2006/main" xmlns:r="http://schemas.openxmlformats.org/officeDocument/2006/relationships" xmlns:p="http://schemas.openxmlformats.org/presentationml/2006/main">
   <p:cSld>
     <p:spTree>
@@ -36586,124 +38264,6 @@
 </p:sld>
 </file>
 
-<file path=ppt/slides/slide89.xml><?xml version="1.0" encoding="utf-8"?>
-<p:sld xmlns:a="http://schemas.openxmlformats.org/drawingml/2006/main" xmlns:r="http://schemas.openxmlformats.org/officeDocument/2006/relationships" xmlns:p="http://schemas.openxmlformats.org/presentationml/2006/main">
-  <p:cSld>
-    <p:spTree>
-      <p:nvGrpSpPr>
-        <p:cNvPr id="1" name=""/>
-        <p:cNvGrpSpPr/>
-        <p:nvPr/>
-      </p:nvGrpSpPr>
-      <p:grpSpPr>
-        <a:xfrm>
-          <a:off x="0" y="0"/>
-          <a:ext cx="0" cy="0"/>
-          <a:chOff x="0" y="0"/>
-          <a:chExt cx="0" cy="0"/>
-        </a:xfrm>
-      </p:grpSpPr>
-      <p:sp>
-        <p:nvSpPr>
-          <p:cNvPr id="2" name="Subtitle 1">
-            <a:extLst>
-              <a:ext uri="{FF2B5EF4-FFF2-40B4-BE49-F238E27FC236}">
-                <a16:creationId xmlns:a16="http://schemas.microsoft.com/office/drawing/2014/main" id="{07EF8D3E-4F42-45AE-873D-02C29E857AB0}"/>
-              </a:ext>
-            </a:extLst>
-          </p:cNvPr>
-          <p:cNvSpPr>
-            <a:spLocks noGrp="1"/>
-          </p:cNvSpPr>
-          <p:nvPr>
-            <p:ph type="subTitle" idx="1"/>
-          </p:nvPr>
-        </p:nvSpPr>
-        <p:spPr/>
-        <p:txBody>
-          <a:bodyPr/>
-          <a:lstStyle/>
-          <a:p>
-            <a:pPr marL="342900" indent="-342900">
-              <a:buFont typeface="Arial" panose="020B0604020202020204" pitchFamily="34" charset="0"/>
-              <a:buChar char="•"/>
-            </a:pPr>
-            <a:r>
-              <a:rPr lang="en-US" dirty="0"/>
-              <a:t>Follow instructions on pp. 123-129</a:t>
-            </a:r>
-          </a:p>
-        </p:txBody>
-      </p:sp>
-      <p:sp>
-        <p:nvSpPr>
-          <p:cNvPr id="3" name="Text Placeholder 2">
-            <a:extLst>
-              <a:ext uri="{FF2B5EF4-FFF2-40B4-BE49-F238E27FC236}">
-                <a16:creationId xmlns:a16="http://schemas.microsoft.com/office/drawing/2014/main" id="{14B99462-05B1-4D66-BC2A-B42EA59706CB}"/>
-              </a:ext>
-            </a:extLst>
-          </p:cNvPr>
-          <p:cNvSpPr>
-            <a:spLocks noGrp="1"/>
-          </p:cNvSpPr>
-          <p:nvPr>
-            <p:ph type="body" sz="quarter" idx="11"/>
-          </p:nvPr>
-        </p:nvSpPr>
-        <p:spPr/>
-        <p:txBody>
-          <a:bodyPr/>
-          <a:lstStyle/>
-          <a:p>
-            <a:r>
-              <a:rPr lang="en-US" dirty="0"/>
-              <a:t>15 minutes</a:t>
-            </a:r>
-          </a:p>
-        </p:txBody>
-      </p:sp>
-      <p:sp>
-        <p:nvSpPr>
-          <p:cNvPr id="4" name="Title 3">
-            <a:extLst>
-              <a:ext uri="{FF2B5EF4-FFF2-40B4-BE49-F238E27FC236}">
-                <a16:creationId xmlns:a16="http://schemas.microsoft.com/office/drawing/2014/main" id="{04D7B03E-9D97-45B8-8106-32D722231C4F}"/>
-              </a:ext>
-            </a:extLst>
-          </p:cNvPr>
-          <p:cNvSpPr>
-            <a:spLocks noGrp="1"/>
-          </p:cNvSpPr>
-          <p:nvPr>
-            <p:ph type="title"/>
-          </p:nvPr>
-        </p:nvSpPr>
-        <p:spPr/>
-        <p:txBody>
-          <a:bodyPr/>
-          <a:lstStyle/>
-          <a:p>
-            <a:r>
-              <a:rPr lang="en-US" dirty="0"/>
-              <a:t>Lab 6: Group and Replace</a:t>
-            </a:r>
-          </a:p>
-        </p:txBody>
-      </p:sp>
-    </p:spTree>
-    <p:extLst>
-      <p:ext uri="{BB962C8B-B14F-4D97-AF65-F5344CB8AC3E}">
-        <p14:creationId xmlns:p14="http://schemas.microsoft.com/office/powerpoint/2010/main" val="2505969754"/>
-      </p:ext>
-    </p:extLst>
-  </p:cSld>
-  <p:clrMapOvr>
-    <a:masterClrMapping/>
-  </p:clrMapOvr>
-</p:sld>
-</file>
-
 <file path=ppt/slides/slide9.xml><?xml version="1.0" encoding="utf-8"?>
 <p:sld xmlns:a="http://schemas.openxmlformats.org/drawingml/2006/main" xmlns:r="http://schemas.openxmlformats.org/officeDocument/2006/relationships" xmlns:p="http://schemas.openxmlformats.org/presentationml/2006/main">
   <p:cSld>
@@ -36791,6 +38351,13 @@
   <p:clrMapOvr>
     <a:masterClrMapping/>
   </p:clrMapOvr>
+  <p:timing>
+    <p:tnLst>
+      <p:par>
+        <p:cTn id="1" dur="indefinite" restart="never" nodeType="tmRoot"/>
+      </p:par>
+    </p:tnLst>
+  </p:timing>
 </p:sld>
 </file>
 
@@ -36813,6 +38380,124 @@
       </p:grpSpPr>
       <p:sp>
         <p:nvSpPr>
+          <p:cNvPr id="2" name="Subtitle 1">
+            <a:extLst>
+              <a:ext uri="{FF2B5EF4-FFF2-40B4-BE49-F238E27FC236}">
+                <a16:creationId xmlns:a16="http://schemas.microsoft.com/office/drawing/2014/main" id="{07EF8D3E-4F42-45AE-873D-02C29E857AB0}"/>
+              </a:ext>
+            </a:extLst>
+          </p:cNvPr>
+          <p:cNvSpPr>
+            <a:spLocks noGrp="1"/>
+          </p:cNvSpPr>
+          <p:nvPr>
+            <p:ph type="subTitle" idx="1"/>
+          </p:nvPr>
+        </p:nvSpPr>
+        <p:spPr/>
+        <p:txBody>
+          <a:bodyPr/>
+          <a:lstStyle/>
+          <a:p>
+            <a:pPr marL="342900" indent="-342900">
+              <a:buFont typeface="Arial" panose="020B0604020202020204" pitchFamily="34" charset="0"/>
+              <a:buChar char="•"/>
+            </a:pPr>
+            <a:r>
+              <a:rPr lang="en-US" dirty="0"/>
+              <a:t>Follow instructions on pp. 123-129</a:t>
+            </a:r>
+          </a:p>
+        </p:txBody>
+      </p:sp>
+      <p:sp>
+        <p:nvSpPr>
+          <p:cNvPr id="3" name="Text Placeholder 2">
+            <a:extLst>
+              <a:ext uri="{FF2B5EF4-FFF2-40B4-BE49-F238E27FC236}">
+                <a16:creationId xmlns:a16="http://schemas.microsoft.com/office/drawing/2014/main" id="{14B99462-05B1-4D66-BC2A-B42EA59706CB}"/>
+              </a:ext>
+            </a:extLst>
+          </p:cNvPr>
+          <p:cNvSpPr>
+            <a:spLocks noGrp="1"/>
+          </p:cNvSpPr>
+          <p:nvPr>
+            <p:ph type="body" sz="quarter" idx="11"/>
+          </p:nvPr>
+        </p:nvSpPr>
+        <p:spPr/>
+        <p:txBody>
+          <a:bodyPr/>
+          <a:lstStyle/>
+          <a:p>
+            <a:r>
+              <a:rPr lang="en-US" dirty="0"/>
+              <a:t>15 minutes</a:t>
+            </a:r>
+          </a:p>
+        </p:txBody>
+      </p:sp>
+      <p:sp>
+        <p:nvSpPr>
+          <p:cNvPr id="4" name="Title 3">
+            <a:extLst>
+              <a:ext uri="{FF2B5EF4-FFF2-40B4-BE49-F238E27FC236}">
+                <a16:creationId xmlns:a16="http://schemas.microsoft.com/office/drawing/2014/main" id="{04D7B03E-9D97-45B8-8106-32D722231C4F}"/>
+              </a:ext>
+            </a:extLst>
+          </p:cNvPr>
+          <p:cNvSpPr>
+            <a:spLocks noGrp="1"/>
+          </p:cNvSpPr>
+          <p:nvPr>
+            <p:ph type="title"/>
+          </p:nvPr>
+        </p:nvSpPr>
+        <p:spPr/>
+        <p:txBody>
+          <a:bodyPr/>
+          <a:lstStyle/>
+          <a:p>
+            <a:r>
+              <a:rPr lang="en-US" dirty="0"/>
+              <a:t>Lab 6: Group and Replace</a:t>
+            </a:r>
+          </a:p>
+        </p:txBody>
+      </p:sp>
+    </p:spTree>
+    <p:extLst>
+      <p:ext uri="{BB962C8B-B14F-4D97-AF65-F5344CB8AC3E}">
+        <p14:creationId xmlns:p14="http://schemas.microsoft.com/office/powerpoint/2010/main" val="2505969754"/>
+      </p:ext>
+    </p:extLst>
+  </p:cSld>
+  <p:clrMapOvr>
+    <a:masterClrMapping/>
+  </p:clrMapOvr>
+</p:sld>
+</file>
+
+<file path=ppt/slides/slide91.xml><?xml version="1.0" encoding="utf-8"?>
+<p:sld xmlns:a="http://schemas.openxmlformats.org/drawingml/2006/main" xmlns:r="http://schemas.openxmlformats.org/officeDocument/2006/relationships" xmlns:p="http://schemas.openxmlformats.org/presentationml/2006/main">
+  <p:cSld>
+    <p:spTree>
+      <p:nvGrpSpPr>
+        <p:cNvPr id="1" name=""/>
+        <p:cNvGrpSpPr/>
+        <p:nvPr/>
+      </p:nvGrpSpPr>
+      <p:grpSpPr>
+        <a:xfrm>
+          <a:off x="0" y="0"/>
+          <a:ext cx="0" cy="0"/>
+          <a:chOff x="0" y="0"/>
+          <a:chExt cx="0" cy="0"/>
+        </a:xfrm>
+      </p:grpSpPr>
+      <p:sp>
+        <p:nvSpPr>
           <p:cNvPr id="2" name="Title 1">
             <a:extLst>
               <a:ext uri="{FF2B5EF4-FFF2-40B4-BE49-F238E27FC236}">
@@ -36852,7 +38537,7 @@
 </p:sld>
 </file>
 
-<file path=ppt/slides/slide91.xml><?xml version="1.0" encoding="utf-8"?>
+<file path=ppt/slides/slide92.xml><?xml version="1.0" encoding="utf-8"?>
 <p:sld xmlns:a="http://schemas.openxmlformats.org/drawingml/2006/main" xmlns:r="http://schemas.openxmlformats.org/officeDocument/2006/relationships" xmlns:p="http://schemas.openxmlformats.org/presentationml/2006/main">
   <p:cSld>
     <p:spTree>
@@ -37039,7 +38724,7 @@
 </p:sld>
 </file>
 
-<file path=ppt/slides/slide92.xml><?xml version="1.0" encoding="utf-8"?>
+<file path=ppt/slides/slide93.xml><?xml version="1.0" encoding="utf-8"?>
 <p:sld xmlns:a="http://schemas.openxmlformats.org/drawingml/2006/main" xmlns:r="http://schemas.openxmlformats.org/officeDocument/2006/relationships" xmlns:p="http://schemas.openxmlformats.org/presentationml/2006/main">
   <p:cSld>
     <p:spTree>
@@ -37178,171 +38863,6 @@
 </p:sld>
 </file>
 
-<file path=ppt/slides/slide93.xml><?xml version="1.0" encoding="utf-8"?>
-<p:sld xmlns:a="http://schemas.openxmlformats.org/drawingml/2006/main" xmlns:r="http://schemas.openxmlformats.org/officeDocument/2006/relationships" xmlns:p="http://schemas.openxmlformats.org/presentationml/2006/main">
-  <p:cSld>
-    <p:spTree>
-      <p:nvGrpSpPr>
-        <p:cNvPr id="1" name=""/>
-        <p:cNvGrpSpPr/>
-        <p:nvPr/>
-      </p:nvGrpSpPr>
-      <p:grpSpPr>
-        <a:xfrm>
-          <a:off x="0" y="0"/>
-          <a:ext cx="0" cy="0"/>
-          <a:chOff x="0" y="0"/>
-          <a:chExt cx="0" cy="0"/>
-        </a:xfrm>
-      </p:grpSpPr>
-      <p:sp>
-        <p:nvSpPr>
-          <p:cNvPr id="2" name="Subtitle 1">
-            <a:extLst>
-              <a:ext uri="{FF2B5EF4-FFF2-40B4-BE49-F238E27FC236}">
-                <a16:creationId xmlns:a16="http://schemas.microsoft.com/office/drawing/2014/main" id="{B154D3BA-1574-4D7F-89E8-EA93F4E34E16}"/>
-              </a:ext>
-            </a:extLst>
-          </p:cNvPr>
-          <p:cNvSpPr>
-            <a:spLocks noGrp="1"/>
-          </p:cNvSpPr>
-          <p:nvPr>
-            <p:ph type="subTitle" idx="1"/>
-          </p:nvPr>
-        </p:nvSpPr>
-        <p:spPr/>
-        <p:txBody>
-          <a:bodyPr/>
-          <a:lstStyle/>
-          <a:p>
-            <a:r>
-              <a:rPr lang="en-US" i="1" dirty="0"/>
-              <a:t>Note: The “texas.csv” file used in this lab is located at </a:t>
-            </a:r>
-            <a:r>
-              <a:rPr lang="fr-FR" i="1" dirty="0"/>
-              <a:t>C:\XTBP10ClassFiles\Labfiles\Chapter 9, and the </a:t>
-            </a:r>
-            <a:r>
-              <a:rPr lang="fr-FR" i="1" dirty="0" err="1"/>
-              <a:t>fbi</a:t>
-            </a:r>
-            <a:r>
-              <a:rPr lang="fr-FR" i="1" dirty="0"/>
-              <a:t> crime rates file </a:t>
-            </a:r>
-            <a:r>
-              <a:rPr lang="fr-FR" i="1" dirty="0" err="1"/>
-              <a:t>is</a:t>
-            </a:r>
-            <a:r>
-              <a:rPr lang="fr-FR" i="1" dirty="0"/>
-              <a:t> at C:\XTBP10ClassFiles\Labfiles\Chapter 10</a:t>
-            </a:r>
-            <a:endParaRPr lang="fr-FR" dirty="0"/>
-          </a:p>
-          <a:p>
-            <a:pPr marL="342900" indent="-342900">
-              <a:buFont typeface="Arial" panose="020B0604020202020204" pitchFamily="34" charset="0"/>
-              <a:buChar char="•"/>
-            </a:pPr>
-            <a:r>
-              <a:rPr lang="en-US" i="1" dirty="0"/>
-              <a:t> “Aggregating Data”, pp. 132-134</a:t>
-            </a:r>
-          </a:p>
-          <a:p>
-            <a:pPr marL="342900" indent="-342900">
-              <a:buFont typeface="Arial" panose="020B0604020202020204" pitchFamily="34" charset="0"/>
-              <a:buChar char="•"/>
-            </a:pPr>
-            <a:r>
-              <a:rPr lang="en-US" i="1" dirty="0"/>
-              <a:t>“Pivot”, pp. 138-145</a:t>
-            </a:r>
-          </a:p>
-          <a:p>
-            <a:pPr marL="342900" indent="-342900">
-              <a:buFont typeface="Arial" panose="020B0604020202020204" pitchFamily="34" charset="0"/>
-              <a:buChar char="•"/>
-            </a:pPr>
-            <a:r>
-              <a:rPr lang="en-US" i="1" dirty="0"/>
-              <a:t>“Unpivot”, pp. 146-148</a:t>
-            </a:r>
-          </a:p>
-        </p:txBody>
-      </p:sp>
-      <p:sp>
-        <p:nvSpPr>
-          <p:cNvPr id="3" name="Text Placeholder 2">
-            <a:extLst>
-              <a:ext uri="{FF2B5EF4-FFF2-40B4-BE49-F238E27FC236}">
-                <a16:creationId xmlns:a16="http://schemas.microsoft.com/office/drawing/2014/main" id="{A0A4A69E-6174-4CBE-B91B-353370A7EF8A}"/>
-              </a:ext>
-            </a:extLst>
-          </p:cNvPr>
-          <p:cNvSpPr>
-            <a:spLocks noGrp="1"/>
-          </p:cNvSpPr>
-          <p:nvPr>
-            <p:ph type="body" sz="quarter" idx="11"/>
-          </p:nvPr>
-        </p:nvSpPr>
-        <p:spPr/>
-        <p:txBody>
-          <a:bodyPr/>
-          <a:lstStyle/>
-          <a:p>
-            <a:r>
-              <a:rPr lang="en-US" dirty="0"/>
-              <a:t>30 Minutes</a:t>
-            </a:r>
-          </a:p>
-        </p:txBody>
-      </p:sp>
-      <p:sp>
-        <p:nvSpPr>
-          <p:cNvPr id="4" name="Title 3">
-            <a:extLst>
-              <a:ext uri="{FF2B5EF4-FFF2-40B4-BE49-F238E27FC236}">
-                <a16:creationId xmlns:a16="http://schemas.microsoft.com/office/drawing/2014/main" id="{C3F75FA3-87D5-4D28-AA04-0E1006D44634}"/>
-              </a:ext>
-            </a:extLst>
-          </p:cNvPr>
-          <p:cNvSpPr>
-            <a:spLocks noGrp="1"/>
-          </p:cNvSpPr>
-          <p:nvPr>
-            <p:ph type="title"/>
-          </p:nvPr>
-        </p:nvSpPr>
-        <p:spPr/>
-        <p:txBody>
-          <a:bodyPr/>
-          <a:lstStyle/>
-          <a:p>
-            <a:r>
-              <a:rPr lang="en-US" dirty="0"/>
-              <a:t>Lab 7: Aggregating &amp; Pivoting</a:t>
-            </a:r>
-          </a:p>
-        </p:txBody>
-      </p:sp>
-    </p:spTree>
-    <p:extLst>
-      <p:ext uri="{BB962C8B-B14F-4D97-AF65-F5344CB8AC3E}">
-        <p14:creationId xmlns:p14="http://schemas.microsoft.com/office/powerpoint/2010/main" val="2589665393"/>
-      </p:ext>
-    </p:extLst>
-  </p:cSld>
-  <p:clrMapOvr>
-    <a:masterClrMapping/>
-  </p:clrMapOvr>
-</p:sld>
-</file>
-
 <file path=ppt/slides/slide94.xml><?xml version="1.0" encoding="utf-8"?>
 <p:sld xmlns:a="http://schemas.openxmlformats.org/drawingml/2006/main" xmlns:r="http://schemas.openxmlformats.org/officeDocument/2006/relationships" xmlns:p="http://schemas.openxmlformats.org/presentationml/2006/main">
   <p:cSld>
@@ -37362,10 +38882,10 @@
       </p:grpSpPr>
       <p:sp>
         <p:nvSpPr>
-          <p:cNvPr id="2" name="Title 1">
+          <p:cNvPr id="2" name="Subtitle 1">
             <a:extLst>
               <a:ext uri="{FF2B5EF4-FFF2-40B4-BE49-F238E27FC236}">
-                <a16:creationId xmlns:a16="http://schemas.microsoft.com/office/drawing/2014/main" id="{BD3CC3C1-820E-1F4C-9494-4CA16BC01F49}"/>
+                <a16:creationId xmlns:a16="http://schemas.microsoft.com/office/drawing/2014/main" id="{B154D3BA-1574-4D7F-89E8-EA93F4E34E16}"/>
               </a:ext>
             </a:extLst>
           </p:cNvPr>
@@ -37373,7 +38893,7 @@
             <a:spLocks noGrp="1"/>
           </p:cNvSpPr>
           <p:nvPr>
-            <p:ph type="title"/>
+            <p:ph type="subTitle" idx="1"/>
           </p:nvPr>
         </p:nvSpPr>
         <p:spPr/>
@@ -37382,8 +38902,115 @@
           <a:lstStyle/>
           <a:p>
             <a:r>
+              <a:rPr lang="en-US" i="1" dirty="0"/>
+              <a:t>Note: The “texas.csv” file used in this lab is located at </a:t>
+            </a:r>
+            <a:r>
+              <a:rPr lang="fr-FR" i="1" dirty="0"/>
+              <a:t>C:\XTBP10ClassFiles\Labfiles\Chapter 9, and the </a:t>
+            </a:r>
+            <a:r>
+              <a:rPr lang="fr-FR" i="1" dirty="0" err="1"/>
+              <a:t>fbi</a:t>
+            </a:r>
+            <a:r>
+              <a:rPr lang="fr-FR" i="1" dirty="0"/>
+              <a:t> crime rates file </a:t>
+            </a:r>
+            <a:r>
+              <a:rPr lang="fr-FR" i="1" dirty="0" err="1"/>
+              <a:t>is</a:t>
+            </a:r>
+            <a:r>
+              <a:rPr lang="fr-FR" i="1" dirty="0"/>
+              <a:t> at C:\XTBP10ClassFiles\Labfiles\Chapter 10</a:t>
+            </a:r>
+            <a:endParaRPr lang="fr-FR" dirty="0"/>
+          </a:p>
+          <a:p>
+            <a:pPr marL="342900" indent="-342900">
+              <a:buFont typeface="Arial" panose="020B0604020202020204" pitchFamily="34" charset="0"/>
+              <a:buChar char="•"/>
+            </a:pPr>
+            <a:r>
+              <a:rPr lang="en-US" i="1" dirty="0"/>
+              <a:t> “Aggregating Data”, pp. 132-134</a:t>
+            </a:r>
+          </a:p>
+          <a:p>
+            <a:pPr marL="342900" indent="-342900">
+              <a:buFont typeface="Arial" panose="020B0604020202020204" pitchFamily="34" charset="0"/>
+              <a:buChar char="•"/>
+            </a:pPr>
+            <a:r>
+              <a:rPr lang="en-US" i="1" dirty="0"/>
+              <a:t>“Pivot”, pp. 138-145</a:t>
+            </a:r>
+          </a:p>
+          <a:p>
+            <a:pPr marL="342900" indent="-342900">
+              <a:buFont typeface="Arial" panose="020B0604020202020204" pitchFamily="34" charset="0"/>
+              <a:buChar char="•"/>
+            </a:pPr>
+            <a:r>
+              <a:rPr lang="en-US" i="1" dirty="0"/>
+              <a:t>“Unpivot”, pp. 146-148</a:t>
+            </a:r>
+          </a:p>
+        </p:txBody>
+      </p:sp>
+      <p:sp>
+        <p:nvSpPr>
+          <p:cNvPr id="3" name="Text Placeholder 2">
+            <a:extLst>
+              <a:ext uri="{FF2B5EF4-FFF2-40B4-BE49-F238E27FC236}">
+                <a16:creationId xmlns:a16="http://schemas.microsoft.com/office/drawing/2014/main" id="{A0A4A69E-6174-4CBE-B91B-353370A7EF8A}"/>
+              </a:ext>
+            </a:extLst>
+          </p:cNvPr>
+          <p:cNvSpPr>
+            <a:spLocks noGrp="1"/>
+          </p:cNvSpPr>
+          <p:nvPr>
+            <p:ph type="body" sz="quarter" idx="11"/>
+          </p:nvPr>
+        </p:nvSpPr>
+        <p:spPr/>
+        <p:txBody>
+          <a:bodyPr/>
+          <a:lstStyle/>
+          <a:p>
+            <a:r>
               <a:rPr lang="en-US" dirty="0"/>
-              <a:t>Part III: Load</a:t>
+              <a:t>30 Minutes</a:t>
+            </a:r>
+          </a:p>
+        </p:txBody>
+      </p:sp>
+      <p:sp>
+        <p:nvSpPr>
+          <p:cNvPr id="4" name="Title 3">
+            <a:extLst>
+              <a:ext uri="{FF2B5EF4-FFF2-40B4-BE49-F238E27FC236}">
+                <a16:creationId xmlns:a16="http://schemas.microsoft.com/office/drawing/2014/main" id="{C3F75FA3-87D5-4D28-AA04-0E1006D44634}"/>
+              </a:ext>
+            </a:extLst>
+          </p:cNvPr>
+          <p:cNvSpPr>
+            <a:spLocks noGrp="1"/>
+          </p:cNvSpPr>
+          <p:nvPr>
+            <p:ph type="title"/>
+          </p:nvPr>
+        </p:nvSpPr>
+        <p:spPr/>
+        <p:txBody>
+          <a:bodyPr/>
+          <a:lstStyle/>
+          <a:p>
+            <a:r>
+              <a:rPr lang="en-US" dirty="0"/>
+              <a:t>Lab 7: Aggregating &amp; Pivoting</a:t>
             </a:r>
           </a:p>
         </p:txBody>
@@ -37391,7 +39018,7 @@
     </p:spTree>
     <p:extLst>
       <p:ext uri="{BB962C8B-B14F-4D97-AF65-F5344CB8AC3E}">
-        <p14:creationId xmlns:p14="http://schemas.microsoft.com/office/powerpoint/2010/main" val="2503839061"/>
+        <p14:creationId xmlns:p14="http://schemas.microsoft.com/office/powerpoint/2010/main" val="2589665393"/>
       </p:ext>
     </p:extLst>
   </p:cSld>
@@ -37423,6 +39050,64 @@
           <p:cNvPr id="2" name="Title 1">
             <a:extLst>
               <a:ext uri="{FF2B5EF4-FFF2-40B4-BE49-F238E27FC236}">
+                <a16:creationId xmlns:a16="http://schemas.microsoft.com/office/drawing/2014/main" id="{BD3CC3C1-820E-1F4C-9494-4CA16BC01F49}"/>
+              </a:ext>
+            </a:extLst>
+          </p:cNvPr>
+          <p:cNvSpPr>
+            <a:spLocks noGrp="1"/>
+          </p:cNvSpPr>
+          <p:nvPr>
+            <p:ph type="title"/>
+          </p:nvPr>
+        </p:nvSpPr>
+        <p:spPr/>
+        <p:txBody>
+          <a:bodyPr/>
+          <a:lstStyle/>
+          <a:p>
+            <a:r>
+              <a:rPr lang="en-US" dirty="0"/>
+              <a:t>Part III: Load</a:t>
+            </a:r>
+          </a:p>
+        </p:txBody>
+      </p:sp>
+    </p:spTree>
+    <p:extLst>
+      <p:ext uri="{BB962C8B-B14F-4D97-AF65-F5344CB8AC3E}">
+        <p14:creationId xmlns:p14="http://schemas.microsoft.com/office/powerpoint/2010/main" val="2503839061"/>
+      </p:ext>
+    </p:extLst>
+  </p:cSld>
+  <p:clrMapOvr>
+    <a:masterClrMapping/>
+  </p:clrMapOvr>
+</p:sld>
+</file>
+
+<file path=ppt/slides/slide96.xml><?xml version="1.0" encoding="utf-8"?>
+<p:sld xmlns:a="http://schemas.openxmlformats.org/drawingml/2006/main" xmlns:r="http://schemas.openxmlformats.org/officeDocument/2006/relationships" xmlns:p="http://schemas.openxmlformats.org/presentationml/2006/main">
+  <p:cSld>
+    <p:spTree>
+      <p:nvGrpSpPr>
+        <p:cNvPr id="1" name=""/>
+        <p:cNvGrpSpPr/>
+        <p:nvPr/>
+      </p:nvGrpSpPr>
+      <p:grpSpPr>
+        <a:xfrm>
+          <a:off x="0" y="0"/>
+          <a:ext cx="0" cy="0"/>
+          <a:chOff x="0" y="0"/>
+          <a:chExt cx="0" cy="0"/>
+        </a:xfrm>
+      </p:grpSpPr>
+      <p:sp>
+        <p:nvSpPr>
+          <p:cNvPr id="2" name="Title 1">
+            <a:extLst>
+              <a:ext uri="{FF2B5EF4-FFF2-40B4-BE49-F238E27FC236}">
                 <a16:creationId xmlns:a16="http://schemas.microsoft.com/office/drawing/2014/main" id="{C7183894-EC31-F440-9353-89759F05B3EB}"/>
               </a:ext>
             </a:extLst>
@@ -37459,7 +39144,7 @@
 </p:sld>
 </file>
 
-<file path=ppt/slides/slide96.xml><?xml version="1.0" encoding="utf-8"?>
+<file path=ppt/slides/slide97.xml><?xml version="1.0" encoding="utf-8"?>
 <p:sld xmlns:a="http://schemas.openxmlformats.org/drawingml/2006/main" xmlns:r="http://schemas.openxmlformats.org/officeDocument/2006/relationships" xmlns:p="http://schemas.openxmlformats.org/presentationml/2006/main">
   <p:cSld>
     <p:spTree>
@@ -37613,7 +39298,7 @@
 </p:sld>
 </file>
 
-<file path=ppt/slides/slide97.xml><?xml version="1.0" encoding="utf-8"?>
+<file path=ppt/slides/slide98.xml><?xml version="1.0" encoding="utf-8"?>
 <p:sld xmlns:a="http://schemas.openxmlformats.org/drawingml/2006/main" xmlns:r="http://schemas.openxmlformats.org/officeDocument/2006/relationships" xmlns:p="http://schemas.openxmlformats.org/presentationml/2006/main">
   <p:cSld>
     <p:spTree>
@@ -37734,124 +39419,6 @@
 </p:sld>
 </file>
 
-<file path=ppt/slides/slide98.xml><?xml version="1.0" encoding="utf-8"?>
-<p:sld xmlns:a="http://schemas.openxmlformats.org/drawingml/2006/main" xmlns:r="http://schemas.openxmlformats.org/officeDocument/2006/relationships" xmlns:p="http://schemas.openxmlformats.org/presentationml/2006/main">
-  <p:cSld>
-    <p:spTree>
-      <p:nvGrpSpPr>
-        <p:cNvPr id="1" name=""/>
-        <p:cNvGrpSpPr/>
-        <p:nvPr/>
-      </p:nvGrpSpPr>
-      <p:grpSpPr>
-        <a:xfrm>
-          <a:off x="0" y="0"/>
-          <a:ext cx="0" cy="0"/>
-          <a:chOff x="0" y="0"/>
-          <a:chExt cx="0" cy="0"/>
-        </a:xfrm>
-      </p:grpSpPr>
-      <p:sp>
-        <p:nvSpPr>
-          <p:cNvPr id="2" name="Subtitle 1">
-            <a:extLst>
-              <a:ext uri="{FF2B5EF4-FFF2-40B4-BE49-F238E27FC236}">
-                <a16:creationId xmlns:a16="http://schemas.microsoft.com/office/drawing/2014/main" id="{754018C2-5B5D-4B02-B84F-65ECE4C3752D}"/>
-              </a:ext>
-            </a:extLst>
-          </p:cNvPr>
-          <p:cNvSpPr>
-            <a:spLocks noGrp="1"/>
-          </p:cNvSpPr>
-          <p:nvPr>
-            <p:ph type="subTitle" idx="1"/>
-          </p:nvPr>
-        </p:nvSpPr>
-        <p:spPr/>
-        <p:txBody>
-          <a:bodyPr/>
-          <a:lstStyle/>
-          <a:p>
-            <a:pPr marL="342900" indent="-342900">
-              <a:buFont typeface="Arial" panose="020B0604020202020204" pitchFamily="34" charset="0"/>
-              <a:buChar char="•"/>
-            </a:pPr>
-            <a:r>
-              <a:rPr lang="en-US" dirty="0"/>
-              <a:t>Exercise 11.1, pp. 151-155</a:t>
-            </a:r>
-          </a:p>
-        </p:txBody>
-      </p:sp>
-      <p:sp>
-        <p:nvSpPr>
-          <p:cNvPr id="3" name="Text Placeholder 2">
-            <a:extLst>
-              <a:ext uri="{FF2B5EF4-FFF2-40B4-BE49-F238E27FC236}">
-                <a16:creationId xmlns:a16="http://schemas.microsoft.com/office/drawing/2014/main" id="{6A0AC584-05CF-440B-9623-884DC38DD2CC}"/>
-              </a:ext>
-            </a:extLst>
-          </p:cNvPr>
-          <p:cNvSpPr>
-            <a:spLocks noGrp="1"/>
-          </p:cNvSpPr>
-          <p:nvPr>
-            <p:ph type="body" sz="quarter" idx="11"/>
-          </p:nvPr>
-        </p:nvSpPr>
-        <p:spPr/>
-        <p:txBody>
-          <a:bodyPr/>
-          <a:lstStyle/>
-          <a:p>
-            <a:r>
-              <a:rPr lang="en-US" dirty="0"/>
-              <a:t>15 Minutes</a:t>
-            </a:r>
-          </a:p>
-        </p:txBody>
-      </p:sp>
-      <p:sp>
-        <p:nvSpPr>
-          <p:cNvPr id="4" name="Title 3">
-            <a:extLst>
-              <a:ext uri="{FF2B5EF4-FFF2-40B4-BE49-F238E27FC236}">
-                <a16:creationId xmlns:a16="http://schemas.microsoft.com/office/drawing/2014/main" id="{76D3235D-8164-477B-9C25-3BFCBDBA4892}"/>
-              </a:ext>
-            </a:extLst>
-          </p:cNvPr>
-          <p:cNvSpPr>
-            <a:spLocks noGrp="1"/>
-          </p:cNvSpPr>
-          <p:nvPr>
-            <p:ph type="title"/>
-          </p:nvPr>
-        </p:nvSpPr>
-        <p:spPr/>
-        <p:txBody>
-          <a:bodyPr/>
-          <a:lstStyle/>
-          <a:p>
-            <a:r>
-              <a:rPr lang="en-US" dirty="0"/>
-              <a:t>Lab 8: Output</a:t>
-            </a:r>
-          </a:p>
-        </p:txBody>
-      </p:sp>
-    </p:spTree>
-    <p:extLst>
-      <p:ext uri="{BB962C8B-B14F-4D97-AF65-F5344CB8AC3E}">
-        <p14:creationId xmlns:p14="http://schemas.microsoft.com/office/powerpoint/2010/main" val="1972065437"/>
-      </p:ext>
-    </p:extLst>
-  </p:cSld>
-  <p:clrMapOvr>
-    <a:masterClrMapping/>
-  </p:clrMapOvr>
-</p:sld>
-</file>
-
 <file path=ppt/slides/slide99.xml><?xml version="1.0" encoding="utf-8"?>
 <p:sld xmlns:a="http://schemas.openxmlformats.org/drawingml/2006/main" xmlns:r="http://schemas.openxmlformats.org/officeDocument/2006/relationships" xmlns:p="http://schemas.openxmlformats.org/presentationml/2006/main">
   <p:cSld>
@@ -37871,10 +39438,10 @@
       </p:grpSpPr>
       <p:sp>
         <p:nvSpPr>
-          <p:cNvPr id="2" name="Title 1">
+          <p:cNvPr id="2" name="Subtitle 1">
             <a:extLst>
               <a:ext uri="{FF2B5EF4-FFF2-40B4-BE49-F238E27FC236}">
-                <a16:creationId xmlns:a16="http://schemas.microsoft.com/office/drawing/2014/main" id="{BC13A45F-B701-6042-A1FC-E51DBE17F7A5}"/>
+                <a16:creationId xmlns:a16="http://schemas.microsoft.com/office/drawing/2014/main" id="{754018C2-5B5D-4B02-B84F-65ECE4C3752D}"/>
               </a:ext>
             </a:extLst>
           </p:cNvPr>
@@ -37882,7 +39449,7 @@
             <a:spLocks noGrp="1"/>
           </p:cNvSpPr>
           <p:nvPr>
-            <p:ph type="title"/>
+            <p:ph type="subTitle" idx="1"/>
           </p:nvPr>
         </p:nvSpPr>
         <p:spPr/>
@@ -37890,22 +39457,77 @@
           <a:bodyPr/>
           <a:lstStyle/>
           <a:p>
+            <a:pPr marL="342900" indent="-342900">
+              <a:buFont typeface="Arial" panose="020B0604020202020204" pitchFamily="34" charset="0"/>
+              <a:buChar char="•"/>
+            </a:pPr>
             <a:r>
               <a:rPr lang="en-US" dirty="0"/>
-              <a:t>Module 9: Prep Builder Conductor and Publishing Workflows</a:t>
-            </a:r>
-            <a:r>
-              <a:rPr lang="en-US" baseline="0" dirty="0"/>
-              <a:t> to Tableau Server</a:t>
-            </a:r>
-            <a:endParaRPr lang="en-US" dirty="0"/>
+              <a:t>Exercise 11.1, pp. 151-155</a:t>
+            </a:r>
+          </a:p>
+        </p:txBody>
+      </p:sp>
+      <p:sp>
+        <p:nvSpPr>
+          <p:cNvPr id="3" name="Text Placeholder 2">
+            <a:extLst>
+              <a:ext uri="{FF2B5EF4-FFF2-40B4-BE49-F238E27FC236}">
+                <a16:creationId xmlns:a16="http://schemas.microsoft.com/office/drawing/2014/main" id="{6A0AC584-05CF-440B-9623-884DC38DD2CC}"/>
+              </a:ext>
+            </a:extLst>
+          </p:cNvPr>
+          <p:cNvSpPr>
+            <a:spLocks noGrp="1"/>
+          </p:cNvSpPr>
+          <p:nvPr>
+            <p:ph type="body" sz="quarter" idx="11"/>
+          </p:nvPr>
+        </p:nvSpPr>
+        <p:spPr/>
+        <p:txBody>
+          <a:bodyPr/>
+          <a:lstStyle/>
+          <a:p>
+            <a:r>
+              <a:rPr lang="en-US" dirty="0"/>
+              <a:t>15 Minutes</a:t>
+            </a:r>
+          </a:p>
+        </p:txBody>
+      </p:sp>
+      <p:sp>
+        <p:nvSpPr>
+          <p:cNvPr id="4" name="Title 3">
+            <a:extLst>
+              <a:ext uri="{FF2B5EF4-FFF2-40B4-BE49-F238E27FC236}">
+                <a16:creationId xmlns:a16="http://schemas.microsoft.com/office/drawing/2014/main" id="{76D3235D-8164-477B-9C25-3BFCBDBA4892}"/>
+              </a:ext>
+            </a:extLst>
+          </p:cNvPr>
+          <p:cNvSpPr>
+            <a:spLocks noGrp="1"/>
+          </p:cNvSpPr>
+          <p:nvPr>
+            <p:ph type="title"/>
+          </p:nvPr>
+        </p:nvSpPr>
+        <p:spPr/>
+        <p:txBody>
+          <a:bodyPr/>
+          <a:lstStyle/>
+          <a:p>
+            <a:r>
+              <a:rPr lang="en-US" dirty="0"/>
+              <a:t>Lab 8: Output</a:t>
+            </a:r>
           </a:p>
         </p:txBody>
       </p:sp>
     </p:spTree>
     <p:extLst>
       <p:ext uri="{BB962C8B-B14F-4D97-AF65-F5344CB8AC3E}">
-        <p14:creationId xmlns:p14="http://schemas.microsoft.com/office/powerpoint/2010/main" val="4173510137"/>
+        <p14:creationId xmlns:p14="http://schemas.microsoft.com/office/powerpoint/2010/main" val="1972065437"/>
       </p:ext>
     </p:extLst>
   </p:cSld>

--- a/ppt/TableauPrepBuilderIntroV1_2.pptx
+++ b/ppt/TableauPrepBuilderIntroV1_2.pptx
@@ -5,10 +5,10 @@
     <p:sldMasterId id="2147483660" r:id="rId4"/>
   </p:sldMasterIdLst>
   <p:notesMasterIdLst>
-    <p:notesMasterId r:id="rId109"/>
+    <p:notesMasterId r:id="rId110"/>
   </p:notesMasterIdLst>
   <p:handoutMasterIdLst>
-    <p:handoutMasterId r:id="rId110"/>
+    <p:handoutMasterId r:id="rId111"/>
   </p:handoutMasterIdLst>
   <p:sldIdLst>
     <p:sldId id="323" r:id="rId5"/>
@@ -80,41 +80,42 @@
     <p:sldId id="464" r:id="rId71"/>
     <p:sldId id="465" r:id="rId72"/>
     <p:sldId id="510" r:id="rId73"/>
-    <p:sldId id="466" r:id="rId74"/>
-    <p:sldId id="467" r:id="rId75"/>
-    <p:sldId id="468" r:id="rId76"/>
-    <p:sldId id="513" r:id="rId77"/>
-    <p:sldId id="511" r:id="rId78"/>
-    <p:sldId id="469" r:id="rId79"/>
-    <p:sldId id="514" r:id="rId80"/>
-    <p:sldId id="470" r:id="rId81"/>
-    <p:sldId id="515" r:id="rId82"/>
-    <p:sldId id="472" r:id="rId83"/>
-    <p:sldId id="473" r:id="rId84"/>
-    <p:sldId id="474" r:id="rId85"/>
-    <p:sldId id="475" r:id="rId86"/>
-    <p:sldId id="516" r:id="rId87"/>
-    <p:sldId id="476" r:id="rId88"/>
-    <p:sldId id="477" r:id="rId89"/>
-    <p:sldId id="478" r:id="rId90"/>
-    <p:sldId id="479" r:id="rId91"/>
-    <p:sldId id="480" r:id="rId92"/>
-    <p:sldId id="481" r:id="rId93"/>
-    <p:sldId id="517" r:id="rId94"/>
-    <p:sldId id="482" r:id="rId95"/>
-    <p:sldId id="483" r:id="rId96"/>
-    <p:sldId id="484" r:id="rId97"/>
-    <p:sldId id="518" r:id="rId98"/>
-    <p:sldId id="486" r:id="rId99"/>
-    <p:sldId id="487" r:id="rId100"/>
-    <p:sldId id="488" r:id="rId101"/>
-    <p:sldId id="489" r:id="rId102"/>
-    <p:sldId id="519" r:id="rId103"/>
-    <p:sldId id="490" r:id="rId104"/>
-    <p:sldId id="382" r:id="rId105"/>
-    <p:sldId id="384" r:id="rId106"/>
-    <p:sldId id="385" r:id="rId107"/>
-    <p:sldId id="340" r:id="rId108"/>
+    <p:sldId id="522" r:id="rId74"/>
+    <p:sldId id="466" r:id="rId75"/>
+    <p:sldId id="467" r:id="rId76"/>
+    <p:sldId id="468" r:id="rId77"/>
+    <p:sldId id="513" r:id="rId78"/>
+    <p:sldId id="511" r:id="rId79"/>
+    <p:sldId id="469" r:id="rId80"/>
+    <p:sldId id="514" r:id="rId81"/>
+    <p:sldId id="470" r:id="rId82"/>
+    <p:sldId id="515" r:id="rId83"/>
+    <p:sldId id="472" r:id="rId84"/>
+    <p:sldId id="473" r:id="rId85"/>
+    <p:sldId id="474" r:id="rId86"/>
+    <p:sldId id="475" r:id="rId87"/>
+    <p:sldId id="516" r:id="rId88"/>
+    <p:sldId id="476" r:id="rId89"/>
+    <p:sldId id="477" r:id="rId90"/>
+    <p:sldId id="478" r:id="rId91"/>
+    <p:sldId id="479" r:id="rId92"/>
+    <p:sldId id="480" r:id="rId93"/>
+    <p:sldId id="481" r:id="rId94"/>
+    <p:sldId id="517" r:id="rId95"/>
+    <p:sldId id="482" r:id="rId96"/>
+    <p:sldId id="483" r:id="rId97"/>
+    <p:sldId id="484" r:id="rId98"/>
+    <p:sldId id="518" r:id="rId99"/>
+    <p:sldId id="486" r:id="rId100"/>
+    <p:sldId id="487" r:id="rId101"/>
+    <p:sldId id="488" r:id="rId102"/>
+    <p:sldId id="489" r:id="rId103"/>
+    <p:sldId id="519" r:id="rId104"/>
+    <p:sldId id="490" r:id="rId105"/>
+    <p:sldId id="382" r:id="rId106"/>
+    <p:sldId id="384" r:id="rId107"/>
+    <p:sldId id="385" r:id="rId108"/>
+    <p:sldId id="340" r:id="rId109"/>
   </p:sldIdLst>
   <p:sldSz cx="12192000" cy="6858000"/>
   <p:notesSz cx="9309100" cy="7053263"/>
@@ -337,6 +338,7 @@
         </p14:section>
         <p14:section name="Module 5: Auditing &amp; Cleaning" id="{1BF98B12-6C3E-CE45-BB0A-8F1232F299D9}">
           <p14:sldIdLst>
+            <p14:sldId id="522"/>
             <p14:sldId id="466"/>
             <p14:sldId id="467"/>
             <p14:sldId id="468"/>
@@ -3631,7 +3633,7 @@
     </p:spTree>
     <p:extLst>
       <p:ext uri="{BB962C8B-B14F-4D97-AF65-F5344CB8AC3E}">
-        <p14:creationId xmlns:p14="http://schemas.microsoft.com/office/powerpoint/2010/main" val="1707111951"/>
+        <p14:creationId xmlns:p14="http://schemas.microsoft.com/office/powerpoint/2010/main" val="2305633568"/>
       </p:ext>
     </p:extLst>
   </p:cSld>
@@ -3721,7 +3723,7 @@
     </p:spTree>
     <p:extLst>
       <p:ext uri="{BB962C8B-B14F-4D97-AF65-F5344CB8AC3E}">
-        <p14:creationId xmlns:p14="http://schemas.microsoft.com/office/powerpoint/2010/main" val="2320931639"/>
+        <p14:creationId xmlns:p14="http://schemas.microsoft.com/office/powerpoint/2010/main" val="1707111951"/>
       </p:ext>
     </p:extLst>
   </p:cSld>
@@ -3811,7 +3813,7 @@
     </p:spTree>
     <p:extLst>
       <p:ext uri="{BB962C8B-B14F-4D97-AF65-F5344CB8AC3E}">
-        <p14:creationId xmlns:p14="http://schemas.microsoft.com/office/powerpoint/2010/main" val="743050426"/>
+        <p14:creationId xmlns:p14="http://schemas.microsoft.com/office/powerpoint/2010/main" val="2320931639"/>
       </p:ext>
     </p:extLst>
   </p:cSld>
@@ -3892,7 +3894,7 @@
               <a:pPr>
                 <a:defRPr/>
               </a:pPr>
-              <a:t>75</a:t>
+              <a:t>73</a:t>
             </a:fld>
             <a:endParaRPr lang="en-US"/>
           </a:p>
@@ -3901,7 +3903,7 @@
     </p:spTree>
     <p:extLst>
       <p:ext uri="{BB962C8B-B14F-4D97-AF65-F5344CB8AC3E}">
-        <p14:creationId xmlns:p14="http://schemas.microsoft.com/office/powerpoint/2010/main" val="1198822033"/>
+        <p14:creationId xmlns:p14="http://schemas.microsoft.com/office/powerpoint/2010/main" val="743050426"/>
       </p:ext>
     </p:extLst>
   </p:cSld>
@@ -3991,7 +3993,7 @@
     </p:spTree>
     <p:extLst>
       <p:ext uri="{BB962C8B-B14F-4D97-AF65-F5344CB8AC3E}">
-        <p14:creationId xmlns:p14="http://schemas.microsoft.com/office/powerpoint/2010/main" val="308102577"/>
+        <p14:creationId xmlns:p14="http://schemas.microsoft.com/office/powerpoint/2010/main" val="1198822033"/>
       </p:ext>
     </p:extLst>
   </p:cSld>
@@ -4045,7 +4047,7 @@
           <a:bodyPr/>
           <a:lstStyle/>
           <a:p>
-            <a:endParaRPr lang="en-US" dirty="0"/>
+            <a:endParaRPr lang="en-US"/>
           </a:p>
         </p:txBody>
       </p:sp>
@@ -4081,7 +4083,7 @@
     </p:spTree>
     <p:extLst>
       <p:ext uri="{BB962C8B-B14F-4D97-AF65-F5344CB8AC3E}">
-        <p14:creationId xmlns:p14="http://schemas.microsoft.com/office/powerpoint/2010/main" val="3787952476"/>
+        <p14:creationId xmlns:p14="http://schemas.microsoft.com/office/powerpoint/2010/main" val="308102577"/>
       </p:ext>
     </p:extLst>
   </p:cSld>
@@ -4135,7 +4137,7 @@
           <a:bodyPr/>
           <a:lstStyle/>
           <a:p>
-            <a:endParaRPr lang="en-US"/>
+            <a:endParaRPr lang="en-US" dirty="0"/>
           </a:p>
         </p:txBody>
       </p:sp>
@@ -4162,7 +4164,7 @@
               <a:pPr>
                 <a:defRPr/>
               </a:pPr>
-              <a:t>79</a:t>
+              <a:t>78</a:t>
             </a:fld>
             <a:endParaRPr lang="en-US"/>
           </a:p>
@@ -4171,7 +4173,7 @@
     </p:spTree>
     <p:extLst>
       <p:ext uri="{BB962C8B-B14F-4D97-AF65-F5344CB8AC3E}">
-        <p14:creationId xmlns:p14="http://schemas.microsoft.com/office/powerpoint/2010/main" val="1670999290"/>
+        <p14:creationId xmlns:p14="http://schemas.microsoft.com/office/powerpoint/2010/main" val="3787952476"/>
       </p:ext>
     </p:extLst>
   </p:cSld>
@@ -4261,7 +4263,7 @@
     </p:spTree>
     <p:extLst>
       <p:ext uri="{BB962C8B-B14F-4D97-AF65-F5344CB8AC3E}">
-        <p14:creationId xmlns:p14="http://schemas.microsoft.com/office/powerpoint/2010/main" val="3590296749"/>
+        <p14:creationId xmlns:p14="http://schemas.microsoft.com/office/powerpoint/2010/main" val="1670999290"/>
       </p:ext>
     </p:extLst>
   </p:cSld>
@@ -4441,7 +4443,7 @@
     </p:spTree>
     <p:extLst>
       <p:ext uri="{BB962C8B-B14F-4D97-AF65-F5344CB8AC3E}">
-        <p14:creationId xmlns:p14="http://schemas.microsoft.com/office/powerpoint/2010/main" val="712519063"/>
+        <p14:creationId xmlns:p14="http://schemas.microsoft.com/office/powerpoint/2010/main" val="3590296749"/>
       </p:ext>
     </p:extLst>
   </p:cSld>
@@ -4531,7 +4533,7 @@
     </p:spTree>
     <p:extLst>
       <p:ext uri="{BB962C8B-B14F-4D97-AF65-F5344CB8AC3E}">
-        <p14:creationId xmlns:p14="http://schemas.microsoft.com/office/powerpoint/2010/main" val="2190682706"/>
+        <p14:creationId xmlns:p14="http://schemas.microsoft.com/office/powerpoint/2010/main" val="712519063"/>
       </p:ext>
     </p:extLst>
   </p:cSld>
@@ -4612,7 +4614,7 @@
               <a:pPr>
                 <a:defRPr/>
               </a:pPr>
-              <a:t>84</a:t>
+              <a:t>83</a:t>
             </a:fld>
             <a:endParaRPr lang="en-US"/>
           </a:p>
@@ -4621,7 +4623,7 @@
     </p:spTree>
     <p:extLst>
       <p:ext uri="{BB962C8B-B14F-4D97-AF65-F5344CB8AC3E}">
-        <p14:creationId xmlns:p14="http://schemas.microsoft.com/office/powerpoint/2010/main" val="1765388918"/>
+        <p14:creationId xmlns:p14="http://schemas.microsoft.com/office/powerpoint/2010/main" val="2190682706"/>
       </p:ext>
     </p:extLst>
   </p:cSld>
@@ -4711,7 +4713,7 @@
     </p:spTree>
     <p:extLst>
       <p:ext uri="{BB962C8B-B14F-4D97-AF65-F5344CB8AC3E}">
-        <p14:creationId xmlns:p14="http://schemas.microsoft.com/office/powerpoint/2010/main" val="3681254223"/>
+        <p14:creationId xmlns:p14="http://schemas.microsoft.com/office/powerpoint/2010/main" val="1765388918"/>
       </p:ext>
     </p:extLst>
   </p:cSld>
@@ -4801,7 +4803,7 @@
     </p:spTree>
     <p:extLst>
       <p:ext uri="{BB962C8B-B14F-4D97-AF65-F5344CB8AC3E}">
-        <p14:creationId xmlns:p14="http://schemas.microsoft.com/office/powerpoint/2010/main" val="1303845855"/>
+        <p14:creationId xmlns:p14="http://schemas.microsoft.com/office/powerpoint/2010/main" val="3681254223"/>
       </p:ext>
     </p:extLst>
   </p:cSld>
@@ -4891,7 +4893,7 @@
     </p:spTree>
     <p:extLst>
       <p:ext uri="{BB962C8B-B14F-4D97-AF65-F5344CB8AC3E}">
-        <p14:creationId xmlns:p14="http://schemas.microsoft.com/office/powerpoint/2010/main" val="1264308137"/>
+        <p14:creationId xmlns:p14="http://schemas.microsoft.com/office/powerpoint/2010/main" val="1303845855"/>
       </p:ext>
     </p:extLst>
   </p:cSld>
@@ -4981,7 +4983,7 @@
     </p:spTree>
     <p:extLst>
       <p:ext uri="{BB962C8B-B14F-4D97-AF65-F5344CB8AC3E}">
-        <p14:creationId xmlns:p14="http://schemas.microsoft.com/office/powerpoint/2010/main" val="3339491410"/>
+        <p14:creationId xmlns:p14="http://schemas.microsoft.com/office/powerpoint/2010/main" val="1264308137"/>
       </p:ext>
     </p:extLst>
   </p:cSld>
@@ -5071,7 +5073,7 @@
     </p:spTree>
     <p:extLst>
       <p:ext uri="{BB962C8B-B14F-4D97-AF65-F5344CB8AC3E}">
-        <p14:creationId xmlns:p14="http://schemas.microsoft.com/office/powerpoint/2010/main" val="2158574328"/>
+        <p14:creationId xmlns:p14="http://schemas.microsoft.com/office/powerpoint/2010/main" val="3339491410"/>
       </p:ext>
     </p:extLst>
   </p:cSld>
@@ -5152,7 +5154,7 @@
               <a:pPr>
                 <a:defRPr/>
               </a:pPr>
-              <a:t>91</a:t>
+              <a:t>90</a:t>
             </a:fld>
             <a:endParaRPr lang="en-US"/>
           </a:p>
@@ -5161,7 +5163,7 @@
     </p:spTree>
     <p:extLst>
       <p:ext uri="{BB962C8B-B14F-4D97-AF65-F5344CB8AC3E}">
-        <p14:creationId xmlns:p14="http://schemas.microsoft.com/office/powerpoint/2010/main" val="2988952496"/>
+        <p14:creationId xmlns:p14="http://schemas.microsoft.com/office/powerpoint/2010/main" val="2158574328"/>
       </p:ext>
     </p:extLst>
   </p:cSld>
@@ -5251,7 +5253,7 @@
     </p:spTree>
     <p:extLst>
       <p:ext uri="{BB962C8B-B14F-4D97-AF65-F5344CB8AC3E}">
-        <p14:creationId xmlns:p14="http://schemas.microsoft.com/office/powerpoint/2010/main" val="3864465609"/>
+        <p14:creationId xmlns:p14="http://schemas.microsoft.com/office/powerpoint/2010/main" val="2988952496"/>
       </p:ext>
     </p:extLst>
   </p:cSld>
@@ -5431,7 +5433,7 @@
     </p:spTree>
     <p:extLst>
       <p:ext uri="{BB962C8B-B14F-4D97-AF65-F5344CB8AC3E}">
-        <p14:creationId xmlns:p14="http://schemas.microsoft.com/office/powerpoint/2010/main" val="953775842"/>
+        <p14:creationId xmlns:p14="http://schemas.microsoft.com/office/powerpoint/2010/main" val="3864465609"/>
       </p:ext>
     </p:extLst>
   </p:cSld>
@@ -5512,7 +5514,7 @@
               <a:pPr>
                 <a:defRPr/>
               </a:pPr>
-              <a:t>95</a:t>
+              <a:t>94</a:t>
             </a:fld>
             <a:endParaRPr lang="en-US"/>
           </a:p>
@@ -5521,7 +5523,7 @@
     </p:spTree>
     <p:extLst>
       <p:ext uri="{BB962C8B-B14F-4D97-AF65-F5344CB8AC3E}">
-        <p14:creationId xmlns:p14="http://schemas.microsoft.com/office/powerpoint/2010/main" val="1364635203"/>
+        <p14:creationId xmlns:p14="http://schemas.microsoft.com/office/powerpoint/2010/main" val="953775842"/>
       </p:ext>
     </p:extLst>
   </p:cSld>
@@ -5611,7 +5613,7 @@
     </p:spTree>
     <p:extLst>
       <p:ext uri="{BB962C8B-B14F-4D97-AF65-F5344CB8AC3E}">
-        <p14:creationId xmlns:p14="http://schemas.microsoft.com/office/powerpoint/2010/main" val="613960579"/>
+        <p14:creationId xmlns:p14="http://schemas.microsoft.com/office/powerpoint/2010/main" val="1364635203"/>
       </p:ext>
     </p:extLst>
   </p:cSld>
@@ -5701,7 +5703,7 @@
     </p:spTree>
     <p:extLst>
       <p:ext uri="{BB962C8B-B14F-4D97-AF65-F5344CB8AC3E}">
-        <p14:creationId xmlns:p14="http://schemas.microsoft.com/office/powerpoint/2010/main" val="1035260990"/>
+        <p14:creationId xmlns:p14="http://schemas.microsoft.com/office/powerpoint/2010/main" val="613960579"/>
       </p:ext>
     </p:extLst>
   </p:cSld>
@@ -5791,7 +5793,7 @@
     </p:spTree>
     <p:extLst>
       <p:ext uri="{BB962C8B-B14F-4D97-AF65-F5344CB8AC3E}">
-        <p14:creationId xmlns:p14="http://schemas.microsoft.com/office/powerpoint/2010/main" val="1150337588"/>
+        <p14:creationId xmlns:p14="http://schemas.microsoft.com/office/powerpoint/2010/main" val="1035260990"/>
       </p:ext>
     </p:extLst>
   </p:cSld>
@@ -5872,7 +5874,7 @@
               <a:pPr>
                 <a:defRPr/>
               </a:pPr>
-              <a:t>100</a:t>
+              <a:t>99</a:t>
             </a:fld>
             <a:endParaRPr lang="en-US"/>
           </a:p>
@@ -5881,7 +5883,7 @@
     </p:spTree>
     <p:extLst>
       <p:ext uri="{BB962C8B-B14F-4D97-AF65-F5344CB8AC3E}">
-        <p14:creationId xmlns:p14="http://schemas.microsoft.com/office/powerpoint/2010/main" val="1092060189"/>
+        <p14:creationId xmlns:p14="http://schemas.microsoft.com/office/powerpoint/2010/main" val="1150337588"/>
       </p:ext>
     </p:extLst>
   </p:cSld>
@@ -5971,7 +5973,7 @@
     </p:spTree>
     <p:extLst>
       <p:ext uri="{BB962C8B-B14F-4D97-AF65-F5344CB8AC3E}">
-        <p14:creationId xmlns:p14="http://schemas.microsoft.com/office/powerpoint/2010/main" val="3916772145"/>
+        <p14:creationId xmlns:p14="http://schemas.microsoft.com/office/powerpoint/2010/main" val="1092060189"/>
       </p:ext>
     </p:extLst>
   </p:cSld>
@@ -6061,7 +6063,7 @@
     </p:spTree>
     <p:extLst>
       <p:ext uri="{BB962C8B-B14F-4D97-AF65-F5344CB8AC3E}">
-        <p14:creationId xmlns:p14="http://schemas.microsoft.com/office/powerpoint/2010/main" val="3016050643"/>
+        <p14:creationId xmlns:p14="http://schemas.microsoft.com/office/powerpoint/2010/main" val="3916772145"/>
       </p:ext>
     </p:extLst>
   </p:cSld>
@@ -6151,7 +6153,7 @@
     </p:spTree>
     <p:extLst>
       <p:ext uri="{BB962C8B-B14F-4D97-AF65-F5344CB8AC3E}">
-        <p14:creationId xmlns:p14="http://schemas.microsoft.com/office/powerpoint/2010/main" val="1940669753"/>
+        <p14:creationId xmlns:p14="http://schemas.microsoft.com/office/powerpoint/2010/main" val="3016050643"/>
       </p:ext>
     </p:extLst>
   </p:cSld>
@@ -6241,7 +6243,7 @@
     </p:spTree>
     <p:extLst>
       <p:ext uri="{BB962C8B-B14F-4D97-AF65-F5344CB8AC3E}">
-        <p14:creationId xmlns:p14="http://schemas.microsoft.com/office/powerpoint/2010/main" val="1970074558"/>
+        <p14:creationId xmlns:p14="http://schemas.microsoft.com/office/powerpoint/2010/main" val="1940669753"/>
       </p:ext>
     </p:extLst>
   </p:cSld>
@@ -6332,6 +6334,96 @@
     <p:extLst>
       <p:ext uri="{BB962C8B-B14F-4D97-AF65-F5344CB8AC3E}">
         <p14:creationId xmlns:p14="http://schemas.microsoft.com/office/powerpoint/2010/main" val="2501269882"/>
+      </p:ext>
+    </p:extLst>
+  </p:cSld>
+  <p:clrMapOvr>
+    <a:masterClrMapping/>
+  </p:clrMapOvr>
+</p:notes>
+</file>
+
+<file path=ppt/notesSlides/notesSlide60.xml><?xml version="1.0" encoding="utf-8"?>
+<p:notes xmlns:a="http://schemas.openxmlformats.org/drawingml/2006/main" xmlns:r="http://schemas.openxmlformats.org/officeDocument/2006/relationships" xmlns:p="http://schemas.openxmlformats.org/presentationml/2006/main">
+  <p:cSld>
+    <p:spTree>
+      <p:nvGrpSpPr>
+        <p:cNvPr id="1" name=""/>
+        <p:cNvGrpSpPr/>
+        <p:nvPr/>
+      </p:nvGrpSpPr>
+      <p:grpSpPr>
+        <a:xfrm>
+          <a:off x="0" y="0"/>
+          <a:ext cx="0" cy="0"/>
+          <a:chOff x="0" y="0"/>
+          <a:chExt cx="0" cy="0"/>
+        </a:xfrm>
+      </p:grpSpPr>
+      <p:sp>
+        <p:nvSpPr>
+          <p:cNvPr id="2" name="Slide Image Placeholder 1"/>
+          <p:cNvSpPr>
+            <a:spLocks noGrp="1" noRot="1" noChangeAspect="1"/>
+          </p:cNvSpPr>
+          <p:nvPr>
+            <p:ph type="sldImg"/>
+          </p:nvPr>
+        </p:nvSpPr>
+        <p:spPr/>
+      </p:sp>
+      <p:sp>
+        <p:nvSpPr>
+          <p:cNvPr id="3" name="Notes Placeholder 2"/>
+          <p:cNvSpPr>
+            <a:spLocks noGrp="1"/>
+          </p:cNvSpPr>
+          <p:nvPr>
+            <p:ph type="body" idx="1"/>
+          </p:nvPr>
+        </p:nvSpPr>
+        <p:spPr/>
+        <p:txBody>
+          <a:bodyPr/>
+          <a:lstStyle/>
+          <a:p>
+            <a:endParaRPr lang="en-US"/>
+          </a:p>
+        </p:txBody>
+      </p:sp>
+      <p:sp>
+        <p:nvSpPr>
+          <p:cNvPr id="4" name="Slide Number Placeholder 3"/>
+          <p:cNvSpPr>
+            <a:spLocks noGrp="1"/>
+          </p:cNvSpPr>
+          <p:nvPr>
+            <p:ph type="sldNum" sz="quarter" idx="5"/>
+          </p:nvPr>
+        </p:nvSpPr>
+        <p:spPr/>
+        <p:txBody>
+          <a:bodyPr/>
+          <a:lstStyle/>
+          <a:p>
+            <a:pPr>
+              <a:defRPr/>
+            </a:pPr>
+            <a:fld id="{673C55C6-0635-4FFD-BEAC-5E6F89DDB24B}" type="slidenum">
+              <a:rPr lang="en-US" smtClean="0"/>
+              <a:pPr>
+                <a:defRPr/>
+              </a:pPr>
+              <a:t>105</a:t>
+            </a:fld>
+            <a:endParaRPr lang="en-US"/>
+          </a:p>
+        </p:txBody>
+      </p:sp>
+    </p:spTree>
+    <p:extLst>
+      <p:ext uri="{BB962C8B-B14F-4D97-AF65-F5344CB8AC3E}">
+        <p14:creationId xmlns:p14="http://schemas.microsoft.com/office/powerpoint/2010/main" val="1970074558"/>
       </p:ext>
     </p:extLst>
   </p:cSld>
@@ -9489,10 +9581,10 @@
       </p:grpSpPr>
       <p:sp>
         <p:nvSpPr>
-          <p:cNvPr id="2" name="Title 1">
+          <p:cNvPr id="2" name="Subtitle 1">
             <a:extLst>
               <a:ext uri="{FF2B5EF4-FFF2-40B4-BE49-F238E27FC236}">
-                <a16:creationId xmlns:a16="http://schemas.microsoft.com/office/drawing/2014/main" id="{BC13A45F-B701-6042-A1FC-E51DBE17F7A5}"/>
+                <a16:creationId xmlns:a16="http://schemas.microsoft.com/office/drawing/2014/main" id="{754018C2-5B5D-4B02-B84F-65ECE4C3752D}"/>
               </a:ext>
             </a:extLst>
           </p:cNvPr>
@@ -9500,7 +9592,7 @@
             <a:spLocks noGrp="1"/>
           </p:cNvSpPr>
           <p:nvPr>
-            <p:ph type="title"/>
+            <p:ph type="subTitle" idx="1"/>
           </p:nvPr>
         </p:nvSpPr>
         <p:spPr/>
@@ -9508,22 +9600,77 @@
           <a:bodyPr/>
           <a:lstStyle/>
           <a:p>
+            <a:pPr marL="342900" indent="-342900">
+              <a:buFont typeface="Arial" panose="020B0604020202020204" pitchFamily="34" charset="0"/>
+              <a:buChar char="•"/>
+            </a:pPr>
             <a:r>
               <a:rPr lang="en-US" dirty="0"/>
-              <a:t>Module 9: Prep Builder Conductor and Publishing Workflows</a:t>
-            </a:r>
-            <a:r>
-              <a:rPr lang="en-US" baseline="0" dirty="0"/>
-              <a:t> to Tableau Server</a:t>
-            </a:r>
-            <a:endParaRPr lang="en-US" dirty="0"/>
+              <a:t>Exercise 11.1, pp. 151-155</a:t>
+            </a:r>
+          </a:p>
+        </p:txBody>
+      </p:sp>
+      <p:sp>
+        <p:nvSpPr>
+          <p:cNvPr id="3" name="Text Placeholder 2">
+            <a:extLst>
+              <a:ext uri="{FF2B5EF4-FFF2-40B4-BE49-F238E27FC236}">
+                <a16:creationId xmlns:a16="http://schemas.microsoft.com/office/drawing/2014/main" id="{6A0AC584-05CF-440B-9623-884DC38DD2CC}"/>
+              </a:ext>
+            </a:extLst>
+          </p:cNvPr>
+          <p:cNvSpPr>
+            <a:spLocks noGrp="1"/>
+          </p:cNvSpPr>
+          <p:nvPr>
+            <p:ph type="body" sz="quarter" idx="11"/>
+          </p:nvPr>
+        </p:nvSpPr>
+        <p:spPr/>
+        <p:txBody>
+          <a:bodyPr/>
+          <a:lstStyle/>
+          <a:p>
+            <a:r>
+              <a:rPr lang="en-US" dirty="0"/>
+              <a:t>15 Minutes</a:t>
+            </a:r>
+          </a:p>
+        </p:txBody>
+      </p:sp>
+      <p:sp>
+        <p:nvSpPr>
+          <p:cNvPr id="4" name="Title 3">
+            <a:extLst>
+              <a:ext uri="{FF2B5EF4-FFF2-40B4-BE49-F238E27FC236}">
+                <a16:creationId xmlns:a16="http://schemas.microsoft.com/office/drawing/2014/main" id="{76D3235D-8164-477B-9C25-3BFCBDBA4892}"/>
+              </a:ext>
+            </a:extLst>
+          </p:cNvPr>
+          <p:cNvSpPr>
+            <a:spLocks noGrp="1"/>
+          </p:cNvSpPr>
+          <p:nvPr>
+            <p:ph type="title"/>
+          </p:nvPr>
+        </p:nvSpPr>
+        <p:spPr/>
+        <p:txBody>
+          <a:bodyPr/>
+          <a:lstStyle/>
+          <a:p>
+            <a:r>
+              <a:rPr lang="en-US" dirty="0"/>
+              <a:t>Lab 8: Output</a:t>
+            </a:r>
           </a:p>
         </p:txBody>
       </p:sp>
     </p:spTree>
     <p:extLst>
       <p:ext uri="{BB962C8B-B14F-4D97-AF65-F5344CB8AC3E}">
-        <p14:creationId xmlns:p14="http://schemas.microsoft.com/office/powerpoint/2010/main" val="4173510137"/>
+        <p14:creationId xmlns:p14="http://schemas.microsoft.com/office/powerpoint/2010/main" val="1972065437"/>
       </p:ext>
     </p:extLst>
   </p:cSld>
@@ -9552,6 +9699,69 @@
       </p:grpSpPr>
       <p:sp>
         <p:nvSpPr>
+          <p:cNvPr id="2" name="Title 1">
+            <a:extLst>
+              <a:ext uri="{FF2B5EF4-FFF2-40B4-BE49-F238E27FC236}">
+                <a16:creationId xmlns:a16="http://schemas.microsoft.com/office/drawing/2014/main" id="{BC13A45F-B701-6042-A1FC-E51DBE17F7A5}"/>
+              </a:ext>
+            </a:extLst>
+          </p:cNvPr>
+          <p:cNvSpPr>
+            <a:spLocks noGrp="1"/>
+          </p:cNvSpPr>
+          <p:nvPr>
+            <p:ph type="title"/>
+          </p:nvPr>
+        </p:nvSpPr>
+        <p:spPr/>
+        <p:txBody>
+          <a:bodyPr/>
+          <a:lstStyle/>
+          <a:p>
+            <a:r>
+              <a:rPr lang="en-US" dirty="0"/>
+              <a:t>Module 9: Prep Builder Conductor and Publishing Workflows</a:t>
+            </a:r>
+            <a:r>
+              <a:rPr lang="en-US" baseline="0" dirty="0"/>
+              <a:t> to Tableau Server</a:t>
+            </a:r>
+            <a:endParaRPr lang="en-US" dirty="0"/>
+          </a:p>
+        </p:txBody>
+      </p:sp>
+    </p:spTree>
+    <p:extLst>
+      <p:ext uri="{BB962C8B-B14F-4D97-AF65-F5344CB8AC3E}">
+        <p14:creationId xmlns:p14="http://schemas.microsoft.com/office/powerpoint/2010/main" val="4173510137"/>
+      </p:ext>
+    </p:extLst>
+  </p:cSld>
+  <p:clrMapOvr>
+    <a:masterClrMapping/>
+  </p:clrMapOvr>
+</p:sld>
+</file>
+
+<file path=ppt/slides/slide102.xml><?xml version="1.0" encoding="utf-8"?>
+<p:sld xmlns:a="http://schemas.openxmlformats.org/drawingml/2006/main" xmlns:r="http://schemas.openxmlformats.org/officeDocument/2006/relationships" xmlns:p="http://schemas.openxmlformats.org/presentationml/2006/main">
+  <p:cSld>
+    <p:spTree>
+      <p:nvGrpSpPr>
+        <p:cNvPr id="1" name=""/>
+        <p:cNvGrpSpPr/>
+        <p:nvPr/>
+      </p:nvGrpSpPr>
+      <p:grpSpPr>
+        <a:xfrm>
+          <a:off x="0" y="0"/>
+          <a:ext cx="0" cy="0"/>
+          <a:chOff x="0" y="0"/>
+          <a:chExt cx="0" cy="0"/>
+        </a:xfrm>
+      </p:grpSpPr>
+      <p:sp>
+        <p:nvSpPr>
           <p:cNvPr id="2" name="Title 1"/>
           <p:cNvSpPr>
             <a:spLocks noGrp="1"/>
@@ -9627,7 +9837,7 @@
           <a:p>
             <a:fld id="{4FAB73BC-B049-4115-A692-8D63A059BFB8}" type="slidenum">
               <a:rPr lang="en-US" smtClean="0"/>
-              <a:t>101</a:t>
+              <a:t>102</a:t>
             </a:fld>
             <a:endParaRPr lang="en-US" dirty="0"/>
           </a:p>
@@ -9676,105 +9886,6 @@
 </p:sld>
 </file>
 
-<file path=ppt/slides/slide102.xml><?xml version="1.0" encoding="utf-8"?>
-<p:sld xmlns:a="http://schemas.openxmlformats.org/drawingml/2006/main" xmlns:r="http://schemas.openxmlformats.org/officeDocument/2006/relationships" xmlns:p="http://schemas.openxmlformats.org/presentationml/2006/main">
-  <p:cSld>
-    <p:spTree>
-      <p:nvGrpSpPr>
-        <p:cNvPr id="1" name=""/>
-        <p:cNvGrpSpPr/>
-        <p:nvPr/>
-      </p:nvGrpSpPr>
-      <p:grpSpPr>
-        <a:xfrm>
-          <a:off x="0" y="0"/>
-          <a:ext cx="0" cy="0"/>
-          <a:chOff x="0" y="0"/>
-          <a:chExt cx="0" cy="0"/>
-        </a:xfrm>
-      </p:grpSpPr>
-      <p:sp>
-        <p:nvSpPr>
-          <p:cNvPr id="2" name="Title 1"/>
-          <p:cNvSpPr>
-            <a:spLocks noGrp="1"/>
-          </p:cNvSpPr>
-          <p:nvPr>
-            <p:ph type="title"/>
-          </p:nvPr>
-        </p:nvSpPr>
-        <p:spPr/>
-        <p:txBody>
-          <a:bodyPr>
-            <a:normAutofit/>
-          </a:bodyPr>
-          <a:lstStyle/>
-          <a:p>
-            <a:r>
-              <a:rPr lang="en-US" dirty="0"/>
-              <a:t>Publishing Workflows to Server (Discussed)</a:t>
-            </a:r>
-          </a:p>
-          <a:p>
-            <a:endParaRPr lang="en-US" dirty="0"/>
-          </a:p>
-        </p:txBody>
-      </p:sp>
-      <p:sp>
-        <p:nvSpPr>
-          <p:cNvPr id="5" name="Text Placeholder 4"/>
-          <p:cNvSpPr>
-            <a:spLocks noGrp="1"/>
-          </p:cNvSpPr>
-          <p:nvPr>
-            <p:ph type="body" sz="quarter" idx="10"/>
-          </p:nvPr>
-        </p:nvSpPr>
-        <p:spPr/>
-        <p:txBody>
-          <a:bodyPr/>
-          <a:lstStyle/>
-          <a:p>
-            <a:endParaRPr lang="en-US"/>
-          </a:p>
-        </p:txBody>
-      </p:sp>
-      <p:sp>
-        <p:nvSpPr>
-          <p:cNvPr id="4" name="Slide Number Placeholder 3"/>
-          <p:cNvSpPr>
-            <a:spLocks noGrp="1"/>
-          </p:cNvSpPr>
-          <p:nvPr>
-            <p:ph type="sldNum" sz="quarter" idx="4294967295"/>
-          </p:nvPr>
-        </p:nvSpPr>
-        <p:spPr/>
-        <p:txBody>
-          <a:bodyPr/>
-          <a:lstStyle/>
-          <a:p>
-            <a:fld id="{4FAB73BC-B049-4115-A692-8D63A059BFB8}" type="slidenum">
-              <a:rPr lang="en-US" smtClean="0"/>
-              <a:t>102</a:t>
-            </a:fld>
-            <a:endParaRPr lang="en-US" dirty="0"/>
-          </a:p>
-        </p:txBody>
-      </p:sp>
-    </p:spTree>
-    <p:extLst>
-      <p:ext uri="{BB962C8B-B14F-4D97-AF65-F5344CB8AC3E}">
-        <p14:creationId xmlns:p14="http://schemas.microsoft.com/office/powerpoint/2010/main" val="2246816309"/>
-      </p:ext>
-    </p:extLst>
-  </p:cSld>
-  <p:clrMapOvr>
-    <a:masterClrMapping/>
-  </p:clrMapOvr>
-</p:sld>
-</file>
-
 <file path=ppt/slides/slide103.xml><?xml version="1.0" encoding="utf-8"?>
 <p:sld xmlns:a="http://schemas.openxmlformats.org/drawingml/2006/main" xmlns:r="http://schemas.openxmlformats.org/officeDocument/2006/relationships" xmlns:p="http://schemas.openxmlformats.org/presentationml/2006/main">
   <p:cSld>
@@ -9804,13 +9915,18 @@
         </p:nvSpPr>
         <p:spPr/>
         <p:txBody>
-          <a:bodyPr/>
+          <a:bodyPr>
+            <a:normAutofit/>
+          </a:bodyPr>
           <a:lstStyle/>
           <a:p>
             <a:r>
               <a:rPr lang="en-US" dirty="0"/>
-              <a:t>Scheduling Workflows on the Server (Discussed)</a:t>
-            </a:r>
+              <a:t>Publishing Workflows to Server (Discussed)</a:t>
+            </a:r>
+          </a:p>
+          <a:p>
+            <a:endParaRPr lang="en-US" dirty="0"/>
           </a:p>
         </p:txBody>
       </p:sp>
@@ -9851,6 +9967,100 @@
             <a:fld id="{4FAB73BC-B049-4115-A692-8D63A059BFB8}" type="slidenum">
               <a:rPr lang="en-US" smtClean="0"/>
               <a:t>103</a:t>
+            </a:fld>
+            <a:endParaRPr lang="en-US" dirty="0"/>
+          </a:p>
+        </p:txBody>
+      </p:sp>
+    </p:spTree>
+    <p:extLst>
+      <p:ext uri="{BB962C8B-B14F-4D97-AF65-F5344CB8AC3E}">
+        <p14:creationId xmlns:p14="http://schemas.microsoft.com/office/powerpoint/2010/main" val="2246816309"/>
+      </p:ext>
+    </p:extLst>
+  </p:cSld>
+  <p:clrMapOvr>
+    <a:masterClrMapping/>
+  </p:clrMapOvr>
+</p:sld>
+</file>
+
+<file path=ppt/slides/slide104.xml><?xml version="1.0" encoding="utf-8"?>
+<p:sld xmlns:a="http://schemas.openxmlformats.org/drawingml/2006/main" xmlns:r="http://schemas.openxmlformats.org/officeDocument/2006/relationships" xmlns:p="http://schemas.openxmlformats.org/presentationml/2006/main">
+  <p:cSld>
+    <p:spTree>
+      <p:nvGrpSpPr>
+        <p:cNvPr id="1" name=""/>
+        <p:cNvGrpSpPr/>
+        <p:nvPr/>
+      </p:nvGrpSpPr>
+      <p:grpSpPr>
+        <a:xfrm>
+          <a:off x="0" y="0"/>
+          <a:ext cx="0" cy="0"/>
+          <a:chOff x="0" y="0"/>
+          <a:chExt cx="0" cy="0"/>
+        </a:xfrm>
+      </p:grpSpPr>
+      <p:sp>
+        <p:nvSpPr>
+          <p:cNvPr id="2" name="Title 1"/>
+          <p:cNvSpPr>
+            <a:spLocks noGrp="1"/>
+          </p:cNvSpPr>
+          <p:nvPr>
+            <p:ph type="title"/>
+          </p:nvPr>
+        </p:nvSpPr>
+        <p:spPr/>
+        <p:txBody>
+          <a:bodyPr/>
+          <a:lstStyle/>
+          <a:p>
+            <a:r>
+              <a:rPr lang="en-US" dirty="0"/>
+              <a:t>Scheduling Workflows on the Server (Discussed)</a:t>
+            </a:r>
+          </a:p>
+        </p:txBody>
+      </p:sp>
+      <p:sp>
+        <p:nvSpPr>
+          <p:cNvPr id="5" name="Text Placeholder 4"/>
+          <p:cNvSpPr>
+            <a:spLocks noGrp="1"/>
+          </p:cNvSpPr>
+          <p:nvPr>
+            <p:ph type="body" sz="quarter" idx="10"/>
+          </p:nvPr>
+        </p:nvSpPr>
+        <p:spPr/>
+        <p:txBody>
+          <a:bodyPr/>
+          <a:lstStyle/>
+          <a:p>
+            <a:endParaRPr lang="en-US"/>
+          </a:p>
+        </p:txBody>
+      </p:sp>
+      <p:sp>
+        <p:nvSpPr>
+          <p:cNvPr id="4" name="Slide Number Placeholder 3"/>
+          <p:cNvSpPr>
+            <a:spLocks noGrp="1"/>
+          </p:cNvSpPr>
+          <p:nvPr>
+            <p:ph type="sldNum" sz="quarter" idx="4294967295"/>
+          </p:nvPr>
+        </p:nvSpPr>
+        <p:spPr/>
+        <p:txBody>
+          <a:bodyPr/>
+          <a:lstStyle/>
+          <a:p>
+            <a:fld id="{4FAB73BC-B049-4115-A692-8D63A059BFB8}" type="slidenum">
+              <a:rPr lang="en-US" smtClean="0"/>
+              <a:t>104</a:t>
             </a:fld>
             <a:endParaRPr lang="en-US" dirty="0"/>
           </a:p>
@@ -9869,7 +10079,7 @@
 </p:sld>
 </file>
 
-<file path=ppt/slides/slide104.xml><?xml version="1.0" encoding="utf-8"?>
+<file path=ppt/slides/slide105.xml><?xml version="1.0" encoding="utf-8"?>
 <p:sld xmlns:a="http://schemas.openxmlformats.org/drawingml/2006/main" xmlns:r="http://schemas.openxmlformats.org/officeDocument/2006/relationships" xmlns:p="http://schemas.openxmlformats.org/presentationml/2006/main">
   <p:cSld>
     <p:spTree>
@@ -10504,8 +10714,8 @@
           <a:lstStyle/>
           <a:p>
             <a:r>
-              <a:rPr lang="en-US" dirty="0"/>
-              <a:t>ZTCA </a:t>
+              <a:rPr lang="en-US" dirty="0" smtClean="0"/>
+              <a:t>ZCTA </a:t>
             </a:r>
             <a:r>
               <a:rPr lang="en-US" dirty="0">
@@ -12912,8 +13122,8 @@
           <a:lstStyle/>
           <a:p>
             <a:r>
-              <a:rPr lang="en-US" dirty="0"/>
-              <a:t>ZTCA </a:t>
+              <a:rPr lang="en-US" dirty="0" smtClean="0"/>
+              <a:t>ZCTA </a:t>
             </a:r>
             <a:r>
               <a:rPr lang="en-US" dirty="0">
@@ -13106,8 +13316,8 @@
         </p:blipFill>
         <p:spPr>
           <a:xfrm>
-            <a:off x="762000" y="1344065"/>
-            <a:ext cx="8085120" cy="4550870"/>
+            <a:off x="2401001" y="1326793"/>
+            <a:ext cx="7389998" cy="4159607"/>
           </a:xfrm>
           <a:prstGeom prst="rect">
             <a:avLst/>
@@ -13254,12 +13464,21 @@
             <p:ph type="body" sz="quarter" idx="10"/>
           </p:nvPr>
         </p:nvSpPr>
-        <p:spPr/>
+        <p:spPr>
+          <a:xfrm>
+            <a:off x="8225594" y="1752600"/>
+            <a:ext cx="3204406" cy="3733800"/>
+          </a:xfrm>
+        </p:spPr>
         <p:txBody>
           <a:bodyPr/>
           <a:lstStyle/>
           <a:p>
-            <a:endParaRPr lang="en-US"/>
+            <a:r>
+              <a:rPr lang="en-US" dirty="0" smtClean="0"/>
+              <a:t>“Steps” with connectors that represent the flow of data</a:t>
+            </a:r>
+            <a:endParaRPr lang="en-US" dirty="0"/>
           </a:p>
         </p:txBody>
       </p:sp>
@@ -13286,7 +13505,7 @@
         <p:spPr>
           <a:xfrm>
             <a:off x="685800" y="1371600"/>
-            <a:ext cx="7539794" cy="4243923"/>
+            <a:ext cx="7391400" cy="4243923"/>
           </a:xfrm>
           <a:prstGeom prst="rect">
             <a:avLst/>
@@ -13351,6 +13570,10 @@
           <a:bodyPr/>
           <a:lstStyle/>
           <a:p>
+            <a:r>
+              <a:rPr lang="en-US" dirty="0" smtClean="0"/>
+              <a:t>Adding a data source step</a:t>
+            </a:r>
             <a:endParaRPr lang="en-US" dirty="0"/>
           </a:p>
         </p:txBody>
@@ -22692,9 +22915,268 @@
   <p:timing>
     <p:tnLst>
       <p:par>
-        <p:cTn id="1" dur="indefinite" restart="never" nodeType="tmRoot"/>
+        <p:cTn id="1" dur="indefinite" restart="never" nodeType="tmRoot">
+          <p:childTnLst>
+            <p:seq concurrent="1" nextAc="seek">
+              <p:cTn id="2" dur="indefinite" nodeType="mainSeq">
+                <p:childTnLst>
+                  <p:par>
+                    <p:cTn id="3" fill="hold">
+                      <p:stCondLst>
+                        <p:cond delay="indefinite"/>
+                        <p:cond evt="onBegin" delay="0">
+                          <p:tn val="2"/>
+                        </p:cond>
+                      </p:stCondLst>
+                      <p:childTnLst>
+                        <p:par>
+                          <p:cTn id="4" fill="hold">
+                            <p:stCondLst>
+                              <p:cond delay="0"/>
+                            </p:stCondLst>
+                            <p:childTnLst>
+                              <p:par>
+                                <p:cTn id="5" presetID="10" presetClass="entr" presetSubtype="0" fill="hold" nodeType="afterEffect">
+                                  <p:stCondLst>
+                                    <p:cond delay="0"/>
+                                  </p:stCondLst>
+                                  <p:childTnLst>
+                                    <p:set>
+                                      <p:cBhvr>
+                                        <p:cTn id="6" dur="1" fill="hold">
+                                          <p:stCondLst>
+                                            <p:cond delay="0"/>
+                                          </p:stCondLst>
+                                        </p:cTn>
+                                        <p:tgtEl>
+                                          <p:spTgt spid="7"/>
+                                        </p:tgtEl>
+                                        <p:attrNameLst>
+                                          <p:attrName>style.visibility</p:attrName>
+                                        </p:attrNameLst>
+                                      </p:cBhvr>
+                                      <p:to>
+                                        <p:strVal val="visible"/>
+                                      </p:to>
+                                    </p:set>
+                                    <p:animEffect transition="in" filter="fade">
+                                      <p:cBhvr>
+                                        <p:cTn id="7" dur="500"/>
+                                        <p:tgtEl>
+                                          <p:spTgt spid="7"/>
+                                        </p:tgtEl>
+                                      </p:cBhvr>
+                                    </p:animEffect>
+                                  </p:childTnLst>
+                                </p:cTn>
+                              </p:par>
+                            </p:childTnLst>
+                          </p:cTn>
+                        </p:par>
+                        <p:par>
+                          <p:cTn id="8" fill="hold">
+                            <p:stCondLst>
+                              <p:cond delay="500"/>
+                            </p:stCondLst>
+                            <p:childTnLst>
+                              <p:par>
+                                <p:cTn id="9" presetID="10" presetClass="entr" presetSubtype="0" fill="hold" grpId="0" nodeType="afterEffect">
+                                  <p:stCondLst>
+                                    <p:cond delay="0"/>
+                                  </p:stCondLst>
+                                  <p:childTnLst>
+                                    <p:set>
+                                      <p:cBhvr>
+                                        <p:cTn id="10" dur="1" fill="hold">
+                                          <p:stCondLst>
+                                            <p:cond delay="0"/>
+                                          </p:stCondLst>
+                                        </p:cTn>
+                                        <p:tgtEl>
+                                          <p:spTgt spid="10"/>
+                                        </p:tgtEl>
+                                        <p:attrNameLst>
+                                          <p:attrName>style.visibility</p:attrName>
+                                        </p:attrNameLst>
+                                      </p:cBhvr>
+                                      <p:to>
+                                        <p:strVal val="visible"/>
+                                      </p:to>
+                                    </p:set>
+                                    <p:animEffect transition="in" filter="fade">
+                                      <p:cBhvr>
+                                        <p:cTn id="11" dur="500"/>
+                                        <p:tgtEl>
+                                          <p:spTgt spid="10"/>
+                                        </p:tgtEl>
+                                      </p:cBhvr>
+                                    </p:animEffect>
+                                  </p:childTnLst>
+                                </p:cTn>
+                              </p:par>
+                            </p:childTnLst>
+                          </p:cTn>
+                        </p:par>
+                        <p:par>
+                          <p:cTn id="12" fill="hold">
+                            <p:stCondLst>
+                              <p:cond delay="1000"/>
+                            </p:stCondLst>
+                            <p:childTnLst>
+                              <p:par>
+                                <p:cTn id="13" presetID="10" presetClass="entr" presetSubtype="0" fill="hold" nodeType="afterEffect">
+                                  <p:stCondLst>
+                                    <p:cond delay="0"/>
+                                  </p:stCondLst>
+                                  <p:childTnLst>
+                                    <p:set>
+                                      <p:cBhvr>
+                                        <p:cTn id="14" dur="1" fill="hold">
+                                          <p:stCondLst>
+                                            <p:cond delay="0"/>
+                                          </p:stCondLst>
+                                        </p:cTn>
+                                        <p:tgtEl>
+                                          <p:spTgt spid="8"/>
+                                        </p:tgtEl>
+                                        <p:attrNameLst>
+                                          <p:attrName>style.visibility</p:attrName>
+                                        </p:attrNameLst>
+                                      </p:cBhvr>
+                                      <p:to>
+                                        <p:strVal val="visible"/>
+                                      </p:to>
+                                    </p:set>
+                                    <p:animEffect transition="in" filter="fade">
+                                      <p:cBhvr>
+                                        <p:cTn id="15" dur="500"/>
+                                        <p:tgtEl>
+                                          <p:spTgt spid="8"/>
+                                        </p:tgtEl>
+                                      </p:cBhvr>
+                                    </p:animEffect>
+                                  </p:childTnLst>
+                                </p:cTn>
+                              </p:par>
+                            </p:childTnLst>
+                          </p:cTn>
+                        </p:par>
+                        <p:par>
+                          <p:cTn id="16" fill="hold">
+                            <p:stCondLst>
+                              <p:cond delay="1500"/>
+                            </p:stCondLst>
+                            <p:childTnLst>
+                              <p:par>
+                                <p:cTn id="17" presetID="10" presetClass="entr" presetSubtype="0" fill="hold" grpId="0" nodeType="afterEffect">
+                                  <p:stCondLst>
+                                    <p:cond delay="0"/>
+                                  </p:stCondLst>
+                                  <p:childTnLst>
+                                    <p:set>
+                                      <p:cBhvr>
+                                        <p:cTn id="18" dur="1" fill="hold">
+                                          <p:stCondLst>
+                                            <p:cond delay="0"/>
+                                          </p:stCondLst>
+                                        </p:cTn>
+                                        <p:tgtEl>
+                                          <p:spTgt spid="11"/>
+                                        </p:tgtEl>
+                                        <p:attrNameLst>
+                                          <p:attrName>style.visibility</p:attrName>
+                                        </p:attrNameLst>
+                                      </p:cBhvr>
+                                      <p:to>
+                                        <p:strVal val="visible"/>
+                                      </p:to>
+                                    </p:set>
+                                    <p:animEffect transition="in" filter="fade">
+                                      <p:cBhvr>
+                                        <p:cTn id="19" dur="500"/>
+                                        <p:tgtEl>
+                                          <p:spTgt spid="11"/>
+                                        </p:tgtEl>
+                                      </p:cBhvr>
+                                    </p:animEffect>
+                                  </p:childTnLst>
+                                </p:cTn>
+                              </p:par>
+                            </p:childTnLst>
+                          </p:cTn>
+                        </p:par>
+                        <p:par>
+                          <p:cTn id="20" fill="hold">
+                            <p:stCondLst>
+                              <p:cond delay="2000"/>
+                            </p:stCondLst>
+                            <p:childTnLst>
+                              <p:par>
+                                <p:cTn id="21" presetID="10" presetClass="entr" presetSubtype="0" fill="hold" nodeType="afterEffect">
+                                  <p:stCondLst>
+                                    <p:cond delay="500"/>
+                                  </p:stCondLst>
+                                  <p:childTnLst>
+                                    <p:set>
+                                      <p:cBhvr>
+                                        <p:cTn id="22" dur="1" fill="hold">
+                                          <p:stCondLst>
+                                            <p:cond delay="0"/>
+                                          </p:stCondLst>
+                                        </p:cTn>
+                                        <p:tgtEl>
+                                          <p:spTgt spid="9"/>
+                                        </p:tgtEl>
+                                        <p:attrNameLst>
+                                          <p:attrName>style.visibility</p:attrName>
+                                        </p:attrNameLst>
+                                      </p:cBhvr>
+                                      <p:to>
+                                        <p:strVal val="visible"/>
+                                      </p:to>
+                                    </p:set>
+                                    <p:animEffect transition="in" filter="fade">
+                                      <p:cBhvr>
+                                        <p:cTn id="23" dur="1000"/>
+                                        <p:tgtEl>
+                                          <p:spTgt spid="9"/>
+                                        </p:tgtEl>
+                                      </p:cBhvr>
+                                    </p:animEffect>
+                                  </p:childTnLst>
+                                </p:cTn>
+                              </p:par>
+                            </p:childTnLst>
+                          </p:cTn>
+                        </p:par>
+                      </p:childTnLst>
+                    </p:cTn>
+                  </p:par>
+                </p:childTnLst>
+              </p:cTn>
+              <p:prevCondLst>
+                <p:cond evt="onPrev" delay="0">
+                  <p:tgtEl>
+                    <p:sldTgt/>
+                  </p:tgtEl>
+                </p:cond>
+              </p:prevCondLst>
+              <p:nextCondLst>
+                <p:cond evt="onNext" delay="0">
+                  <p:tgtEl>
+                    <p:sldTgt/>
+                  </p:tgtEl>
+                </p:cond>
+              </p:nextCondLst>
+            </p:seq>
+          </p:childTnLst>
+        </p:cTn>
       </p:par>
     </p:tnLst>
+    <p:bldLst>
+      <p:bldP spid="10" grpId="0" animBg="1"/>
+      <p:bldP spid="11" grpId="0" animBg="1"/>
+    </p:bldLst>
   </p:timing>
 </p:sld>
 </file>
@@ -22830,6 +23312,13 @@
   <p:clrMapOvr>
     <a:masterClrMapping/>
   </p:clrMapOvr>
+  <p:timing>
+    <p:tnLst>
+      <p:par>
+        <p:cTn id="1" dur="indefinite" restart="never" nodeType="tmRoot"/>
+      </p:par>
+    </p:tnLst>
+  </p:timing>
 </p:sld>
 </file>
 
@@ -22993,6 +23482,13 @@
   <p:clrMapOvr>
     <a:masterClrMapping/>
   </p:clrMapOvr>
+  <p:timing>
+    <p:tnLst>
+      <p:par>
+        <p:cTn id="1" dur="indefinite" restart="never" nodeType="tmRoot"/>
+      </p:par>
+    </p:tnLst>
+  </p:timing>
 </p:sld>
 </file>
 
@@ -23222,6 +23718,13 @@
   <p:clrMapOvr>
     <a:masterClrMapping/>
   </p:clrMapOvr>
+  <p:timing>
+    <p:tnLst>
+      <p:par>
+        <p:cTn id="1" dur="indefinite" restart="never" nodeType="tmRoot"/>
+      </p:par>
+    </p:tnLst>
+  </p:timing>
 </p:sld>
 </file>
 
@@ -23386,6 +23889,13 @@
   <p:clrMapOvr>
     <a:masterClrMapping/>
   </p:clrMapOvr>
+  <p:timing>
+    <p:tnLst>
+      <p:par>
+        <p:cTn id="1" dur="indefinite" restart="never" nodeType="tmRoot"/>
+      </p:par>
+    </p:tnLst>
+  </p:timing>
 </p:sld>
 </file>
 
@@ -23776,6 +24286,13 @@
   <p:clrMapOvr>
     <a:masterClrMapping/>
   </p:clrMapOvr>
+  <p:timing>
+    <p:tnLst>
+      <p:par>
+        <p:cTn id="1" dur="indefinite" restart="never" nodeType="tmRoot"/>
+      </p:par>
+    </p:tnLst>
+  </p:timing>
 </p:sld>
 </file>
 
@@ -23941,6 +24458,13 @@
   <p:clrMapOvr>
     <a:masterClrMapping/>
   </p:clrMapOvr>
+  <p:timing>
+    <p:tnLst>
+      <p:par>
+        <p:cTn id="1" dur="indefinite" restart="never" nodeType="tmRoot"/>
+      </p:par>
+    </p:tnLst>
+  </p:timing>
 </p:sld>
 </file>
 
@@ -24065,6 +24589,13 @@
   <p:clrMapOvr>
     <a:masterClrMapping/>
   </p:clrMapOvr>
+  <p:timing>
+    <p:tnLst>
+      <p:par>
+        <p:cTn id="1" dur="indefinite" restart="never" nodeType="tmRoot"/>
+      </p:par>
+    </p:tnLst>
+  </p:timing>
 </p:sld>
 </file>
 
@@ -24181,6 +24712,668 @@
           </a:p>
         </p:txBody>
       </p:sp>
+      <p:sp>
+        <p:nvSpPr>
+          <p:cNvPr id="5" name="Rectangle 5"/>
+          <p:cNvSpPr>
+            <a:spLocks noChangeArrowheads="1"/>
+          </p:cNvSpPr>
+          <p:nvPr/>
+        </p:nvSpPr>
+        <p:spPr bwMode="auto">
+          <a:xfrm>
+            <a:off x="0" y="0"/>
+            <a:ext cx="12192000" cy="6858000"/>
+          </a:xfrm>
+          <a:prstGeom prst="rect">
+            <a:avLst/>
+          </a:prstGeom>
+          <a:solidFill>
+            <a:srgbClr val="FFFFFF">
+              <a:alpha val="50195"/>
+            </a:srgbClr>
+          </a:solidFill>
+          <a:ln>
+            <a:noFill/>
+          </a:ln>
+          <a:effectLst>
+            <a:outerShdw dist="53882" dir="2700000" algn="ctr" rotWithShape="0">
+              <a:srgbClr val="919191">
+                <a:alpha val="50000"/>
+              </a:srgbClr>
+            </a:outerShdw>
+          </a:effectLst>
+          <a:extLst>
+            <a:ext uri="{91240B29-F687-4F45-9708-019B960494DF}">
+              <a14:hiddenLine xmlns:a14="http://schemas.microsoft.com/office/drawing/2010/main" w="9525" algn="ctr">
+                <a:solidFill>
+                  <a:srgbClr val="000000"/>
+                </a:solidFill>
+                <a:miter lim="800000"/>
+                <a:headEnd/>
+                <a:tailEnd/>
+              </a14:hiddenLine>
+            </a:ext>
+          </a:extLst>
+        </p:spPr>
+        <p:txBody>
+          <a:bodyPr wrap="none" anchor="ctr"/>
+          <a:lstStyle>
+            <a:lvl1pPr>
+              <a:defRPr b="1">
+                <a:solidFill>
+                  <a:schemeClr val="tx1"/>
+                </a:solidFill>
+                <a:latin typeface="Verdana" panose="020B0604030504040204" pitchFamily="34" charset="0"/>
+              </a:defRPr>
+            </a:lvl1pPr>
+            <a:lvl2pPr marL="742950" indent="-285750">
+              <a:defRPr b="1">
+                <a:solidFill>
+                  <a:schemeClr val="tx1"/>
+                </a:solidFill>
+                <a:latin typeface="Verdana" panose="020B0604030504040204" pitchFamily="34" charset="0"/>
+              </a:defRPr>
+            </a:lvl2pPr>
+            <a:lvl3pPr marL="1143000" indent="-228600">
+              <a:defRPr b="1">
+                <a:solidFill>
+                  <a:schemeClr val="tx1"/>
+                </a:solidFill>
+                <a:latin typeface="Verdana" panose="020B0604030504040204" pitchFamily="34" charset="0"/>
+              </a:defRPr>
+            </a:lvl3pPr>
+            <a:lvl4pPr marL="1600200" indent="-228600">
+              <a:defRPr b="1">
+                <a:solidFill>
+                  <a:schemeClr val="tx1"/>
+                </a:solidFill>
+                <a:latin typeface="Verdana" panose="020B0604030504040204" pitchFamily="34" charset="0"/>
+              </a:defRPr>
+            </a:lvl4pPr>
+            <a:lvl5pPr marL="2057400" indent="-228600">
+              <a:defRPr b="1">
+                <a:solidFill>
+                  <a:schemeClr val="tx1"/>
+                </a:solidFill>
+                <a:latin typeface="Verdana" panose="020B0604030504040204" pitchFamily="34" charset="0"/>
+              </a:defRPr>
+            </a:lvl5pPr>
+            <a:lvl6pPr marL="2514600" indent="-228600" eaLnBrk="0" fontAlgn="base" hangingPunct="0">
+              <a:spcBef>
+                <a:spcPct val="0"/>
+              </a:spcBef>
+              <a:spcAft>
+                <a:spcPct val="0"/>
+              </a:spcAft>
+              <a:defRPr b="1">
+                <a:solidFill>
+                  <a:schemeClr val="tx1"/>
+                </a:solidFill>
+                <a:latin typeface="Verdana" panose="020B0604030504040204" pitchFamily="34" charset="0"/>
+              </a:defRPr>
+            </a:lvl6pPr>
+            <a:lvl7pPr marL="2971800" indent="-228600" eaLnBrk="0" fontAlgn="base" hangingPunct="0">
+              <a:spcBef>
+                <a:spcPct val="0"/>
+              </a:spcBef>
+              <a:spcAft>
+                <a:spcPct val="0"/>
+              </a:spcAft>
+              <a:defRPr b="1">
+                <a:solidFill>
+                  <a:schemeClr val="tx1"/>
+                </a:solidFill>
+                <a:latin typeface="Verdana" panose="020B0604030504040204" pitchFamily="34" charset="0"/>
+              </a:defRPr>
+            </a:lvl7pPr>
+            <a:lvl8pPr marL="3429000" indent="-228600" eaLnBrk="0" fontAlgn="base" hangingPunct="0">
+              <a:spcBef>
+                <a:spcPct val="0"/>
+              </a:spcBef>
+              <a:spcAft>
+                <a:spcPct val="0"/>
+              </a:spcAft>
+              <a:defRPr b="1">
+                <a:solidFill>
+                  <a:schemeClr val="tx1"/>
+                </a:solidFill>
+                <a:latin typeface="Verdana" panose="020B0604030504040204" pitchFamily="34" charset="0"/>
+              </a:defRPr>
+            </a:lvl8pPr>
+            <a:lvl9pPr marL="3886200" indent="-228600" eaLnBrk="0" fontAlgn="base" hangingPunct="0">
+              <a:spcBef>
+                <a:spcPct val="0"/>
+              </a:spcBef>
+              <a:spcAft>
+                <a:spcPct val="0"/>
+              </a:spcAft>
+              <a:defRPr b="1">
+                <a:solidFill>
+                  <a:schemeClr val="tx1"/>
+                </a:solidFill>
+                <a:latin typeface="Verdana" panose="020B0604030504040204" pitchFamily="34" charset="0"/>
+              </a:defRPr>
+            </a:lvl9pPr>
+          </a:lstStyle>
+          <a:p>
+            <a:pPr algn="ctr"/>
+            <a:endParaRPr lang="en-US" altLang="en-US"/>
+          </a:p>
+        </p:txBody>
+      </p:sp>
+      <p:sp>
+        <p:nvSpPr>
+          <p:cNvPr id="6" name="Rectangle 6"/>
+          <p:cNvSpPr>
+            <a:spLocks noChangeArrowheads="1"/>
+          </p:cNvSpPr>
+          <p:nvPr/>
+        </p:nvSpPr>
+        <p:spPr bwMode="auto">
+          <a:xfrm>
+            <a:off x="492125" y="5038725"/>
+            <a:ext cx="4094163" cy="1589088"/>
+          </a:xfrm>
+          <a:prstGeom prst="rect">
+            <a:avLst/>
+          </a:prstGeom>
+          <a:solidFill>
+            <a:srgbClr val="FFFFFF"/>
+          </a:solidFill>
+          <a:ln w="9525" algn="ctr">
+            <a:solidFill>
+              <a:schemeClr val="bg2"/>
+            </a:solidFill>
+            <a:miter lim="800000"/>
+            <a:headEnd/>
+            <a:tailEnd/>
+          </a:ln>
+          <a:effectLst>
+            <a:outerShdw dist="53882" dir="2700000" algn="ctr" rotWithShape="0">
+              <a:srgbClr val="919191">
+                <a:alpha val="50000"/>
+              </a:srgbClr>
+            </a:outerShdw>
+          </a:effectLst>
+        </p:spPr>
+        <p:txBody>
+          <a:bodyPr anchor="ctr"/>
+          <a:lstStyle>
+            <a:lvl1pPr>
+              <a:defRPr b="1">
+                <a:solidFill>
+                  <a:schemeClr val="tx1"/>
+                </a:solidFill>
+                <a:latin typeface="Verdana" panose="020B0604030504040204" pitchFamily="34" charset="0"/>
+              </a:defRPr>
+            </a:lvl1pPr>
+            <a:lvl2pPr marL="742950" indent="-285750">
+              <a:defRPr b="1">
+                <a:solidFill>
+                  <a:schemeClr val="tx1"/>
+                </a:solidFill>
+                <a:latin typeface="Verdana" panose="020B0604030504040204" pitchFamily="34" charset="0"/>
+              </a:defRPr>
+            </a:lvl2pPr>
+            <a:lvl3pPr marL="1143000" indent="-228600">
+              <a:defRPr b="1">
+                <a:solidFill>
+                  <a:schemeClr val="tx1"/>
+                </a:solidFill>
+                <a:latin typeface="Verdana" panose="020B0604030504040204" pitchFamily="34" charset="0"/>
+              </a:defRPr>
+            </a:lvl3pPr>
+            <a:lvl4pPr marL="1600200" indent="-228600">
+              <a:defRPr b="1">
+                <a:solidFill>
+                  <a:schemeClr val="tx1"/>
+                </a:solidFill>
+                <a:latin typeface="Verdana" panose="020B0604030504040204" pitchFamily="34" charset="0"/>
+              </a:defRPr>
+            </a:lvl4pPr>
+            <a:lvl5pPr marL="2057400" indent="-228600">
+              <a:defRPr b="1">
+                <a:solidFill>
+                  <a:schemeClr val="tx1"/>
+                </a:solidFill>
+                <a:latin typeface="Verdana" panose="020B0604030504040204" pitchFamily="34" charset="0"/>
+              </a:defRPr>
+            </a:lvl5pPr>
+            <a:lvl6pPr marL="2514600" indent="-228600" eaLnBrk="0" fontAlgn="base" hangingPunct="0">
+              <a:spcBef>
+                <a:spcPct val="0"/>
+              </a:spcBef>
+              <a:spcAft>
+                <a:spcPct val="0"/>
+              </a:spcAft>
+              <a:defRPr b="1">
+                <a:solidFill>
+                  <a:schemeClr val="tx1"/>
+                </a:solidFill>
+                <a:latin typeface="Verdana" panose="020B0604030504040204" pitchFamily="34" charset="0"/>
+              </a:defRPr>
+            </a:lvl6pPr>
+            <a:lvl7pPr marL="2971800" indent="-228600" eaLnBrk="0" fontAlgn="base" hangingPunct="0">
+              <a:spcBef>
+                <a:spcPct val="0"/>
+              </a:spcBef>
+              <a:spcAft>
+                <a:spcPct val="0"/>
+              </a:spcAft>
+              <a:defRPr b="1">
+                <a:solidFill>
+                  <a:schemeClr val="tx1"/>
+                </a:solidFill>
+                <a:latin typeface="Verdana" panose="020B0604030504040204" pitchFamily="34" charset="0"/>
+              </a:defRPr>
+            </a:lvl7pPr>
+            <a:lvl8pPr marL="3429000" indent="-228600" eaLnBrk="0" fontAlgn="base" hangingPunct="0">
+              <a:spcBef>
+                <a:spcPct val="0"/>
+              </a:spcBef>
+              <a:spcAft>
+                <a:spcPct val="0"/>
+              </a:spcAft>
+              <a:defRPr b="1">
+                <a:solidFill>
+                  <a:schemeClr val="tx1"/>
+                </a:solidFill>
+                <a:latin typeface="Verdana" panose="020B0604030504040204" pitchFamily="34" charset="0"/>
+              </a:defRPr>
+            </a:lvl8pPr>
+            <a:lvl9pPr marL="3886200" indent="-228600" eaLnBrk="0" fontAlgn="base" hangingPunct="0">
+              <a:spcBef>
+                <a:spcPct val="0"/>
+              </a:spcBef>
+              <a:spcAft>
+                <a:spcPct val="0"/>
+              </a:spcAft>
+              <a:defRPr b="1">
+                <a:solidFill>
+                  <a:schemeClr val="tx1"/>
+                </a:solidFill>
+                <a:latin typeface="Verdana" panose="020B0604030504040204" pitchFamily="34" charset="0"/>
+              </a:defRPr>
+            </a:lvl9pPr>
+          </a:lstStyle>
+          <a:p>
+            <a:pPr algn="ctr"/>
+            <a:r>
+              <a:rPr lang="en-US" altLang="en-US">
+                <a:solidFill>
+                  <a:srgbClr val="000000"/>
+                </a:solidFill>
+              </a:rPr>
+              <a:t>Questions? Comments?</a:t>
+            </a:r>
+          </a:p>
+          <a:p>
+            <a:pPr algn="ctr"/>
+            <a:r>
+              <a:rPr lang="en-US" altLang="en-US">
+                <a:solidFill>
+                  <a:srgbClr val="000000"/>
+                </a:solidFill>
+              </a:rPr>
+              <a:t>Dan’s e-mail: </a:t>
+            </a:r>
+            <a:r>
+              <a:rPr lang="en-US" altLang="en-US">
+                <a:solidFill>
+                  <a:srgbClr val="000000"/>
+                </a:solidFill>
+                <a:hlinkClick r:id="rId2"/>
+              </a:rPr>
+              <a:t>danc@onlc.com</a:t>
+            </a:r>
+            <a:endParaRPr lang="en-US" altLang="en-US">
+              <a:solidFill>
+                <a:srgbClr val="000000"/>
+              </a:solidFill>
+            </a:endParaRPr>
+          </a:p>
+          <a:p>
+            <a:pPr algn="ctr"/>
+            <a:r>
+              <a:rPr lang="en-US" altLang="en-US">
+                <a:solidFill>
+                  <a:srgbClr val="000000"/>
+                </a:solidFill>
+              </a:rPr>
+              <a:t>Dan’s cell #: (413) 455-0856</a:t>
+            </a:r>
+          </a:p>
+        </p:txBody>
+      </p:sp>
+      <p:sp>
+        <p:nvSpPr>
+          <p:cNvPr id="7" name="WordArt 3"/>
+          <p:cNvSpPr>
+            <a:spLocks noChangeArrowheads="1" noChangeShapeType="1" noTextEdit="1"/>
+          </p:cNvSpPr>
+          <p:nvPr/>
+        </p:nvSpPr>
+        <p:spPr bwMode="auto">
+          <a:xfrm>
+            <a:off x="955675" y="977900"/>
+            <a:ext cx="3167063" cy="2616200"/>
+          </a:xfrm>
+          <a:prstGeom prst="rect">
+            <a:avLst/>
+          </a:prstGeom>
+        </p:spPr>
+        <p:txBody>
+          <a:bodyPr wrap="none" fromWordArt="1">
+            <a:prstTxWarp prst="textSlantUp">
+              <a:avLst>
+                <a:gd name="adj" fmla="val 9014"/>
+              </a:avLst>
+            </a:prstTxWarp>
+          </a:bodyPr>
+          <a:lstStyle/>
+          <a:p>
+            <a:pPr algn="ctr"/>
+            <a:r>
+              <a:rPr lang="en-US" sz="3600" kern="10" dirty="0">
+                <a:ln w="9525">
+                  <a:solidFill>
+                    <a:srgbClr val="CC99FF"/>
+                  </a:solidFill>
+                  <a:round/>
+                  <a:headEnd/>
+                  <a:tailEnd/>
+                </a:ln>
+                <a:gradFill rotWithShape="1">
+                  <a:gsLst>
+                    <a:gs pos="0">
+                      <a:srgbClr val="6600CC"/>
+                    </a:gs>
+                    <a:gs pos="100000">
+                      <a:srgbClr val="CC00CC"/>
+                    </a:gs>
+                  </a:gsLst>
+                  <a:lin ang="5400000" scaled="1"/>
+                </a:gradFill>
+                <a:effectLst>
+                  <a:outerShdw dist="53882" dir="2700000" algn="ctr" rotWithShape="0">
+                    <a:srgbClr val="9999FF">
+                      <a:alpha val="79999"/>
+                    </a:srgbClr>
+                  </a:outerShdw>
+                </a:effectLst>
+                <a:latin typeface="Impact" panose="020B0806030902050204" pitchFamily="34" charset="0"/>
+              </a:rPr>
+              <a:t>Lab: </a:t>
+            </a:r>
+            <a:r>
+              <a:rPr lang="en-US" sz="3600" kern="10" dirty="0" smtClean="0">
+                <a:ln w="9525">
+                  <a:solidFill>
+                    <a:srgbClr val="CC99FF"/>
+                  </a:solidFill>
+                  <a:round/>
+                  <a:headEnd/>
+                  <a:tailEnd/>
+                </a:ln>
+                <a:gradFill rotWithShape="1">
+                  <a:gsLst>
+                    <a:gs pos="0">
+                      <a:srgbClr val="6600CC"/>
+                    </a:gs>
+                    <a:gs pos="100000">
+                      <a:srgbClr val="CC00CC"/>
+                    </a:gs>
+                  </a:gsLst>
+                  <a:lin ang="5400000" scaled="1"/>
+                </a:gradFill>
+                <a:effectLst>
+                  <a:outerShdw dist="53882" dir="2700000" algn="ctr" rotWithShape="0">
+                    <a:srgbClr val="9999FF">
+                      <a:alpha val="79999"/>
+                    </a:srgbClr>
+                  </a:outerShdw>
+                </a:effectLst>
+                <a:latin typeface="Impact" panose="020B0806030902050204" pitchFamily="34" charset="0"/>
+              </a:rPr>
+              <a:t>14:45-15:15</a:t>
+            </a:r>
+            <a:endParaRPr lang="en-US" sz="3600" kern="10" dirty="0">
+              <a:ln w="9525">
+                <a:solidFill>
+                  <a:srgbClr val="CC99FF"/>
+                </a:solidFill>
+                <a:round/>
+                <a:headEnd/>
+                <a:tailEnd/>
+              </a:ln>
+              <a:gradFill rotWithShape="1">
+                <a:gsLst>
+                  <a:gs pos="0">
+                    <a:srgbClr val="6600CC"/>
+                  </a:gs>
+                  <a:gs pos="100000">
+                    <a:srgbClr val="CC00CC"/>
+                  </a:gs>
+                </a:gsLst>
+                <a:lin ang="5400000" scaled="1"/>
+              </a:gradFill>
+              <a:effectLst>
+                <a:outerShdw dist="53882" dir="2700000" algn="ctr" rotWithShape="0">
+                  <a:srgbClr val="9999FF">
+                    <a:alpha val="79999"/>
+                  </a:srgbClr>
+                </a:outerShdw>
+              </a:effectLst>
+              <a:latin typeface="Impact" panose="020B0806030902050204" pitchFamily="34" charset="0"/>
+            </a:endParaRPr>
+          </a:p>
+          <a:p>
+            <a:pPr algn="ctr"/>
+            <a:r>
+              <a:rPr lang="en-US" sz="3600" kern="10" dirty="0">
+                <a:ln w="9525">
+                  <a:solidFill>
+                    <a:srgbClr val="CC99FF"/>
+                  </a:solidFill>
+                  <a:round/>
+                  <a:headEnd/>
+                  <a:tailEnd/>
+                </a:ln>
+                <a:gradFill rotWithShape="1">
+                  <a:gsLst>
+                    <a:gs pos="0">
+                      <a:srgbClr val="6600CC"/>
+                    </a:gs>
+                    <a:gs pos="100000">
+                      <a:srgbClr val="CC00CC"/>
+                    </a:gs>
+                  </a:gsLst>
+                  <a:lin ang="5400000" scaled="1"/>
+                </a:gradFill>
+                <a:effectLst>
+                  <a:outerShdw dist="53882" dir="2700000" algn="ctr" rotWithShape="0">
+                    <a:srgbClr val="9999FF">
+                      <a:alpha val="79999"/>
+                    </a:srgbClr>
+                  </a:outerShdw>
+                </a:effectLst>
+                <a:latin typeface="Impact" panose="020B0806030902050204" pitchFamily="34" charset="0"/>
+              </a:rPr>
+              <a:t>P.M. Break: </a:t>
+            </a:r>
+            <a:r>
+              <a:rPr lang="en-US" sz="3600" kern="10" dirty="0" smtClean="0">
+                <a:ln w="9525">
+                  <a:solidFill>
+                    <a:srgbClr val="CC99FF"/>
+                  </a:solidFill>
+                  <a:round/>
+                  <a:headEnd/>
+                  <a:tailEnd/>
+                </a:ln>
+                <a:gradFill rotWithShape="1">
+                  <a:gsLst>
+                    <a:gs pos="0">
+                      <a:srgbClr val="6600CC"/>
+                    </a:gs>
+                    <a:gs pos="100000">
+                      <a:srgbClr val="CC00CC"/>
+                    </a:gs>
+                  </a:gsLst>
+                  <a:lin ang="5400000" scaled="1"/>
+                </a:gradFill>
+                <a:effectLst>
+                  <a:outerShdw dist="53882" dir="2700000" algn="ctr" rotWithShape="0">
+                    <a:srgbClr val="9999FF">
+                      <a:alpha val="79999"/>
+                    </a:srgbClr>
+                  </a:outerShdw>
+                </a:effectLst>
+                <a:latin typeface="Impact" panose="020B0806030902050204" pitchFamily="34" charset="0"/>
+              </a:rPr>
+              <a:t>15:15-15:30</a:t>
+            </a:r>
+            <a:endParaRPr lang="en-US" sz="3600" kern="10" dirty="0">
+              <a:ln w="9525">
+                <a:solidFill>
+                  <a:srgbClr val="CC99FF"/>
+                </a:solidFill>
+                <a:round/>
+                <a:headEnd/>
+                <a:tailEnd/>
+              </a:ln>
+              <a:gradFill rotWithShape="1">
+                <a:gsLst>
+                  <a:gs pos="0">
+                    <a:srgbClr val="6600CC"/>
+                  </a:gs>
+                  <a:gs pos="100000">
+                    <a:srgbClr val="CC00CC"/>
+                  </a:gs>
+                </a:gsLst>
+                <a:lin ang="5400000" scaled="1"/>
+              </a:gradFill>
+              <a:effectLst>
+                <a:outerShdw dist="53882" dir="2700000" algn="ctr" rotWithShape="0">
+                  <a:srgbClr val="9999FF">
+                    <a:alpha val="79999"/>
+                  </a:srgbClr>
+                </a:outerShdw>
+              </a:effectLst>
+              <a:latin typeface="Impact" panose="020B0806030902050204" pitchFamily="34" charset="0"/>
+            </a:endParaRPr>
+          </a:p>
+        </p:txBody>
+      </p:sp>
+      <p:pic>
+        <p:nvPicPr>
+          <p:cNvPr id="8" name="Picture 5" descr="j0305257"/>
+          <p:cNvPicPr>
+            <a:picLocks noChangeAspect="1" noChangeArrowheads="1"/>
+          </p:cNvPicPr>
+          <p:nvPr/>
+        </p:nvPicPr>
+        <p:blipFill>
+          <a:blip r:embed="rId3">
+            <a:extLst>
+              <a:ext uri="{28A0092B-C50C-407E-A947-70E740481C1C}">
+                <a14:useLocalDpi xmlns:a14="http://schemas.microsoft.com/office/drawing/2010/main" val="0"/>
+              </a:ext>
+            </a:extLst>
+          </a:blip>
+          <a:srcRect/>
+          <a:stretch>
+            <a:fillRect/>
+          </a:stretch>
+        </p:blipFill>
+        <p:spPr bwMode="auto">
+          <a:xfrm>
+            <a:off x="9709150" y="606425"/>
+            <a:ext cx="1874838" cy="3013075"/>
+          </a:xfrm>
+          <a:prstGeom prst="rect">
+            <a:avLst/>
+          </a:prstGeom>
+          <a:noFill/>
+          <a:ln>
+            <a:noFill/>
+          </a:ln>
+          <a:extLst>
+            <a:ext uri="{909E8E84-426E-40DD-AFC4-6F175D3DCCD1}">
+              <a14:hiddenFill xmlns:a14="http://schemas.microsoft.com/office/drawing/2010/main">
+                <a:solidFill>
+                  <a:srgbClr val="FFFFFF"/>
+                </a:solidFill>
+              </a14:hiddenFill>
+            </a:ext>
+            <a:ext uri="{91240B29-F687-4F45-9708-019B960494DF}">
+              <a14:hiddenLine xmlns:a14="http://schemas.microsoft.com/office/drawing/2010/main" w="9525">
+                <a:solidFill>
+                  <a:srgbClr val="000000"/>
+                </a:solidFill>
+                <a:miter lim="800000"/>
+                <a:headEnd/>
+                <a:tailEnd/>
+              </a14:hiddenLine>
+            </a:ext>
+          </a:extLst>
+        </p:spPr>
+      </p:pic>
+      <p:pic>
+        <p:nvPicPr>
+          <p:cNvPr id="9" name="Picture 7" descr="MCj04315630000[1]"/>
+          <p:cNvPicPr>
+            <a:picLocks noChangeAspect="1" noChangeArrowheads="1"/>
+          </p:cNvPicPr>
+          <p:nvPr/>
+        </p:nvPicPr>
+        <p:blipFill>
+          <a:blip r:embed="rId4">
+            <a:extLst>
+              <a:ext uri="{28A0092B-C50C-407E-A947-70E740481C1C}">
+                <a14:useLocalDpi xmlns:a14="http://schemas.microsoft.com/office/drawing/2010/main" val="0"/>
+              </a:ext>
+            </a:extLst>
+          </a:blip>
+          <a:srcRect/>
+          <a:stretch>
+            <a:fillRect/>
+          </a:stretch>
+        </p:blipFill>
+        <p:spPr bwMode="auto">
+          <a:xfrm>
+            <a:off x="9328150" y="3713163"/>
+            <a:ext cx="2697163" cy="2714625"/>
+          </a:xfrm>
+          <a:prstGeom prst="rect">
+            <a:avLst/>
+          </a:prstGeom>
+          <a:noFill/>
+          <a:ln>
+            <a:noFill/>
+          </a:ln>
+          <a:extLst>
+            <a:ext uri="{909E8E84-426E-40DD-AFC4-6F175D3DCCD1}">
+              <a14:hiddenFill xmlns:a14="http://schemas.microsoft.com/office/drawing/2010/main">
+                <a:solidFill>
+                  <a:srgbClr val="FFFFFF"/>
+                </a:solidFill>
+              </a14:hiddenFill>
+            </a:ext>
+            <a:ext uri="{91240B29-F687-4F45-9708-019B960494DF}">
+              <a14:hiddenLine xmlns:a14="http://schemas.microsoft.com/office/drawing/2010/main" w="9525">
+                <a:solidFill>
+                  <a:srgbClr val="000000"/>
+                </a:solidFill>
+                <a:miter lim="800000"/>
+                <a:headEnd/>
+                <a:tailEnd/>
+              </a14:hiddenLine>
+            </a:ext>
+          </a:extLst>
+        </p:spPr>
+      </p:pic>
     </p:spTree>
     <p:extLst>
       <p:ext uri="{BB962C8B-B14F-4D97-AF65-F5344CB8AC3E}">
@@ -24191,6 +25384,13 @@
   <p:clrMapOvr>
     <a:masterClrMapping/>
   </p:clrMapOvr>
+  <p:timing>
+    <p:tnLst>
+      <p:par>
+        <p:cTn id="1" dur="indefinite" restart="never" nodeType="tmRoot"/>
+      </p:par>
+    </p:tnLst>
+  </p:timing>
 </p:sld>
 </file>
 
@@ -24249,6 +25449,13 @@
   <p:clrMapOvr>
     <a:masterClrMapping/>
   </p:clrMapOvr>
+  <p:timing>
+    <p:tnLst>
+      <p:par>
+        <p:cTn id="1" dur="indefinite" restart="never" nodeType="tmRoot"/>
+      </p:par>
+    </p:tnLst>
+  </p:timing>
 </p:sld>
 </file>
 
@@ -25737,6 +26944,13 @@
   <p:clrMapOvr>
     <a:masterClrMapping/>
   </p:clrMapOvr>
+  <p:timing>
+    <p:tnLst>
+      <p:par>
+        <p:cTn id="1" dur="indefinite" restart="never" nodeType="tmRoot"/>
+      </p:par>
+    </p:tnLst>
+  </p:timing>
 </p:sld>
 </file>
 
@@ -28163,6 +29377,13 @@
   <p:clrMapOvr>
     <a:masterClrMapping/>
   </p:clrMapOvr>
+  <p:timing>
+    <p:tnLst>
+      <p:par>
+        <p:cTn id="1" dur="indefinite" restart="never" nodeType="tmRoot"/>
+      </p:par>
+    </p:tnLst>
+  </p:timing>
 </p:sld>
 </file>
 
@@ -32095,6 +33316,13 @@
   <p:clrMapOvr>
     <a:masterClrMapping/>
   </p:clrMapOvr>
+  <p:timing>
+    <p:tnLst>
+      <p:par>
+        <p:cTn id="1" dur="indefinite" restart="never" nodeType="tmRoot"/>
+      </p:par>
+    </p:tnLst>
+  </p:timing>
 </p:sld>
 </file>
 
@@ -32265,6 +33493,13 @@
   <p:clrMapOvr>
     <a:masterClrMapping/>
   </p:clrMapOvr>
+  <p:timing>
+    <p:tnLst>
+      <p:par>
+        <p:cTn id="1" dur="indefinite" restart="never" nodeType="tmRoot"/>
+      </p:par>
+    </p:tnLst>
+  </p:timing>
 </p:sld>
 </file>
 
@@ -32592,6 +33827,13 @@
   <p:clrMapOvr>
     <a:masterClrMapping/>
   </p:clrMapOvr>
+  <p:timing>
+    <p:tnLst>
+      <p:par>
+        <p:cTn id="1" dur="indefinite" restart="never" nodeType="tmRoot"/>
+      </p:par>
+    </p:tnLst>
+  </p:timing>
 </p:sld>
 </file>
 
@@ -32759,6 +34001,13 @@
   <p:clrMapOvr>
     <a:masterClrMapping/>
   </p:clrMapOvr>
+  <p:timing>
+    <p:tnLst>
+      <p:par>
+        <p:cTn id="1" dur="indefinite" restart="never" nodeType="tmRoot"/>
+      </p:par>
+    </p:tnLst>
+  </p:timing>
 </p:sld>
 </file>
 
@@ -32933,6 +34182,13 @@
   <p:clrMapOvr>
     <a:masterClrMapping/>
   </p:clrMapOvr>
+  <p:timing>
+    <p:tnLst>
+      <p:par>
+        <p:cTn id="1" dur="indefinite" restart="never" nodeType="tmRoot"/>
+      </p:par>
+    </p:tnLst>
+  </p:timing>
 </p:sld>
 </file>
 
@@ -33097,6 +34353,13 @@
   <p:clrMapOvr>
     <a:masterClrMapping/>
   </p:clrMapOvr>
+  <p:timing>
+    <p:tnLst>
+      <p:par>
+        <p:cTn id="1" dur="indefinite" restart="never" nodeType="tmRoot"/>
+      </p:par>
+    </p:tnLst>
+  </p:timing>
 </p:sld>
 </file>
 
@@ -33294,6 +34557,13 @@
   <p:clrMapOvr>
     <a:masterClrMapping/>
   </p:clrMapOvr>
+  <p:timing>
+    <p:tnLst>
+      <p:par>
+        <p:cTn id="1" dur="indefinite" restart="never" nodeType="tmRoot"/>
+      </p:par>
+    </p:tnLst>
+  </p:timing>
 </p:sld>
 </file>
 
@@ -34151,6 +35421,13 @@
   <p:clrMapOvr>
     <a:masterClrMapping/>
   </p:clrMapOvr>
+  <p:timing>
+    <p:tnLst>
+      <p:par>
+        <p:cTn id="1" dur="indefinite" restart="never" nodeType="tmRoot"/>
+      </p:par>
+    </p:tnLst>
+  </p:timing>
 </p:sld>
 </file>
 
@@ -34308,6 +35585,13 @@
   <p:clrMapOvr>
     <a:masterClrMapping/>
   </p:clrMapOvr>
+  <p:timing>
+    <p:tnLst>
+      <p:par>
+        <p:cTn id="1" dur="indefinite" restart="never" nodeType="tmRoot"/>
+      </p:par>
+    </p:tnLst>
+  </p:timing>
 </p:sld>
 </file>
 
@@ -34433,6 +35717,619 @@
           </a:p>
         </p:txBody>
       </p:sp>
+      <p:sp>
+        <p:nvSpPr>
+          <p:cNvPr id="5" name="Rectangle 5"/>
+          <p:cNvSpPr>
+            <a:spLocks noChangeArrowheads="1"/>
+          </p:cNvSpPr>
+          <p:nvPr/>
+        </p:nvSpPr>
+        <p:spPr bwMode="auto">
+          <a:xfrm>
+            <a:off x="0" y="0"/>
+            <a:ext cx="12192000" cy="6858000"/>
+          </a:xfrm>
+          <a:prstGeom prst="rect">
+            <a:avLst/>
+          </a:prstGeom>
+          <a:solidFill>
+            <a:srgbClr val="FFFFFF">
+              <a:alpha val="50195"/>
+            </a:srgbClr>
+          </a:solidFill>
+          <a:ln>
+            <a:noFill/>
+          </a:ln>
+          <a:effectLst>
+            <a:outerShdw dist="53882" dir="2700000" algn="ctr" rotWithShape="0">
+              <a:srgbClr val="919191">
+                <a:alpha val="50000"/>
+              </a:srgbClr>
+            </a:outerShdw>
+          </a:effectLst>
+          <a:extLst>
+            <a:ext uri="{91240B29-F687-4F45-9708-019B960494DF}">
+              <a14:hiddenLine xmlns:a14="http://schemas.microsoft.com/office/drawing/2010/main" w="9525" algn="ctr">
+                <a:solidFill>
+                  <a:srgbClr val="000000"/>
+                </a:solidFill>
+                <a:miter lim="800000"/>
+                <a:headEnd/>
+                <a:tailEnd/>
+              </a14:hiddenLine>
+            </a:ext>
+          </a:extLst>
+        </p:spPr>
+        <p:txBody>
+          <a:bodyPr wrap="none" anchor="ctr"/>
+          <a:lstStyle>
+            <a:lvl1pPr>
+              <a:defRPr b="1">
+                <a:solidFill>
+                  <a:schemeClr val="tx1"/>
+                </a:solidFill>
+                <a:latin typeface="Verdana" panose="020B0604030504040204" pitchFamily="34" charset="0"/>
+              </a:defRPr>
+            </a:lvl1pPr>
+            <a:lvl2pPr marL="742950" indent="-285750">
+              <a:defRPr b="1">
+                <a:solidFill>
+                  <a:schemeClr val="tx1"/>
+                </a:solidFill>
+                <a:latin typeface="Verdana" panose="020B0604030504040204" pitchFamily="34" charset="0"/>
+              </a:defRPr>
+            </a:lvl2pPr>
+            <a:lvl3pPr marL="1143000" indent="-228600">
+              <a:defRPr b="1">
+                <a:solidFill>
+                  <a:schemeClr val="tx1"/>
+                </a:solidFill>
+                <a:latin typeface="Verdana" panose="020B0604030504040204" pitchFamily="34" charset="0"/>
+              </a:defRPr>
+            </a:lvl3pPr>
+            <a:lvl4pPr marL="1600200" indent="-228600">
+              <a:defRPr b="1">
+                <a:solidFill>
+                  <a:schemeClr val="tx1"/>
+                </a:solidFill>
+                <a:latin typeface="Verdana" panose="020B0604030504040204" pitchFamily="34" charset="0"/>
+              </a:defRPr>
+            </a:lvl4pPr>
+            <a:lvl5pPr marL="2057400" indent="-228600">
+              <a:defRPr b="1">
+                <a:solidFill>
+                  <a:schemeClr val="tx1"/>
+                </a:solidFill>
+                <a:latin typeface="Verdana" panose="020B0604030504040204" pitchFamily="34" charset="0"/>
+              </a:defRPr>
+            </a:lvl5pPr>
+            <a:lvl6pPr marL="2514600" indent="-228600" eaLnBrk="0" fontAlgn="base" hangingPunct="0">
+              <a:spcBef>
+                <a:spcPct val="0"/>
+              </a:spcBef>
+              <a:spcAft>
+                <a:spcPct val="0"/>
+              </a:spcAft>
+              <a:defRPr b="1">
+                <a:solidFill>
+                  <a:schemeClr val="tx1"/>
+                </a:solidFill>
+                <a:latin typeface="Verdana" panose="020B0604030504040204" pitchFamily="34" charset="0"/>
+              </a:defRPr>
+            </a:lvl6pPr>
+            <a:lvl7pPr marL="2971800" indent="-228600" eaLnBrk="0" fontAlgn="base" hangingPunct="0">
+              <a:spcBef>
+                <a:spcPct val="0"/>
+              </a:spcBef>
+              <a:spcAft>
+                <a:spcPct val="0"/>
+              </a:spcAft>
+              <a:defRPr b="1">
+                <a:solidFill>
+                  <a:schemeClr val="tx1"/>
+                </a:solidFill>
+                <a:latin typeface="Verdana" panose="020B0604030504040204" pitchFamily="34" charset="0"/>
+              </a:defRPr>
+            </a:lvl7pPr>
+            <a:lvl8pPr marL="3429000" indent="-228600" eaLnBrk="0" fontAlgn="base" hangingPunct="0">
+              <a:spcBef>
+                <a:spcPct val="0"/>
+              </a:spcBef>
+              <a:spcAft>
+                <a:spcPct val="0"/>
+              </a:spcAft>
+              <a:defRPr b="1">
+                <a:solidFill>
+                  <a:schemeClr val="tx1"/>
+                </a:solidFill>
+                <a:latin typeface="Verdana" panose="020B0604030504040204" pitchFamily="34" charset="0"/>
+              </a:defRPr>
+            </a:lvl8pPr>
+            <a:lvl9pPr marL="3886200" indent="-228600" eaLnBrk="0" fontAlgn="base" hangingPunct="0">
+              <a:spcBef>
+                <a:spcPct val="0"/>
+              </a:spcBef>
+              <a:spcAft>
+                <a:spcPct val="0"/>
+              </a:spcAft>
+              <a:defRPr b="1">
+                <a:solidFill>
+                  <a:schemeClr val="tx1"/>
+                </a:solidFill>
+                <a:latin typeface="Verdana" panose="020B0604030504040204" pitchFamily="34" charset="0"/>
+              </a:defRPr>
+            </a:lvl9pPr>
+          </a:lstStyle>
+          <a:p>
+            <a:pPr algn="ctr"/>
+            <a:endParaRPr lang="en-US" altLang="en-US"/>
+          </a:p>
+        </p:txBody>
+      </p:sp>
+      <p:sp>
+        <p:nvSpPr>
+          <p:cNvPr id="6" name="Rectangle 6"/>
+          <p:cNvSpPr>
+            <a:spLocks noChangeArrowheads="1"/>
+          </p:cNvSpPr>
+          <p:nvPr/>
+        </p:nvSpPr>
+        <p:spPr bwMode="auto">
+          <a:xfrm>
+            <a:off x="492125" y="5038725"/>
+            <a:ext cx="4094163" cy="1589088"/>
+          </a:xfrm>
+          <a:prstGeom prst="rect">
+            <a:avLst/>
+          </a:prstGeom>
+          <a:solidFill>
+            <a:srgbClr val="FFFFFF"/>
+          </a:solidFill>
+          <a:ln w="9525" algn="ctr">
+            <a:solidFill>
+              <a:schemeClr val="bg2"/>
+            </a:solidFill>
+            <a:miter lim="800000"/>
+            <a:headEnd/>
+            <a:tailEnd/>
+          </a:ln>
+          <a:effectLst>
+            <a:outerShdw dist="53882" dir="2700000" algn="ctr" rotWithShape="0">
+              <a:srgbClr val="919191">
+                <a:alpha val="50000"/>
+              </a:srgbClr>
+            </a:outerShdw>
+          </a:effectLst>
+        </p:spPr>
+        <p:txBody>
+          <a:bodyPr anchor="ctr"/>
+          <a:lstStyle>
+            <a:lvl1pPr>
+              <a:defRPr b="1">
+                <a:solidFill>
+                  <a:schemeClr val="tx1"/>
+                </a:solidFill>
+                <a:latin typeface="Verdana" panose="020B0604030504040204" pitchFamily="34" charset="0"/>
+              </a:defRPr>
+            </a:lvl1pPr>
+            <a:lvl2pPr marL="742950" indent="-285750">
+              <a:defRPr b="1">
+                <a:solidFill>
+                  <a:schemeClr val="tx1"/>
+                </a:solidFill>
+                <a:latin typeface="Verdana" panose="020B0604030504040204" pitchFamily="34" charset="0"/>
+              </a:defRPr>
+            </a:lvl2pPr>
+            <a:lvl3pPr marL="1143000" indent="-228600">
+              <a:defRPr b="1">
+                <a:solidFill>
+                  <a:schemeClr val="tx1"/>
+                </a:solidFill>
+                <a:latin typeface="Verdana" panose="020B0604030504040204" pitchFamily="34" charset="0"/>
+              </a:defRPr>
+            </a:lvl3pPr>
+            <a:lvl4pPr marL="1600200" indent="-228600">
+              <a:defRPr b="1">
+                <a:solidFill>
+                  <a:schemeClr val="tx1"/>
+                </a:solidFill>
+                <a:latin typeface="Verdana" panose="020B0604030504040204" pitchFamily="34" charset="0"/>
+              </a:defRPr>
+            </a:lvl4pPr>
+            <a:lvl5pPr marL="2057400" indent="-228600">
+              <a:defRPr b="1">
+                <a:solidFill>
+                  <a:schemeClr val="tx1"/>
+                </a:solidFill>
+                <a:latin typeface="Verdana" panose="020B0604030504040204" pitchFamily="34" charset="0"/>
+              </a:defRPr>
+            </a:lvl5pPr>
+            <a:lvl6pPr marL="2514600" indent="-228600" eaLnBrk="0" fontAlgn="base" hangingPunct="0">
+              <a:spcBef>
+                <a:spcPct val="0"/>
+              </a:spcBef>
+              <a:spcAft>
+                <a:spcPct val="0"/>
+              </a:spcAft>
+              <a:defRPr b="1">
+                <a:solidFill>
+                  <a:schemeClr val="tx1"/>
+                </a:solidFill>
+                <a:latin typeface="Verdana" panose="020B0604030504040204" pitchFamily="34" charset="0"/>
+              </a:defRPr>
+            </a:lvl6pPr>
+            <a:lvl7pPr marL="2971800" indent="-228600" eaLnBrk="0" fontAlgn="base" hangingPunct="0">
+              <a:spcBef>
+                <a:spcPct val="0"/>
+              </a:spcBef>
+              <a:spcAft>
+                <a:spcPct val="0"/>
+              </a:spcAft>
+              <a:defRPr b="1">
+                <a:solidFill>
+                  <a:schemeClr val="tx1"/>
+                </a:solidFill>
+                <a:latin typeface="Verdana" panose="020B0604030504040204" pitchFamily="34" charset="0"/>
+              </a:defRPr>
+            </a:lvl7pPr>
+            <a:lvl8pPr marL="3429000" indent="-228600" eaLnBrk="0" fontAlgn="base" hangingPunct="0">
+              <a:spcBef>
+                <a:spcPct val="0"/>
+              </a:spcBef>
+              <a:spcAft>
+                <a:spcPct val="0"/>
+              </a:spcAft>
+              <a:defRPr b="1">
+                <a:solidFill>
+                  <a:schemeClr val="tx1"/>
+                </a:solidFill>
+                <a:latin typeface="Verdana" panose="020B0604030504040204" pitchFamily="34" charset="0"/>
+              </a:defRPr>
+            </a:lvl8pPr>
+            <a:lvl9pPr marL="3886200" indent="-228600" eaLnBrk="0" fontAlgn="base" hangingPunct="0">
+              <a:spcBef>
+                <a:spcPct val="0"/>
+              </a:spcBef>
+              <a:spcAft>
+                <a:spcPct val="0"/>
+              </a:spcAft>
+              <a:defRPr b="1">
+                <a:solidFill>
+                  <a:schemeClr val="tx1"/>
+                </a:solidFill>
+                <a:latin typeface="Verdana" panose="020B0604030504040204" pitchFamily="34" charset="0"/>
+              </a:defRPr>
+            </a:lvl9pPr>
+          </a:lstStyle>
+          <a:p>
+            <a:pPr algn="ctr"/>
+            <a:r>
+              <a:rPr lang="en-US" altLang="en-US">
+                <a:solidFill>
+                  <a:srgbClr val="000000"/>
+                </a:solidFill>
+              </a:rPr>
+              <a:t>Questions? Comments?</a:t>
+            </a:r>
+          </a:p>
+          <a:p>
+            <a:pPr algn="ctr"/>
+            <a:r>
+              <a:rPr lang="en-US" altLang="en-US">
+                <a:solidFill>
+                  <a:srgbClr val="000000"/>
+                </a:solidFill>
+              </a:rPr>
+              <a:t>Dan’s e-mail: </a:t>
+            </a:r>
+            <a:r>
+              <a:rPr lang="en-US" altLang="en-US">
+                <a:solidFill>
+                  <a:srgbClr val="000000"/>
+                </a:solidFill>
+                <a:hlinkClick r:id="rId2"/>
+              </a:rPr>
+              <a:t>danc@onlc.com</a:t>
+            </a:r>
+            <a:endParaRPr lang="en-US" altLang="en-US">
+              <a:solidFill>
+                <a:srgbClr val="000000"/>
+              </a:solidFill>
+            </a:endParaRPr>
+          </a:p>
+          <a:p>
+            <a:pPr algn="ctr"/>
+            <a:r>
+              <a:rPr lang="en-US" altLang="en-US">
+                <a:solidFill>
+                  <a:srgbClr val="000000"/>
+                </a:solidFill>
+              </a:rPr>
+              <a:t>Dan’s cell #: (413) 455-0856</a:t>
+            </a:r>
+          </a:p>
+        </p:txBody>
+      </p:sp>
+      <p:sp>
+        <p:nvSpPr>
+          <p:cNvPr id="7" name="WordArt 4"/>
+          <p:cNvSpPr>
+            <a:spLocks noChangeArrowheads="1" noChangeShapeType="1" noTextEdit="1"/>
+          </p:cNvSpPr>
+          <p:nvPr/>
+        </p:nvSpPr>
+        <p:spPr bwMode="auto">
+          <a:xfrm>
+            <a:off x="5216781" y="274975"/>
+            <a:ext cx="3851019" cy="1863360"/>
+          </a:xfrm>
+          <a:prstGeom prst="rect">
+            <a:avLst/>
+          </a:prstGeom>
+        </p:spPr>
+        <p:txBody>
+          <a:bodyPr wrap="none" fromWordArt="1">
+            <a:prstTxWarp prst="textSlantUp">
+              <a:avLst>
+                <a:gd name="adj" fmla="val 9014"/>
+              </a:avLst>
+            </a:prstTxWarp>
+          </a:bodyPr>
+          <a:lstStyle/>
+          <a:p>
+            <a:pPr algn="ctr"/>
+            <a:r>
+              <a:rPr lang="en-US" sz="3600" kern="10" dirty="0">
+                <a:ln w="9525">
+                  <a:solidFill>
+                    <a:srgbClr val="CC99FF"/>
+                  </a:solidFill>
+                  <a:round/>
+                  <a:headEnd/>
+                  <a:tailEnd/>
+                </a:ln>
+                <a:gradFill rotWithShape="1">
+                  <a:gsLst>
+                    <a:gs pos="0">
+                      <a:srgbClr val="6600CC"/>
+                    </a:gs>
+                    <a:gs pos="100000">
+                      <a:srgbClr val="CC00CC"/>
+                    </a:gs>
+                  </a:gsLst>
+                  <a:lin ang="5400000" scaled="1"/>
+                </a:gradFill>
+                <a:effectLst>
+                  <a:outerShdw dist="53882" dir="2700000" algn="ctr" rotWithShape="0">
+                    <a:srgbClr val="9999FF">
+                      <a:alpha val="79999"/>
+                    </a:srgbClr>
+                  </a:outerShdw>
+                </a:effectLst>
+                <a:latin typeface="Impact" panose="020B0806030902050204" pitchFamily="34" charset="0"/>
+              </a:rPr>
+              <a:t>Lab:</a:t>
+            </a:r>
+          </a:p>
+          <a:p>
+            <a:pPr algn="ctr"/>
+            <a:r>
+              <a:rPr lang="en-US" sz="3600" kern="10" dirty="0" smtClean="0">
+                <a:ln w="9525">
+                  <a:solidFill>
+                    <a:srgbClr val="CC99FF"/>
+                  </a:solidFill>
+                  <a:round/>
+                  <a:headEnd/>
+                  <a:tailEnd/>
+                </a:ln>
+                <a:gradFill rotWithShape="1">
+                  <a:gsLst>
+                    <a:gs pos="0">
+                      <a:srgbClr val="6600CC"/>
+                    </a:gs>
+                    <a:gs pos="100000">
+                      <a:srgbClr val="CC00CC"/>
+                    </a:gs>
+                  </a:gsLst>
+                  <a:lin ang="5400000" scaled="1"/>
+                </a:gradFill>
+                <a:effectLst>
+                  <a:outerShdw dist="53882" dir="2700000" algn="ctr" rotWithShape="0">
+                    <a:srgbClr val="9999FF">
+                      <a:alpha val="79999"/>
+                    </a:srgbClr>
+                  </a:outerShdw>
+                </a:effectLst>
+                <a:latin typeface="Impact" panose="020B0806030902050204" pitchFamily="34" charset="0"/>
+              </a:rPr>
+              <a:t>16:15-Done</a:t>
+            </a:r>
+            <a:endParaRPr lang="en-US" sz="3600" kern="10" dirty="0">
+              <a:ln w="9525">
+                <a:solidFill>
+                  <a:srgbClr val="CC99FF"/>
+                </a:solidFill>
+                <a:round/>
+                <a:headEnd/>
+                <a:tailEnd/>
+              </a:ln>
+              <a:gradFill rotWithShape="1">
+                <a:gsLst>
+                  <a:gs pos="0">
+                    <a:srgbClr val="6600CC"/>
+                  </a:gs>
+                  <a:gs pos="100000">
+                    <a:srgbClr val="CC00CC"/>
+                  </a:gs>
+                </a:gsLst>
+                <a:lin ang="5400000" scaled="1"/>
+              </a:gradFill>
+              <a:effectLst>
+                <a:outerShdw dist="53882" dir="2700000" algn="ctr" rotWithShape="0">
+                  <a:srgbClr val="9999FF">
+                    <a:alpha val="79999"/>
+                  </a:srgbClr>
+                </a:outerShdw>
+              </a:effectLst>
+              <a:latin typeface="Impact" panose="020B0806030902050204" pitchFamily="34" charset="0"/>
+            </a:endParaRPr>
+          </a:p>
+        </p:txBody>
+      </p:sp>
+      <p:pic>
+        <p:nvPicPr>
+          <p:cNvPr id="8" name="Picture 6" descr="j0305257"/>
+          <p:cNvPicPr>
+            <a:picLocks noChangeAspect="1" noChangeArrowheads="1"/>
+          </p:cNvPicPr>
+          <p:nvPr/>
+        </p:nvPicPr>
+        <p:blipFill>
+          <a:blip r:embed="rId3">
+            <a:extLst>
+              <a:ext uri="{28A0092B-C50C-407E-A947-70E740481C1C}">
+                <a14:useLocalDpi xmlns:a14="http://schemas.microsoft.com/office/drawing/2010/main" val="0"/>
+              </a:ext>
+            </a:extLst>
+          </a:blip>
+          <a:srcRect/>
+          <a:stretch>
+            <a:fillRect/>
+          </a:stretch>
+        </p:blipFill>
+        <p:spPr bwMode="auto">
+          <a:xfrm>
+            <a:off x="6096000" y="3557560"/>
+            <a:ext cx="1910416" cy="3070253"/>
+          </a:xfrm>
+          <a:prstGeom prst="rect">
+            <a:avLst/>
+          </a:prstGeom>
+          <a:noFill/>
+          <a:ln>
+            <a:noFill/>
+          </a:ln>
+          <a:extLst>
+            <a:ext uri="{909E8E84-426E-40DD-AFC4-6F175D3DCCD1}">
+              <a14:hiddenFill xmlns:a14="http://schemas.microsoft.com/office/drawing/2010/main">
+                <a:solidFill>
+                  <a:srgbClr val="FFFFFF"/>
+                </a:solidFill>
+              </a14:hiddenFill>
+            </a:ext>
+            <a:ext uri="{91240B29-F687-4F45-9708-019B960494DF}">
+              <a14:hiddenLine xmlns:a14="http://schemas.microsoft.com/office/drawing/2010/main" w="9525">
+                <a:solidFill>
+                  <a:srgbClr val="000000"/>
+                </a:solidFill>
+                <a:miter lim="800000"/>
+                <a:headEnd/>
+                <a:tailEnd/>
+              </a14:hiddenLine>
+            </a:ext>
+          </a:extLst>
+        </p:spPr>
+      </p:pic>
+      <p:sp>
+        <p:nvSpPr>
+          <p:cNvPr id="9" name="WordArt 7"/>
+          <p:cNvSpPr>
+            <a:spLocks noChangeArrowheads="1" noChangeShapeType="1" noTextEdit="1"/>
+          </p:cNvSpPr>
+          <p:nvPr/>
+        </p:nvSpPr>
+        <p:spPr bwMode="auto">
+          <a:xfrm>
+            <a:off x="9559925" y="4143375"/>
+            <a:ext cx="2063750" cy="2360613"/>
+          </a:xfrm>
+          <a:prstGeom prst="rect">
+            <a:avLst/>
+          </a:prstGeom>
+        </p:spPr>
+        <p:txBody>
+          <a:bodyPr wrap="none" fromWordArt="1">
+            <a:prstTxWarp prst="textSlantUp">
+              <a:avLst>
+                <a:gd name="adj" fmla="val 9014"/>
+              </a:avLst>
+            </a:prstTxWarp>
+          </a:bodyPr>
+          <a:lstStyle/>
+          <a:p>
+            <a:pPr algn="ctr"/>
+            <a:r>
+              <a:rPr lang="en-US" sz="3600" kern="10">
+                <a:ln w="9525">
+                  <a:solidFill>
+                    <a:srgbClr val="CC99FF"/>
+                  </a:solidFill>
+                  <a:round/>
+                  <a:headEnd/>
+                  <a:tailEnd/>
+                </a:ln>
+                <a:gradFill rotWithShape="1">
+                  <a:gsLst>
+                    <a:gs pos="0">
+                      <a:srgbClr val="6600CC"/>
+                    </a:gs>
+                    <a:gs pos="100000">
+                      <a:srgbClr val="FF0000"/>
+                    </a:gs>
+                  </a:gsLst>
+                  <a:lin ang="5400000" scaled="1"/>
+                </a:gradFill>
+                <a:effectLst>
+                  <a:outerShdw dist="53882" dir="2700000" algn="ctr" rotWithShape="0">
+                    <a:srgbClr val="9999FF">
+                      <a:alpha val="79999"/>
+                    </a:srgbClr>
+                  </a:outerShdw>
+                </a:effectLst>
+                <a:latin typeface="Impact" panose="020B0806030902050204" pitchFamily="34" charset="0"/>
+              </a:rPr>
+              <a:t>Have a</a:t>
+            </a:r>
+          </a:p>
+          <a:p>
+            <a:pPr algn="ctr"/>
+            <a:r>
+              <a:rPr lang="en-US" sz="3600" kern="10">
+                <a:ln w="9525">
+                  <a:solidFill>
+                    <a:srgbClr val="CC99FF"/>
+                  </a:solidFill>
+                  <a:round/>
+                  <a:headEnd/>
+                  <a:tailEnd/>
+                </a:ln>
+                <a:gradFill rotWithShape="1">
+                  <a:gsLst>
+                    <a:gs pos="0">
+                      <a:srgbClr val="6600CC"/>
+                    </a:gs>
+                    <a:gs pos="100000">
+                      <a:srgbClr val="FF0000"/>
+                    </a:gs>
+                  </a:gsLst>
+                  <a:lin ang="5400000" scaled="1"/>
+                </a:gradFill>
+                <a:effectLst>
+                  <a:outerShdw dist="53882" dir="2700000" algn="ctr" rotWithShape="0">
+                    <a:srgbClr val="9999FF">
+                      <a:alpha val="79999"/>
+                    </a:srgbClr>
+                  </a:outerShdw>
+                </a:effectLst>
+                <a:latin typeface="Impact" panose="020B0806030902050204" pitchFamily="34" charset="0"/>
+              </a:rPr>
+              <a:t>great night!</a:t>
+            </a:r>
+          </a:p>
+        </p:txBody>
+      </p:sp>
     </p:spTree>
     <p:extLst>
       <p:ext uri="{BB962C8B-B14F-4D97-AF65-F5344CB8AC3E}">
@@ -34443,6 +36340,13 @@
   <p:clrMapOvr>
     <a:masterClrMapping/>
   </p:clrMapOvr>
+  <p:timing>
+    <p:tnLst>
+      <p:par>
+        <p:cTn id="1" dur="indefinite" restart="never" nodeType="tmRoot"/>
+      </p:par>
+    </p:tnLst>
+  </p:timing>
 </p:sld>
 </file>
 
@@ -35217,16 +37121,557 @@
           </a:p>
         </p:txBody>
       </p:sp>
+      <p:sp>
+        <p:nvSpPr>
+          <p:cNvPr id="3" name="Rectangle 5"/>
+          <p:cNvSpPr>
+            <a:spLocks noChangeArrowheads="1"/>
+          </p:cNvSpPr>
+          <p:nvPr/>
+        </p:nvSpPr>
+        <p:spPr bwMode="auto">
+          <a:xfrm>
+            <a:off x="0" y="0"/>
+            <a:ext cx="12192000" cy="6858000"/>
+          </a:xfrm>
+          <a:prstGeom prst="rect">
+            <a:avLst/>
+          </a:prstGeom>
+          <a:solidFill>
+            <a:srgbClr val="FFFFFF">
+              <a:alpha val="50195"/>
+            </a:srgbClr>
+          </a:solidFill>
+          <a:ln>
+            <a:noFill/>
+          </a:ln>
+          <a:effectLst>
+            <a:outerShdw dist="53882" dir="2700000" algn="ctr" rotWithShape="0">
+              <a:srgbClr val="919191">
+                <a:alpha val="50000"/>
+              </a:srgbClr>
+            </a:outerShdw>
+          </a:effectLst>
+          <a:extLst>
+            <a:ext uri="{91240B29-F687-4F45-9708-019B960494DF}">
+              <a14:hiddenLine xmlns:a14="http://schemas.microsoft.com/office/drawing/2010/main" w="9525" algn="ctr">
+                <a:solidFill>
+                  <a:srgbClr val="000000"/>
+                </a:solidFill>
+                <a:miter lim="800000"/>
+                <a:headEnd/>
+                <a:tailEnd/>
+              </a14:hiddenLine>
+            </a:ext>
+          </a:extLst>
+        </p:spPr>
+        <p:txBody>
+          <a:bodyPr wrap="none" anchor="ctr"/>
+          <a:lstStyle>
+            <a:lvl1pPr>
+              <a:defRPr b="1">
+                <a:solidFill>
+                  <a:schemeClr val="tx1"/>
+                </a:solidFill>
+                <a:latin typeface="Verdana" panose="020B0604030504040204" pitchFamily="34" charset="0"/>
+              </a:defRPr>
+            </a:lvl1pPr>
+            <a:lvl2pPr marL="742950" indent="-285750">
+              <a:defRPr b="1">
+                <a:solidFill>
+                  <a:schemeClr val="tx1"/>
+                </a:solidFill>
+                <a:latin typeface="Verdana" panose="020B0604030504040204" pitchFamily="34" charset="0"/>
+              </a:defRPr>
+            </a:lvl2pPr>
+            <a:lvl3pPr marL="1143000" indent="-228600">
+              <a:defRPr b="1">
+                <a:solidFill>
+                  <a:schemeClr val="tx1"/>
+                </a:solidFill>
+                <a:latin typeface="Verdana" panose="020B0604030504040204" pitchFamily="34" charset="0"/>
+              </a:defRPr>
+            </a:lvl3pPr>
+            <a:lvl4pPr marL="1600200" indent="-228600">
+              <a:defRPr b="1">
+                <a:solidFill>
+                  <a:schemeClr val="tx1"/>
+                </a:solidFill>
+                <a:latin typeface="Verdana" panose="020B0604030504040204" pitchFamily="34" charset="0"/>
+              </a:defRPr>
+            </a:lvl4pPr>
+            <a:lvl5pPr marL="2057400" indent="-228600">
+              <a:defRPr b="1">
+                <a:solidFill>
+                  <a:schemeClr val="tx1"/>
+                </a:solidFill>
+                <a:latin typeface="Verdana" panose="020B0604030504040204" pitchFamily="34" charset="0"/>
+              </a:defRPr>
+            </a:lvl5pPr>
+            <a:lvl6pPr marL="2514600" indent="-228600" eaLnBrk="0" fontAlgn="base" hangingPunct="0">
+              <a:spcBef>
+                <a:spcPct val="0"/>
+              </a:spcBef>
+              <a:spcAft>
+                <a:spcPct val="0"/>
+              </a:spcAft>
+              <a:defRPr b="1">
+                <a:solidFill>
+                  <a:schemeClr val="tx1"/>
+                </a:solidFill>
+                <a:latin typeface="Verdana" panose="020B0604030504040204" pitchFamily="34" charset="0"/>
+              </a:defRPr>
+            </a:lvl6pPr>
+            <a:lvl7pPr marL="2971800" indent="-228600" eaLnBrk="0" fontAlgn="base" hangingPunct="0">
+              <a:spcBef>
+                <a:spcPct val="0"/>
+              </a:spcBef>
+              <a:spcAft>
+                <a:spcPct val="0"/>
+              </a:spcAft>
+              <a:defRPr b="1">
+                <a:solidFill>
+                  <a:schemeClr val="tx1"/>
+                </a:solidFill>
+                <a:latin typeface="Verdana" panose="020B0604030504040204" pitchFamily="34" charset="0"/>
+              </a:defRPr>
+            </a:lvl7pPr>
+            <a:lvl8pPr marL="3429000" indent="-228600" eaLnBrk="0" fontAlgn="base" hangingPunct="0">
+              <a:spcBef>
+                <a:spcPct val="0"/>
+              </a:spcBef>
+              <a:spcAft>
+                <a:spcPct val="0"/>
+              </a:spcAft>
+              <a:defRPr b="1">
+                <a:solidFill>
+                  <a:schemeClr val="tx1"/>
+                </a:solidFill>
+                <a:latin typeface="Verdana" panose="020B0604030504040204" pitchFamily="34" charset="0"/>
+              </a:defRPr>
+            </a:lvl8pPr>
+            <a:lvl9pPr marL="3886200" indent="-228600" eaLnBrk="0" fontAlgn="base" hangingPunct="0">
+              <a:spcBef>
+                <a:spcPct val="0"/>
+              </a:spcBef>
+              <a:spcAft>
+                <a:spcPct val="0"/>
+              </a:spcAft>
+              <a:defRPr b="1">
+                <a:solidFill>
+                  <a:schemeClr val="tx1"/>
+                </a:solidFill>
+                <a:latin typeface="Verdana" panose="020B0604030504040204" pitchFamily="34" charset="0"/>
+              </a:defRPr>
+            </a:lvl9pPr>
+          </a:lstStyle>
+          <a:p>
+            <a:pPr algn="ctr"/>
+            <a:endParaRPr lang="en-US" altLang="en-US"/>
+          </a:p>
+        </p:txBody>
+      </p:sp>
+      <p:sp>
+        <p:nvSpPr>
+          <p:cNvPr id="5" name="Rectangle 6"/>
+          <p:cNvSpPr>
+            <a:spLocks noChangeArrowheads="1"/>
+          </p:cNvSpPr>
+          <p:nvPr/>
+        </p:nvSpPr>
+        <p:spPr bwMode="auto">
+          <a:xfrm>
+            <a:off x="492125" y="5038725"/>
+            <a:ext cx="4094163" cy="1589088"/>
+          </a:xfrm>
+          <a:prstGeom prst="rect">
+            <a:avLst/>
+          </a:prstGeom>
+          <a:solidFill>
+            <a:srgbClr val="FFFFFF"/>
+          </a:solidFill>
+          <a:ln w="9525" algn="ctr">
+            <a:solidFill>
+              <a:schemeClr val="bg2"/>
+            </a:solidFill>
+            <a:miter lim="800000"/>
+            <a:headEnd/>
+            <a:tailEnd/>
+          </a:ln>
+          <a:effectLst>
+            <a:outerShdw dist="53882" dir="2700000" algn="ctr" rotWithShape="0">
+              <a:srgbClr val="919191">
+                <a:alpha val="50000"/>
+              </a:srgbClr>
+            </a:outerShdw>
+          </a:effectLst>
+        </p:spPr>
+        <p:txBody>
+          <a:bodyPr anchor="ctr"/>
+          <a:lstStyle>
+            <a:lvl1pPr>
+              <a:defRPr b="1">
+                <a:solidFill>
+                  <a:schemeClr val="tx1"/>
+                </a:solidFill>
+                <a:latin typeface="Verdana" panose="020B0604030504040204" pitchFamily="34" charset="0"/>
+              </a:defRPr>
+            </a:lvl1pPr>
+            <a:lvl2pPr marL="742950" indent="-285750">
+              <a:defRPr b="1">
+                <a:solidFill>
+                  <a:schemeClr val="tx1"/>
+                </a:solidFill>
+                <a:latin typeface="Verdana" panose="020B0604030504040204" pitchFamily="34" charset="0"/>
+              </a:defRPr>
+            </a:lvl2pPr>
+            <a:lvl3pPr marL="1143000" indent="-228600">
+              <a:defRPr b="1">
+                <a:solidFill>
+                  <a:schemeClr val="tx1"/>
+                </a:solidFill>
+                <a:latin typeface="Verdana" panose="020B0604030504040204" pitchFamily="34" charset="0"/>
+              </a:defRPr>
+            </a:lvl3pPr>
+            <a:lvl4pPr marL="1600200" indent="-228600">
+              <a:defRPr b="1">
+                <a:solidFill>
+                  <a:schemeClr val="tx1"/>
+                </a:solidFill>
+                <a:latin typeface="Verdana" panose="020B0604030504040204" pitchFamily="34" charset="0"/>
+              </a:defRPr>
+            </a:lvl4pPr>
+            <a:lvl5pPr marL="2057400" indent="-228600">
+              <a:defRPr b="1">
+                <a:solidFill>
+                  <a:schemeClr val="tx1"/>
+                </a:solidFill>
+                <a:latin typeface="Verdana" panose="020B0604030504040204" pitchFamily="34" charset="0"/>
+              </a:defRPr>
+            </a:lvl5pPr>
+            <a:lvl6pPr marL="2514600" indent="-228600" eaLnBrk="0" fontAlgn="base" hangingPunct="0">
+              <a:spcBef>
+                <a:spcPct val="0"/>
+              </a:spcBef>
+              <a:spcAft>
+                <a:spcPct val="0"/>
+              </a:spcAft>
+              <a:defRPr b="1">
+                <a:solidFill>
+                  <a:schemeClr val="tx1"/>
+                </a:solidFill>
+                <a:latin typeface="Verdana" panose="020B0604030504040204" pitchFamily="34" charset="0"/>
+              </a:defRPr>
+            </a:lvl6pPr>
+            <a:lvl7pPr marL="2971800" indent="-228600" eaLnBrk="0" fontAlgn="base" hangingPunct="0">
+              <a:spcBef>
+                <a:spcPct val="0"/>
+              </a:spcBef>
+              <a:spcAft>
+                <a:spcPct val="0"/>
+              </a:spcAft>
+              <a:defRPr b="1">
+                <a:solidFill>
+                  <a:schemeClr val="tx1"/>
+                </a:solidFill>
+                <a:latin typeface="Verdana" panose="020B0604030504040204" pitchFamily="34" charset="0"/>
+              </a:defRPr>
+            </a:lvl7pPr>
+            <a:lvl8pPr marL="3429000" indent="-228600" eaLnBrk="0" fontAlgn="base" hangingPunct="0">
+              <a:spcBef>
+                <a:spcPct val="0"/>
+              </a:spcBef>
+              <a:spcAft>
+                <a:spcPct val="0"/>
+              </a:spcAft>
+              <a:defRPr b="1">
+                <a:solidFill>
+                  <a:schemeClr val="tx1"/>
+                </a:solidFill>
+                <a:latin typeface="Verdana" panose="020B0604030504040204" pitchFamily="34" charset="0"/>
+              </a:defRPr>
+            </a:lvl8pPr>
+            <a:lvl9pPr marL="3886200" indent="-228600" eaLnBrk="0" fontAlgn="base" hangingPunct="0">
+              <a:spcBef>
+                <a:spcPct val="0"/>
+              </a:spcBef>
+              <a:spcAft>
+                <a:spcPct val="0"/>
+              </a:spcAft>
+              <a:defRPr b="1">
+                <a:solidFill>
+                  <a:schemeClr val="tx1"/>
+                </a:solidFill>
+                <a:latin typeface="Verdana" panose="020B0604030504040204" pitchFamily="34" charset="0"/>
+              </a:defRPr>
+            </a:lvl9pPr>
+          </a:lstStyle>
+          <a:p>
+            <a:pPr algn="ctr"/>
+            <a:r>
+              <a:rPr lang="en-US" altLang="en-US">
+                <a:solidFill>
+                  <a:srgbClr val="000000"/>
+                </a:solidFill>
+              </a:rPr>
+              <a:t>Questions? Comments?</a:t>
+            </a:r>
+          </a:p>
+          <a:p>
+            <a:pPr algn="ctr"/>
+            <a:r>
+              <a:rPr lang="en-US" altLang="en-US">
+                <a:solidFill>
+                  <a:srgbClr val="000000"/>
+                </a:solidFill>
+              </a:rPr>
+              <a:t>Dan’s e-mail: </a:t>
+            </a:r>
+            <a:r>
+              <a:rPr lang="en-US" altLang="en-US">
+                <a:solidFill>
+                  <a:srgbClr val="000000"/>
+                </a:solidFill>
+                <a:hlinkClick r:id="rId3"/>
+              </a:rPr>
+              <a:t>danc@onlc.com</a:t>
+            </a:r>
+            <a:endParaRPr lang="en-US" altLang="en-US">
+              <a:solidFill>
+                <a:srgbClr val="000000"/>
+              </a:solidFill>
+            </a:endParaRPr>
+          </a:p>
+          <a:p>
+            <a:pPr algn="ctr"/>
+            <a:r>
+              <a:rPr lang="en-US" altLang="en-US">
+                <a:solidFill>
+                  <a:srgbClr val="000000"/>
+                </a:solidFill>
+              </a:rPr>
+              <a:t>Dan’s cell #: (413) 455-0856</a:t>
+            </a:r>
+          </a:p>
+        </p:txBody>
+      </p:sp>
+      <p:sp>
+        <p:nvSpPr>
+          <p:cNvPr id="6" name="WordArt 3"/>
+          <p:cNvSpPr>
+            <a:spLocks noChangeArrowheads="1" noChangeShapeType="1" noTextEdit="1"/>
+          </p:cNvSpPr>
+          <p:nvPr/>
+        </p:nvSpPr>
+        <p:spPr bwMode="auto">
+          <a:xfrm>
+            <a:off x="0" y="203200"/>
+            <a:ext cx="7237413" cy="2432050"/>
+          </a:xfrm>
+          <a:prstGeom prst="rect">
+            <a:avLst/>
+          </a:prstGeom>
+        </p:spPr>
+        <p:txBody>
+          <a:bodyPr wrap="none" fromWordArt="1">
+            <a:prstTxWarp prst="textCascadeUp">
+              <a:avLst>
+                <a:gd name="adj" fmla="val 44444"/>
+              </a:avLst>
+            </a:prstTxWarp>
+            <a:scene3d>
+              <a:camera prst="legacyPerspectiveFront">
+                <a:rot lat="20519989" lon="1080000" rev="0"/>
+              </a:camera>
+              <a:lightRig rig="legacyHarsh2" dir="b"/>
+            </a:scene3d>
+            <a:sp3d extrusionH="430200" prstMaterial="legacyMatte">
+              <a:extrusionClr>
+                <a:srgbClr val="FF6600"/>
+              </a:extrusionClr>
+              <a:contourClr>
+                <a:srgbClr val="FFE701"/>
+              </a:contourClr>
+            </a:sp3d>
+          </a:bodyPr>
+          <a:lstStyle/>
+          <a:p>
+            <a:pPr algn="ctr"/>
+            <a:r>
+              <a:rPr lang="en-US" sz="3600" kern="10">
+                <a:ln w="9525">
+                  <a:round/>
+                  <a:headEnd/>
+                  <a:tailEnd/>
+                </a:ln>
+                <a:gradFill rotWithShape="1">
+                  <a:gsLst>
+                    <a:gs pos="0">
+                      <a:srgbClr val="FFE701"/>
+                    </a:gs>
+                    <a:gs pos="100000">
+                      <a:srgbClr val="FE3E02"/>
+                    </a:gs>
+                  </a:gsLst>
+                  <a:lin ang="5400000" scaled="1"/>
+                </a:gradFill>
+                <a:latin typeface="Impact" panose="020B0806030902050204" pitchFamily="34" charset="0"/>
+              </a:rPr>
+              <a:t>Good Morning</a:t>
+            </a:r>
+          </a:p>
+        </p:txBody>
+      </p:sp>
+      <p:sp>
+        <p:nvSpPr>
+          <p:cNvPr id="7" name="WordArt 7"/>
+          <p:cNvSpPr>
+            <a:spLocks noChangeArrowheads="1" noChangeShapeType="1" noTextEdit="1"/>
+          </p:cNvSpPr>
+          <p:nvPr/>
+        </p:nvSpPr>
+        <p:spPr bwMode="auto">
+          <a:xfrm>
+            <a:off x="10194925" y="1143000"/>
+            <a:ext cx="1543050" cy="2439988"/>
+          </a:xfrm>
+          <a:prstGeom prst="rect">
+            <a:avLst/>
+          </a:prstGeom>
+        </p:spPr>
+        <p:txBody>
+          <a:bodyPr wrap="none" fromWordArt="1">
+            <a:prstTxWarp prst="textSlantUp">
+              <a:avLst>
+                <a:gd name="adj" fmla="val 9014"/>
+              </a:avLst>
+            </a:prstTxWarp>
+          </a:bodyPr>
+          <a:lstStyle/>
+          <a:p>
+            <a:pPr algn="ctr"/>
+            <a:r>
+              <a:rPr lang="en-US" sz="3600" kern="10">
+                <a:ln w="9525">
+                  <a:solidFill>
+                    <a:srgbClr val="CC99FF"/>
+                  </a:solidFill>
+                  <a:round/>
+                  <a:headEnd/>
+                  <a:tailEnd/>
+                </a:ln>
+                <a:gradFill rotWithShape="1">
+                  <a:gsLst>
+                    <a:gs pos="0">
+                      <a:srgbClr val="6600CC"/>
+                    </a:gs>
+                    <a:gs pos="100000">
+                      <a:srgbClr val="CC00CC"/>
+                    </a:gs>
+                  </a:gsLst>
+                  <a:lin ang="5400000" scaled="1"/>
+                </a:gradFill>
+                <a:effectLst>
+                  <a:outerShdw dist="53882" dir="2700000" algn="ctr" rotWithShape="0">
+                    <a:srgbClr val="9999FF">
+                      <a:alpha val="79999"/>
+                    </a:srgbClr>
+                  </a:outerShdw>
+                </a:effectLst>
+                <a:latin typeface="Impact" panose="020B0806030902050204" pitchFamily="34" charset="0"/>
+              </a:rPr>
+              <a:t>We will</a:t>
+            </a:r>
+          </a:p>
+          <a:p>
+            <a:pPr algn="ctr"/>
+            <a:r>
+              <a:rPr lang="en-US" sz="3600" kern="10">
+                <a:ln w="9525">
+                  <a:solidFill>
+                    <a:srgbClr val="CC99FF"/>
+                  </a:solidFill>
+                  <a:round/>
+                  <a:headEnd/>
+                  <a:tailEnd/>
+                </a:ln>
+                <a:gradFill rotWithShape="1">
+                  <a:gsLst>
+                    <a:gs pos="0">
+                      <a:srgbClr val="6600CC"/>
+                    </a:gs>
+                    <a:gs pos="100000">
+                      <a:srgbClr val="CC00CC"/>
+                    </a:gs>
+                  </a:gsLst>
+                  <a:lin ang="5400000" scaled="1"/>
+                </a:gradFill>
+                <a:effectLst>
+                  <a:outerShdw dist="53882" dir="2700000" algn="ctr" rotWithShape="0">
+                    <a:srgbClr val="9999FF">
+                      <a:alpha val="79999"/>
+                    </a:srgbClr>
+                  </a:outerShdw>
+                </a:effectLst>
+                <a:latin typeface="Impact" panose="020B0806030902050204" pitchFamily="34" charset="0"/>
+              </a:rPr>
+              <a:t>start at</a:t>
+            </a:r>
+          </a:p>
+          <a:p>
+            <a:pPr algn="ctr"/>
+            <a:r>
+              <a:rPr lang="en-US" sz="3600" kern="10">
+                <a:ln w="9525">
+                  <a:solidFill>
+                    <a:srgbClr val="CC99FF"/>
+                  </a:solidFill>
+                  <a:round/>
+                  <a:headEnd/>
+                  <a:tailEnd/>
+                </a:ln>
+                <a:gradFill rotWithShape="1">
+                  <a:gsLst>
+                    <a:gs pos="0">
+                      <a:srgbClr val="6600CC"/>
+                    </a:gs>
+                    <a:gs pos="100000">
+                      <a:srgbClr val="CC00CC"/>
+                    </a:gs>
+                  </a:gsLst>
+                  <a:lin ang="5400000" scaled="1"/>
+                </a:gradFill>
+                <a:effectLst>
+                  <a:outerShdw dist="53882" dir="2700000" algn="ctr" rotWithShape="0">
+                    <a:srgbClr val="9999FF">
+                      <a:alpha val="79999"/>
+                    </a:srgbClr>
+                  </a:outerShdw>
+                </a:effectLst>
+                <a:latin typeface="Impact" panose="020B0806030902050204" pitchFamily="34" charset="0"/>
+              </a:rPr>
+              <a:t>10:00 EST</a:t>
+            </a:r>
+          </a:p>
+        </p:txBody>
+      </p:sp>
     </p:spTree>
     <p:extLst>
       <p:ext uri="{BB962C8B-B14F-4D97-AF65-F5344CB8AC3E}">
-        <p14:creationId xmlns:p14="http://schemas.microsoft.com/office/powerpoint/2010/main" val="1657269070"/>
+        <p14:creationId xmlns:p14="http://schemas.microsoft.com/office/powerpoint/2010/main" val="2721191183"/>
       </p:ext>
     </p:extLst>
   </p:cSld>
   <p:clrMapOvr>
     <a:masterClrMapping/>
   </p:clrMapOvr>
+  <p:timing>
+    <p:tnLst>
+      <p:par>
+        <p:cTn id="1" dur="indefinite" restart="never" nodeType="tmRoot"/>
+      </p:par>
+    </p:tnLst>
+  </p:timing>
 </p:sld>
 </file>
 
@@ -35249,6 +37694,71 @@
       </p:grpSpPr>
       <p:sp>
         <p:nvSpPr>
+          <p:cNvPr id="4" name="Title 3">
+            <a:extLst>
+              <a:ext uri="{FF2B5EF4-FFF2-40B4-BE49-F238E27FC236}">
+                <a16:creationId xmlns:a16="http://schemas.microsoft.com/office/drawing/2014/main" id="{1E6D96E9-B635-0245-9098-C1FAA390A091}"/>
+              </a:ext>
+            </a:extLst>
+          </p:cNvPr>
+          <p:cNvSpPr>
+            <a:spLocks noGrp="1"/>
+          </p:cNvSpPr>
+          <p:nvPr>
+            <p:ph type="title"/>
+          </p:nvPr>
+        </p:nvSpPr>
+        <p:spPr/>
+        <p:txBody>
+          <a:bodyPr/>
+          <a:lstStyle/>
+          <a:p>
+            <a:r>
+              <a:rPr lang="en-US" dirty="0"/>
+              <a:t>Part II: Transform</a:t>
+            </a:r>
+          </a:p>
+        </p:txBody>
+      </p:sp>
+    </p:spTree>
+    <p:extLst>
+      <p:ext uri="{BB962C8B-B14F-4D97-AF65-F5344CB8AC3E}">
+        <p14:creationId xmlns:p14="http://schemas.microsoft.com/office/powerpoint/2010/main" val="1657269070"/>
+      </p:ext>
+    </p:extLst>
+  </p:cSld>
+  <p:clrMapOvr>
+    <a:masterClrMapping/>
+  </p:clrMapOvr>
+  <p:timing>
+    <p:tnLst>
+      <p:par>
+        <p:cTn id="1" dur="indefinite" restart="never" nodeType="tmRoot"/>
+      </p:par>
+    </p:tnLst>
+  </p:timing>
+</p:sld>
+</file>
+
+<file path=ppt/slides/slide72.xml><?xml version="1.0" encoding="utf-8"?>
+<p:sld xmlns:a="http://schemas.openxmlformats.org/drawingml/2006/main" xmlns:r="http://schemas.openxmlformats.org/officeDocument/2006/relationships" xmlns:p="http://schemas.openxmlformats.org/presentationml/2006/main">
+  <p:cSld>
+    <p:spTree>
+      <p:nvGrpSpPr>
+        <p:cNvPr id="1" name=""/>
+        <p:cNvGrpSpPr/>
+        <p:nvPr/>
+      </p:nvGrpSpPr>
+      <p:grpSpPr>
+        <a:xfrm>
+          <a:off x="0" y="0"/>
+          <a:ext cx="0" cy="0"/>
+          <a:chOff x="0" y="0"/>
+          <a:chExt cx="0" cy="0"/>
+        </a:xfrm>
+      </p:grpSpPr>
+      <p:sp>
+        <p:nvSpPr>
           <p:cNvPr id="2" name="Title 1">
             <a:extLst>
               <a:ext uri="{FF2B5EF4-FFF2-40B4-BE49-F238E27FC236}">
@@ -35290,10 +37800,17 @@
   <p:clrMapOvr>
     <a:masterClrMapping/>
   </p:clrMapOvr>
+  <p:timing>
+    <p:tnLst>
+      <p:par>
+        <p:cTn id="1" dur="indefinite" restart="never" nodeType="tmRoot"/>
+      </p:par>
+    </p:tnLst>
+  </p:timing>
 </p:sld>
 </file>
 
-<file path=ppt/slides/slide72.xml><?xml version="1.0" encoding="utf-8"?>
+<file path=ppt/slides/slide73.xml><?xml version="1.0" encoding="utf-8"?>
 <p:sld xmlns:a="http://schemas.openxmlformats.org/drawingml/2006/main" xmlns:r="http://schemas.openxmlformats.org/officeDocument/2006/relationships" xmlns:p="http://schemas.openxmlformats.org/presentationml/2006/main">
   <p:cSld>
     <p:spTree>
@@ -35415,7 +37932,7 @@
 </p:sld>
 </file>
 
-<file path=ppt/slides/slide73.xml><?xml version="1.0" encoding="utf-8"?>
+<file path=ppt/slides/slide74.xml><?xml version="1.0" encoding="utf-8"?>
 <p:sld xmlns:a="http://schemas.openxmlformats.org/drawingml/2006/main" xmlns:r="http://schemas.openxmlformats.org/officeDocument/2006/relationships" xmlns:p="http://schemas.openxmlformats.org/presentationml/2006/main">
   <p:cSld>
     <p:spTree>
@@ -35531,7 +38048,7 @@
 </p:sld>
 </file>
 
-<file path=ppt/slides/slide74.xml><?xml version="1.0" encoding="utf-8"?>
+<file path=ppt/slides/slide75.xml><?xml version="1.0" encoding="utf-8"?>
 <p:sld xmlns:a="http://schemas.openxmlformats.org/drawingml/2006/main" xmlns:r="http://schemas.openxmlformats.org/officeDocument/2006/relationships" xmlns:p="http://schemas.openxmlformats.org/presentationml/2006/main">
   <p:cSld>
     <p:spTree>
@@ -35691,7 +38208,7 @@
 </p:sld>
 </file>
 
-<file path=ppt/slides/slide75.xml><?xml version="1.0" encoding="utf-8"?>
+<file path=ppt/slides/slide76.xml><?xml version="1.0" encoding="utf-8"?>
 <p:sld xmlns:a="http://schemas.openxmlformats.org/drawingml/2006/main" xmlns:r="http://schemas.openxmlformats.org/officeDocument/2006/relationships" xmlns:p="http://schemas.openxmlformats.org/presentationml/2006/main">
   <p:cSld>
     <p:spTree>
@@ -35774,7 +38291,7 @@
 </p:sld>
 </file>
 
-<file path=ppt/slides/slide76.xml><?xml version="1.0" encoding="utf-8"?>
+<file path=ppt/slides/slide77.xml><?xml version="1.0" encoding="utf-8"?>
 <p:sld xmlns:a="http://schemas.openxmlformats.org/drawingml/2006/main" xmlns:r="http://schemas.openxmlformats.org/officeDocument/2006/relationships" xmlns:p="http://schemas.openxmlformats.org/presentationml/2006/main">
   <p:cSld>
     <p:spTree>
@@ -36001,7 +38518,7 @@
 </p:sld>
 </file>
 
-<file path=ppt/slides/slide77.xml><?xml version="1.0" encoding="utf-8"?>
+<file path=ppt/slides/slide78.xml><?xml version="1.0" encoding="utf-8"?>
 <p:sld xmlns:a="http://schemas.openxmlformats.org/drawingml/2006/main" xmlns:r="http://schemas.openxmlformats.org/officeDocument/2006/relationships" xmlns:p="http://schemas.openxmlformats.org/presentationml/2006/main">
   <p:cSld>
     <p:spTree>
@@ -36391,7 +38908,7 @@
 </p:sld>
 </file>
 
-<file path=ppt/slides/slide78.xml><?xml version="1.0" encoding="utf-8"?>
+<file path=ppt/slides/slide79.xml><?xml version="1.0" encoding="utf-8"?>
 <p:sld xmlns:a="http://schemas.openxmlformats.org/drawingml/2006/main" xmlns:r="http://schemas.openxmlformats.org/officeDocument/2006/relationships" xmlns:p="http://schemas.openxmlformats.org/presentationml/2006/main">
   <p:cSld>
     <p:spTree>
@@ -36578,7 +39095,159 @@
 </p:sld>
 </file>
 
-<file path=ppt/slides/slide79.xml><?xml version="1.0" encoding="utf-8"?>
+<file path=ppt/slides/slide8.xml><?xml version="1.0" encoding="utf-8"?>
+<p:sld xmlns:a="http://schemas.openxmlformats.org/drawingml/2006/main" xmlns:r="http://schemas.openxmlformats.org/officeDocument/2006/relationships" xmlns:p="http://schemas.openxmlformats.org/presentationml/2006/main">
+  <p:cSld>
+    <p:spTree>
+      <p:nvGrpSpPr>
+        <p:cNvPr id="1" name=""/>
+        <p:cNvGrpSpPr/>
+        <p:nvPr/>
+      </p:nvGrpSpPr>
+      <p:grpSpPr>
+        <a:xfrm>
+          <a:off x="0" y="0"/>
+          <a:ext cx="0" cy="0"/>
+          <a:chOff x="0" y="0"/>
+          <a:chExt cx="0" cy="0"/>
+        </a:xfrm>
+      </p:grpSpPr>
+      <p:sp>
+        <p:nvSpPr>
+          <p:cNvPr id="2" name="Title 1"/>
+          <p:cNvSpPr>
+            <a:spLocks noGrp="1"/>
+          </p:cNvSpPr>
+          <p:nvPr>
+            <p:ph type="title"/>
+          </p:nvPr>
+        </p:nvSpPr>
+        <p:spPr/>
+        <p:txBody>
+          <a:bodyPr/>
+          <a:lstStyle/>
+          <a:p>
+            <a:r>
+              <a:rPr lang="en-US" dirty="0"/>
+              <a:t>Related Classes</a:t>
+            </a:r>
+          </a:p>
+        </p:txBody>
+      </p:sp>
+      <p:sp>
+        <p:nvSpPr>
+          <p:cNvPr id="6" name="Text Placeholder 5"/>
+          <p:cNvSpPr>
+            <a:spLocks noGrp="1"/>
+          </p:cNvSpPr>
+          <p:nvPr>
+            <p:ph type="body" sz="quarter" idx="10"/>
+          </p:nvPr>
+        </p:nvSpPr>
+        <p:spPr/>
+        <p:txBody>
+          <a:bodyPr/>
+          <a:lstStyle/>
+          <a:p>
+            <a:r>
+              <a:rPr lang="en-US" dirty="0" smtClean="0"/>
+              <a:t>Tableau </a:t>
+            </a:r>
+            <a:r>
+              <a:rPr lang="en-US" dirty="0"/>
+              <a:t>Desktop Level 1: </a:t>
+            </a:r>
+            <a:r>
+              <a:rPr lang="en-US" dirty="0" smtClean="0"/>
+              <a:t>Introduction</a:t>
+            </a:r>
+          </a:p>
+          <a:p>
+            <a:r>
+              <a:rPr lang="en-US" dirty="0" smtClean="0"/>
+              <a:t>Tableau </a:t>
+            </a:r>
+            <a:r>
+              <a:rPr lang="en-US" dirty="0"/>
+              <a:t>Desktop Level 2: </a:t>
+            </a:r>
+            <a:r>
+              <a:rPr lang="en-US" dirty="0" smtClean="0"/>
+              <a:t>Intermediate</a:t>
+            </a:r>
+          </a:p>
+          <a:p>
+            <a:r>
+              <a:rPr lang="en-US" dirty="0" smtClean="0"/>
+              <a:t>Tableau </a:t>
+            </a:r>
+            <a:r>
+              <a:rPr lang="en-US" dirty="0"/>
+              <a:t>Desktop Level 3: </a:t>
+            </a:r>
+            <a:r>
+              <a:rPr lang="en-US" dirty="0" smtClean="0"/>
+              <a:t>Advanced</a:t>
+            </a:r>
+          </a:p>
+          <a:p>
+            <a:r>
+              <a:rPr lang="en-US" dirty="0" smtClean="0"/>
+              <a:t>Tableau </a:t>
+            </a:r>
+            <a:r>
+              <a:rPr lang="en-US" dirty="0"/>
+              <a:t>Data Visualizations</a:t>
+            </a:r>
+            <a:endParaRPr lang="en-US" dirty="0"/>
+          </a:p>
+        </p:txBody>
+      </p:sp>
+      <p:sp>
+        <p:nvSpPr>
+          <p:cNvPr id="3" name="Slide Number Placeholder 2"/>
+          <p:cNvSpPr>
+            <a:spLocks noGrp="1"/>
+          </p:cNvSpPr>
+          <p:nvPr>
+            <p:ph type="sldNum" sz="quarter" idx="4294967295"/>
+          </p:nvPr>
+        </p:nvSpPr>
+        <p:spPr/>
+        <p:txBody>
+          <a:bodyPr/>
+          <a:lstStyle/>
+          <a:p>
+            <a:fld id="{D814DA60-3BEE-4BCE-BEDB-E433FD970963}" type="slidenum">
+              <a:rPr lang="en-US" smtClean="0"/>
+              <a:pPr/>
+              <a:t>8</a:t>
+            </a:fld>
+            <a:endParaRPr lang="en-US" dirty="0"/>
+          </a:p>
+        </p:txBody>
+      </p:sp>
+    </p:spTree>
+    <p:extLst>
+      <p:ext uri="{BB962C8B-B14F-4D97-AF65-F5344CB8AC3E}">
+        <p14:creationId xmlns:p14="http://schemas.microsoft.com/office/powerpoint/2010/main" val="3063254713"/>
+      </p:ext>
+    </p:extLst>
+  </p:cSld>
+  <p:clrMapOvr>
+    <a:masterClrMapping/>
+  </p:clrMapOvr>
+  <p:timing>
+    <p:tnLst>
+      <p:par>
+        <p:cTn id="1" dur="indefinite" restart="never" nodeType="tmRoot"/>
+      </p:par>
+    </p:tnLst>
+  </p:timing>
+</p:sld>
+</file>
+
+<file path=ppt/slides/slide80.xml><?xml version="1.0" encoding="utf-8"?>
 <p:sld xmlns:a="http://schemas.openxmlformats.org/drawingml/2006/main" xmlns:r="http://schemas.openxmlformats.org/officeDocument/2006/relationships" xmlns:p="http://schemas.openxmlformats.org/presentationml/2006/main">
   <p:cSld>
     <p:spTree>
@@ -36750,159 +39419,7 @@
 </p:sld>
 </file>
 
-<file path=ppt/slides/slide8.xml><?xml version="1.0" encoding="utf-8"?>
-<p:sld xmlns:a="http://schemas.openxmlformats.org/drawingml/2006/main" xmlns:r="http://schemas.openxmlformats.org/officeDocument/2006/relationships" xmlns:p="http://schemas.openxmlformats.org/presentationml/2006/main">
-  <p:cSld>
-    <p:spTree>
-      <p:nvGrpSpPr>
-        <p:cNvPr id="1" name=""/>
-        <p:cNvGrpSpPr/>
-        <p:nvPr/>
-      </p:nvGrpSpPr>
-      <p:grpSpPr>
-        <a:xfrm>
-          <a:off x="0" y="0"/>
-          <a:ext cx="0" cy="0"/>
-          <a:chOff x="0" y="0"/>
-          <a:chExt cx="0" cy="0"/>
-        </a:xfrm>
-      </p:grpSpPr>
-      <p:sp>
-        <p:nvSpPr>
-          <p:cNvPr id="2" name="Title 1"/>
-          <p:cNvSpPr>
-            <a:spLocks noGrp="1"/>
-          </p:cNvSpPr>
-          <p:nvPr>
-            <p:ph type="title"/>
-          </p:nvPr>
-        </p:nvSpPr>
-        <p:spPr/>
-        <p:txBody>
-          <a:bodyPr/>
-          <a:lstStyle/>
-          <a:p>
-            <a:r>
-              <a:rPr lang="en-US" dirty="0"/>
-              <a:t>Related Classes</a:t>
-            </a:r>
-          </a:p>
-        </p:txBody>
-      </p:sp>
-      <p:sp>
-        <p:nvSpPr>
-          <p:cNvPr id="6" name="Text Placeholder 5"/>
-          <p:cNvSpPr>
-            <a:spLocks noGrp="1"/>
-          </p:cNvSpPr>
-          <p:nvPr>
-            <p:ph type="body" sz="quarter" idx="10"/>
-          </p:nvPr>
-        </p:nvSpPr>
-        <p:spPr/>
-        <p:txBody>
-          <a:bodyPr/>
-          <a:lstStyle/>
-          <a:p>
-            <a:r>
-              <a:rPr lang="en-US" dirty="0" smtClean="0"/>
-              <a:t>Tableau </a:t>
-            </a:r>
-            <a:r>
-              <a:rPr lang="en-US" dirty="0"/>
-              <a:t>Desktop Level 1: </a:t>
-            </a:r>
-            <a:r>
-              <a:rPr lang="en-US" dirty="0" smtClean="0"/>
-              <a:t>Introduction</a:t>
-            </a:r>
-          </a:p>
-          <a:p>
-            <a:r>
-              <a:rPr lang="en-US" dirty="0" smtClean="0"/>
-              <a:t>Tableau </a:t>
-            </a:r>
-            <a:r>
-              <a:rPr lang="en-US" dirty="0"/>
-              <a:t>Desktop Level 2: </a:t>
-            </a:r>
-            <a:r>
-              <a:rPr lang="en-US" dirty="0" smtClean="0"/>
-              <a:t>Intermediate</a:t>
-            </a:r>
-          </a:p>
-          <a:p>
-            <a:r>
-              <a:rPr lang="en-US" dirty="0" smtClean="0"/>
-              <a:t>Tableau </a:t>
-            </a:r>
-            <a:r>
-              <a:rPr lang="en-US" dirty="0"/>
-              <a:t>Desktop Level 3: </a:t>
-            </a:r>
-            <a:r>
-              <a:rPr lang="en-US" dirty="0" smtClean="0"/>
-              <a:t>Advanced</a:t>
-            </a:r>
-          </a:p>
-          <a:p>
-            <a:r>
-              <a:rPr lang="en-US" dirty="0" smtClean="0"/>
-              <a:t>Tableau </a:t>
-            </a:r>
-            <a:r>
-              <a:rPr lang="en-US" dirty="0"/>
-              <a:t>Data Visualizations</a:t>
-            </a:r>
-            <a:endParaRPr lang="en-US" dirty="0"/>
-          </a:p>
-        </p:txBody>
-      </p:sp>
-      <p:sp>
-        <p:nvSpPr>
-          <p:cNvPr id="3" name="Slide Number Placeholder 2"/>
-          <p:cNvSpPr>
-            <a:spLocks noGrp="1"/>
-          </p:cNvSpPr>
-          <p:nvPr>
-            <p:ph type="sldNum" sz="quarter" idx="4294967295"/>
-          </p:nvPr>
-        </p:nvSpPr>
-        <p:spPr/>
-        <p:txBody>
-          <a:bodyPr/>
-          <a:lstStyle/>
-          <a:p>
-            <a:fld id="{D814DA60-3BEE-4BCE-BEDB-E433FD970963}" type="slidenum">
-              <a:rPr lang="en-US" smtClean="0"/>
-              <a:pPr/>
-              <a:t>8</a:t>
-            </a:fld>
-            <a:endParaRPr lang="en-US" dirty="0"/>
-          </a:p>
-        </p:txBody>
-      </p:sp>
-    </p:spTree>
-    <p:extLst>
-      <p:ext uri="{BB962C8B-B14F-4D97-AF65-F5344CB8AC3E}">
-        <p14:creationId xmlns:p14="http://schemas.microsoft.com/office/powerpoint/2010/main" val="3063254713"/>
-      </p:ext>
-    </p:extLst>
-  </p:cSld>
-  <p:clrMapOvr>
-    <a:masterClrMapping/>
-  </p:clrMapOvr>
-  <p:timing>
-    <p:tnLst>
-      <p:par>
-        <p:cTn id="1" dur="indefinite" restart="never" nodeType="tmRoot"/>
-      </p:par>
-    </p:tnLst>
-  </p:timing>
-</p:sld>
-</file>
-
-<file path=ppt/slides/slide80.xml><?xml version="1.0" encoding="utf-8"?>
+<file path=ppt/slides/slide81.xml><?xml version="1.0" encoding="utf-8"?>
 <p:sld xmlns:a="http://schemas.openxmlformats.org/drawingml/2006/main" xmlns:r="http://schemas.openxmlformats.org/officeDocument/2006/relationships" xmlns:p="http://schemas.openxmlformats.org/presentationml/2006/main">
   <p:cSld>
     <p:spTree>
@@ -37024,7 +39541,7 @@
 </p:sld>
 </file>
 
-<file path=ppt/slides/slide81.xml><?xml version="1.0" encoding="utf-8"?>
+<file path=ppt/slides/slide82.xml><?xml version="1.0" encoding="utf-8"?>
 <p:sld xmlns:a="http://schemas.openxmlformats.org/drawingml/2006/main" xmlns:r="http://schemas.openxmlformats.org/officeDocument/2006/relationships" xmlns:p="http://schemas.openxmlformats.org/presentationml/2006/main">
   <p:cSld>
     <p:spTree>
@@ -37181,7 +39698,7 @@
 </p:sld>
 </file>
 
-<file path=ppt/slides/slide82.xml><?xml version="1.0" encoding="utf-8"?>
+<file path=ppt/slides/slide83.xml><?xml version="1.0" encoding="utf-8"?>
 <p:sld xmlns:a="http://schemas.openxmlformats.org/drawingml/2006/main" xmlns:r="http://schemas.openxmlformats.org/officeDocument/2006/relationships" xmlns:p="http://schemas.openxmlformats.org/presentationml/2006/main">
   <p:cSld>
     <p:spTree>
@@ -37351,154 +39868,6 @@
 </p:sld>
 </file>
 
-<file path=ppt/slides/slide83.xml><?xml version="1.0" encoding="utf-8"?>
-<p:sld xmlns:a="http://schemas.openxmlformats.org/drawingml/2006/main" xmlns:r="http://schemas.openxmlformats.org/officeDocument/2006/relationships" xmlns:p="http://schemas.openxmlformats.org/presentationml/2006/main">
-  <p:cSld>
-    <p:spTree>
-      <p:nvGrpSpPr>
-        <p:cNvPr id="1" name=""/>
-        <p:cNvGrpSpPr/>
-        <p:nvPr/>
-      </p:nvGrpSpPr>
-      <p:grpSpPr>
-        <a:xfrm>
-          <a:off x="0" y="0"/>
-          <a:ext cx="0" cy="0"/>
-          <a:chOff x="0" y="0"/>
-          <a:chExt cx="0" cy="0"/>
-        </a:xfrm>
-      </p:grpSpPr>
-      <p:sp>
-        <p:nvSpPr>
-          <p:cNvPr id="2" name="Subtitle 1">
-            <a:extLst>
-              <a:ext uri="{FF2B5EF4-FFF2-40B4-BE49-F238E27FC236}">
-                <a16:creationId xmlns:a16="http://schemas.microsoft.com/office/drawing/2014/main" id="{A439E777-8114-4C67-9651-AB51CE460424}"/>
-              </a:ext>
-            </a:extLst>
-          </p:cNvPr>
-          <p:cNvSpPr>
-            <a:spLocks noGrp="1"/>
-          </p:cNvSpPr>
-          <p:nvPr>
-            <p:ph type="subTitle" idx="1"/>
-          </p:nvPr>
-        </p:nvSpPr>
-        <p:spPr/>
-        <p:txBody>
-          <a:bodyPr/>
-          <a:lstStyle/>
-          <a:p>
-            <a:pPr marL="342900" indent="-342900">
-              <a:buFont typeface="Arial" panose="020B0604020202020204" pitchFamily="34" charset="0"/>
-              <a:buChar char="•"/>
-            </a:pPr>
-            <a:r>
-              <a:rPr lang="en-US" dirty="0"/>
-              <a:t>Exercise 6.1: pp. 79-89</a:t>
-            </a:r>
-          </a:p>
-          <a:p>
-            <a:pPr marL="342900" indent="-342900">
-              <a:buFont typeface="Arial" panose="020B0604020202020204" pitchFamily="34" charset="0"/>
-              <a:buChar char="•"/>
-            </a:pPr>
-            <a:r>
-              <a:rPr lang="en-US" dirty="0"/>
-              <a:t>Exercise 7.1: pp. 91-94</a:t>
-            </a:r>
-          </a:p>
-          <a:p>
-            <a:pPr marL="342900" indent="-342900">
-              <a:buFont typeface="Arial" panose="020B0604020202020204" pitchFamily="34" charset="0"/>
-              <a:buChar char="•"/>
-            </a:pPr>
-            <a:r>
-              <a:rPr lang="en-US" dirty="0"/>
-              <a:t>Exercise 7.2: pp. 94-104</a:t>
-            </a:r>
-          </a:p>
-          <a:p>
-            <a:pPr marL="342900" indent="-342900">
-              <a:buFont typeface="Arial" panose="020B0604020202020204" pitchFamily="34" charset="0"/>
-              <a:buChar char="•"/>
-            </a:pPr>
-            <a:r>
-              <a:rPr lang="en-US" dirty="0"/>
-              <a:t>Exercise 7.3: pp. 105, 110-118</a:t>
-            </a:r>
-          </a:p>
-        </p:txBody>
-      </p:sp>
-      <p:sp>
-        <p:nvSpPr>
-          <p:cNvPr id="3" name="Text Placeholder 2">
-            <a:extLst>
-              <a:ext uri="{FF2B5EF4-FFF2-40B4-BE49-F238E27FC236}">
-                <a16:creationId xmlns:a16="http://schemas.microsoft.com/office/drawing/2014/main" id="{0E71895F-EE2C-48F3-9B62-E0FB864298C9}"/>
-              </a:ext>
-            </a:extLst>
-          </p:cNvPr>
-          <p:cNvSpPr>
-            <a:spLocks noGrp="1"/>
-          </p:cNvSpPr>
-          <p:nvPr>
-            <p:ph type="body" sz="quarter" idx="11"/>
-          </p:nvPr>
-        </p:nvSpPr>
-        <p:spPr/>
-        <p:txBody>
-          <a:bodyPr/>
-          <a:lstStyle/>
-          <a:p>
-            <a:r>
-              <a:rPr lang="en-US" dirty="0"/>
-              <a:t>45 Minutes</a:t>
-            </a:r>
-          </a:p>
-        </p:txBody>
-      </p:sp>
-      <p:sp>
-        <p:nvSpPr>
-          <p:cNvPr id="4" name="Title 3">
-            <a:extLst>
-              <a:ext uri="{FF2B5EF4-FFF2-40B4-BE49-F238E27FC236}">
-                <a16:creationId xmlns:a16="http://schemas.microsoft.com/office/drawing/2014/main" id="{C07AA40D-746C-46A7-A1DA-66CDD43B4BEA}"/>
-              </a:ext>
-            </a:extLst>
-          </p:cNvPr>
-          <p:cNvSpPr>
-            <a:spLocks noGrp="1"/>
-          </p:cNvSpPr>
-          <p:nvPr>
-            <p:ph type="title"/>
-          </p:nvPr>
-        </p:nvSpPr>
-        <p:spPr/>
-        <p:txBody>
-          <a:bodyPr/>
-          <a:lstStyle/>
-          <a:p>
-            <a:r>
-              <a:rPr lang="en-US" dirty="0"/>
-              <a:t>Lab 5: Auditing and Filtering</a:t>
-            </a:r>
-          </a:p>
-        </p:txBody>
-      </p:sp>
-    </p:spTree>
-    <p:extLst>
-      <p:ext uri="{BB962C8B-B14F-4D97-AF65-F5344CB8AC3E}">
-        <p14:creationId xmlns:p14="http://schemas.microsoft.com/office/powerpoint/2010/main" val="2508201423"/>
-      </p:ext>
-    </p:extLst>
-  </p:cSld>
-  <p:clrMapOvr>
-    <a:masterClrMapping/>
-  </p:clrMapOvr>
-</p:sld>
-</file>
-
 <file path=ppt/slides/slide84.xml><?xml version="1.0" encoding="utf-8"?>
 <p:sld xmlns:a="http://schemas.openxmlformats.org/drawingml/2006/main" xmlns:r="http://schemas.openxmlformats.org/officeDocument/2006/relationships" xmlns:p="http://schemas.openxmlformats.org/presentationml/2006/main">
   <p:cSld>
@@ -37518,10 +39887,10 @@
       </p:grpSpPr>
       <p:sp>
         <p:nvSpPr>
-          <p:cNvPr id="2" name="Title 1">
+          <p:cNvPr id="2" name="Subtitle 1">
             <a:extLst>
               <a:ext uri="{FF2B5EF4-FFF2-40B4-BE49-F238E27FC236}">
-                <a16:creationId xmlns:a16="http://schemas.microsoft.com/office/drawing/2014/main" id="{C3A4853A-6621-BF48-99C0-CF9E50FA3A1F}"/>
+                <a16:creationId xmlns:a16="http://schemas.microsoft.com/office/drawing/2014/main" id="{A439E777-8114-4C67-9651-AB51CE460424}"/>
               </a:ext>
             </a:extLst>
           </p:cNvPr>
@@ -37529,7 +39898,7 @@
             <a:spLocks noGrp="1"/>
           </p:cNvSpPr>
           <p:nvPr>
-            <p:ph type="title"/>
+            <p:ph type="subTitle" idx="1"/>
           </p:nvPr>
         </p:nvSpPr>
         <p:spPr/>
@@ -37537,9 +39906,99 @@
           <a:bodyPr/>
           <a:lstStyle/>
           <a:p>
+            <a:pPr marL="342900" indent="-342900">
+              <a:buFont typeface="Arial" panose="020B0604020202020204" pitchFamily="34" charset="0"/>
+              <a:buChar char="•"/>
+            </a:pPr>
             <a:r>
               <a:rPr lang="en-US" dirty="0"/>
-              <a:t>Module 6: Group and Replace</a:t>
+              <a:t>Exercise 6.1: pp. 79-89</a:t>
+            </a:r>
+          </a:p>
+          <a:p>
+            <a:pPr marL="342900" indent="-342900">
+              <a:buFont typeface="Arial" panose="020B0604020202020204" pitchFamily="34" charset="0"/>
+              <a:buChar char="•"/>
+            </a:pPr>
+            <a:r>
+              <a:rPr lang="en-US" dirty="0"/>
+              <a:t>Exercise 7.1: pp. 91-94</a:t>
+            </a:r>
+          </a:p>
+          <a:p>
+            <a:pPr marL="342900" indent="-342900">
+              <a:buFont typeface="Arial" panose="020B0604020202020204" pitchFamily="34" charset="0"/>
+              <a:buChar char="•"/>
+            </a:pPr>
+            <a:r>
+              <a:rPr lang="en-US" dirty="0"/>
+              <a:t>Exercise 7.2: pp. 94-104</a:t>
+            </a:r>
+          </a:p>
+          <a:p>
+            <a:pPr marL="342900" indent="-342900">
+              <a:buFont typeface="Arial" panose="020B0604020202020204" pitchFamily="34" charset="0"/>
+              <a:buChar char="•"/>
+            </a:pPr>
+            <a:r>
+              <a:rPr lang="en-US" dirty="0"/>
+              <a:t>Exercise 7.3: pp. 105, 110-118</a:t>
+            </a:r>
+          </a:p>
+        </p:txBody>
+      </p:sp>
+      <p:sp>
+        <p:nvSpPr>
+          <p:cNvPr id="3" name="Text Placeholder 2">
+            <a:extLst>
+              <a:ext uri="{FF2B5EF4-FFF2-40B4-BE49-F238E27FC236}">
+                <a16:creationId xmlns:a16="http://schemas.microsoft.com/office/drawing/2014/main" id="{0E71895F-EE2C-48F3-9B62-E0FB864298C9}"/>
+              </a:ext>
+            </a:extLst>
+          </p:cNvPr>
+          <p:cNvSpPr>
+            <a:spLocks noGrp="1"/>
+          </p:cNvSpPr>
+          <p:nvPr>
+            <p:ph type="body" sz="quarter" idx="11"/>
+          </p:nvPr>
+        </p:nvSpPr>
+        <p:spPr/>
+        <p:txBody>
+          <a:bodyPr/>
+          <a:lstStyle/>
+          <a:p>
+            <a:r>
+              <a:rPr lang="en-US" dirty="0"/>
+              <a:t>45 Minutes</a:t>
+            </a:r>
+          </a:p>
+        </p:txBody>
+      </p:sp>
+      <p:sp>
+        <p:nvSpPr>
+          <p:cNvPr id="4" name="Title 3">
+            <a:extLst>
+              <a:ext uri="{FF2B5EF4-FFF2-40B4-BE49-F238E27FC236}">
+                <a16:creationId xmlns:a16="http://schemas.microsoft.com/office/drawing/2014/main" id="{C07AA40D-746C-46A7-A1DA-66CDD43B4BEA}"/>
+              </a:ext>
+            </a:extLst>
+          </p:cNvPr>
+          <p:cNvSpPr>
+            <a:spLocks noGrp="1"/>
+          </p:cNvSpPr>
+          <p:nvPr>
+            <p:ph type="title"/>
+          </p:nvPr>
+        </p:nvSpPr>
+        <p:spPr/>
+        <p:txBody>
+          <a:bodyPr/>
+          <a:lstStyle/>
+          <a:p>
+            <a:r>
+              <a:rPr lang="en-US" dirty="0"/>
+              <a:t>Lab 5: Auditing and Filtering</a:t>
             </a:r>
           </a:p>
         </p:txBody>
@@ -37547,7 +40006,7 @@
     </p:spTree>
     <p:extLst>
       <p:ext uri="{BB962C8B-B14F-4D97-AF65-F5344CB8AC3E}">
-        <p14:creationId xmlns:p14="http://schemas.microsoft.com/office/powerpoint/2010/main" val="3911395177"/>
+        <p14:creationId xmlns:p14="http://schemas.microsoft.com/office/powerpoint/2010/main" val="2508201423"/>
       </p:ext>
     </p:extLst>
   </p:cSld>
@@ -37579,6 +40038,64 @@
           <p:cNvPr id="2" name="Title 1">
             <a:extLst>
               <a:ext uri="{FF2B5EF4-FFF2-40B4-BE49-F238E27FC236}">
+                <a16:creationId xmlns:a16="http://schemas.microsoft.com/office/drawing/2014/main" id="{C3A4853A-6621-BF48-99C0-CF9E50FA3A1F}"/>
+              </a:ext>
+            </a:extLst>
+          </p:cNvPr>
+          <p:cNvSpPr>
+            <a:spLocks noGrp="1"/>
+          </p:cNvSpPr>
+          <p:nvPr>
+            <p:ph type="title"/>
+          </p:nvPr>
+        </p:nvSpPr>
+        <p:spPr/>
+        <p:txBody>
+          <a:bodyPr/>
+          <a:lstStyle/>
+          <a:p>
+            <a:r>
+              <a:rPr lang="en-US" dirty="0"/>
+              <a:t>Module 6: Group and Replace</a:t>
+            </a:r>
+          </a:p>
+        </p:txBody>
+      </p:sp>
+    </p:spTree>
+    <p:extLst>
+      <p:ext uri="{BB962C8B-B14F-4D97-AF65-F5344CB8AC3E}">
+        <p14:creationId xmlns:p14="http://schemas.microsoft.com/office/powerpoint/2010/main" val="3911395177"/>
+      </p:ext>
+    </p:extLst>
+  </p:cSld>
+  <p:clrMapOvr>
+    <a:masterClrMapping/>
+  </p:clrMapOvr>
+</p:sld>
+</file>
+
+<file path=ppt/slides/slide86.xml><?xml version="1.0" encoding="utf-8"?>
+<p:sld xmlns:a="http://schemas.openxmlformats.org/drawingml/2006/main" xmlns:r="http://schemas.openxmlformats.org/officeDocument/2006/relationships" xmlns:p="http://schemas.openxmlformats.org/presentationml/2006/main">
+  <p:cSld>
+    <p:spTree>
+      <p:nvGrpSpPr>
+        <p:cNvPr id="1" name=""/>
+        <p:cNvGrpSpPr/>
+        <p:nvPr/>
+      </p:nvGrpSpPr>
+      <p:grpSpPr>
+        <a:xfrm>
+          <a:off x="0" y="0"/>
+          <a:ext cx="0" cy="0"/>
+          <a:chOff x="0" y="0"/>
+          <a:chExt cx="0" cy="0"/>
+        </a:xfrm>
+      </p:grpSpPr>
+      <p:sp>
+        <p:nvSpPr>
+          <p:cNvPr id="2" name="Title 1">
+            <a:extLst>
+              <a:ext uri="{FF2B5EF4-FFF2-40B4-BE49-F238E27FC236}">
                 <a16:creationId xmlns:a16="http://schemas.microsoft.com/office/drawing/2014/main" id="{3480EC15-00FE-FC41-ADF7-549E87A4B4F2}"/>
               </a:ext>
             </a:extLst>
@@ -37640,7 +40157,7 @@
 </p:sld>
 </file>
 
-<file path=ppt/slides/slide86.xml><?xml version="1.0" encoding="utf-8"?>
+<file path=ppt/slides/slide87.xml><?xml version="1.0" encoding="utf-8"?>
 <p:sld xmlns:a="http://schemas.openxmlformats.org/drawingml/2006/main" xmlns:r="http://schemas.openxmlformats.org/officeDocument/2006/relationships" xmlns:p="http://schemas.openxmlformats.org/presentationml/2006/main">
   <p:cSld>
     <p:spTree>
@@ -37872,7 +40389,7 @@
 </p:sld>
 </file>
 
-<file path=ppt/slides/slide87.xml><?xml version="1.0" encoding="utf-8"?>
+<file path=ppt/slides/slide88.xml><?xml version="1.0" encoding="utf-8"?>
 <p:sld xmlns:a="http://schemas.openxmlformats.org/drawingml/2006/main" xmlns:r="http://schemas.openxmlformats.org/officeDocument/2006/relationships" xmlns:p="http://schemas.openxmlformats.org/presentationml/2006/main">
   <p:cSld>
     <p:spTree>
@@ -38005,7 +40522,7 @@
 </p:sld>
 </file>
 
-<file path=ppt/slides/slide88.xml><?xml version="1.0" encoding="utf-8"?>
+<file path=ppt/slides/slide89.xml><?xml version="1.0" encoding="utf-8"?>
 <p:sld xmlns:a="http://schemas.openxmlformats.org/drawingml/2006/main" xmlns:r="http://schemas.openxmlformats.org/officeDocument/2006/relationships" xmlns:p="http://schemas.openxmlformats.org/presentationml/2006/main">
   <p:cSld>
     <p:spTree>
@@ -38143,7 +40660,104 @@
 </p:sld>
 </file>
 
-<file path=ppt/slides/slide89.xml><?xml version="1.0" encoding="utf-8"?>
+<file path=ppt/slides/slide9.xml><?xml version="1.0" encoding="utf-8"?>
+<p:sld xmlns:a="http://schemas.openxmlformats.org/drawingml/2006/main" xmlns:r="http://schemas.openxmlformats.org/officeDocument/2006/relationships" xmlns:p="http://schemas.openxmlformats.org/presentationml/2006/main">
+  <p:cSld>
+    <p:spTree>
+      <p:nvGrpSpPr>
+        <p:cNvPr id="1" name=""/>
+        <p:cNvGrpSpPr/>
+        <p:nvPr/>
+      </p:nvGrpSpPr>
+      <p:grpSpPr>
+        <a:xfrm>
+          <a:off x="0" y="0"/>
+          <a:ext cx="0" cy="0"/>
+          <a:chOff x="0" y="0"/>
+          <a:chExt cx="0" cy="0"/>
+        </a:xfrm>
+      </p:grpSpPr>
+      <p:sp>
+        <p:nvSpPr>
+          <p:cNvPr id="7" name="Title 6"/>
+          <p:cNvSpPr>
+            <a:spLocks noGrp="1"/>
+          </p:cNvSpPr>
+          <p:nvPr>
+            <p:ph type="ctrTitle"/>
+          </p:nvPr>
+        </p:nvSpPr>
+        <p:spPr/>
+        <p:txBody>
+          <a:bodyPr/>
+          <a:lstStyle/>
+          <a:p>
+            <a:r>
+              <a:rPr lang="en-US" dirty="0"/>
+              <a:t>Questions?</a:t>
+            </a:r>
+          </a:p>
+        </p:txBody>
+      </p:sp>
+      <p:sp>
+        <p:nvSpPr>
+          <p:cNvPr id="9" name="Subtitle 8"/>
+          <p:cNvSpPr>
+            <a:spLocks noGrp="1"/>
+          </p:cNvSpPr>
+          <p:nvPr>
+            <p:ph type="subTitle" idx="1"/>
+          </p:nvPr>
+        </p:nvSpPr>
+        <p:spPr/>
+        <p:txBody>
+          <a:bodyPr/>
+          <a:lstStyle/>
+          <a:p>
+            <a:endParaRPr lang="en-US"/>
+          </a:p>
+        </p:txBody>
+      </p:sp>
+      <p:sp>
+        <p:nvSpPr>
+          <p:cNvPr id="3" name="Slide Number Placeholder 2"/>
+          <p:cNvSpPr>
+            <a:spLocks noGrp="1"/>
+          </p:cNvSpPr>
+          <p:nvPr>
+            <p:ph type="sldNum" sz="quarter" idx="4294967295"/>
+          </p:nvPr>
+        </p:nvSpPr>
+        <p:spPr/>
+        <p:txBody>
+          <a:bodyPr/>
+          <a:lstStyle/>
+          <a:p>
+            <a:endParaRPr lang="en-US" dirty="0"/>
+          </a:p>
+        </p:txBody>
+      </p:sp>
+    </p:spTree>
+    <p:extLst>
+      <p:ext uri="{BB962C8B-B14F-4D97-AF65-F5344CB8AC3E}">
+        <p14:creationId xmlns:p14="http://schemas.microsoft.com/office/powerpoint/2010/main" val="241932701"/>
+      </p:ext>
+    </p:extLst>
+  </p:cSld>
+  <p:clrMapOvr>
+    <a:masterClrMapping/>
+  </p:clrMapOvr>
+  <p:timing>
+    <p:tnLst>
+      <p:par>
+        <p:cTn id="1" dur="indefinite" restart="never" nodeType="tmRoot"/>
+      </p:par>
+    </p:tnLst>
+  </p:timing>
+</p:sld>
+</file>
+
+<file path=ppt/slides/slide90.xml><?xml version="1.0" encoding="utf-8"?>
 <p:sld xmlns:a="http://schemas.openxmlformats.org/drawingml/2006/main" xmlns:r="http://schemas.openxmlformats.org/officeDocument/2006/relationships" xmlns:p="http://schemas.openxmlformats.org/presentationml/2006/main">
   <p:cSld>
     <p:spTree>
@@ -38264,221 +40878,6 @@
 </p:sld>
 </file>
 
-<file path=ppt/slides/slide9.xml><?xml version="1.0" encoding="utf-8"?>
-<p:sld xmlns:a="http://schemas.openxmlformats.org/drawingml/2006/main" xmlns:r="http://schemas.openxmlformats.org/officeDocument/2006/relationships" xmlns:p="http://schemas.openxmlformats.org/presentationml/2006/main">
-  <p:cSld>
-    <p:spTree>
-      <p:nvGrpSpPr>
-        <p:cNvPr id="1" name=""/>
-        <p:cNvGrpSpPr/>
-        <p:nvPr/>
-      </p:nvGrpSpPr>
-      <p:grpSpPr>
-        <a:xfrm>
-          <a:off x="0" y="0"/>
-          <a:ext cx="0" cy="0"/>
-          <a:chOff x="0" y="0"/>
-          <a:chExt cx="0" cy="0"/>
-        </a:xfrm>
-      </p:grpSpPr>
-      <p:sp>
-        <p:nvSpPr>
-          <p:cNvPr id="7" name="Title 6"/>
-          <p:cNvSpPr>
-            <a:spLocks noGrp="1"/>
-          </p:cNvSpPr>
-          <p:nvPr>
-            <p:ph type="ctrTitle"/>
-          </p:nvPr>
-        </p:nvSpPr>
-        <p:spPr/>
-        <p:txBody>
-          <a:bodyPr/>
-          <a:lstStyle/>
-          <a:p>
-            <a:r>
-              <a:rPr lang="en-US" dirty="0"/>
-              <a:t>Questions?</a:t>
-            </a:r>
-          </a:p>
-        </p:txBody>
-      </p:sp>
-      <p:sp>
-        <p:nvSpPr>
-          <p:cNvPr id="9" name="Subtitle 8"/>
-          <p:cNvSpPr>
-            <a:spLocks noGrp="1"/>
-          </p:cNvSpPr>
-          <p:nvPr>
-            <p:ph type="subTitle" idx="1"/>
-          </p:nvPr>
-        </p:nvSpPr>
-        <p:spPr/>
-        <p:txBody>
-          <a:bodyPr/>
-          <a:lstStyle/>
-          <a:p>
-            <a:endParaRPr lang="en-US"/>
-          </a:p>
-        </p:txBody>
-      </p:sp>
-      <p:sp>
-        <p:nvSpPr>
-          <p:cNvPr id="3" name="Slide Number Placeholder 2"/>
-          <p:cNvSpPr>
-            <a:spLocks noGrp="1"/>
-          </p:cNvSpPr>
-          <p:nvPr>
-            <p:ph type="sldNum" sz="quarter" idx="4294967295"/>
-          </p:nvPr>
-        </p:nvSpPr>
-        <p:spPr/>
-        <p:txBody>
-          <a:bodyPr/>
-          <a:lstStyle/>
-          <a:p>
-            <a:endParaRPr lang="en-US" dirty="0"/>
-          </a:p>
-        </p:txBody>
-      </p:sp>
-    </p:spTree>
-    <p:extLst>
-      <p:ext uri="{BB962C8B-B14F-4D97-AF65-F5344CB8AC3E}">
-        <p14:creationId xmlns:p14="http://schemas.microsoft.com/office/powerpoint/2010/main" val="241932701"/>
-      </p:ext>
-    </p:extLst>
-  </p:cSld>
-  <p:clrMapOvr>
-    <a:masterClrMapping/>
-  </p:clrMapOvr>
-  <p:timing>
-    <p:tnLst>
-      <p:par>
-        <p:cTn id="1" dur="indefinite" restart="never" nodeType="tmRoot"/>
-      </p:par>
-    </p:tnLst>
-  </p:timing>
-</p:sld>
-</file>
-
-<file path=ppt/slides/slide90.xml><?xml version="1.0" encoding="utf-8"?>
-<p:sld xmlns:a="http://schemas.openxmlformats.org/drawingml/2006/main" xmlns:r="http://schemas.openxmlformats.org/officeDocument/2006/relationships" xmlns:p="http://schemas.openxmlformats.org/presentationml/2006/main">
-  <p:cSld>
-    <p:spTree>
-      <p:nvGrpSpPr>
-        <p:cNvPr id="1" name=""/>
-        <p:cNvGrpSpPr/>
-        <p:nvPr/>
-      </p:nvGrpSpPr>
-      <p:grpSpPr>
-        <a:xfrm>
-          <a:off x="0" y="0"/>
-          <a:ext cx="0" cy="0"/>
-          <a:chOff x="0" y="0"/>
-          <a:chExt cx="0" cy="0"/>
-        </a:xfrm>
-      </p:grpSpPr>
-      <p:sp>
-        <p:nvSpPr>
-          <p:cNvPr id="2" name="Subtitle 1">
-            <a:extLst>
-              <a:ext uri="{FF2B5EF4-FFF2-40B4-BE49-F238E27FC236}">
-                <a16:creationId xmlns:a16="http://schemas.microsoft.com/office/drawing/2014/main" id="{07EF8D3E-4F42-45AE-873D-02C29E857AB0}"/>
-              </a:ext>
-            </a:extLst>
-          </p:cNvPr>
-          <p:cNvSpPr>
-            <a:spLocks noGrp="1"/>
-          </p:cNvSpPr>
-          <p:nvPr>
-            <p:ph type="subTitle" idx="1"/>
-          </p:nvPr>
-        </p:nvSpPr>
-        <p:spPr/>
-        <p:txBody>
-          <a:bodyPr/>
-          <a:lstStyle/>
-          <a:p>
-            <a:pPr marL="342900" indent="-342900">
-              <a:buFont typeface="Arial" panose="020B0604020202020204" pitchFamily="34" charset="0"/>
-              <a:buChar char="•"/>
-            </a:pPr>
-            <a:r>
-              <a:rPr lang="en-US" dirty="0"/>
-              <a:t>Follow instructions on pp. 123-129</a:t>
-            </a:r>
-          </a:p>
-        </p:txBody>
-      </p:sp>
-      <p:sp>
-        <p:nvSpPr>
-          <p:cNvPr id="3" name="Text Placeholder 2">
-            <a:extLst>
-              <a:ext uri="{FF2B5EF4-FFF2-40B4-BE49-F238E27FC236}">
-                <a16:creationId xmlns:a16="http://schemas.microsoft.com/office/drawing/2014/main" id="{14B99462-05B1-4D66-BC2A-B42EA59706CB}"/>
-              </a:ext>
-            </a:extLst>
-          </p:cNvPr>
-          <p:cNvSpPr>
-            <a:spLocks noGrp="1"/>
-          </p:cNvSpPr>
-          <p:nvPr>
-            <p:ph type="body" sz="quarter" idx="11"/>
-          </p:nvPr>
-        </p:nvSpPr>
-        <p:spPr/>
-        <p:txBody>
-          <a:bodyPr/>
-          <a:lstStyle/>
-          <a:p>
-            <a:r>
-              <a:rPr lang="en-US" dirty="0"/>
-              <a:t>15 minutes</a:t>
-            </a:r>
-          </a:p>
-        </p:txBody>
-      </p:sp>
-      <p:sp>
-        <p:nvSpPr>
-          <p:cNvPr id="4" name="Title 3">
-            <a:extLst>
-              <a:ext uri="{FF2B5EF4-FFF2-40B4-BE49-F238E27FC236}">
-                <a16:creationId xmlns:a16="http://schemas.microsoft.com/office/drawing/2014/main" id="{04D7B03E-9D97-45B8-8106-32D722231C4F}"/>
-              </a:ext>
-            </a:extLst>
-          </p:cNvPr>
-          <p:cNvSpPr>
-            <a:spLocks noGrp="1"/>
-          </p:cNvSpPr>
-          <p:nvPr>
-            <p:ph type="title"/>
-          </p:nvPr>
-        </p:nvSpPr>
-        <p:spPr/>
-        <p:txBody>
-          <a:bodyPr/>
-          <a:lstStyle/>
-          <a:p>
-            <a:r>
-              <a:rPr lang="en-US" dirty="0"/>
-              <a:t>Lab 6: Group and Replace</a:t>
-            </a:r>
-          </a:p>
-        </p:txBody>
-      </p:sp>
-    </p:spTree>
-    <p:extLst>
-      <p:ext uri="{BB962C8B-B14F-4D97-AF65-F5344CB8AC3E}">
-        <p14:creationId xmlns:p14="http://schemas.microsoft.com/office/powerpoint/2010/main" val="2505969754"/>
-      </p:ext>
-    </p:extLst>
-  </p:cSld>
-  <p:clrMapOvr>
-    <a:masterClrMapping/>
-  </p:clrMapOvr>
-</p:sld>
-</file>
-
 <file path=ppt/slides/slide91.xml><?xml version="1.0" encoding="utf-8"?>
 <p:sld xmlns:a="http://schemas.openxmlformats.org/drawingml/2006/main" xmlns:r="http://schemas.openxmlformats.org/officeDocument/2006/relationships" xmlns:p="http://schemas.openxmlformats.org/presentationml/2006/main">
   <p:cSld>
@@ -38498,6 +40897,124 @@
       </p:grpSpPr>
       <p:sp>
         <p:nvSpPr>
+          <p:cNvPr id="2" name="Subtitle 1">
+            <a:extLst>
+              <a:ext uri="{FF2B5EF4-FFF2-40B4-BE49-F238E27FC236}">
+                <a16:creationId xmlns:a16="http://schemas.microsoft.com/office/drawing/2014/main" id="{07EF8D3E-4F42-45AE-873D-02C29E857AB0}"/>
+              </a:ext>
+            </a:extLst>
+          </p:cNvPr>
+          <p:cNvSpPr>
+            <a:spLocks noGrp="1"/>
+          </p:cNvSpPr>
+          <p:nvPr>
+            <p:ph type="subTitle" idx="1"/>
+          </p:nvPr>
+        </p:nvSpPr>
+        <p:spPr/>
+        <p:txBody>
+          <a:bodyPr/>
+          <a:lstStyle/>
+          <a:p>
+            <a:pPr marL="342900" indent="-342900">
+              <a:buFont typeface="Arial" panose="020B0604020202020204" pitchFamily="34" charset="0"/>
+              <a:buChar char="•"/>
+            </a:pPr>
+            <a:r>
+              <a:rPr lang="en-US" dirty="0"/>
+              <a:t>Follow instructions on pp. 123-129</a:t>
+            </a:r>
+          </a:p>
+        </p:txBody>
+      </p:sp>
+      <p:sp>
+        <p:nvSpPr>
+          <p:cNvPr id="3" name="Text Placeholder 2">
+            <a:extLst>
+              <a:ext uri="{FF2B5EF4-FFF2-40B4-BE49-F238E27FC236}">
+                <a16:creationId xmlns:a16="http://schemas.microsoft.com/office/drawing/2014/main" id="{14B99462-05B1-4D66-BC2A-B42EA59706CB}"/>
+              </a:ext>
+            </a:extLst>
+          </p:cNvPr>
+          <p:cNvSpPr>
+            <a:spLocks noGrp="1"/>
+          </p:cNvSpPr>
+          <p:nvPr>
+            <p:ph type="body" sz="quarter" idx="11"/>
+          </p:nvPr>
+        </p:nvSpPr>
+        <p:spPr/>
+        <p:txBody>
+          <a:bodyPr/>
+          <a:lstStyle/>
+          <a:p>
+            <a:r>
+              <a:rPr lang="en-US" dirty="0"/>
+              <a:t>15 minutes</a:t>
+            </a:r>
+          </a:p>
+        </p:txBody>
+      </p:sp>
+      <p:sp>
+        <p:nvSpPr>
+          <p:cNvPr id="4" name="Title 3">
+            <a:extLst>
+              <a:ext uri="{FF2B5EF4-FFF2-40B4-BE49-F238E27FC236}">
+                <a16:creationId xmlns:a16="http://schemas.microsoft.com/office/drawing/2014/main" id="{04D7B03E-9D97-45B8-8106-32D722231C4F}"/>
+              </a:ext>
+            </a:extLst>
+          </p:cNvPr>
+          <p:cNvSpPr>
+            <a:spLocks noGrp="1"/>
+          </p:cNvSpPr>
+          <p:nvPr>
+            <p:ph type="title"/>
+          </p:nvPr>
+        </p:nvSpPr>
+        <p:spPr/>
+        <p:txBody>
+          <a:bodyPr/>
+          <a:lstStyle/>
+          <a:p>
+            <a:r>
+              <a:rPr lang="en-US" dirty="0"/>
+              <a:t>Lab 6: Group and Replace</a:t>
+            </a:r>
+          </a:p>
+        </p:txBody>
+      </p:sp>
+    </p:spTree>
+    <p:extLst>
+      <p:ext uri="{BB962C8B-B14F-4D97-AF65-F5344CB8AC3E}">
+        <p14:creationId xmlns:p14="http://schemas.microsoft.com/office/powerpoint/2010/main" val="2505969754"/>
+      </p:ext>
+    </p:extLst>
+  </p:cSld>
+  <p:clrMapOvr>
+    <a:masterClrMapping/>
+  </p:clrMapOvr>
+</p:sld>
+</file>
+
+<file path=ppt/slides/slide92.xml><?xml version="1.0" encoding="utf-8"?>
+<p:sld xmlns:a="http://schemas.openxmlformats.org/drawingml/2006/main" xmlns:r="http://schemas.openxmlformats.org/officeDocument/2006/relationships" xmlns:p="http://schemas.openxmlformats.org/presentationml/2006/main">
+  <p:cSld>
+    <p:spTree>
+      <p:nvGrpSpPr>
+        <p:cNvPr id="1" name=""/>
+        <p:cNvGrpSpPr/>
+        <p:nvPr/>
+      </p:nvGrpSpPr>
+      <p:grpSpPr>
+        <a:xfrm>
+          <a:off x="0" y="0"/>
+          <a:ext cx="0" cy="0"/>
+          <a:chOff x="0" y="0"/>
+          <a:chExt cx="0" cy="0"/>
+        </a:xfrm>
+      </p:grpSpPr>
+      <p:sp>
+        <p:nvSpPr>
           <p:cNvPr id="2" name="Title 1">
             <a:extLst>
               <a:ext uri="{FF2B5EF4-FFF2-40B4-BE49-F238E27FC236}">
@@ -38537,7 +41054,7 @@
 </p:sld>
 </file>
 
-<file path=ppt/slides/slide92.xml><?xml version="1.0" encoding="utf-8"?>
+<file path=ppt/slides/slide93.xml><?xml version="1.0" encoding="utf-8"?>
 <p:sld xmlns:a="http://schemas.openxmlformats.org/drawingml/2006/main" xmlns:r="http://schemas.openxmlformats.org/officeDocument/2006/relationships" xmlns:p="http://schemas.openxmlformats.org/presentationml/2006/main">
   <p:cSld>
     <p:spTree>
@@ -38724,7 +41241,7 @@
 </p:sld>
 </file>
 
-<file path=ppt/slides/slide93.xml><?xml version="1.0" encoding="utf-8"?>
+<file path=ppt/slides/slide94.xml><?xml version="1.0" encoding="utf-8"?>
 <p:sld xmlns:a="http://schemas.openxmlformats.org/drawingml/2006/main" xmlns:r="http://schemas.openxmlformats.org/officeDocument/2006/relationships" xmlns:p="http://schemas.openxmlformats.org/presentationml/2006/main">
   <p:cSld>
     <p:spTree>
@@ -38863,171 +41380,6 @@
 </p:sld>
 </file>
 
-<file path=ppt/slides/slide94.xml><?xml version="1.0" encoding="utf-8"?>
-<p:sld xmlns:a="http://schemas.openxmlformats.org/drawingml/2006/main" xmlns:r="http://schemas.openxmlformats.org/officeDocument/2006/relationships" xmlns:p="http://schemas.openxmlformats.org/presentationml/2006/main">
-  <p:cSld>
-    <p:spTree>
-      <p:nvGrpSpPr>
-        <p:cNvPr id="1" name=""/>
-        <p:cNvGrpSpPr/>
-        <p:nvPr/>
-      </p:nvGrpSpPr>
-      <p:grpSpPr>
-        <a:xfrm>
-          <a:off x="0" y="0"/>
-          <a:ext cx="0" cy="0"/>
-          <a:chOff x="0" y="0"/>
-          <a:chExt cx="0" cy="0"/>
-        </a:xfrm>
-      </p:grpSpPr>
-      <p:sp>
-        <p:nvSpPr>
-          <p:cNvPr id="2" name="Subtitle 1">
-            <a:extLst>
-              <a:ext uri="{FF2B5EF4-FFF2-40B4-BE49-F238E27FC236}">
-                <a16:creationId xmlns:a16="http://schemas.microsoft.com/office/drawing/2014/main" id="{B154D3BA-1574-4D7F-89E8-EA93F4E34E16}"/>
-              </a:ext>
-            </a:extLst>
-          </p:cNvPr>
-          <p:cNvSpPr>
-            <a:spLocks noGrp="1"/>
-          </p:cNvSpPr>
-          <p:nvPr>
-            <p:ph type="subTitle" idx="1"/>
-          </p:nvPr>
-        </p:nvSpPr>
-        <p:spPr/>
-        <p:txBody>
-          <a:bodyPr/>
-          <a:lstStyle/>
-          <a:p>
-            <a:r>
-              <a:rPr lang="en-US" i="1" dirty="0"/>
-              <a:t>Note: The “texas.csv” file used in this lab is located at </a:t>
-            </a:r>
-            <a:r>
-              <a:rPr lang="fr-FR" i="1" dirty="0"/>
-              <a:t>C:\XTBP10ClassFiles\Labfiles\Chapter 9, and the </a:t>
-            </a:r>
-            <a:r>
-              <a:rPr lang="fr-FR" i="1" dirty="0" err="1"/>
-              <a:t>fbi</a:t>
-            </a:r>
-            <a:r>
-              <a:rPr lang="fr-FR" i="1" dirty="0"/>
-              <a:t> crime rates file </a:t>
-            </a:r>
-            <a:r>
-              <a:rPr lang="fr-FR" i="1" dirty="0" err="1"/>
-              <a:t>is</a:t>
-            </a:r>
-            <a:r>
-              <a:rPr lang="fr-FR" i="1" dirty="0"/>
-              <a:t> at C:\XTBP10ClassFiles\Labfiles\Chapter 10</a:t>
-            </a:r>
-            <a:endParaRPr lang="fr-FR" dirty="0"/>
-          </a:p>
-          <a:p>
-            <a:pPr marL="342900" indent="-342900">
-              <a:buFont typeface="Arial" panose="020B0604020202020204" pitchFamily="34" charset="0"/>
-              <a:buChar char="•"/>
-            </a:pPr>
-            <a:r>
-              <a:rPr lang="en-US" i="1" dirty="0"/>
-              <a:t> “Aggregating Data”, pp. 132-134</a:t>
-            </a:r>
-          </a:p>
-          <a:p>
-            <a:pPr marL="342900" indent="-342900">
-              <a:buFont typeface="Arial" panose="020B0604020202020204" pitchFamily="34" charset="0"/>
-              <a:buChar char="•"/>
-            </a:pPr>
-            <a:r>
-              <a:rPr lang="en-US" i="1" dirty="0"/>
-              <a:t>“Pivot”, pp. 138-145</a:t>
-            </a:r>
-          </a:p>
-          <a:p>
-            <a:pPr marL="342900" indent="-342900">
-              <a:buFont typeface="Arial" panose="020B0604020202020204" pitchFamily="34" charset="0"/>
-              <a:buChar char="•"/>
-            </a:pPr>
-            <a:r>
-              <a:rPr lang="en-US" i="1" dirty="0"/>
-              <a:t>“Unpivot”, pp. 146-148</a:t>
-            </a:r>
-          </a:p>
-        </p:txBody>
-      </p:sp>
-      <p:sp>
-        <p:nvSpPr>
-          <p:cNvPr id="3" name="Text Placeholder 2">
-            <a:extLst>
-              <a:ext uri="{FF2B5EF4-FFF2-40B4-BE49-F238E27FC236}">
-                <a16:creationId xmlns:a16="http://schemas.microsoft.com/office/drawing/2014/main" id="{A0A4A69E-6174-4CBE-B91B-353370A7EF8A}"/>
-              </a:ext>
-            </a:extLst>
-          </p:cNvPr>
-          <p:cNvSpPr>
-            <a:spLocks noGrp="1"/>
-          </p:cNvSpPr>
-          <p:nvPr>
-            <p:ph type="body" sz="quarter" idx="11"/>
-          </p:nvPr>
-        </p:nvSpPr>
-        <p:spPr/>
-        <p:txBody>
-          <a:bodyPr/>
-          <a:lstStyle/>
-          <a:p>
-            <a:r>
-              <a:rPr lang="en-US" dirty="0"/>
-              <a:t>30 Minutes</a:t>
-            </a:r>
-          </a:p>
-        </p:txBody>
-      </p:sp>
-      <p:sp>
-        <p:nvSpPr>
-          <p:cNvPr id="4" name="Title 3">
-            <a:extLst>
-              <a:ext uri="{FF2B5EF4-FFF2-40B4-BE49-F238E27FC236}">
-                <a16:creationId xmlns:a16="http://schemas.microsoft.com/office/drawing/2014/main" id="{C3F75FA3-87D5-4D28-AA04-0E1006D44634}"/>
-              </a:ext>
-            </a:extLst>
-          </p:cNvPr>
-          <p:cNvSpPr>
-            <a:spLocks noGrp="1"/>
-          </p:cNvSpPr>
-          <p:nvPr>
-            <p:ph type="title"/>
-          </p:nvPr>
-        </p:nvSpPr>
-        <p:spPr/>
-        <p:txBody>
-          <a:bodyPr/>
-          <a:lstStyle/>
-          <a:p>
-            <a:r>
-              <a:rPr lang="en-US" dirty="0"/>
-              <a:t>Lab 7: Aggregating &amp; Pivoting</a:t>
-            </a:r>
-          </a:p>
-        </p:txBody>
-      </p:sp>
-    </p:spTree>
-    <p:extLst>
-      <p:ext uri="{BB962C8B-B14F-4D97-AF65-F5344CB8AC3E}">
-        <p14:creationId xmlns:p14="http://schemas.microsoft.com/office/powerpoint/2010/main" val="2589665393"/>
-      </p:ext>
-    </p:extLst>
-  </p:cSld>
-  <p:clrMapOvr>
-    <a:masterClrMapping/>
-  </p:clrMapOvr>
-</p:sld>
-</file>
-
 <file path=ppt/slides/slide95.xml><?xml version="1.0" encoding="utf-8"?>
 <p:sld xmlns:a="http://schemas.openxmlformats.org/drawingml/2006/main" xmlns:r="http://schemas.openxmlformats.org/officeDocument/2006/relationships" xmlns:p="http://schemas.openxmlformats.org/presentationml/2006/main">
   <p:cSld>
@@ -39047,10 +41399,10 @@
       </p:grpSpPr>
       <p:sp>
         <p:nvSpPr>
-          <p:cNvPr id="2" name="Title 1">
+          <p:cNvPr id="2" name="Subtitle 1">
             <a:extLst>
               <a:ext uri="{FF2B5EF4-FFF2-40B4-BE49-F238E27FC236}">
-                <a16:creationId xmlns:a16="http://schemas.microsoft.com/office/drawing/2014/main" id="{BD3CC3C1-820E-1F4C-9494-4CA16BC01F49}"/>
+                <a16:creationId xmlns:a16="http://schemas.microsoft.com/office/drawing/2014/main" id="{B154D3BA-1574-4D7F-89E8-EA93F4E34E16}"/>
               </a:ext>
             </a:extLst>
           </p:cNvPr>
@@ -39058,7 +41410,7 @@
             <a:spLocks noGrp="1"/>
           </p:cNvSpPr>
           <p:nvPr>
-            <p:ph type="title"/>
+            <p:ph type="subTitle" idx="1"/>
           </p:nvPr>
         </p:nvSpPr>
         <p:spPr/>
@@ -39067,8 +41419,115 @@
           <a:lstStyle/>
           <a:p>
             <a:r>
+              <a:rPr lang="en-US" i="1" dirty="0"/>
+              <a:t>Note: The “texas.csv” file used in this lab is located at </a:t>
+            </a:r>
+            <a:r>
+              <a:rPr lang="fr-FR" i="1" dirty="0"/>
+              <a:t>C:\XTBP10ClassFiles\Labfiles\Chapter 9, and the </a:t>
+            </a:r>
+            <a:r>
+              <a:rPr lang="fr-FR" i="1" dirty="0" err="1"/>
+              <a:t>fbi</a:t>
+            </a:r>
+            <a:r>
+              <a:rPr lang="fr-FR" i="1" dirty="0"/>
+              <a:t> crime rates file </a:t>
+            </a:r>
+            <a:r>
+              <a:rPr lang="fr-FR" i="1" dirty="0" err="1"/>
+              <a:t>is</a:t>
+            </a:r>
+            <a:r>
+              <a:rPr lang="fr-FR" i="1" dirty="0"/>
+              <a:t> at C:\XTBP10ClassFiles\Labfiles\Chapter 10</a:t>
+            </a:r>
+            <a:endParaRPr lang="fr-FR" dirty="0"/>
+          </a:p>
+          <a:p>
+            <a:pPr marL="342900" indent="-342900">
+              <a:buFont typeface="Arial" panose="020B0604020202020204" pitchFamily="34" charset="0"/>
+              <a:buChar char="•"/>
+            </a:pPr>
+            <a:r>
+              <a:rPr lang="en-US" i="1" dirty="0"/>
+              <a:t> “Aggregating Data”, pp. 132-134</a:t>
+            </a:r>
+          </a:p>
+          <a:p>
+            <a:pPr marL="342900" indent="-342900">
+              <a:buFont typeface="Arial" panose="020B0604020202020204" pitchFamily="34" charset="0"/>
+              <a:buChar char="•"/>
+            </a:pPr>
+            <a:r>
+              <a:rPr lang="en-US" i="1" dirty="0"/>
+              <a:t>“Pivot”, pp. 138-145</a:t>
+            </a:r>
+          </a:p>
+          <a:p>
+            <a:pPr marL="342900" indent="-342900">
+              <a:buFont typeface="Arial" panose="020B0604020202020204" pitchFamily="34" charset="0"/>
+              <a:buChar char="•"/>
+            </a:pPr>
+            <a:r>
+              <a:rPr lang="en-US" i="1" dirty="0"/>
+              <a:t>“Unpivot”, pp. 146-148</a:t>
+            </a:r>
+          </a:p>
+        </p:txBody>
+      </p:sp>
+      <p:sp>
+        <p:nvSpPr>
+          <p:cNvPr id="3" name="Text Placeholder 2">
+            <a:extLst>
+              <a:ext uri="{FF2B5EF4-FFF2-40B4-BE49-F238E27FC236}">
+                <a16:creationId xmlns:a16="http://schemas.microsoft.com/office/drawing/2014/main" id="{A0A4A69E-6174-4CBE-B91B-353370A7EF8A}"/>
+              </a:ext>
+            </a:extLst>
+          </p:cNvPr>
+          <p:cNvSpPr>
+            <a:spLocks noGrp="1"/>
+          </p:cNvSpPr>
+          <p:nvPr>
+            <p:ph type="body" sz="quarter" idx="11"/>
+          </p:nvPr>
+        </p:nvSpPr>
+        <p:spPr/>
+        <p:txBody>
+          <a:bodyPr/>
+          <a:lstStyle/>
+          <a:p>
+            <a:r>
               <a:rPr lang="en-US" dirty="0"/>
-              <a:t>Part III: Load</a:t>
+              <a:t>30 Minutes</a:t>
+            </a:r>
+          </a:p>
+        </p:txBody>
+      </p:sp>
+      <p:sp>
+        <p:nvSpPr>
+          <p:cNvPr id="4" name="Title 3">
+            <a:extLst>
+              <a:ext uri="{FF2B5EF4-FFF2-40B4-BE49-F238E27FC236}">
+                <a16:creationId xmlns:a16="http://schemas.microsoft.com/office/drawing/2014/main" id="{C3F75FA3-87D5-4D28-AA04-0E1006D44634}"/>
+              </a:ext>
+            </a:extLst>
+          </p:cNvPr>
+          <p:cNvSpPr>
+            <a:spLocks noGrp="1"/>
+          </p:cNvSpPr>
+          <p:nvPr>
+            <p:ph type="title"/>
+          </p:nvPr>
+        </p:nvSpPr>
+        <p:spPr/>
+        <p:txBody>
+          <a:bodyPr/>
+          <a:lstStyle/>
+          <a:p>
+            <a:r>
+              <a:rPr lang="en-US" dirty="0"/>
+              <a:t>Lab 7: Aggregating &amp; Pivoting</a:t>
             </a:r>
           </a:p>
         </p:txBody>
@@ -39076,7 +41535,7 @@
     </p:spTree>
     <p:extLst>
       <p:ext uri="{BB962C8B-B14F-4D97-AF65-F5344CB8AC3E}">
-        <p14:creationId xmlns:p14="http://schemas.microsoft.com/office/powerpoint/2010/main" val="2503839061"/>
+        <p14:creationId xmlns:p14="http://schemas.microsoft.com/office/powerpoint/2010/main" val="2589665393"/>
       </p:ext>
     </p:extLst>
   </p:cSld>
@@ -39108,6 +41567,64 @@
           <p:cNvPr id="2" name="Title 1">
             <a:extLst>
               <a:ext uri="{FF2B5EF4-FFF2-40B4-BE49-F238E27FC236}">
+                <a16:creationId xmlns:a16="http://schemas.microsoft.com/office/drawing/2014/main" id="{BD3CC3C1-820E-1F4C-9494-4CA16BC01F49}"/>
+              </a:ext>
+            </a:extLst>
+          </p:cNvPr>
+          <p:cNvSpPr>
+            <a:spLocks noGrp="1"/>
+          </p:cNvSpPr>
+          <p:nvPr>
+            <p:ph type="title"/>
+          </p:nvPr>
+        </p:nvSpPr>
+        <p:spPr/>
+        <p:txBody>
+          <a:bodyPr/>
+          <a:lstStyle/>
+          <a:p>
+            <a:r>
+              <a:rPr lang="en-US" dirty="0"/>
+              <a:t>Part III: Load</a:t>
+            </a:r>
+          </a:p>
+        </p:txBody>
+      </p:sp>
+    </p:spTree>
+    <p:extLst>
+      <p:ext uri="{BB962C8B-B14F-4D97-AF65-F5344CB8AC3E}">
+        <p14:creationId xmlns:p14="http://schemas.microsoft.com/office/powerpoint/2010/main" val="2503839061"/>
+      </p:ext>
+    </p:extLst>
+  </p:cSld>
+  <p:clrMapOvr>
+    <a:masterClrMapping/>
+  </p:clrMapOvr>
+</p:sld>
+</file>
+
+<file path=ppt/slides/slide97.xml><?xml version="1.0" encoding="utf-8"?>
+<p:sld xmlns:a="http://schemas.openxmlformats.org/drawingml/2006/main" xmlns:r="http://schemas.openxmlformats.org/officeDocument/2006/relationships" xmlns:p="http://schemas.openxmlformats.org/presentationml/2006/main">
+  <p:cSld>
+    <p:spTree>
+      <p:nvGrpSpPr>
+        <p:cNvPr id="1" name=""/>
+        <p:cNvGrpSpPr/>
+        <p:nvPr/>
+      </p:nvGrpSpPr>
+      <p:grpSpPr>
+        <a:xfrm>
+          <a:off x="0" y="0"/>
+          <a:ext cx="0" cy="0"/>
+          <a:chOff x="0" y="0"/>
+          <a:chExt cx="0" cy="0"/>
+        </a:xfrm>
+      </p:grpSpPr>
+      <p:sp>
+        <p:nvSpPr>
+          <p:cNvPr id="2" name="Title 1">
+            <a:extLst>
+              <a:ext uri="{FF2B5EF4-FFF2-40B4-BE49-F238E27FC236}">
                 <a16:creationId xmlns:a16="http://schemas.microsoft.com/office/drawing/2014/main" id="{C7183894-EC31-F440-9353-89759F05B3EB}"/>
               </a:ext>
             </a:extLst>
@@ -39144,7 +41661,7 @@
 </p:sld>
 </file>
 
-<file path=ppt/slides/slide97.xml><?xml version="1.0" encoding="utf-8"?>
+<file path=ppt/slides/slide98.xml><?xml version="1.0" encoding="utf-8"?>
 <p:sld xmlns:a="http://schemas.openxmlformats.org/drawingml/2006/main" xmlns:r="http://schemas.openxmlformats.org/officeDocument/2006/relationships" xmlns:p="http://schemas.openxmlformats.org/presentationml/2006/main">
   <p:cSld>
     <p:spTree>
@@ -39298,7 +41815,7 @@
 </p:sld>
 </file>
 
-<file path=ppt/slides/slide98.xml><?xml version="1.0" encoding="utf-8"?>
+<file path=ppt/slides/slide99.xml><?xml version="1.0" encoding="utf-8"?>
 <p:sld xmlns:a="http://schemas.openxmlformats.org/drawingml/2006/main" xmlns:r="http://schemas.openxmlformats.org/officeDocument/2006/relationships" xmlns:p="http://schemas.openxmlformats.org/presentationml/2006/main">
   <p:cSld>
     <p:spTree>
@@ -39410,124 +41927,6 @@
     <p:extLst>
       <p:ext uri="{BB962C8B-B14F-4D97-AF65-F5344CB8AC3E}">
         <p14:creationId xmlns:p14="http://schemas.microsoft.com/office/powerpoint/2010/main" val="4121859749"/>
-      </p:ext>
-    </p:extLst>
-  </p:cSld>
-  <p:clrMapOvr>
-    <a:masterClrMapping/>
-  </p:clrMapOvr>
-</p:sld>
-</file>
-
-<file path=ppt/slides/slide99.xml><?xml version="1.0" encoding="utf-8"?>
-<p:sld xmlns:a="http://schemas.openxmlformats.org/drawingml/2006/main" xmlns:r="http://schemas.openxmlformats.org/officeDocument/2006/relationships" xmlns:p="http://schemas.openxmlformats.org/presentationml/2006/main">
-  <p:cSld>
-    <p:spTree>
-      <p:nvGrpSpPr>
-        <p:cNvPr id="1" name=""/>
-        <p:cNvGrpSpPr/>
-        <p:nvPr/>
-      </p:nvGrpSpPr>
-      <p:grpSpPr>
-        <a:xfrm>
-          <a:off x="0" y="0"/>
-          <a:ext cx="0" cy="0"/>
-          <a:chOff x="0" y="0"/>
-          <a:chExt cx="0" cy="0"/>
-        </a:xfrm>
-      </p:grpSpPr>
-      <p:sp>
-        <p:nvSpPr>
-          <p:cNvPr id="2" name="Subtitle 1">
-            <a:extLst>
-              <a:ext uri="{FF2B5EF4-FFF2-40B4-BE49-F238E27FC236}">
-                <a16:creationId xmlns:a16="http://schemas.microsoft.com/office/drawing/2014/main" id="{754018C2-5B5D-4B02-B84F-65ECE4C3752D}"/>
-              </a:ext>
-            </a:extLst>
-          </p:cNvPr>
-          <p:cNvSpPr>
-            <a:spLocks noGrp="1"/>
-          </p:cNvSpPr>
-          <p:nvPr>
-            <p:ph type="subTitle" idx="1"/>
-          </p:nvPr>
-        </p:nvSpPr>
-        <p:spPr/>
-        <p:txBody>
-          <a:bodyPr/>
-          <a:lstStyle/>
-          <a:p>
-            <a:pPr marL="342900" indent="-342900">
-              <a:buFont typeface="Arial" panose="020B0604020202020204" pitchFamily="34" charset="0"/>
-              <a:buChar char="•"/>
-            </a:pPr>
-            <a:r>
-              <a:rPr lang="en-US" dirty="0"/>
-              <a:t>Exercise 11.1, pp. 151-155</a:t>
-            </a:r>
-          </a:p>
-        </p:txBody>
-      </p:sp>
-      <p:sp>
-        <p:nvSpPr>
-          <p:cNvPr id="3" name="Text Placeholder 2">
-            <a:extLst>
-              <a:ext uri="{FF2B5EF4-FFF2-40B4-BE49-F238E27FC236}">
-                <a16:creationId xmlns:a16="http://schemas.microsoft.com/office/drawing/2014/main" id="{6A0AC584-05CF-440B-9623-884DC38DD2CC}"/>
-              </a:ext>
-            </a:extLst>
-          </p:cNvPr>
-          <p:cNvSpPr>
-            <a:spLocks noGrp="1"/>
-          </p:cNvSpPr>
-          <p:nvPr>
-            <p:ph type="body" sz="quarter" idx="11"/>
-          </p:nvPr>
-        </p:nvSpPr>
-        <p:spPr/>
-        <p:txBody>
-          <a:bodyPr/>
-          <a:lstStyle/>
-          <a:p>
-            <a:r>
-              <a:rPr lang="en-US" dirty="0"/>
-              <a:t>15 Minutes</a:t>
-            </a:r>
-          </a:p>
-        </p:txBody>
-      </p:sp>
-      <p:sp>
-        <p:nvSpPr>
-          <p:cNvPr id="4" name="Title 3">
-            <a:extLst>
-              <a:ext uri="{FF2B5EF4-FFF2-40B4-BE49-F238E27FC236}">
-                <a16:creationId xmlns:a16="http://schemas.microsoft.com/office/drawing/2014/main" id="{76D3235D-8164-477B-9C25-3BFCBDBA4892}"/>
-              </a:ext>
-            </a:extLst>
-          </p:cNvPr>
-          <p:cNvSpPr>
-            <a:spLocks noGrp="1"/>
-          </p:cNvSpPr>
-          <p:nvPr>
-            <p:ph type="title"/>
-          </p:nvPr>
-        </p:nvSpPr>
-        <p:spPr/>
-        <p:txBody>
-          <a:bodyPr/>
-          <a:lstStyle/>
-          <a:p>
-            <a:r>
-              <a:rPr lang="en-US" dirty="0"/>
-              <a:t>Lab 8: Output</a:t>
-            </a:r>
-          </a:p>
-        </p:txBody>
-      </p:sp>
-    </p:spTree>
-    <p:extLst>
-      <p:ext uri="{BB962C8B-B14F-4D97-AF65-F5344CB8AC3E}">
-        <p14:creationId xmlns:p14="http://schemas.microsoft.com/office/powerpoint/2010/main" val="1972065437"/>
       </p:ext>
     </p:extLst>
   </p:cSld>

--- a/ppt/TableauPrepBuilderIntroV1_2.pptx
+++ b/ppt/TableauPrepBuilderIntroV1_2.pptx
@@ -9168,23 +9168,7 @@
             </a:br>
             <a:r>
               <a:rPr lang="en-US" altLang="en-US" sz="1600" dirty="0"/>
-              <a:t>Call: </a:t>
-            </a:r>
-            <a:r>
-              <a:rPr lang="en-US" altLang="en-US" sz="1600" dirty="0" smtClean="0"/>
-              <a:t>571-317-3129 </a:t>
-            </a:r>
-            <a:r>
-              <a:rPr lang="en-US" altLang="en-US" sz="1600" dirty="0"/>
-              <a:t>Access Code: </a:t>
-            </a:r>
-            <a:r>
-              <a:rPr lang="en-US" altLang="en-US" sz="1600" dirty="0" smtClean="0"/>
-              <a:t>947 253 813 </a:t>
-            </a:r>
-            <a:r>
-              <a:rPr lang="en-US" altLang="en-US" sz="1600" dirty="0"/>
-              <a:t>#</a:t>
+              <a:t>Call: 571-317-3129 Access Code: 947 253 813 #</a:t>
             </a:r>
             <a:br>
               <a:rPr lang="en-US" altLang="en-US" sz="1600" dirty="0"/>
@@ -9355,13 +9339,6 @@
   <p:clrMapOvr>
     <a:masterClrMapping/>
   </p:clrMapOvr>
-  <p:timing>
-    <p:tnLst>
-      <p:par>
-        <p:cTn id="1" dur="indefinite" restart="never" nodeType="tmRoot"/>
-      </p:par>
-    </p:tnLst>
-  </p:timing>
 </p:sld>
 </file>
 
@@ -9398,10 +9375,9 @@
           <a:lstStyle/>
           <a:p>
             <a:r>
-              <a:rPr lang="en-US" dirty="0" smtClean="0"/>
+              <a:rPr lang="en-US" dirty="0"/>
               <a:t>Initial Setup</a:t>
             </a:r>
-            <a:endParaRPr lang="en-US" dirty="0"/>
           </a:p>
         </p:txBody>
       </p:sp>
@@ -9426,10 +9402,9 @@
           <a:lstStyle/>
           <a:p>
             <a:r>
-              <a:rPr lang="en-US" dirty="0" smtClean="0"/>
+              <a:rPr lang="en-US" dirty="0"/>
               <a:t>Enter info for trial edition of Tableau Prep Builder</a:t>
             </a:r>
-            <a:endParaRPr lang="en-US" dirty="0"/>
           </a:p>
         </p:txBody>
       </p:sp>
@@ -9552,13 +9527,6 @@
   <p:clrMapOvr>
     <a:masterClrMapping/>
   </p:clrMapOvr>
-  <p:timing>
-    <p:tnLst>
-      <p:par>
-        <p:cTn id="1" dur="indefinite" restart="never" nodeType="tmRoot"/>
-      </p:par>
-    </p:tnLst>
-  </p:timing>
 </p:sld>
 </file>
 
@@ -10227,13 +10195,6 @@
   <p:clrMapOvr>
     <a:masterClrMapping/>
   </p:clrMapOvr>
-  <p:timing>
-    <p:tnLst>
-      <p:par>
-        <p:cTn id="1" dur="indefinite" restart="never" nodeType="tmRoot"/>
-      </p:par>
-    </p:tnLst>
-  </p:timing>
 </p:sld>
 </file>
 
@@ -10332,13 +10293,6 @@
   <p:clrMapOvr>
     <a:masterClrMapping/>
   </p:clrMapOvr>
-  <p:timing>
-    <p:tnLst>
-      <p:par>
-        <p:cTn id="1" dur="indefinite" restart="never" nodeType="tmRoot"/>
-      </p:par>
-    </p:tnLst>
-  </p:timing>
 </p:sld>
 </file>
 
@@ -10438,13 +10392,6 @@
   <p:clrMapOvr>
     <a:masterClrMapping/>
   </p:clrMapOvr>
-  <p:timing>
-    <p:tnLst>
-      <p:par>
-        <p:cTn id="1" dur="indefinite" restart="never" nodeType="tmRoot"/>
-      </p:par>
-    </p:tnLst>
-  </p:timing>
 </p:sld>
 </file>
 
@@ -10564,13 +10511,6 @@
   <p:clrMapOvr>
     <a:masterClrMapping/>
   </p:clrMapOvr>
-  <p:timing>
-    <p:tnLst>
-      <p:par>
-        <p:cTn id="1" dur="indefinite" restart="never" nodeType="tmRoot"/>
-      </p:par>
-    </p:tnLst>
-  </p:timing>
 </p:sld>
 </file>
 
@@ -10649,13 +10589,6 @@
   <p:clrMapOvr>
     <a:masterClrMapping/>
   </p:clrMapOvr>
-  <p:timing>
-    <p:tnLst>
-      <p:par>
-        <p:cTn id="1" dur="indefinite" restart="never" nodeType="tmRoot"/>
-      </p:par>
-    </p:tnLst>
-  </p:timing>
 </p:sld>
 </file>
 
@@ -10714,7 +10647,7 @@
           <a:lstStyle/>
           <a:p>
             <a:r>
-              <a:rPr lang="en-US" dirty="0" smtClean="0"/>
+              <a:rPr lang="en-US" dirty="0"/>
               <a:t>ZCTA </a:t>
             </a:r>
             <a:r>
@@ -10775,13 +10708,6 @@
   <p:clrMapOvr>
     <a:masterClrMapping/>
   </p:clrMapOvr>
-  <p:timing>
-    <p:tnLst>
-      <p:par>
-        <p:cTn id="1" dur="indefinite" restart="never" nodeType="tmRoot"/>
-      </p:par>
-    </p:tnLst>
-  </p:timing>
 </p:sld>
 </file>
 
@@ -13073,13 +12999,6 @@
   <p:clrMapOvr>
     <a:masterClrMapping/>
   </p:clrMapOvr>
-  <p:timing>
-    <p:tnLst>
-      <p:par>
-        <p:cTn id="1" dur="indefinite" restart="never" nodeType="tmRoot"/>
-      </p:par>
-    </p:tnLst>
-  </p:timing>
 </p:sld>
 </file>
 
@@ -13122,7 +13041,7 @@
           <a:lstStyle/>
           <a:p>
             <a:r>
-              <a:rPr lang="en-US" dirty="0" smtClean="0"/>
+              <a:rPr lang="en-US" dirty="0"/>
               <a:t>ZCTA </a:t>
             </a:r>
             <a:r>
@@ -13214,13 +13133,6 @@
   <p:clrMapOvr>
     <a:masterClrMapping/>
   </p:clrMapOvr>
-  <p:timing>
-    <p:tnLst>
-      <p:par>
-        <p:cTn id="1" dur="indefinite" restart="never" nodeType="tmRoot"/>
-      </p:par>
-    </p:tnLst>
-  </p:timing>
 </p:sld>
 </file>
 
@@ -13334,13 +13246,6 @@
   <p:clrMapOvr>
     <a:masterClrMapping/>
   </p:clrMapOvr>
-  <p:timing>
-    <p:tnLst>
-      <p:par>
-        <p:cTn id="1" dur="indefinite" restart="never" nodeType="tmRoot"/>
-      </p:par>
-    </p:tnLst>
-  </p:timing>
 </p:sld>
 </file>
 
@@ -13393,13 +13298,6 @@
   <p:clrMapOvr>
     <a:masterClrMapping/>
   </p:clrMapOvr>
-  <p:timing>
-    <p:tnLst>
-      <p:par>
-        <p:cTn id="1" dur="indefinite" restart="never" nodeType="tmRoot"/>
-      </p:par>
-    </p:tnLst>
-  </p:timing>
 </p:sld>
 </file>
 
@@ -13475,10 +13373,9 @@
           <a:lstStyle/>
           <a:p>
             <a:r>
-              <a:rPr lang="en-US" dirty="0" smtClean="0"/>
+              <a:rPr lang="en-US" dirty="0"/>
               <a:t>“Steps” with connectors that represent the flow of data</a:t>
             </a:r>
-            <a:endParaRPr lang="en-US" dirty="0"/>
           </a:p>
         </p:txBody>
       </p:sp>
@@ -13522,13 +13419,6 @@
   <p:clrMapOvr>
     <a:masterClrMapping/>
   </p:clrMapOvr>
-  <p:timing>
-    <p:tnLst>
-      <p:par>
-        <p:cTn id="1" dur="indefinite" restart="never" nodeType="tmRoot"/>
-      </p:par>
-    </p:tnLst>
-  </p:timing>
 </p:sld>
 </file>
 
@@ -13571,10 +13461,9 @@
           <a:lstStyle/>
           <a:p>
             <a:r>
-              <a:rPr lang="en-US" dirty="0" smtClean="0"/>
+              <a:rPr lang="en-US" dirty="0"/>
               <a:t>Adding a data source step</a:t>
             </a:r>
-            <a:endParaRPr lang="en-US" dirty="0"/>
           </a:p>
         </p:txBody>
       </p:sp>
@@ -14930,12 +14819,32 @@
             <p:ph type="body" sz="quarter" idx="10"/>
           </p:nvPr>
         </p:nvSpPr>
-        <p:spPr/>
+        <p:spPr>
+          <a:xfrm>
+            <a:off x="7239000" y="1752600"/>
+            <a:ext cx="4191000" cy="3733800"/>
+          </a:xfrm>
+        </p:spPr>
         <p:txBody>
           <a:bodyPr/>
           <a:lstStyle/>
           <a:p>
-            <a:endParaRPr lang="en-US"/>
+            <a:r>
+              <a:rPr lang="en-US" dirty="0"/>
+              <a:t>Same expression language as Tableau Desktop</a:t>
+            </a:r>
+          </a:p>
+          <a:p>
+            <a:r>
+              <a:rPr lang="en-US" dirty="0">
+                <a:hlinkClick r:id="rId2"/>
+              </a:rPr>
+              <a:t>Dozens of functions </a:t>
+            </a:r>
+            <a:r>
+              <a:rPr lang="en-US" dirty="0"/>
+              <a:t>available</a:t>
+            </a:r>
           </a:p>
         </p:txBody>
       </p:sp>
@@ -14954,7 +14863,7 @@
           <p:nvPr/>
         </p:nvPicPr>
         <p:blipFill>
-          <a:blip r:embed="rId2"/>
+          <a:blip r:embed="rId3"/>
           <a:stretch>
             <a:fillRect/>
           </a:stretch>
@@ -14979,13 +14888,6 @@
   <p:clrMapOvr>
     <a:masterClrMapping/>
   </p:clrMapOvr>
-  <p:timing>
-    <p:tnLst>
-      <p:par>
-        <p:cTn id="1" dur="indefinite" restart="never" nodeType="tmRoot"/>
-      </p:par>
-    </p:tnLst>
-  </p:timing>
 </p:sld>
 </file>
 
@@ -15050,12 +14952,26 @@
             <p:ph type="body" sz="quarter" idx="10"/>
           </p:nvPr>
         </p:nvSpPr>
-        <p:spPr/>
+        <p:spPr>
+          <a:xfrm>
+            <a:off x="3886200" y="1752600"/>
+            <a:ext cx="7543800" cy="3733800"/>
+          </a:xfrm>
+        </p:spPr>
         <p:txBody>
           <a:bodyPr/>
           <a:lstStyle/>
           <a:p>
-            <a:endParaRPr lang="en-US"/>
+            <a:r>
+              <a:rPr lang="en-US" dirty="0"/>
+              <a:t>Prep Builder remembers the changes you’ve made</a:t>
+            </a:r>
+          </a:p>
+          <a:p>
+            <a:r>
+              <a:rPr lang="en-US" dirty="0"/>
+              <a:t>Reorganize/edit at will</a:t>
+            </a:r>
           </a:p>
         </p:txBody>
       </p:sp>
@@ -15099,13 +15015,6 @@
   <p:clrMapOvr>
     <a:masterClrMapping/>
   </p:clrMapOvr>
-  <p:timing>
-    <p:tnLst>
-      <p:par>
-        <p:cTn id="1" dur="indefinite" restart="never" nodeType="tmRoot"/>
-      </p:par>
-    </p:tnLst>
-  </p:timing>
 </p:sld>
 </file>
 
@@ -15219,13 +15128,6 @@
   <p:clrMapOvr>
     <a:masterClrMapping/>
   </p:clrMapOvr>
-  <p:timing>
-    <p:tnLst>
-      <p:par>
-        <p:cTn id="1" dur="indefinite" restart="never" nodeType="tmRoot"/>
-      </p:par>
-    </p:tnLst>
-  </p:timing>
 </p:sld>
 </file>
 
@@ -15339,13 +15241,6 @@
   <p:clrMapOvr>
     <a:masterClrMapping/>
   </p:clrMapOvr>
-  <p:timing>
-    <p:tnLst>
-      <p:par>
-        <p:cTn id="1" dur="indefinite" restart="never" nodeType="tmRoot"/>
-      </p:par>
-    </p:tnLst>
-  </p:timing>
 </p:sld>
 </file>
 
@@ -15459,13 +15354,6 @@
   <p:clrMapOvr>
     <a:masterClrMapping/>
   </p:clrMapOvr>
-  <p:timing>
-    <p:tnLst>
-      <p:par>
-        <p:cTn id="1" dur="indefinite" restart="never" nodeType="tmRoot"/>
-      </p:par>
-    </p:tnLst>
-  </p:timing>
 </p:sld>
 </file>
 
@@ -15618,13 +15506,6 @@
   <p:clrMapOvr>
     <a:masterClrMapping/>
   </p:clrMapOvr>
-  <p:timing>
-    <p:tnLst>
-      <p:par>
-        <p:cTn id="1" dur="indefinite" restart="never" nodeType="tmRoot"/>
-      </p:par>
-    </p:tnLst>
-  </p:timing>
 </p:sld>
 </file>
 
@@ -15739,13 +15620,6 @@
   <p:clrMapOvr>
     <a:masterClrMapping/>
   </p:clrMapOvr>
-  <p:timing>
-    <p:tnLst>
-      <p:par>
-        <p:cTn id="1" dur="indefinite" restart="never" nodeType="tmRoot"/>
-      </p:par>
-    </p:tnLst>
-  </p:timing>
 </p:sld>
 </file>
 
@@ -15828,12 +15702,8 @@
           </a:p>
           <a:p>
             <a:r>
-              <a:rPr lang="en-US" dirty="0" smtClean="0"/>
-              <a:t>Tableau/BI </a:t>
-            </a:r>
-            <a:r>
               <a:rPr lang="en-US" dirty="0"/>
-              <a:t>experience</a:t>
+              <a:t>Tableau/BI experience</a:t>
             </a:r>
           </a:p>
           <a:p>
@@ -15860,13 +15730,6 @@
   <p:clrMapOvr>
     <a:masterClrMapping/>
   </p:clrMapOvr>
-  <p:timing>
-    <p:tnLst>
-      <p:par>
-        <p:cTn id="1" dur="indefinite" restart="never" nodeType="tmRoot"/>
-      </p:par>
-    </p:tnLst>
-  </p:timing>
 </p:sld>
 </file>
 
@@ -16129,38 +15992,6 @@
           <a:p>
             <a:pPr algn="ctr"/>
             <a:r>
-              <a:rPr lang="en-US" sz="3600" kern="10" dirty="0" smtClean="0">
-                <a:ln w="9525">
-                  <a:solidFill>
-                    <a:srgbClr val="CC99FF"/>
-                  </a:solidFill>
-                  <a:round/>
-                  <a:headEnd/>
-                  <a:tailEnd/>
-                </a:ln>
-                <a:gradFill rotWithShape="1">
-                  <a:gsLst>
-                    <a:gs pos="0">
-                      <a:srgbClr val="6600CC"/>
-                    </a:gs>
-                    <a:gs pos="100000">
-                      <a:srgbClr val="CC00CC"/>
-                    </a:gs>
-                  </a:gsLst>
-                  <a:lin ang="5400000" scaled="1"/>
-                </a:gradFill>
-                <a:effectLst>
-                  <a:outerShdw dist="53882" dir="2700000" algn="ctr" rotWithShape="0">
-                    <a:srgbClr val="9999FF">
-                      <a:alpha val="79999"/>
-                    </a:srgbClr>
-                  </a:outerShdw>
-                </a:effectLst>
-                <a:latin typeface="Impact" panose="020B0806030902050204" pitchFamily="34" charset="0"/>
-              </a:rPr>
-              <a:t>11:25-11:40 </a:t>
-            </a:r>
-            <a:r>
               <a:rPr lang="en-US" sz="3600" kern="10" dirty="0">
                 <a:ln w="9525">
                   <a:solidFill>
@@ -16190,7 +16021,7 @@
                 </a:effectLst>
                 <a:latin typeface="Impact" panose="020B0806030902050204" pitchFamily="34" charset="0"/>
               </a:rPr>
-              <a:t>EST</a:t>
+              <a:t>11:25-11:40 EST</a:t>
             </a:r>
           </a:p>
         </p:txBody>
@@ -16443,13 +16274,6 @@
   <p:clrMapOvr>
     <a:masterClrMapping/>
   </p:clrMapOvr>
-  <p:timing>
-    <p:tnLst>
-      <p:par>
-        <p:cTn id="1" dur="indefinite" restart="never" nodeType="tmRoot"/>
-      </p:par>
-    </p:tnLst>
-  </p:timing>
 </p:sld>
 </file>
 
@@ -16508,13 +16332,6 @@
   <p:clrMapOvr>
     <a:masterClrMapping/>
   </p:clrMapOvr>
-  <p:timing>
-    <p:tnLst>
-      <p:par>
-        <p:cTn id="1" dur="indefinite" restart="never" nodeType="tmRoot"/>
-      </p:par>
-    </p:tnLst>
-  </p:timing>
 </p:sld>
 </file>
 
@@ -16573,13 +16390,6 @@
   <p:clrMapOvr>
     <a:masterClrMapping/>
   </p:clrMapOvr>
-  <p:timing>
-    <p:tnLst>
-      <p:par>
-        <p:cTn id="1" dur="indefinite" restart="never" nodeType="tmRoot"/>
-      </p:par>
-    </p:tnLst>
-  </p:timing>
 </p:sld>
 </file>
 
@@ -16689,13 +16499,6 @@
   <p:clrMapOvr>
     <a:masterClrMapping/>
   </p:clrMapOvr>
-  <p:timing>
-    <p:tnLst>
-      <p:par>
-        <p:cTn id="1" dur="indefinite" restart="never" nodeType="tmRoot"/>
-      </p:par>
-    </p:tnLst>
-  </p:timing>
 </p:sld>
 </file>
 
@@ -16809,13 +16612,6 @@
   <p:clrMapOvr>
     <a:masterClrMapping/>
   </p:clrMapOvr>
-  <p:timing>
-    <p:tnLst>
-      <p:par>
-        <p:cTn id="1" dur="indefinite" restart="never" nodeType="tmRoot"/>
-      </p:par>
-    </p:tnLst>
-  </p:timing>
 </p:sld>
 </file>
 
@@ -16998,13 +16794,6 @@
   <p:clrMapOvr>
     <a:masterClrMapping/>
   </p:clrMapOvr>
-  <p:timing>
-    <p:tnLst>
-      <p:par>
-        <p:cTn id="1" dur="indefinite" restart="never" nodeType="tmRoot"/>
-      </p:par>
-    </p:tnLst>
-  </p:timing>
 </p:sld>
 </file>
 
@@ -17241,13 +17030,6 @@
   <p:clrMapOvr>
     <a:masterClrMapping/>
   </p:clrMapOvr>
-  <p:timing>
-    <p:tnLst>
-      <p:par>
-        <p:cTn id="1" dur="indefinite" restart="never" nodeType="tmRoot"/>
-      </p:par>
-    </p:tnLst>
-  </p:timing>
 </p:sld>
 </file>
 
@@ -17371,13 +17153,6 @@
   <p:clrMapOvr>
     <a:masterClrMapping/>
   </p:clrMapOvr>
-  <p:timing>
-    <p:tnLst>
-      <p:par>
-        <p:cTn id="1" dur="indefinite" restart="never" nodeType="tmRoot"/>
-      </p:par>
-    </p:tnLst>
-  </p:timing>
 </p:sld>
 </file>
 
@@ -17509,13 +17284,6 @@
   <p:clrMapOvr>
     <a:masterClrMapping/>
   </p:clrMapOvr>
-  <p:timing>
-    <p:tnLst>
-      <p:par>
-        <p:cTn id="1" dur="indefinite" restart="never" nodeType="tmRoot"/>
-      </p:par>
-    </p:tnLst>
-  </p:timing>
 </p:sld>
 </file>
 
@@ -17626,13 +17394,6 @@
   <p:clrMapOvr>
     <a:masterClrMapping/>
   </p:clrMapOvr>
-  <p:timing>
-    <p:tnLst>
-      <p:par>
-        <p:cTn id="1" dur="indefinite" restart="never" nodeType="tmRoot"/>
-      </p:par>
-    </p:tnLst>
-  </p:timing>
 </p:sld>
 </file>
 
@@ -18179,13 +17940,6 @@
   <p:clrMapOvr>
     <a:masterClrMapping/>
   </p:clrMapOvr>
-  <p:timing>
-    <p:tnLst>
-      <p:par>
-        <p:cTn id="1" dur="indefinite" restart="never" nodeType="tmRoot"/>
-      </p:par>
-    </p:tnLst>
-  </p:timing>
 </p:sld>
 </file>
 
@@ -18402,13 +18156,6 @@
   <p:clrMapOvr>
     <a:masterClrMapping/>
   </p:clrMapOvr>
-  <p:timing>
-    <p:tnLst>
-      <p:par>
-        <p:cTn id="1" dur="indefinite" restart="never" nodeType="tmRoot"/>
-      </p:par>
-    </p:tnLst>
-  </p:timing>
 </p:sld>
 </file>
 
@@ -18633,13 +18380,6 @@
   <p:clrMapOvr>
     <a:masterClrMapping/>
   </p:clrMapOvr>
-  <p:timing>
-    <p:tnLst>
-      <p:par>
-        <p:cTn id="1" dur="indefinite" restart="never" nodeType="tmRoot"/>
-      </p:par>
-    </p:tnLst>
-  </p:timing>
 </p:sld>
 </file>
 
@@ -18791,13 +18531,6 @@
   <p:clrMapOvr>
     <a:masterClrMapping/>
   </p:clrMapOvr>
-  <p:timing>
-    <p:tnLst>
-      <p:par>
-        <p:cTn id="1" dur="indefinite" restart="never" nodeType="tmRoot"/>
-      </p:par>
-    </p:tnLst>
-  </p:timing>
 </p:sld>
 </file>
 
@@ -18865,13 +18598,8 @@
             </a:pPr>
             <a:r>
               <a:rPr lang="en-US" sz="1800" dirty="0"/>
-              <a:t>SQL Server: pp. </a:t>
-            </a:r>
-            <a:r>
-              <a:rPr lang="en-US" sz="1800" dirty="0" smtClean="0"/>
-              <a:t>14-18 (Use a period (.), i.e., the local machine, for the server name)</a:t>
-            </a:r>
-            <a:endParaRPr lang="en-US" sz="1800" dirty="0"/>
+              <a:t>SQL Server: pp. 14-18 (Use a period (.), i.e., the local machine, for the server name)</a:t>
+            </a:r>
           </a:p>
           <a:p>
             <a:pPr marL="1012825" lvl="1" indent="-342900">
@@ -19378,69 +19106,8 @@
                 </a:effectLst>
                 <a:latin typeface="Impact" panose="020B0806030902050204" pitchFamily="34" charset="0"/>
               </a:rPr>
-              <a:t>Lab: </a:t>
-            </a:r>
-            <a:r>
-              <a:rPr lang="en-US" sz="3600" kern="10" dirty="0" smtClean="0">
-                <a:ln w="9525">
-                  <a:solidFill>
-                    <a:srgbClr val="CC99FF"/>
-                  </a:solidFill>
-                  <a:round/>
-                  <a:headEnd/>
-                  <a:tailEnd/>
-                </a:ln>
-                <a:gradFill rotWithShape="1">
-                  <a:gsLst>
-                    <a:gs pos="0">
-                      <a:srgbClr val="6600CC"/>
-                    </a:gs>
-                    <a:gs pos="100000">
-                      <a:srgbClr val="CC00CC"/>
-                    </a:gs>
-                  </a:gsLst>
-                  <a:lin ang="5400000" scaled="1"/>
-                </a:gradFill>
-                <a:effectLst>
-                  <a:outerShdw dist="53882" dir="2700000" algn="ctr" rotWithShape="0">
-                    <a:srgbClr val="9999FF">
-                      <a:alpha val="79999"/>
-                    </a:srgbClr>
-                  </a:outerShdw>
-                </a:effectLst>
-                <a:latin typeface="Impact" panose="020B0806030902050204" pitchFamily="34" charset="0"/>
-              </a:rPr>
-              <a:t>12:45-13:05</a:t>
-            </a:r>
-            <a:endParaRPr lang="en-US" sz="3600" kern="10" dirty="0">
-              <a:ln w="9525">
-                <a:solidFill>
-                  <a:srgbClr val="CC99FF"/>
-                </a:solidFill>
-                <a:round/>
-                <a:headEnd/>
-                <a:tailEnd/>
-              </a:ln>
-              <a:gradFill rotWithShape="1">
-                <a:gsLst>
-                  <a:gs pos="0">
-                    <a:srgbClr val="6600CC"/>
-                  </a:gs>
-                  <a:gs pos="100000">
-                    <a:srgbClr val="CC00CC"/>
-                  </a:gs>
-                </a:gsLst>
-                <a:lin ang="5400000" scaled="1"/>
-              </a:gradFill>
-              <a:effectLst>
-                <a:outerShdw dist="53882" dir="2700000" algn="ctr" rotWithShape="0">
-                  <a:srgbClr val="9999FF">
-                    <a:alpha val="79999"/>
-                  </a:srgbClr>
-                </a:outerShdw>
-              </a:effectLst>
-              <a:latin typeface="Impact" panose="020B0806030902050204" pitchFamily="34" charset="0"/>
-            </a:endParaRPr>
+              <a:t>Lab: 12:45-13:05</a:t>
+            </a:r>
           </a:p>
           <a:p>
             <a:pPr algn="ctr"/>
@@ -19474,69 +19141,8 @@
                 </a:effectLst>
                 <a:latin typeface="Impact" panose="020B0806030902050204" pitchFamily="34" charset="0"/>
               </a:rPr>
-              <a:t>Lunch: </a:t>
-            </a:r>
-            <a:r>
-              <a:rPr lang="en-US" sz="3600" kern="10" dirty="0" smtClean="0">
-                <a:ln w="9525">
-                  <a:solidFill>
-                    <a:srgbClr val="CC99FF"/>
-                  </a:solidFill>
-                  <a:round/>
-                  <a:headEnd/>
-                  <a:tailEnd/>
-                </a:ln>
-                <a:gradFill rotWithShape="1">
-                  <a:gsLst>
-                    <a:gs pos="0">
-                      <a:srgbClr val="6600CC"/>
-                    </a:gs>
-                    <a:gs pos="100000">
-                      <a:srgbClr val="CC00CC"/>
-                    </a:gs>
-                  </a:gsLst>
-                  <a:lin ang="5400000" scaled="1"/>
-                </a:gradFill>
-                <a:effectLst>
-                  <a:outerShdw dist="53882" dir="2700000" algn="ctr" rotWithShape="0">
-                    <a:srgbClr val="9999FF">
-                      <a:alpha val="79999"/>
-                    </a:srgbClr>
-                  </a:outerShdw>
-                </a:effectLst>
-                <a:latin typeface="Impact" panose="020B0806030902050204" pitchFamily="34" charset="0"/>
-              </a:rPr>
-              <a:t>13:05-14:05</a:t>
-            </a:r>
-            <a:endParaRPr lang="en-US" sz="3600" kern="10" dirty="0">
-              <a:ln w="9525">
-                <a:solidFill>
-                  <a:srgbClr val="CC99FF"/>
-                </a:solidFill>
-                <a:round/>
-                <a:headEnd/>
-                <a:tailEnd/>
-              </a:ln>
-              <a:gradFill rotWithShape="1">
-                <a:gsLst>
-                  <a:gs pos="0">
-                    <a:srgbClr val="6600CC"/>
-                  </a:gs>
-                  <a:gs pos="100000">
-                    <a:srgbClr val="CC00CC"/>
-                  </a:gs>
-                </a:gsLst>
-                <a:lin ang="5400000" scaled="1"/>
-              </a:gradFill>
-              <a:effectLst>
-                <a:outerShdw dist="53882" dir="2700000" algn="ctr" rotWithShape="0">
-                  <a:srgbClr val="9999FF">
-                    <a:alpha val="79999"/>
-                  </a:srgbClr>
-                </a:outerShdw>
-              </a:effectLst>
-              <a:latin typeface="Impact" panose="020B0806030902050204" pitchFamily="34" charset="0"/>
-            </a:endParaRPr>
+              <a:t>Lunch: 13:05-14:05</a:t>
+            </a:r>
           </a:p>
         </p:txBody>
       </p:sp>
@@ -19658,13 +19264,6 @@
   <p:clrMapOvr>
     <a:masterClrMapping/>
   </p:clrMapOvr>
-  <p:timing>
-    <p:tnLst>
-      <p:par>
-        <p:cTn id="1" dur="indefinite" restart="never" nodeType="tmRoot"/>
-      </p:par>
-    </p:tnLst>
-  </p:timing>
 </p:sld>
 </file>
 
@@ -19717,13 +19316,6 @@
   <p:clrMapOvr>
     <a:masterClrMapping/>
   </p:clrMapOvr>
-  <p:timing>
-    <p:tnLst>
-      <p:par>
-        <p:cTn id="1" dur="indefinite" restart="never" nodeType="tmRoot"/>
-      </p:par>
-    </p:tnLst>
-  </p:timing>
 </p:sld>
 </file>
 
@@ -23312,13 +22904,6 @@
   <p:clrMapOvr>
     <a:masterClrMapping/>
   </p:clrMapOvr>
-  <p:timing>
-    <p:tnLst>
-      <p:par>
-        <p:cTn id="1" dur="indefinite" restart="never" nodeType="tmRoot"/>
-      </p:par>
-    </p:tnLst>
-  </p:timing>
 </p:sld>
 </file>
 
@@ -23482,13 +23067,6 @@
   <p:clrMapOvr>
     <a:masterClrMapping/>
   </p:clrMapOvr>
-  <p:timing>
-    <p:tnLst>
-      <p:par>
-        <p:cTn id="1" dur="indefinite" restart="never" nodeType="tmRoot"/>
-      </p:par>
-    </p:tnLst>
-  </p:timing>
 </p:sld>
 </file>
 
@@ -23718,13 +23296,6 @@
   <p:clrMapOvr>
     <a:masterClrMapping/>
   </p:clrMapOvr>
-  <p:timing>
-    <p:tnLst>
-      <p:par>
-        <p:cTn id="1" dur="indefinite" restart="never" nodeType="tmRoot"/>
-      </p:par>
-    </p:tnLst>
-  </p:timing>
 </p:sld>
 </file>
 
@@ -23889,13 +23460,6 @@
   <p:clrMapOvr>
     <a:masterClrMapping/>
   </p:clrMapOvr>
-  <p:timing>
-    <p:tnLst>
-      <p:par>
-        <p:cTn id="1" dur="indefinite" restart="never" nodeType="tmRoot"/>
-      </p:par>
-    </p:tnLst>
-  </p:timing>
 </p:sld>
 </file>
 
@@ -23970,22 +23534,14 @@
           </a:p>
           <a:p>
             <a:r>
-              <a:rPr lang="en-US" dirty="0" smtClean="0"/>
-              <a:t>Supplemental </a:t>
-            </a:r>
-            <a:r>
               <a:rPr lang="en-US" dirty="0"/>
-              <a:t>notes: </a:t>
+              <a:t>Supplemental notes: </a:t>
             </a:r>
             <a:r>
               <a:rPr lang="en-US" dirty="0">
                 <a:hlinkClick r:id="rId2"/>
               </a:rPr>
               <a:t>http://bit.ly/ONLCXTBP10</a:t>
-            </a:r>
-            <a:r>
-              <a:rPr lang="en-US" dirty="0"/>
-              <a:t/>
             </a:r>
             <a:br>
               <a:rPr lang="en-US" dirty="0"/>
@@ -24070,13 +23626,6 @@
   <p:clrMapOvr>
     <a:masterClrMapping/>
   </p:clrMapOvr>
-  <p:timing>
-    <p:tnLst>
-      <p:par>
-        <p:cTn id="1" dur="indefinite" restart="never" nodeType="tmRoot"/>
-      </p:par>
-    </p:tnLst>
-  </p:timing>
 </p:sld>
 </file>
 
@@ -24286,13 +23835,6 @@
   <p:clrMapOvr>
     <a:masterClrMapping/>
   </p:clrMapOvr>
-  <p:timing>
-    <p:tnLst>
-      <p:par>
-        <p:cTn id="1" dur="indefinite" restart="never" nodeType="tmRoot"/>
-      </p:par>
-    </p:tnLst>
-  </p:timing>
 </p:sld>
 </file>
 
@@ -24458,13 +24000,6 @@
   <p:clrMapOvr>
     <a:masterClrMapping/>
   </p:clrMapOvr>
-  <p:timing>
-    <p:tnLst>
-      <p:par>
-        <p:cTn id="1" dur="indefinite" restart="never" nodeType="tmRoot"/>
-      </p:par>
-    </p:tnLst>
-  </p:timing>
 </p:sld>
 </file>
 
@@ -24589,13 +24124,6 @@
   <p:clrMapOvr>
     <a:masterClrMapping/>
   </p:clrMapOvr>
-  <p:timing>
-    <p:tnLst>
-      <p:par>
-        <p:cTn id="1" dur="indefinite" restart="never" nodeType="tmRoot"/>
-      </p:par>
-    </p:tnLst>
-  </p:timing>
 </p:sld>
 </file>
 
@@ -25104,69 +24632,8 @@
                 </a:effectLst>
                 <a:latin typeface="Impact" panose="020B0806030902050204" pitchFamily="34" charset="0"/>
               </a:rPr>
-              <a:t>Lab: </a:t>
-            </a:r>
-            <a:r>
-              <a:rPr lang="en-US" sz="3600" kern="10" dirty="0" smtClean="0">
-                <a:ln w="9525">
-                  <a:solidFill>
-                    <a:srgbClr val="CC99FF"/>
-                  </a:solidFill>
-                  <a:round/>
-                  <a:headEnd/>
-                  <a:tailEnd/>
-                </a:ln>
-                <a:gradFill rotWithShape="1">
-                  <a:gsLst>
-                    <a:gs pos="0">
-                      <a:srgbClr val="6600CC"/>
-                    </a:gs>
-                    <a:gs pos="100000">
-                      <a:srgbClr val="CC00CC"/>
-                    </a:gs>
-                  </a:gsLst>
-                  <a:lin ang="5400000" scaled="1"/>
-                </a:gradFill>
-                <a:effectLst>
-                  <a:outerShdw dist="53882" dir="2700000" algn="ctr" rotWithShape="0">
-                    <a:srgbClr val="9999FF">
-                      <a:alpha val="79999"/>
-                    </a:srgbClr>
-                  </a:outerShdw>
-                </a:effectLst>
-                <a:latin typeface="Impact" panose="020B0806030902050204" pitchFamily="34" charset="0"/>
-              </a:rPr>
-              <a:t>14:45-15:15</a:t>
-            </a:r>
-            <a:endParaRPr lang="en-US" sz="3600" kern="10" dirty="0">
-              <a:ln w="9525">
-                <a:solidFill>
-                  <a:srgbClr val="CC99FF"/>
-                </a:solidFill>
-                <a:round/>
-                <a:headEnd/>
-                <a:tailEnd/>
-              </a:ln>
-              <a:gradFill rotWithShape="1">
-                <a:gsLst>
-                  <a:gs pos="0">
-                    <a:srgbClr val="6600CC"/>
-                  </a:gs>
-                  <a:gs pos="100000">
-                    <a:srgbClr val="CC00CC"/>
-                  </a:gs>
-                </a:gsLst>
-                <a:lin ang="5400000" scaled="1"/>
-              </a:gradFill>
-              <a:effectLst>
-                <a:outerShdw dist="53882" dir="2700000" algn="ctr" rotWithShape="0">
-                  <a:srgbClr val="9999FF">
-                    <a:alpha val="79999"/>
-                  </a:srgbClr>
-                </a:outerShdw>
-              </a:effectLst>
-              <a:latin typeface="Impact" panose="020B0806030902050204" pitchFamily="34" charset="0"/>
-            </a:endParaRPr>
+              <a:t>Lab: 14:45-15:15</a:t>
+            </a:r>
           </a:p>
           <a:p>
             <a:pPr algn="ctr"/>
@@ -25200,69 +24667,8 @@
                 </a:effectLst>
                 <a:latin typeface="Impact" panose="020B0806030902050204" pitchFamily="34" charset="0"/>
               </a:rPr>
-              <a:t>P.M. Break: </a:t>
-            </a:r>
-            <a:r>
-              <a:rPr lang="en-US" sz="3600" kern="10" dirty="0" smtClean="0">
-                <a:ln w="9525">
-                  <a:solidFill>
-                    <a:srgbClr val="CC99FF"/>
-                  </a:solidFill>
-                  <a:round/>
-                  <a:headEnd/>
-                  <a:tailEnd/>
-                </a:ln>
-                <a:gradFill rotWithShape="1">
-                  <a:gsLst>
-                    <a:gs pos="0">
-                      <a:srgbClr val="6600CC"/>
-                    </a:gs>
-                    <a:gs pos="100000">
-                      <a:srgbClr val="CC00CC"/>
-                    </a:gs>
-                  </a:gsLst>
-                  <a:lin ang="5400000" scaled="1"/>
-                </a:gradFill>
-                <a:effectLst>
-                  <a:outerShdw dist="53882" dir="2700000" algn="ctr" rotWithShape="0">
-                    <a:srgbClr val="9999FF">
-                      <a:alpha val="79999"/>
-                    </a:srgbClr>
-                  </a:outerShdw>
-                </a:effectLst>
-                <a:latin typeface="Impact" panose="020B0806030902050204" pitchFamily="34" charset="0"/>
-              </a:rPr>
-              <a:t>15:15-15:30</a:t>
-            </a:r>
-            <a:endParaRPr lang="en-US" sz="3600" kern="10" dirty="0">
-              <a:ln w="9525">
-                <a:solidFill>
-                  <a:srgbClr val="CC99FF"/>
-                </a:solidFill>
-                <a:round/>
-                <a:headEnd/>
-                <a:tailEnd/>
-              </a:ln>
-              <a:gradFill rotWithShape="1">
-                <a:gsLst>
-                  <a:gs pos="0">
-                    <a:srgbClr val="6600CC"/>
-                  </a:gs>
-                  <a:gs pos="100000">
-                    <a:srgbClr val="CC00CC"/>
-                  </a:gs>
-                </a:gsLst>
-                <a:lin ang="5400000" scaled="1"/>
-              </a:gradFill>
-              <a:effectLst>
-                <a:outerShdw dist="53882" dir="2700000" algn="ctr" rotWithShape="0">
-                  <a:srgbClr val="9999FF">
-                    <a:alpha val="79999"/>
-                  </a:srgbClr>
-                </a:outerShdw>
-              </a:effectLst>
-              <a:latin typeface="Impact" panose="020B0806030902050204" pitchFamily="34" charset="0"/>
-            </a:endParaRPr>
+              <a:t>P.M. Break: 15:15-15:30</a:t>
+            </a:r>
           </a:p>
         </p:txBody>
       </p:sp>
@@ -25384,13 +24790,6 @@
   <p:clrMapOvr>
     <a:masterClrMapping/>
   </p:clrMapOvr>
-  <p:timing>
-    <p:tnLst>
-      <p:par>
-        <p:cTn id="1" dur="indefinite" restart="never" nodeType="tmRoot"/>
-      </p:par>
-    </p:tnLst>
-  </p:timing>
 </p:sld>
 </file>
 
@@ -25449,13 +24848,6 @@
   <p:clrMapOvr>
     <a:masterClrMapping/>
   </p:clrMapOvr>
-  <p:timing>
-    <p:tnLst>
-      <p:par>
-        <p:cTn id="1" dur="indefinite" restart="never" nodeType="tmRoot"/>
-      </p:par>
-    </p:tnLst>
-  </p:timing>
 </p:sld>
 </file>
 
@@ -26944,13 +26336,6 @@
   <p:clrMapOvr>
     <a:masterClrMapping/>
   </p:clrMapOvr>
-  <p:timing>
-    <p:tnLst>
-      <p:par>
-        <p:cTn id="1" dur="indefinite" restart="never" nodeType="tmRoot"/>
-      </p:par>
-    </p:tnLst>
-  </p:timing>
 </p:sld>
 </file>
 
@@ -29377,13 +28762,6 @@
   <p:clrMapOvr>
     <a:masterClrMapping/>
   </p:clrMapOvr>
-  <p:timing>
-    <p:tnLst>
-      <p:par>
-        <p:cTn id="1" dur="indefinite" restart="never" nodeType="tmRoot"/>
-      </p:par>
-    </p:tnLst>
-  </p:timing>
 </p:sld>
 </file>
 
@@ -33316,13 +32694,6 @@
   <p:clrMapOvr>
     <a:masterClrMapping/>
   </p:clrMapOvr>
-  <p:timing>
-    <p:tnLst>
-      <p:par>
-        <p:cTn id="1" dur="indefinite" restart="never" nodeType="tmRoot"/>
-      </p:par>
-    </p:tnLst>
-  </p:timing>
 </p:sld>
 </file>
 
@@ -33493,13 +32864,6 @@
   <p:clrMapOvr>
     <a:masterClrMapping/>
   </p:clrMapOvr>
-  <p:timing>
-    <p:tnLst>
-      <p:par>
-        <p:cTn id="1" dur="indefinite" restart="never" nodeType="tmRoot"/>
-      </p:par>
-    </p:tnLst>
-  </p:timing>
 </p:sld>
 </file>
 
@@ -33565,36 +32929,26 @@
           <a:p>
             <a:r>
               <a:rPr lang="en-US" dirty="0"/>
-              <a:t>Windows </a:t>
-            </a:r>
-            <a:r>
-              <a:rPr lang="en-US" dirty="0" smtClean="0"/>
-              <a:t>10</a:t>
-            </a:r>
-          </a:p>
-          <a:p>
-            <a:r>
-              <a:rPr lang="en-US" dirty="0" smtClean="0"/>
+              <a:t>Windows 10</a:t>
+            </a:r>
+          </a:p>
+          <a:p>
+            <a:r>
+              <a:rPr lang="en-US" dirty="0"/>
               <a:t>Prep Builder and Tableau Desktop trial editions</a:t>
             </a:r>
-            <a:endParaRPr lang="en-US" dirty="0"/>
           </a:p>
           <a:p>
             <a:r>
               <a:rPr lang="en-US" dirty="0"/>
-              <a:t>Course </a:t>
-            </a:r>
-            <a:r>
-              <a:rPr lang="en-US" dirty="0" smtClean="0"/>
-              <a:t>Files at C:\XTBP10ClassFiles</a:t>
-            </a:r>
-          </a:p>
-          <a:p>
-            <a:r>
-              <a:rPr lang="en-US" dirty="0" smtClean="0"/>
+              <a:t>Course Files at C:\XTBP10ClassFiles</a:t>
+            </a:r>
+          </a:p>
+          <a:p>
+            <a:r>
+              <a:rPr lang="en-US" dirty="0"/>
               <a:t>SQL Server</a:t>
             </a:r>
-            <a:endParaRPr lang="en-US" dirty="0"/>
           </a:p>
           <a:p>
             <a:r>
@@ -33650,13 +33004,6 @@
   <p:clrMapOvr>
     <a:masterClrMapping/>
   </p:clrMapOvr>
-  <p:timing>
-    <p:tnLst>
-      <p:par>
-        <p:cTn id="1" dur="indefinite" restart="never" nodeType="tmRoot"/>
-      </p:par>
-    </p:tnLst>
-  </p:timing>
 </p:sld>
 </file>
 
@@ -33827,13 +33174,6 @@
   <p:clrMapOvr>
     <a:masterClrMapping/>
   </p:clrMapOvr>
-  <p:timing>
-    <p:tnLst>
-      <p:par>
-        <p:cTn id="1" dur="indefinite" restart="never" nodeType="tmRoot"/>
-      </p:par>
-    </p:tnLst>
-  </p:timing>
 </p:sld>
 </file>
 
@@ -34001,13 +33341,6 @@
   <p:clrMapOvr>
     <a:masterClrMapping/>
   </p:clrMapOvr>
-  <p:timing>
-    <p:tnLst>
-      <p:par>
-        <p:cTn id="1" dur="indefinite" restart="never" nodeType="tmRoot"/>
-      </p:par>
-    </p:tnLst>
-  </p:timing>
 </p:sld>
 </file>
 
@@ -34182,13 +33515,6 @@
   <p:clrMapOvr>
     <a:masterClrMapping/>
   </p:clrMapOvr>
-  <p:timing>
-    <p:tnLst>
-      <p:par>
-        <p:cTn id="1" dur="indefinite" restart="never" nodeType="tmRoot"/>
-      </p:par>
-    </p:tnLst>
-  </p:timing>
 </p:sld>
 </file>
 
@@ -34353,13 +33679,6 @@
   <p:clrMapOvr>
     <a:masterClrMapping/>
   </p:clrMapOvr>
-  <p:timing>
-    <p:tnLst>
-      <p:par>
-        <p:cTn id="1" dur="indefinite" restart="never" nodeType="tmRoot"/>
-      </p:par>
-    </p:tnLst>
-  </p:timing>
 </p:sld>
 </file>
 
@@ -34557,13 +33876,6 @@
   <p:clrMapOvr>
     <a:masterClrMapping/>
   </p:clrMapOvr>
-  <p:timing>
-    <p:tnLst>
-      <p:par>
-        <p:cTn id="1" dur="indefinite" restart="never" nodeType="tmRoot"/>
-      </p:par>
-    </p:tnLst>
-  </p:timing>
 </p:sld>
 </file>
 
@@ -35421,13 +34733,6 @@
   <p:clrMapOvr>
     <a:masterClrMapping/>
   </p:clrMapOvr>
-  <p:timing>
-    <p:tnLst>
-      <p:par>
-        <p:cTn id="1" dur="indefinite" restart="never" nodeType="tmRoot"/>
-      </p:par>
-    </p:tnLst>
-  </p:timing>
 </p:sld>
 </file>
 
@@ -35585,13 +34890,6 @@
   <p:clrMapOvr>
     <a:masterClrMapping/>
   </p:clrMapOvr>
-  <p:timing>
-    <p:tnLst>
-      <p:par>
-        <p:cTn id="1" dur="indefinite" restart="never" nodeType="tmRoot"/>
-      </p:par>
-    </p:tnLst>
-  </p:timing>
 </p:sld>
 </file>
 
@@ -36115,7 +35413,7 @@
           <a:p>
             <a:pPr algn="ctr"/>
             <a:r>
-              <a:rPr lang="en-US" sz="3600" kern="10" dirty="0" smtClean="0">
+              <a:rPr lang="en-US" sz="3600" kern="10" dirty="0">
                 <a:ln w="9525">
                   <a:solidFill>
                     <a:srgbClr val="CC99FF"/>
@@ -36146,35 +35444,6 @@
               </a:rPr>
               <a:t>16:15-Done</a:t>
             </a:r>
-            <a:endParaRPr lang="en-US" sz="3600" kern="10" dirty="0">
-              <a:ln w="9525">
-                <a:solidFill>
-                  <a:srgbClr val="CC99FF"/>
-                </a:solidFill>
-                <a:round/>
-                <a:headEnd/>
-                <a:tailEnd/>
-              </a:ln>
-              <a:gradFill rotWithShape="1">
-                <a:gsLst>
-                  <a:gs pos="0">
-                    <a:srgbClr val="6600CC"/>
-                  </a:gs>
-                  <a:gs pos="100000">
-                    <a:srgbClr val="CC00CC"/>
-                  </a:gs>
-                </a:gsLst>
-                <a:lin ang="5400000" scaled="1"/>
-              </a:gradFill>
-              <a:effectLst>
-                <a:outerShdw dist="53882" dir="2700000" algn="ctr" rotWithShape="0">
-                  <a:srgbClr val="9999FF">
-                    <a:alpha val="79999"/>
-                  </a:srgbClr>
-                </a:outerShdw>
-              </a:effectLst>
-              <a:latin typeface="Impact" panose="020B0806030902050204" pitchFamily="34" charset="0"/>
-            </a:endParaRPr>
           </a:p>
         </p:txBody>
       </p:sp>
@@ -36340,13 +35609,6 @@
   <p:clrMapOvr>
     <a:masterClrMapping/>
   </p:clrMapOvr>
-  <p:timing>
-    <p:tnLst>
-      <p:par>
-        <p:cTn id="1" dur="indefinite" restart="never" nodeType="tmRoot"/>
-      </p:par>
-    </p:tnLst>
-  </p:timing>
 </p:sld>
 </file>
 
@@ -36423,13 +35685,8 @@
             </a:pPr>
             <a:r>
               <a:rPr lang="en-US" sz="700" dirty="0"/>
-              <a:t>What is </a:t>
-            </a:r>
-            <a:r>
-              <a:rPr lang="en-US" sz="700" dirty="0" smtClean="0"/>
-              <a:t>ETL</a:t>
-            </a:r>
-            <a:endParaRPr lang="en-US" sz="700" dirty="0"/>
+              <a:t>What is ETL</a:t>
+            </a:r>
           </a:p>
           <a:p>
             <a:pPr marL="0" indent="0">
@@ -36629,12 +35886,8 @@
               <a:t> </a:t>
             </a:r>
             <a:r>
-              <a:rPr lang="en-US" sz="700" b="1" dirty="0" smtClean="0"/>
-              <a:t>Module </a:t>
-            </a:r>
-            <a:r>
               <a:rPr lang="en-US" sz="700" b="1" dirty="0"/>
-              <a:t>4: Joins</a:t>
+              <a:t>Module 4: Joins</a:t>
             </a:r>
           </a:p>
           <a:p>
@@ -36830,19 +36083,15 @@
             <a:pPr marL="0" indent="0">
               <a:buNone/>
             </a:pPr>
-            <a:endParaRPr lang="en-US" sz="700" b="1" dirty="0" smtClean="0"/>
+            <a:endParaRPr lang="en-US" sz="700" b="1" dirty="0"/>
           </a:p>
           <a:p>
             <a:pPr marL="0" indent="0">
               <a:buNone/>
             </a:pPr>
             <a:r>
-              <a:rPr lang="en-US" sz="700" b="1" dirty="0" smtClean="0"/>
-              <a:t>Module </a:t>
-            </a:r>
-            <a:r>
               <a:rPr lang="en-US" sz="700" b="1" dirty="0"/>
-              <a:t>6: Group and Replace</a:t>
+              <a:t>Module 6: Group and Replace</a:t>
             </a:r>
           </a:p>
           <a:p>
@@ -37066,13 +36315,6 @@
   <p:clrMapOvr>
     <a:masterClrMapping/>
   </p:clrMapOvr>
-  <p:timing>
-    <p:tnLst>
-      <p:par>
-        <p:cTn id="1" dur="indefinite" restart="never" nodeType="tmRoot"/>
-      </p:par>
-    </p:tnLst>
-  </p:timing>
 </p:sld>
 </file>
 
@@ -37665,13 +36907,6 @@
   <p:clrMapOvr>
     <a:masterClrMapping/>
   </p:clrMapOvr>
-  <p:timing>
-    <p:tnLst>
-      <p:par>
-        <p:cTn id="1" dur="indefinite" restart="never" nodeType="tmRoot"/>
-      </p:par>
-    </p:tnLst>
-  </p:timing>
 </p:sld>
 </file>
 
@@ -37730,13 +36965,6 @@
   <p:clrMapOvr>
     <a:masterClrMapping/>
   </p:clrMapOvr>
-  <p:timing>
-    <p:tnLst>
-      <p:par>
-        <p:cTn id="1" dur="indefinite" restart="never" nodeType="tmRoot"/>
-      </p:par>
-    </p:tnLst>
-  </p:timing>
 </p:sld>
 </file>
 
@@ -37800,13 +37028,6 @@
   <p:clrMapOvr>
     <a:masterClrMapping/>
   </p:clrMapOvr>
-  <p:timing>
-    <p:tnLst>
-      <p:par>
-        <p:cTn id="1" dur="indefinite" restart="never" nodeType="tmRoot"/>
-      </p:par>
-    </p:tnLst>
-  </p:timing>
 </p:sld>
 </file>
 
@@ -39150,56 +38371,27 @@
           <a:lstStyle/>
           <a:p>
             <a:r>
-              <a:rPr lang="en-US" dirty="0" smtClean="0"/>
-              <a:t>Tableau </a:t>
-            </a:r>
-            <a:r>
               <a:rPr lang="en-US" dirty="0"/>
-              <a:t>Desktop Level 1: </a:t>
-            </a:r>
-            <a:r>
-              <a:rPr lang="en-US" dirty="0" smtClean="0"/>
-              <a:t>Introduction</a:t>
-            </a:r>
-          </a:p>
-          <a:p>
-            <a:r>
-              <a:rPr lang="en-US" dirty="0" smtClean="0"/>
-              <a:t>Tableau </a:t>
-            </a:r>
+              <a:t>Tableau Desktop Level 1: Introduction</a:t>
+            </a:r>
+          </a:p>
+          <a:p>
             <a:r>
               <a:rPr lang="en-US" dirty="0"/>
-              <a:t>Desktop Level 2: </a:t>
-            </a:r>
-            <a:r>
-              <a:rPr lang="en-US" dirty="0" smtClean="0"/>
-              <a:t>Intermediate</a:t>
-            </a:r>
-          </a:p>
-          <a:p>
-            <a:r>
-              <a:rPr lang="en-US" dirty="0" smtClean="0"/>
-              <a:t>Tableau </a:t>
-            </a:r>
+              <a:t>Tableau Desktop Level 2: Intermediate</a:t>
+            </a:r>
+          </a:p>
+          <a:p>
             <a:r>
               <a:rPr lang="en-US" dirty="0"/>
-              <a:t>Desktop Level 3: </a:t>
-            </a:r>
-            <a:r>
-              <a:rPr lang="en-US" dirty="0" smtClean="0"/>
-              <a:t>Advanced</a:t>
-            </a:r>
-          </a:p>
-          <a:p>
-            <a:r>
-              <a:rPr lang="en-US" dirty="0" smtClean="0"/>
-              <a:t>Tableau </a:t>
-            </a:r>
+              <a:t>Tableau Desktop Level 3: Advanced</a:t>
+            </a:r>
+          </a:p>
+          <a:p>
             <a:r>
               <a:rPr lang="en-US" dirty="0"/>
-              <a:t>Data Visualizations</a:t>
-            </a:r>
-            <a:endParaRPr lang="en-US" dirty="0"/>
+              <a:t>Tableau Data Visualizations</a:t>
+            </a:r>
           </a:p>
         </p:txBody>
       </p:sp>
@@ -39237,13 +38429,6 @@
   <p:clrMapOvr>
     <a:masterClrMapping/>
   </p:clrMapOvr>
-  <p:timing>
-    <p:tnLst>
-      <p:par>
-        <p:cTn id="1" dur="indefinite" restart="never" nodeType="tmRoot"/>
-      </p:par>
-    </p:tnLst>
-  </p:timing>
 </p:sld>
 </file>
 
@@ -40747,13 +39932,6 @@
   <p:clrMapOvr>
     <a:masterClrMapping/>
   </p:clrMapOvr>
-  <p:timing>
-    <p:tnLst>
-      <p:par>
-        <p:cTn id="1" dur="indefinite" restart="never" nodeType="tmRoot"/>
-      </p:par>
-    </p:tnLst>
-  </p:timing>
 </p:sld>
 </file>
 

--- a/ppt/TableauPrepBuilderIntroV1_2.pptx
+++ b/ppt/TableauPrepBuilderIntroV1_2.pptx
@@ -5,10 +5,10 @@
     <p:sldMasterId id="2147483660" r:id="rId4"/>
   </p:sldMasterIdLst>
   <p:notesMasterIdLst>
-    <p:notesMasterId r:id="rId110"/>
+    <p:notesMasterId r:id="rId116"/>
   </p:notesMasterIdLst>
   <p:handoutMasterIdLst>
-    <p:handoutMasterId r:id="rId111"/>
+    <p:handoutMasterId r:id="rId117"/>
   </p:handoutMasterIdLst>
   <p:sldIdLst>
     <p:sldId id="323" r:id="rId5"/>
@@ -112,10 +112,16 @@
     <p:sldId id="489" r:id="rId103"/>
     <p:sldId id="519" r:id="rId104"/>
     <p:sldId id="490" r:id="rId105"/>
-    <p:sldId id="382" r:id="rId106"/>
-    <p:sldId id="384" r:id="rId107"/>
-    <p:sldId id="385" r:id="rId108"/>
-    <p:sldId id="340" r:id="rId109"/>
+    <p:sldId id="525" r:id="rId106"/>
+    <p:sldId id="523" r:id="rId107"/>
+    <p:sldId id="524" r:id="rId108"/>
+    <p:sldId id="382" r:id="rId109"/>
+    <p:sldId id="384" r:id="rId110"/>
+    <p:sldId id="526" r:id="rId111"/>
+    <p:sldId id="385" r:id="rId112"/>
+    <p:sldId id="527" r:id="rId113"/>
+    <p:sldId id="528" r:id="rId114"/>
+    <p:sldId id="340" r:id="rId115"/>
   </p:sldIdLst>
   <p:sldSz cx="12192000" cy="6858000"/>
   <p:notesSz cx="9309100" cy="7053263"/>
@@ -386,9 +392,15 @@
         <p14:section name="Module 9: Tableau Prep Builder Conductor" id="{A03F1157-B246-4852-A53A-4CEC99584E0B}">
           <p14:sldIdLst>
             <p14:sldId id="490"/>
+            <p14:sldId id="525"/>
+            <p14:sldId id="523"/>
+            <p14:sldId id="524"/>
             <p14:sldId id="382"/>
             <p14:sldId id="384"/>
+            <p14:sldId id="526"/>
             <p14:sldId id="385"/>
+            <p14:sldId id="527"/>
+            <p14:sldId id="528"/>
           </p14:sldIdLst>
         </p14:section>
         <p14:section name="Appendix: Preparing Data In Tableau" id="{F4494685-5EB9-C64C-B54A-24D4DA38DC63}">
@@ -6054,7 +6066,7 @@
               <a:pPr>
                 <a:defRPr/>
               </a:pPr>
-              <a:t>102</a:t>
+              <a:t>105</a:t>
             </a:fld>
             <a:endParaRPr lang="en-US"/>
           </a:p>
@@ -6144,7 +6156,7 @@
               <a:pPr>
                 <a:defRPr/>
               </a:pPr>
-              <a:t>103</a:t>
+              <a:t>106</a:t>
             </a:fld>
             <a:endParaRPr lang="en-US"/>
           </a:p>
@@ -6234,7 +6246,7 @@
               <a:pPr>
                 <a:defRPr/>
               </a:pPr>
-              <a:t>104</a:t>
+              <a:t>107</a:t>
             </a:fld>
             <a:endParaRPr lang="en-US"/>
           </a:p>
@@ -6243,7 +6255,7 @@
     </p:spTree>
     <p:extLst>
       <p:ext uri="{BB962C8B-B14F-4D97-AF65-F5344CB8AC3E}">
-        <p14:creationId xmlns:p14="http://schemas.microsoft.com/office/powerpoint/2010/main" val="1940669753"/>
+        <p14:creationId xmlns:p14="http://schemas.microsoft.com/office/powerpoint/2010/main" val="1975514878"/>
       </p:ext>
     </p:extLst>
   </p:cSld>
@@ -6414,7 +6426,97 @@
               <a:pPr>
                 <a:defRPr/>
               </a:pPr>
-              <a:t>105</a:t>
+              <a:t>108</a:t>
+            </a:fld>
+            <a:endParaRPr lang="en-US"/>
+          </a:p>
+        </p:txBody>
+      </p:sp>
+    </p:spTree>
+    <p:extLst>
+      <p:ext uri="{BB962C8B-B14F-4D97-AF65-F5344CB8AC3E}">
+        <p14:creationId xmlns:p14="http://schemas.microsoft.com/office/powerpoint/2010/main" val="1940669753"/>
+      </p:ext>
+    </p:extLst>
+  </p:cSld>
+  <p:clrMapOvr>
+    <a:masterClrMapping/>
+  </p:clrMapOvr>
+</p:notes>
+</file>
+
+<file path=ppt/notesSlides/notesSlide61.xml><?xml version="1.0" encoding="utf-8"?>
+<p:notes xmlns:a="http://schemas.openxmlformats.org/drawingml/2006/main" xmlns:r="http://schemas.openxmlformats.org/officeDocument/2006/relationships" xmlns:p="http://schemas.openxmlformats.org/presentationml/2006/main">
+  <p:cSld>
+    <p:spTree>
+      <p:nvGrpSpPr>
+        <p:cNvPr id="1" name=""/>
+        <p:cNvGrpSpPr/>
+        <p:nvPr/>
+      </p:nvGrpSpPr>
+      <p:grpSpPr>
+        <a:xfrm>
+          <a:off x="0" y="0"/>
+          <a:ext cx="0" cy="0"/>
+          <a:chOff x="0" y="0"/>
+          <a:chExt cx="0" cy="0"/>
+        </a:xfrm>
+      </p:grpSpPr>
+      <p:sp>
+        <p:nvSpPr>
+          <p:cNvPr id="2" name="Slide Image Placeholder 1"/>
+          <p:cNvSpPr>
+            <a:spLocks noGrp="1" noRot="1" noChangeAspect="1"/>
+          </p:cNvSpPr>
+          <p:nvPr>
+            <p:ph type="sldImg"/>
+          </p:nvPr>
+        </p:nvSpPr>
+        <p:spPr/>
+      </p:sp>
+      <p:sp>
+        <p:nvSpPr>
+          <p:cNvPr id="3" name="Notes Placeholder 2"/>
+          <p:cNvSpPr>
+            <a:spLocks noGrp="1"/>
+          </p:cNvSpPr>
+          <p:nvPr>
+            <p:ph type="body" idx="1"/>
+          </p:nvPr>
+        </p:nvSpPr>
+        <p:spPr/>
+        <p:txBody>
+          <a:bodyPr/>
+          <a:lstStyle/>
+          <a:p>
+            <a:endParaRPr lang="en-US"/>
+          </a:p>
+        </p:txBody>
+      </p:sp>
+      <p:sp>
+        <p:nvSpPr>
+          <p:cNvPr id="4" name="Slide Number Placeholder 3"/>
+          <p:cNvSpPr>
+            <a:spLocks noGrp="1"/>
+          </p:cNvSpPr>
+          <p:nvPr>
+            <p:ph type="sldNum" sz="quarter" idx="5"/>
+          </p:nvPr>
+        </p:nvSpPr>
+        <p:spPr/>
+        <p:txBody>
+          <a:bodyPr/>
+          <a:lstStyle/>
+          <a:p>
+            <a:pPr>
+              <a:defRPr/>
+            </a:pPr>
+            <a:fld id="{673C55C6-0635-4FFD-BEAC-5E6F89DDB24B}" type="slidenum">
+              <a:rPr lang="en-US" smtClean="0"/>
+              <a:pPr>
+                <a:defRPr/>
+              </a:pPr>
+              <a:t>111</a:t>
             </a:fld>
             <a:endParaRPr lang="en-US"/>
           </a:p>
@@ -7342,6 +7444,13 @@
   <p:clrMapOvr>
     <a:masterClrMapping/>
   </p:clrMapOvr>
+  <p:timing>
+    <p:tnLst>
+      <p:par>
+        <p:cTn id="1" dur="indefinite" restart="never" nodeType="tmRoot"/>
+      </p:par>
+    </p:tnLst>
+  </p:timing>
   <p:extLst>
     <p:ext uri="{DCECCB84-F9BA-43D5-87BE-67443E8EF086}">
       <p15:sldGuideLst xmlns:p15="http://schemas.microsoft.com/office/powerpoint/2012/main">
@@ -9601,8 +9710,12 @@
           <a:lstStyle/>
           <a:p>
             <a:r>
+              <a:rPr lang="en-US" dirty="0" smtClean="0"/>
+              <a:t>10 </a:t>
+            </a:r>
+            <a:r>
               <a:rPr lang="en-US" dirty="0"/>
-              <a:t>15 Minutes</a:t>
+              <a:t>Minutes</a:t>
             </a:r>
           </a:p>
         </p:txBody>
@@ -9635,6 +9748,549 @@
           </a:p>
         </p:txBody>
       </p:sp>
+      <p:sp>
+        <p:nvSpPr>
+          <p:cNvPr id="5" name="Rectangle 5"/>
+          <p:cNvSpPr>
+            <a:spLocks noChangeArrowheads="1"/>
+          </p:cNvSpPr>
+          <p:nvPr/>
+        </p:nvSpPr>
+        <p:spPr bwMode="auto">
+          <a:xfrm>
+            <a:off x="0" y="0"/>
+            <a:ext cx="12192000" cy="6858000"/>
+          </a:xfrm>
+          <a:prstGeom prst="rect">
+            <a:avLst/>
+          </a:prstGeom>
+          <a:solidFill>
+            <a:srgbClr val="FFFFFF">
+              <a:alpha val="50195"/>
+            </a:srgbClr>
+          </a:solidFill>
+          <a:ln>
+            <a:noFill/>
+          </a:ln>
+          <a:effectLst>
+            <a:outerShdw dist="53882" dir="2700000" algn="ctr" rotWithShape="0">
+              <a:srgbClr val="919191">
+                <a:alpha val="50000"/>
+              </a:srgbClr>
+            </a:outerShdw>
+          </a:effectLst>
+          <a:extLst>
+            <a:ext uri="{91240B29-F687-4F45-9708-019B960494DF}">
+              <a14:hiddenLine xmlns:a14="http://schemas.microsoft.com/office/drawing/2010/main" w="9525" algn="ctr">
+                <a:solidFill>
+                  <a:srgbClr val="000000"/>
+                </a:solidFill>
+                <a:miter lim="800000"/>
+                <a:headEnd/>
+                <a:tailEnd/>
+              </a14:hiddenLine>
+            </a:ext>
+          </a:extLst>
+        </p:spPr>
+        <p:txBody>
+          <a:bodyPr wrap="none" anchor="ctr"/>
+          <a:lstStyle>
+            <a:lvl1pPr>
+              <a:defRPr b="1">
+                <a:solidFill>
+                  <a:schemeClr val="tx1"/>
+                </a:solidFill>
+                <a:latin typeface="Verdana" panose="020B0604030504040204" pitchFamily="34" charset="0"/>
+              </a:defRPr>
+            </a:lvl1pPr>
+            <a:lvl2pPr marL="742950" indent="-285750">
+              <a:defRPr b="1">
+                <a:solidFill>
+                  <a:schemeClr val="tx1"/>
+                </a:solidFill>
+                <a:latin typeface="Verdana" panose="020B0604030504040204" pitchFamily="34" charset="0"/>
+              </a:defRPr>
+            </a:lvl2pPr>
+            <a:lvl3pPr marL="1143000" indent="-228600">
+              <a:defRPr b="1">
+                <a:solidFill>
+                  <a:schemeClr val="tx1"/>
+                </a:solidFill>
+                <a:latin typeface="Verdana" panose="020B0604030504040204" pitchFamily="34" charset="0"/>
+              </a:defRPr>
+            </a:lvl3pPr>
+            <a:lvl4pPr marL="1600200" indent="-228600">
+              <a:defRPr b="1">
+                <a:solidFill>
+                  <a:schemeClr val="tx1"/>
+                </a:solidFill>
+                <a:latin typeface="Verdana" panose="020B0604030504040204" pitchFamily="34" charset="0"/>
+              </a:defRPr>
+            </a:lvl4pPr>
+            <a:lvl5pPr marL="2057400" indent="-228600">
+              <a:defRPr b="1">
+                <a:solidFill>
+                  <a:schemeClr val="tx1"/>
+                </a:solidFill>
+                <a:latin typeface="Verdana" panose="020B0604030504040204" pitchFamily="34" charset="0"/>
+              </a:defRPr>
+            </a:lvl5pPr>
+            <a:lvl6pPr marL="2514600" indent="-228600" eaLnBrk="0" fontAlgn="base" hangingPunct="0">
+              <a:spcBef>
+                <a:spcPct val="0"/>
+              </a:spcBef>
+              <a:spcAft>
+                <a:spcPct val="0"/>
+              </a:spcAft>
+              <a:defRPr b="1">
+                <a:solidFill>
+                  <a:schemeClr val="tx1"/>
+                </a:solidFill>
+                <a:latin typeface="Verdana" panose="020B0604030504040204" pitchFamily="34" charset="0"/>
+              </a:defRPr>
+            </a:lvl6pPr>
+            <a:lvl7pPr marL="2971800" indent="-228600" eaLnBrk="0" fontAlgn="base" hangingPunct="0">
+              <a:spcBef>
+                <a:spcPct val="0"/>
+              </a:spcBef>
+              <a:spcAft>
+                <a:spcPct val="0"/>
+              </a:spcAft>
+              <a:defRPr b="1">
+                <a:solidFill>
+                  <a:schemeClr val="tx1"/>
+                </a:solidFill>
+                <a:latin typeface="Verdana" panose="020B0604030504040204" pitchFamily="34" charset="0"/>
+              </a:defRPr>
+            </a:lvl7pPr>
+            <a:lvl8pPr marL="3429000" indent="-228600" eaLnBrk="0" fontAlgn="base" hangingPunct="0">
+              <a:spcBef>
+                <a:spcPct val="0"/>
+              </a:spcBef>
+              <a:spcAft>
+                <a:spcPct val="0"/>
+              </a:spcAft>
+              <a:defRPr b="1">
+                <a:solidFill>
+                  <a:schemeClr val="tx1"/>
+                </a:solidFill>
+                <a:latin typeface="Verdana" panose="020B0604030504040204" pitchFamily="34" charset="0"/>
+              </a:defRPr>
+            </a:lvl8pPr>
+            <a:lvl9pPr marL="3886200" indent="-228600" eaLnBrk="0" fontAlgn="base" hangingPunct="0">
+              <a:spcBef>
+                <a:spcPct val="0"/>
+              </a:spcBef>
+              <a:spcAft>
+                <a:spcPct val="0"/>
+              </a:spcAft>
+              <a:defRPr b="1">
+                <a:solidFill>
+                  <a:schemeClr val="tx1"/>
+                </a:solidFill>
+                <a:latin typeface="Verdana" panose="020B0604030504040204" pitchFamily="34" charset="0"/>
+              </a:defRPr>
+            </a:lvl9pPr>
+          </a:lstStyle>
+          <a:p>
+            <a:pPr algn="ctr"/>
+            <a:endParaRPr lang="en-US" altLang="en-US"/>
+          </a:p>
+        </p:txBody>
+      </p:sp>
+      <p:sp>
+        <p:nvSpPr>
+          <p:cNvPr id="6" name="Rectangle 6"/>
+          <p:cNvSpPr>
+            <a:spLocks noChangeArrowheads="1"/>
+          </p:cNvSpPr>
+          <p:nvPr/>
+        </p:nvSpPr>
+        <p:spPr bwMode="auto">
+          <a:xfrm>
+            <a:off x="492125" y="5038725"/>
+            <a:ext cx="4094163" cy="1589088"/>
+          </a:xfrm>
+          <a:prstGeom prst="rect">
+            <a:avLst/>
+          </a:prstGeom>
+          <a:solidFill>
+            <a:srgbClr val="FFFFFF"/>
+          </a:solidFill>
+          <a:ln w="9525" algn="ctr">
+            <a:solidFill>
+              <a:schemeClr val="bg2"/>
+            </a:solidFill>
+            <a:miter lim="800000"/>
+            <a:headEnd/>
+            <a:tailEnd/>
+          </a:ln>
+          <a:effectLst>
+            <a:outerShdw dist="53882" dir="2700000" algn="ctr" rotWithShape="0">
+              <a:srgbClr val="919191">
+                <a:alpha val="50000"/>
+              </a:srgbClr>
+            </a:outerShdw>
+          </a:effectLst>
+        </p:spPr>
+        <p:txBody>
+          <a:bodyPr anchor="ctr"/>
+          <a:lstStyle>
+            <a:lvl1pPr>
+              <a:defRPr b="1">
+                <a:solidFill>
+                  <a:schemeClr val="tx1"/>
+                </a:solidFill>
+                <a:latin typeface="Verdana" panose="020B0604030504040204" pitchFamily="34" charset="0"/>
+              </a:defRPr>
+            </a:lvl1pPr>
+            <a:lvl2pPr marL="742950" indent="-285750">
+              <a:defRPr b="1">
+                <a:solidFill>
+                  <a:schemeClr val="tx1"/>
+                </a:solidFill>
+                <a:latin typeface="Verdana" panose="020B0604030504040204" pitchFamily="34" charset="0"/>
+              </a:defRPr>
+            </a:lvl2pPr>
+            <a:lvl3pPr marL="1143000" indent="-228600">
+              <a:defRPr b="1">
+                <a:solidFill>
+                  <a:schemeClr val="tx1"/>
+                </a:solidFill>
+                <a:latin typeface="Verdana" panose="020B0604030504040204" pitchFamily="34" charset="0"/>
+              </a:defRPr>
+            </a:lvl3pPr>
+            <a:lvl4pPr marL="1600200" indent="-228600">
+              <a:defRPr b="1">
+                <a:solidFill>
+                  <a:schemeClr val="tx1"/>
+                </a:solidFill>
+                <a:latin typeface="Verdana" panose="020B0604030504040204" pitchFamily="34" charset="0"/>
+              </a:defRPr>
+            </a:lvl4pPr>
+            <a:lvl5pPr marL="2057400" indent="-228600">
+              <a:defRPr b="1">
+                <a:solidFill>
+                  <a:schemeClr val="tx1"/>
+                </a:solidFill>
+                <a:latin typeface="Verdana" panose="020B0604030504040204" pitchFamily="34" charset="0"/>
+              </a:defRPr>
+            </a:lvl5pPr>
+            <a:lvl6pPr marL="2514600" indent="-228600" eaLnBrk="0" fontAlgn="base" hangingPunct="0">
+              <a:spcBef>
+                <a:spcPct val="0"/>
+              </a:spcBef>
+              <a:spcAft>
+                <a:spcPct val="0"/>
+              </a:spcAft>
+              <a:defRPr b="1">
+                <a:solidFill>
+                  <a:schemeClr val="tx1"/>
+                </a:solidFill>
+                <a:latin typeface="Verdana" panose="020B0604030504040204" pitchFamily="34" charset="0"/>
+              </a:defRPr>
+            </a:lvl6pPr>
+            <a:lvl7pPr marL="2971800" indent="-228600" eaLnBrk="0" fontAlgn="base" hangingPunct="0">
+              <a:spcBef>
+                <a:spcPct val="0"/>
+              </a:spcBef>
+              <a:spcAft>
+                <a:spcPct val="0"/>
+              </a:spcAft>
+              <a:defRPr b="1">
+                <a:solidFill>
+                  <a:schemeClr val="tx1"/>
+                </a:solidFill>
+                <a:latin typeface="Verdana" panose="020B0604030504040204" pitchFamily="34" charset="0"/>
+              </a:defRPr>
+            </a:lvl7pPr>
+            <a:lvl8pPr marL="3429000" indent="-228600" eaLnBrk="0" fontAlgn="base" hangingPunct="0">
+              <a:spcBef>
+                <a:spcPct val="0"/>
+              </a:spcBef>
+              <a:spcAft>
+                <a:spcPct val="0"/>
+              </a:spcAft>
+              <a:defRPr b="1">
+                <a:solidFill>
+                  <a:schemeClr val="tx1"/>
+                </a:solidFill>
+                <a:latin typeface="Verdana" panose="020B0604030504040204" pitchFamily="34" charset="0"/>
+              </a:defRPr>
+            </a:lvl8pPr>
+            <a:lvl9pPr marL="3886200" indent="-228600" eaLnBrk="0" fontAlgn="base" hangingPunct="0">
+              <a:spcBef>
+                <a:spcPct val="0"/>
+              </a:spcBef>
+              <a:spcAft>
+                <a:spcPct val="0"/>
+              </a:spcAft>
+              <a:defRPr b="1">
+                <a:solidFill>
+                  <a:schemeClr val="tx1"/>
+                </a:solidFill>
+                <a:latin typeface="Verdana" panose="020B0604030504040204" pitchFamily="34" charset="0"/>
+              </a:defRPr>
+            </a:lvl9pPr>
+          </a:lstStyle>
+          <a:p>
+            <a:pPr algn="ctr"/>
+            <a:r>
+              <a:rPr lang="en-US" altLang="en-US">
+                <a:solidFill>
+                  <a:srgbClr val="000000"/>
+                </a:solidFill>
+              </a:rPr>
+              <a:t>Questions? Comments?</a:t>
+            </a:r>
+          </a:p>
+          <a:p>
+            <a:pPr algn="ctr"/>
+            <a:r>
+              <a:rPr lang="en-US" altLang="en-US">
+                <a:solidFill>
+                  <a:srgbClr val="000000"/>
+                </a:solidFill>
+              </a:rPr>
+              <a:t>Dan’s e-mail: </a:t>
+            </a:r>
+            <a:r>
+              <a:rPr lang="en-US" altLang="en-US">
+                <a:solidFill>
+                  <a:srgbClr val="000000"/>
+                </a:solidFill>
+                <a:hlinkClick r:id="rId2"/>
+              </a:rPr>
+              <a:t>danc@onlc.com</a:t>
+            </a:r>
+            <a:endParaRPr lang="en-US" altLang="en-US">
+              <a:solidFill>
+                <a:srgbClr val="000000"/>
+              </a:solidFill>
+            </a:endParaRPr>
+          </a:p>
+          <a:p>
+            <a:pPr algn="ctr"/>
+            <a:r>
+              <a:rPr lang="en-US" altLang="en-US">
+                <a:solidFill>
+                  <a:srgbClr val="000000"/>
+                </a:solidFill>
+              </a:rPr>
+              <a:t>Dan’s cell #: (413) 455-0856</a:t>
+            </a:r>
+          </a:p>
+        </p:txBody>
+      </p:sp>
+      <p:sp>
+        <p:nvSpPr>
+          <p:cNvPr id="7" name="WordArt 3"/>
+          <p:cNvSpPr>
+            <a:spLocks noChangeArrowheads="1" noChangeShapeType="1" noTextEdit="1"/>
+          </p:cNvSpPr>
+          <p:nvPr/>
+        </p:nvSpPr>
+        <p:spPr bwMode="auto">
+          <a:xfrm>
+            <a:off x="4788982" y="2888336"/>
+            <a:ext cx="3167063" cy="2616200"/>
+          </a:xfrm>
+          <a:prstGeom prst="rect">
+            <a:avLst/>
+          </a:prstGeom>
+        </p:spPr>
+        <p:txBody>
+          <a:bodyPr wrap="none" fromWordArt="1">
+            <a:prstTxWarp prst="textSlantUp">
+              <a:avLst>
+                <a:gd name="adj" fmla="val 9014"/>
+              </a:avLst>
+            </a:prstTxWarp>
+          </a:bodyPr>
+          <a:lstStyle/>
+          <a:p>
+            <a:pPr algn="ctr"/>
+            <a:r>
+              <a:rPr lang="en-US" sz="3600" kern="10" dirty="0" smtClean="0">
+                <a:ln w="9525">
+                  <a:solidFill>
+                    <a:srgbClr val="CC99FF"/>
+                  </a:solidFill>
+                  <a:round/>
+                  <a:headEnd/>
+                  <a:tailEnd/>
+                </a:ln>
+                <a:gradFill rotWithShape="1">
+                  <a:gsLst>
+                    <a:gs pos="0">
+                      <a:srgbClr val="6600CC"/>
+                    </a:gs>
+                    <a:gs pos="100000">
+                      <a:srgbClr val="CC00CC"/>
+                    </a:gs>
+                  </a:gsLst>
+                  <a:lin ang="5400000" scaled="1"/>
+                </a:gradFill>
+                <a:effectLst>
+                  <a:outerShdw dist="53882" dir="2700000" algn="ctr" rotWithShape="0">
+                    <a:srgbClr val="9999FF">
+                      <a:alpha val="79999"/>
+                    </a:srgbClr>
+                  </a:outerShdw>
+                </a:effectLst>
+                <a:latin typeface="Impact" panose="020B0806030902050204" pitchFamily="34" charset="0"/>
+              </a:rPr>
+              <a:t>Lab:</a:t>
+            </a:r>
+            <a:br>
+              <a:rPr lang="en-US" sz="3600" kern="10" dirty="0" smtClean="0">
+                <a:ln w="9525">
+                  <a:solidFill>
+                    <a:srgbClr val="CC99FF"/>
+                  </a:solidFill>
+                  <a:round/>
+                  <a:headEnd/>
+                  <a:tailEnd/>
+                </a:ln>
+                <a:gradFill rotWithShape="1">
+                  <a:gsLst>
+                    <a:gs pos="0">
+                      <a:srgbClr val="6600CC"/>
+                    </a:gs>
+                    <a:gs pos="100000">
+                      <a:srgbClr val="CC00CC"/>
+                    </a:gs>
+                  </a:gsLst>
+                  <a:lin ang="5400000" scaled="1"/>
+                </a:gradFill>
+                <a:effectLst>
+                  <a:outerShdw dist="53882" dir="2700000" algn="ctr" rotWithShape="0">
+                    <a:srgbClr val="9999FF">
+                      <a:alpha val="79999"/>
+                    </a:srgbClr>
+                  </a:outerShdw>
+                </a:effectLst>
+                <a:latin typeface="Impact" panose="020B0806030902050204" pitchFamily="34" charset="0"/>
+              </a:rPr>
+            </a:br>
+            <a:r>
+              <a:rPr lang="en-US" sz="3600" kern="10" dirty="0" smtClean="0">
+                <a:ln w="9525">
+                  <a:solidFill>
+                    <a:srgbClr val="CC99FF"/>
+                  </a:solidFill>
+                  <a:round/>
+                  <a:headEnd/>
+                  <a:tailEnd/>
+                </a:ln>
+                <a:gradFill rotWithShape="1">
+                  <a:gsLst>
+                    <a:gs pos="0">
+                      <a:srgbClr val="6600CC"/>
+                    </a:gs>
+                    <a:gs pos="100000">
+                      <a:srgbClr val="CC00CC"/>
+                    </a:gs>
+                  </a:gsLst>
+                  <a:lin ang="5400000" scaled="1"/>
+                </a:gradFill>
+                <a:effectLst>
+                  <a:outerShdw dist="53882" dir="2700000" algn="ctr" rotWithShape="0">
+                    <a:srgbClr val="9999FF">
+                      <a:alpha val="79999"/>
+                    </a:srgbClr>
+                  </a:outerShdw>
+                </a:effectLst>
+                <a:latin typeface="Impact" panose="020B0806030902050204" pitchFamily="34" charset="0"/>
+              </a:rPr>
+              <a:t>15:35-15:45</a:t>
+            </a:r>
+            <a:endParaRPr lang="en-US" sz="3600" kern="10" dirty="0">
+              <a:ln w="9525">
+                <a:solidFill>
+                  <a:srgbClr val="CC99FF"/>
+                </a:solidFill>
+                <a:round/>
+                <a:headEnd/>
+                <a:tailEnd/>
+              </a:ln>
+              <a:gradFill rotWithShape="1">
+                <a:gsLst>
+                  <a:gs pos="0">
+                    <a:srgbClr val="6600CC"/>
+                  </a:gs>
+                  <a:gs pos="100000">
+                    <a:srgbClr val="CC00CC"/>
+                  </a:gs>
+                </a:gsLst>
+                <a:lin ang="5400000" scaled="1"/>
+              </a:gradFill>
+              <a:effectLst>
+                <a:outerShdw dist="53882" dir="2700000" algn="ctr" rotWithShape="0">
+                  <a:srgbClr val="9999FF">
+                    <a:alpha val="79999"/>
+                  </a:srgbClr>
+                </a:outerShdw>
+              </a:effectLst>
+              <a:latin typeface="Impact" panose="020B0806030902050204" pitchFamily="34" charset="0"/>
+            </a:endParaRPr>
+          </a:p>
+        </p:txBody>
+      </p:sp>
+      <p:pic>
+        <p:nvPicPr>
+          <p:cNvPr id="8" name="Picture 5" descr="j0305257"/>
+          <p:cNvPicPr>
+            <a:picLocks noChangeAspect="1" noChangeArrowheads="1"/>
+          </p:cNvPicPr>
+          <p:nvPr/>
+        </p:nvPicPr>
+        <p:blipFill>
+          <a:blip r:embed="rId3">
+            <a:extLst>
+              <a:ext uri="{28A0092B-C50C-407E-A947-70E740481C1C}">
+                <a14:useLocalDpi xmlns:a14="http://schemas.microsoft.com/office/drawing/2010/main" val="0"/>
+              </a:ext>
+            </a:extLst>
+          </a:blip>
+          <a:srcRect/>
+          <a:stretch>
+            <a:fillRect/>
+          </a:stretch>
+        </p:blipFill>
+        <p:spPr bwMode="auto">
+          <a:xfrm>
+            <a:off x="9709150" y="3159125"/>
+            <a:ext cx="1874838" cy="3013075"/>
+          </a:xfrm>
+          <a:prstGeom prst="rect">
+            <a:avLst/>
+          </a:prstGeom>
+          <a:noFill/>
+          <a:ln>
+            <a:noFill/>
+          </a:ln>
+          <a:extLst>
+            <a:ext uri="{909E8E84-426E-40DD-AFC4-6F175D3DCCD1}">
+              <a14:hiddenFill xmlns:a14="http://schemas.microsoft.com/office/drawing/2010/main">
+                <a:solidFill>
+                  <a:srgbClr val="FFFFFF"/>
+                </a:solidFill>
+              </a14:hiddenFill>
+            </a:ext>
+            <a:ext uri="{91240B29-F687-4F45-9708-019B960494DF}">
+              <a14:hiddenLine xmlns:a14="http://schemas.microsoft.com/office/drawing/2010/main" w="9525">
+                <a:solidFill>
+                  <a:srgbClr val="000000"/>
+                </a:solidFill>
+                <a:miter lim="800000"/>
+                <a:headEnd/>
+                <a:tailEnd/>
+              </a14:hiddenLine>
+            </a:ext>
+          </a:extLst>
+        </p:spPr>
+      </p:pic>
     </p:spTree>
     <p:extLst>
       <p:ext uri="{BB962C8B-B14F-4D97-AF65-F5344CB8AC3E}">
@@ -9645,6 +10301,13 @@
   <p:clrMapOvr>
     <a:masterClrMapping/>
   </p:clrMapOvr>
+  <p:timing>
+    <p:tnLst>
+      <p:par>
+        <p:cTn id="1" dur="indefinite" restart="never" nodeType="tmRoot"/>
+      </p:par>
+    </p:tnLst>
+  </p:timing>
 </p:sld>
 </file>
 
@@ -9708,6 +10371,13 @@
   <p:clrMapOvr>
     <a:masterClrMapping/>
   </p:clrMapOvr>
+  <p:timing>
+    <p:tnLst>
+      <p:par>
+        <p:cTn id="1" dur="indefinite" restart="never" nodeType="tmRoot"/>
+      </p:par>
+    </p:tnLst>
+  </p:timing>
 </p:sld>
 </file>
 
@@ -9730,6 +10400,483 @@
       </p:grpSpPr>
       <p:sp>
         <p:nvSpPr>
+          <p:cNvPr id="3" name="Title 2"/>
+          <p:cNvSpPr>
+            <a:spLocks noGrp="1"/>
+          </p:cNvSpPr>
+          <p:nvPr>
+            <p:ph type="title"/>
+          </p:nvPr>
+        </p:nvSpPr>
+        <p:spPr/>
+        <p:txBody>
+          <a:bodyPr/>
+          <a:lstStyle/>
+          <a:p>
+            <a:r>
+              <a:rPr lang="en-US" dirty="0" smtClean="0"/>
+              <a:t>Tableau Server</a:t>
+            </a:r>
+            <a:endParaRPr lang="en-US" dirty="0"/>
+          </a:p>
+        </p:txBody>
+      </p:sp>
+      <p:pic>
+        <p:nvPicPr>
+          <p:cNvPr id="6" name="Picture 5">
+            <a:hlinkClick r:id="rId2"/>
+          </p:cNvPr>
+          <p:cNvPicPr>
+            <a:picLocks noChangeAspect="1"/>
+          </p:cNvPicPr>
+          <p:nvPr/>
+        </p:nvPicPr>
+        <p:blipFill>
+          <a:blip r:embed="rId3"/>
+          <a:stretch>
+            <a:fillRect/>
+          </a:stretch>
+        </p:blipFill>
+        <p:spPr>
+          <a:xfrm>
+            <a:off x="2230309" y="1207463"/>
+            <a:ext cx="7731381" cy="4278937"/>
+          </a:xfrm>
+          <a:prstGeom prst="rect">
+            <a:avLst/>
+          </a:prstGeom>
+        </p:spPr>
+      </p:pic>
+    </p:spTree>
+    <p:extLst>
+      <p:ext uri="{BB962C8B-B14F-4D97-AF65-F5344CB8AC3E}">
+        <p14:creationId xmlns:p14="http://schemas.microsoft.com/office/powerpoint/2010/main" val="891078588"/>
+      </p:ext>
+    </p:extLst>
+  </p:cSld>
+  <p:clrMapOvr>
+    <a:masterClrMapping/>
+  </p:clrMapOvr>
+  <p:timing>
+    <p:tnLst>
+      <p:par>
+        <p:cTn id="1" dur="indefinite" restart="never" nodeType="tmRoot"/>
+      </p:par>
+    </p:tnLst>
+  </p:timing>
+</p:sld>
+</file>
+
+<file path=ppt/slides/slide103.xml><?xml version="1.0" encoding="utf-8"?>
+<p:sld xmlns:a="http://schemas.openxmlformats.org/drawingml/2006/main" xmlns:r="http://schemas.openxmlformats.org/officeDocument/2006/relationships" xmlns:p="http://schemas.openxmlformats.org/presentationml/2006/main">
+  <p:cSld>
+    <p:spTree>
+      <p:nvGrpSpPr>
+        <p:cNvPr id="1" name=""/>
+        <p:cNvGrpSpPr/>
+        <p:nvPr/>
+      </p:nvGrpSpPr>
+      <p:grpSpPr>
+        <a:xfrm>
+          <a:off x="0" y="0"/>
+          <a:ext cx="0" cy="0"/>
+          <a:chOff x="0" y="0"/>
+          <a:chExt cx="0" cy="0"/>
+        </a:xfrm>
+      </p:grpSpPr>
+      <p:sp>
+        <p:nvSpPr>
+          <p:cNvPr id="3" name="Title 2"/>
+          <p:cNvSpPr>
+            <a:spLocks noGrp="1"/>
+          </p:cNvSpPr>
+          <p:nvPr>
+            <p:ph type="title"/>
+          </p:nvPr>
+        </p:nvSpPr>
+        <p:spPr/>
+        <p:txBody>
+          <a:bodyPr/>
+          <a:lstStyle/>
+          <a:p>
+            <a:r>
+              <a:rPr lang="en-US" dirty="0" smtClean="0"/>
+              <a:t>Tableau Server</a:t>
+            </a:r>
+            <a:endParaRPr lang="en-US" dirty="0"/>
+          </a:p>
+        </p:txBody>
+      </p:sp>
+      <p:pic>
+        <p:nvPicPr>
+          <p:cNvPr id="6" name="Picture 5"/>
+          <p:cNvPicPr>
+            <a:picLocks noChangeAspect="1"/>
+          </p:cNvPicPr>
+          <p:nvPr/>
+        </p:nvPicPr>
+        <p:blipFill>
+          <a:blip r:embed="rId2"/>
+          <a:stretch>
+            <a:fillRect/>
+          </a:stretch>
+        </p:blipFill>
+        <p:spPr>
+          <a:xfrm>
+            <a:off x="2230309" y="1207463"/>
+            <a:ext cx="7731381" cy="4278937"/>
+          </a:xfrm>
+          <a:prstGeom prst="rect">
+            <a:avLst/>
+          </a:prstGeom>
+        </p:spPr>
+      </p:pic>
+    </p:spTree>
+    <p:extLst>
+      <p:ext uri="{BB962C8B-B14F-4D97-AF65-F5344CB8AC3E}">
+        <p14:creationId xmlns:p14="http://schemas.microsoft.com/office/powerpoint/2010/main" val="504084840"/>
+      </p:ext>
+    </p:extLst>
+  </p:cSld>
+  <p:clrMapOvr>
+    <a:masterClrMapping/>
+  </p:clrMapOvr>
+  <mc:AlternateContent xmlns:mc="http://schemas.openxmlformats.org/markup-compatibility/2006">
+    <mc:Choice xmlns:p14="http://schemas.microsoft.com/office/powerpoint/2010/main" Requires="p14">
+      <p:transition spd="med" p14:dur="700" advClick="0" advTm="1000">
+        <p:fade/>
+      </p:transition>
+    </mc:Choice>
+    <mc:Fallback>
+      <p:transition spd="med" advClick="0" advTm="1000">
+        <p:fade/>
+      </p:transition>
+    </mc:Fallback>
+  </mc:AlternateContent>
+  <p:timing>
+    <p:tnLst>
+      <p:par>
+        <p:cTn id="1" dur="indefinite" restart="never" nodeType="tmRoot">
+          <p:childTnLst>
+            <p:seq concurrent="1" nextAc="seek">
+              <p:cTn id="2" dur="indefinite" nodeType="mainSeq">
+                <p:childTnLst>
+                  <p:par>
+                    <p:cTn id="3" fill="hold">
+                      <p:stCondLst>
+                        <p:cond delay="indefinite"/>
+                      </p:stCondLst>
+                      <p:childTnLst>
+                        <p:par>
+                          <p:cTn id="4" fill="hold">
+                            <p:stCondLst>
+                              <p:cond delay="0"/>
+                            </p:stCondLst>
+                            <p:childTnLst>
+                              <p:par>
+                                <p:cTn id="5" presetID="31" presetClass="exit" presetSubtype="0" fill="hold" nodeType="clickEffect">
+                                  <p:stCondLst>
+                                    <p:cond delay="0"/>
+                                  </p:stCondLst>
+                                  <p:childTnLst>
+                                    <p:anim calcmode="lin" valueType="num">
+                                      <p:cBhvr>
+                                        <p:cTn id="6" dur="2000"/>
+                                        <p:tgtEl>
+                                          <p:spTgt spid="6"/>
+                                        </p:tgtEl>
+                                        <p:attrNameLst>
+                                          <p:attrName>ppt_w</p:attrName>
+                                        </p:attrNameLst>
+                                      </p:cBhvr>
+                                      <p:tavLst>
+                                        <p:tav tm="0">
+                                          <p:val>
+                                            <p:strVal val="ppt_w"/>
+                                          </p:val>
+                                        </p:tav>
+                                        <p:tav tm="100000">
+                                          <p:val>
+                                            <p:fltVal val="0"/>
+                                          </p:val>
+                                        </p:tav>
+                                      </p:tavLst>
+                                    </p:anim>
+                                    <p:anim calcmode="lin" valueType="num">
+                                      <p:cBhvr>
+                                        <p:cTn id="7" dur="2000"/>
+                                        <p:tgtEl>
+                                          <p:spTgt spid="6"/>
+                                        </p:tgtEl>
+                                        <p:attrNameLst>
+                                          <p:attrName>ppt_h</p:attrName>
+                                        </p:attrNameLst>
+                                      </p:cBhvr>
+                                      <p:tavLst>
+                                        <p:tav tm="0">
+                                          <p:val>
+                                            <p:strVal val="ppt_h"/>
+                                          </p:val>
+                                        </p:tav>
+                                        <p:tav tm="100000">
+                                          <p:val>
+                                            <p:fltVal val="0"/>
+                                          </p:val>
+                                        </p:tav>
+                                      </p:tavLst>
+                                    </p:anim>
+                                    <p:anim calcmode="lin" valueType="num">
+                                      <p:cBhvr>
+                                        <p:cTn id="8" dur="2000"/>
+                                        <p:tgtEl>
+                                          <p:spTgt spid="6"/>
+                                        </p:tgtEl>
+                                        <p:attrNameLst>
+                                          <p:attrName>style.rotation</p:attrName>
+                                        </p:attrNameLst>
+                                      </p:cBhvr>
+                                      <p:tavLst>
+                                        <p:tav tm="0">
+                                          <p:val>
+                                            <p:fltVal val="0"/>
+                                          </p:val>
+                                        </p:tav>
+                                        <p:tav tm="100000">
+                                          <p:val>
+                                            <p:fltVal val="90"/>
+                                          </p:val>
+                                        </p:tav>
+                                      </p:tavLst>
+                                    </p:anim>
+                                    <p:animEffect transition="out" filter="fade">
+                                      <p:cBhvr>
+                                        <p:cTn id="9" dur="2000"/>
+                                        <p:tgtEl>
+                                          <p:spTgt spid="6"/>
+                                        </p:tgtEl>
+                                      </p:cBhvr>
+                                    </p:animEffect>
+                                    <p:set>
+                                      <p:cBhvr>
+                                        <p:cTn id="10" dur="1" fill="hold">
+                                          <p:stCondLst>
+                                            <p:cond delay="1999"/>
+                                          </p:stCondLst>
+                                        </p:cTn>
+                                        <p:tgtEl>
+                                          <p:spTgt spid="6"/>
+                                        </p:tgtEl>
+                                        <p:attrNameLst>
+                                          <p:attrName>style.visibility</p:attrName>
+                                        </p:attrNameLst>
+                                      </p:cBhvr>
+                                      <p:to>
+                                        <p:strVal val="hidden"/>
+                                      </p:to>
+                                    </p:set>
+                                  </p:childTnLst>
+                                </p:cTn>
+                              </p:par>
+                              <p:par>
+                                <p:cTn id="11" presetID="42" presetClass="path" presetSubtype="0" accel="50000" decel="50000" fill="hold" nodeType="withEffect">
+                                  <p:stCondLst>
+                                    <p:cond delay="0"/>
+                                  </p:stCondLst>
+                                  <p:childTnLst>
+                                    <p:animMotion origin="layout" path="M 0 -2.96296E-6 L 0.40625 -0.36574 " pathEditMode="relative" rAng="0" ptsTypes="AA">
+                                      <p:cBhvr>
+                                        <p:cTn id="12" dur="2000" fill="hold"/>
+                                        <p:tgtEl>
+                                          <p:spTgt spid="6"/>
+                                        </p:tgtEl>
+                                        <p:attrNameLst>
+                                          <p:attrName>ppt_x</p:attrName>
+                                          <p:attrName>ppt_y</p:attrName>
+                                        </p:attrNameLst>
+                                      </p:cBhvr>
+                                      <p:rCtr x="20313" y="-18287"/>
+                                    </p:animMotion>
+                                  </p:childTnLst>
+                                </p:cTn>
+                              </p:par>
+                            </p:childTnLst>
+                          </p:cTn>
+                        </p:par>
+                      </p:childTnLst>
+                    </p:cTn>
+                  </p:par>
+                </p:childTnLst>
+              </p:cTn>
+              <p:prevCondLst>
+                <p:cond evt="onPrev" delay="0">
+                  <p:tgtEl>
+                    <p:sldTgt/>
+                  </p:tgtEl>
+                </p:cond>
+              </p:prevCondLst>
+              <p:nextCondLst>
+                <p:cond evt="onNext" delay="0">
+                  <p:tgtEl>
+                    <p:sldTgt/>
+                  </p:tgtEl>
+                </p:cond>
+              </p:nextCondLst>
+            </p:seq>
+          </p:childTnLst>
+        </p:cTn>
+      </p:par>
+    </p:tnLst>
+  </p:timing>
+</p:sld>
+</file>
+
+<file path=ppt/slides/slide104.xml><?xml version="1.0" encoding="utf-8"?>
+<p:sld xmlns:a="http://schemas.openxmlformats.org/drawingml/2006/main" xmlns:r="http://schemas.openxmlformats.org/officeDocument/2006/relationships" xmlns:p="http://schemas.openxmlformats.org/presentationml/2006/main">
+  <p:cSld>
+    <p:spTree>
+      <p:nvGrpSpPr>
+        <p:cNvPr id="1" name=""/>
+        <p:cNvGrpSpPr/>
+        <p:nvPr/>
+      </p:nvGrpSpPr>
+      <p:grpSpPr>
+        <a:xfrm>
+          <a:off x="0" y="0"/>
+          <a:ext cx="0" cy="0"/>
+          <a:chOff x="0" y="0"/>
+          <a:chExt cx="0" cy="0"/>
+        </a:xfrm>
+      </p:grpSpPr>
+      <p:sp>
+        <p:nvSpPr>
+          <p:cNvPr id="3" name="Title 2"/>
+          <p:cNvSpPr>
+            <a:spLocks noGrp="1"/>
+          </p:cNvSpPr>
+          <p:nvPr>
+            <p:ph type="title"/>
+          </p:nvPr>
+        </p:nvSpPr>
+        <p:spPr/>
+        <p:txBody>
+          <a:bodyPr/>
+          <a:lstStyle/>
+          <a:p>
+            <a:r>
+              <a:rPr lang="en-US" smtClean="0"/>
+              <a:t>Tableau Server</a:t>
+            </a:r>
+            <a:endParaRPr lang="en-US" dirty="0"/>
+          </a:p>
+        </p:txBody>
+      </p:sp>
+      <p:sp>
+        <p:nvSpPr>
+          <p:cNvPr id="4" name="Text Placeholder 3"/>
+          <p:cNvSpPr>
+            <a:spLocks noGrp="1"/>
+          </p:cNvSpPr>
+          <p:nvPr>
+            <p:ph type="body" sz="quarter" idx="10"/>
+          </p:nvPr>
+        </p:nvSpPr>
+        <p:spPr/>
+        <p:txBody>
+          <a:bodyPr/>
+          <a:lstStyle/>
+          <a:p>
+            <a:r>
+              <a:rPr lang="en-US" dirty="0" smtClean="0"/>
+              <a:t>Central storage of Tableau assets</a:t>
+            </a:r>
+          </a:p>
+          <a:p>
+            <a:pPr lvl="1"/>
+            <a:r>
+              <a:rPr lang="en-US" dirty="0" smtClean="0"/>
+              <a:t>Data sources, reports</a:t>
+            </a:r>
+          </a:p>
+          <a:p>
+            <a:r>
+              <a:rPr lang="en-US" dirty="0" smtClean="0"/>
+              <a:t>Browser-based viewing of reports</a:t>
+            </a:r>
+          </a:p>
+          <a:p>
+            <a:r>
+              <a:rPr lang="en-US" dirty="0" smtClean="0"/>
+              <a:t>Scheduling of tasks, e.g., running flows</a:t>
+            </a:r>
+            <a:endParaRPr lang="en-US" dirty="0"/>
+          </a:p>
+        </p:txBody>
+      </p:sp>
+      <p:pic>
+        <p:nvPicPr>
+          <p:cNvPr id="6" name="Picture 5">
+            <a:hlinkClick r:id="rId2"/>
+          </p:cNvPr>
+          <p:cNvPicPr>
+            <a:picLocks noChangeAspect="1"/>
+          </p:cNvPicPr>
+          <p:nvPr/>
+        </p:nvPicPr>
+        <p:blipFill>
+          <a:blip r:embed="rId3"/>
+          <a:stretch>
+            <a:fillRect/>
+          </a:stretch>
+        </p:blipFill>
+        <p:spPr>
+          <a:xfrm>
+            <a:off x="9067800" y="304801"/>
+            <a:ext cx="2778381" cy="1537696"/>
+          </a:xfrm>
+          <a:prstGeom prst="rect">
+            <a:avLst/>
+          </a:prstGeom>
+        </p:spPr>
+      </p:pic>
+    </p:spTree>
+    <p:extLst>
+      <p:ext uri="{BB962C8B-B14F-4D97-AF65-F5344CB8AC3E}">
+        <p14:creationId xmlns:p14="http://schemas.microsoft.com/office/powerpoint/2010/main" val="932243478"/>
+      </p:ext>
+    </p:extLst>
+  </p:cSld>
+  <p:clrMapOvr>
+    <a:masterClrMapping/>
+  </p:clrMapOvr>
+  <p:timing>
+    <p:tnLst>
+      <p:par>
+        <p:cTn id="1" dur="indefinite" restart="never" nodeType="tmRoot"/>
+      </p:par>
+    </p:tnLst>
+  </p:timing>
+</p:sld>
+</file>
+
+<file path=ppt/slides/slide105.xml><?xml version="1.0" encoding="utf-8"?>
+<p:sld xmlns:a="http://schemas.openxmlformats.org/drawingml/2006/main" xmlns:r="http://schemas.openxmlformats.org/officeDocument/2006/relationships" xmlns:p="http://schemas.openxmlformats.org/presentationml/2006/main">
+  <p:cSld>
+    <p:spTree>
+      <p:nvGrpSpPr>
+        <p:cNvPr id="1" name=""/>
+        <p:cNvGrpSpPr/>
+        <p:nvPr/>
+      </p:nvGrpSpPr>
+      <p:grpSpPr>
+        <a:xfrm>
+          <a:off x="0" y="0"/>
+          <a:ext cx="0" cy="0"/>
+          <a:chOff x="0" y="0"/>
+          <a:chExt cx="0" cy="0"/>
+        </a:xfrm>
+      </p:grpSpPr>
+      <p:sp>
+        <p:nvSpPr>
           <p:cNvPr id="2" name="Title 1"/>
           <p:cNvSpPr>
             <a:spLocks noGrp="1"/>
@@ -9782,8 +10929,18 @@
           </a:p>
           <a:p>
             <a:r>
+              <a:rPr lang="en-US" dirty="0" smtClean="0"/>
+              <a:t>Included in current release of Tableau Server</a:t>
+            </a:r>
+          </a:p>
+          <a:p>
+            <a:r>
+              <a:rPr lang="en-US" dirty="0" smtClean="0"/>
+              <a:t>Schedule </a:t>
+            </a:r>
+            <a:r>
               <a:rPr lang="en-US" dirty="0"/>
-              <a:t>Schedule &amp; Monitor Flows on the server</a:t>
+              <a:t>&amp; Monitor Flows on the server</a:t>
             </a:r>
           </a:p>
         </p:txBody>
@@ -9805,7 +10962,7 @@
           <a:p>
             <a:fld id="{4FAB73BC-B049-4115-A692-8D63A059BFB8}" type="slidenum">
               <a:rPr lang="en-US" smtClean="0"/>
-              <a:t>102</a:t>
+              <a:t>105</a:t>
             </a:fld>
             <a:endParaRPr lang="en-US" dirty="0"/>
           </a:p>
@@ -9851,10 +11008,17 @@
   <p:clrMapOvr>
     <a:masterClrMapping/>
   </p:clrMapOvr>
+  <p:timing>
+    <p:tnLst>
+      <p:par>
+        <p:cTn id="1" dur="indefinite" restart="never" nodeType="tmRoot"/>
+      </p:par>
+    </p:tnLst>
+  </p:timing>
 </p:sld>
 </file>
 
-<file path=ppt/slides/slide103.xml><?xml version="1.0" encoding="utf-8"?>
+<file path=ppt/slides/slide106.xml><?xml version="1.0" encoding="utf-8"?>
 <p:sld xmlns:a="http://schemas.openxmlformats.org/drawingml/2006/main" xmlns:r="http://schemas.openxmlformats.org/officeDocument/2006/relationships" xmlns:p="http://schemas.openxmlformats.org/presentationml/2006/main">
   <p:cSld>
     <p:spTree>
@@ -9890,8 +11054,13 @@
           <a:p>
             <a:r>
               <a:rPr lang="en-US" dirty="0"/>
-              <a:t>Publishing Workflows to Server (Discussed)</a:t>
-            </a:r>
+              <a:t>Publishing Workflows to </a:t>
+            </a:r>
+            <a:r>
+              <a:rPr lang="en-US" dirty="0" smtClean="0"/>
+              <a:t>Server</a:t>
+            </a:r>
+            <a:endParaRPr lang="en-US" dirty="0"/>
           </a:p>
           <a:p>
             <a:endParaRPr lang="en-US" dirty="0"/>
@@ -9906,6 +11075,48 @@
           </p:cNvSpPr>
           <p:nvPr>
             <p:ph type="body" sz="quarter" idx="10"/>
+          </p:nvPr>
+        </p:nvSpPr>
+        <p:spPr>
+          <a:xfrm>
+            <a:off x="762000" y="1752600"/>
+            <a:ext cx="4114800" cy="3733800"/>
+          </a:xfrm>
+        </p:spPr>
+        <p:txBody>
+          <a:bodyPr/>
+          <a:lstStyle/>
+          <a:p>
+            <a:r>
+              <a:rPr lang="en-US" dirty="0" smtClean="0"/>
+              <a:t>From Prep Builder:</a:t>
+            </a:r>
+          </a:p>
+          <a:p>
+            <a:pPr lvl="1"/>
+            <a:r>
+              <a:rPr lang="en-US" dirty="0" smtClean="0"/>
+              <a:t>Sign in to server</a:t>
+            </a:r>
+          </a:p>
+          <a:p>
+            <a:pPr lvl="1"/>
+            <a:r>
+              <a:rPr lang="en-US" dirty="0" smtClean="0"/>
+              <a:t>Publish flow to chosen project</a:t>
+            </a:r>
+            <a:endParaRPr lang="en-US" dirty="0"/>
+          </a:p>
+        </p:txBody>
+      </p:sp>
+      <p:sp>
+        <p:nvSpPr>
+          <p:cNvPr id="4" name="Slide Number Placeholder 3"/>
+          <p:cNvSpPr>
+            <a:spLocks noGrp="1"/>
+          </p:cNvSpPr>
+          <p:nvPr>
+            <p:ph type="sldNum" sz="quarter" idx="4294967295"/>
           </p:nvPr>
         </p:nvSpPr>
         <p:spPr/>
@@ -9913,30 +11124,163 @@
           <a:bodyPr/>
           <a:lstStyle/>
           <a:p>
-            <a:endParaRPr lang="en-US"/>
-          </a:p>
-        </p:txBody>
-      </p:sp>
-      <p:sp>
-        <p:nvSpPr>
-          <p:cNvPr id="4" name="Slide Number Placeholder 3"/>
-          <p:cNvSpPr>
-            <a:spLocks noGrp="1"/>
-          </p:cNvSpPr>
-          <p:nvPr>
-            <p:ph type="sldNum" sz="quarter" idx="4294967295"/>
-          </p:nvPr>
-        </p:nvSpPr>
-        <p:spPr/>
-        <p:txBody>
-          <a:bodyPr/>
-          <a:lstStyle/>
-          <a:p>
             <a:fld id="{4FAB73BC-B049-4115-A692-8D63A059BFB8}" type="slidenum">
               <a:rPr lang="en-US" smtClean="0"/>
-              <a:t>103</a:t>
+              <a:t>106</a:t>
             </a:fld>
             <a:endParaRPr lang="en-US" dirty="0"/>
+          </a:p>
+        </p:txBody>
+      </p:sp>
+      <p:pic>
+        <p:nvPicPr>
+          <p:cNvPr id="3" name="Picture 2"/>
+          <p:cNvPicPr>
+            <a:picLocks noChangeAspect="1"/>
+          </p:cNvPicPr>
+          <p:nvPr/>
+        </p:nvPicPr>
+        <p:blipFill>
+          <a:blip r:embed="rId3"/>
+          <a:stretch>
+            <a:fillRect/>
+          </a:stretch>
+        </p:blipFill>
+        <p:spPr>
+          <a:xfrm>
+            <a:off x="5486400" y="1338555"/>
+            <a:ext cx="2438889" cy="516939"/>
+          </a:xfrm>
+          <a:prstGeom prst="rect">
+            <a:avLst/>
+          </a:prstGeom>
+        </p:spPr>
+      </p:pic>
+      <p:pic>
+        <p:nvPicPr>
+          <p:cNvPr id="6" name="Picture 5"/>
+          <p:cNvPicPr>
+            <a:picLocks noChangeAspect="1"/>
+          </p:cNvPicPr>
+          <p:nvPr/>
+        </p:nvPicPr>
+        <p:blipFill>
+          <a:blip r:embed="rId4"/>
+          <a:stretch>
+            <a:fillRect/>
+          </a:stretch>
+        </p:blipFill>
+        <p:spPr>
+          <a:xfrm>
+            <a:off x="9144488" y="1091251"/>
+            <a:ext cx="2147489" cy="2462524"/>
+          </a:xfrm>
+          <a:prstGeom prst="rect">
+            <a:avLst/>
+          </a:prstGeom>
+        </p:spPr>
+      </p:pic>
+      <p:pic>
+        <p:nvPicPr>
+          <p:cNvPr id="7" name="Picture 6"/>
+          <p:cNvPicPr>
+            <a:picLocks noChangeAspect="1"/>
+          </p:cNvPicPr>
+          <p:nvPr/>
+        </p:nvPicPr>
+        <p:blipFill>
+          <a:blip r:embed="rId5"/>
+          <a:stretch>
+            <a:fillRect/>
+          </a:stretch>
+        </p:blipFill>
+        <p:spPr>
+          <a:xfrm>
+            <a:off x="4648200" y="3048001"/>
+            <a:ext cx="5029200" cy="2597590"/>
+          </a:xfrm>
+          <a:prstGeom prst="rect">
+            <a:avLst/>
+          </a:prstGeom>
+        </p:spPr>
+      </p:pic>
+      <p:sp>
+        <p:nvSpPr>
+          <p:cNvPr id="8" name="Right Arrow 7"/>
+          <p:cNvSpPr/>
+          <p:nvPr/>
+        </p:nvSpPr>
+        <p:spPr>
+          <a:xfrm>
+            <a:off x="8077933" y="1452921"/>
+            <a:ext cx="913911" cy="414044"/>
+          </a:xfrm>
+          <a:prstGeom prst="rightArrow">
+            <a:avLst/>
+          </a:prstGeom>
+        </p:spPr>
+        <p:style>
+          <a:lnRef idx="2">
+            <a:schemeClr val="accent1">
+              <a:shade val="50000"/>
+            </a:schemeClr>
+          </a:lnRef>
+          <a:fillRef idx="1">
+            <a:schemeClr val="accent1"/>
+          </a:fillRef>
+          <a:effectRef idx="0">
+            <a:schemeClr val="accent1"/>
+          </a:effectRef>
+          <a:fontRef idx="minor">
+            <a:schemeClr val="lt1"/>
+          </a:fontRef>
+        </p:style>
+        <p:txBody>
+          <a:bodyPr rtlCol="0" anchor="ctr"/>
+          <a:lstStyle/>
+          <a:p>
+            <a:pPr algn="ctr"/>
+            <a:endParaRPr lang="en-US"/>
+          </a:p>
+        </p:txBody>
+      </p:sp>
+      <p:sp>
+        <p:nvSpPr>
+          <p:cNvPr id="9" name="Right Arrow 8"/>
+          <p:cNvSpPr/>
+          <p:nvPr/>
+        </p:nvSpPr>
+        <p:spPr>
+          <a:xfrm rot="8637682">
+            <a:off x="8306855" y="2705851"/>
+            <a:ext cx="913911" cy="414044"/>
+          </a:xfrm>
+          <a:prstGeom prst="rightArrow">
+            <a:avLst/>
+          </a:prstGeom>
+        </p:spPr>
+        <p:style>
+          <a:lnRef idx="2">
+            <a:schemeClr val="accent1">
+              <a:shade val="50000"/>
+            </a:schemeClr>
+          </a:lnRef>
+          <a:fillRef idx="1">
+            <a:schemeClr val="accent1"/>
+          </a:fillRef>
+          <a:effectRef idx="0">
+            <a:schemeClr val="accent1"/>
+          </a:effectRef>
+          <a:fontRef idx="minor">
+            <a:schemeClr val="lt1"/>
+          </a:fontRef>
+        </p:style>
+        <p:txBody>
+          <a:bodyPr rtlCol="0" anchor="ctr"/>
+          <a:lstStyle/>
+          <a:p>
+            <a:pPr algn="ctr"/>
+            <a:endParaRPr lang="en-US"/>
           </a:p>
         </p:txBody>
       </p:sp>
@@ -9950,10 +11294,232 @@
   <p:clrMapOvr>
     <a:masterClrMapping/>
   </p:clrMapOvr>
+  <p:timing>
+    <p:tnLst>
+      <p:par>
+        <p:cTn id="1" dur="indefinite" restart="never" nodeType="tmRoot">
+          <p:childTnLst>
+            <p:seq concurrent="1" nextAc="seek">
+              <p:cTn id="2" dur="indefinite" nodeType="mainSeq">
+                <p:childTnLst>
+                  <p:par>
+                    <p:cTn id="3" fill="hold">
+                      <p:stCondLst>
+                        <p:cond delay="indefinite"/>
+                        <p:cond evt="onBegin" delay="0">
+                          <p:tn val="2"/>
+                        </p:cond>
+                      </p:stCondLst>
+                      <p:childTnLst>
+                        <p:par>
+                          <p:cTn id="4" fill="hold">
+                            <p:stCondLst>
+                              <p:cond delay="0"/>
+                            </p:stCondLst>
+                            <p:childTnLst>
+                              <p:par>
+                                <p:cTn id="5" presetID="10" presetClass="entr" presetSubtype="0" fill="hold" grpId="0" nodeType="afterEffect">
+                                  <p:stCondLst>
+                                    <p:cond delay="0"/>
+                                  </p:stCondLst>
+                                  <p:childTnLst>
+                                    <p:set>
+                                      <p:cBhvr>
+                                        <p:cTn id="6" dur="1" fill="hold">
+                                          <p:stCondLst>
+                                            <p:cond delay="0"/>
+                                          </p:stCondLst>
+                                        </p:cTn>
+                                        <p:tgtEl>
+                                          <p:spTgt spid="8"/>
+                                        </p:tgtEl>
+                                        <p:attrNameLst>
+                                          <p:attrName>style.visibility</p:attrName>
+                                        </p:attrNameLst>
+                                      </p:cBhvr>
+                                      <p:to>
+                                        <p:strVal val="visible"/>
+                                      </p:to>
+                                    </p:set>
+                                    <p:animEffect transition="in" filter="fade">
+                                      <p:cBhvr>
+                                        <p:cTn id="7" dur="500"/>
+                                        <p:tgtEl>
+                                          <p:spTgt spid="8"/>
+                                        </p:tgtEl>
+                                      </p:cBhvr>
+                                    </p:animEffect>
+                                  </p:childTnLst>
+                                </p:cTn>
+                              </p:par>
+                            </p:childTnLst>
+                          </p:cTn>
+                        </p:par>
+                        <p:par>
+                          <p:cTn id="8" fill="hold">
+                            <p:stCondLst>
+                              <p:cond delay="500"/>
+                            </p:stCondLst>
+                            <p:childTnLst>
+                              <p:par>
+                                <p:cTn id="9" presetID="10" presetClass="entr" presetSubtype="0" fill="hold" nodeType="afterEffect">
+                                  <p:stCondLst>
+                                    <p:cond delay="0"/>
+                                  </p:stCondLst>
+                                  <p:childTnLst>
+                                    <p:set>
+                                      <p:cBhvr>
+                                        <p:cTn id="10" dur="1" fill="hold">
+                                          <p:stCondLst>
+                                            <p:cond delay="0"/>
+                                          </p:stCondLst>
+                                        </p:cTn>
+                                        <p:tgtEl>
+                                          <p:spTgt spid="6"/>
+                                        </p:tgtEl>
+                                        <p:attrNameLst>
+                                          <p:attrName>style.visibility</p:attrName>
+                                        </p:attrNameLst>
+                                      </p:cBhvr>
+                                      <p:to>
+                                        <p:strVal val="visible"/>
+                                      </p:to>
+                                    </p:set>
+                                    <p:animEffect transition="in" filter="fade">
+                                      <p:cBhvr>
+                                        <p:cTn id="11" dur="500"/>
+                                        <p:tgtEl>
+                                          <p:spTgt spid="6"/>
+                                        </p:tgtEl>
+                                      </p:cBhvr>
+                                    </p:animEffect>
+                                  </p:childTnLst>
+                                </p:cTn>
+                              </p:par>
+                            </p:childTnLst>
+                          </p:cTn>
+                        </p:par>
+                        <p:par>
+                          <p:cTn id="12" fill="hold">
+                            <p:stCondLst>
+                              <p:cond delay="1000"/>
+                            </p:stCondLst>
+                            <p:childTnLst>
+                              <p:par>
+                                <p:cTn id="13" presetID="10" presetClass="entr" presetSubtype="0" fill="hold" grpId="0" nodeType="afterEffect">
+                                  <p:stCondLst>
+                                    <p:cond delay="0"/>
+                                  </p:stCondLst>
+                                  <p:childTnLst>
+                                    <p:set>
+                                      <p:cBhvr>
+                                        <p:cTn id="14" dur="1" fill="hold">
+                                          <p:stCondLst>
+                                            <p:cond delay="0"/>
+                                          </p:stCondLst>
+                                        </p:cTn>
+                                        <p:tgtEl>
+                                          <p:spTgt spid="9"/>
+                                        </p:tgtEl>
+                                        <p:attrNameLst>
+                                          <p:attrName>style.visibility</p:attrName>
+                                        </p:attrNameLst>
+                                      </p:cBhvr>
+                                      <p:to>
+                                        <p:strVal val="visible"/>
+                                      </p:to>
+                                    </p:set>
+                                    <p:animEffect transition="in" filter="fade">
+                                      <p:cBhvr>
+                                        <p:cTn id="15" dur="500"/>
+                                        <p:tgtEl>
+                                          <p:spTgt spid="9"/>
+                                        </p:tgtEl>
+                                      </p:cBhvr>
+                                    </p:animEffect>
+                                  </p:childTnLst>
+                                </p:cTn>
+                              </p:par>
+                            </p:childTnLst>
+                          </p:cTn>
+                        </p:par>
+                        <p:par>
+                          <p:cTn id="16" fill="hold">
+                            <p:stCondLst>
+                              <p:cond delay="1500"/>
+                            </p:stCondLst>
+                            <p:childTnLst>
+                              <p:par>
+                                <p:cTn id="17" presetID="10" presetClass="entr" presetSubtype="0" fill="hold" nodeType="afterEffect">
+                                  <p:stCondLst>
+                                    <p:cond delay="0"/>
+                                  </p:stCondLst>
+                                  <p:childTnLst>
+                                    <p:set>
+                                      <p:cBhvr>
+                                        <p:cTn id="18" dur="1" fill="hold">
+                                          <p:stCondLst>
+                                            <p:cond delay="0"/>
+                                          </p:stCondLst>
+                                        </p:cTn>
+                                        <p:tgtEl>
+                                          <p:spTgt spid="7"/>
+                                        </p:tgtEl>
+                                        <p:attrNameLst>
+                                          <p:attrName>style.visibility</p:attrName>
+                                        </p:attrNameLst>
+                                      </p:cBhvr>
+                                      <p:to>
+                                        <p:strVal val="visible"/>
+                                      </p:to>
+                                    </p:set>
+                                    <p:animEffect transition="in" filter="fade">
+                                      <p:cBhvr>
+                                        <p:cTn id="19" dur="500"/>
+                                        <p:tgtEl>
+                                          <p:spTgt spid="7"/>
+                                        </p:tgtEl>
+                                      </p:cBhvr>
+                                    </p:animEffect>
+                                  </p:childTnLst>
+                                </p:cTn>
+                              </p:par>
+                            </p:childTnLst>
+                          </p:cTn>
+                        </p:par>
+                      </p:childTnLst>
+                    </p:cTn>
+                  </p:par>
+                </p:childTnLst>
+              </p:cTn>
+              <p:prevCondLst>
+                <p:cond evt="onPrev" delay="0">
+                  <p:tgtEl>
+                    <p:sldTgt/>
+                  </p:tgtEl>
+                </p:cond>
+              </p:prevCondLst>
+              <p:nextCondLst>
+                <p:cond evt="onNext" delay="0">
+                  <p:tgtEl>
+                    <p:sldTgt/>
+                  </p:tgtEl>
+                </p:cond>
+              </p:nextCondLst>
+            </p:seq>
+          </p:childTnLst>
+        </p:cTn>
+      </p:par>
+    </p:tnLst>
+    <p:bldLst>
+      <p:bldP spid="8" grpId="0" animBg="1"/>
+      <p:bldP spid="9" grpId="0" animBg="1"/>
+    </p:bldLst>
+  </p:timing>
 </p:sld>
 </file>
 
-<file path=ppt/slides/slide104.xml><?xml version="1.0" encoding="utf-8"?>
+<file path=ppt/slides/slide107.xml><?xml version="1.0" encoding="utf-8"?>
 <p:sld xmlns:a="http://schemas.openxmlformats.org/drawingml/2006/main" xmlns:r="http://schemas.openxmlformats.org/officeDocument/2006/relationships" xmlns:p="http://schemas.openxmlformats.org/presentationml/2006/main">
   <p:cSld>
     <p:spTree>
@@ -10028,26 +11594,92 @@
           <a:p>
             <a:fld id="{4FAB73BC-B049-4115-A692-8D63A059BFB8}" type="slidenum">
               <a:rPr lang="en-US" smtClean="0"/>
-              <a:t>104</a:t>
+              <a:t>107</a:t>
             </a:fld>
             <a:endParaRPr lang="en-US" dirty="0"/>
           </a:p>
         </p:txBody>
       </p:sp>
+      <p:pic>
+        <p:nvPicPr>
+          <p:cNvPr id="3" name="Picture 2"/>
+          <p:cNvPicPr>
+            <a:picLocks noChangeAspect="1"/>
+          </p:cNvPicPr>
+          <p:nvPr/>
+        </p:nvPicPr>
+        <p:blipFill>
+          <a:blip r:embed="rId3"/>
+          <a:stretch>
+            <a:fillRect/>
+          </a:stretch>
+        </p:blipFill>
+        <p:spPr>
+          <a:xfrm>
+            <a:off x="304800" y="1346149"/>
+            <a:ext cx="11431595" cy="733527"/>
+          </a:xfrm>
+          <a:prstGeom prst="rect">
+            <a:avLst/>
+          </a:prstGeom>
+        </p:spPr>
+      </p:pic>
+      <p:pic>
+        <p:nvPicPr>
+          <p:cNvPr id="7" name="Picture 6"/>
+          <p:cNvPicPr>
+            <a:picLocks noChangeAspect="1"/>
+          </p:cNvPicPr>
+          <p:nvPr/>
+        </p:nvPicPr>
+        <p:blipFill rotWithShape="1">
+          <a:blip r:embed="rId4"/>
+          <a:srcRect t="24198"/>
+          <a:stretch/>
+        </p:blipFill>
+        <p:spPr>
+          <a:xfrm>
+            <a:off x="304800" y="341448"/>
+            <a:ext cx="11583995" cy="4535352"/>
+          </a:xfrm>
+          <a:prstGeom prst="rect">
+            <a:avLst/>
+          </a:prstGeom>
+        </p:spPr>
+      </p:pic>
     </p:spTree>
     <p:extLst>
       <p:ext uri="{BB962C8B-B14F-4D97-AF65-F5344CB8AC3E}">
-        <p14:creationId xmlns:p14="http://schemas.microsoft.com/office/powerpoint/2010/main" val="2531394161"/>
+        <p14:creationId xmlns:p14="http://schemas.microsoft.com/office/powerpoint/2010/main" val="1951165126"/>
       </p:ext>
     </p:extLst>
   </p:cSld>
   <p:clrMapOvr>
     <a:masterClrMapping/>
   </p:clrMapOvr>
+  <mc:AlternateContent xmlns:mc="http://schemas.openxmlformats.org/markup-compatibility/2006">
+    <mc:Choice xmlns:p14="http://schemas.microsoft.com/office/powerpoint/2010/main" Requires="p14">
+      <p:transition spd="med" p14:dur="700" advClick="0" advTm="2000">
+        <p:fade/>
+      </p:transition>
+    </mc:Choice>
+    <mc:Fallback>
+      <p:transition spd="med" advClick="0" advTm="2000">
+        <p:fade/>
+      </p:transition>
+    </mc:Fallback>
+  </mc:AlternateContent>
+  <p:timing>
+    <p:tnLst>
+      <p:par>
+        <p:cTn id="1" dur="indefinite" restart="never" nodeType="tmRoot"/>
+      </p:par>
+    </p:tnLst>
+  </p:timing>
 </p:sld>
 </file>
 
-<file path=ppt/slides/slide105.xml><?xml version="1.0" encoding="utf-8"?>
+<file path=ppt/slides/slide108.xml><?xml version="1.0" encoding="utf-8"?>
 <p:sld xmlns:a="http://schemas.openxmlformats.org/drawingml/2006/main" xmlns:r="http://schemas.openxmlformats.org/officeDocument/2006/relationships" xmlns:p="http://schemas.openxmlformats.org/presentationml/2006/main">
   <p:cSld>
     <p:spTree>
@@ -10071,7 +11703,7 @@
             <a:spLocks noGrp="1"/>
           </p:cNvSpPr>
           <p:nvPr>
-            <p:ph type="ctrTitle"/>
+            <p:ph type="title"/>
           </p:nvPr>
         </p:nvSpPr>
         <p:spPr/>
@@ -10081,19 +11713,58 @@
           <a:p>
             <a:r>
               <a:rPr lang="en-US" dirty="0"/>
-              <a:t>Thank you!</a:t>
-            </a:r>
+              <a:t>Scheduling Workflows on the </a:t>
+            </a:r>
+            <a:r>
+              <a:rPr lang="en-US" dirty="0" smtClean="0"/>
+              <a:t>Server</a:t>
+            </a:r>
+            <a:endParaRPr lang="en-US" dirty="0"/>
           </a:p>
         </p:txBody>
       </p:sp>
       <p:sp>
         <p:nvSpPr>
-          <p:cNvPr id="5" name="Subtitle 4"/>
+          <p:cNvPr id="5" name="Text Placeholder 4"/>
           <p:cNvSpPr>
             <a:spLocks noGrp="1"/>
           </p:cNvSpPr>
           <p:nvPr>
-            <p:ph type="subTitle" idx="1"/>
+            <p:ph type="body" sz="quarter" idx="10"/>
+          </p:nvPr>
+        </p:nvSpPr>
+        <p:spPr>
+          <a:xfrm>
+            <a:off x="762000" y="2286000"/>
+            <a:ext cx="5181600" cy="3200400"/>
+          </a:xfrm>
+        </p:spPr>
+        <p:txBody>
+          <a:bodyPr/>
+          <a:lstStyle/>
+          <a:p>
+            <a:r>
+              <a:rPr lang="en-US" dirty="0" smtClean="0"/>
+              <a:t>Add schedule from flow toolbar </a:t>
+            </a:r>
+          </a:p>
+          <a:p>
+            <a:r>
+              <a:rPr lang="en-US" dirty="0" smtClean="0"/>
+              <a:t>Choose from list of prepared schedules</a:t>
+            </a:r>
+            <a:endParaRPr lang="en-US" dirty="0"/>
+          </a:p>
+        </p:txBody>
+      </p:sp>
+      <p:sp>
+        <p:nvSpPr>
+          <p:cNvPr id="4" name="Slide Number Placeholder 3"/>
+          <p:cNvSpPr>
+            <a:spLocks noGrp="1"/>
+          </p:cNvSpPr>
+          <p:nvPr>
+            <p:ph type="sldNum" sz="quarter" idx="4294967295"/>
           </p:nvPr>
         </p:nvSpPr>
         <p:spPr/>
@@ -10101,42 +11772,356 @@
           <a:bodyPr/>
           <a:lstStyle/>
           <a:p>
-            <a:r>
-              <a:rPr lang="en-US" dirty="0"/>
-              <a:t>Questions?</a:t>
-            </a:r>
-          </a:p>
-          <a:p>
-            <a:r>
-              <a:rPr lang="en-US" dirty="0"/>
-              <a:t>Survey: http://</a:t>
-            </a:r>
-            <a:r>
-              <a:rPr lang="en-US" dirty="0" err="1"/>
-              <a:t>www.onlc.com</a:t>
-            </a:r>
-            <a:r>
-              <a:rPr lang="en-US" dirty="0"/>
-              <a:t>/</a:t>
-            </a:r>
-            <a:r>
-              <a:rPr lang="en-US" dirty="0" err="1"/>
-              <a:t>eval</a:t>
-            </a:r>
+            <a:fld id="{4FAB73BC-B049-4115-A692-8D63A059BFB8}" type="slidenum">
+              <a:rPr lang="en-US" smtClean="0"/>
+              <a:t>108</a:t>
+            </a:fld>
             <a:endParaRPr lang="en-US" dirty="0"/>
+          </a:p>
+        </p:txBody>
+      </p:sp>
+      <p:pic>
+        <p:nvPicPr>
+          <p:cNvPr id="3" name="Picture 2"/>
+          <p:cNvPicPr>
+            <a:picLocks noChangeAspect="1"/>
+          </p:cNvPicPr>
+          <p:nvPr/>
+        </p:nvPicPr>
+        <p:blipFill>
+          <a:blip r:embed="rId3"/>
+          <a:stretch>
+            <a:fillRect/>
+          </a:stretch>
+        </p:blipFill>
+        <p:spPr>
+          <a:xfrm>
+            <a:off x="304800" y="1346149"/>
+            <a:ext cx="11431595" cy="733527"/>
+          </a:xfrm>
+          <a:prstGeom prst="rect">
+            <a:avLst/>
+          </a:prstGeom>
+        </p:spPr>
+      </p:pic>
+      <p:pic>
+        <p:nvPicPr>
+          <p:cNvPr id="6" name="Picture 5"/>
+          <p:cNvPicPr>
+            <a:picLocks noChangeAspect="1"/>
+          </p:cNvPicPr>
+          <p:nvPr/>
+        </p:nvPicPr>
+        <p:blipFill>
+          <a:blip r:embed="rId4"/>
+          <a:stretch>
+            <a:fillRect/>
+          </a:stretch>
+        </p:blipFill>
+        <p:spPr>
+          <a:xfrm>
+            <a:off x="5943600" y="2399869"/>
+            <a:ext cx="5725324" cy="3086531"/>
+          </a:xfrm>
+          <a:prstGeom prst="rect">
+            <a:avLst/>
+          </a:prstGeom>
+        </p:spPr>
+      </p:pic>
+      <p:sp>
+        <p:nvSpPr>
+          <p:cNvPr id="8" name="Down Arrow 7"/>
+          <p:cNvSpPr/>
+          <p:nvPr/>
+        </p:nvSpPr>
+        <p:spPr>
+          <a:xfrm>
+            <a:off x="10210800" y="2079676"/>
+            <a:ext cx="304800" cy="434924"/>
+          </a:xfrm>
+          <a:prstGeom prst="downArrow">
+            <a:avLst/>
+          </a:prstGeom>
+        </p:spPr>
+        <p:style>
+          <a:lnRef idx="2">
+            <a:schemeClr val="accent1">
+              <a:shade val="50000"/>
+            </a:schemeClr>
+          </a:lnRef>
+          <a:fillRef idx="1">
+            <a:schemeClr val="accent1"/>
+          </a:fillRef>
+          <a:effectRef idx="0">
+            <a:schemeClr val="accent1"/>
+          </a:effectRef>
+          <a:fontRef idx="minor">
+            <a:schemeClr val="lt1"/>
+          </a:fontRef>
+        </p:style>
+        <p:txBody>
+          <a:bodyPr rtlCol="0" anchor="ctr"/>
+          <a:lstStyle/>
+          <a:p>
+            <a:pPr algn="ctr"/>
+            <a:endParaRPr lang="en-US"/>
           </a:p>
         </p:txBody>
       </p:sp>
     </p:spTree>
     <p:extLst>
       <p:ext uri="{BB962C8B-B14F-4D97-AF65-F5344CB8AC3E}">
-        <p14:creationId xmlns:p14="http://schemas.microsoft.com/office/powerpoint/2010/main" val="1768650418"/>
+        <p14:creationId xmlns:p14="http://schemas.microsoft.com/office/powerpoint/2010/main" val="2531394161"/>
       </p:ext>
     </p:extLst>
   </p:cSld>
   <p:clrMapOvr>
     <a:masterClrMapping/>
   </p:clrMapOvr>
+  <p:timing>
+    <p:tnLst>
+      <p:par>
+        <p:cTn id="1" dur="indefinite" restart="never" nodeType="tmRoot">
+          <p:childTnLst>
+            <p:seq concurrent="1" nextAc="seek">
+              <p:cTn id="2" dur="indefinite" nodeType="mainSeq">
+                <p:childTnLst>
+                  <p:par>
+                    <p:cTn id="3" fill="hold">
+                      <p:stCondLst>
+                        <p:cond delay="indefinite"/>
+                        <p:cond evt="onBegin" delay="0">
+                          <p:tn val="2"/>
+                        </p:cond>
+                      </p:stCondLst>
+                      <p:childTnLst>
+                        <p:par>
+                          <p:cTn id="4" fill="hold">
+                            <p:stCondLst>
+                              <p:cond delay="0"/>
+                            </p:stCondLst>
+                            <p:childTnLst>
+                              <p:par>
+                                <p:cTn id="5" presetID="10" presetClass="entr" presetSubtype="0" fill="hold" grpId="0" nodeType="withEffect">
+                                  <p:stCondLst>
+                                    <p:cond delay="0"/>
+                                  </p:stCondLst>
+                                  <p:childTnLst>
+                                    <p:set>
+                                      <p:cBhvr>
+                                        <p:cTn id="6" dur="1" fill="hold">
+                                          <p:stCondLst>
+                                            <p:cond delay="0"/>
+                                          </p:stCondLst>
+                                        </p:cTn>
+                                        <p:tgtEl>
+                                          <p:spTgt spid="8"/>
+                                        </p:tgtEl>
+                                        <p:attrNameLst>
+                                          <p:attrName>style.visibility</p:attrName>
+                                        </p:attrNameLst>
+                                      </p:cBhvr>
+                                      <p:to>
+                                        <p:strVal val="visible"/>
+                                      </p:to>
+                                    </p:set>
+                                    <p:animEffect transition="in" filter="fade">
+                                      <p:cBhvr>
+                                        <p:cTn id="7" dur="500"/>
+                                        <p:tgtEl>
+                                          <p:spTgt spid="8"/>
+                                        </p:tgtEl>
+                                      </p:cBhvr>
+                                    </p:animEffect>
+                                  </p:childTnLst>
+                                </p:cTn>
+                              </p:par>
+                              <p:par>
+                                <p:cTn id="8" presetID="10" presetClass="entr" presetSubtype="0" fill="hold" nodeType="withEffect">
+                                  <p:stCondLst>
+                                    <p:cond delay="1000"/>
+                                  </p:stCondLst>
+                                  <p:childTnLst>
+                                    <p:set>
+                                      <p:cBhvr>
+                                        <p:cTn id="9" dur="1" fill="hold">
+                                          <p:stCondLst>
+                                            <p:cond delay="0"/>
+                                          </p:stCondLst>
+                                        </p:cTn>
+                                        <p:tgtEl>
+                                          <p:spTgt spid="6"/>
+                                        </p:tgtEl>
+                                        <p:attrNameLst>
+                                          <p:attrName>style.visibility</p:attrName>
+                                        </p:attrNameLst>
+                                      </p:cBhvr>
+                                      <p:to>
+                                        <p:strVal val="visible"/>
+                                      </p:to>
+                                    </p:set>
+                                    <p:animEffect transition="in" filter="fade">
+                                      <p:cBhvr>
+                                        <p:cTn id="10" dur="500"/>
+                                        <p:tgtEl>
+                                          <p:spTgt spid="6"/>
+                                        </p:tgtEl>
+                                      </p:cBhvr>
+                                    </p:animEffect>
+                                  </p:childTnLst>
+                                </p:cTn>
+                              </p:par>
+                            </p:childTnLst>
+                          </p:cTn>
+                        </p:par>
+                      </p:childTnLst>
+                    </p:cTn>
+                  </p:par>
+                </p:childTnLst>
+              </p:cTn>
+              <p:prevCondLst>
+                <p:cond evt="onPrev" delay="0">
+                  <p:tgtEl>
+                    <p:sldTgt/>
+                  </p:tgtEl>
+                </p:cond>
+              </p:prevCondLst>
+              <p:nextCondLst>
+                <p:cond evt="onNext" delay="0">
+                  <p:tgtEl>
+                    <p:sldTgt/>
+                  </p:tgtEl>
+                </p:cond>
+              </p:nextCondLst>
+            </p:seq>
+          </p:childTnLst>
+        </p:cTn>
+      </p:par>
+    </p:tnLst>
+    <p:bldLst>
+      <p:bldP spid="8" grpId="0" animBg="1"/>
+    </p:bldLst>
+  </p:timing>
+</p:sld>
+</file>
+
+<file path=ppt/slides/slide109.xml><?xml version="1.0" encoding="utf-8"?>
+<p:sld xmlns:a="http://schemas.openxmlformats.org/drawingml/2006/main" xmlns:r="http://schemas.openxmlformats.org/officeDocument/2006/relationships" xmlns:p="http://schemas.openxmlformats.org/presentationml/2006/main">
+  <p:cSld>
+    <p:spTree>
+      <p:nvGrpSpPr>
+        <p:cNvPr id="1" name=""/>
+        <p:cNvGrpSpPr/>
+        <p:nvPr/>
+      </p:nvGrpSpPr>
+      <p:grpSpPr>
+        <a:xfrm>
+          <a:off x="0" y="0"/>
+          <a:ext cx="0" cy="0"/>
+          <a:chOff x="0" y="0"/>
+          <a:chExt cx="0" cy="0"/>
+        </a:xfrm>
+      </p:grpSpPr>
+      <p:sp>
+        <p:nvSpPr>
+          <p:cNvPr id="2" name="Title 1"/>
+          <p:cNvSpPr>
+            <a:spLocks noGrp="1"/>
+          </p:cNvSpPr>
+          <p:nvPr>
+            <p:ph type="title"/>
+          </p:nvPr>
+        </p:nvSpPr>
+        <p:spPr/>
+        <p:txBody>
+          <a:bodyPr/>
+          <a:lstStyle/>
+          <a:p>
+            <a:r>
+              <a:rPr lang="en-US" dirty="0" smtClean="0"/>
+              <a:t>Viewing tasks on the server</a:t>
+            </a:r>
+            <a:endParaRPr lang="en-US" dirty="0"/>
+          </a:p>
+        </p:txBody>
+      </p:sp>
+      <p:sp>
+        <p:nvSpPr>
+          <p:cNvPr id="3" name="Text Placeholder 2"/>
+          <p:cNvSpPr>
+            <a:spLocks noGrp="1"/>
+          </p:cNvSpPr>
+          <p:nvPr>
+            <p:ph type="body" sz="quarter" idx="10"/>
+          </p:nvPr>
+        </p:nvSpPr>
+        <p:spPr>
+          <a:xfrm>
+            <a:off x="762000" y="1752600"/>
+            <a:ext cx="2478002" cy="3733800"/>
+          </a:xfrm>
+        </p:spPr>
+        <p:txBody>
+          <a:bodyPr/>
+          <a:lstStyle/>
+          <a:p>
+            <a:r>
+              <a:rPr lang="en-US" sz="2400" dirty="0" smtClean="0"/>
+              <a:t>Tasks page</a:t>
+            </a:r>
+          </a:p>
+          <a:p>
+            <a:r>
+              <a:rPr lang="en-US" sz="2400" dirty="0" smtClean="0"/>
+              <a:t>View, edit, delete</a:t>
+            </a:r>
+            <a:endParaRPr lang="en-US" sz="2400" dirty="0"/>
+          </a:p>
+        </p:txBody>
+      </p:sp>
+      <p:pic>
+        <p:nvPicPr>
+          <p:cNvPr id="4" name="Picture 3">
+            <a:hlinkClick r:id="rId2"/>
+          </p:cNvPr>
+          <p:cNvPicPr>
+            <a:picLocks noChangeAspect="1"/>
+          </p:cNvPicPr>
+          <p:nvPr/>
+        </p:nvPicPr>
+        <p:blipFill>
+          <a:blip r:embed="rId3"/>
+          <a:stretch>
+            <a:fillRect/>
+          </a:stretch>
+        </p:blipFill>
+        <p:spPr>
+          <a:xfrm>
+            <a:off x="3240002" y="1880255"/>
+            <a:ext cx="8193462" cy="3602681"/>
+          </a:xfrm>
+          <a:prstGeom prst="rect">
+            <a:avLst/>
+          </a:prstGeom>
+        </p:spPr>
+      </p:pic>
+    </p:spTree>
+    <p:extLst>
+      <p:ext uri="{BB962C8B-B14F-4D97-AF65-F5344CB8AC3E}">
+        <p14:creationId xmlns:p14="http://schemas.microsoft.com/office/powerpoint/2010/main" val="999415945"/>
+      </p:ext>
+    </p:extLst>
+  </p:cSld>
+  <p:clrMapOvr>
+    <a:masterClrMapping/>
+  </p:clrMapOvr>
+  <p:timing>
+    <p:tnLst>
+      <p:par>
+        <p:cTn id="1" dur="indefinite" restart="never" nodeType="tmRoot"/>
+      </p:par>
+    </p:tnLst>
+  </p:timing>
 </p:sld>
 </file>
 
@@ -10195,6 +12180,244 @@
   <p:clrMapOvr>
     <a:masterClrMapping/>
   </p:clrMapOvr>
+</p:sld>
+</file>
+
+<file path=ppt/slides/slide110.xml><?xml version="1.0" encoding="utf-8"?>
+<p:sld xmlns:a="http://schemas.openxmlformats.org/drawingml/2006/main" xmlns:r="http://schemas.openxmlformats.org/officeDocument/2006/relationships" xmlns:p="http://schemas.openxmlformats.org/presentationml/2006/main">
+  <p:cSld>
+    <p:spTree>
+      <p:nvGrpSpPr>
+        <p:cNvPr id="1" name=""/>
+        <p:cNvGrpSpPr/>
+        <p:nvPr/>
+      </p:nvGrpSpPr>
+      <p:grpSpPr>
+        <a:xfrm>
+          <a:off x="0" y="0"/>
+          <a:ext cx="0" cy="0"/>
+          <a:chOff x="0" y="0"/>
+          <a:chExt cx="0" cy="0"/>
+        </a:xfrm>
+      </p:grpSpPr>
+      <p:sp>
+        <p:nvSpPr>
+          <p:cNvPr id="2" name="Title 1"/>
+          <p:cNvSpPr>
+            <a:spLocks noGrp="1"/>
+          </p:cNvSpPr>
+          <p:nvPr>
+            <p:ph type="title"/>
+          </p:nvPr>
+        </p:nvSpPr>
+        <p:spPr/>
+        <p:txBody>
+          <a:bodyPr/>
+          <a:lstStyle/>
+          <a:p>
+            <a:r>
+              <a:rPr lang="en-US" dirty="0" smtClean="0"/>
+              <a:t>Adding safe file locations</a:t>
+            </a:r>
+            <a:endParaRPr lang="en-US" dirty="0"/>
+          </a:p>
+        </p:txBody>
+      </p:sp>
+      <p:sp>
+        <p:nvSpPr>
+          <p:cNvPr id="3" name="Text Placeholder 2"/>
+          <p:cNvSpPr>
+            <a:spLocks noGrp="1"/>
+          </p:cNvSpPr>
+          <p:nvPr>
+            <p:ph type="body" sz="quarter" idx="10"/>
+          </p:nvPr>
+        </p:nvSpPr>
+        <p:spPr>
+          <a:xfrm>
+            <a:off x="762000" y="1752600"/>
+            <a:ext cx="6324600" cy="3733800"/>
+          </a:xfrm>
+        </p:spPr>
+        <p:txBody>
+          <a:bodyPr/>
+          <a:lstStyle/>
+          <a:p>
+            <a:r>
+              <a:rPr lang="en-US" dirty="0" smtClean="0"/>
+              <a:t>Use </a:t>
+            </a:r>
+            <a:r>
+              <a:rPr lang="en-US" dirty="0" err="1" smtClean="0"/>
+              <a:t>tsm</a:t>
+            </a:r>
+            <a:r>
+              <a:rPr lang="en-US" dirty="0" smtClean="0"/>
+              <a:t> command line tool</a:t>
+            </a:r>
+            <a:endParaRPr lang="en-US" dirty="0"/>
+          </a:p>
+        </p:txBody>
+      </p:sp>
+      <p:pic>
+        <p:nvPicPr>
+          <p:cNvPr id="4" name="Picture 3"/>
+          <p:cNvPicPr>
+            <a:picLocks noChangeAspect="1"/>
+          </p:cNvPicPr>
+          <p:nvPr/>
+        </p:nvPicPr>
+        <p:blipFill>
+          <a:blip r:embed="rId2"/>
+          <a:stretch>
+            <a:fillRect/>
+          </a:stretch>
+        </p:blipFill>
+        <p:spPr>
+          <a:xfrm>
+            <a:off x="7239000" y="2196634"/>
+            <a:ext cx="4301881" cy="440713"/>
+          </a:xfrm>
+          <a:prstGeom prst="rect">
+            <a:avLst/>
+          </a:prstGeom>
+        </p:spPr>
+      </p:pic>
+      <p:pic>
+        <p:nvPicPr>
+          <p:cNvPr id="5" name="Picture 4"/>
+          <p:cNvPicPr>
+            <a:picLocks noChangeAspect="1"/>
+          </p:cNvPicPr>
+          <p:nvPr/>
+        </p:nvPicPr>
+        <p:blipFill>
+          <a:blip r:embed="rId3"/>
+          <a:stretch>
+            <a:fillRect/>
+          </a:stretch>
+        </p:blipFill>
+        <p:spPr>
+          <a:xfrm>
+            <a:off x="7239000" y="3034267"/>
+            <a:ext cx="4315736" cy="2476035"/>
+          </a:xfrm>
+          <a:prstGeom prst="rect">
+            <a:avLst/>
+          </a:prstGeom>
+        </p:spPr>
+      </p:pic>
+    </p:spTree>
+    <p:extLst>
+      <p:ext uri="{BB962C8B-B14F-4D97-AF65-F5344CB8AC3E}">
+        <p14:creationId xmlns:p14="http://schemas.microsoft.com/office/powerpoint/2010/main" val="3637974130"/>
+      </p:ext>
+    </p:extLst>
+  </p:cSld>
+  <p:clrMapOvr>
+    <a:masterClrMapping/>
+  </p:clrMapOvr>
+  <p:timing>
+    <p:tnLst>
+      <p:par>
+        <p:cTn id="1" dur="indefinite" restart="never" nodeType="tmRoot"/>
+      </p:par>
+    </p:tnLst>
+  </p:timing>
+</p:sld>
+</file>
+
+<file path=ppt/slides/slide111.xml><?xml version="1.0" encoding="utf-8"?>
+<p:sld xmlns:a="http://schemas.openxmlformats.org/drawingml/2006/main" xmlns:r="http://schemas.openxmlformats.org/officeDocument/2006/relationships" xmlns:p="http://schemas.openxmlformats.org/presentationml/2006/main">
+  <p:cSld>
+    <p:spTree>
+      <p:nvGrpSpPr>
+        <p:cNvPr id="1" name=""/>
+        <p:cNvGrpSpPr/>
+        <p:nvPr/>
+      </p:nvGrpSpPr>
+      <p:grpSpPr>
+        <a:xfrm>
+          <a:off x="0" y="0"/>
+          <a:ext cx="0" cy="0"/>
+          <a:chOff x="0" y="0"/>
+          <a:chExt cx="0" cy="0"/>
+        </a:xfrm>
+      </p:grpSpPr>
+      <p:sp>
+        <p:nvSpPr>
+          <p:cNvPr id="2" name="Title 1"/>
+          <p:cNvSpPr>
+            <a:spLocks noGrp="1"/>
+          </p:cNvSpPr>
+          <p:nvPr>
+            <p:ph type="ctrTitle"/>
+          </p:nvPr>
+        </p:nvSpPr>
+        <p:spPr/>
+        <p:txBody>
+          <a:bodyPr/>
+          <a:lstStyle/>
+          <a:p>
+            <a:r>
+              <a:rPr lang="en-US" dirty="0"/>
+              <a:t>Thank you!</a:t>
+            </a:r>
+          </a:p>
+        </p:txBody>
+      </p:sp>
+      <p:sp>
+        <p:nvSpPr>
+          <p:cNvPr id="5" name="Subtitle 4"/>
+          <p:cNvSpPr>
+            <a:spLocks noGrp="1"/>
+          </p:cNvSpPr>
+          <p:nvPr>
+            <p:ph type="subTitle" idx="1"/>
+          </p:nvPr>
+        </p:nvSpPr>
+        <p:spPr/>
+        <p:txBody>
+          <a:bodyPr/>
+          <a:lstStyle/>
+          <a:p>
+            <a:r>
+              <a:rPr lang="en-US" dirty="0"/>
+              <a:t>Questions?</a:t>
+            </a:r>
+          </a:p>
+          <a:p>
+            <a:r>
+              <a:rPr lang="en-US" dirty="0"/>
+              <a:t>Survey: </a:t>
+            </a:r>
+            <a:r>
+              <a:rPr lang="en-US" dirty="0">
+                <a:hlinkClick r:id="rId3"/>
+              </a:rPr>
+              <a:t>http://www.onlc.com/eval</a:t>
+            </a:r>
+            <a:endParaRPr lang="en-US" dirty="0"/>
+          </a:p>
+        </p:txBody>
+      </p:sp>
+    </p:spTree>
+    <p:extLst>
+      <p:ext uri="{BB962C8B-B14F-4D97-AF65-F5344CB8AC3E}">
+        <p14:creationId xmlns:p14="http://schemas.microsoft.com/office/powerpoint/2010/main" val="1768650418"/>
+      </p:ext>
+    </p:extLst>
+  </p:cSld>
+  <p:clrMapOvr>
+    <a:masterClrMapping/>
+  </p:clrMapOvr>
+  <p:timing>
+    <p:tnLst>
+      <p:par>
+        <p:cTn id="1" dur="indefinite" restart="never" nodeType="tmRoot"/>
+      </p:par>
+    </p:tnLst>
+  </p:timing>
 </p:sld>
 </file>
 
@@ -19316,6 +21539,13 @@
   <p:clrMapOvr>
     <a:masterClrMapping/>
   </p:clrMapOvr>
+  <p:timing>
+    <p:tnLst>
+      <p:par>
+        <p:cTn id="1" dur="indefinite" restart="never" nodeType="tmRoot"/>
+      </p:par>
+    </p:tnLst>
+  </p:timing>
 </p:sld>
 </file>
 
@@ -23543,6 +25773,10 @@
               </a:rPr>
               <a:t>http://bit.ly/ONLCXTBP10</a:t>
             </a:r>
+            <a:r>
+              <a:rPr lang="en-US" dirty="0"/>
+              <a:t/>
+            </a:r>
             <a:br>
               <a:rPr lang="en-US" dirty="0"/>
             </a:br>
@@ -35609,6 +37843,13 @@
   <p:clrMapOvr>
     <a:masterClrMapping/>
   </p:clrMapOvr>
+  <p:timing>
+    <p:tnLst>
+      <p:par>
+        <p:cTn id="1" dur="indefinite" restart="never" nodeType="tmRoot"/>
+      </p:par>
+    </p:tnLst>
+  </p:timing>
 </p:sld>
 </file>
 
@@ -36907,6 +39148,13 @@
   <p:clrMapOvr>
     <a:masterClrMapping/>
   </p:clrMapOvr>
+  <p:timing>
+    <p:tnLst>
+      <p:par>
+        <p:cTn id="1" dur="indefinite" restart="never" nodeType="tmRoot"/>
+      </p:par>
+    </p:tnLst>
+  </p:timing>
 </p:sld>
 </file>
 
@@ -36965,6 +39213,13 @@
   <p:clrMapOvr>
     <a:masterClrMapping/>
   </p:clrMapOvr>
+  <p:timing>
+    <p:tnLst>
+      <p:par>
+        <p:cTn id="1" dur="indefinite" restart="never" nodeType="tmRoot"/>
+      </p:par>
+    </p:tnLst>
+  </p:timing>
 </p:sld>
 </file>
 
@@ -37028,6 +39283,13 @@
   <p:clrMapOvr>
     <a:masterClrMapping/>
   </p:clrMapOvr>
+  <p:timing>
+    <p:tnLst>
+      <p:par>
+        <p:cTn id="1" dur="indefinite" restart="never" nodeType="tmRoot"/>
+      </p:par>
+    </p:tnLst>
+  </p:timing>
 </p:sld>
 </file>
 
@@ -37150,6 +39412,13 @@
   <p:clrMapOvr>
     <a:masterClrMapping/>
   </p:clrMapOvr>
+  <p:timing>
+    <p:tnLst>
+      <p:par>
+        <p:cTn id="1" dur="indefinite" restart="never" nodeType="tmRoot"/>
+      </p:par>
+    </p:tnLst>
+  </p:timing>
 </p:sld>
 </file>
 
@@ -37266,6 +39535,13 @@
   <p:clrMapOvr>
     <a:masterClrMapping/>
   </p:clrMapOvr>
+  <p:timing>
+    <p:tnLst>
+      <p:par>
+        <p:cTn id="1" dur="indefinite" restart="never" nodeType="tmRoot"/>
+      </p:par>
+    </p:tnLst>
+  </p:timing>
 </p:sld>
 </file>
 
@@ -37426,6 +39702,13 @@
   <p:clrMapOvr>
     <a:masterClrMapping/>
   </p:clrMapOvr>
+  <p:timing>
+    <p:tnLst>
+      <p:par>
+        <p:cTn id="1" dur="indefinite" restart="never" nodeType="tmRoot"/>
+      </p:par>
+    </p:tnLst>
+  </p:timing>
 </p:sld>
 </file>
 
@@ -37495,7 +39778,31 @@
           <a:bodyPr/>
           <a:lstStyle/>
           <a:p>
-            <a:endParaRPr lang="en-US"/>
+            <a:r>
+              <a:rPr lang="en-US" dirty="0" smtClean="0"/>
+              <a:t>Data can contain errors &amp; inconsistencies</a:t>
+            </a:r>
+          </a:p>
+          <a:p>
+            <a:r>
+              <a:rPr lang="en-US" dirty="0" smtClean="0"/>
+              <a:t>Best case: invalid results, e.g., </a:t>
+            </a:r>
+            <a:r>
+              <a:rPr lang="en-US" i="1" dirty="0" smtClean="0"/>
+              <a:t>NULLs</a:t>
+            </a:r>
+            <a:r>
+              <a:rPr lang="en-US" dirty="0" smtClean="0"/>
+              <a:t> where there should be answers</a:t>
+            </a:r>
+          </a:p>
+          <a:p>
+            <a:r>
+              <a:rPr lang="en-US" dirty="0" smtClean="0"/>
+              <a:t>Worst case: valid-but-incorrect results</a:t>
+            </a:r>
+            <a:endParaRPr lang="en-US" dirty="0"/>
           </a:p>
         </p:txBody>
       </p:sp>
@@ -37509,6 +39816,13 @@
   <p:clrMapOvr>
     <a:masterClrMapping/>
   </p:clrMapOvr>
+  <p:timing>
+    <p:tnLst>
+      <p:par>
+        <p:cTn id="1" dur="indefinite" restart="never" nodeType="tmRoot"/>
+      </p:par>
+    </p:tnLst>
+  </p:timing>
 </p:sld>
 </file>
 
@@ -37736,6 +40050,13 @@
   <p:clrMapOvr>
     <a:masterClrMapping/>
   </p:clrMapOvr>
+  <p:timing>
+    <p:tnLst>
+      <p:par>
+        <p:cTn id="1" dur="indefinite" restart="never" nodeType="tmRoot"/>
+      </p:par>
+    </p:tnLst>
+  </p:timing>
 </p:sld>
 </file>
 
@@ -38313,6 +40634,13 @@
   <p:clrMapOvr>
     <a:masterClrMapping/>
   </p:clrMapOvr>
+  <p:timing>
+    <p:tnLst>
+      <p:par>
+        <p:cTn id="1" dur="indefinite" restart="never" nodeType="tmRoot"/>
+      </p:par>
+    </p:tnLst>
+  </p:timing>
 </p:sld>
 </file>
 
@@ -38601,6 +40929,13 @@
   <p:clrMapOvr>
     <a:masterClrMapping/>
   </p:clrMapOvr>
+  <p:timing>
+    <p:tnLst>
+      <p:par>
+        <p:cTn id="1" dur="indefinite" restart="never" nodeType="tmRoot"/>
+      </p:par>
+    </p:tnLst>
+  </p:timing>
 </p:sld>
 </file>
 
@@ -38723,6 +41058,13 @@
   <p:clrMapOvr>
     <a:masterClrMapping/>
   </p:clrMapOvr>
+  <p:timing>
+    <p:tnLst>
+      <p:par>
+        <p:cTn id="1" dur="indefinite" restart="never" nodeType="tmRoot"/>
+      </p:par>
+    </p:tnLst>
+  </p:timing>
 </p:sld>
 </file>
 
@@ -38880,6 +41222,13 @@
   <p:clrMapOvr>
     <a:masterClrMapping/>
   </p:clrMapOvr>
+  <p:timing>
+    <p:tnLst>
+      <p:par>
+        <p:cTn id="1" dur="indefinite" restart="never" nodeType="tmRoot"/>
+      </p:par>
+    </p:tnLst>
+  </p:timing>
 </p:sld>
 </file>
 
@@ -39050,6 +41399,13 @@
   <p:clrMapOvr>
     <a:masterClrMapping/>
   </p:clrMapOvr>
+  <p:timing>
+    <p:tnLst>
+      <p:par>
+        <p:cTn id="1" dur="indefinite" restart="never" nodeType="tmRoot"/>
+      </p:par>
+    </p:tnLst>
+  </p:timing>
 </p:sld>
 </file>
 
@@ -39188,6 +41544,700 @@
           </a:p>
         </p:txBody>
       </p:sp>
+      <p:sp>
+        <p:nvSpPr>
+          <p:cNvPr id="5" name="Rectangle 5"/>
+          <p:cNvSpPr>
+            <a:spLocks noChangeArrowheads="1"/>
+          </p:cNvSpPr>
+          <p:nvPr/>
+        </p:nvSpPr>
+        <p:spPr bwMode="auto">
+          <a:xfrm>
+            <a:off x="0" y="0"/>
+            <a:ext cx="12192000" cy="6858000"/>
+          </a:xfrm>
+          <a:prstGeom prst="rect">
+            <a:avLst/>
+          </a:prstGeom>
+          <a:solidFill>
+            <a:srgbClr val="FFFFFF">
+              <a:alpha val="50195"/>
+            </a:srgbClr>
+          </a:solidFill>
+          <a:ln>
+            <a:noFill/>
+          </a:ln>
+          <a:effectLst>
+            <a:outerShdw dist="53882" dir="2700000" algn="ctr" rotWithShape="0">
+              <a:srgbClr val="919191">
+                <a:alpha val="50000"/>
+              </a:srgbClr>
+            </a:outerShdw>
+          </a:effectLst>
+          <a:extLst>
+            <a:ext uri="{91240B29-F687-4F45-9708-019B960494DF}">
+              <a14:hiddenLine xmlns:a14="http://schemas.microsoft.com/office/drawing/2010/main" w="9525" algn="ctr">
+                <a:solidFill>
+                  <a:srgbClr val="000000"/>
+                </a:solidFill>
+                <a:miter lim="800000"/>
+                <a:headEnd/>
+                <a:tailEnd/>
+              </a14:hiddenLine>
+            </a:ext>
+          </a:extLst>
+        </p:spPr>
+        <p:txBody>
+          <a:bodyPr wrap="none" anchor="ctr"/>
+          <a:lstStyle>
+            <a:lvl1pPr>
+              <a:defRPr b="1">
+                <a:solidFill>
+                  <a:schemeClr val="tx1"/>
+                </a:solidFill>
+                <a:latin typeface="Verdana" panose="020B0604030504040204" pitchFamily="34" charset="0"/>
+              </a:defRPr>
+            </a:lvl1pPr>
+            <a:lvl2pPr marL="742950" indent="-285750">
+              <a:defRPr b="1">
+                <a:solidFill>
+                  <a:schemeClr val="tx1"/>
+                </a:solidFill>
+                <a:latin typeface="Verdana" panose="020B0604030504040204" pitchFamily="34" charset="0"/>
+              </a:defRPr>
+            </a:lvl2pPr>
+            <a:lvl3pPr marL="1143000" indent="-228600">
+              <a:defRPr b="1">
+                <a:solidFill>
+                  <a:schemeClr val="tx1"/>
+                </a:solidFill>
+                <a:latin typeface="Verdana" panose="020B0604030504040204" pitchFamily="34" charset="0"/>
+              </a:defRPr>
+            </a:lvl3pPr>
+            <a:lvl4pPr marL="1600200" indent="-228600">
+              <a:defRPr b="1">
+                <a:solidFill>
+                  <a:schemeClr val="tx1"/>
+                </a:solidFill>
+                <a:latin typeface="Verdana" panose="020B0604030504040204" pitchFamily="34" charset="0"/>
+              </a:defRPr>
+            </a:lvl4pPr>
+            <a:lvl5pPr marL="2057400" indent="-228600">
+              <a:defRPr b="1">
+                <a:solidFill>
+                  <a:schemeClr val="tx1"/>
+                </a:solidFill>
+                <a:latin typeface="Verdana" panose="020B0604030504040204" pitchFamily="34" charset="0"/>
+              </a:defRPr>
+            </a:lvl5pPr>
+            <a:lvl6pPr marL="2514600" indent="-228600" eaLnBrk="0" fontAlgn="base" hangingPunct="0">
+              <a:spcBef>
+                <a:spcPct val="0"/>
+              </a:spcBef>
+              <a:spcAft>
+                <a:spcPct val="0"/>
+              </a:spcAft>
+              <a:defRPr b="1">
+                <a:solidFill>
+                  <a:schemeClr val="tx1"/>
+                </a:solidFill>
+                <a:latin typeface="Verdana" panose="020B0604030504040204" pitchFamily="34" charset="0"/>
+              </a:defRPr>
+            </a:lvl6pPr>
+            <a:lvl7pPr marL="2971800" indent="-228600" eaLnBrk="0" fontAlgn="base" hangingPunct="0">
+              <a:spcBef>
+                <a:spcPct val="0"/>
+              </a:spcBef>
+              <a:spcAft>
+                <a:spcPct val="0"/>
+              </a:spcAft>
+              <a:defRPr b="1">
+                <a:solidFill>
+                  <a:schemeClr val="tx1"/>
+                </a:solidFill>
+                <a:latin typeface="Verdana" panose="020B0604030504040204" pitchFamily="34" charset="0"/>
+              </a:defRPr>
+            </a:lvl7pPr>
+            <a:lvl8pPr marL="3429000" indent="-228600" eaLnBrk="0" fontAlgn="base" hangingPunct="0">
+              <a:spcBef>
+                <a:spcPct val="0"/>
+              </a:spcBef>
+              <a:spcAft>
+                <a:spcPct val="0"/>
+              </a:spcAft>
+              <a:defRPr b="1">
+                <a:solidFill>
+                  <a:schemeClr val="tx1"/>
+                </a:solidFill>
+                <a:latin typeface="Verdana" panose="020B0604030504040204" pitchFamily="34" charset="0"/>
+              </a:defRPr>
+            </a:lvl8pPr>
+            <a:lvl9pPr marL="3886200" indent="-228600" eaLnBrk="0" fontAlgn="base" hangingPunct="0">
+              <a:spcBef>
+                <a:spcPct val="0"/>
+              </a:spcBef>
+              <a:spcAft>
+                <a:spcPct val="0"/>
+              </a:spcAft>
+              <a:defRPr b="1">
+                <a:solidFill>
+                  <a:schemeClr val="tx1"/>
+                </a:solidFill>
+                <a:latin typeface="Verdana" panose="020B0604030504040204" pitchFamily="34" charset="0"/>
+              </a:defRPr>
+            </a:lvl9pPr>
+          </a:lstStyle>
+          <a:p>
+            <a:pPr algn="ctr"/>
+            <a:endParaRPr lang="en-US" altLang="en-US"/>
+          </a:p>
+        </p:txBody>
+      </p:sp>
+      <p:sp>
+        <p:nvSpPr>
+          <p:cNvPr id="6" name="Rectangle 6"/>
+          <p:cNvSpPr>
+            <a:spLocks noChangeArrowheads="1"/>
+          </p:cNvSpPr>
+          <p:nvPr/>
+        </p:nvSpPr>
+        <p:spPr bwMode="auto">
+          <a:xfrm>
+            <a:off x="492125" y="5038725"/>
+            <a:ext cx="4094163" cy="1589088"/>
+          </a:xfrm>
+          <a:prstGeom prst="rect">
+            <a:avLst/>
+          </a:prstGeom>
+          <a:solidFill>
+            <a:srgbClr val="FFFFFF"/>
+          </a:solidFill>
+          <a:ln w="9525" algn="ctr">
+            <a:solidFill>
+              <a:schemeClr val="bg2"/>
+            </a:solidFill>
+            <a:miter lim="800000"/>
+            <a:headEnd/>
+            <a:tailEnd/>
+          </a:ln>
+          <a:effectLst>
+            <a:outerShdw dist="53882" dir="2700000" algn="ctr" rotWithShape="0">
+              <a:srgbClr val="919191">
+                <a:alpha val="50000"/>
+              </a:srgbClr>
+            </a:outerShdw>
+          </a:effectLst>
+        </p:spPr>
+        <p:txBody>
+          <a:bodyPr anchor="ctr"/>
+          <a:lstStyle>
+            <a:lvl1pPr>
+              <a:defRPr b="1">
+                <a:solidFill>
+                  <a:schemeClr val="tx1"/>
+                </a:solidFill>
+                <a:latin typeface="Verdana" panose="020B0604030504040204" pitchFamily="34" charset="0"/>
+              </a:defRPr>
+            </a:lvl1pPr>
+            <a:lvl2pPr marL="742950" indent="-285750">
+              <a:defRPr b="1">
+                <a:solidFill>
+                  <a:schemeClr val="tx1"/>
+                </a:solidFill>
+                <a:latin typeface="Verdana" panose="020B0604030504040204" pitchFamily="34" charset="0"/>
+              </a:defRPr>
+            </a:lvl2pPr>
+            <a:lvl3pPr marL="1143000" indent="-228600">
+              <a:defRPr b="1">
+                <a:solidFill>
+                  <a:schemeClr val="tx1"/>
+                </a:solidFill>
+                <a:latin typeface="Verdana" panose="020B0604030504040204" pitchFamily="34" charset="0"/>
+              </a:defRPr>
+            </a:lvl3pPr>
+            <a:lvl4pPr marL="1600200" indent="-228600">
+              <a:defRPr b="1">
+                <a:solidFill>
+                  <a:schemeClr val="tx1"/>
+                </a:solidFill>
+                <a:latin typeface="Verdana" panose="020B0604030504040204" pitchFamily="34" charset="0"/>
+              </a:defRPr>
+            </a:lvl4pPr>
+            <a:lvl5pPr marL="2057400" indent="-228600">
+              <a:defRPr b="1">
+                <a:solidFill>
+                  <a:schemeClr val="tx1"/>
+                </a:solidFill>
+                <a:latin typeface="Verdana" panose="020B0604030504040204" pitchFamily="34" charset="0"/>
+              </a:defRPr>
+            </a:lvl5pPr>
+            <a:lvl6pPr marL="2514600" indent="-228600" eaLnBrk="0" fontAlgn="base" hangingPunct="0">
+              <a:spcBef>
+                <a:spcPct val="0"/>
+              </a:spcBef>
+              <a:spcAft>
+                <a:spcPct val="0"/>
+              </a:spcAft>
+              <a:defRPr b="1">
+                <a:solidFill>
+                  <a:schemeClr val="tx1"/>
+                </a:solidFill>
+                <a:latin typeface="Verdana" panose="020B0604030504040204" pitchFamily="34" charset="0"/>
+              </a:defRPr>
+            </a:lvl6pPr>
+            <a:lvl7pPr marL="2971800" indent="-228600" eaLnBrk="0" fontAlgn="base" hangingPunct="0">
+              <a:spcBef>
+                <a:spcPct val="0"/>
+              </a:spcBef>
+              <a:spcAft>
+                <a:spcPct val="0"/>
+              </a:spcAft>
+              <a:defRPr b="1">
+                <a:solidFill>
+                  <a:schemeClr val="tx1"/>
+                </a:solidFill>
+                <a:latin typeface="Verdana" panose="020B0604030504040204" pitchFamily="34" charset="0"/>
+              </a:defRPr>
+            </a:lvl7pPr>
+            <a:lvl8pPr marL="3429000" indent="-228600" eaLnBrk="0" fontAlgn="base" hangingPunct="0">
+              <a:spcBef>
+                <a:spcPct val="0"/>
+              </a:spcBef>
+              <a:spcAft>
+                <a:spcPct val="0"/>
+              </a:spcAft>
+              <a:defRPr b="1">
+                <a:solidFill>
+                  <a:schemeClr val="tx1"/>
+                </a:solidFill>
+                <a:latin typeface="Verdana" panose="020B0604030504040204" pitchFamily="34" charset="0"/>
+              </a:defRPr>
+            </a:lvl8pPr>
+            <a:lvl9pPr marL="3886200" indent="-228600" eaLnBrk="0" fontAlgn="base" hangingPunct="0">
+              <a:spcBef>
+                <a:spcPct val="0"/>
+              </a:spcBef>
+              <a:spcAft>
+                <a:spcPct val="0"/>
+              </a:spcAft>
+              <a:defRPr b="1">
+                <a:solidFill>
+                  <a:schemeClr val="tx1"/>
+                </a:solidFill>
+                <a:latin typeface="Verdana" panose="020B0604030504040204" pitchFamily="34" charset="0"/>
+              </a:defRPr>
+            </a:lvl9pPr>
+          </a:lstStyle>
+          <a:p>
+            <a:pPr algn="ctr"/>
+            <a:r>
+              <a:rPr lang="en-US" altLang="en-US">
+                <a:solidFill>
+                  <a:srgbClr val="000000"/>
+                </a:solidFill>
+              </a:rPr>
+              <a:t>Questions? Comments?</a:t>
+            </a:r>
+          </a:p>
+          <a:p>
+            <a:pPr algn="ctr"/>
+            <a:r>
+              <a:rPr lang="en-US" altLang="en-US">
+                <a:solidFill>
+                  <a:srgbClr val="000000"/>
+                </a:solidFill>
+              </a:rPr>
+              <a:t>Dan’s e-mail: </a:t>
+            </a:r>
+            <a:r>
+              <a:rPr lang="en-US" altLang="en-US">
+                <a:solidFill>
+                  <a:srgbClr val="000000"/>
+                </a:solidFill>
+                <a:hlinkClick r:id="rId2"/>
+              </a:rPr>
+              <a:t>danc@onlc.com</a:t>
+            </a:r>
+            <a:endParaRPr lang="en-US" altLang="en-US">
+              <a:solidFill>
+                <a:srgbClr val="000000"/>
+              </a:solidFill>
+            </a:endParaRPr>
+          </a:p>
+          <a:p>
+            <a:pPr algn="ctr"/>
+            <a:r>
+              <a:rPr lang="en-US" altLang="en-US">
+                <a:solidFill>
+                  <a:srgbClr val="000000"/>
+                </a:solidFill>
+              </a:rPr>
+              <a:t>Dan’s cell #: (413) 455-0856</a:t>
+            </a:r>
+          </a:p>
+        </p:txBody>
+      </p:sp>
+      <p:sp>
+        <p:nvSpPr>
+          <p:cNvPr id="7" name="WordArt 3"/>
+          <p:cNvSpPr>
+            <a:spLocks noChangeArrowheads="1" noChangeShapeType="1" noTextEdit="1"/>
+          </p:cNvSpPr>
+          <p:nvPr/>
+        </p:nvSpPr>
+        <p:spPr bwMode="auto">
+          <a:xfrm>
+            <a:off x="5770462" y="1981200"/>
+            <a:ext cx="3167063" cy="2616200"/>
+          </a:xfrm>
+          <a:prstGeom prst="rect">
+            <a:avLst/>
+          </a:prstGeom>
+        </p:spPr>
+        <p:txBody>
+          <a:bodyPr wrap="none" fromWordArt="1">
+            <a:prstTxWarp prst="textSlantUp">
+              <a:avLst>
+                <a:gd name="adj" fmla="val 9014"/>
+              </a:avLst>
+            </a:prstTxWarp>
+          </a:bodyPr>
+          <a:lstStyle/>
+          <a:p>
+            <a:pPr algn="ctr"/>
+            <a:r>
+              <a:rPr lang="en-US" sz="3600" kern="10" dirty="0">
+                <a:ln w="9525">
+                  <a:solidFill>
+                    <a:srgbClr val="CC99FF"/>
+                  </a:solidFill>
+                  <a:round/>
+                  <a:headEnd/>
+                  <a:tailEnd/>
+                </a:ln>
+                <a:gradFill rotWithShape="1">
+                  <a:gsLst>
+                    <a:gs pos="0">
+                      <a:srgbClr val="6600CC"/>
+                    </a:gs>
+                    <a:gs pos="100000">
+                      <a:srgbClr val="CC00CC"/>
+                    </a:gs>
+                  </a:gsLst>
+                  <a:lin ang="5400000" scaled="1"/>
+                </a:gradFill>
+                <a:effectLst>
+                  <a:outerShdw dist="53882" dir="2700000" algn="ctr" rotWithShape="0">
+                    <a:srgbClr val="9999FF">
+                      <a:alpha val="79999"/>
+                    </a:srgbClr>
+                  </a:outerShdw>
+                </a:effectLst>
+                <a:latin typeface="Impact" panose="020B0806030902050204" pitchFamily="34" charset="0"/>
+              </a:rPr>
+              <a:t>Lab: </a:t>
+            </a:r>
+            <a:r>
+              <a:rPr lang="en-US" sz="3600" kern="10" dirty="0" smtClean="0">
+                <a:ln w="9525">
+                  <a:solidFill>
+                    <a:srgbClr val="CC99FF"/>
+                  </a:solidFill>
+                  <a:round/>
+                  <a:headEnd/>
+                  <a:tailEnd/>
+                </a:ln>
+                <a:gradFill rotWithShape="1">
+                  <a:gsLst>
+                    <a:gs pos="0">
+                      <a:srgbClr val="6600CC"/>
+                    </a:gs>
+                    <a:gs pos="100000">
+                      <a:srgbClr val="CC00CC"/>
+                    </a:gs>
+                  </a:gsLst>
+                  <a:lin ang="5400000" scaled="1"/>
+                </a:gradFill>
+                <a:effectLst>
+                  <a:outerShdw dist="53882" dir="2700000" algn="ctr" rotWithShape="0">
+                    <a:srgbClr val="9999FF">
+                      <a:alpha val="79999"/>
+                    </a:srgbClr>
+                  </a:outerShdw>
+                </a:effectLst>
+                <a:latin typeface="Impact" panose="020B0806030902050204" pitchFamily="34" charset="0"/>
+              </a:rPr>
+              <a:t>11:00-12:00</a:t>
+            </a:r>
+            <a:endParaRPr lang="en-US" sz="3600" kern="10" dirty="0">
+              <a:ln w="9525">
+                <a:solidFill>
+                  <a:srgbClr val="CC99FF"/>
+                </a:solidFill>
+                <a:round/>
+                <a:headEnd/>
+                <a:tailEnd/>
+              </a:ln>
+              <a:gradFill rotWithShape="1">
+                <a:gsLst>
+                  <a:gs pos="0">
+                    <a:srgbClr val="6600CC"/>
+                  </a:gs>
+                  <a:gs pos="100000">
+                    <a:srgbClr val="CC00CC"/>
+                  </a:gs>
+                </a:gsLst>
+                <a:lin ang="5400000" scaled="1"/>
+              </a:gradFill>
+              <a:effectLst>
+                <a:outerShdw dist="53882" dir="2700000" algn="ctr" rotWithShape="0">
+                  <a:srgbClr val="9999FF">
+                    <a:alpha val="79999"/>
+                  </a:srgbClr>
+                </a:outerShdw>
+              </a:effectLst>
+              <a:latin typeface="Impact" panose="020B0806030902050204" pitchFamily="34" charset="0"/>
+            </a:endParaRPr>
+          </a:p>
+          <a:p>
+            <a:pPr algn="ctr"/>
+            <a:r>
+              <a:rPr lang="en-US" sz="3600" kern="10" dirty="0" smtClean="0">
+                <a:ln w="9525">
+                  <a:solidFill>
+                    <a:srgbClr val="CC99FF"/>
+                  </a:solidFill>
+                  <a:round/>
+                  <a:headEnd/>
+                  <a:tailEnd/>
+                </a:ln>
+                <a:gradFill rotWithShape="1">
+                  <a:gsLst>
+                    <a:gs pos="0">
+                      <a:srgbClr val="6600CC"/>
+                    </a:gs>
+                    <a:gs pos="100000">
+                      <a:srgbClr val="CC00CC"/>
+                    </a:gs>
+                  </a:gsLst>
+                  <a:lin ang="5400000" scaled="1"/>
+                </a:gradFill>
+                <a:effectLst>
+                  <a:outerShdw dist="53882" dir="2700000" algn="ctr" rotWithShape="0">
+                    <a:srgbClr val="9999FF">
+                      <a:alpha val="79999"/>
+                    </a:srgbClr>
+                  </a:outerShdw>
+                </a:effectLst>
+                <a:latin typeface="Impact" panose="020B0806030902050204" pitchFamily="34" charset="0"/>
+              </a:rPr>
+              <a:t>A.M</a:t>
+            </a:r>
+            <a:r>
+              <a:rPr lang="en-US" sz="3600" kern="10" dirty="0">
+                <a:ln w="9525">
+                  <a:solidFill>
+                    <a:srgbClr val="CC99FF"/>
+                  </a:solidFill>
+                  <a:round/>
+                  <a:headEnd/>
+                  <a:tailEnd/>
+                </a:ln>
+                <a:gradFill rotWithShape="1">
+                  <a:gsLst>
+                    <a:gs pos="0">
+                      <a:srgbClr val="6600CC"/>
+                    </a:gs>
+                    <a:gs pos="100000">
+                      <a:srgbClr val="CC00CC"/>
+                    </a:gs>
+                  </a:gsLst>
+                  <a:lin ang="5400000" scaled="1"/>
+                </a:gradFill>
+                <a:effectLst>
+                  <a:outerShdw dist="53882" dir="2700000" algn="ctr" rotWithShape="0">
+                    <a:srgbClr val="9999FF">
+                      <a:alpha val="79999"/>
+                    </a:srgbClr>
+                  </a:outerShdw>
+                </a:effectLst>
+                <a:latin typeface="Impact" panose="020B0806030902050204" pitchFamily="34" charset="0"/>
+              </a:rPr>
+              <a:t>. Break: </a:t>
+            </a:r>
+            <a:r>
+              <a:rPr lang="en-US" sz="3600" kern="10" dirty="0" smtClean="0">
+                <a:ln w="9525">
+                  <a:solidFill>
+                    <a:srgbClr val="CC99FF"/>
+                  </a:solidFill>
+                  <a:round/>
+                  <a:headEnd/>
+                  <a:tailEnd/>
+                </a:ln>
+                <a:gradFill rotWithShape="1">
+                  <a:gsLst>
+                    <a:gs pos="0">
+                      <a:srgbClr val="6600CC"/>
+                    </a:gs>
+                    <a:gs pos="100000">
+                      <a:srgbClr val="CC00CC"/>
+                    </a:gs>
+                  </a:gsLst>
+                  <a:lin ang="5400000" scaled="1"/>
+                </a:gradFill>
+                <a:effectLst>
+                  <a:outerShdw dist="53882" dir="2700000" algn="ctr" rotWithShape="0">
+                    <a:srgbClr val="9999FF">
+                      <a:alpha val="79999"/>
+                    </a:srgbClr>
+                  </a:outerShdw>
+                </a:effectLst>
+                <a:latin typeface="Impact" panose="020B0806030902050204" pitchFamily="34" charset="0"/>
+              </a:rPr>
+              <a:t>12:00-12:15</a:t>
+            </a:r>
+            <a:endParaRPr lang="en-US" sz="3600" kern="10" dirty="0">
+              <a:ln w="9525">
+                <a:solidFill>
+                  <a:srgbClr val="CC99FF"/>
+                </a:solidFill>
+                <a:round/>
+                <a:headEnd/>
+                <a:tailEnd/>
+              </a:ln>
+              <a:gradFill rotWithShape="1">
+                <a:gsLst>
+                  <a:gs pos="0">
+                    <a:srgbClr val="6600CC"/>
+                  </a:gs>
+                  <a:gs pos="100000">
+                    <a:srgbClr val="CC00CC"/>
+                  </a:gs>
+                </a:gsLst>
+                <a:lin ang="5400000" scaled="1"/>
+              </a:gradFill>
+              <a:effectLst>
+                <a:outerShdw dist="53882" dir="2700000" algn="ctr" rotWithShape="0">
+                  <a:srgbClr val="9999FF">
+                    <a:alpha val="79999"/>
+                  </a:srgbClr>
+                </a:outerShdw>
+              </a:effectLst>
+              <a:latin typeface="Impact" panose="020B0806030902050204" pitchFamily="34" charset="0"/>
+            </a:endParaRPr>
+          </a:p>
+        </p:txBody>
+      </p:sp>
+      <p:pic>
+        <p:nvPicPr>
+          <p:cNvPr id="8" name="Picture 5" descr="j0305257"/>
+          <p:cNvPicPr>
+            <a:picLocks noChangeAspect="1" noChangeArrowheads="1"/>
+          </p:cNvPicPr>
+          <p:nvPr/>
+        </p:nvPicPr>
+        <p:blipFill>
+          <a:blip r:embed="rId3">
+            <a:extLst>
+              <a:ext uri="{28A0092B-C50C-407E-A947-70E740481C1C}">
+                <a14:useLocalDpi xmlns:a14="http://schemas.microsoft.com/office/drawing/2010/main" val="0"/>
+              </a:ext>
+            </a:extLst>
+          </a:blip>
+          <a:srcRect/>
+          <a:stretch>
+            <a:fillRect/>
+          </a:stretch>
+        </p:blipFill>
+        <p:spPr bwMode="auto">
+          <a:xfrm>
+            <a:off x="9709150" y="606425"/>
+            <a:ext cx="1874838" cy="3013075"/>
+          </a:xfrm>
+          <a:prstGeom prst="rect">
+            <a:avLst/>
+          </a:prstGeom>
+          <a:noFill/>
+          <a:ln>
+            <a:noFill/>
+          </a:ln>
+          <a:extLst>
+            <a:ext uri="{909E8E84-426E-40DD-AFC4-6F175D3DCCD1}">
+              <a14:hiddenFill xmlns:a14="http://schemas.microsoft.com/office/drawing/2010/main">
+                <a:solidFill>
+                  <a:srgbClr val="FFFFFF"/>
+                </a:solidFill>
+              </a14:hiddenFill>
+            </a:ext>
+            <a:ext uri="{91240B29-F687-4F45-9708-019B960494DF}">
+              <a14:hiddenLine xmlns:a14="http://schemas.microsoft.com/office/drawing/2010/main" w="9525">
+                <a:solidFill>
+                  <a:srgbClr val="000000"/>
+                </a:solidFill>
+                <a:miter lim="800000"/>
+                <a:headEnd/>
+                <a:tailEnd/>
+              </a14:hiddenLine>
+            </a:ext>
+          </a:extLst>
+        </p:spPr>
+      </p:pic>
+      <p:pic>
+        <p:nvPicPr>
+          <p:cNvPr id="9" name="Picture 7" descr="MCj04315630000[1]"/>
+          <p:cNvPicPr>
+            <a:picLocks noChangeAspect="1" noChangeArrowheads="1"/>
+          </p:cNvPicPr>
+          <p:nvPr/>
+        </p:nvPicPr>
+        <p:blipFill>
+          <a:blip r:embed="rId4">
+            <a:extLst>
+              <a:ext uri="{28A0092B-C50C-407E-A947-70E740481C1C}">
+                <a14:useLocalDpi xmlns:a14="http://schemas.microsoft.com/office/drawing/2010/main" val="0"/>
+              </a:ext>
+            </a:extLst>
+          </a:blip>
+          <a:srcRect/>
+          <a:stretch>
+            <a:fillRect/>
+          </a:stretch>
+        </p:blipFill>
+        <p:spPr bwMode="auto">
+          <a:xfrm>
+            <a:off x="9328150" y="3713163"/>
+            <a:ext cx="2697163" cy="2714625"/>
+          </a:xfrm>
+          <a:prstGeom prst="rect">
+            <a:avLst/>
+          </a:prstGeom>
+          <a:noFill/>
+          <a:ln>
+            <a:noFill/>
+          </a:ln>
+          <a:extLst>
+            <a:ext uri="{909E8E84-426E-40DD-AFC4-6F175D3DCCD1}">
+              <a14:hiddenFill xmlns:a14="http://schemas.microsoft.com/office/drawing/2010/main">
+                <a:solidFill>
+                  <a:srgbClr val="FFFFFF"/>
+                </a:solidFill>
+              </a14:hiddenFill>
+            </a:ext>
+            <a:ext uri="{91240B29-F687-4F45-9708-019B960494DF}">
+              <a14:hiddenLine xmlns:a14="http://schemas.microsoft.com/office/drawing/2010/main" w="9525">
+                <a:solidFill>
+                  <a:srgbClr val="000000"/>
+                </a:solidFill>
+                <a:miter lim="800000"/>
+                <a:headEnd/>
+                <a:tailEnd/>
+              </a14:hiddenLine>
+            </a:ext>
+          </a:extLst>
+        </p:spPr>
+      </p:pic>
     </p:spTree>
     <p:extLst>
       <p:ext uri="{BB962C8B-B14F-4D97-AF65-F5344CB8AC3E}">
@@ -39198,6 +42248,13 @@
   <p:clrMapOvr>
     <a:masterClrMapping/>
   </p:clrMapOvr>
+  <p:timing>
+    <p:tnLst>
+      <p:par>
+        <p:cTn id="1" dur="indefinite" restart="never" nodeType="tmRoot"/>
+      </p:par>
+    </p:tnLst>
+  </p:timing>
 </p:sld>
 </file>
 
@@ -39256,6 +42313,13 @@
   <p:clrMapOvr>
     <a:masterClrMapping/>
   </p:clrMapOvr>
+  <p:timing>
+    <p:tnLst>
+      <p:par>
+        <p:cTn id="1" dur="indefinite" restart="never" nodeType="tmRoot"/>
+      </p:par>
+    </p:tnLst>
+  </p:timing>
 </p:sld>
 </file>
 
@@ -39325,7 +42389,23 @@
           <a:bodyPr/>
           <a:lstStyle/>
           <a:p>
-            <a:endParaRPr lang="en-US"/>
+            <a:r>
+              <a:rPr lang="en-US" dirty="0" smtClean="0"/>
+              <a:t>Often, a series of wrong values must be corrected to a single correct value</a:t>
+            </a:r>
+          </a:p>
+          <a:p>
+            <a:r>
+              <a:rPr lang="en-US" dirty="0" smtClean="0"/>
+              <a:t>This is done automatically when you update a value</a:t>
+            </a:r>
+          </a:p>
+          <a:p>
+            <a:r>
+              <a:rPr lang="en-US" dirty="0" smtClean="0"/>
+              <a:t>It can also be done manually or algorithmically</a:t>
+            </a:r>
+            <a:endParaRPr lang="en-US" dirty="0"/>
           </a:p>
         </p:txBody>
       </p:sp>
@@ -39339,6 +42419,13 @@
   <p:clrMapOvr>
     <a:masterClrMapping/>
   </p:clrMapOvr>
+  <p:timing>
+    <p:tnLst>
+      <p:par>
+        <p:cTn id="1" dur="indefinite" restart="never" nodeType="tmRoot"/>
+      </p:par>
+    </p:tnLst>
+  </p:timing>
 </p:sld>
 </file>
 
@@ -39571,6 +42658,13 @@
   <p:clrMapOvr>
     <a:masterClrMapping/>
   </p:clrMapOvr>
+  <p:timing>
+    <p:tnLst>
+      <p:par>
+        <p:cTn id="1" dur="indefinite" restart="never" nodeType="tmRoot"/>
+      </p:par>
+    </p:tnLst>
+  </p:timing>
 </p:sld>
 </file>
 
@@ -39704,6 +42798,13 @@
   <p:clrMapOvr>
     <a:masterClrMapping/>
   </p:clrMapOvr>
+  <p:timing>
+    <p:tnLst>
+      <p:par>
+        <p:cTn id="1" dur="indefinite" restart="never" nodeType="tmRoot"/>
+      </p:par>
+    </p:tnLst>
+  </p:timing>
 </p:sld>
 </file>
 
@@ -39842,6 +42943,13 @@
   <p:clrMapOvr>
     <a:masterClrMapping/>
   </p:clrMapOvr>
+  <p:timing>
+    <p:tnLst>
+      <p:par>
+        <p:cTn id="1" dur="indefinite" restart="never" nodeType="tmRoot"/>
+      </p:par>
+    </p:tnLst>
+  </p:timing>
 </p:sld>
 </file>
 
@@ -40053,6 +43161,13 @@
   <p:clrMapOvr>
     <a:masterClrMapping/>
   </p:clrMapOvr>
+  <p:timing>
+    <p:tnLst>
+      <p:par>
+        <p:cTn id="1" dur="indefinite" restart="never" nodeType="tmRoot"/>
+      </p:par>
+    </p:tnLst>
+  </p:timing>
 </p:sld>
 </file>
 
@@ -40161,6 +43276,668 @@
           </a:p>
         </p:txBody>
       </p:sp>
+      <p:sp>
+        <p:nvSpPr>
+          <p:cNvPr id="5" name="Rectangle 5"/>
+          <p:cNvSpPr>
+            <a:spLocks noChangeArrowheads="1"/>
+          </p:cNvSpPr>
+          <p:nvPr/>
+        </p:nvSpPr>
+        <p:spPr bwMode="auto">
+          <a:xfrm>
+            <a:off x="0" y="0"/>
+            <a:ext cx="12192000" cy="6858000"/>
+          </a:xfrm>
+          <a:prstGeom prst="rect">
+            <a:avLst/>
+          </a:prstGeom>
+          <a:solidFill>
+            <a:srgbClr val="FFFFFF">
+              <a:alpha val="50195"/>
+            </a:srgbClr>
+          </a:solidFill>
+          <a:ln>
+            <a:noFill/>
+          </a:ln>
+          <a:effectLst>
+            <a:outerShdw dist="53882" dir="2700000" algn="ctr" rotWithShape="0">
+              <a:srgbClr val="919191">
+                <a:alpha val="50000"/>
+              </a:srgbClr>
+            </a:outerShdw>
+          </a:effectLst>
+          <a:extLst>
+            <a:ext uri="{91240B29-F687-4F45-9708-019B960494DF}">
+              <a14:hiddenLine xmlns:a14="http://schemas.microsoft.com/office/drawing/2010/main" w="9525" algn="ctr">
+                <a:solidFill>
+                  <a:srgbClr val="000000"/>
+                </a:solidFill>
+                <a:miter lim="800000"/>
+                <a:headEnd/>
+                <a:tailEnd/>
+              </a14:hiddenLine>
+            </a:ext>
+          </a:extLst>
+        </p:spPr>
+        <p:txBody>
+          <a:bodyPr wrap="none" anchor="ctr"/>
+          <a:lstStyle>
+            <a:lvl1pPr>
+              <a:defRPr b="1">
+                <a:solidFill>
+                  <a:schemeClr val="tx1"/>
+                </a:solidFill>
+                <a:latin typeface="Verdana" panose="020B0604030504040204" pitchFamily="34" charset="0"/>
+              </a:defRPr>
+            </a:lvl1pPr>
+            <a:lvl2pPr marL="742950" indent="-285750">
+              <a:defRPr b="1">
+                <a:solidFill>
+                  <a:schemeClr val="tx1"/>
+                </a:solidFill>
+                <a:latin typeface="Verdana" panose="020B0604030504040204" pitchFamily="34" charset="0"/>
+              </a:defRPr>
+            </a:lvl2pPr>
+            <a:lvl3pPr marL="1143000" indent="-228600">
+              <a:defRPr b="1">
+                <a:solidFill>
+                  <a:schemeClr val="tx1"/>
+                </a:solidFill>
+                <a:latin typeface="Verdana" panose="020B0604030504040204" pitchFamily="34" charset="0"/>
+              </a:defRPr>
+            </a:lvl3pPr>
+            <a:lvl4pPr marL="1600200" indent="-228600">
+              <a:defRPr b="1">
+                <a:solidFill>
+                  <a:schemeClr val="tx1"/>
+                </a:solidFill>
+                <a:latin typeface="Verdana" panose="020B0604030504040204" pitchFamily="34" charset="0"/>
+              </a:defRPr>
+            </a:lvl4pPr>
+            <a:lvl5pPr marL="2057400" indent="-228600">
+              <a:defRPr b="1">
+                <a:solidFill>
+                  <a:schemeClr val="tx1"/>
+                </a:solidFill>
+                <a:latin typeface="Verdana" panose="020B0604030504040204" pitchFamily="34" charset="0"/>
+              </a:defRPr>
+            </a:lvl5pPr>
+            <a:lvl6pPr marL="2514600" indent="-228600" eaLnBrk="0" fontAlgn="base" hangingPunct="0">
+              <a:spcBef>
+                <a:spcPct val="0"/>
+              </a:spcBef>
+              <a:spcAft>
+                <a:spcPct val="0"/>
+              </a:spcAft>
+              <a:defRPr b="1">
+                <a:solidFill>
+                  <a:schemeClr val="tx1"/>
+                </a:solidFill>
+                <a:latin typeface="Verdana" panose="020B0604030504040204" pitchFamily="34" charset="0"/>
+              </a:defRPr>
+            </a:lvl6pPr>
+            <a:lvl7pPr marL="2971800" indent="-228600" eaLnBrk="0" fontAlgn="base" hangingPunct="0">
+              <a:spcBef>
+                <a:spcPct val="0"/>
+              </a:spcBef>
+              <a:spcAft>
+                <a:spcPct val="0"/>
+              </a:spcAft>
+              <a:defRPr b="1">
+                <a:solidFill>
+                  <a:schemeClr val="tx1"/>
+                </a:solidFill>
+                <a:latin typeface="Verdana" panose="020B0604030504040204" pitchFamily="34" charset="0"/>
+              </a:defRPr>
+            </a:lvl7pPr>
+            <a:lvl8pPr marL="3429000" indent="-228600" eaLnBrk="0" fontAlgn="base" hangingPunct="0">
+              <a:spcBef>
+                <a:spcPct val="0"/>
+              </a:spcBef>
+              <a:spcAft>
+                <a:spcPct val="0"/>
+              </a:spcAft>
+              <a:defRPr b="1">
+                <a:solidFill>
+                  <a:schemeClr val="tx1"/>
+                </a:solidFill>
+                <a:latin typeface="Verdana" panose="020B0604030504040204" pitchFamily="34" charset="0"/>
+              </a:defRPr>
+            </a:lvl8pPr>
+            <a:lvl9pPr marL="3886200" indent="-228600" eaLnBrk="0" fontAlgn="base" hangingPunct="0">
+              <a:spcBef>
+                <a:spcPct val="0"/>
+              </a:spcBef>
+              <a:spcAft>
+                <a:spcPct val="0"/>
+              </a:spcAft>
+              <a:defRPr b="1">
+                <a:solidFill>
+                  <a:schemeClr val="tx1"/>
+                </a:solidFill>
+                <a:latin typeface="Verdana" panose="020B0604030504040204" pitchFamily="34" charset="0"/>
+              </a:defRPr>
+            </a:lvl9pPr>
+          </a:lstStyle>
+          <a:p>
+            <a:pPr algn="ctr"/>
+            <a:endParaRPr lang="en-US" altLang="en-US"/>
+          </a:p>
+        </p:txBody>
+      </p:sp>
+      <p:sp>
+        <p:nvSpPr>
+          <p:cNvPr id="6" name="Rectangle 6"/>
+          <p:cNvSpPr>
+            <a:spLocks noChangeArrowheads="1"/>
+          </p:cNvSpPr>
+          <p:nvPr/>
+        </p:nvSpPr>
+        <p:spPr bwMode="auto">
+          <a:xfrm>
+            <a:off x="492125" y="5038725"/>
+            <a:ext cx="4094163" cy="1589088"/>
+          </a:xfrm>
+          <a:prstGeom prst="rect">
+            <a:avLst/>
+          </a:prstGeom>
+          <a:solidFill>
+            <a:srgbClr val="FFFFFF"/>
+          </a:solidFill>
+          <a:ln w="9525" algn="ctr">
+            <a:solidFill>
+              <a:schemeClr val="bg2"/>
+            </a:solidFill>
+            <a:miter lim="800000"/>
+            <a:headEnd/>
+            <a:tailEnd/>
+          </a:ln>
+          <a:effectLst>
+            <a:outerShdw dist="53882" dir="2700000" algn="ctr" rotWithShape="0">
+              <a:srgbClr val="919191">
+                <a:alpha val="50000"/>
+              </a:srgbClr>
+            </a:outerShdw>
+          </a:effectLst>
+        </p:spPr>
+        <p:txBody>
+          <a:bodyPr anchor="ctr"/>
+          <a:lstStyle>
+            <a:lvl1pPr>
+              <a:defRPr b="1">
+                <a:solidFill>
+                  <a:schemeClr val="tx1"/>
+                </a:solidFill>
+                <a:latin typeface="Verdana" panose="020B0604030504040204" pitchFamily="34" charset="0"/>
+              </a:defRPr>
+            </a:lvl1pPr>
+            <a:lvl2pPr marL="742950" indent="-285750">
+              <a:defRPr b="1">
+                <a:solidFill>
+                  <a:schemeClr val="tx1"/>
+                </a:solidFill>
+                <a:latin typeface="Verdana" panose="020B0604030504040204" pitchFamily="34" charset="0"/>
+              </a:defRPr>
+            </a:lvl2pPr>
+            <a:lvl3pPr marL="1143000" indent="-228600">
+              <a:defRPr b="1">
+                <a:solidFill>
+                  <a:schemeClr val="tx1"/>
+                </a:solidFill>
+                <a:latin typeface="Verdana" panose="020B0604030504040204" pitchFamily="34" charset="0"/>
+              </a:defRPr>
+            </a:lvl3pPr>
+            <a:lvl4pPr marL="1600200" indent="-228600">
+              <a:defRPr b="1">
+                <a:solidFill>
+                  <a:schemeClr val="tx1"/>
+                </a:solidFill>
+                <a:latin typeface="Verdana" panose="020B0604030504040204" pitchFamily="34" charset="0"/>
+              </a:defRPr>
+            </a:lvl4pPr>
+            <a:lvl5pPr marL="2057400" indent="-228600">
+              <a:defRPr b="1">
+                <a:solidFill>
+                  <a:schemeClr val="tx1"/>
+                </a:solidFill>
+                <a:latin typeface="Verdana" panose="020B0604030504040204" pitchFamily="34" charset="0"/>
+              </a:defRPr>
+            </a:lvl5pPr>
+            <a:lvl6pPr marL="2514600" indent="-228600" eaLnBrk="0" fontAlgn="base" hangingPunct="0">
+              <a:spcBef>
+                <a:spcPct val="0"/>
+              </a:spcBef>
+              <a:spcAft>
+                <a:spcPct val="0"/>
+              </a:spcAft>
+              <a:defRPr b="1">
+                <a:solidFill>
+                  <a:schemeClr val="tx1"/>
+                </a:solidFill>
+                <a:latin typeface="Verdana" panose="020B0604030504040204" pitchFamily="34" charset="0"/>
+              </a:defRPr>
+            </a:lvl6pPr>
+            <a:lvl7pPr marL="2971800" indent="-228600" eaLnBrk="0" fontAlgn="base" hangingPunct="0">
+              <a:spcBef>
+                <a:spcPct val="0"/>
+              </a:spcBef>
+              <a:spcAft>
+                <a:spcPct val="0"/>
+              </a:spcAft>
+              <a:defRPr b="1">
+                <a:solidFill>
+                  <a:schemeClr val="tx1"/>
+                </a:solidFill>
+                <a:latin typeface="Verdana" panose="020B0604030504040204" pitchFamily="34" charset="0"/>
+              </a:defRPr>
+            </a:lvl7pPr>
+            <a:lvl8pPr marL="3429000" indent="-228600" eaLnBrk="0" fontAlgn="base" hangingPunct="0">
+              <a:spcBef>
+                <a:spcPct val="0"/>
+              </a:spcBef>
+              <a:spcAft>
+                <a:spcPct val="0"/>
+              </a:spcAft>
+              <a:defRPr b="1">
+                <a:solidFill>
+                  <a:schemeClr val="tx1"/>
+                </a:solidFill>
+                <a:latin typeface="Verdana" panose="020B0604030504040204" pitchFamily="34" charset="0"/>
+              </a:defRPr>
+            </a:lvl8pPr>
+            <a:lvl9pPr marL="3886200" indent="-228600" eaLnBrk="0" fontAlgn="base" hangingPunct="0">
+              <a:spcBef>
+                <a:spcPct val="0"/>
+              </a:spcBef>
+              <a:spcAft>
+                <a:spcPct val="0"/>
+              </a:spcAft>
+              <a:defRPr b="1">
+                <a:solidFill>
+                  <a:schemeClr val="tx1"/>
+                </a:solidFill>
+                <a:latin typeface="Verdana" panose="020B0604030504040204" pitchFamily="34" charset="0"/>
+              </a:defRPr>
+            </a:lvl9pPr>
+          </a:lstStyle>
+          <a:p>
+            <a:pPr algn="ctr"/>
+            <a:r>
+              <a:rPr lang="en-US" altLang="en-US">
+                <a:solidFill>
+                  <a:srgbClr val="000000"/>
+                </a:solidFill>
+              </a:rPr>
+              <a:t>Questions? Comments?</a:t>
+            </a:r>
+          </a:p>
+          <a:p>
+            <a:pPr algn="ctr"/>
+            <a:r>
+              <a:rPr lang="en-US" altLang="en-US">
+                <a:solidFill>
+                  <a:srgbClr val="000000"/>
+                </a:solidFill>
+              </a:rPr>
+              <a:t>Dan’s e-mail: </a:t>
+            </a:r>
+            <a:r>
+              <a:rPr lang="en-US" altLang="en-US">
+                <a:solidFill>
+                  <a:srgbClr val="000000"/>
+                </a:solidFill>
+                <a:hlinkClick r:id="rId2"/>
+              </a:rPr>
+              <a:t>danc@onlc.com</a:t>
+            </a:r>
+            <a:endParaRPr lang="en-US" altLang="en-US">
+              <a:solidFill>
+                <a:srgbClr val="000000"/>
+              </a:solidFill>
+            </a:endParaRPr>
+          </a:p>
+          <a:p>
+            <a:pPr algn="ctr"/>
+            <a:r>
+              <a:rPr lang="en-US" altLang="en-US">
+                <a:solidFill>
+                  <a:srgbClr val="000000"/>
+                </a:solidFill>
+              </a:rPr>
+              <a:t>Dan’s cell #: (413) 455-0856</a:t>
+            </a:r>
+          </a:p>
+        </p:txBody>
+      </p:sp>
+      <p:sp>
+        <p:nvSpPr>
+          <p:cNvPr id="7" name="WordArt 3"/>
+          <p:cNvSpPr>
+            <a:spLocks noChangeArrowheads="1" noChangeShapeType="1" noTextEdit="1"/>
+          </p:cNvSpPr>
+          <p:nvPr/>
+        </p:nvSpPr>
+        <p:spPr bwMode="auto">
+          <a:xfrm>
+            <a:off x="1066800" y="2259807"/>
+            <a:ext cx="3167063" cy="2616200"/>
+          </a:xfrm>
+          <a:prstGeom prst="rect">
+            <a:avLst/>
+          </a:prstGeom>
+        </p:spPr>
+        <p:txBody>
+          <a:bodyPr wrap="none" fromWordArt="1">
+            <a:prstTxWarp prst="textSlantUp">
+              <a:avLst>
+                <a:gd name="adj" fmla="val 9014"/>
+              </a:avLst>
+            </a:prstTxWarp>
+          </a:bodyPr>
+          <a:lstStyle/>
+          <a:p>
+            <a:pPr algn="ctr"/>
+            <a:r>
+              <a:rPr lang="en-US" sz="3600" kern="10" dirty="0">
+                <a:ln w="9525">
+                  <a:solidFill>
+                    <a:srgbClr val="CC99FF"/>
+                  </a:solidFill>
+                  <a:round/>
+                  <a:headEnd/>
+                  <a:tailEnd/>
+                </a:ln>
+                <a:gradFill rotWithShape="1">
+                  <a:gsLst>
+                    <a:gs pos="0">
+                      <a:srgbClr val="6600CC"/>
+                    </a:gs>
+                    <a:gs pos="100000">
+                      <a:srgbClr val="CC00CC"/>
+                    </a:gs>
+                  </a:gsLst>
+                  <a:lin ang="5400000" scaled="1"/>
+                </a:gradFill>
+                <a:effectLst>
+                  <a:outerShdw dist="53882" dir="2700000" algn="ctr" rotWithShape="0">
+                    <a:srgbClr val="9999FF">
+                      <a:alpha val="79999"/>
+                    </a:srgbClr>
+                  </a:outerShdw>
+                </a:effectLst>
+                <a:latin typeface="Impact" panose="020B0806030902050204" pitchFamily="34" charset="0"/>
+              </a:rPr>
+              <a:t>Lab: </a:t>
+            </a:r>
+            <a:r>
+              <a:rPr lang="en-US" sz="3600" kern="10" dirty="0" smtClean="0">
+                <a:ln w="9525">
+                  <a:solidFill>
+                    <a:srgbClr val="CC99FF"/>
+                  </a:solidFill>
+                  <a:round/>
+                  <a:headEnd/>
+                  <a:tailEnd/>
+                </a:ln>
+                <a:gradFill rotWithShape="1">
+                  <a:gsLst>
+                    <a:gs pos="0">
+                      <a:srgbClr val="6600CC"/>
+                    </a:gs>
+                    <a:gs pos="100000">
+                      <a:srgbClr val="CC00CC"/>
+                    </a:gs>
+                  </a:gsLst>
+                  <a:lin ang="5400000" scaled="1"/>
+                </a:gradFill>
+                <a:effectLst>
+                  <a:outerShdw dist="53882" dir="2700000" algn="ctr" rotWithShape="0">
+                    <a:srgbClr val="9999FF">
+                      <a:alpha val="79999"/>
+                    </a:srgbClr>
+                  </a:outerShdw>
+                </a:effectLst>
+                <a:latin typeface="Impact" panose="020B0806030902050204" pitchFamily="34" charset="0"/>
+              </a:rPr>
+              <a:t>12:40-12:55</a:t>
+            </a:r>
+            <a:endParaRPr lang="en-US" sz="3600" kern="10" dirty="0">
+              <a:ln w="9525">
+                <a:solidFill>
+                  <a:srgbClr val="CC99FF"/>
+                </a:solidFill>
+                <a:round/>
+                <a:headEnd/>
+                <a:tailEnd/>
+              </a:ln>
+              <a:gradFill rotWithShape="1">
+                <a:gsLst>
+                  <a:gs pos="0">
+                    <a:srgbClr val="6600CC"/>
+                  </a:gs>
+                  <a:gs pos="100000">
+                    <a:srgbClr val="CC00CC"/>
+                  </a:gs>
+                </a:gsLst>
+                <a:lin ang="5400000" scaled="1"/>
+              </a:gradFill>
+              <a:effectLst>
+                <a:outerShdw dist="53882" dir="2700000" algn="ctr" rotWithShape="0">
+                  <a:srgbClr val="9999FF">
+                    <a:alpha val="79999"/>
+                  </a:srgbClr>
+                </a:outerShdw>
+              </a:effectLst>
+              <a:latin typeface="Impact" panose="020B0806030902050204" pitchFamily="34" charset="0"/>
+            </a:endParaRPr>
+          </a:p>
+          <a:p>
+            <a:pPr algn="ctr"/>
+            <a:r>
+              <a:rPr lang="en-US" sz="3600" kern="10" dirty="0">
+                <a:ln w="9525">
+                  <a:solidFill>
+                    <a:srgbClr val="CC99FF"/>
+                  </a:solidFill>
+                  <a:round/>
+                  <a:headEnd/>
+                  <a:tailEnd/>
+                </a:ln>
+                <a:gradFill rotWithShape="1">
+                  <a:gsLst>
+                    <a:gs pos="0">
+                      <a:srgbClr val="6600CC"/>
+                    </a:gs>
+                    <a:gs pos="100000">
+                      <a:srgbClr val="CC00CC"/>
+                    </a:gs>
+                  </a:gsLst>
+                  <a:lin ang="5400000" scaled="1"/>
+                </a:gradFill>
+                <a:effectLst>
+                  <a:outerShdw dist="53882" dir="2700000" algn="ctr" rotWithShape="0">
+                    <a:srgbClr val="9999FF">
+                      <a:alpha val="79999"/>
+                    </a:srgbClr>
+                  </a:outerShdw>
+                </a:effectLst>
+                <a:latin typeface="Impact" panose="020B0806030902050204" pitchFamily="34" charset="0"/>
+              </a:rPr>
+              <a:t>Lunch: </a:t>
+            </a:r>
+            <a:r>
+              <a:rPr lang="en-US" sz="3600" kern="10" dirty="0" smtClean="0">
+                <a:ln w="9525">
+                  <a:solidFill>
+                    <a:srgbClr val="CC99FF"/>
+                  </a:solidFill>
+                  <a:round/>
+                  <a:headEnd/>
+                  <a:tailEnd/>
+                </a:ln>
+                <a:gradFill rotWithShape="1">
+                  <a:gsLst>
+                    <a:gs pos="0">
+                      <a:srgbClr val="6600CC"/>
+                    </a:gs>
+                    <a:gs pos="100000">
+                      <a:srgbClr val="CC00CC"/>
+                    </a:gs>
+                  </a:gsLst>
+                  <a:lin ang="5400000" scaled="1"/>
+                </a:gradFill>
+                <a:effectLst>
+                  <a:outerShdw dist="53882" dir="2700000" algn="ctr" rotWithShape="0">
+                    <a:srgbClr val="9999FF">
+                      <a:alpha val="79999"/>
+                    </a:srgbClr>
+                  </a:outerShdw>
+                </a:effectLst>
+                <a:latin typeface="Impact" panose="020B0806030902050204" pitchFamily="34" charset="0"/>
+              </a:rPr>
+              <a:t>12:55-13:55</a:t>
+            </a:r>
+            <a:endParaRPr lang="en-US" sz="3600" kern="10" dirty="0">
+              <a:ln w="9525">
+                <a:solidFill>
+                  <a:srgbClr val="CC99FF"/>
+                </a:solidFill>
+                <a:round/>
+                <a:headEnd/>
+                <a:tailEnd/>
+              </a:ln>
+              <a:gradFill rotWithShape="1">
+                <a:gsLst>
+                  <a:gs pos="0">
+                    <a:srgbClr val="6600CC"/>
+                  </a:gs>
+                  <a:gs pos="100000">
+                    <a:srgbClr val="CC00CC"/>
+                  </a:gs>
+                </a:gsLst>
+                <a:lin ang="5400000" scaled="1"/>
+              </a:gradFill>
+              <a:effectLst>
+                <a:outerShdw dist="53882" dir="2700000" algn="ctr" rotWithShape="0">
+                  <a:srgbClr val="9999FF">
+                    <a:alpha val="79999"/>
+                  </a:srgbClr>
+                </a:outerShdw>
+              </a:effectLst>
+              <a:latin typeface="Impact" panose="020B0806030902050204" pitchFamily="34" charset="0"/>
+            </a:endParaRPr>
+          </a:p>
+        </p:txBody>
+      </p:sp>
+      <p:pic>
+        <p:nvPicPr>
+          <p:cNvPr id="8" name="Picture 6" descr="j0305257"/>
+          <p:cNvPicPr>
+            <a:picLocks noChangeAspect="1" noChangeArrowheads="1"/>
+          </p:cNvPicPr>
+          <p:nvPr/>
+        </p:nvPicPr>
+        <p:blipFill>
+          <a:blip r:embed="rId3">
+            <a:extLst>
+              <a:ext uri="{28A0092B-C50C-407E-A947-70E740481C1C}">
+                <a14:useLocalDpi xmlns:a14="http://schemas.microsoft.com/office/drawing/2010/main" val="0"/>
+              </a:ext>
+            </a:extLst>
+          </a:blip>
+          <a:srcRect/>
+          <a:stretch>
+            <a:fillRect/>
+          </a:stretch>
+        </p:blipFill>
+        <p:spPr bwMode="auto">
+          <a:xfrm>
+            <a:off x="9401175" y="427038"/>
+            <a:ext cx="1874838" cy="3013075"/>
+          </a:xfrm>
+          <a:prstGeom prst="rect">
+            <a:avLst/>
+          </a:prstGeom>
+          <a:noFill/>
+          <a:ln>
+            <a:noFill/>
+          </a:ln>
+          <a:extLst>
+            <a:ext uri="{909E8E84-426E-40DD-AFC4-6F175D3DCCD1}">
+              <a14:hiddenFill xmlns:a14="http://schemas.microsoft.com/office/drawing/2010/main">
+                <a:solidFill>
+                  <a:srgbClr val="FFFFFF"/>
+                </a:solidFill>
+              </a14:hiddenFill>
+            </a:ext>
+            <a:ext uri="{91240B29-F687-4F45-9708-019B960494DF}">
+              <a14:hiddenLine xmlns:a14="http://schemas.microsoft.com/office/drawing/2010/main" w="9525">
+                <a:solidFill>
+                  <a:srgbClr val="000000"/>
+                </a:solidFill>
+                <a:miter lim="800000"/>
+                <a:headEnd/>
+                <a:tailEnd/>
+              </a14:hiddenLine>
+            </a:ext>
+          </a:extLst>
+        </p:spPr>
+      </p:pic>
+      <p:pic>
+        <p:nvPicPr>
+          <p:cNvPr id="9" name="Picture 7" descr="MCj02320440000[1]"/>
+          <p:cNvPicPr>
+            <a:picLocks noChangeAspect="1" noChangeArrowheads="1"/>
+          </p:cNvPicPr>
+          <p:nvPr/>
+        </p:nvPicPr>
+        <p:blipFill>
+          <a:blip r:embed="rId4">
+            <a:extLst>
+              <a:ext uri="{28A0092B-C50C-407E-A947-70E740481C1C}">
+                <a14:useLocalDpi xmlns:a14="http://schemas.microsoft.com/office/drawing/2010/main" val="0"/>
+              </a:ext>
+            </a:extLst>
+          </a:blip>
+          <a:srcRect/>
+          <a:stretch>
+            <a:fillRect/>
+          </a:stretch>
+        </p:blipFill>
+        <p:spPr bwMode="auto">
+          <a:xfrm>
+            <a:off x="9212263" y="3700463"/>
+            <a:ext cx="2513012" cy="2495550"/>
+          </a:xfrm>
+          <a:prstGeom prst="rect">
+            <a:avLst/>
+          </a:prstGeom>
+          <a:noFill/>
+          <a:ln>
+            <a:noFill/>
+          </a:ln>
+          <a:extLst>
+            <a:ext uri="{909E8E84-426E-40DD-AFC4-6F175D3DCCD1}">
+              <a14:hiddenFill xmlns:a14="http://schemas.microsoft.com/office/drawing/2010/main">
+                <a:solidFill>
+                  <a:srgbClr val="FFFFFF"/>
+                </a:solidFill>
+              </a14:hiddenFill>
+            </a:ext>
+            <a:ext uri="{91240B29-F687-4F45-9708-019B960494DF}">
+              <a14:hiddenLine xmlns:a14="http://schemas.microsoft.com/office/drawing/2010/main" w="9525">
+                <a:solidFill>
+                  <a:srgbClr val="000000"/>
+                </a:solidFill>
+                <a:miter lim="800000"/>
+                <a:headEnd/>
+                <a:tailEnd/>
+              </a14:hiddenLine>
+            </a:ext>
+          </a:extLst>
+        </p:spPr>
+      </p:pic>
     </p:spTree>
     <p:extLst>
       <p:ext uri="{BB962C8B-B14F-4D97-AF65-F5344CB8AC3E}">
@@ -40171,6 +43948,13 @@
   <p:clrMapOvr>
     <a:masterClrMapping/>
   </p:clrMapOvr>
+  <p:timing>
+    <p:tnLst>
+      <p:par>
+        <p:cTn id="1" dur="indefinite" restart="never" nodeType="tmRoot"/>
+      </p:par>
+    </p:tnLst>
+  </p:timing>
 </p:sld>
 </file>
 
@@ -40229,6 +44013,13 @@
   <p:clrMapOvr>
     <a:masterClrMapping/>
   </p:clrMapOvr>
+  <p:timing>
+    <p:tnLst>
+      <p:par>
+        <p:cTn id="1" dur="indefinite" restart="never" nodeType="tmRoot"/>
+      </p:par>
+    </p:tnLst>
+  </p:timing>
 </p:sld>
 </file>
 
@@ -40416,6 +44207,13 @@
   <p:clrMapOvr>
     <a:masterClrMapping/>
   </p:clrMapOvr>
+  <p:timing>
+    <p:tnLst>
+      <p:par>
+        <p:cTn id="1" dur="indefinite" restart="never" nodeType="tmRoot"/>
+      </p:par>
+    </p:tnLst>
+  </p:timing>
 </p:sld>
 </file>
 
@@ -40555,6 +44353,13 @@
   <p:clrMapOvr>
     <a:masterClrMapping/>
   </p:clrMapOvr>
+  <p:timing>
+    <p:tnLst>
+      <p:par>
+        <p:cTn id="1" dur="indefinite" restart="never" nodeType="tmRoot"/>
+      </p:par>
+    </p:tnLst>
+  </p:timing>
 </p:sld>
 </file>
 
@@ -40710,6 +44515,546 @@
           </a:p>
         </p:txBody>
       </p:sp>
+      <p:sp>
+        <p:nvSpPr>
+          <p:cNvPr id="5" name="Rectangle 5"/>
+          <p:cNvSpPr>
+            <a:spLocks noChangeArrowheads="1"/>
+          </p:cNvSpPr>
+          <p:nvPr/>
+        </p:nvSpPr>
+        <p:spPr bwMode="auto">
+          <a:xfrm>
+            <a:off x="0" y="0"/>
+            <a:ext cx="12192000" cy="6858000"/>
+          </a:xfrm>
+          <a:prstGeom prst="rect">
+            <a:avLst/>
+          </a:prstGeom>
+          <a:solidFill>
+            <a:srgbClr val="FFFFFF">
+              <a:alpha val="50195"/>
+            </a:srgbClr>
+          </a:solidFill>
+          <a:ln>
+            <a:noFill/>
+          </a:ln>
+          <a:effectLst>
+            <a:outerShdw dist="53882" dir="2700000" algn="ctr" rotWithShape="0">
+              <a:srgbClr val="919191">
+                <a:alpha val="50000"/>
+              </a:srgbClr>
+            </a:outerShdw>
+          </a:effectLst>
+          <a:extLst>
+            <a:ext uri="{91240B29-F687-4F45-9708-019B960494DF}">
+              <a14:hiddenLine xmlns:a14="http://schemas.microsoft.com/office/drawing/2010/main" w="9525" algn="ctr">
+                <a:solidFill>
+                  <a:srgbClr val="000000"/>
+                </a:solidFill>
+                <a:miter lim="800000"/>
+                <a:headEnd/>
+                <a:tailEnd/>
+              </a14:hiddenLine>
+            </a:ext>
+          </a:extLst>
+        </p:spPr>
+        <p:txBody>
+          <a:bodyPr wrap="none" anchor="ctr"/>
+          <a:lstStyle>
+            <a:lvl1pPr>
+              <a:defRPr b="1">
+                <a:solidFill>
+                  <a:schemeClr val="tx1"/>
+                </a:solidFill>
+                <a:latin typeface="Verdana" panose="020B0604030504040204" pitchFamily="34" charset="0"/>
+              </a:defRPr>
+            </a:lvl1pPr>
+            <a:lvl2pPr marL="742950" indent="-285750">
+              <a:defRPr b="1">
+                <a:solidFill>
+                  <a:schemeClr val="tx1"/>
+                </a:solidFill>
+                <a:latin typeface="Verdana" panose="020B0604030504040204" pitchFamily="34" charset="0"/>
+              </a:defRPr>
+            </a:lvl2pPr>
+            <a:lvl3pPr marL="1143000" indent="-228600">
+              <a:defRPr b="1">
+                <a:solidFill>
+                  <a:schemeClr val="tx1"/>
+                </a:solidFill>
+                <a:latin typeface="Verdana" panose="020B0604030504040204" pitchFamily="34" charset="0"/>
+              </a:defRPr>
+            </a:lvl3pPr>
+            <a:lvl4pPr marL="1600200" indent="-228600">
+              <a:defRPr b="1">
+                <a:solidFill>
+                  <a:schemeClr val="tx1"/>
+                </a:solidFill>
+                <a:latin typeface="Verdana" panose="020B0604030504040204" pitchFamily="34" charset="0"/>
+              </a:defRPr>
+            </a:lvl4pPr>
+            <a:lvl5pPr marL="2057400" indent="-228600">
+              <a:defRPr b="1">
+                <a:solidFill>
+                  <a:schemeClr val="tx1"/>
+                </a:solidFill>
+                <a:latin typeface="Verdana" panose="020B0604030504040204" pitchFamily="34" charset="0"/>
+              </a:defRPr>
+            </a:lvl5pPr>
+            <a:lvl6pPr marL="2514600" indent="-228600" eaLnBrk="0" fontAlgn="base" hangingPunct="0">
+              <a:spcBef>
+                <a:spcPct val="0"/>
+              </a:spcBef>
+              <a:spcAft>
+                <a:spcPct val="0"/>
+              </a:spcAft>
+              <a:defRPr b="1">
+                <a:solidFill>
+                  <a:schemeClr val="tx1"/>
+                </a:solidFill>
+                <a:latin typeface="Verdana" panose="020B0604030504040204" pitchFamily="34" charset="0"/>
+              </a:defRPr>
+            </a:lvl6pPr>
+            <a:lvl7pPr marL="2971800" indent="-228600" eaLnBrk="0" fontAlgn="base" hangingPunct="0">
+              <a:spcBef>
+                <a:spcPct val="0"/>
+              </a:spcBef>
+              <a:spcAft>
+                <a:spcPct val="0"/>
+              </a:spcAft>
+              <a:defRPr b="1">
+                <a:solidFill>
+                  <a:schemeClr val="tx1"/>
+                </a:solidFill>
+                <a:latin typeface="Verdana" panose="020B0604030504040204" pitchFamily="34" charset="0"/>
+              </a:defRPr>
+            </a:lvl7pPr>
+            <a:lvl8pPr marL="3429000" indent="-228600" eaLnBrk="0" fontAlgn="base" hangingPunct="0">
+              <a:spcBef>
+                <a:spcPct val="0"/>
+              </a:spcBef>
+              <a:spcAft>
+                <a:spcPct val="0"/>
+              </a:spcAft>
+              <a:defRPr b="1">
+                <a:solidFill>
+                  <a:schemeClr val="tx1"/>
+                </a:solidFill>
+                <a:latin typeface="Verdana" panose="020B0604030504040204" pitchFamily="34" charset="0"/>
+              </a:defRPr>
+            </a:lvl8pPr>
+            <a:lvl9pPr marL="3886200" indent="-228600" eaLnBrk="0" fontAlgn="base" hangingPunct="0">
+              <a:spcBef>
+                <a:spcPct val="0"/>
+              </a:spcBef>
+              <a:spcAft>
+                <a:spcPct val="0"/>
+              </a:spcAft>
+              <a:defRPr b="1">
+                <a:solidFill>
+                  <a:schemeClr val="tx1"/>
+                </a:solidFill>
+                <a:latin typeface="Verdana" panose="020B0604030504040204" pitchFamily="34" charset="0"/>
+              </a:defRPr>
+            </a:lvl9pPr>
+          </a:lstStyle>
+          <a:p>
+            <a:pPr algn="ctr"/>
+            <a:endParaRPr lang="en-US" altLang="en-US"/>
+          </a:p>
+        </p:txBody>
+      </p:sp>
+      <p:sp>
+        <p:nvSpPr>
+          <p:cNvPr id="6" name="Rectangle 6"/>
+          <p:cNvSpPr>
+            <a:spLocks noChangeArrowheads="1"/>
+          </p:cNvSpPr>
+          <p:nvPr/>
+        </p:nvSpPr>
+        <p:spPr bwMode="auto">
+          <a:xfrm>
+            <a:off x="492125" y="5038725"/>
+            <a:ext cx="4094163" cy="1589088"/>
+          </a:xfrm>
+          <a:prstGeom prst="rect">
+            <a:avLst/>
+          </a:prstGeom>
+          <a:solidFill>
+            <a:srgbClr val="FFFFFF"/>
+          </a:solidFill>
+          <a:ln w="9525" algn="ctr">
+            <a:solidFill>
+              <a:schemeClr val="bg2"/>
+            </a:solidFill>
+            <a:miter lim="800000"/>
+            <a:headEnd/>
+            <a:tailEnd/>
+          </a:ln>
+          <a:effectLst>
+            <a:outerShdw dist="53882" dir="2700000" algn="ctr" rotWithShape="0">
+              <a:srgbClr val="919191">
+                <a:alpha val="50000"/>
+              </a:srgbClr>
+            </a:outerShdw>
+          </a:effectLst>
+        </p:spPr>
+        <p:txBody>
+          <a:bodyPr anchor="ctr"/>
+          <a:lstStyle>
+            <a:lvl1pPr>
+              <a:defRPr b="1">
+                <a:solidFill>
+                  <a:schemeClr val="tx1"/>
+                </a:solidFill>
+                <a:latin typeface="Verdana" panose="020B0604030504040204" pitchFamily="34" charset="0"/>
+              </a:defRPr>
+            </a:lvl1pPr>
+            <a:lvl2pPr marL="742950" indent="-285750">
+              <a:defRPr b="1">
+                <a:solidFill>
+                  <a:schemeClr val="tx1"/>
+                </a:solidFill>
+                <a:latin typeface="Verdana" panose="020B0604030504040204" pitchFamily="34" charset="0"/>
+              </a:defRPr>
+            </a:lvl2pPr>
+            <a:lvl3pPr marL="1143000" indent="-228600">
+              <a:defRPr b="1">
+                <a:solidFill>
+                  <a:schemeClr val="tx1"/>
+                </a:solidFill>
+                <a:latin typeface="Verdana" panose="020B0604030504040204" pitchFamily="34" charset="0"/>
+              </a:defRPr>
+            </a:lvl3pPr>
+            <a:lvl4pPr marL="1600200" indent="-228600">
+              <a:defRPr b="1">
+                <a:solidFill>
+                  <a:schemeClr val="tx1"/>
+                </a:solidFill>
+                <a:latin typeface="Verdana" panose="020B0604030504040204" pitchFamily="34" charset="0"/>
+              </a:defRPr>
+            </a:lvl4pPr>
+            <a:lvl5pPr marL="2057400" indent="-228600">
+              <a:defRPr b="1">
+                <a:solidFill>
+                  <a:schemeClr val="tx1"/>
+                </a:solidFill>
+                <a:latin typeface="Verdana" panose="020B0604030504040204" pitchFamily="34" charset="0"/>
+              </a:defRPr>
+            </a:lvl5pPr>
+            <a:lvl6pPr marL="2514600" indent="-228600" eaLnBrk="0" fontAlgn="base" hangingPunct="0">
+              <a:spcBef>
+                <a:spcPct val="0"/>
+              </a:spcBef>
+              <a:spcAft>
+                <a:spcPct val="0"/>
+              </a:spcAft>
+              <a:defRPr b="1">
+                <a:solidFill>
+                  <a:schemeClr val="tx1"/>
+                </a:solidFill>
+                <a:latin typeface="Verdana" panose="020B0604030504040204" pitchFamily="34" charset="0"/>
+              </a:defRPr>
+            </a:lvl6pPr>
+            <a:lvl7pPr marL="2971800" indent="-228600" eaLnBrk="0" fontAlgn="base" hangingPunct="0">
+              <a:spcBef>
+                <a:spcPct val="0"/>
+              </a:spcBef>
+              <a:spcAft>
+                <a:spcPct val="0"/>
+              </a:spcAft>
+              <a:defRPr b="1">
+                <a:solidFill>
+                  <a:schemeClr val="tx1"/>
+                </a:solidFill>
+                <a:latin typeface="Verdana" panose="020B0604030504040204" pitchFamily="34" charset="0"/>
+              </a:defRPr>
+            </a:lvl7pPr>
+            <a:lvl8pPr marL="3429000" indent="-228600" eaLnBrk="0" fontAlgn="base" hangingPunct="0">
+              <a:spcBef>
+                <a:spcPct val="0"/>
+              </a:spcBef>
+              <a:spcAft>
+                <a:spcPct val="0"/>
+              </a:spcAft>
+              <a:defRPr b="1">
+                <a:solidFill>
+                  <a:schemeClr val="tx1"/>
+                </a:solidFill>
+                <a:latin typeface="Verdana" panose="020B0604030504040204" pitchFamily="34" charset="0"/>
+              </a:defRPr>
+            </a:lvl8pPr>
+            <a:lvl9pPr marL="3886200" indent="-228600" eaLnBrk="0" fontAlgn="base" hangingPunct="0">
+              <a:spcBef>
+                <a:spcPct val="0"/>
+              </a:spcBef>
+              <a:spcAft>
+                <a:spcPct val="0"/>
+              </a:spcAft>
+              <a:defRPr b="1">
+                <a:solidFill>
+                  <a:schemeClr val="tx1"/>
+                </a:solidFill>
+                <a:latin typeface="Verdana" panose="020B0604030504040204" pitchFamily="34" charset="0"/>
+              </a:defRPr>
+            </a:lvl9pPr>
+          </a:lstStyle>
+          <a:p>
+            <a:pPr algn="ctr"/>
+            <a:r>
+              <a:rPr lang="en-US" altLang="en-US">
+                <a:solidFill>
+                  <a:srgbClr val="000000"/>
+                </a:solidFill>
+              </a:rPr>
+              <a:t>Questions? Comments?</a:t>
+            </a:r>
+          </a:p>
+          <a:p>
+            <a:pPr algn="ctr"/>
+            <a:r>
+              <a:rPr lang="en-US" altLang="en-US">
+                <a:solidFill>
+                  <a:srgbClr val="000000"/>
+                </a:solidFill>
+              </a:rPr>
+              <a:t>Dan’s e-mail: </a:t>
+            </a:r>
+            <a:r>
+              <a:rPr lang="en-US" altLang="en-US">
+                <a:solidFill>
+                  <a:srgbClr val="000000"/>
+                </a:solidFill>
+                <a:hlinkClick r:id="rId2"/>
+              </a:rPr>
+              <a:t>danc@onlc.com</a:t>
+            </a:r>
+            <a:endParaRPr lang="en-US" altLang="en-US">
+              <a:solidFill>
+                <a:srgbClr val="000000"/>
+              </a:solidFill>
+            </a:endParaRPr>
+          </a:p>
+          <a:p>
+            <a:pPr algn="ctr"/>
+            <a:r>
+              <a:rPr lang="en-US" altLang="en-US">
+                <a:solidFill>
+                  <a:srgbClr val="000000"/>
+                </a:solidFill>
+              </a:rPr>
+              <a:t>Dan’s cell #: (413) 455-0856</a:t>
+            </a:r>
+          </a:p>
+        </p:txBody>
+      </p:sp>
+      <p:sp>
+        <p:nvSpPr>
+          <p:cNvPr id="7" name="WordArt 3"/>
+          <p:cNvSpPr>
+            <a:spLocks noChangeArrowheads="1" noChangeShapeType="1" noTextEdit="1"/>
+          </p:cNvSpPr>
+          <p:nvPr/>
+        </p:nvSpPr>
+        <p:spPr bwMode="auto">
+          <a:xfrm>
+            <a:off x="5946774" y="3225631"/>
+            <a:ext cx="3167063" cy="2616200"/>
+          </a:xfrm>
+          <a:prstGeom prst="rect">
+            <a:avLst/>
+          </a:prstGeom>
+        </p:spPr>
+        <p:txBody>
+          <a:bodyPr wrap="none" fromWordArt="1">
+            <a:prstTxWarp prst="textSlantUp">
+              <a:avLst>
+                <a:gd name="adj" fmla="val 9014"/>
+              </a:avLst>
+            </a:prstTxWarp>
+          </a:bodyPr>
+          <a:lstStyle/>
+          <a:p>
+            <a:pPr algn="ctr"/>
+            <a:r>
+              <a:rPr lang="en-US" sz="3600" kern="10" dirty="0">
+                <a:ln w="9525">
+                  <a:solidFill>
+                    <a:srgbClr val="CC99FF"/>
+                  </a:solidFill>
+                  <a:round/>
+                  <a:headEnd/>
+                  <a:tailEnd/>
+                </a:ln>
+                <a:gradFill rotWithShape="1">
+                  <a:gsLst>
+                    <a:gs pos="0">
+                      <a:srgbClr val="6600CC"/>
+                    </a:gs>
+                    <a:gs pos="100000">
+                      <a:srgbClr val="CC00CC"/>
+                    </a:gs>
+                  </a:gsLst>
+                  <a:lin ang="5400000" scaled="1"/>
+                </a:gradFill>
+                <a:effectLst>
+                  <a:outerShdw dist="53882" dir="2700000" algn="ctr" rotWithShape="0">
+                    <a:srgbClr val="9999FF">
+                      <a:alpha val="79999"/>
+                    </a:srgbClr>
+                  </a:outerShdw>
+                </a:effectLst>
+                <a:latin typeface="Impact" panose="020B0806030902050204" pitchFamily="34" charset="0"/>
+              </a:rPr>
+              <a:t>Lab: 14:30-15:00</a:t>
+            </a:r>
+          </a:p>
+          <a:p>
+            <a:pPr algn="ctr"/>
+            <a:r>
+              <a:rPr lang="en-US" sz="3600" kern="10" dirty="0">
+                <a:ln w="9525">
+                  <a:solidFill>
+                    <a:srgbClr val="CC99FF"/>
+                  </a:solidFill>
+                  <a:round/>
+                  <a:headEnd/>
+                  <a:tailEnd/>
+                </a:ln>
+                <a:gradFill rotWithShape="1">
+                  <a:gsLst>
+                    <a:gs pos="0">
+                      <a:srgbClr val="6600CC"/>
+                    </a:gs>
+                    <a:gs pos="100000">
+                      <a:srgbClr val="CC00CC"/>
+                    </a:gs>
+                  </a:gsLst>
+                  <a:lin ang="5400000" scaled="1"/>
+                </a:gradFill>
+                <a:effectLst>
+                  <a:outerShdw dist="53882" dir="2700000" algn="ctr" rotWithShape="0">
+                    <a:srgbClr val="9999FF">
+                      <a:alpha val="79999"/>
+                    </a:srgbClr>
+                  </a:outerShdw>
+                </a:effectLst>
+                <a:latin typeface="Impact" panose="020B0806030902050204" pitchFamily="34" charset="0"/>
+              </a:rPr>
+              <a:t>P.M. Break: 15:00-15:15</a:t>
+            </a:r>
+          </a:p>
+        </p:txBody>
+      </p:sp>
+      <p:pic>
+        <p:nvPicPr>
+          <p:cNvPr id="8" name="Picture 5" descr="j0305257"/>
+          <p:cNvPicPr>
+            <a:picLocks noChangeAspect="1" noChangeArrowheads="1"/>
+          </p:cNvPicPr>
+          <p:nvPr/>
+        </p:nvPicPr>
+        <p:blipFill>
+          <a:blip r:embed="rId3">
+            <a:extLst>
+              <a:ext uri="{28A0092B-C50C-407E-A947-70E740481C1C}">
+                <a14:useLocalDpi xmlns:a14="http://schemas.microsoft.com/office/drawing/2010/main" val="0"/>
+              </a:ext>
+            </a:extLst>
+          </a:blip>
+          <a:srcRect/>
+          <a:stretch>
+            <a:fillRect/>
+          </a:stretch>
+        </p:blipFill>
+        <p:spPr bwMode="auto">
+          <a:xfrm>
+            <a:off x="9709150" y="606425"/>
+            <a:ext cx="1874838" cy="3013075"/>
+          </a:xfrm>
+          <a:prstGeom prst="rect">
+            <a:avLst/>
+          </a:prstGeom>
+          <a:noFill/>
+          <a:ln>
+            <a:noFill/>
+          </a:ln>
+          <a:extLst>
+            <a:ext uri="{909E8E84-426E-40DD-AFC4-6F175D3DCCD1}">
+              <a14:hiddenFill xmlns:a14="http://schemas.microsoft.com/office/drawing/2010/main">
+                <a:solidFill>
+                  <a:srgbClr val="FFFFFF"/>
+                </a:solidFill>
+              </a14:hiddenFill>
+            </a:ext>
+            <a:ext uri="{91240B29-F687-4F45-9708-019B960494DF}">
+              <a14:hiddenLine xmlns:a14="http://schemas.microsoft.com/office/drawing/2010/main" w="9525">
+                <a:solidFill>
+                  <a:srgbClr val="000000"/>
+                </a:solidFill>
+                <a:miter lim="800000"/>
+                <a:headEnd/>
+                <a:tailEnd/>
+              </a14:hiddenLine>
+            </a:ext>
+          </a:extLst>
+        </p:spPr>
+      </p:pic>
+      <p:pic>
+        <p:nvPicPr>
+          <p:cNvPr id="9" name="Picture 7" descr="MCj04315630000[1]"/>
+          <p:cNvPicPr>
+            <a:picLocks noChangeAspect="1" noChangeArrowheads="1"/>
+          </p:cNvPicPr>
+          <p:nvPr/>
+        </p:nvPicPr>
+        <p:blipFill>
+          <a:blip r:embed="rId4">
+            <a:extLst>
+              <a:ext uri="{28A0092B-C50C-407E-A947-70E740481C1C}">
+                <a14:useLocalDpi xmlns:a14="http://schemas.microsoft.com/office/drawing/2010/main" val="0"/>
+              </a:ext>
+            </a:extLst>
+          </a:blip>
+          <a:srcRect/>
+          <a:stretch>
+            <a:fillRect/>
+          </a:stretch>
+        </p:blipFill>
+        <p:spPr bwMode="auto">
+          <a:xfrm>
+            <a:off x="9328150" y="3713163"/>
+            <a:ext cx="2697163" cy="2714625"/>
+          </a:xfrm>
+          <a:prstGeom prst="rect">
+            <a:avLst/>
+          </a:prstGeom>
+          <a:noFill/>
+          <a:ln>
+            <a:noFill/>
+          </a:ln>
+          <a:extLst>
+            <a:ext uri="{909E8E84-426E-40DD-AFC4-6F175D3DCCD1}">
+              <a14:hiddenFill xmlns:a14="http://schemas.microsoft.com/office/drawing/2010/main">
+                <a:solidFill>
+                  <a:srgbClr val="FFFFFF"/>
+                </a:solidFill>
+              </a14:hiddenFill>
+            </a:ext>
+            <a:ext uri="{91240B29-F687-4F45-9708-019B960494DF}">
+              <a14:hiddenLine xmlns:a14="http://schemas.microsoft.com/office/drawing/2010/main" w="9525">
+                <a:solidFill>
+                  <a:srgbClr val="000000"/>
+                </a:solidFill>
+                <a:miter lim="800000"/>
+                <a:headEnd/>
+                <a:tailEnd/>
+              </a14:hiddenLine>
+            </a:ext>
+          </a:extLst>
+        </p:spPr>
+      </p:pic>
     </p:spTree>
     <p:extLst>
       <p:ext uri="{BB962C8B-B14F-4D97-AF65-F5344CB8AC3E}">
@@ -40720,6 +45065,13 @@
   <p:clrMapOvr>
     <a:masterClrMapping/>
   </p:clrMapOvr>
+  <p:timing>
+    <p:tnLst>
+      <p:par>
+        <p:cTn id="1" dur="indefinite" restart="never" nodeType="tmRoot"/>
+      </p:par>
+    </p:tnLst>
+  </p:timing>
 </p:sld>
 </file>
 
@@ -40778,6 +45130,13 @@
   <p:clrMapOvr>
     <a:masterClrMapping/>
   </p:clrMapOvr>
+  <p:timing>
+    <p:tnLst>
+      <p:par>
+        <p:cTn id="1" dur="indefinite" restart="never" nodeType="tmRoot"/>
+      </p:par>
+    </p:tnLst>
+  </p:timing>
 </p:sld>
 </file>
 
@@ -40836,6 +45195,13 @@
   <p:clrMapOvr>
     <a:masterClrMapping/>
   </p:clrMapOvr>
+  <p:timing>
+    <p:tnLst>
+      <p:par>
+        <p:cTn id="1" dur="indefinite" restart="never" nodeType="tmRoot"/>
+      </p:par>
+    </p:tnLst>
+  </p:timing>
 </p:sld>
 </file>
 
@@ -40990,6 +45356,13 @@
   <p:clrMapOvr>
     <a:masterClrMapping/>
   </p:clrMapOvr>
+  <p:timing>
+    <p:tnLst>
+      <p:par>
+        <p:cTn id="1" dur="indefinite" restart="never" nodeType="tmRoot"/>
+      </p:par>
+    </p:tnLst>
+  </p:timing>
 </p:sld>
 </file>
 
@@ -41073,13 +45446,7 @@
       </p:sp>
       <p:pic>
         <p:nvPicPr>
-          <p:cNvPr id="4" name="Picture 3">
-            <a:extLst>
-              <a:ext uri="{FF2B5EF4-FFF2-40B4-BE49-F238E27FC236}">
-                <a16:creationId xmlns:a16="http://schemas.microsoft.com/office/drawing/2014/main" id="{B5B891A1-0061-40B6-B04B-469BF368500F}"/>
-              </a:ext>
-            </a:extLst>
-          </p:cNvPr>
+          <p:cNvPr id="5" name="Picture 4"/>
           <p:cNvPicPr>
             <a:picLocks noChangeAspect="1"/>
           </p:cNvPicPr>
@@ -41093,8 +45460,8 @@
         </p:blipFill>
         <p:spPr>
           <a:xfrm>
-            <a:off x="8819786" y="668208"/>
-            <a:ext cx="2610214" cy="1857634"/>
+            <a:off x="8772154" y="762000"/>
+            <a:ext cx="2657846" cy="3953427"/>
           </a:xfrm>
           <a:prstGeom prst="rect">
             <a:avLst/>
@@ -41111,6 +45478,13 @@
   <p:clrMapOvr>
     <a:masterClrMapping/>
   </p:clrMapOvr>
+  <p:timing>
+    <p:tnLst>
+      <p:par>
+        <p:cTn id="1" dur="indefinite" restart="never" nodeType="tmRoot"/>
+      </p:par>
+    </p:tnLst>
+  </p:timing>
 </p:sld>
 </file>
 
@@ -42502,16 +46876,16 @@
 <file path=customXml/itemProps3.xml><?xml version="1.0" encoding="utf-8"?>
 <ds:datastoreItem xmlns:ds="http://schemas.openxmlformats.org/officeDocument/2006/customXml" ds:itemID="{FF9AC6B8-7021-4B23-A9AF-61295A177099}">
   <ds:schemaRefs>
+    <ds:schemaRef ds:uri="http://schemas.microsoft.com/office/2006/documentManagement/types"/>
+    <ds:schemaRef ds:uri="6549f357-ea04-4fdc-a4ff-01e398dbae1f"/>
+    <ds:schemaRef ds:uri="http://purl.org/dc/dcmitype/"/>
+    <ds:schemaRef ds:uri="http://schemas.microsoft.com/office/2006/metadata/properties"/>
+    <ds:schemaRef ds:uri="http://purl.org/dc/terms/"/>
     <ds:schemaRef ds:uri="http://www.w3.org/XML/1998/namespace"/>
-    <ds:schemaRef ds:uri="http://schemas.microsoft.com/office/2006/metadata/properties"/>
+    <ds:schemaRef ds:uri="8ae4afce-818c-4ab4-8e35-377c82201c18"/>
     <ds:schemaRef ds:uri="http://schemas.microsoft.com/office/infopath/2007/PartnerControls"/>
-    <ds:schemaRef ds:uri="http://schemas.microsoft.com/office/2006/documentManagement/types"/>
+    <ds:schemaRef ds:uri="http://schemas.openxmlformats.org/package/2006/metadata/core-properties"/>
     <ds:schemaRef ds:uri="http://purl.org/dc/elements/1.1/"/>
-    <ds:schemaRef ds:uri="http://purl.org/dc/terms/"/>
-    <ds:schemaRef ds:uri="http://schemas.openxmlformats.org/package/2006/metadata/core-properties"/>
-    <ds:schemaRef ds:uri="6549f357-ea04-4fdc-a4ff-01e398dbae1f"/>
-    <ds:schemaRef ds:uri="8ae4afce-818c-4ab4-8e35-377c82201c18"/>
-    <ds:schemaRef ds:uri="http://purl.org/dc/dcmitype/"/>
   </ds:schemaRefs>
 </ds:datastoreItem>
 </file>